--- a/Tutorials/whatiswot/8-JSON_Schema_in_Practice_3/8-JSON_Schema_in_Practice_3.pptx
+++ b/Tutorials/whatiswot/8-JSON_Schema_in_Practice_3/8-JSON_Schema_in_Practice_3.pptx
@@ -235,7 +235,7 @@
           <a:p>
             <a:fld id="{C8D30DF2-F19E-4B38-83C3-5749846EC033}" type="datetimeFigureOut">
               <a:rPr lang="en-US" smtClean="0"/>
-              <a:t>8/31/23</a:t>
+              <a:t>9/4/23</a:t>
             </a:fld>
             <a:endParaRPr lang="en-US"/>
           </a:p>
@@ -1166,7 +1166,7 @@
           <a:p>
             <a:r>
               <a:rPr lang="en-US" dirty="0"/>
-              <a:t>This step actually validates the data and writes the result into a valid </a:t>
+              <a:t>This step actually validates the data and writes the result into a </a:t>
             </a:r>
             <a:r>
               <a:rPr lang="en-US" dirty="0" err="1"/>
@@ -1825,7 +1825,47 @@
             </a:pPr>
             <a:r>
               <a:rPr lang="tr-TR" dirty="0"/>
-              <a:t>We will use the same temperature example that we use for AJV but for Python this time. </a:t>
+              <a:t>We will use the same temperature example that we use for AJV but for Python </a:t>
+            </a:r>
+            <a:r>
+              <a:rPr lang="tr-TR" dirty="0" err="1"/>
+              <a:t>this</a:t>
+            </a:r>
+            <a:r>
+              <a:rPr lang="tr-TR" dirty="0"/>
+              <a:t> time </a:t>
+            </a:r>
+            <a:r>
+              <a:rPr lang="tr-TR" dirty="0" err="1"/>
+              <a:t>with</a:t>
+            </a:r>
+            <a:r>
+              <a:rPr lang="tr-TR" dirty="0"/>
+              <a:t> </a:t>
+            </a:r>
+            <a:r>
+              <a:rPr lang="en-GB" b="0" i="0" u="none" strike="noStrike" dirty="0" err="1">
+                <a:solidFill>
+                  <a:srgbClr val="E6EDF3"/>
+                </a:solidFill>
+                <a:effectLst/>
+                <a:latin typeface="-apple-system"/>
+              </a:rPr>
+              <a:t>jsonschema</a:t>
+            </a:r>
+            <a:r>
+              <a:rPr lang="en-GB" b="0" i="0" u="none" strike="noStrike" dirty="0">
+                <a:solidFill>
+                  <a:srgbClr val="E6EDF3"/>
+                </a:solidFill>
+                <a:effectLst/>
+                <a:latin typeface="-apple-system"/>
+              </a:rPr>
+              <a:t> library</a:t>
+            </a:r>
+            <a:r>
+              <a:rPr lang="tr-TR" dirty="0"/>
+              <a:t>. </a:t>
             </a:r>
           </a:p>
           <a:p>
@@ -2115,7 +2155,7 @@
                 <a:effectLst/>
                 <a:latin typeface="Helvetica Neue" panose="02000503000000020004" pitchFamily="2" charset="0"/>
               </a:rPr>
-              <a:t> structure of Python and variables according to Python language. You see that capital False is used instead of false that is used for JavaScript</a:t>
+              <a:t> structure of Python and variables according to Python language. You see that capital “False” is used instead of ”false” that is used for JavaScript</a:t>
             </a:r>
             <a:r>
               <a:rPr lang="en-US" dirty="0">
@@ -2460,7 +2500,75 @@
             </a:pPr>
             <a:r>
               <a:rPr lang="tr-TR" dirty="0"/>
-              <a:t>The code outputs that the data is not valid since the property; «temperatureOf» </a:t>
+              <a:t>The code outputs that the data is not valid since </a:t>
+            </a:r>
+            <a:r>
+              <a:rPr lang="tr-TR" dirty="0" err="1"/>
+              <a:t>the</a:t>
+            </a:r>
+            <a:r>
+              <a:rPr lang="tr-TR" dirty="0"/>
+              <a:t> </a:t>
+            </a:r>
+            <a:r>
+              <a:rPr lang="tr-TR" dirty="0" err="1"/>
+              <a:t>property</a:t>
+            </a:r>
+            <a:r>
+              <a:rPr lang="tr-TR" dirty="0"/>
+              <a:t>, </a:t>
+            </a:r>
+            <a:r>
+              <a:rPr lang="en-US" sz="1200" b="0" dirty="0">
+                <a:solidFill>
+                  <a:schemeClr val="accent2"/>
+                </a:solidFill>
+                <a:effectLst/>
+                <a:latin typeface="Consolas" panose="020B0609020204030204" pitchFamily="49" charset="0"/>
+              </a:rPr>
+              <a:t> </a:t>
+            </a:r>
+            <a:r>
+              <a:rPr lang="en-US" sz="1200" b="0" dirty="0">
+                <a:solidFill>
+                  <a:schemeClr val="accent2">
+                    <a:lumMod val="75000"/>
+                  </a:schemeClr>
+                </a:solidFill>
+                <a:effectLst/>
+                <a:latin typeface="Consolas" panose="020B0609020204030204" pitchFamily="49" charset="0"/>
+              </a:rPr>
+              <a:t>"</a:t>
+            </a:r>
+            <a:r>
+              <a:rPr lang="tr-TR" dirty="0" err="1"/>
+              <a:t>temperatureOf</a:t>
+            </a:r>
+            <a:r>
+              <a:rPr lang="en-US" sz="1200" b="0" dirty="0">
+                <a:solidFill>
+                  <a:schemeClr val="accent2"/>
+                </a:solidFill>
+                <a:effectLst/>
+                <a:latin typeface="Consolas" panose="020B0609020204030204" pitchFamily="49" charset="0"/>
+              </a:rPr>
+              <a:t> </a:t>
+            </a:r>
+            <a:r>
+              <a:rPr lang="en-US" sz="1200" b="0">
+                <a:solidFill>
+                  <a:schemeClr val="accent2">
+                    <a:lumMod val="75000"/>
+                  </a:schemeClr>
+                </a:solidFill>
+                <a:effectLst/>
+                <a:latin typeface="Consolas" panose="020B0609020204030204" pitchFamily="49" charset="0"/>
+              </a:rPr>
+              <a:t>” is</a:t>
+            </a:r>
+            <a:r>
+              <a:rPr lang="tr-TR"/>
+              <a:t> </a:t>
             </a:r>
             <a:r>
               <a:rPr lang="tr-TR" dirty="0" err="1"/>
@@ -2782,7 +2890,7 @@
             </a:r>
             <a:r>
               <a:rPr lang="en-US" dirty="0"/>
-              <a:t>(https://github.com/python-jsonschema/jsonschema) but there are many other libraries in different programming languages and tools to validate JSON  with JSON Schema. </a:t>
+              <a:t>(https://github.com/python-jsonschema/jsonschema) but there are many other libraries in different programming languages and tools to validate JSON with a JSON Schema. </a:t>
             </a:r>
           </a:p>
         </p:txBody>
@@ -3827,7 +3935,7 @@
           <a:p>
             <a:fld id="{9ECE5CA0-46B4-49A7-9DD0-55B98DAE6B40}" type="datetimeFigureOut">
               <a:rPr lang="en-US" smtClean="0"/>
-              <a:t>8/31/23</a:t>
+              <a:t>9/4/23</a:t>
             </a:fld>
             <a:endParaRPr lang="en-US"/>
           </a:p>
@@ -3997,7 +4105,7 @@
           <a:p>
             <a:fld id="{9ECE5CA0-46B4-49A7-9DD0-55B98DAE6B40}" type="datetimeFigureOut">
               <a:rPr lang="en-US" smtClean="0"/>
-              <a:t>8/31/23</a:t>
+              <a:t>9/4/23</a:t>
             </a:fld>
             <a:endParaRPr lang="en-US"/>
           </a:p>
@@ -4177,7 +4285,7 @@
           <a:p>
             <a:fld id="{9ECE5CA0-46B4-49A7-9DD0-55B98DAE6B40}" type="datetimeFigureOut">
               <a:rPr lang="en-US" smtClean="0"/>
-              <a:t>8/31/23</a:t>
+              <a:t>9/4/23</a:t>
             </a:fld>
             <a:endParaRPr lang="en-US"/>
           </a:p>
@@ -4347,7 +4455,7 @@
           <a:p>
             <a:fld id="{9ECE5CA0-46B4-49A7-9DD0-55B98DAE6B40}" type="datetimeFigureOut">
               <a:rPr lang="en-US" smtClean="0"/>
-              <a:t>8/31/23</a:t>
+              <a:t>9/4/23</a:t>
             </a:fld>
             <a:endParaRPr lang="en-US"/>
           </a:p>
@@ -4593,7 +4701,7 @@
           <a:p>
             <a:fld id="{9ECE5CA0-46B4-49A7-9DD0-55B98DAE6B40}" type="datetimeFigureOut">
               <a:rPr lang="en-US" smtClean="0"/>
-              <a:t>8/31/23</a:t>
+              <a:t>9/4/23</a:t>
             </a:fld>
             <a:endParaRPr lang="en-US"/>
           </a:p>
@@ -4825,7 +4933,7 @@
           <a:p>
             <a:fld id="{9ECE5CA0-46B4-49A7-9DD0-55B98DAE6B40}" type="datetimeFigureOut">
               <a:rPr lang="en-US" smtClean="0"/>
-              <a:t>8/31/23</a:t>
+              <a:t>9/4/23</a:t>
             </a:fld>
             <a:endParaRPr lang="en-US"/>
           </a:p>
@@ -5192,7 +5300,7 @@
           <a:p>
             <a:fld id="{9ECE5CA0-46B4-49A7-9DD0-55B98DAE6B40}" type="datetimeFigureOut">
               <a:rPr lang="en-US" smtClean="0"/>
-              <a:t>8/31/23</a:t>
+              <a:t>9/4/23</a:t>
             </a:fld>
             <a:endParaRPr lang="en-US"/>
           </a:p>
@@ -5310,7 +5418,7 @@
           <a:p>
             <a:fld id="{9ECE5CA0-46B4-49A7-9DD0-55B98DAE6B40}" type="datetimeFigureOut">
               <a:rPr lang="en-US" smtClean="0"/>
-              <a:t>8/31/23</a:t>
+              <a:t>9/4/23</a:t>
             </a:fld>
             <a:endParaRPr lang="en-US"/>
           </a:p>
@@ -5405,7 +5513,7 @@
           <a:p>
             <a:fld id="{9ECE5CA0-46B4-49A7-9DD0-55B98DAE6B40}" type="datetimeFigureOut">
               <a:rPr lang="en-US" smtClean="0"/>
-              <a:t>8/31/23</a:t>
+              <a:t>9/4/23</a:t>
             </a:fld>
             <a:endParaRPr lang="en-US"/>
           </a:p>
@@ -5682,7 +5790,7 @@
           <a:p>
             <a:fld id="{9ECE5CA0-46B4-49A7-9DD0-55B98DAE6B40}" type="datetimeFigureOut">
               <a:rPr lang="en-US" smtClean="0"/>
-              <a:t>8/31/23</a:t>
+              <a:t>9/4/23</a:t>
             </a:fld>
             <a:endParaRPr lang="en-US"/>
           </a:p>
@@ -5939,7 +6047,7 @@
           <a:p>
             <a:fld id="{9ECE5CA0-46B4-49A7-9DD0-55B98DAE6B40}" type="datetimeFigureOut">
               <a:rPr lang="en-US" smtClean="0"/>
-              <a:t>8/31/23</a:t>
+              <a:t>9/4/23</a:t>
             </a:fld>
             <a:endParaRPr lang="en-US"/>
           </a:p>
@@ -6157,7 +6265,7 @@
           <a:p>
             <a:fld id="{9ECE5CA0-46B4-49A7-9DD0-55B98DAE6B40}" type="datetimeFigureOut">
               <a:rPr lang="en-US" smtClean="0"/>
-              <a:t>8/31/23</a:t>
+              <a:t>9/4/23</a:t>
             </a:fld>
             <a:endParaRPr lang="en-US"/>
           </a:p>
@@ -9051,12 +9159,85 @@
             <a:r>
               <a:rPr lang="en-US" sz="1050" b="0" i="0" dirty="0">
                 <a:solidFill>
+                  <a:schemeClr val="accent5"/>
+                </a:solidFill>
+                <a:effectLst/>
+                <a:latin typeface="Consolas" panose="020B0609020204030204" pitchFamily="49" charset="0"/>
+              </a:rPr>
+              <a:t>properties</a:t>
+            </a:r>
+            <a:r>
+              <a:rPr lang="en-US" sz="1050" b="0" i="0" dirty="0">
+                <a:solidFill>
+                  <a:schemeClr val="accent1"/>
+                </a:solidFill>
+                <a:effectLst/>
+                <a:latin typeface="Consolas" panose="020B0609020204030204" pitchFamily="49" charset="0"/>
+              </a:rPr>
+              <a:t>:    { </a:t>
+            </a:r>
+          </a:p>
+          <a:p>
+            <a:r>
+              <a:rPr lang="en-US" sz="1050" dirty="0">
+                <a:solidFill>
+                  <a:schemeClr val="accent1"/>
+                </a:solidFill>
+                <a:latin typeface="Consolas" panose="020B0609020204030204" pitchFamily="49" charset="0"/>
+              </a:rPr>
+              <a:t>		</a:t>
+            </a:r>
+            <a:r>
+              <a:rPr lang="en-US" sz="1050" b="0" i="0" dirty="0">
+                <a:solidFill>
+                  <a:schemeClr val="accent2">
+                    <a:lumMod val="75000"/>
+                  </a:schemeClr>
+                </a:solidFill>
+                <a:effectLst/>
+                <a:latin typeface="Consolas" panose="020B0609020204030204" pitchFamily="49" charset="0"/>
+              </a:rPr>
+              <a:t>temperature</a:t>
+            </a:r>
+            <a:r>
+              <a:rPr lang="en-US" sz="1050" b="0" i="0" dirty="0">
+                <a:solidFill>
+                  <a:schemeClr val="accent1"/>
+                </a:solidFill>
+                <a:effectLst/>
+                <a:latin typeface="Consolas" panose="020B0609020204030204" pitchFamily="49" charset="0"/>
+              </a:rPr>
+              <a:t>: {</a:t>
+            </a:r>
+            <a:r>
+              <a:rPr lang="en-US" sz="1050" b="0" i="0" dirty="0">
+                <a:solidFill>
+                  <a:schemeClr val="accent5"/>
+                </a:solidFill>
+                <a:effectLst/>
+                <a:latin typeface="Consolas" panose="020B0609020204030204" pitchFamily="49" charset="0"/>
+              </a:rPr>
+              <a:t>type</a:t>
+            </a:r>
+            <a:r>
+              <a:rPr lang="en-US" sz="1050" b="0" i="0" dirty="0">
+                <a:solidFill>
+                  <a:schemeClr val="accent1"/>
+                </a:solidFill>
+                <a:effectLst/>
+                <a:latin typeface="Consolas" panose="020B0609020204030204" pitchFamily="49" charset="0"/>
+              </a:rPr>
+              <a:t>: </a:t>
+            </a:r>
+            <a:r>
+              <a:rPr lang="en-US" sz="1050" b="0" i="0" dirty="0">
+                <a:solidFill>
                   <a:schemeClr val="accent2"/>
                 </a:solidFill>
                 <a:effectLst/>
                 <a:latin typeface="Consolas" panose="020B0609020204030204" pitchFamily="49" charset="0"/>
               </a:rPr>
-              <a:t>properties</a:t>
+              <a:t>"number"</a:t>
             </a:r>
             <a:r>
               <a:rPr lang="en-US" sz="1050" b="0" i="0" dirty="0">
@@ -9066,7 +9247,7 @@
                 <a:effectLst/>
                 <a:latin typeface="Consolas" panose="020B0609020204030204" pitchFamily="49" charset="0"/>
               </a:rPr>
-              <a:t>:    { </a:t>
+              <a:t>}, </a:t>
             </a:r>
           </a:p>
           <a:p>
@@ -9082,12 +9263,54 @@
             <a:r>
               <a:rPr lang="en-US" sz="1050" b="0" i="0" dirty="0">
                 <a:solidFill>
+                  <a:schemeClr val="accent2">
+                    <a:lumMod val="75000"/>
+                  </a:schemeClr>
+                </a:solidFill>
+                <a:effectLst/>
+                <a:latin typeface="Consolas" panose="020B0609020204030204" pitchFamily="49" charset="0"/>
+              </a:rPr>
+              <a:t>unit</a:t>
+            </a:r>
+            <a:r>
+              <a:rPr lang="en-US" sz="1050" b="0" i="0" dirty="0">
+                <a:solidFill>
+                  <a:schemeClr val="accent1"/>
+                </a:solidFill>
+                <a:effectLst/>
+                <a:latin typeface="Consolas" panose="020B0609020204030204" pitchFamily="49" charset="0"/>
+              </a:rPr>
+              <a:t>: {</a:t>
+            </a:r>
+            <a:r>
+              <a:rPr lang="en-US" sz="1050" b="0" i="0" dirty="0">
+                <a:solidFill>
+                  <a:schemeClr val="accent5"/>
+                </a:solidFill>
+                <a:effectLst/>
+                <a:latin typeface="Consolas" panose="020B0609020204030204" pitchFamily="49" charset="0"/>
+              </a:rPr>
+              <a:t>type</a:t>
+            </a:r>
+            <a:r>
+              <a:rPr lang="en-US" sz="1050" b="0" i="0" dirty="0">
+                <a:solidFill>
+                  <a:schemeClr val="accent1"/>
+                </a:solidFill>
+                <a:effectLst/>
+                <a:latin typeface="Consolas" panose="020B0609020204030204" pitchFamily="49" charset="0"/>
+              </a:rPr>
+              <a:t>:</a:t>
+            </a:r>
+            <a:r>
+              <a:rPr lang="en-US" sz="1050" b="0" i="0" dirty="0">
+                <a:solidFill>
                   <a:schemeClr val="accent2"/>
                 </a:solidFill>
                 <a:effectLst/>
                 <a:latin typeface="Consolas" panose="020B0609020204030204" pitchFamily="49" charset="0"/>
               </a:rPr>
-              <a:t>temperature</a:t>
+              <a:t> "string"</a:t>
             </a:r>
             <a:r>
               <a:rPr lang="en-US" sz="1050" b="0" i="0" dirty="0">
@@ -9097,6 +9320,63 @@
                 <a:effectLst/>
                 <a:latin typeface="Consolas" panose="020B0609020204030204" pitchFamily="49" charset="0"/>
               </a:rPr>
+              <a:t>}, </a:t>
+            </a:r>
+          </a:p>
+          <a:p>
+            <a:r>
+              <a:rPr lang="en-US" sz="1050" dirty="0">
+                <a:solidFill>
+                  <a:schemeClr val="accent1"/>
+                </a:solidFill>
+                <a:latin typeface="Consolas" panose="020B0609020204030204" pitchFamily="49" charset="0"/>
+              </a:rPr>
+              <a:t>		</a:t>
+            </a:r>
+            <a:r>
+              <a:rPr lang="en-US" sz="1050" b="0" i="0" dirty="0">
+                <a:solidFill>
+                  <a:schemeClr val="accent2">
+                    <a:lumMod val="75000"/>
+                  </a:schemeClr>
+                </a:solidFill>
+                <a:effectLst/>
+                <a:latin typeface="Consolas" panose="020B0609020204030204" pitchFamily="49" charset="0"/>
+              </a:rPr>
+              <a:t>temp</a:t>
+            </a:r>
+            <a:r>
+              <a:rPr lang="tr-TR" sz="1050" b="0" i="0" dirty="0">
+                <a:solidFill>
+                  <a:schemeClr val="accent2">
+                    <a:lumMod val="75000"/>
+                  </a:schemeClr>
+                </a:solidFill>
+                <a:effectLst/>
+                <a:latin typeface="Consolas" panose="020B0609020204030204" pitchFamily="49" charset="0"/>
+              </a:rPr>
+              <a:t>e</a:t>
+            </a:r>
+            <a:r>
+              <a:rPr lang="en-US" sz="1050" b="0" i="0" dirty="0" err="1">
+                <a:solidFill>
+                  <a:schemeClr val="accent2">
+                    <a:lumMod val="75000"/>
+                  </a:schemeClr>
+                </a:solidFill>
+                <a:effectLst/>
+                <a:latin typeface="Consolas" panose="020B0609020204030204" pitchFamily="49" charset="0"/>
+              </a:rPr>
+              <a:t>ratureOf</a:t>
+            </a:r>
+            <a:r>
+              <a:rPr lang="en-US" sz="1050" b="0" i="0" dirty="0">
+                <a:solidFill>
+                  <a:schemeClr val="accent1"/>
+                </a:solidFill>
+                <a:effectLst/>
+                <a:latin typeface="Consolas" panose="020B0609020204030204" pitchFamily="49" charset="0"/>
+              </a:rPr>
               <a:t>: {</a:t>
             </a:r>
             <a:r>
@@ -9127,7 +9407,7 @@
                 <a:effectLst/>
                 <a:latin typeface="Consolas" panose="020B0609020204030204" pitchFamily="49" charset="0"/>
               </a:rPr>
-              <a:t>"number"</a:t>
+              <a:t>"string"</a:t>
             </a:r>
             <a:r>
               <a:rPr lang="en-US" sz="1050" b="0" i="0" dirty="0">
@@ -9137,7 +9417,19 @@
                 <a:effectLst/>
                 <a:latin typeface="Consolas" panose="020B0609020204030204" pitchFamily="49" charset="0"/>
               </a:rPr>
-              <a:t>}, </a:t>
+              <a:t>} </a:t>
+            </a:r>
+          </a:p>
+          <a:p>
+            <a:r>
+              <a:rPr lang="en-US" sz="1050" b="0" i="0" dirty="0">
+                <a:solidFill>
+                  <a:schemeClr val="accent1"/>
+                </a:solidFill>
+                <a:effectLst/>
+                <a:latin typeface="Consolas" panose="020B0609020204030204" pitchFamily="49" charset="0"/>
+              </a:rPr>
+              <a:t>	},</a:t>
             </a:r>
           </a:p>
           <a:p>
@@ -9148,17 +9440,37 @@
                 </a:solidFill>
                 <a:latin typeface="Consolas" panose="020B0609020204030204" pitchFamily="49" charset="0"/>
               </a:rPr>
-              <a:t>		</a:t>
+              <a:t>	</a:t>
             </a:r>
             <a:r>
               <a:rPr lang="en-US" sz="1050" b="0" i="0" dirty="0">
                 <a:solidFill>
+                  <a:schemeClr val="accent5"/>
+                </a:solidFill>
+                <a:effectLst/>
+                <a:latin typeface="Consolas" panose="020B0609020204030204" pitchFamily="49" charset="0"/>
+              </a:rPr>
+              <a:t>required</a:t>
+            </a:r>
+            <a:r>
+              <a:rPr lang="en-US" sz="1050" b="0" i="0" dirty="0">
+                <a:solidFill>
+                  <a:schemeClr val="accent1"/>
+                </a:solidFill>
+                <a:effectLst/>
+                <a:latin typeface="Consolas" panose="020B0609020204030204" pitchFamily="49" charset="0"/>
+              </a:rPr>
+              <a:t>:  [</a:t>
+            </a:r>
+            <a:r>
+              <a:rPr lang="en-US" sz="1050" b="0" i="0" dirty="0">
+                <a:solidFill>
                   <a:schemeClr val="accent2"/>
                 </a:solidFill>
                 <a:effectLst/>
                 <a:latin typeface="Consolas" panose="020B0609020204030204" pitchFamily="49" charset="0"/>
               </a:rPr>
-              <a:t>unit</a:t>
+              <a:t>"temperature"</a:t>
             </a:r>
             <a:r>
               <a:rPr lang="en-US" sz="1050" b="0" i="0" dirty="0">
@@ -9168,237 +9480,43 @@
                 <a:effectLst/>
                 <a:latin typeface="Consolas" panose="020B0609020204030204" pitchFamily="49" charset="0"/>
               </a:rPr>
-              <a:t>: {</a:t>
+              <a:t>, </a:t>
             </a:r>
             <a:r>
               <a:rPr lang="en-US" sz="1050" b="0" i="0" dirty="0">
                 <a:solidFill>
+                  <a:schemeClr val="accent2"/>
+                </a:solidFill>
+                <a:effectLst/>
+                <a:latin typeface="Consolas" panose="020B0609020204030204" pitchFamily="49" charset="0"/>
+              </a:rPr>
+              <a:t>"unit"</a:t>
+            </a:r>
+            <a:r>
+              <a:rPr lang="en-US" sz="1050" b="0" i="0" dirty="0">
+                <a:solidFill>
+                  <a:schemeClr val="accent1"/>
+                </a:solidFill>
+                <a:effectLst/>
+                <a:latin typeface="Consolas" panose="020B0609020204030204" pitchFamily="49" charset="0"/>
+              </a:rPr>
+              <a:t>],</a:t>
+            </a:r>
+          </a:p>
+          <a:p>
+            <a:r>
+              <a:rPr lang="en-US" sz="1050" dirty="0">
+                <a:solidFill>
+                  <a:schemeClr val="accent1"/>
+                </a:solidFill>
+                <a:latin typeface="Consolas" panose="020B0609020204030204" pitchFamily="49" charset="0"/>
+              </a:rPr>
+              <a:t>	</a:t>
+            </a:r>
+            <a:r>
+              <a:rPr lang="en-US" sz="1050" b="0" i="0" dirty="0" err="1">
+                <a:solidFill>
                   <a:schemeClr val="accent5"/>
-                </a:solidFill>
-                <a:effectLst/>
-                <a:latin typeface="Consolas" panose="020B0609020204030204" pitchFamily="49" charset="0"/>
-              </a:rPr>
-              <a:t>type</a:t>
-            </a:r>
-            <a:r>
-              <a:rPr lang="en-US" sz="1050" b="0" i="0" dirty="0">
-                <a:solidFill>
-                  <a:schemeClr val="accent1"/>
-                </a:solidFill>
-                <a:effectLst/>
-                <a:latin typeface="Consolas" panose="020B0609020204030204" pitchFamily="49" charset="0"/>
-              </a:rPr>
-              <a:t>:</a:t>
-            </a:r>
-            <a:r>
-              <a:rPr lang="en-US" sz="1050" b="0" i="0" dirty="0">
-                <a:solidFill>
-                  <a:schemeClr val="accent2"/>
-                </a:solidFill>
-                <a:effectLst/>
-                <a:latin typeface="Consolas" panose="020B0609020204030204" pitchFamily="49" charset="0"/>
-              </a:rPr>
-              <a:t> "string"</a:t>
-            </a:r>
-            <a:r>
-              <a:rPr lang="en-US" sz="1050" b="0" i="0" dirty="0">
-                <a:solidFill>
-                  <a:schemeClr val="accent1"/>
-                </a:solidFill>
-                <a:effectLst/>
-                <a:latin typeface="Consolas" panose="020B0609020204030204" pitchFamily="49" charset="0"/>
-              </a:rPr>
-              <a:t>}, </a:t>
-            </a:r>
-          </a:p>
-          <a:p>
-            <a:r>
-              <a:rPr lang="en-US" sz="1050" dirty="0">
-                <a:solidFill>
-                  <a:schemeClr val="accent1"/>
-                </a:solidFill>
-                <a:latin typeface="Consolas" panose="020B0609020204030204" pitchFamily="49" charset="0"/>
-              </a:rPr>
-              <a:t>		</a:t>
-            </a:r>
-            <a:r>
-              <a:rPr lang="en-US" sz="1050" b="0" i="0" dirty="0">
-                <a:solidFill>
-                  <a:schemeClr val="accent2"/>
-                </a:solidFill>
-                <a:effectLst/>
-                <a:latin typeface="Consolas" panose="020B0609020204030204" pitchFamily="49" charset="0"/>
-              </a:rPr>
-              <a:t>temp</a:t>
-            </a:r>
-            <a:r>
-              <a:rPr lang="tr-TR" sz="1050" b="0" i="0" dirty="0">
-                <a:solidFill>
-                  <a:schemeClr val="accent2"/>
-                </a:solidFill>
-                <a:effectLst/>
-                <a:latin typeface="Consolas" panose="020B0609020204030204" pitchFamily="49" charset="0"/>
-              </a:rPr>
-              <a:t>e</a:t>
-            </a:r>
-            <a:r>
-              <a:rPr lang="en-US" sz="1050" b="0" i="0" dirty="0" err="1">
-                <a:solidFill>
-                  <a:schemeClr val="accent2"/>
-                </a:solidFill>
-                <a:effectLst/>
-                <a:latin typeface="Consolas" panose="020B0609020204030204" pitchFamily="49" charset="0"/>
-              </a:rPr>
-              <a:t>ratureOf</a:t>
-            </a:r>
-            <a:r>
-              <a:rPr lang="en-US" sz="1050" b="0" i="0" dirty="0">
-                <a:solidFill>
-                  <a:schemeClr val="accent1"/>
-                </a:solidFill>
-                <a:effectLst/>
-                <a:latin typeface="Consolas" panose="020B0609020204030204" pitchFamily="49" charset="0"/>
-              </a:rPr>
-              <a:t>: {</a:t>
-            </a:r>
-            <a:r>
-              <a:rPr lang="en-US" sz="1050" b="0" i="0" dirty="0">
-                <a:solidFill>
-                  <a:schemeClr val="accent5"/>
-                </a:solidFill>
-                <a:effectLst/>
-                <a:latin typeface="Consolas" panose="020B0609020204030204" pitchFamily="49" charset="0"/>
-              </a:rPr>
-              <a:t>type</a:t>
-            </a:r>
-            <a:r>
-              <a:rPr lang="en-US" sz="1050" b="0" i="0" dirty="0">
-                <a:solidFill>
-                  <a:schemeClr val="accent1"/>
-                </a:solidFill>
-                <a:effectLst/>
-                <a:latin typeface="Consolas" panose="020B0609020204030204" pitchFamily="49" charset="0"/>
-              </a:rPr>
-              <a:t>: </a:t>
-            </a:r>
-            <a:r>
-              <a:rPr lang="en-US" sz="1050" b="0" i="0" dirty="0">
-                <a:solidFill>
-                  <a:schemeClr val="accent2"/>
-                </a:solidFill>
-                <a:effectLst/>
-                <a:latin typeface="Consolas" panose="020B0609020204030204" pitchFamily="49" charset="0"/>
-              </a:rPr>
-              <a:t>"string"</a:t>
-            </a:r>
-            <a:r>
-              <a:rPr lang="en-US" sz="1050" b="0" i="0" dirty="0">
-                <a:solidFill>
-                  <a:schemeClr val="accent1"/>
-                </a:solidFill>
-                <a:effectLst/>
-                <a:latin typeface="Consolas" panose="020B0609020204030204" pitchFamily="49" charset="0"/>
-              </a:rPr>
-              <a:t>} </a:t>
-            </a:r>
-          </a:p>
-          <a:p>
-            <a:r>
-              <a:rPr lang="en-US" sz="1050" b="0" i="0" dirty="0">
-                <a:solidFill>
-                  <a:schemeClr val="accent1"/>
-                </a:solidFill>
-                <a:effectLst/>
-                <a:latin typeface="Consolas" panose="020B0609020204030204" pitchFamily="49" charset="0"/>
-              </a:rPr>
-              <a:t>},</a:t>
-            </a:r>
-          </a:p>
-          <a:p>
-            <a:r>
-              <a:rPr lang="en-US" sz="1050" dirty="0">
-                <a:solidFill>
-                  <a:schemeClr val="accent1"/>
-                </a:solidFill>
-                <a:latin typeface="Consolas" panose="020B0609020204030204" pitchFamily="49" charset="0"/>
-              </a:rPr>
-              <a:t>	</a:t>
-            </a:r>
-            <a:r>
-              <a:rPr lang="en-US" sz="1050" b="0" i="0" dirty="0">
-                <a:solidFill>
-                  <a:schemeClr val="accent2"/>
-                </a:solidFill>
-                <a:effectLst/>
-                <a:latin typeface="Consolas" panose="020B0609020204030204" pitchFamily="49" charset="0"/>
-              </a:rPr>
-              <a:t>required</a:t>
-            </a:r>
-            <a:r>
-              <a:rPr lang="en-US" sz="1050" b="0" i="0" dirty="0">
-                <a:solidFill>
-                  <a:schemeClr val="accent1"/>
-                </a:solidFill>
-                <a:effectLst/>
-                <a:latin typeface="Consolas" panose="020B0609020204030204" pitchFamily="49" charset="0"/>
-              </a:rPr>
-              <a:t>:  [</a:t>
-            </a:r>
-            <a:r>
-              <a:rPr lang="en-US" sz="1050" b="0" i="0" dirty="0">
-                <a:solidFill>
-                  <a:schemeClr val="accent2"/>
-                </a:solidFill>
-                <a:effectLst/>
-                <a:latin typeface="Consolas" panose="020B0609020204030204" pitchFamily="49" charset="0"/>
-              </a:rPr>
-              <a:t>"temperature"</a:t>
-            </a:r>
-            <a:r>
-              <a:rPr lang="en-US" sz="1050" b="0" i="0" dirty="0">
-                <a:solidFill>
-                  <a:schemeClr val="accent1"/>
-                </a:solidFill>
-                <a:effectLst/>
-                <a:latin typeface="Consolas" panose="020B0609020204030204" pitchFamily="49" charset="0"/>
-              </a:rPr>
-              <a:t>, </a:t>
-            </a:r>
-            <a:r>
-              <a:rPr lang="en-US" sz="1050" b="0" i="0" dirty="0">
-                <a:solidFill>
-                  <a:schemeClr val="accent2"/>
-                </a:solidFill>
-                <a:effectLst/>
-                <a:latin typeface="Consolas" panose="020B0609020204030204" pitchFamily="49" charset="0"/>
-              </a:rPr>
-              <a:t>"unit"</a:t>
-            </a:r>
-            <a:r>
-              <a:rPr lang="en-US" sz="1050" b="0" i="0" dirty="0">
-                <a:solidFill>
-                  <a:schemeClr val="accent1"/>
-                </a:solidFill>
-                <a:effectLst/>
-                <a:latin typeface="Consolas" panose="020B0609020204030204" pitchFamily="49" charset="0"/>
-              </a:rPr>
-              <a:t>],</a:t>
-            </a:r>
-          </a:p>
-          <a:p>
-            <a:r>
-              <a:rPr lang="en-US" sz="1050" dirty="0">
-                <a:solidFill>
-                  <a:schemeClr val="accent1"/>
-                </a:solidFill>
-                <a:latin typeface="Consolas" panose="020B0609020204030204" pitchFamily="49" charset="0"/>
-              </a:rPr>
-              <a:t>	</a:t>
-            </a:r>
-            <a:r>
-              <a:rPr lang="en-US" sz="1050" b="0" i="0" dirty="0" err="1">
-                <a:solidFill>
-                  <a:schemeClr val="accent2"/>
                 </a:solidFill>
                 <a:effectLst/>
                 <a:latin typeface="Consolas" panose="020B0609020204030204" pitchFamily="49" charset="0"/>
@@ -9587,12 +9705,87 @@
             <a:r>
               <a:rPr lang="en-US" sz="1050" b="0" i="0" dirty="0">
                 <a:solidFill>
+                  <a:schemeClr val="accent2">
+                    <a:lumMod val="75000"/>
+                  </a:schemeClr>
+                </a:solidFill>
+                <a:effectLst/>
+                <a:latin typeface="Consolas" panose="020B0609020204030204" pitchFamily="49" charset="0"/>
+              </a:rPr>
+              <a:t>temperature</a:t>
+            </a:r>
+            <a:r>
+              <a:rPr lang="en-US" sz="1050" b="0" i="0" dirty="0">
+                <a:solidFill>
+                  <a:schemeClr val="accent1"/>
+                </a:solidFill>
+                <a:effectLst/>
+                <a:latin typeface="Consolas" panose="020B0609020204030204" pitchFamily="49" charset="0"/>
+              </a:rPr>
+              <a:t>: </a:t>
+            </a:r>
+            <a:r>
+              <a:rPr lang="en-US" sz="1050" b="0" i="0" dirty="0">
+                <a:solidFill>
+                  <a:schemeClr val="accent6"/>
+                </a:solidFill>
+                <a:effectLst/>
+                <a:latin typeface="Consolas" panose="020B0609020204030204" pitchFamily="49" charset="0"/>
+              </a:rPr>
+              <a:t>15.7</a:t>
+            </a:r>
+            <a:r>
+              <a:rPr lang="en-US" sz="1050" b="0" i="0" dirty="0">
+                <a:solidFill>
+                  <a:schemeClr val="accent1"/>
+                </a:solidFill>
+                <a:effectLst/>
+                <a:latin typeface="Consolas" panose="020B0609020204030204" pitchFamily="49" charset="0"/>
+              </a:rPr>
+              <a:t>, 	</a:t>
+            </a:r>
+          </a:p>
+          <a:p>
+            <a:r>
+              <a:rPr lang="en-US" sz="1050" dirty="0">
+                <a:solidFill>
+                  <a:schemeClr val="accent1"/>
+                </a:solidFill>
+                <a:latin typeface="Consolas" panose="020B0609020204030204" pitchFamily="49" charset="0"/>
+              </a:rPr>
+              <a:t>	</a:t>
+            </a:r>
+            <a:r>
+              <a:rPr lang="en-US" sz="1050" b="0" i="0" dirty="0">
+                <a:solidFill>
+                  <a:schemeClr val="accent2">
+                    <a:lumMod val="75000"/>
+                  </a:schemeClr>
+                </a:solidFill>
+                <a:effectLst/>
+                <a:latin typeface="Consolas" panose="020B0609020204030204" pitchFamily="49" charset="0"/>
+              </a:rPr>
+              <a:t>unit</a:t>
+            </a:r>
+            <a:r>
+              <a:rPr lang="en-US" sz="1050" b="0" i="0" dirty="0">
+                <a:solidFill>
+                  <a:schemeClr val="accent1"/>
+                </a:solidFill>
+                <a:effectLst/>
+                <a:latin typeface="Consolas" panose="020B0609020204030204" pitchFamily="49" charset="0"/>
+              </a:rPr>
+              <a:t>: </a:t>
+            </a:r>
+            <a:r>
+              <a:rPr lang="en-US" sz="1050" b="0" i="0" dirty="0">
+                <a:solidFill>
                   <a:schemeClr val="accent2"/>
                 </a:solidFill>
                 <a:effectLst/>
                 <a:latin typeface="Consolas" panose="020B0609020204030204" pitchFamily="49" charset="0"/>
               </a:rPr>
-              <a:t>temperature</a:t>
+              <a:t>"Celsius"</a:t>
             </a:r>
             <a:r>
               <a:rPr lang="en-US" sz="1050" b="0" i="0" dirty="0">
@@ -9602,94 +9795,25 @@
                 <a:effectLst/>
                 <a:latin typeface="Consolas" panose="020B0609020204030204" pitchFamily="49" charset="0"/>
               </a:rPr>
-              <a:t>: </a:t>
+              <a:t>, </a:t>
+            </a:r>
+          </a:p>
+          <a:p>
+            <a:r>
+              <a:rPr lang="en-US" sz="1050" dirty="0">
+                <a:solidFill>
+                  <a:schemeClr val="accent1"/>
+                </a:solidFill>
+                <a:latin typeface="Consolas" panose="020B0609020204030204" pitchFamily="49" charset="0"/>
+              </a:rPr>
+              <a:t>	</a:t>
             </a:r>
             <a:r>
               <a:rPr lang="en-US" sz="1050" b="0" i="0" dirty="0">
                 <a:solidFill>
-                  <a:schemeClr val="accent6"/>
-                </a:solidFill>
-                <a:effectLst/>
-                <a:latin typeface="Consolas" panose="020B0609020204030204" pitchFamily="49" charset="0"/>
-              </a:rPr>
-              <a:t>15.7</a:t>
-            </a:r>
-            <a:r>
-              <a:rPr lang="en-US" sz="1050" b="0" i="0" dirty="0">
-                <a:solidFill>
-                  <a:schemeClr val="accent1"/>
-                </a:solidFill>
-                <a:effectLst/>
-                <a:latin typeface="Consolas" panose="020B0609020204030204" pitchFamily="49" charset="0"/>
-              </a:rPr>
-              <a:t>, 	</a:t>
-            </a:r>
-          </a:p>
-          <a:p>
-            <a:r>
-              <a:rPr lang="en-US" sz="1050" dirty="0">
-                <a:solidFill>
-                  <a:schemeClr val="accent1"/>
-                </a:solidFill>
-                <a:latin typeface="Consolas" panose="020B0609020204030204" pitchFamily="49" charset="0"/>
-              </a:rPr>
-              <a:t>	</a:t>
-            </a:r>
-            <a:r>
-              <a:rPr lang="en-US" sz="1050" b="0" i="0" dirty="0">
-                <a:solidFill>
-                  <a:schemeClr val="accent2"/>
-                </a:solidFill>
-                <a:effectLst/>
-                <a:latin typeface="Consolas" panose="020B0609020204030204" pitchFamily="49" charset="0"/>
-              </a:rPr>
-              <a:t>unit</a:t>
-            </a:r>
-            <a:r>
-              <a:rPr lang="en-US" sz="1050" b="0" i="0" dirty="0">
-                <a:solidFill>
-                  <a:schemeClr val="accent1"/>
-                </a:solidFill>
-                <a:effectLst/>
-                <a:latin typeface="Consolas" panose="020B0609020204030204" pitchFamily="49" charset="0"/>
-              </a:rPr>
-              <a:t>: </a:t>
-            </a:r>
-            <a:r>
-              <a:rPr lang="en-US" sz="1050" b="0" i="0" dirty="0">
-                <a:solidFill>
-                  <a:schemeClr val="accent2"/>
-                </a:solidFill>
-                <a:effectLst/>
-                <a:latin typeface="Consolas" panose="020B0609020204030204" pitchFamily="49" charset="0"/>
-              </a:rPr>
-              <a:t>"Celsius"</a:t>
-            </a:r>
-            <a:r>
-              <a:rPr lang="en-US" sz="1050" b="0" i="0" dirty="0">
-                <a:solidFill>
-                  <a:schemeClr val="accent1"/>
-                </a:solidFill>
-                <a:effectLst/>
-                <a:latin typeface="Consolas" panose="020B0609020204030204" pitchFamily="49" charset="0"/>
-              </a:rPr>
-              <a:t>, </a:t>
-            </a:r>
-          </a:p>
-          <a:p>
-            <a:r>
-              <a:rPr lang="en-US" sz="1050" dirty="0">
-                <a:solidFill>
-                  <a:schemeClr val="accent1"/>
-                </a:solidFill>
-                <a:latin typeface="Consolas" panose="020B0609020204030204" pitchFamily="49" charset="0"/>
-              </a:rPr>
-              <a:t>	</a:t>
-            </a:r>
-            <a:r>
-              <a:rPr lang="en-US" sz="1050" b="0" i="0" dirty="0">
-                <a:solidFill>
-                  <a:schemeClr val="accent2"/>
+                  <a:schemeClr val="accent2">
+                    <a:lumMod val="75000"/>
+                  </a:schemeClr>
                 </a:solidFill>
                 <a:effectLst/>
                 <a:latin typeface="Consolas" panose="020B0609020204030204" pitchFamily="49" charset="0"/>
@@ -9699,7 +9823,9 @@
             <a:r>
               <a:rPr lang="tr-TR" sz="1050" b="0" i="0" dirty="0">
                 <a:solidFill>
-                  <a:schemeClr val="accent2"/>
+                  <a:schemeClr val="accent2">
+                    <a:lumMod val="75000"/>
+                  </a:schemeClr>
                 </a:solidFill>
                 <a:effectLst/>
                 <a:latin typeface="Consolas" panose="020B0609020204030204" pitchFamily="49" charset="0"/>
@@ -9709,7 +9835,9 @@
             <a:r>
               <a:rPr lang="en-US" sz="1050" b="0" i="0" dirty="0" err="1">
                 <a:solidFill>
-                  <a:schemeClr val="accent2"/>
+                  <a:schemeClr val="accent2">
+                    <a:lumMod val="75000"/>
+                  </a:schemeClr>
                 </a:solidFill>
                 <a:effectLst/>
                 <a:latin typeface="Consolas" panose="020B0609020204030204" pitchFamily="49" charset="0"/>
@@ -9774,14 +9902,53 @@
               <a:t> </a:t>
             </a:r>
             <a:r>
+              <a:rPr lang="en-US" sz="1050" b="0" i="0" dirty="0" err="1">
+                <a:solidFill>
+                  <a:schemeClr val="tx2"/>
+                </a:solidFill>
+                <a:effectLst/>
+                <a:latin typeface="Consolas" panose="020B0609020204030204" pitchFamily="49" charset="0"/>
+              </a:rPr>
+              <a:t>is</a:t>
+            </a:r>
+            <a:r>
+              <a:rPr lang="en-US" sz="1050" dirty="0" err="1">
+                <a:solidFill>
+                  <a:schemeClr val="tx2"/>
+                </a:solidFill>
+                <a:latin typeface="Consolas" panose="020B0609020204030204" pitchFamily="49" charset="0"/>
+              </a:rPr>
+              <a:t>V</a:t>
+            </a:r>
+            <a:r>
+              <a:rPr lang="en-US" sz="1050" b="0" i="0" dirty="0" err="1">
+                <a:solidFill>
+                  <a:schemeClr val="tx2"/>
+                </a:solidFill>
+                <a:effectLst/>
+                <a:latin typeface="Consolas" panose="020B0609020204030204" pitchFamily="49" charset="0"/>
+              </a:rPr>
+              <a:t>alid</a:t>
+            </a:r>
+            <a:r>
               <a:rPr lang="en-US" sz="1050" b="0" i="0" dirty="0">
                 <a:solidFill>
+                  <a:schemeClr val="accent1"/>
+                </a:solidFill>
+                <a:effectLst/>
+                <a:latin typeface="Consolas" panose="020B0609020204030204" pitchFamily="49" charset="0"/>
+              </a:rPr>
+              <a:t> = validate(</a:t>
+            </a:r>
+            <a:r>
+              <a:rPr lang="en-US" sz="1050" b="0" i="0" dirty="0">
+                <a:solidFill>
                   <a:schemeClr val="tx2"/>
                 </a:solidFill>
                 <a:effectLst/>
                 <a:latin typeface="Consolas" panose="020B0609020204030204" pitchFamily="49" charset="0"/>
               </a:rPr>
-              <a:t>valid</a:t>
+              <a:t>data</a:t>
             </a:r>
             <a:r>
               <a:rPr lang="en-US" sz="1050" b="0" i="0" dirty="0">
@@ -9791,49 +9958,28 @@
                 <a:effectLst/>
                 <a:latin typeface="Consolas" panose="020B0609020204030204" pitchFamily="49" charset="0"/>
               </a:rPr>
-              <a:t> = validate(</a:t>
-            </a:r>
+              <a:t>) </a:t>
+            </a:r>
+          </a:p>
+          <a:p>
             <a:r>
               <a:rPr lang="en-US" sz="1050" b="0" i="0" dirty="0">
                 <a:solidFill>
+                  <a:schemeClr val="accent1"/>
+                </a:solidFill>
+                <a:effectLst/>
+                <a:latin typeface="Consolas" panose="020B0609020204030204" pitchFamily="49" charset="0"/>
+              </a:rPr>
+              <a:t>if (</a:t>
+            </a:r>
+            <a:r>
+              <a:rPr lang="en-US" sz="1050" dirty="0" err="1">
+                <a:solidFill>
                   <a:schemeClr val="tx2"/>
                 </a:solidFill>
-                <a:effectLst/>
-                <a:latin typeface="Consolas" panose="020B0609020204030204" pitchFamily="49" charset="0"/>
-              </a:rPr>
-              <a:t>data</a:t>
-            </a:r>
-            <a:r>
-              <a:rPr lang="en-US" sz="1050" b="0" i="0" dirty="0">
-                <a:solidFill>
-                  <a:schemeClr val="accent1"/>
-                </a:solidFill>
-                <a:effectLst/>
-                <a:latin typeface="Consolas" panose="020B0609020204030204" pitchFamily="49" charset="0"/>
-              </a:rPr>
-              <a:t>) </a:t>
-            </a:r>
-          </a:p>
-          <a:p>
-            <a:r>
-              <a:rPr lang="en-US" sz="1050" b="0" i="0" dirty="0">
-                <a:solidFill>
-                  <a:schemeClr val="accent1"/>
-                </a:solidFill>
-                <a:effectLst/>
-                <a:latin typeface="Consolas" panose="020B0609020204030204" pitchFamily="49" charset="0"/>
-              </a:rPr>
-              <a:t>if (</a:t>
-            </a:r>
-            <a:r>
-              <a:rPr lang="en-US" sz="1050" b="0" i="0" dirty="0">
-                <a:solidFill>
-                  <a:schemeClr val="tx2"/>
-                </a:solidFill>
-                <a:effectLst/>
-                <a:latin typeface="Consolas" panose="020B0609020204030204" pitchFamily="49" charset="0"/>
-              </a:rPr>
-              <a:t>valid</a:t>
+                <a:latin typeface="Consolas" panose="020B0609020204030204" pitchFamily="49" charset="0"/>
+              </a:rPr>
+              <a:t>isValid</a:t>
             </a:r>
             <a:r>
               <a:rPr lang="en-US" sz="1050" b="0" i="0" dirty="0">
@@ -11505,7 +11651,7 @@
               <a:r>
                 <a:rPr lang="en-US" sz="2000" b="0" i="0" dirty="0">
                   <a:solidFill>
-                    <a:schemeClr val="accent2"/>
+                    <a:schemeClr val="accent5"/>
                   </a:solidFill>
                   <a:effectLst/>
                   <a:latin typeface="Consolas" panose="020B0609020204030204" pitchFamily="49" charset="0"/>
@@ -11536,7 +11682,9 @@
               <a:r>
                 <a:rPr lang="en-US" sz="2000" b="0" i="0" dirty="0">
                   <a:solidFill>
-                    <a:schemeClr val="accent2"/>
+                    <a:schemeClr val="accent2">
+                      <a:lumMod val="75000"/>
+                    </a:schemeClr>
                   </a:solidFill>
                   <a:effectLst/>
                   <a:latin typeface="Consolas" panose="020B0609020204030204" pitchFamily="49" charset="0"/>
@@ -11607,7 +11755,9 @@
               <a:r>
                 <a:rPr lang="en-US" sz="2000" b="0" i="0" dirty="0">
                   <a:solidFill>
-                    <a:schemeClr val="accent2"/>
+                    <a:schemeClr val="accent2">
+                      <a:lumMod val="75000"/>
+                    </a:schemeClr>
                   </a:solidFill>
                   <a:effectLst/>
                   <a:latin typeface="Consolas" panose="020B0609020204030204" pitchFamily="49" charset="0"/>
@@ -11678,7 +11828,9 @@
               <a:r>
                 <a:rPr lang="en-US" sz="2000" b="0" i="0" dirty="0">
                   <a:solidFill>
-                    <a:schemeClr val="accent2"/>
+                    <a:schemeClr val="accent2">
+                      <a:lumMod val="75000"/>
+                    </a:schemeClr>
                   </a:solidFill>
                   <a:effectLst/>
                   <a:latin typeface="Consolas" panose="020B0609020204030204" pitchFamily="49" charset="0"/>
@@ -11688,7 +11840,9 @@
               <a:r>
                 <a:rPr lang="tr-TR" sz="2000" b="0" i="0" dirty="0">
                   <a:solidFill>
-                    <a:schemeClr val="accent2"/>
+                    <a:schemeClr val="accent2">
+                      <a:lumMod val="75000"/>
+                    </a:schemeClr>
                   </a:solidFill>
                   <a:effectLst/>
                   <a:latin typeface="Consolas" panose="020B0609020204030204" pitchFamily="49" charset="0"/>
@@ -11698,7 +11852,9 @@
               <a:r>
                 <a:rPr lang="en-US" sz="2000" b="0" i="0" dirty="0" err="1">
                   <a:solidFill>
-                    <a:schemeClr val="accent2"/>
+                    <a:schemeClr val="accent2">
+                      <a:lumMod val="75000"/>
+                    </a:schemeClr>
                   </a:solidFill>
                   <a:effectLst/>
                   <a:latin typeface="Consolas" panose="020B0609020204030204" pitchFamily="49" charset="0"/>
@@ -11765,7 +11921,7 @@
                   <a:effectLst/>
                   <a:latin typeface="Consolas" panose="020B0609020204030204" pitchFamily="49" charset="0"/>
                 </a:rPr>
-                <a:t>},</a:t>
+                <a:t>	},</a:t>
               </a:r>
             </a:p>
             <a:p>
@@ -11781,7 +11937,7 @@
               <a:r>
                 <a:rPr lang="en-US" sz="2000" b="0" i="0" dirty="0">
                   <a:solidFill>
-                    <a:schemeClr val="accent2"/>
+                    <a:schemeClr val="accent5"/>
                   </a:solidFill>
                   <a:effectLst/>
                   <a:latin typeface="Consolas" panose="020B0609020204030204" pitchFamily="49" charset="0"/>
@@ -11852,7 +12008,7 @@
               <a:r>
                 <a:rPr lang="en-US" sz="2000" b="0" i="0" dirty="0" err="1">
                   <a:solidFill>
-                    <a:schemeClr val="accent2"/>
+                    <a:schemeClr val="accent5"/>
                   </a:solidFill>
                   <a:effectLst/>
                   <a:latin typeface="Consolas" panose="020B0609020204030204" pitchFamily="49" charset="0"/>
@@ -12434,7 +12590,9 @@
               <a:r>
                 <a:rPr lang="en-US" sz="2400" b="0" i="0" dirty="0">
                   <a:solidFill>
-                    <a:schemeClr val="accent2"/>
+                    <a:schemeClr val="accent2">
+                      <a:lumMod val="75000"/>
+                    </a:schemeClr>
                   </a:solidFill>
                   <a:effectLst/>
                   <a:latin typeface="Consolas" panose="020B0609020204030204" pitchFamily="49" charset="0"/>
@@ -12485,7 +12643,9 @@
               <a:r>
                 <a:rPr lang="en-US" sz="2400" b="0" i="0" dirty="0">
                   <a:solidFill>
-                    <a:schemeClr val="accent2"/>
+                    <a:schemeClr val="accent2">
+                      <a:lumMod val="75000"/>
+                    </a:schemeClr>
                   </a:solidFill>
                   <a:effectLst/>
                   <a:latin typeface="Consolas" panose="020B0609020204030204" pitchFamily="49" charset="0"/>
@@ -12527,7 +12687,9 @@
               <a:r>
                 <a:rPr lang="en-US" sz="2400" dirty="0">
                   <a:solidFill>
-                    <a:schemeClr val="accent1"/>
+                    <a:schemeClr val="accent2">
+                      <a:lumMod val="75000"/>
+                    </a:schemeClr>
                   </a:solidFill>
                   <a:latin typeface="Consolas" panose="020B0609020204030204" pitchFamily="49" charset="0"/>
                 </a:rPr>
@@ -12536,7 +12698,9 @@
               <a:r>
                 <a:rPr lang="en-US" sz="2400" b="0" i="0" dirty="0">
                   <a:solidFill>
-                    <a:schemeClr val="accent2"/>
+                    <a:schemeClr val="accent2">
+                      <a:lumMod val="75000"/>
+                    </a:schemeClr>
                   </a:solidFill>
                   <a:effectLst/>
                   <a:latin typeface="Consolas" panose="020B0609020204030204" pitchFamily="49" charset="0"/>
@@ -12546,7 +12710,9 @@
               <a:r>
                 <a:rPr lang="tr-TR" sz="2400" b="0" i="0" dirty="0">
                   <a:solidFill>
-                    <a:schemeClr val="accent2"/>
+                    <a:schemeClr val="accent2">
+                      <a:lumMod val="75000"/>
+                    </a:schemeClr>
                   </a:solidFill>
                   <a:effectLst/>
                   <a:latin typeface="Consolas" panose="020B0609020204030204" pitchFamily="49" charset="0"/>
@@ -12556,7 +12722,9 @@
               <a:r>
                 <a:rPr lang="en-US" sz="2400" b="0" i="0" dirty="0" err="1">
                   <a:solidFill>
-                    <a:schemeClr val="accent2"/>
+                    <a:schemeClr val="accent2">
+                      <a:lumMod val="75000"/>
+                    </a:schemeClr>
                   </a:solidFill>
                   <a:effectLst/>
                   <a:latin typeface="Consolas" panose="020B0609020204030204" pitchFamily="49" charset="0"/>
@@ -12655,10 +12823,10 @@
         </p:nvGrpSpPr>
         <p:grpSpPr>
           <a:xfrm>
-            <a:off x="1621972" y="2939144"/>
-            <a:ext cx="8948057" cy="979712"/>
+            <a:off x="1538842" y="2939144"/>
+            <a:ext cx="9170719" cy="979712"/>
             <a:chOff x="1737360" y="2939147"/>
-            <a:chExt cx="8948057" cy="979712"/>
+            <a:chExt cx="9170719" cy="979712"/>
           </a:xfrm>
         </p:grpSpPr>
         <p:sp>
@@ -12722,7 +12890,7 @@
           <p:spPr>
             <a:xfrm>
               <a:off x="5660569" y="3198170"/>
-              <a:ext cx="5024848" cy="461665"/>
+              <a:ext cx="5247510" cy="461665"/>
             </a:xfrm>
             <a:prstGeom prst="rect">
               <a:avLst/>
@@ -12759,14 +12927,23 @@
                 <a:t> </a:t>
               </a:r>
               <a:r>
-                <a:rPr lang="en-US" sz="2400" b="0" i="0" dirty="0">
+                <a:rPr lang="en-US" sz="2400" dirty="0" err="1">
                   <a:solidFill>
                     <a:schemeClr val="tx2"/>
                   </a:solidFill>
+                  <a:latin typeface="Consolas" panose="020B0609020204030204" pitchFamily="49" charset="0"/>
+                </a:rPr>
+                <a:t>isV</a:t>
+              </a:r>
+              <a:r>
+                <a:rPr lang="en-US" sz="2400" b="0" i="0" dirty="0" err="1">
+                  <a:solidFill>
+                    <a:schemeClr val="tx2"/>
+                  </a:solidFill>
                   <a:effectLst/>
                   <a:latin typeface="Consolas" panose="020B0609020204030204" pitchFamily="49" charset="0"/>
                 </a:rPr>
-                <a:t>valid</a:t>
+                <a:t>alid</a:t>
               </a:r>
               <a:r>
                 <a:rPr lang="en-US" sz="2400" b="0" i="0" dirty="0">
@@ -13022,16 +13199,26 @@
                 <a:t>if (</a:t>
               </a:r>
               <a:r>
-                <a:rPr lang="en-US" sz="2000" dirty="0">
+                <a:rPr lang="en-US" sz="2000" b="0" i="0" dirty="0" err="1">
                   <a:solidFill>
                     <a:schemeClr val="tx2"/>
                   </a:solidFill>
+                  <a:effectLst/>
+                  <a:latin typeface="Consolas" panose="020B0609020204030204" pitchFamily="49" charset="0"/>
+                </a:rPr>
+                <a:t>is</a:t>
+              </a:r>
+              <a:r>
+                <a:rPr lang="en-US" sz="2000" dirty="0" err="1">
+                  <a:solidFill>
+                    <a:schemeClr val="tx2"/>
+                  </a:solidFill>
                   <a:latin typeface="Consolas" panose="020B0609020204030204" pitchFamily="49" charset="0"/>
                 </a:rPr>
                 <a:t>V</a:t>
               </a:r>
               <a:r>
-                <a:rPr lang="en-US" sz="2000" b="0" i="0" dirty="0">
+                <a:rPr lang="en-US" sz="2000" b="0" i="0" dirty="0" err="1">
                   <a:solidFill>
                     <a:schemeClr val="tx2"/>
                   </a:solidFill>
@@ -16664,12 +16851,85 @@
             <a:r>
               <a:rPr lang="en-US" sz="1050" b="0" i="0" dirty="0">
                 <a:solidFill>
+                  <a:schemeClr val="accent5"/>
+                </a:solidFill>
+                <a:effectLst/>
+                <a:latin typeface="Consolas" panose="020B0609020204030204" pitchFamily="49" charset="0"/>
+              </a:rPr>
+              <a:t>properties</a:t>
+            </a:r>
+            <a:r>
+              <a:rPr lang="en-US" sz="1050" b="0" i="0" dirty="0">
+                <a:solidFill>
+                  <a:schemeClr val="accent1"/>
+                </a:solidFill>
+                <a:effectLst/>
+                <a:latin typeface="Consolas" panose="020B0609020204030204" pitchFamily="49" charset="0"/>
+              </a:rPr>
+              <a:t>:    { </a:t>
+            </a:r>
+          </a:p>
+          <a:p>
+            <a:r>
+              <a:rPr lang="en-US" sz="1050" dirty="0">
+                <a:solidFill>
+                  <a:schemeClr val="accent1"/>
+                </a:solidFill>
+                <a:latin typeface="Consolas" panose="020B0609020204030204" pitchFamily="49" charset="0"/>
+              </a:rPr>
+              <a:t>		</a:t>
+            </a:r>
+            <a:r>
+              <a:rPr lang="en-US" sz="1050" b="0" i="0" dirty="0">
+                <a:solidFill>
+                  <a:schemeClr val="accent2">
+                    <a:lumMod val="75000"/>
+                  </a:schemeClr>
+                </a:solidFill>
+                <a:effectLst/>
+                <a:latin typeface="Consolas" panose="020B0609020204030204" pitchFamily="49" charset="0"/>
+              </a:rPr>
+              <a:t>temperature</a:t>
+            </a:r>
+            <a:r>
+              <a:rPr lang="en-US" sz="1050" b="0" i="0" dirty="0">
+                <a:solidFill>
+                  <a:schemeClr val="accent1"/>
+                </a:solidFill>
+                <a:effectLst/>
+                <a:latin typeface="Consolas" panose="020B0609020204030204" pitchFamily="49" charset="0"/>
+              </a:rPr>
+              <a:t>: {</a:t>
+            </a:r>
+            <a:r>
+              <a:rPr lang="en-US" sz="1050" b="0" i="0" dirty="0">
+                <a:solidFill>
+                  <a:schemeClr val="accent5"/>
+                </a:solidFill>
+                <a:effectLst/>
+                <a:latin typeface="Consolas" panose="020B0609020204030204" pitchFamily="49" charset="0"/>
+              </a:rPr>
+              <a:t>type</a:t>
+            </a:r>
+            <a:r>
+              <a:rPr lang="en-US" sz="1050" b="0" i="0" dirty="0">
+                <a:solidFill>
+                  <a:schemeClr val="accent1"/>
+                </a:solidFill>
+                <a:effectLst/>
+                <a:latin typeface="Consolas" panose="020B0609020204030204" pitchFamily="49" charset="0"/>
+              </a:rPr>
+              <a:t>: </a:t>
+            </a:r>
+            <a:r>
+              <a:rPr lang="en-US" sz="1050" b="0" i="0" dirty="0">
+                <a:solidFill>
                   <a:schemeClr val="accent2"/>
                 </a:solidFill>
                 <a:effectLst/>
                 <a:latin typeface="Consolas" panose="020B0609020204030204" pitchFamily="49" charset="0"/>
               </a:rPr>
-              <a:t>properties</a:t>
+              <a:t>"number"</a:t>
             </a:r>
             <a:r>
               <a:rPr lang="en-US" sz="1050" b="0" i="0" dirty="0">
@@ -16679,7 +16939,7 @@
                 <a:effectLst/>
                 <a:latin typeface="Consolas" panose="020B0609020204030204" pitchFamily="49" charset="0"/>
               </a:rPr>
-              <a:t>:    { </a:t>
+              <a:t>}, </a:t>
             </a:r>
           </a:p>
           <a:p>
@@ -16695,12 +16955,54 @@
             <a:r>
               <a:rPr lang="en-US" sz="1050" b="0" i="0" dirty="0">
                 <a:solidFill>
+                  <a:schemeClr val="accent2">
+                    <a:lumMod val="75000"/>
+                  </a:schemeClr>
+                </a:solidFill>
+                <a:effectLst/>
+                <a:latin typeface="Consolas" panose="020B0609020204030204" pitchFamily="49" charset="0"/>
+              </a:rPr>
+              <a:t>unit</a:t>
+            </a:r>
+            <a:r>
+              <a:rPr lang="en-US" sz="1050" b="0" i="0" dirty="0">
+                <a:solidFill>
+                  <a:schemeClr val="accent1"/>
+                </a:solidFill>
+                <a:effectLst/>
+                <a:latin typeface="Consolas" panose="020B0609020204030204" pitchFamily="49" charset="0"/>
+              </a:rPr>
+              <a:t>: {</a:t>
+            </a:r>
+            <a:r>
+              <a:rPr lang="en-US" sz="1050" b="0" i="0" dirty="0">
+                <a:solidFill>
+                  <a:schemeClr val="accent5"/>
+                </a:solidFill>
+                <a:effectLst/>
+                <a:latin typeface="Consolas" panose="020B0609020204030204" pitchFamily="49" charset="0"/>
+              </a:rPr>
+              <a:t>type</a:t>
+            </a:r>
+            <a:r>
+              <a:rPr lang="en-US" sz="1050" b="0" i="0" dirty="0">
+                <a:solidFill>
+                  <a:schemeClr val="accent1"/>
+                </a:solidFill>
+                <a:effectLst/>
+                <a:latin typeface="Consolas" panose="020B0609020204030204" pitchFamily="49" charset="0"/>
+              </a:rPr>
+              <a:t>:</a:t>
+            </a:r>
+            <a:r>
+              <a:rPr lang="en-US" sz="1050" b="0" i="0" dirty="0">
+                <a:solidFill>
                   <a:schemeClr val="accent2"/>
                 </a:solidFill>
                 <a:effectLst/>
                 <a:latin typeface="Consolas" panose="020B0609020204030204" pitchFamily="49" charset="0"/>
               </a:rPr>
-              <a:t>temperature</a:t>
+              <a:t> "string"</a:t>
             </a:r>
             <a:r>
               <a:rPr lang="en-US" sz="1050" b="0" i="0" dirty="0">
@@ -16710,6 +17012,63 @@
                 <a:effectLst/>
                 <a:latin typeface="Consolas" panose="020B0609020204030204" pitchFamily="49" charset="0"/>
               </a:rPr>
+              <a:t>}, </a:t>
+            </a:r>
+          </a:p>
+          <a:p>
+            <a:r>
+              <a:rPr lang="en-US" sz="1050" dirty="0">
+                <a:solidFill>
+                  <a:schemeClr val="accent1"/>
+                </a:solidFill>
+                <a:latin typeface="Consolas" panose="020B0609020204030204" pitchFamily="49" charset="0"/>
+              </a:rPr>
+              <a:t>		</a:t>
+            </a:r>
+            <a:r>
+              <a:rPr lang="en-US" sz="1050" b="0" i="0" dirty="0">
+                <a:solidFill>
+                  <a:schemeClr val="accent2">
+                    <a:lumMod val="75000"/>
+                  </a:schemeClr>
+                </a:solidFill>
+                <a:effectLst/>
+                <a:latin typeface="Consolas" panose="020B0609020204030204" pitchFamily="49" charset="0"/>
+              </a:rPr>
+              <a:t>temp</a:t>
+            </a:r>
+            <a:r>
+              <a:rPr lang="tr-TR" sz="1050" b="0" i="0" dirty="0">
+                <a:solidFill>
+                  <a:schemeClr val="accent2">
+                    <a:lumMod val="75000"/>
+                  </a:schemeClr>
+                </a:solidFill>
+                <a:effectLst/>
+                <a:latin typeface="Consolas" panose="020B0609020204030204" pitchFamily="49" charset="0"/>
+              </a:rPr>
+              <a:t>e</a:t>
+            </a:r>
+            <a:r>
+              <a:rPr lang="en-US" sz="1050" b="0" i="0" dirty="0" err="1">
+                <a:solidFill>
+                  <a:schemeClr val="accent2">
+                    <a:lumMod val="75000"/>
+                  </a:schemeClr>
+                </a:solidFill>
+                <a:effectLst/>
+                <a:latin typeface="Consolas" panose="020B0609020204030204" pitchFamily="49" charset="0"/>
+              </a:rPr>
+              <a:t>ratureOf</a:t>
+            </a:r>
+            <a:r>
+              <a:rPr lang="en-US" sz="1050" b="0" i="0" dirty="0">
+                <a:solidFill>
+                  <a:schemeClr val="accent1"/>
+                </a:solidFill>
+                <a:effectLst/>
+                <a:latin typeface="Consolas" panose="020B0609020204030204" pitchFamily="49" charset="0"/>
+              </a:rPr>
               <a:t>: {</a:t>
             </a:r>
             <a:r>
@@ -16740,7 +17099,7 @@
                 <a:effectLst/>
                 <a:latin typeface="Consolas" panose="020B0609020204030204" pitchFamily="49" charset="0"/>
               </a:rPr>
-              <a:t>"number"</a:t>
+              <a:t>"string"</a:t>
             </a:r>
             <a:r>
               <a:rPr lang="en-US" sz="1050" b="0" i="0" dirty="0">
@@ -16750,7 +17109,19 @@
                 <a:effectLst/>
                 <a:latin typeface="Consolas" panose="020B0609020204030204" pitchFamily="49" charset="0"/>
               </a:rPr>
-              <a:t>}, </a:t>
+              <a:t>} </a:t>
+            </a:r>
+          </a:p>
+          <a:p>
+            <a:r>
+              <a:rPr lang="en-US" sz="1050" b="0" i="0" dirty="0">
+                <a:solidFill>
+                  <a:schemeClr val="accent1"/>
+                </a:solidFill>
+                <a:effectLst/>
+                <a:latin typeface="Consolas" panose="020B0609020204030204" pitchFamily="49" charset="0"/>
+              </a:rPr>
+              <a:t>	},</a:t>
             </a:r>
           </a:p>
           <a:p>
@@ -16761,17 +17132,37 @@
                 </a:solidFill>
                 <a:latin typeface="Consolas" panose="020B0609020204030204" pitchFamily="49" charset="0"/>
               </a:rPr>
-              <a:t>		</a:t>
+              <a:t>	</a:t>
             </a:r>
             <a:r>
               <a:rPr lang="en-US" sz="1050" b="0" i="0" dirty="0">
                 <a:solidFill>
+                  <a:schemeClr val="accent5"/>
+                </a:solidFill>
+                <a:effectLst/>
+                <a:latin typeface="Consolas" panose="020B0609020204030204" pitchFamily="49" charset="0"/>
+              </a:rPr>
+              <a:t>required</a:t>
+            </a:r>
+            <a:r>
+              <a:rPr lang="en-US" sz="1050" b="0" i="0" dirty="0">
+                <a:solidFill>
+                  <a:schemeClr val="accent1"/>
+                </a:solidFill>
+                <a:effectLst/>
+                <a:latin typeface="Consolas" panose="020B0609020204030204" pitchFamily="49" charset="0"/>
+              </a:rPr>
+              <a:t>:  [</a:t>
+            </a:r>
+            <a:r>
+              <a:rPr lang="en-US" sz="1050" b="0" i="0" dirty="0">
+                <a:solidFill>
                   <a:schemeClr val="accent2"/>
                 </a:solidFill>
                 <a:effectLst/>
                 <a:latin typeface="Consolas" panose="020B0609020204030204" pitchFamily="49" charset="0"/>
               </a:rPr>
-              <a:t>unit</a:t>
+              <a:t>"temperature"</a:t>
             </a:r>
             <a:r>
               <a:rPr lang="en-US" sz="1050" b="0" i="0" dirty="0">
@@ -16781,237 +17172,43 @@
                 <a:effectLst/>
                 <a:latin typeface="Consolas" panose="020B0609020204030204" pitchFamily="49" charset="0"/>
               </a:rPr>
-              <a:t>: {</a:t>
+              <a:t>, </a:t>
             </a:r>
             <a:r>
               <a:rPr lang="en-US" sz="1050" b="0" i="0" dirty="0">
                 <a:solidFill>
+                  <a:schemeClr val="accent2"/>
+                </a:solidFill>
+                <a:effectLst/>
+                <a:latin typeface="Consolas" panose="020B0609020204030204" pitchFamily="49" charset="0"/>
+              </a:rPr>
+              <a:t>"unit"</a:t>
+            </a:r>
+            <a:r>
+              <a:rPr lang="en-US" sz="1050" b="0" i="0" dirty="0">
+                <a:solidFill>
+                  <a:schemeClr val="accent1"/>
+                </a:solidFill>
+                <a:effectLst/>
+                <a:latin typeface="Consolas" panose="020B0609020204030204" pitchFamily="49" charset="0"/>
+              </a:rPr>
+              <a:t>],</a:t>
+            </a:r>
+          </a:p>
+          <a:p>
+            <a:r>
+              <a:rPr lang="en-US" sz="1050" dirty="0">
+                <a:solidFill>
+                  <a:schemeClr val="accent1"/>
+                </a:solidFill>
+                <a:latin typeface="Consolas" panose="020B0609020204030204" pitchFamily="49" charset="0"/>
+              </a:rPr>
+              <a:t>	</a:t>
+            </a:r>
+            <a:r>
+              <a:rPr lang="en-US" sz="1050" b="0" i="0" dirty="0" err="1">
+                <a:solidFill>
                   <a:schemeClr val="accent5"/>
-                </a:solidFill>
-                <a:effectLst/>
-                <a:latin typeface="Consolas" panose="020B0609020204030204" pitchFamily="49" charset="0"/>
-              </a:rPr>
-              <a:t>type</a:t>
-            </a:r>
-            <a:r>
-              <a:rPr lang="en-US" sz="1050" b="0" i="0" dirty="0">
-                <a:solidFill>
-                  <a:schemeClr val="accent1"/>
-                </a:solidFill>
-                <a:effectLst/>
-                <a:latin typeface="Consolas" panose="020B0609020204030204" pitchFamily="49" charset="0"/>
-              </a:rPr>
-              <a:t>:</a:t>
-            </a:r>
-            <a:r>
-              <a:rPr lang="en-US" sz="1050" b="0" i="0" dirty="0">
-                <a:solidFill>
-                  <a:schemeClr val="accent2"/>
-                </a:solidFill>
-                <a:effectLst/>
-                <a:latin typeface="Consolas" panose="020B0609020204030204" pitchFamily="49" charset="0"/>
-              </a:rPr>
-              <a:t> "string"</a:t>
-            </a:r>
-            <a:r>
-              <a:rPr lang="en-US" sz="1050" b="0" i="0" dirty="0">
-                <a:solidFill>
-                  <a:schemeClr val="accent1"/>
-                </a:solidFill>
-                <a:effectLst/>
-                <a:latin typeface="Consolas" panose="020B0609020204030204" pitchFamily="49" charset="0"/>
-              </a:rPr>
-              <a:t>}, </a:t>
-            </a:r>
-          </a:p>
-          <a:p>
-            <a:r>
-              <a:rPr lang="en-US" sz="1050" dirty="0">
-                <a:solidFill>
-                  <a:schemeClr val="accent1"/>
-                </a:solidFill>
-                <a:latin typeface="Consolas" panose="020B0609020204030204" pitchFamily="49" charset="0"/>
-              </a:rPr>
-              <a:t>		</a:t>
-            </a:r>
-            <a:r>
-              <a:rPr lang="en-US" sz="1050" b="0" i="0" dirty="0">
-                <a:solidFill>
-                  <a:schemeClr val="accent2"/>
-                </a:solidFill>
-                <a:effectLst/>
-                <a:latin typeface="Consolas" panose="020B0609020204030204" pitchFamily="49" charset="0"/>
-              </a:rPr>
-              <a:t>temp</a:t>
-            </a:r>
-            <a:r>
-              <a:rPr lang="tr-TR" sz="1050" b="0" i="0" dirty="0">
-                <a:solidFill>
-                  <a:schemeClr val="accent2"/>
-                </a:solidFill>
-                <a:effectLst/>
-                <a:latin typeface="Consolas" panose="020B0609020204030204" pitchFamily="49" charset="0"/>
-              </a:rPr>
-              <a:t>e</a:t>
-            </a:r>
-            <a:r>
-              <a:rPr lang="en-US" sz="1050" b="0" i="0" dirty="0" err="1">
-                <a:solidFill>
-                  <a:schemeClr val="accent2"/>
-                </a:solidFill>
-                <a:effectLst/>
-                <a:latin typeface="Consolas" panose="020B0609020204030204" pitchFamily="49" charset="0"/>
-              </a:rPr>
-              <a:t>ratureOf</a:t>
-            </a:r>
-            <a:r>
-              <a:rPr lang="en-US" sz="1050" b="0" i="0" dirty="0">
-                <a:solidFill>
-                  <a:schemeClr val="accent1"/>
-                </a:solidFill>
-                <a:effectLst/>
-                <a:latin typeface="Consolas" panose="020B0609020204030204" pitchFamily="49" charset="0"/>
-              </a:rPr>
-              <a:t>: {</a:t>
-            </a:r>
-            <a:r>
-              <a:rPr lang="en-US" sz="1050" b="0" i="0" dirty="0">
-                <a:solidFill>
-                  <a:schemeClr val="accent5"/>
-                </a:solidFill>
-                <a:effectLst/>
-                <a:latin typeface="Consolas" panose="020B0609020204030204" pitchFamily="49" charset="0"/>
-              </a:rPr>
-              <a:t>type</a:t>
-            </a:r>
-            <a:r>
-              <a:rPr lang="en-US" sz="1050" b="0" i="0" dirty="0">
-                <a:solidFill>
-                  <a:schemeClr val="accent1"/>
-                </a:solidFill>
-                <a:effectLst/>
-                <a:latin typeface="Consolas" panose="020B0609020204030204" pitchFamily="49" charset="0"/>
-              </a:rPr>
-              <a:t>: </a:t>
-            </a:r>
-            <a:r>
-              <a:rPr lang="en-US" sz="1050" b="0" i="0" dirty="0">
-                <a:solidFill>
-                  <a:schemeClr val="accent2"/>
-                </a:solidFill>
-                <a:effectLst/>
-                <a:latin typeface="Consolas" panose="020B0609020204030204" pitchFamily="49" charset="0"/>
-              </a:rPr>
-              <a:t>"string"</a:t>
-            </a:r>
-            <a:r>
-              <a:rPr lang="en-US" sz="1050" b="0" i="0" dirty="0">
-                <a:solidFill>
-                  <a:schemeClr val="accent1"/>
-                </a:solidFill>
-                <a:effectLst/>
-                <a:latin typeface="Consolas" panose="020B0609020204030204" pitchFamily="49" charset="0"/>
-              </a:rPr>
-              <a:t>} </a:t>
-            </a:r>
-          </a:p>
-          <a:p>
-            <a:r>
-              <a:rPr lang="en-US" sz="1050" b="0" i="0" dirty="0">
-                <a:solidFill>
-                  <a:schemeClr val="accent1"/>
-                </a:solidFill>
-                <a:effectLst/>
-                <a:latin typeface="Consolas" panose="020B0609020204030204" pitchFamily="49" charset="0"/>
-              </a:rPr>
-              <a:t>},</a:t>
-            </a:r>
-          </a:p>
-          <a:p>
-            <a:r>
-              <a:rPr lang="en-US" sz="1050" dirty="0">
-                <a:solidFill>
-                  <a:schemeClr val="accent1"/>
-                </a:solidFill>
-                <a:latin typeface="Consolas" panose="020B0609020204030204" pitchFamily="49" charset="0"/>
-              </a:rPr>
-              <a:t>	</a:t>
-            </a:r>
-            <a:r>
-              <a:rPr lang="en-US" sz="1050" b="0" i="0" dirty="0">
-                <a:solidFill>
-                  <a:schemeClr val="accent2"/>
-                </a:solidFill>
-                <a:effectLst/>
-                <a:latin typeface="Consolas" panose="020B0609020204030204" pitchFamily="49" charset="0"/>
-              </a:rPr>
-              <a:t>required</a:t>
-            </a:r>
-            <a:r>
-              <a:rPr lang="en-US" sz="1050" b="0" i="0" dirty="0">
-                <a:solidFill>
-                  <a:schemeClr val="accent1"/>
-                </a:solidFill>
-                <a:effectLst/>
-                <a:latin typeface="Consolas" panose="020B0609020204030204" pitchFamily="49" charset="0"/>
-              </a:rPr>
-              <a:t>:  [</a:t>
-            </a:r>
-            <a:r>
-              <a:rPr lang="en-US" sz="1050" b="0" i="0" dirty="0">
-                <a:solidFill>
-                  <a:schemeClr val="accent2"/>
-                </a:solidFill>
-                <a:effectLst/>
-                <a:latin typeface="Consolas" panose="020B0609020204030204" pitchFamily="49" charset="0"/>
-              </a:rPr>
-              <a:t>"temperature"</a:t>
-            </a:r>
-            <a:r>
-              <a:rPr lang="en-US" sz="1050" b="0" i="0" dirty="0">
-                <a:solidFill>
-                  <a:schemeClr val="accent1"/>
-                </a:solidFill>
-                <a:effectLst/>
-                <a:latin typeface="Consolas" panose="020B0609020204030204" pitchFamily="49" charset="0"/>
-              </a:rPr>
-              <a:t>, </a:t>
-            </a:r>
-            <a:r>
-              <a:rPr lang="en-US" sz="1050" b="0" i="0" dirty="0">
-                <a:solidFill>
-                  <a:schemeClr val="accent2"/>
-                </a:solidFill>
-                <a:effectLst/>
-                <a:latin typeface="Consolas" panose="020B0609020204030204" pitchFamily="49" charset="0"/>
-              </a:rPr>
-              <a:t>"unit"</a:t>
-            </a:r>
-            <a:r>
-              <a:rPr lang="en-US" sz="1050" b="0" i="0" dirty="0">
-                <a:solidFill>
-                  <a:schemeClr val="accent1"/>
-                </a:solidFill>
-                <a:effectLst/>
-                <a:latin typeface="Consolas" panose="020B0609020204030204" pitchFamily="49" charset="0"/>
-              </a:rPr>
-              <a:t>],</a:t>
-            </a:r>
-          </a:p>
-          <a:p>
-            <a:r>
-              <a:rPr lang="en-US" sz="1050" dirty="0">
-                <a:solidFill>
-                  <a:schemeClr val="accent1"/>
-                </a:solidFill>
-                <a:latin typeface="Consolas" panose="020B0609020204030204" pitchFamily="49" charset="0"/>
-              </a:rPr>
-              <a:t>	</a:t>
-            </a:r>
-            <a:r>
-              <a:rPr lang="en-US" sz="1050" b="0" i="0" dirty="0" err="1">
-                <a:solidFill>
-                  <a:schemeClr val="accent2"/>
                 </a:solidFill>
                 <a:effectLst/>
                 <a:latin typeface="Consolas" panose="020B0609020204030204" pitchFamily="49" charset="0"/>
@@ -17200,12 +17397,87 @@
             <a:r>
               <a:rPr lang="en-US" sz="1050" b="0" i="0" dirty="0">
                 <a:solidFill>
+                  <a:schemeClr val="accent2">
+                    <a:lumMod val="75000"/>
+                  </a:schemeClr>
+                </a:solidFill>
+                <a:effectLst/>
+                <a:latin typeface="Consolas" panose="020B0609020204030204" pitchFamily="49" charset="0"/>
+              </a:rPr>
+              <a:t>temperature</a:t>
+            </a:r>
+            <a:r>
+              <a:rPr lang="en-US" sz="1050" b="0" i="0" dirty="0">
+                <a:solidFill>
+                  <a:schemeClr val="accent1"/>
+                </a:solidFill>
+                <a:effectLst/>
+                <a:latin typeface="Consolas" panose="020B0609020204030204" pitchFamily="49" charset="0"/>
+              </a:rPr>
+              <a:t>: </a:t>
+            </a:r>
+            <a:r>
+              <a:rPr lang="en-US" sz="1050" b="0" i="0" dirty="0">
+                <a:solidFill>
+                  <a:schemeClr val="accent6"/>
+                </a:solidFill>
+                <a:effectLst/>
+                <a:latin typeface="Consolas" panose="020B0609020204030204" pitchFamily="49" charset="0"/>
+              </a:rPr>
+              <a:t>15.7</a:t>
+            </a:r>
+            <a:r>
+              <a:rPr lang="en-US" sz="1050" b="0" i="0" dirty="0">
+                <a:solidFill>
+                  <a:schemeClr val="accent1"/>
+                </a:solidFill>
+                <a:effectLst/>
+                <a:latin typeface="Consolas" panose="020B0609020204030204" pitchFamily="49" charset="0"/>
+              </a:rPr>
+              <a:t>, 	</a:t>
+            </a:r>
+          </a:p>
+          <a:p>
+            <a:r>
+              <a:rPr lang="en-US" sz="1050" dirty="0">
+                <a:solidFill>
+                  <a:schemeClr val="accent1"/>
+                </a:solidFill>
+                <a:latin typeface="Consolas" panose="020B0609020204030204" pitchFamily="49" charset="0"/>
+              </a:rPr>
+              <a:t>	</a:t>
+            </a:r>
+            <a:r>
+              <a:rPr lang="en-US" sz="1050" b="0" i="0" dirty="0">
+                <a:solidFill>
+                  <a:schemeClr val="accent2">
+                    <a:lumMod val="75000"/>
+                  </a:schemeClr>
+                </a:solidFill>
+                <a:effectLst/>
+                <a:latin typeface="Consolas" panose="020B0609020204030204" pitchFamily="49" charset="0"/>
+              </a:rPr>
+              <a:t>unit</a:t>
+            </a:r>
+            <a:r>
+              <a:rPr lang="en-US" sz="1050" b="0" i="0" dirty="0">
+                <a:solidFill>
+                  <a:schemeClr val="accent1"/>
+                </a:solidFill>
+                <a:effectLst/>
+                <a:latin typeface="Consolas" panose="020B0609020204030204" pitchFamily="49" charset="0"/>
+              </a:rPr>
+              <a:t>: </a:t>
+            </a:r>
+            <a:r>
+              <a:rPr lang="en-US" sz="1050" b="0" i="0" dirty="0">
+                <a:solidFill>
                   <a:schemeClr val="accent2"/>
                 </a:solidFill>
                 <a:effectLst/>
                 <a:latin typeface="Consolas" panose="020B0609020204030204" pitchFamily="49" charset="0"/>
               </a:rPr>
-              <a:t>temperature</a:t>
+              <a:t>"Celsius"</a:t>
             </a:r>
             <a:r>
               <a:rPr lang="en-US" sz="1050" b="0" i="0" dirty="0">
@@ -17215,94 +17487,25 @@
                 <a:effectLst/>
                 <a:latin typeface="Consolas" panose="020B0609020204030204" pitchFamily="49" charset="0"/>
               </a:rPr>
-              <a:t>: </a:t>
+              <a:t>, </a:t>
+            </a:r>
+          </a:p>
+          <a:p>
+            <a:r>
+              <a:rPr lang="en-US" sz="1050" dirty="0">
+                <a:solidFill>
+                  <a:schemeClr val="accent1"/>
+                </a:solidFill>
+                <a:latin typeface="Consolas" panose="020B0609020204030204" pitchFamily="49" charset="0"/>
+              </a:rPr>
+              <a:t>	</a:t>
             </a:r>
             <a:r>
               <a:rPr lang="en-US" sz="1050" b="0" i="0" dirty="0">
                 <a:solidFill>
-                  <a:schemeClr val="accent6"/>
-                </a:solidFill>
-                <a:effectLst/>
-                <a:latin typeface="Consolas" panose="020B0609020204030204" pitchFamily="49" charset="0"/>
-              </a:rPr>
-              <a:t>15.7</a:t>
-            </a:r>
-            <a:r>
-              <a:rPr lang="en-US" sz="1050" b="0" i="0" dirty="0">
-                <a:solidFill>
-                  <a:schemeClr val="accent1"/>
-                </a:solidFill>
-                <a:effectLst/>
-                <a:latin typeface="Consolas" panose="020B0609020204030204" pitchFamily="49" charset="0"/>
-              </a:rPr>
-              <a:t>, 	</a:t>
-            </a:r>
-          </a:p>
-          <a:p>
-            <a:r>
-              <a:rPr lang="en-US" sz="1050" dirty="0">
-                <a:solidFill>
-                  <a:schemeClr val="accent1"/>
-                </a:solidFill>
-                <a:latin typeface="Consolas" panose="020B0609020204030204" pitchFamily="49" charset="0"/>
-              </a:rPr>
-              <a:t>	</a:t>
-            </a:r>
-            <a:r>
-              <a:rPr lang="en-US" sz="1050" b="0" i="0" dirty="0">
-                <a:solidFill>
-                  <a:schemeClr val="accent2"/>
-                </a:solidFill>
-                <a:effectLst/>
-                <a:latin typeface="Consolas" panose="020B0609020204030204" pitchFamily="49" charset="0"/>
-              </a:rPr>
-              <a:t>unit</a:t>
-            </a:r>
-            <a:r>
-              <a:rPr lang="en-US" sz="1050" b="0" i="0" dirty="0">
-                <a:solidFill>
-                  <a:schemeClr val="accent1"/>
-                </a:solidFill>
-                <a:effectLst/>
-                <a:latin typeface="Consolas" panose="020B0609020204030204" pitchFamily="49" charset="0"/>
-              </a:rPr>
-              <a:t>: </a:t>
-            </a:r>
-            <a:r>
-              <a:rPr lang="en-US" sz="1050" b="0" i="0" dirty="0">
-                <a:solidFill>
-                  <a:schemeClr val="accent2"/>
-                </a:solidFill>
-                <a:effectLst/>
-                <a:latin typeface="Consolas" panose="020B0609020204030204" pitchFamily="49" charset="0"/>
-              </a:rPr>
-              <a:t>"Celsius"</a:t>
-            </a:r>
-            <a:r>
-              <a:rPr lang="en-US" sz="1050" b="0" i="0" dirty="0">
-                <a:solidFill>
-                  <a:schemeClr val="accent1"/>
-                </a:solidFill>
-                <a:effectLst/>
-                <a:latin typeface="Consolas" panose="020B0609020204030204" pitchFamily="49" charset="0"/>
-              </a:rPr>
-              <a:t>, </a:t>
-            </a:r>
-          </a:p>
-          <a:p>
-            <a:r>
-              <a:rPr lang="en-US" sz="1050" dirty="0">
-                <a:solidFill>
-                  <a:schemeClr val="accent1"/>
-                </a:solidFill>
-                <a:latin typeface="Consolas" panose="020B0609020204030204" pitchFamily="49" charset="0"/>
-              </a:rPr>
-              <a:t>	</a:t>
-            </a:r>
-            <a:r>
-              <a:rPr lang="en-US" sz="1050" b="0" i="0" dirty="0">
-                <a:solidFill>
-                  <a:schemeClr val="accent2"/>
+                  <a:schemeClr val="accent2">
+                    <a:lumMod val="75000"/>
+                  </a:schemeClr>
                 </a:solidFill>
                 <a:effectLst/>
                 <a:latin typeface="Consolas" panose="020B0609020204030204" pitchFamily="49" charset="0"/>
@@ -17312,7 +17515,9 @@
             <a:r>
               <a:rPr lang="tr-TR" sz="1050" b="0" i="0" dirty="0">
                 <a:solidFill>
-                  <a:schemeClr val="accent2"/>
+                  <a:schemeClr val="accent2">
+                    <a:lumMod val="75000"/>
+                  </a:schemeClr>
                 </a:solidFill>
                 <a:effectLst/>
                 <a:latin typeface="Consolas" panose="020B0609020204030204" pitchFamily="49" charset="0"/>
@@ -17322,7 +17527,9 @@
             <a:r>
               <a:rPr lang="en-US" sz="1050" b="0" i="0" dirty="0" err="1">
                 <a:solidFill>
-                  <a:schemeClr val="accent2"/>
+                  <a:schemeClr val="accent2">
+                    <a:lumMod val="75000"/>
+                  </a:schemeClr>
                 </a:solidFill>
                 <a:effectLst/>
                 <a:latin typeface="Consolas" panose="020B0609020204030204" pitchFamily="49" charset="0"/>
@@ -17387,14 +17594,63 @@
               <a:t> </a:t>
             </a:r>
             <a:r>
+              <a:rPr lang="en-US" sz="1050" dirty="0" err="1">
+                <a:solidFill>
+                  <a:schemeClr val="tx2"/>
+                </a:solidFill>
+                <a:latin typeface="Consolas" panose="020B0609020204030204" pitchFamily="49" charset="0"/>
+              </a:rPr>
+              <a:t>isV</a:t>
+            </a:r>
+            <a:r>
+              <a:rPr lang="en-US" sz="1050" b="0" i="0" dirty="0" err="1">
+                <a:solidFill>
+                  <a:schemeClr val="tx2"/>
+                </a:solidFill>
+                <a:effectLst/>
+                <a:latin typeface="Consolas" panose="020B0609020204030204" pitchFamily="49" charset="0"/>
+              </a:rPr>
+              <a:t>alid</a:t>
+            </a:r>
+            <a:r>
               <a:rPr lang="en-US" sz="1050" b="0" i="0" dirty="0">
                 <a:solidFill>
+                  <a:schemeClr val="accent1"/>
+                </a:solidFill>
+                <a:effectLst/>
+                <a:latin typeface="Consolas" panose="020B0609020204030204" pitchFamily="49" charset="0"/>
+              </a:rPr>
+              <a:t> = </a:t>
+            </a:r>
+            <a:r>
+              <a:rPr lang="en-US" sz="1050" b="0" i="0" dirty="0">
+                <a:solidFill>
+                  <a:schemeClr val="accent5"/>
+                </a:solidFill>
+                <a:effectLst/>
+                <a:latin typeface="Consolas" panose="020B0609020204030204" pitchFamily="49" charset="0"/>
+              </a:rPr>
+              <a:t>validate</a:t>
+            </a:r>
+            <a:r>
+              <a:rPr lang="en-US" sz="1050" b="0" i="0" dirty="0">
+                <a:solidFill>
+                  <a:schemeClr val="accent1"/>
+                </a:solidFill>
+                <a:effectLst/>
+                <a:latin typeface="Consolas" panose="020B0609020204030204" pitchFamily="49" charset="0"/>
+              </a:rPr>
+              <a:t>(</a:t>
+            </a:r>
+            <a:r>
+              <a:rPr lang="en-US" sz="1050" b="0" i="0" dirty="0">
+                <a:solidFill>
                   <a:schemeClr val="tx2"/>
                 </a:solidFill>
                 <a:effectLst/>
                 <a:latin typeface="Consolas" panose="020B0609020204030204" pitchFamily="49" charset="0"/>
               </a:rPr>
-              <a:t>valid</a:t>
+              <a:t>data</a:t>
             </a:r>
             <a:r>
               <a:rPr lang="en-US" sz="1050" b="0" i="0" dirty="0">
@@ -17404,69 +17660,38 @@
                 <a:effectLst/>
                 <a:latin typeface="Consolas" panose="020B0609020204030204" pitchFamily="49" charset="0"/>
               </a:rPr>
-              <a:t> = </a:t>
-            </a:r>
+              <a:t>) </a:t>
+            </a:r>
+          </a:p>
+          <a:p>
             <a:r>
               <a:rPr lang="en-US" sz="1050" b="0" i="0" dirty="0">
                 <a:solidFill>
-                  <a:schemeClr val="accent5"/>
-                </a:solidFill>
-                <a:effectLst/>
-                <a:latin typeface="Consolas" panose="020B0609020204030204" pitchFamily="49" charset="0"/>
-              </a:rPr>
-              <a:t>validate</a:t>
-            </a:r>
-            <a:r>
-              <a:rPr lang="en-US" sz="1050" b="0" i="0" dirty="0">
-                <a:solidFill>
                   <a:schemeClr val="accent1"/>
                 </a:solidFill>
                 <a:effectLst/>
                 <a:latin typeface="Consolas" panose="020B0609020204030204" pitchFamily="49" charset="0"/>
               </a:rPr>
-              <a:t>(</a:t>
-            </a:r>
-            <a:r>
-              <a:rPr lang="en-US" sz="1050" b="0" i="0" dirty="0">
+              <a:t>if (</a:t>
+            </a:r>
+            <a:r>
+              <a:rPr lang="en-US" sz="1050" dirty="0" err="1">
                 <a:solidFill>
                   <a:schemeClr val="tx2"/>
                 </a:solidFill>
-                <a:effectLst/>
-                <a:latin typeface="Consolas" panose="020B0609020204030204" pitchFamily="49" charset="0"/>
-              </a:rPr>
-              <a:t>data</a:t>
-            </a:r>
-            <a:r>
-              <a:rPr lang="en-US" sz="1050" b="0" i="0" dirty="0">
-                <a:solidFill>
-                  <a:schemeClr val="accent1"/>
-                </a:solidFill>
-                <a:effectLst/>
-                <a:latin typeface="Consolas" panose="020B0609020204030204" pitchFamily="49" charset="0"/>
-              </a:rPr>
-              <a:t>) </a:t>
-            </a:r>
-          </a:p>
-          <a:p>
-            <a:r>
-              <a:rPr lang="en-US" sz="1050" b="0" i="0" dirty="0">
-                <a:solidFill>
-                  <a:schemeClr val="accent1"/>
-                </a:solidFill>
-                <a:effectLst/>
-                <a:latin typeface="Consolas" panose="020B0609020204030204" pitchFamily="49" charset="0"/>
-              </a:rPr>
-              <a:t>if (</a:t>
-            </a:r>
-            <a:r>
-              <a:rPr lang="en-US" sz="1050" b="0" i="0" dirty="0">
+                <a:latin typeface="Consolas" panose="020B0609020204030204" pitchFamily="49" charset="0"/>
+              </a:rPr>
+              <a:t>isV</a:t>
+            </a:r>
+            <a:r>
+              <a:rPr lang="en-US" sz="1050" b="0" i="0" dirty="0" err="1">
                 <a:solidFill>
                   <a:schemeClr val="tx2"/>
                 </a:solidFill>
                 <a:effectLst/>
                 <a:latin typeface="Consolas" panose="020B0609020204030204" pitchFamily="49" charset="0"/>
               </a:rPr>
-              <a:t>valid</a:t>
+              <a:t>alid</a:t>
             </a:r>
             <a:r>
               <a:rPr lang="en-US" sz="1050" b="0" i="0" dirty="0">
@@ -18898,11 +19123,331 @@
             <a:r>
               <a:rPr lang="en-US" sz="1300" b="0" dirty="0">
                 <a:solidFill>
+                  <a:schemeClr val="accent2">
+                    <a:lumMod val="75000"/>
+                  </a:schemeClr>
+                </a:solidFill>
+                <a:effectLst/>
+                <a:latin typeface="Consolas" panose="020B0609020204030204" pitchFamily="49" charset="0"/>
+              </a:rPr>
+              <a:t>"temperature"</a:t>
+            </a:r>
+            <a:r>
+              <a:rPr lang="en-US" sz="1300" b="0" dirty="0">
+                <a:solidFill>
+                  <a:schemeClr val="accent1"/>
+                </a:solidFill>
+                <a:effectLst/>
+                <a:latin typeface="Consolas" panose="020B0609020204030204" pitchFamily="49" charset="0"/>
+              </a:rPr>
+              <a:t>: {</a:t>
+            </a:r>
+            <a:r>
+              <a:rPr lang="en-US" sz="1300" b="0" dirty="0">
+                <a:solidFill>
+                  <a:schemeClr val="accent5"/>
+                </a:solidFill>
+                <a:effectLst/>
+                <a:latin typeface="Consolas" panose="020B0609020204030204" pitchFamily="49" charset="0"/>
+              </a:rPr>
+              <a:t>"</a:t>
+            </a:r>
+            <a:r>
+              <a:rPr lang="en-US" sz="1300" b="0" dirty="0" err="1">
+                <a:solidFill>
+                  <a:schemeClr val="accent5"/>
+                </a:solidFill>
+                <a:effectLst/>
+                <a:latin typeface="Consolas" panose="020B0609020204030204" pitchFamily="49" charset="0"/>
+              </a:rPr>
+              <a:t>type"</a:t>
+            </a:r>
+            <a:r>
+              <a:rPr lang="en-US" sz="1300" b="0" dirty="0" err="1">
+                <a:solidFill>
+                  <a:schemeClr val="accent1"/>
+                </a:solidFill>
+                <a:effectLst/>
+                <a:latin typeface="Consolas" panose="020B0609020204030204" pitchFamily="49" charset="0"/>
+              </a:rPr>
+              <a:t>:</a:t>
+            </a:r>
+            <a:r>
+              <a:rPr lang="en-US" sz="1300" b="0" dirty="0" err="1">
+                <a:solidFill>
                   <a:schemeClr val="accent2"/>
                 </a:solidFill>
                 <a:effectLst/>
                 <a:latin typeface="Consolas" panose="020B0609020204030204" pitchFamily="49" charset="0"/>
               </a:rPr>
+              <a:t>"number</a:t>
+            </a:r>
+            <a:r>
+              <a:rPr lang="en-US" sz="1300" b="0" dirty="0">
+                <a:solidFill>
+                  <a:schemeClr val="accent2"/>
+                </a:solidFill>
+                <a:effectLst/>
+                <a:latin typeface="Consolas" panose="020B0609020204030204" pitchFamily="49" charset="0"/>
+              </a:rPr>
+              <a:t>"</a:t>
+            </a:r>
+            <a:r>
+              <a:rPr lang="en-US" sz="1300" b="0" dirty="0">
+                <a:solidFill>
+                  <a:schemeClr val="accent1"/>
+                </a:solidFill>
+                <a:effectLst/>
+                <a:latin typeface="Consolas" panose="020B0609020204030204" pitchFamily="49" charset="0"/>
+              </a:rPr>
+              <a:t>},</a:t>
+            </a:r>
+          </a:p>
+          <a:p>
+            <a:r>
+              <a:rPr lang="en-US" sz="1300" b="0" dirty="0">
+                <a:solidFill>
+                  <a:schemeClr val="accent1"/>
+                </a:solidFill>
+                <a:effectLst/>
+                <a:latin typeface="Consolas" panose="020B0609020204030204" pitchFamily="49" charset="0"/>
+              </a:rPr>
+              <a:t>        </a:t>
+            </a:r>
+            <a:r>
+              <a:rPr lang="en-US" sz="1300" b="0" dirty="0">
+                <a:solidFill>
+                  <a:schemeClr val="accent2">
+                    <a:lumMod val="75000"/>
+                  </a:schemeClr>
+                </a:solidFill>
+                <a:effectLst/>
+                <a:latin typeface="Consolas" panose="020B0609020204030204" pitchFamily="49" charset="0"/>
+              </a:rPr>
+              <a:t>"unit"</a:t>
+            </a:r>
+            <a:r>
+              <a:rPr lang="en-US" sz="1300" b="0" dirty="0">
+                <a:solidFill>
+                  <a:schemeClr val="accent1"/>
+                </a:solidFill>
+                <a:effectLst/>
+                <a:latin typeface="Consolas" panose="020B0609020204030204" pitchFamily="49" charset="0"/>
+              </a:rPr>
+              <a:t>: {</a:t>
+            </a:r>
+            <a:r>
+              <a:rPr lang="en-US" sz="1300" b="0" dirty="0">
+                <a:solidFill>
+                  <a:schemeClr val="accent5"/>
+                </a:solidFill>
+                <a:effectLst/>
+                <a:latin typeface="Consolas" panose="020B0609020204030204" pitchFamily="49" charset="0"/>
+              </a:rPr>
+              <a:t>"type"</a:t>
+            </a:r>
+            <a:r>
+              <a:rPr lang="en-US" sz="1300" b="0" dirty="0">
+                <a:solidFill>
+                  <a:schemeClr val="accent1"/>
+                </a:solidFill>
+                <a:effectLst/>
+                <a:latin typeface="Consolas" panose="020B0609020204030204" pitchFamily="49" charset="0"/>
+              </a:rPr>
+              <a:t>: </a:t>
+            </a:r>
+            <a:r>
+              <a:rPr lang="en-US" sz="1300" b="0" dirty="0">
+                <a:solidFill>
+                  <a:schemeClr val="accent2"/>
+                </a:solidFill>
+                <a:effectLst/>
+                <a:latin typeface="Consolas" panose="020B0609020204030204" pitchFamily="49" charset="0"/>
+              </a:rPr>
+              <a:t>"string"</a:t>
+            </a:r>
+            <a:r>
+              <a:rPr lang="en-US" sz="1300" b="0" dirty="0">
+                <a:solidFill>
+                  <a:schemeClr val="accent1"/>
+                </a:solidFill>
+                <a:effectLst/>
+                <a:latin typeface="Consolas" panose="020B0609020204030204" pitchFamily="49" charset="0"/>
+              </a:rPr>
+              <a:t>}, </a:t>
+            </a:r>
+          </a:p>
+          <a:p>
+            <a:r>
+              <a:rPr lang="en-US" sz="1300" b="0" dirty="0">
+                <a:solidFill>
+                  <a:schemeClr val="accent1"/>
+                </a:solidFill>
+                <a:effectLst/>
+                <a:latin typeface="Consolas" panose="020B0609020204030204" pitchFamily="49" charset="0"/>
+              </a:rPr>
+              <a:t>        </a:t>
+            </a:r>
+            <a:r>
+              <a:rPr lang="en-US" sz="1300" b="0" dirty="0">
+                <a:solidFill>
+                  <a:schemeClr val="accent2">
+                    <a:lumMod val="75000"/>
+                  </a:schemeClr>
+                </a:solidFill>
+                <a:effectLst/>
+                <a:latin typeface="Consolas" panose="020B0609020204030204" pitchFamily="49" charset="0"/>
+              </a:rPr>
+              <a:t>"temp</a:t>
+            </a:r>
+            <a:r>
+              <a:rPr lang="tr-TR" sz="1300" b="0" dirty="0">
+                <a:solidFill>
+                  <a:schemeClr val="accent2">
+                    <a:lumMod val="75000"/>
+                  </a:schemeClr>
+                </a:solidFill>
+                <a:effectLst/>
+                <a:latin typeface="Consolas" panose="020B0609020204030204" pitchFamily="49" charset="0"/>
+              </a:rPr>
+              <a:t>e</a:t>
+            </a:r>
+            <a:r>
+              <a:rPr lang="en-US" sz="1300" b="0" dirty="0" err="1">
+                <a:solidFill>
+                  <a:schemeClr val="accent2">
+                    <a:lumMod val="75000"/>
+                  </a:schemeClr>
+                </a:solidFill>
+                <a:effectLst/>
+                <a:latin typeface="Consolas" panose="020B0609020204030204" pitchFamily="49" charset="0"/>
+              </a:rPr>
+              <a:t>ratureOf</a:t>
+            </a:r>
+            <a:r>
+              <a:rPr lang="en-US" sz="1300" b="0" dirty="0">
+                <a:solidFill>
+                  <a:schemeClr val="accent2">
+                    <a:lumMod val="75000"/>
+                  </a:schemeClr>
+                </a:solidFill>
+                <a:effectLst/>
+                <a:latin typeface="Consolas" panose="020B0609020204030204" pitchFamily="49" charset="0"/>
+              </a:rPr>
+              <a:t>"</a:t>
+            </a:r>
+            <a:r>
+              <a:rPr lang="en-US" sz="1300" b="0" dirty="0">
+                <a:solidFill>
+                  <a:schemeClr val="accent1"/>
+                </a:solidFill>
+                <a:effectLst/>
+                <a:latin typeface="Consolas" panose="020B0609020204030204" pitchFamily="49" charset="0"/>
+              </a:rPr>
+              <a:t>:{</a:t>
+            </a:r>
+            <a:r>
+              <a:rPr lang="en-US" sz="1300" b="0" dirty="0">
+                <a:solidFill>
+                  <a:schemeClr val="accent5"/>
+                </a:solidFill>
+                <a:effectLst/>
+                <a:latin typeface="Consolas" panose="020B0609020204030204" pitchFamily="49" charset="0"/>
+              </a:rPr>
+              <a:t>"type"</a:t>
+            </a:r>
+            <a:r>
+              <a:rPr lang="en-US" sz="1300" b="0" dirty="0">
+                <a:solidFill>
+                  <a:schemeClr val="accent1"/>
+                </a:solidFill>
+                <a:effectLst/>
+                <a:latin typeface="Consolas" panose="020B0609020204030204" pitchFamily="49" charset="0"/>
+              </a:rPr>
+              <a:t>: </a:t>
+            </a:r>
+            <a:r>
+              <a:rPr lang="en-US" sz="1300" b="0" dirty="0">
+                <a:solidFill>
+                  <a:schemeClr val="accent2"/>
+                </a:solidFill>
+                <a:effectLst/>
+                <a:latin typeface="Consolas" panose="020B0609020204030204" pitchFamily="49" charset="0"/>
+              </a:rPr>
+              <a:t>"string"</a:t>
+            </a:r>
+            <a:r>
+              <a:rPr lang="en-US" sz="1300" b="0" dirty="0">
+                <a:solidFill>
+                  <a:schemeClr val="accent1"/>
+                </a:solidFill>
+                <a:effectLst/>
+                <a:latin typeface="Consolas" panose="020B0609020204030204" pitchFamily="49" charset="0"/>
+              </a:rPr>
+              <a:t>} </a:t>
+            </a:r>
+          </a:p>
+          <a:p>
+            <a:r>
+              <a:rPr lang="en-US" sz="1300" b="0" dirty="0">
+                <a:solidFill>
+                  <a:schemeClr val="accent1"/>
+                </a:solidFill>
+                <a:effectLst/>
+                <a:latin typeface="Consolas" panose="020B0609020204030204" pitchFamily="49" charset="0"/>
+              </a:rPr>
+              <a:t>    },</a:t>
+            </a:r>
+          </a:p>
+          <a:p>
+            <a:r>
+              <a:rPr lang="en-US" sz="1300" b="0" dirty="0">
+                <a:solidFill>
+                  <a:schemeClr val="accent1"/>
+                </a:solidFill>
+                <a:effectLst/>
+                <a:latin typeface="Consolas" panose="020B0609020204030204" pitchFamily="49" charset="0"/>
+              </a:rPr>
+              <a:t>   </a:t>
+            </a:r>
+            <a:r>
+              <a:rPr lang="en-US" sz="1300" b="0" dirty="0">
+                <a:solidFill>
+                  <a:schemeClr val="accent2"/>
+                </a:solidFill>
+                <a:effectLst/>
+                <a:latin typeface="Consolas" panose="020B0609020204030204" pitchFamily="49" charset="0"/>
+              </a:rPr>
+              <a:t> </a:t>
+            </a:r>
+            <a:r>
+              <a:rPr lang="en-US" sz="1300" b="0" dirty="0">
+                <a:solidFill>
+                  <a:schemeClr val="accent5"/>
+                </a:solidFill>
+                <a:effectLst/>
+                <a:latin typeface="Consolas" panose="020B0609020204030204" pitchFamily="49" charset="0"/>
+              </a:rPr>
+              <a:t>"required"</a:t>
+            </a:r>
+            <a:r>
+              <a:rPr lang="en-US" sz="1300" b="0" dirty="0">
+                <a:solidFill>
+                  <a:schemeClr val="accent1"/>
+                </a:solidFill>
+                <a:effectLst/>
+                <a:latin typeface="Consolas" panose="020B0609020204030204" pitchFamily="49" charset="0"/>
+              </a:rPr>
+              <a:t>:  [</a:t>
+            </a:r>
+            <a:r>
+              <a:rPr lang="en-US" sz="1300" b="0" dirty="0">
+                <a:solidFill>
+                  <a:schemeClr val="accent2"/>
+                </a:solidFill>
+                <a:effectLst/>
+                <a:latin typeface="Consolas" panose="020B0609020204030204" pitchFamily="49" charset="0"/>
+              </a:rPr>
               <a:t>"temperature"</a:t>
             </a:r>
             <a:r>
@@ -18913,11 +19458,43 @@
                 <a:effectLst/>
                 <a:latin typeface="Consolas" panose="020B0609020204030204" pitchFamily="49" charset="0"/>
               </a:rPr>
-              <a:t>: {</a:t>
+              <a:t>, </a:t>
             </a:r>
             <a:r>
               <a:rPr lang="en-US" sz="1300" b="0" dirty="0">
                 <a:solidFill>
+                  <a:schemeClr val="accent2"/>
+                </a:solidFill>
+                <a:effectLst/>
+                <a:latin typeface="Consolas" panose="020B0609020204030204" pitchFamily="49" charset="0"/>
+              </a:rPr>
+              <a:t>"unit"</a:t>
+            </a:r>
+            <a:r>
+              <a:rPr lang="en-US" sz="1300" b="0" dirty="0">
+                <a:solidFill>
+                  <a:schemeClr val="accent1"/>
+                </a:solidFill>
+                <a:effectLst/>
+                <a:latin typeface="Consolas" panose="020B0609020204030204" pitchFamily="49" charset="0"/>
+              </a:rPr>
+              <a:t>],</a:t>
+            </a:r>
+          </a:p>
+          <a:p>
+            <a:r>
+              <a:rPr lang="en-US" sz="1300" b="0" dirty="0">
+                <a:solidFill>
+                  <a:schemeClr val="accent1"/>
+                </a:solidFill>
+                <a:effectLst/>
+                <a:latin typeface="Consolas" panose="020B0609020204030204" pitchFamily="49" charset="0"/>
+              </a:rPr>
+              <a:t>    </a:t>
+            </a:r>
+            <a:r>
+              <a:rPr lang="en-US" sz="1300" b="0" dirty="0">
+                <a:solidFill>
                   <a:schemeClr val="accent5"/>
                 </a:solidFill>
                 <a:effectLst/>
@@ -18933,342 +19510,12 @@
                 <a:effectLst/>
                 <a:latin typeface="Consolas" panose="020B0609020204030204" pitchFamily="49" charset="0"/>
               </a:rPr>
-              <a:t>type"</a:t>
-            </a:r>
-            <a:r>
-              <a:rPr lang="en-US" sz="1300" b="0" dirty="0" err="1">
-                <a:solidFill>
-                  <a:schemeClr val="accent1"/>
-                </a:solidFill>
-                <a:effectLst/>
-                <a:latin typeface="Consolas" panose="020B0609020204030204" pitchFamily="49" charset="0"/>
-              </a:rPr>
-              <a:t>:</a:t>
-            </a:r>
-            <a:r>
-              <a:rPr lang="en-US" sz="1300" b="0" dirty="0" err="1">
-                <a:solidFill>
-                  <a:schemeClr val="accent2"/>
-                </a:solidFill>
-                <a:effectLst/>
-                <a:latin typeface="Consolas" panose="020B0609020204030204" pitchFamily="49" charset="0"/>
-              </a:rPr>
-              <a:t>"number</a:t>
+              <a:t>additionalProperties</a:t>
             </a:r>
             <a:r>
               <a:rPr lang="en-US" sz="1300" b="0" dirty="0">
                 <a:solidFill>
-                  <a:schemeClr val="accent2"/>
-                </a:solidFill>
-                <a:effectLst/>
-                <a:latin typeface="Consolas" panose="020B0609020204030204" pitchFamily="49" charset="0"/>
-              </a:rPr>
-              <a:t>"</a:t>
-            </a:r>
-            <a:r>
-              <a:rPr lang="en-US" sz="1300" b="0" dirty="0">
-                <a:solidFill>
-                  <a:schemeClr val="accent1"/>
-                </a:solidFill>
-                <a:effectLst/>
-                <a:latin typeface="Consolas" panose="020B0609020204030204" pitchFamily="49" charset="0"/>
-              </a:rPr>
-              <a:t>},</a:t>
-            </a:r>
-          </a:p>
-          <a:p>
-            <a:r>
-              <a:rPr lang="en-US" sz="1300" b="0" dirty="0">
-                <a:solidFill>
-                  <a:schemeClr val="accent1"/>
-                </a:solidFill>
-                <a:effectLst/>
-                <a:latin typeface="Consolas" panose="020B0609020204030204" pitchFamily="49" charset="0"/>
-              </a:rPr>
-              <a:t>        </a:t>
-            </a:r>
-            <a:r>
-              <a:rPr lang="en-US" sz="1300" b="0" dirty="0">
-                <a:solidFill>
-                  <a:schemeClr val="accent2"/>
-                </a:solidFill>
-                <a:effectLst/>
-                <a:latin typeface="Consolas" panose="020B0609020204030204" pitchFamily="49" charset="0"/>
-              </a:rPr>
-              <a:t>"unit"</a:t>
-            </a:r>
-            <a:r>
-              <a:rPr lang="en-US" sz="1300" b="0" dirty="0">
-                <a:solidFill>
-                  <a:schemeClr val="accent1"/>
-                </a:solidFill>
-                <a:effectLst/>
-                <a:latin typeface="Consolas" panose="020B0609020204030204" pitchFamily="49" charset="0"/>
-              </a:rPr>
-              <a:t>: {</a:t>
-            </a:r>
-            <a:r>
-              <a:rPr lang="en-US" sz="1300" b="0" dirty="0">
-                <a:solidFill>
                   <a:schemeClr val="accent5"/>
-                </a:solidFill>
-                <a:effectLst/>
-                <a:latin typeface="Consolas" panose="020B0609020204030204" pitchFamily="49" charset="0"/>
-              </a:rPr>
-              <a:t>"type"</a:t>
-            </a:r>
-            <a:r>
-              <a:rPr lang="en-US" sz="1300" b="0" dirty="0">
-                <a:solidFill>
-                  <a:schemeClr val="accent1"/>
-                </a:solidFill>
-                <a:effectLst/>
-                <a:latin typeface="Consolas" panose="020B0609020204030204" pitchFamily="49" charset="0"/>
-              </a:rPr>
-              <a:t>: </a:t>
-            </a:r>
-            <a:r>
-              <a:rPr lang="en-US" sz="1300" b="0" dirty="0">
-                <a:solidFill>
-                  <a:schemeClr val="accent2"/>
-                </a:solidFill>
-                <a:effectLst/>
-                <a:latin typeface="Consolas" panose="020B0609020204030204" pitchFamily="49" charset="0"/>
-              </a:rPr>
-              <a:t>"string"</a:t>
-            </a:r>
-            <a:r>
-              <a:rPr lang="en-US" sz="1300" b="0" dirty="0">
-                <a:solidFill>
-                  <a:schemeClr val="accent1"/>
-                </a:solidFill>
-                <a:effectLst/>
-                <a:latin typeface="Consolas" panose="020B0609020204030204" pitchFamily="49" charset="0"/>
-              </a:rPr>
-              <a:t>}, </a:t>
-            </a:r>
-          </a:p>
-          <a:p>
-            <a:r>
-              <a:rPr lang="en-US" sz="1300" b="0" dirty="0">
-                <a:solidFill>
-                  <a:schemeClr val="accent1"/>
-                </a:solidFill>
-                <a:effectLst/>
-                <a:latin typeface="Consolas" panose="020B0609020204030204" pitchFamily="49" charset="0"/>
-              </a:rPr>
-              <a:t>        </a:t>
-            </a:r>
-            <a:r>
-              <a:rPr lang="en-US" sz="1300" b="0" dirty="0">
-                <a:solidFill>
-                  <a:schemeClr val="accent2"/>
-                </a:solidFill>
-                <a:effectLst/>
-                <a:latin typeface="Consolas" panose="020B0609020204030204" pitchFamily="49" charset="0"/>
-              </a:rPr>
-              <a:t>"temp</a:t>
-            </a:r>
-            <a:r>
-              <a:rPr lang="tr-TR" sz="1300" b="0" dirty="0">
-                <a:solidFill>
-                  <a:schemeClr val="accent2"/>
-                </a:solidFill>
-                <a:effectLst/>
-                <a:latin typeface="Consolas" panose="020B0609020204030204" pitchFamily="49" charset="0"/>
-              </a:rPr>
-              <a:t>e</a:t>
-            </a:r>
-            <a:r>
-              <a:rPr lang="en-US" sz="1300" b="0" dirty="0" err="1">
-                <a:solidFill>
-                  <a:schemeClr val="accent2"/>
-                </a:solidFill>
-                <a:effectLst/>
-                <a:latin typeface="Consolas" panose="020B0609020204030204" pitchFamily="49" charset="0"/>
-              </a:rPr>
-              <a:t>ratureOf</a:t>
-            </a:r>
-            <a:r>
-              <a:rPr lang="en-US" sz="1300" b="0" dirty="0">
-                <a:solidFill>
-                  <a:schemeClr val="accent2"/>
-                </a:solidFill>
-                <a:effectLst/>
-                <a:latin typeface="Consolas" panose="020B0609020204030204" pitchFamily="49" charset="0"/>
-              </a:rPr>
-              <a:t>"</a:t>
-            </a:r>
-            <a:r>
-              <a:rPr lang="en-US" sz="1300" b="0" dirty="0">
-                <a:solidFill>
-                  <a:schemeClr val="accent1"/>
-                </a:solidFill>
-                <a:effectLst/>
-                <a:latin typeface="Consolas" panose="020B0609020204030204" pitchFamily="49" charset="0"/>
-              </a:rPr>
-              <a:t>:{</a:t>
-            </a:r>
-            <a:r>
-              <a:rPr lang="en-US" sz="1300" b="0" dirty="0">
-                <a:solidFill>
-                  <a:schemeClr val="accent5"/>
-                </a:solidFill>
-                <a:effectLst/>
-                <a:latin typeface="Consolas" panose="020B0609020204030204" pitchFamily="49" charset="0"/>
-              </a:rPr>
-              <a:t>"type"</a:t>
-            </a:r>
-            <a:r>
-              <a:rPr lang="en-US" sz="1300" b="0" dirty="0">
-                <a:solidFill>
-                  <a:schemeClr val="accent1"/>
-                </a:solidFill>
-                <a:effectLst/>
-                <a:latin typeface="Consolas" panose="020B0609020204030204" pitchFamily="49" charset="0"/>
-              </a:rPr>
-              <a:t>: </a:t>
-            </a:r>
-            <a:r>
-              <a:rPr lang="en-US" sz="1300" b="0" dirty="0">
-                <a:solidFill>
-                  <a:schemeClr val="accent2"/>
-                </a:solidFill>
-                <a:effectLst/>
-                <a:latin typeface="Consolas" panose="020B0609020204030204" pitchFamily="49" charset="0"/>
-              </a:rPr>
-              <a:t>"string"</a:t>
-            </a:r>
-            <a:r>
-              <a:rPr lang="en-US" sz="1300" b="0" dirty="0">
-                <a:solidFill>
-                  <a:schemeClr val="accent1"/>
-                </a:solidFill>
-                <a:effectLst/>
-                <a:latin typeface="Consolas" panose="020B0609020204030204" pitchFamily="49" charset="0"/>
-              </a:rPr>
-              <a:t>} </a:t>
-            </a:r>
-          </a:p>
-          <a:p>
-            <a:r>
-              <a:rPr lang="en-US" sz="1300" b="0" dirty="0">
-                <a:solidFill>
-                  <a:schemeClr val="accent1"/>
-                </a:solidFill>
-                <a:effectLst/>
-                <a:latin typeface="Consolas" panose="020B0609020204030204" pitchFamily="49" charset="0"/>
-              </a:rPr>
-              <a:t>    },</a:t>
-            </a:r>
-          </a:p>
-          <a:p>
-            <a:r>
-              <a:rPr lang="en-US" sz="1300" b="0" dirty="0">
-                <a:solidFill>
-                  <a:schemeClr val="accent1"/>
-                </a:solidFill>
-                <a:effectLst/>
-                <a:latin typeface="Consolas" panose="020B0609020204030204" pitchFamily="49" charset="0"/>
-              </a:rPr>
-              <a:t>   </a:t>
-            </a:r>
-            <a:r>
-              <a:rPr lang="en-US" sz="1300" b="0" dirty="0">
-                <a:solidFill>
-                  <a:schemeClr val="accent2"/>
-                </a:solidFill>
-                <a:effectLst/>
-                <a:latin typeface="Consolas" panose="020B0609020204030204" pitchFamily="49" charset="0"/>
-              </a:rPr>
-              <a:t> "required"</a:t>
-            </a:r>
-            <a:r>
-              <a:rPr lang="en-US" sz="1300" b="0" dirty="0">
-                <a:solidFill>
-                  <a:schemeClr val="accent1"/>
-                </a:solidFill>
-                <a:effectLst/>
-                <a:latin typeface="Consolas" panose="020B0609020204030204" pitchFamily="49" charset="0"/>
-              </a:rPr>
-              <a:t>:  [</a:t>
-            </a:r>
-            <a:r>
-              <a:rPr lang="en-US" sz="1300" b="0" dirty="0">
-                <a:solidFill>
-                  <a:schemeClr val="accent2"/>
-                </a:solidFill>
-                <a:effectLst/>
-                <a:latin typeface="Consolas" panose="020B0609020204030204" pitchFamily="49" charset="0"/>
-              </a:rPr>
-              <a:t>"temperature"</a:t>
-            </a:r>
-            <a:r>
-              <a:rPr lang="en-US" sz="1300" b="0" dirty="0">
-                <a:solidFill>
-                  <a:schemeClr val="accent1"/>
-                </a:solidFill>
-                <a:effectLst/>
-                <a:latin typeface="Consolas" panose="020B0609020204030204" pitchFamily="49" charset="0"/>
-              </a:rPr>
-              <a:t>, </a:t>
-            </a:r>
-            <a:r>
-              <a:rPr lang="en-US" sz="1300" b="0" dirty="0">
-                <a:solidFill>
-                  <a:schemeClr val="accent2"/>
-                </a:solidFill>
-                <a:effectLst/>
-                <a:latin typeface="Consolas" panose="020B0609020204030204" pitchFamily="49" charset="0"/>
-              </a:rPr>
-              <a:t>"unit"</a:t>
-            </a:r>
-            <a:r>
-              <a:rPr lang="en-US" sz="1300" b="0" dirty="0">
-                <a:solidFill>
-                  <a:schemeClr val="accent1"/>
-                </a:solidFill>
-                <a:effectLst/>
-                <a:latin typeface="Consolas" panose="020B0609020204030204" pitchFamily="49" charset="0"/>
-              </a:rPr>
-              <a:t>],</a:t>
-            </a:r>
-          </a:p>
-          <a:p>
-            <a:r>
-              <a:rPr lang="en-US" sz="1300" b="0" dirty="0">
-                <a:solidFill>
-                  <a:schemeClr val="accent1"/>
-                </a:solidFill>
-                <a:effectLst/>
-                <a:latin typeface="Consolas" panose="020B0609020204030204" pitchFamily="49" charset="0"/>
-              </a:rPr>
-              <a:t>    </a:t>
-            </a:r>
-            <a:r>
-              <a:rPr lang="en-US" sz="1300" b="0" dirty="0">
-                <a:solidFill>
-                  <a:schemeClr val="accent2"/>
-                </a:solidFill>
-                <a:effectLst/>
-                <a:latin typeface="Consolas" panose="020B0609020204030204" pitchFamily="49" charset="0"/>
-              </a:rPr>
-              <a:t>"</a:t>
-            </a:r>
-            <a:r>
-              <a:rPr lang="en-US" sz="1300" b="0" dirty="0" err="1">
-                <a:solidFill>
-                  <a:schemeClr val="accent2"/>
-                </a:solidFill>
-                <a:effectLst/>
-                <a:latin typeface="Consolas" panose="020B0609020204030204" pitchFamily="49" charset="0"/>
-              </a:rPr>
-              <a:t>additionalProperties</a:t>
-            </a:r>
-            <a:r>
-              <a:rPr lang="en-US" sz="1300" b="0" dirty="0">
-                <a:solidFill>
-                  <a:schemeClr val="accent2"/>
                 </a:solidFill>
                 <a:effectLst/>
                 <a:latin typeface="Consolas" panose="020B0609020204030204" pitchFamily="49" charset="0"/>
@@ -19378,11 +19625,23 @@
                 <a:effectLst/>
                 <a:latin typeface="Consolas" panose="020B0609020204030204" pitchFamily="49" charset="0"/>
               </a:rPr>
-              <a:t> "temperature"</a:t>
+              <a:t> </a:t>
             </a:r>
             <a:r>
               <a:rPr lang="en-US" sz="1300" b="0" dirty="0">
                 <a:solidFill>
+                  <a:schemeClr val="accent2">
+                    <a:lumMod val="75000"/>
+                  </a:schemeClr>
+                </a:solidFill>
+                <a:effectLst/>
+                <a:latin typeface="Consolas" panose="020B0609020204030204" pitchFamily="49" charset="0"/>
+              </a:rPr>
+              <a:t>"temperature"</a:t>
+            </a:r>
+            <a:r>
+              <a:rPr lang="en-US" sz="1300" b="0" dirty="0">
+                <a:solidFill>
                   <a:schemeClr val="accent1"/>
                 </a:solidFill>
                 <a:effectLst/>
@@ -19425,12 +19684,34 @@
             <a:r>
               <a:rPr lang="en-US" sz="1300" b="0" dirty="0">
                 <a:solidFill>
+                  <a:schemeClr val="accent2">
+                    <a:lumMod val="75000"/>
+                  </a:schemeClr>
+                </a:solidFill>
+                <a:effectLst/>
+                <a:latin typeface="Consolas" panose="020B0609020204030204" pitchFamily="49" charset="0"/>
+              </a:rPr>
+              <a:t>"unit"</a:t>
+            </a:r>
+            <a:r>
+              <a:rPr lang="en-US" sz="1300" b="0" dirty="0">
+                <a:solidFill>
+                  <a:schemeClr val="accent1"/>
+                </a:solidFill>
+                <a:effectLst/>
+                <a:latin typeface="Consolas" panose="020B0609020204030204" pitchFamily="49" charset="0"/>
+              </a:rPr>
+              <a:t>: </a:t>
+            </a:r>
+            <a:r>
+              <a:rPr lang="en-US" sz="1300" b="0" dirty="0">
+                <a:solidFill>
                   <a:schemeClr val="accent2"/>
                 </a:solidFill>
                 <a:effectLst/>
                 <a:latin typeface="Consolas" panose="020B0609020204030204" pitchFamily="49" charset="0"/>
               </a:rPr>
-              <a:t>"unit"</a:t>
+              <a:t>"Celsius"</a:t>
             </a:r>
             <a:r>
               <a:rPr lang="en-US" sz="1300" b="0" dirty="0">
@@ -19440,74 +19721,62 @@
                 <a:effectLst/>
                 <a:latin typeface="Consolas" panose="020B0609020204030204" pitchFamily="49" charset="0"/>
               </a:rPr>
-              <a:t>: </a:t>
-            </a:r>
+              <a:t>, </a:t>
+            </a:r>
+          </a:p>
+          <a:p>
             <a:r>
               <a:rPr lang="en-US" sz="1300" b="0" dirty="0">
                 <a:solidFill>
-                  <a:schemeClr val="accent2"/>
-                </a:solidFill>
-                <a:effectLst/>
-                <a:latin typeface="Consolas" panose="020B0609020204030204" pitchFamily="49" charset="0"/>
-              </a:rPr>
-              <a:t>"Celsius"</a:t>
+                  <a:schemeClr val="accent1"/>
+                </a:solidFill>
+                <a:effectLst/>
+                <a:latin typeface="Consolas" panose="020B0609020204030204" pitchFamily="49" charset="0"/>
+              </a:rPr>
+              <a:t>    </a:t>
             </a:r>
             <a:r>
               <a:rPr lang="en-US" sz="1300" b="0" dirty="0">
                 <a:solidFill>
-                  <a:schemeClr val="accent1"/>
-                </a:solidFill>
-                <a:effectLst/>
-                <a:latin typeface="Consolas" panose="020B0609020204030204" pitchFamily="49" charset="0"/>
-              </a:rPr>
-              <a:t>, </a:t>
-            </a:r>
-          </a:p>
-          <a:p>
+                  <a:schemeClr val="accent2">
+                    <a:lumMod val="75000"/>
+                  </a:schemeClr>
+                </a:solidFill>
+                <a:effectLst/>
+                <a:latin typeface="Consolas" panose="020B0609020204030204" pitchFamily="49" charset="0"/>
+              </a:rPr>
+              <a:t>"temp</a:t>
+            </a:r>
+            <a:r>
+              <a:rPr lang="tr-TR" sz="1300" b="0" dirty="0">
+                <a:solidFill>
+                  <a:schemeClr val="accent2">
+                    <a:lumMod val="75000"/>
+                  </a:schemeClr>
+                </a:solidFill>
+                <a:effectLst/>
+                <a:latin typeface="Consolas" panose="020B0609020204030204" pitchFamily="49" charset="0"/>
+              </a:rPr>
+              <a:t>e</a:t>
+            </a:r>
+            <a:r>
+              <a:rPr lang="en-US" sz="1300" b="0" dirty="0" err="1">
+                <a:solidFill>
+                  <a:schemeClr val="accent2">
+                    <a:lumMod val="75000"/>
+                  </a:schemeClr>
+                </a:solidFill>
+                <a:effectLst/>
+                <a:latin typeface="Consolas" panose="020B0609020204030204" pitchFamily="49" charset="0"/>
+              </a:rPr>
+              <a:t>ratureOf</a:t>
+            </a:r>
             <a:r>
               <a:rPr lang="en-US" sz="1300" b="0" dirty="0">
                 <a:solidFill>
-                  <a:schemeClr val="accent1"/>
-                </a:solidFill>
-                <a:effectLst/>
-                <a:latin typeface="Consolas" panose="020B0609020204030204" pitchFamily="49" charset="0"/>
-              </a:rPr>
-              <a:t>    </a:t>
-            </a:r>
-            <a:r>
-              <a:rPr lang="en-US" sz="1300" b="0" dirty="0">
-                <a:solidFill>
-                  <a:schemeClr val="accent2"/>
-                </a:solidFill>
-                <a:effectLst/>
-                <a:latin typeface="Consolas" panose="020B0609020204030204" pitchFamily="49" charset="0"/>
-              </a:rPr>
-              <a:t>"temp</a:t>
-            </a:r>
-            <a:r>
-              <a:rPr lang="tr-TR" sz="1300" b="0" dirty="0">
-                <a:solidFill>
-                  <a:schemeClr val="accent2"/>
-                </a:solidFill>
-                <a:effectLst/>
-                <a:latin typeface="Consolas" panose="020B0609020204030204" pitchFamily="49" charset="0"/>
-              </a:rPr>
-              <a:t>e</a:t>
-            </a:r>
-            <a:r>
-              <a:rPr lang="en-US" sz="1300" b="0" dirty="0" err="1">
-                <a:solidFill>
-                  <a:schemeClr val="accent2"/>
-                </a:solidFill>
-                <a:effectLst/>
-                <a:latin typeface="Consolas" panose="020B0609020204030204" pitchFamily="49" charset="0"/>
-              </a:rPr>
-              <a:t>ratureOf</a:t>
-            </a:r>
-            <a:r>
-              <a:rPr lang="en-US" sz="1300" b="0" dirty="0">
-                <a:solidFill>
-                  <a:schemeClr val="accent2"/>
+                  <a:schemeClr val="accent2">
+                    <a:lumMod val="75000"/>
+                  </a:schemeClr>
                 </a:solidFill>
                 <a:effectLst/>
                 <a:latin typeface="Consolas" panose="020B0609020204030204" pitchFamily="49" charset="0"/>
@@ -20922,7 +21191,9 @@
               <a:r>
                 <a:rPr lang="en-US" sz="2000" b="0" dirty="0">
                   <a:solidFill>
-                    <a:schemeClr val="accent2"/>
+                    <a:schemeClr val="accent2">
+                      <a:lumMod val="75000"/>
+                    </a:schemeClr>
                   </a:solidFill>
                   <a:effectLst/>
                   <a:latin typeface="Consolas" panose="020B0609020204030204" pitchFamily="49" charset="0"/>
@@ -21014,7 +21285,9 @@
               <a:r>
                 <a:rPr lang="en-US" sz="2000" b="0" dirty="0">
                   <a:solidFill>
-                    <a:schemeClr val="accent2"/>
+                    <a:schemeClr val="accent2">
+                      <a:lumMod val="75000"/>
+                    </a:schemeClr>
                   </a:solidFill>
                   <a:effectLst/>
                   <a:latin typeface="Consolas" panose="020B0609020204030204" pitchFamily="49" charset="0"/>
@@ -21086,7 +21359,9 @@
               <a:r>
                 <a:rPr lang="en-US" sz="2000" b="0" dirty="0">
                   <a:solidFill>
-                    <a:schemeClr val="accent2"/>
+                    <a:schemeClr val="accent2">
+                      <a:lumMod val="75000"/>
+                    </a:schemeClr>
                   </a:solidFill>
                   <a:effectLst/>
                   <a:latin typeface="Consolas" panose="020B0609020204030204" pitchFamily="49" charset="0"/>
@@ -21096,7 +21371,9 @@
               <a:r>
                 <a:rPr lang="tr-TR" sz="2000" b="0" dirty="0">
                   <a:solidFill>
-                    <a:schemeClr val="accent2"/>
+                    <a:schemeClr val="accent2">
+                      <a:lumMod val="75000"/>
+                    </a:schemeClr>
                   </a:solidFill>
                   <a:effectLst/>
                   <a:latin typeface="Consolas" panose="020B0609020204030204" pitchFamily="49" charset="0"/>
@@ -21106,7 +21383,9 @@
               <a:r>
                 <a:rPr lang="en-US" sz="2000" b="0" dirty="0" err="1">
                   <a:solidFill>
-                    <a:schemeClr val="accent2"/>
+                    <a:schemeClr val="accent2">
+                      <a:lumMod val="75000"/>
+                    </a:schemeClr>
                   </a:solidFill>
                   <a:effectLst/>
                   <a:latin typeface="Consolas" panose="020B0609020204030204" pitchFamily="49" charset="0"/>
@@ -21116,7 +21395,9 @@
               <a:r>
                 <a:rPr lang="en-US" sz="2000" b="0" dirty="0">
                   <a:solidFill>
-                    <a:schemeClr val="accent2"/>
+                    <a:schemeClr val="accent2">
+                      <a:lumMod val="75000"/>
+                    </a:schemeClr>
                   </a:solidFill>
                   <a:effectLst/>
                   <a:latin typeface="Consolas" panose="020B0609020204030204" pitchFamily="49" charset="0"/>
@@ -21205,7 +21486,17 @@
                   <a:effectLst/>
                   <a:latin typeface="Consolas" panose="020B0609020204030204" pitchFamily="49" charset="0"/>
                 </a:rPr>
-                <a:t> "required"</a:t>
+                <a:t> </a:t>
+              </a:r>
+              <a:r>
+                <a:rPr lang="en-US" sz="2000" b="0" dirty="0">
+                  <a:solidFill>
+                    <a:schemeClr val="accent5"/>
+                  </a:solidFill>
+                  <a:effectLst/>
+                  <a:latin typeface="Consolas" panose="020B0609020204030204" pitchFamily="49" charset="0"/>
+                </a:rPr>
+                <a:t>"required"</a:t>
               </a:r>
               <a:r>
                 <a:rPr lang="en-US" sz="2000" b="0" dirty="0">
@@ -21272,7 +21563,7 @@
               <a:r>
                 <a:rPr lang="en-US" sz="2000" b="0" dirty="0">
                   <a:solidFill>
-                    <a:schemeClr val="accent2"/>
+                    <a:schemeClr val="accent5"/>
                   </a:solidFill>
                   <a:effectLst/>
                   <a:latin typeface="Consolas" panose="020B0609020204030204" pitchFamily="49" charset="0"/>
@@ -21282,7 +21573,7 @@
               <a:r>
                 <a:rPr lang="en-US" sz="2000" b="0" dirty="0" err="1">
                   <a:solidFill>
-                    <a:schemeClr val="accent2"/>
+                    <a:schemeClr val="accent5"/>
                   </a:solidFill>
                   <a:effectLst/>
                   <a:latin typeface="Consolas" panose="020B0609020204030204" pitchFamily="49" charset="0"/>
@@ -21292,7 +21583,7 @@
               <a:r>
                 <a:rPr lang="en-US" sz="2000" b="0" dirty="0">
                   <a:solidFill>
-                    <a:schemeClr val="accent2"/>
+                    <a:schemeClr val="accent5"/>
                   </a:solidFill>
                   <a:effectLst/>
                   <a:latin typeface="Consolas" panose="020B0609020204030204" pitchFamily="49" charset="0"/>
@@ -21583,7 +21874,19 @@
                   <a:effectLst/>
                   <a:latin typeface="Consolas" panose="020B0609020204030204" pitchFamily="49" charset="0"/>
                 </a:rPr>
-                <a:t> "temperature"</a:t>
+                <a:t> </a:t>
+              </a:r>
+              <a:r>
+                <a:rPr lang="en-US" sz="2400" b="0" dirty="0">
+                  <a:solidFill>
+                    <a:schemeClr val="accent2">
+                      <a:lumMod val="75000"/>
+                    </a:schemeClr>
+                  </a:solidFill>
+                  <a:effectLst/>
+                  <a:latin typeface="Consolas" panose="020B0609020204030204" pitchFamily="49" charset="0"/>
+                </a:rPr>
+                <a:t>"temperature"</a:t>
               </a:r>
               <a:r>
                 <a:rPr lang="en-US" sz="2400" b="0" dirty="0">
@@ -21630,7 +21933,9 @@
               <a:r>
                 <a:rPr lang="en-US" sz="2400" b="0" dirty="0">
                   <a:solidFill>
-                    <a:schemeClr val="accent2"/>
+                    <a:schemeClr val="accent2">
+                      <a:lumMod val="75000"/>
+                    </a:schemeClr>
                   </a:solidFill>
                   <a:effectLst/>
                   <a:latin typeface="Consolas" panose="020B0609020204030204" pitchFamily="49" charset="0"/>
@@ -21682,7 +21987,9 @@
               <a:r>
                 <a:rPr lang="en-US" sz="2400" b="0" dirty="0">
                   <a:solidFill>
-                    <a:schemeClr val="accent2"/>
+                    <a:schemeClr val="accent2">
+                      <a:lumMod val="75000"/>
+                    </a:schemeClr>
                   </a:solidFill>
                   <a:effectLst/>
                   <a:latin typeface="Consolas" panose="020B0609020204030204" pitchFamily="49" charset="0"/>
@@ -21692,7 +21999,9 @@
               <a:r>
                 <a:rPr lang="tr-TR" sz="2400" b="0" dirty="0">
                   <a:solidFill>
-                    <a:schemeClr val="accent2"/>
+                    <a:schemeClr val="accent2">
+                      <a:lumMod val="75000"/>
+                    </a:schemeClr>
                   </a:solidFill>
                   <a:effectLst/>
                   <a:latin typeface="Consolas" panose="020B0609020204030204" pitchFamily="49" charset="0"/>
@@ -21702,7 +22011,9 @@
               <a:r>
                 <a:rPr lang="en-US" sz="2400" b="0" dirty="0" err="1">
                   <a:solidFill>
-                    <a:schemeClr val="accent2"/>
+                    <a:schemeClr val="accent2">
+                      <a:lumMod val="75000"/>
+                    </a:schemeClr>
                   </a:solidFill>
                   <a:effectLst/>
                   <a:latin typeface="Consolas" panose="020B0609020204030204" pitchFamily="49" charset="0"/>
@@ -21712,7 +22023,9 @@
               <a:r>
                 <a:rPr lang="en-US" sz="2400" b="0" dirty="0">
                   <a:solidFill>
-                    <a:schemeClr val="accent2"/>
+                    <a:schemeClr val="accent2">
+                      <a:lumMod val="75000"/>
+                    </a:schemeClr>
                   </a:solidFill>
                   <a:effectLst/>
                   <a:latin typeface="Consolas" panose="020B0609020204030204" pitchFamily="49" charset="0"/>
@@ -22445,7 +22758,9 @@
               <a:r>
                 <a:rPr lang="en-US" sz="1300" b="0" dirty="0">
                   <a:solidFill>
-                    <a:schemeClr val="accent2"/>
+                    <a:schemeClr val="accent2">
+                      <a:lumMod val="75000"/>
+                    </a:schemeClr>
                   </a:solidFill>
                   <a:effectLst/>
                   <a:latin typeface="Consolas" panose="020B0609020204030204" pitchFamily="49" charset="0"/>
@@ -22537,7 +22852,9 @@
               <a:r>
                 <a:rPr lang="en-US" sz="1300" b="0" dirty="0">
                   <a:solidFill>
-                    <a:schemeClr val="accent2"/>
+                    <a:schemeClr val="accent2">
+                      <a:lumMod val="75000"/>
+                    </a:schemeClr>
                   </a:solidFill>
                   <a:effectLst/>
                   <a:latin typeface="Consolas" panose="020B0609020204030204" pitchFamily="49" charset="0"/>
@@ -22609,7 +22926,9 @@
               <a:r>
                 <a:rPr lang="en-US" sz="1300" b="0" dirty="0">
                   <a:solidFill>
-                    <a:schemeClr val="accent2"/>
+                    <a:schemeClr val="accent2">
+                      <a:lumMod val="75000"/>
+                    </a:schemeClr>
                   </a:solidFill>
                   <a:effectLst/>
                   <a:latin typeface="Consolas" panose="020B0609020204030204" pitchFamily="49" charset="0"/>
@@ -22619,7 +22938,9 @@
               <a:r>
                 <a:rPr lang="tr-TR" sz="1300" b="0" dirty="0">
                   <a:solidFill>
-                    <a:schemeClr val="accent2"/>
+                    <a:schemeClr val="accent2">
+                      <a:lumMod val="75000"/>
+                    </a:schemeClr>
                   </a:solidFill>
                   <a:effectLst/>
                   <a:latin typeface="Consolas" panose="020B0609020204030204" pitchFamily="49" charset="0"/>
@@ -22629,7 +22950,9 @@
               <a:r>
                 <a:rPr lang="en-US" sz="1300" b="0" dirty="0" err="1">
                   <a:solidFill>
-                    <a:schemeClr val="accent2"/>
+                    <a:schemeClr val="accent2">
+                      <a:lumMod val="75000"/>
+                    </a:schemeClr>
                   </a:solidFill>
                   <a:effectLst/>
                   <a:latin typeface="Consolas" panose="020B0609020204030204" pitchFamily="49" charset="0"/>
@@ -22639,7 +22962,9 @@
               <a:r>
                 <a:rPr lang="en-US" sz="1300" b="0" dirty="0">
                   <a:solidFill>
-                    <a:schemeClr val="accent2"/>
+                    <a:schemeClr val="accent2">
+                      <a:lumMod val="75000"/>
+                    </a:schemeClr>
                   </a:solidFill>
                   <a:effectLst/>
                   <a:latin typeface="Consolas" panose="020B0609020204030204" pitchFamily="49" charset="0"/>
@@ -22728,7 +23053,17 @@
                   <a:effectLst/>
                   <a:latin typeface="Consolas" panose="020B0609020204030204" pitchFamily="49" charset="0"/>
                 </a:rPr>
-                <a:t> "required"</a:t>
+                <a:t> </a:t>
+              </a:r>
+              <a:r>
+                <a:rPr lang="en-US" sz="1300" b="0" dirty="0">
+                  <a:solidFill>
+                    <a:schemeClr val="accent5"/>
+                  </a:solidFill>
+                  <a:effectLst/>
+                  <a:latin typeface="Consolas" panose="020B0609020204030204" pitchFamily="49" charset="0"/>
+                </a:rPr>
+                <a:t>"required"</a:t>
               </a:r>
               <a:r>
                 <a:rPr lang="en-US" sz="1300" b="0" dirty="0">
@@ -22795,7 +23130,7 @@
               <a:r>
                 <a:rPr lang="en-US" sz="1300" b="0" dirty="0">
                   <a:solidFill>
-                    <a:schemeClr val="accent2"/>
+                    <a:schemeClr val="accent5"/>
                   </a:solidFill>
                   <a:effectLst/>
                   <a:latin typeface="Consolas" panose="020B0609020204030204" pitchFamily="49" charset="0"/>
@@ -22805,7 +23140,7 @@
               <a:r>
                 <a:rPr lang="en-US" sz="1300" b="0" dirty="0" err="1">
                   <a:solidFill>
-                    <a:schemeClr val="accent2"/>
+                    <a:schemeClr val="accent5"/>
                   </a:solidFill>
                   <a:effectLst/>
                   <a:latin typeface="Consolas" panose="020B0609020204030204" pitchFamily="49" charset="0"/>
@@ -22815,7 +23150,7 @@
               <a:r>
                 <a:rPr lang="en-US" sz="1300" b="0" dirty="0">
                   <a:solidFill>
-                    <a:schemeClr val="accent2"/>
+                    <a:schemeClr val="accent5"/>
                   </a:solidFill>
                   <a:effectLst/>
                   <a:latin typeface="Consolas" panose="020B0609020204030204" pitchFamily="49" charset="0"/>
@@ -22925,7 +23260,19 @@
                   <a:effectLst/>
                   <a:latin typeface="Consolas" panose="020B0609020204030204" pitchFamily="49" charset="0"/>
                 </a:rPr>
-                <a:t> "temperature"</a:t>
+                <a:t> </a:t>
+              </a:r>
+              <a:r>
+                <a:rPr lang="en-US" sz="1300" b="0" dirty="0">
+                  <a:solidFill>
+                    <a:schemeClr val="accent2">
+                      <a:lumMod val="75000"/>
+                    </a:schemeClr>
+                  </a:solidFill>
+                  <a:effectLst/>
+                  <a:latin typeface="Consolas" panose="020B0609020204030204" pitchFamily="49" charset="0"/>
+                </a:rPr>
+                <a:t>"temperature"</a:t>
               </a:r>
               <a:r>
                 <a:rPr lang="en-US" sz="1300" b="0" dirty="0">
@@ -22972,7 +23319,9 @@
               <a:r>
                 <a:rPr lang="en-US" sz="1300" b="0" dirty="0">
                   <a:solidFill>
-                    <a:schemeClr val="accent2"/>
+                    <a:schemeClr val="accent2">
+                      <a:lumMod val="75000"/>
+                    </a:schemeClr>
                   </a:solidFill>
                   <a:effectLst/>
                   <a:latin typeface="Consolas" panose="020B0609020204030204" pitchFamily="49" charset="0"/>
@@ -23019,22 +23368,26 @@
                   <a:effectLst/>
                   <a:latin typeface="Consolas" panose="020B0609020204030204" pitchFamily="49" charset="0"/>
                 </a:rPr>
-                <a:t>    </a:t>
+                <a:t>   </a:t>
               </a:r>
               <a:r>
                 <a:rPr lang="en-US" sz="1300" b="0" dirty="0">
                   <a:solidFill>
-                    <a:schemeClr val="accent2"/>
+                    <a:schemeClr val="accent2">
+                      <a:lumMod val="75000"/>
+                    </a:schemeClr>
                   </a:solidFill>
                   <a:effectLst/>
                   <a:latin typeface="Consolas" panose="020B0609020204030204" pitchFamily="49" charset="0"/>
                 </a:rPr>
-                <a:t>"temp</a:t>
+                <a:t> "temp</a:t>
               </a:r>
               <a:r>
                 <a:rPr lang="tr-TR" sz="1300" b="0" dirty="0">
                   <a:solidFill>
-                    <a:schemeClr val="accent2"/>
+                    <a:schemeClr val="accent2">
+                      <a:lumMod val="75000"/>
+                    </a:schemeClr>
                   </a:solidFill>
                   <a:effectLst/>
                   <a:latin typeface="Consolas" panose="020B0609020204030204" pitchFamily="49" charset="0"/>
@@ -23044,7 +23397,9 @@
               <a:r>
                 <a:rPr lang="en-US" sz="1300" b="0" dirty="0" err="1">
                   <a:solidFill>
-                    <a:schemeClr val="accent2"/>
+                    <a:schemeClr val="accent2">
+                      <a:lumMod val="75000"/>
+                    </a:schemeClr>
                   </a:solidFill>
                   <a:effectLst/>
                   <a:latin typeface="Consolas" panose="020B0609020204030204" pitchFamily="49" charset="0"/>
@@ -23054,7 +23409,9 @@
               <a:r>
                 <a:rPr lang="en-US" sz="1300" b="0" dirty="0">
                   <a:solidFill>
-                    <a:schemeClr val="accent2"/>
+                    <a:schemeClr val="accent2">
+                      <a:lumMod val="75000"/>
+                    </a:schemeClr>
                   </a:solidFill>
                   <a:effectLst/>
                   <a:latin typeface="Consolas" panose="020B0609020204030204" pitchFamily="49" charset="0"/>
@@ -24588,11 +24945,11 @@
   <p:clrMapOvr>
     <a:masterClrMapping/>
   </p:clrMapOvr>
-  <mc:AlternateContent xmlns:mc="http://schemas.openxmlformats.org/markup-compatibility/2006">
-    <mc:Choice xmlns:p14="http://schemas.microsoft.com/office/powerpoint/2010/main" Requires="p14">
+  <mc:AlternateContent xmlns:mc="http://schemas.openxmlformats.org/markup-compatibility/2006" xmlns:p14="http://schemas.microsoft.com/office/powerpoint/2010/main">
+    <mc:Choice Requires="p14">
       <p:transition spd="slow" p14:dur="2000" advClick="0" advTm="500"/>
     </mc:Choice>
-    <mc:Fallback>
+    <mc:Fallback xmlns="">
       <p:transition spd="slow" advClick="0" advTm="500"/>
     </mc:Fallback>
   </mc:AlternateContent>
@@ -25463,13 +25820,13 @@
   <p:clrMapOvr>
     <a:masterClrMapping/>
   </p:clrMapOvr>
-  <mc:AlternateContent xmlns:mc="http://schemas.openxmlformats.org/markup-compatibility/2006">
-    <mc:Choice xmlns:p159="http://schemas.microsoft.com/office/powerpoint/2015/09/main" Requires="p159">
+  <mc:AlternateContent xmlns:mc="http://schemas.openxmlformats.org/markup-compatibility/2006" xmlns:p159="http://schemas.microsoft.com/office/powerpoint/2015/09/main">
+    <mc:Choice Requires="p159">
       <p:transition xmlns:p14="http://schemas.microsoft.com/office/powerpoint/2010/main" spd="slow" p14:dur="2000" advClick="0" advTm="4000">
         <p159:morph option="byObject"/>
       </p:transition>
     </mc:Choice>
-    <mc:Fallback>
+    <mc:Fallback xmlns="">
       <p:transition spd="slow" advClick="0" advTm="4000">
         <p:fade/>
       </p:transition>
@@ -25541,13 +25898,13 @@
   <p:clrMapOvr>
     <a:masterClrMapping/>
   </p:clrMapOvr>
-  <mc:AlternateContent xmlns:mc="http://schemas.openxmlformats.org/markup-compatibility/2006">
-    <mc:Choice xmlns:p159="http://schemas.microsoft.com/office/powerpoint/2015/09/main" Requires="p159">
+  <mc:AlternateContent xmlns:mc="http://schemas.openxmlformats.org/markup-compatibility/2006" xmlns:p159="http://schemas.microsoft.com/office/powerpoint/2015/09/main">
+    <mc:Choice Requires="p159">
       <p:transition xmlns:p14="http://schemas.microsoft.com/office/powerpoint/2010/main" spd="slow" p14:dur="2000">
         <p159:morph option="byObject"/>
       </p:transition>
     </mc:Choice>
-    <mc:Fallback>
+    <mc:Fallback xmlns="">
       <p:transition spd="slow">
         <p:fade/>
       </p:transition>

--- a/Tutorials/whatiswot/8-JSON_Schema_in_Practice_3/8-JSON_Schema_in_Practice_3.pptx
+++ b/Tutorials/whatiswot/8-JSON_Schema_in_Practice_3/8-JSON_Schema_in_Practice_3.pptx
@@ -5,7 +5,7 @@
     <p:sldMasterId id="2147483660" r:id="rId1"/>
   </p:sldMasterIdLst>
   <p:notesMasterIdLst>
-    <p:notesMasterId r:id="rId30"/>
+    <p:notesMasterId r:id="rId32"/>
   </p:notesMasterIdLst>
   <p:sldIdLst>
     <p:sldId id="293" r:id="rId2"/>
@@ -15,27 +15,29 @@
     <p:sldId id="323" r:id="rId6"/>
     <p:sldId id="321" r:id="rId7"/>
     <p:sldId id="324" r:id="rId8"/>
-    <p:sldId id="320" r:id="rId9"/>
-    <p:sldId id="297" r:id="rId10"/>
-    <p:sldId id="305" r:id="rId11"/>
-    <p:sldId id="304" r:id="rId12"/>
-    <p:sldId id="307" r:id="rId13"/>
-    <p:sldId id="308" r:id="rId14"/>
-    <p:sldId id="309" r:id="rId15"/>
-    <p:sldId id="310" r:id="rId16"/>
-    <p:sldId id="311" r:id="rId17"/>
-    <p:sldId id="294" r:id="rId18"/>
-    <p:sldId id="300" r:id="rId19"/>
-    <p:sldId id="296" r:id="rId20"/>
-    <p:sldId id="319" r:id="rId21"/>
-    <p:sldId id="312" r:id="rId22"/>
-    <p:sldId id="313" r:id="rId23"/>
-    <p:sldId id="314" r:id="rId24"/>
-    <p:sldId id="315" r:id="rId25"/>
-    <p:sldId id="303" r:id="rId26"/>
-    <p:sldId id="292" r:id="rId27"/>
-    <p:sldId id="325" r:id="rId28"/>
-    <p:sldId id="318" r:id="rId29"/>
+    <p:sldId id="386" r:id="rId9"/>
+    <p:sldId id="320" r:id="rId10"/>
+    <p:sldId id="297" r:id="rId11"/>
+    <p:sldId id="305" r:id="rId12"/>
+    <p:sldId id="304" r:id="rId13"/>
+    <p:sldId id="307" r:id="rId14"/>
+    <p:sldId id="308" r:id="rId15"/>
+    <p:sldId id="309" r:id="rId16"/>
+    <p:sldId id="310" r:id="rId17"/>
+    <p:sldId id="311" r:id="rId18"/>
+    <p:sldId id="294" r:id="rId19"/>
+    <p:sldId id="300" r:id="rId20"/>
+    <p:sldId id="296" r:id="rId21"/>
+    <p:sldId id="319" r:id="rId22"/>
+    <p:sldId id="312" r:id="rId23"/>
+    <p:sldId id="313" r:id="rId24"/>
+    <p:sldId id="314" r:id="rId25"/>
+    <p:sldId id="315" r:id="rId26"/>
+    <p:sldId id="303" r:id="rId27"/>
+    <p:sldId id="292" r:id="rId28"/>
+    <p:sldId id="325" r:id="rId29"/>
+    <p:sldId id="318" r:id="rId30"/>
+    <p:sldId id="276" r:id="rId31"/>
   </p:sldIdLst>
   <p:sldSz cx="12192000" cy="6858000"/>
   <p:notesSz cx="6858000" cy="9144000"/>
@@ -235,7 +237,7 @@
           <a:p>
             <a:fld id="{C8D30DF2-F19E-4B38-83C3-5749846EC033}" type="datetimeFigureOut">
               <a:rPr lang="en-US" smtClean="0"/>
-              <a:t>9/4/23</a:t>
+              <a:t>11/21/23</a:t>
             </a:fld>
             <a:endParaRPr lang="en-US"/>
           </a:p>
@@ -633,26 +635,45 @@
           <a:bodyPr/>
           <a:lstStyle/>
           <a:p>
+            <a:pPr marL="0" marR="0" lvl="0" indent="0" algn="l" defTabSz="914400" rtl="0" eaLnBrk="1" fontAlgn="auto" latinLnBrk="0" hangingPunct="1">
+              <a:lnSpc>
+                <a:spcPct val="100000"/>
+              </a:lnSpc>
+              <a:spcBef>
+                <a:spcPts val="0"/>
+              </a:spcBef>
+              <a:spcAft>
+                <a:spcPts val="0"/>
+              </a:spcAft>
+              <a:buClrTx/>
+              <a:buSzTx/>
+              <a:buFontTx/>
+              <a:buNone/>
+              <a:tabLst/>
+              <a:defRPr/>
+            </a:pPr>
             <a:r>
               <a:rPr lang="tr-TR" dirty="0"/>
-              <a:t>This is the same temperature sensor example we used before. </a:t>
-            </a:r>
-            <a:r>
-              <a:rPr lang="en-US" dirty="0"/>
-              <a:t>Let’s examine this </a:t>
+              <a:t>So lets start with AJV! It is a </a:t>
+            </a:r>
+            <a:r>
+              <a:rPr lang="tr-TR" dirty="0" err="1"/>
+              <a:t>JavaScript</a:t>
             </a:r>
             <a:r>
               <a:rPr lang="tr-TR" dirty="0"/>
-              <a:t>in </a:t>
-            </a:r>
-            <a:r>
-              <a:rPr lang="en-US" dirty="0"/>
-              <a:t>JavaScript code</a:t>
+              <a:t> </a:t>
+            </a:r>
+            <a:r>
+              <a:rPr lang="tr-TR" dirty="0" err="1"/>
+              <a:t>library</a:t>
             </a:r>
             <a:r>
               <a:rPr lang="tr-TR" dirty="0"/>
-              <a:t>. </a:t>
-            </a:r>
+              <a:t>.</a:t>
+            </a:r>
+          </a:p>
+          <a:p>
             <a:endParaRPr lang="en-US" dirty="0"/>
           </a:p>
         </p:txBody>
@@ -683,7 +704,7 @@
     </p:spTree>
     <p:extLst>
       <p:ext uri="{BB962C8B-B14F-4D97-AF65-F5344CB8AC3E}">
-        <p14:creationId xmlns:p14="http://schemas.microsoft.com/office/powerpoint/2010/main" val="2065375599"/>
+        <p14:creationId xmlns:p14="http://schemas.microsoft.com/office/powerpoint/2010/main" val="2784879275"/>
       </p:ext>
     </p:extLst>
   </p:cSld>
@@ -739,15 +760,23 @@
           <a:p>
             <a:r>
               <a:rPr lang="tr-TR" dirty="0"/>
-              <a:t>First, We are importing </a:t>
-            </a:r>
-            <a:r>
-              <a:rPr lang="tr-TR" dirty="0" err="1"/>
-              <a:t>the</a:t>
+              <a:t>This is the same temperature sensor example we used before. </a:t>
+            </a:r>
+            <a:r>
+              <a:rPr lang="en-US" dirty="0"/>
+              <a:t>Let’s examine this </a:t>
             </a:r>
             <a:r>
               <a:rPr lang="tr-TR" dirty="0"/>
-              <a:t> AJV.</a:t>
+              <a:t>in </a:t>
+            </a:r>
+            <a:r>
+              <a:rPr lang="en-US" dirty="0"/>
+              <a:t>JavaScript code</a:t>
+            </a:r>
+            <a:r>
+              <a:rPr lang="tr-TR" dirty="0"/>
+              <a:t>. </a:t>
             </a:r>
             <a:endParaRPr lang="en-US" dirty="0"/>
           </a:p>
@@ -779,7 +808,7 @@
     </p:spTree>
     <p:extLst>
       <p:ext uri="{BB962C8B-B14F-4D97-AF65-F5344CB8AC3E}">
-        <p14:creationId xmlns:p14="http://schemas.microsoft.com/office/powerpoint/2010/main" val="3387469033"/>
+        <p14:creationId xmlns:p14="http://schemas.microsoft.com/office/powerpoint/2010/main" val="2065375599"/>
       </p:ext>
     </p:extLst>
   </p:cSld>
@@ -834,20 +863,8 @@
           <a:lstStyle/>
           <a:p>
             <a:r>
-              <a:rPr lang="tr-TR" dirty="0" err="1"/>
-              <a:t>Then</a:t>
-            </a:r>
-            <a:r>
               <a:rPr lang="tr-TR" dirty="0"/>
-              <a:t>, </a:t>
-            </a:r>
-            <a:r>
-              <a:rPr lang="tr-TR" dirty="0" err="1"/>
-              <a:t>we</a:t>
-            </a:r>
-            <a:r>
-              <a:rPr lang="tr-TR" dirty="0"/>
-              <a:t> insert </a:t>
+              <a:t>First, We are importing </a:t>
             </a:r>
             <a:r>
               <a:rPr lang="tr-TR" dirty="0" err="1"/>
@@ -855,55 +872,7 @@
             </a:r>
             <a:r>
               <a:rPr lang="tr-TR" dirty="0"/>
-              <a:t> </a:t>
-            </a:r>
-            <a:r>
-              <a:rPr lang="tr-TR" dirty="0" err="1"/>
-              <a:t>schema</a:t>
-            </a:r>
-            <a:r>
-              <a:rPr lang="tr-TR" dirty="0"/>
-              <a:t> </a:t>
-            </a:r>
-            <a:r>
-              <a:rPr lang="tr-TR" dirty="0" err="1"/>
-              <a:t>that</a:t>
-            </a:r>
-            <a:r>
-              <a:rPr lang="tr-TR" dirty="0"/>
-              <a:t> </a:t>
-            </a:r>
-            <a:r>
-              <a:rPr lang="tr-TR" dirty="0" err="1"/>
-              <a:t>describes</a:t>
-            </a:r>
-            <a:r>
-              <a:rPr lang="tr-TR" dirty="0"/>
-              <a:t> </a:t>
-            </a:r>
-            <a:r>
-              <a:rPr lang="tr-TR" dirty="0" err="1"/>
-              <a:t>the</a:t>
-            </a:r>
-            <a:r>
-              <a:rPr lang="tr-TR" dirty="0"/>
-              <a:t> JSON </a:t>
-            </a:r>
-            <a:r>
-              <a:rPr lang="tr-TR" dirty="0" err="1"/>
-              <a:t>that</a:t>
-            </a:r>
-            <a:r>
-              <a:rPr lang="tr-TR" dirty="0"/>
-              <a:t> is </a:t>
-            </a:r>
-            <a:r>
-              <a:rPr lang="tr-TR" dirty="0" err="1"/>
-              <a:t>expected</a:t>
-            </a:r>
-            <a:r>
-              <a:rPr lang="tr-TR" dirty="0"/>
-              <a:t>.</a:t>
+              <a:t> AJV.</a:t>
             </a:r>
             <a:endParaRPr lang="en-US" dirty="0"/>
           </a:p>
@@ -935,7 +904,7 @@
     </p:spTree>
     <p:extLst>
       <p:ext uri="{BB962C8B-B14F-4D97-AF65-F5344CB8AC3E}">
-        <p14:creationId xmlns:p14="http://schemas.microsoft.com/office/powerpoint/2010/main" val="523542519"/>
+        <p14:creationId xmlns:p14="http://schemas.microsoft.com/office/powerpoint/2010/main" val="3387469033"/>
       </p:ext>
     </p:extLst>
   </p:cSld>
@@ -990,9 +959,78 @@
           <a:lstStyle/>
           <a:p>
             <a:r>
-              <a:rPr lang="en-US" dirty="0"/>
-              <a:t>With this line of code, AJV takes schema as a parameter, compiles it to a function, and caches it.</a:t>
-            </a:r>
+              <a:rPr lang="tr-TR" dirty="0" err="1"/>
+              <a:t>Then</a:t>
+            </a:r>
+            <a:r>
+              <a:rPr lang="tr-TR" dirty="0"/>
+              <a:t>, </a:t>
+            </a:r>
+            <a:r>
+              <a:rPr lang="tr-TR" dirty="0" err="1"/>
+              <a:t>we</a:t>
+            </a:r>
+            <a:r>
+              <a:rPr lang="tr-TR" dirty="0"/>
+              <a:t> insert </a:t>
+            </a:r>
+            <a:r>
+              <a:rPr lang="tr-TR" dirty="0" err="1"/>
+              <a:t>the</a:t>
+            </a:r>
+            <a:r>
+              <a:rPr lang="tr-TR" dirty="0"/>
+              <a:t> </a:t>
+            </a:r>
+            <a:r>
+              <a:rPr lang="tr-TR" dirty="0" err="1"/>
+              <a:t>schema</a:t>
+            </a:r>
+            <a:r>
+              <a:rPr lang="tr-TR" dirty="0"/>
+              <a:t> </a:t>
+            </a:r>
+            <a:r>
+              <a:rPr lang="tr-TR" dirty="0" err="1"/>
+              <a:t>that</a:t>
+            </a:r>
+            <a:r>
+              <a:rPr lang="tr-TR" dirty="0"/>
+              <a:t> </a:t>
+            </a:r>
+            <a:r>
+              <a:rPr lang="tr-TR" dirty="0" err="1"/>
+              <a:t>describes</a:t>
+            </a:r>
+            <a:r>
+              <a:rPr lang="tr-TR" dirty="0"/>
+              <a:t> </a:t>
+            </a:r>
+            <a:r>
+              <a:rPr lang="tr-TR" dirty="0" err="1"/>
+              <a:t>the</a:t>
+            </a:r>
+            <a:r>
+              <a:rPr lang="tr-TR" dirty="0"/>
+              <a:t> JSON </a:t>
+            </a:r>
+            <a:r>
+              <a:rPr lang="tr-TR" dirty="0" err="1"/>
+              <a:t>that</a:t>
+            </a:r>
+            <a:r>
+              <a:rPr lang="tr-TR" dirty="0"/>
+              <a:t> is </a:t>
+            </a:r>
+            <a:r>
+              <a:rPr lang="tr-TR" dirty="0" err="1"/>
+              <a:t>expected</a:t>
+            </a:r>
+            <a:r>
+              <a:rPr lang="tr-TR" dirty="0"/>
+              <a:t>.</a:t>
+            </a:r>
+            <a:endParaRPr lang="en-US" dirty="0"/>
           </a:p>
         </p:txBody>
       </p:sp>
@@ -1022,7 +1060,7 @@
     </p:spTree>
     <p:extLst>
       <p:ext uri="{BB962C8B-B14F-4D97-AF65-F5344CB8AC3E}">
-        <p14:creationId xmlns:p14="http://schemas.microsoft.com/office/powerpoint/2010/main" val="2659387353"/>
+        <p14:creationId xmlns:p14="http://schemas.microsoft.com/office/powerpoint/2010/main" val="523542519"/>
       </p:ext>
     </p:extLst>
   </p:cSld>
@@ -1077,10 +1115,9 @@
           <a:lstStyle/>
           <a:p>
             <a:r>
-              <a:rPr lang="tr-TR" dirty="0"/>
-              <a:t>This is the data to be validated.</a:t>
-            </a:r>
-            <a:endParaRPr lang="en-US" dirty="0"/>
+              <a:rPr lang="en-US" dirty="0"/>
+              <a:t>With this line of code, AJV takes schema as a parameter, compiles it to a function, and caches it.</a:t>
+            </a:r>
           </a:p>
         </p:txBody>
       </p:sp>
@@ -1110,7 +1147,7 @@
     </p:spTree>
     <p:extLst>
       <p:ext uri="{BB962C8B-B14F-4D97-AF65-F5344CB8AC3E}">
-        <p14:creationId xmlns:p14="http://schemas.microsoft.com/office/powerpoint/2010/main" val="3459204667"/>
+        <p14:creationId xmlns:p14="http://schemas.microsoft.com/office/powerpoint/2010/main" val="2659387353"/>
       </p:ext>
     </p:extLst>
   </p:cSld>
@@ -1165,17 +1202,10 @@
           <a:lstStyle/>
           <a:p>
             <a:r>
-              <a:rPr lang="en-US" dirty="0"/>
-              <a:t>This step actually validates the data and writes the result into a </a:t>
-            </a:r>
-            <a:r>
-              <a:rPr lang="en-US" dirty="0" err="1"/>
-              <a:t>boolean</a:t>
-            </a:r>
-            <a:r>
-              <a:rPr lang="en-US" dirty="0"/>
-              <a:t>.</a:t>
-            </a:r>
+              <a:rPr lang="tr-TR" dirty="0"/>
+              <a:t>This is the data to be validated.</a:t>
+            </a:r>
+            <a:endParaRPr lang="en-US" dirty="0"/>
           </a:p>
         </p:txBody>
       </p:sp>
@@ -1205,7 +1235,7 @@
     </p:spTree>
     <p:extLst>
       <p:ext uri="{BB962C8B-B14F-4D97-AF65-F5344CB8AC3E}">
-        <p14:creationId xmlns:p14="http://schemas.microsoft.com/office/powerpoint/2010/main" val="3450136158"/>
+        <p14:creationId xmlns:p14="http://schemas.microsoft.com/office/powerpoint/2010/main" val="3459204667"/>
       </p:ext>
     </p:extLst>
   </p:cSld>
@@ -1261,7 +1291,15 @@
           <a:p>
             <a:r>
               <a:rPr lang="en-US" dirty="0"/>
-              <a:t>This step is for printing the result of the validation. If the result of the validation is true, then, it prints “JSON input is valid” according to schema. Otherwise, it prints “JSON Schema is invalid.” and the error message.</a:t>
+              <a:t>This step actually validates the data and writes the result into a </a:t>
+            </a:r>
+            <a:r>
+              <a:rPr lang="en-US" dirty="0" err="1"/>
+              <a:t>boolean</a:t>
+            </a:r>
+            <a:r>
+              <a:rPr lang="en-US" dirty="0"/>
+              <a:t>.</a:t>
             </a:r>
           </a:p>
         </p:txBody>
@@ -1292,7 +1330,7 @@
     </p:spTree>
     <p:extLst>
       <p:ext uri="{BB962C8B-B14F-4D97-AF65-F5344CB8AC3E}">
-        <p14:creationId xmlns:p14="http://schemas.microsoft.com/office/powerpoint/2010/main" val="3359318970"/>
+        <p14:creationId xmlns:p14="http://schemas.microsoft.com/office/powerpoint/2010/main" val="3450136158"/>
       </p:ext>
     </p:extLst>
   </p:cSld>
@@ -1347,10 +1385,9 @@
           <a:lstStyle/>
           <a:p>
             <a:r>
-              <a:rPr lang="tr-TR" dirty="0"/>
-              <a:t>HIDED</a:t>
-            </a:r>
-            <a:endParaRPr lang="en-US" dirty="0"/>
+              <a:rPr lang="en-US" dirty="0"/>
+              <a:t>This step is for printing the result of the validation. If the result of the validation is true, then, it prints “JSON input is valid according to Schema”. Otherwise, it prints “JSON input is invalid according to Schema” and the error message.</a:t>
+            </a:r>
           </a:p>
         </p:txBody>
       </p:sp>
@@ -1380,7 +1417,7 @@
     </p:spTree>
     <p:extLst>
       <p:ext uri="{BB962C8B-B14F-4D97-AF65-F5344CB8AC3E}">
-        <p14:creationId xmlns:p14="http://schemas.microsoft.com/office/powerpoint/2010/main" val="410974064"/>
+        <p14:creationId xmlns:p14="http://schemas.microsoft.com/office/powerpoint/2010/main" val="3359318970"/>
       </p:ext>
     </p:extLst>
   </p:cSld>
@@ -1434,78 +1471,10 @@
           <a:bodyPr/>
           <a:lstStyle/>
           <a:p>
-            <a:pPr marL="0" marR="0" lvl="0" indent="0" algn="l" defTabSz="914400" rtl="0" eaLnBrk="1" fontAlgn="auto" latinLnBrk="0" hangingPunct="1">
-              <a:lnSpc>
-                <a:spcPct val="100000"/>
-              </a:lnSpc>
-              <a:spcBef>
-                <a:spcPts val="0"/>
-              </a:spcBef>
-              <a:spcAft>
-                <a:spcPts val="0"/>
-              </a:spcAft>
-              <a:buClrTx/>
-              <a:buSzTx/>
-              <a:buFontTx/>
-              <a:buNone/>
-              <a:tabLst/>
-              <a:defRPr/>
-            </a:pPr>
             <a:r>
               <a:rPr lang="tr-TR" dirty="0"/>
-              <a:t>It outputs </a:t>
-            </a:r>
-            <a:r>
-              <a:rPr lang="tr-TR" dirty="0" err="1"/>
-              <a:t>that</a:t>
-            </a:r>
-            <a:r>
-              <a:rPr lang="tr-TR" dirty="0"/>
-              <a:t> </a:t>
-            </a:r>
-            <a:r>
-              <a:rPr lang="tr-TR" dirty="0" err="1"/>
-              <a:t>input</a:t>
-            </a:r>
-            <a:r>
-              <a:rPr lang="tr-TR" dirty="0"/>
-              <a:t> is </a:t>
-            </a:r>
-            <a:r>
-              <a:rPr lang="tr-TR" dirty="0" err="1"/>
-              <a:t>valid</a:t>
-            </a:r>
-            <a:r>
-              <a:rPr lang="tr-TR" dirty="0"/>
-              <a:t> </a:t>
-            </a:r>
-            <a:r>
-              <a:rPr lang="tr-TR" dirty="0" err="1"/>
-              <a:t>according</a:t>
-            </a:r>
-            <a:r>
-              <a:rPr lang="tr-TR" dirty="0"/>
-              <a:t> </a:t>
-            </a:r>
-            <a:r>
-              <a:rPr lang="tr-TR" dirty="0" err="1"/>
-              <a:t>to</a:t>
-            </a:r>
-            <a:r>
-              <a:rPr lang="tr-TR" dirty="0"/>
-              <a:t> </a:t>
-            </a:r>
-            <a:r>
-              <a:rPr lang="tr-TR" dirty="0" err="1"/>
-              <a:t>schema</a:t>
-            </a:r>
-            <a:r>
-              <a:rPr lang="tr-TR" dirty="0"/>
-              <a:t> since the data that we enter suits the predefined schema.</a:t>
-            </a:r>
-            <a:endParaRPr lang="en-US" dirty="0"/>
-          </a:p>
-          <a:p>
+              <a:t>HIDED</a:t>
+            </a:r>
             <a:endParaRPr lang="en-US" dirty="0"/>
           </a:p>
         </p:txBody>
@@ -1536,7 +1505,7 @@
     </p:spTree>
     <p:extLst>
       <p:ext uri="{BB962C8B-B14F-4D97-AF65-F5344CB8AC3E}">
-        <p14:creationId xmlns:p14="http://schemas.microsoft.com/office/powerpoint/2010/main" val="3398563417"/>
+        <p14:creationId xmlns:p14="http://schemas.microsoft.com/office/powerpoint/2010/main" val="410974064"/>
       </p:ext>
     </p:extLst>
   </p:cSld>
@@ -1608,36 +1577,60 @@
               <a:defRPr/>
             </a:pPr>
             <a:r>
-              <a:rPr lang="en-US" dirty="0"/>
-              <a:t>Now let's take a look at the same JSON Schema example in Python </a:t>
-            </a:r>
-            <a:r>
-              <a:rPr lang="en-US" dirty="0" err="1"/>
-              <a:t>jsonschema</a:t>
-            </a:r>
-            <a:r>
-              <a:rPr lang="en-US" dirty="0"/>
-              <a:t>. It is an implementation of the JSON Schema specification for Python.</a:t>
-            </a:r>
-          </a:p>
-          <a:p>
-            <a:pPr marL="0" marR="0" lvl="0" indent="0" algn="l" defTabSz="914400" rtl="0" eaLnBrk="1" fontAlgn="auto" latinLnBrk="0" hangingPunct="1">
-              <a:lnSpc>
-                <a:spcPct val="100000"/>
-              </a:lnSpc>
-              <a:spcBef>
-                <a:spcPts val="0"/>
-              </a:spcBef>
-              <a:spcAft>
-                <a:spcPts val="0"/>
-              </a:spcAft>
-              <a:buClrTx/>
-              <a:buSzTx/>
-              <a:buFontTx/>
-              <a:buNone/>
-              <a:tabLst/>
-              <a:defRPr/>
-            </a:pPr>
+              <a:rPr lang="tr-TR" dirty="0"/>
+              <a:t>It outputs </a:t>
+            </a:r>
+            <a:r>
+              <a:rPr lang="tr-TR" dirty="0" err="1"/>
+              <a:t>that</a:t>
+            </a:r>
+            <a:r>
+              <a:rPr lang="tr-TR" dirty="0"/>
+              <a:t> </a:t>
+            </a:r>
+            <a:r>
+              <a:rPr lang="tr-TR" dirty="0" err="1"/>
+              <a:t>input</a:t>
+            </a:r>
+            <a:r>
+              <a:rPr lang="tr-TR" dirty="0"/>
+              <a:t> is </a:t>
+            </a:r>
+            <a:r>
+              <a:rPr lang="tr-TR" dirty="0" err="1"/>
+              <a:t>valid</a:t>
+            </a:r>
+            <a:r>
+              <a:rPr lang="tr-TR" dirty="0"/>
+              <a:t> </a:t>
+            </a:r>
+            <a:r>
+              <a:rPr lang="tr-TR" dirty="0" err="1"/>
+              <a:t>according</a:t>
+            </a:r>
+            <a:r>
+              <a:rPr lang="tr-TR" dirty="0"/>
+              <a:t> </a:t>
+            </a:r>
+            <a:r>
+              <a:rPr lang="tr-TR" dirty="0" err="1"/>
+              <a:t>to</a:t>
+            </a:r>
+            <a:r>
+              <a:rPr lang="tr-TR" dirty="0"/>
+              <a:t> </a:t>
+            </a:r>
+            <a:r>
+              <a:rPr lang="tr-TR" dirty="0" err="1"/>
+              <a:t>schema</a:t>
+            </a:r>
+            <a:r>
+              <a:rPr lang="tr-TR" dirty="0"/>
+              <a:t> since the data that we enter suits the predefined schema.</a:t>
+            </a:r>
+            <a:endParaRPr lang="en-US" dirty="0"/>
+          </a:p>
+          <a:p>
             <a:endParaRPr lang="en-US" dirty="0"/>
           </a:p>
         </p:txBody>
@@ -1668,7 +1661,7 @@
     </p:spTree>
     <p:extLst>
       <p:ext uri="{BB962C8B-B14F-4D97-AF65-F5344CB8AC3E}">
-        <p14:creationId xmlns:p14="http://schemas.microsoft.com/office/powerpoint/2010/main" val="3070848468"/>
+        <p14:creationId xmlns:p14="http://schemas.microsoft.com/office/powerpoint/2010/main" val="3398563417"/>
       </p:ext>
     </p:extLst>
   </p:cSld>
@@ -1824,48 +1817,16 @@
               <a:defRPr/>
             </a:pPr>
             <a:r>
-              <a:rPr lang="tr-TR" dirty="0"/>
-              <a:t>We will use the same temperature example that we use for AJV but for Python </a:t>
-            </a:r>
-            <a:r>
-              <a:rPr lang="tr-TR" dirty="0" err="1"/>
-              <a:t>this</a:t>
-            </a:r>
-            <a:r>
-              <a:rPr lang="tr-TR" dirty="0"/>
-              <a:t> time </a:t>
-            </a:r>
-            <a:r>
-              <a:rPr lang="tr-TR" dirty="0" err="1"/>
-              <a:t>with</a:t>
-            </a:r>
-            <a:r>
-              <a:rPr lang="tr-TR" dirty="0"/>
-              <a:t> </a:t>
-            </a:r>
-            <a:r>
-              <a:rPr lang="en-GB" b="0" i="0" u="none" strike="noStrike" dirty="0" err="1">
-                <a:solidFill>
-                  <a:srgbClr val="E6EDF3"/>
-                </a:solidFill>
-                <a:effectLst/>
-                <a:latin typeface="-apple-system"/>
-              </a:rPr>
+              <a:rPr lang="en-US" dirty="0"/>
+              <a:t>Now let's take a look at the same JSON Schema example in Python </a:t>
+            </a:r>
+            <a:r>
+              <a:rPr lang="en-US" dirty="0" err="1"/>
               <a:t>jsonschema</a:t>
             </a:r>
             <a:r>
-              <a:rPr lang="en-GB" b="0" i="0" u="none" strike="noStrike" dirty="0">
-                <a:solidFill>
-                  <a:srgbClr val="E6EDF3"/>
-                </a:solidFill>
-                <a:effectLst/>
-                <a:latin typeface="-apple-system"/>
-              </a:rPr>
-              <a:t> library</a:t>
-            </a:r>
-            <a:r>
-              <a:rPr lang="tr-TR" dirty="0"/>
-              <a:t>. </a:t>
+              <a:rPr lang="en-US" dirty="0"/>
+              <a:t>. It is an implementation of the JSON Schema specification for Python.</a:t>
             </a:r>
           </a:p>
           <a:p>
@@ -1886,10 +1847,6 @@
               <a:tabLst/>
               <a:defRPr/>
             </a:pPr>
-            <a:r>
-              <a:rPr lang="tr-TR" dirty="0"/>
-              <a:t>Let's take a look at the code in detail.</a:t>
-            </a:r>
             <a:endParaRPr lang="en-US" dirty="0"/>
           </a:p>
         </p:txBody>
@@ -1920,7 +1877,7 @@
     </p:spTree>
     <p:extLst>
       <p:ext uri="{BB962C8B-B14F-4D97-AF65-F5344CB8AC3E}">
-        <p14:creationId xmlns:p14="http://schemas.microsoft.com/office/powerpoint/2010/main" val="82757698"/>
+        <p14:creationId xmlns:p14="http://schemas.microsoft.com/office/powerpoint/2010/main" val="3070848468"/>
       </p:ext>
     </p:extLst>
   </p:cSld>
@@ -1974,10 +1931,91 @@
           <a:bodyPr/>
           <a:lstStyle/>
           <a:p>
-            <a:r>
-              <a:rPr lang="en-US" dirty="0"/>
-              <a:t>With this line of code, we are importing the function from the library.</a:t>
-            </a:r>
+            <a:pPr marL="0" marR="0" lvl="0" indent="0" algn="l" defTabSz="914400" rtl="0" eaLnBrk="1" fontAlgn="auto" latinLnBrk="0" hangingPunct="1">
+              <a:lnSpc>
+                <a:spcPct val="100000"/>
+              </a:lnSpc>
+              <a:spcBef>
+                <a:spcPts val="0"/>
+              </a:spcBef>
+              <a:spcAft>
+                <a:spcPts val="0"/>
+              </a:spcAft>
+              <a:buClrTx/>
+              <a:buSzTx/>
+              <a:buFontTx/>
+              <a:buNone/>
+              <a:tabLst/>
+              <a:defRPr/>
+            </a:pPr>
+            <a:r>
+              <a:rPr lang="tr-TR" dirty="0"/>
+              <a:t>We will use the same temperature example that we use for AJV but for Python </a:t>
+            </a:r>
+            <a:r>
+              <a:rPr lang="tr-TR" dirty="0" err="1"/>
+              <a:t>this</a:t>
+            </a:r>
+            <a:r>
+              <a:rPr lang="tr-TR" dirty="0"/>
+              <a:t> time </a:t>
+            </a:r>
+            <a:r>
+              <a:rPr lang="tr-TR" dirty="0" err="1"/>
+              <a:t>with</a:t>
+            </a:r>
+            <a:r>
+              <a:rPr lang="tr-TR" dirty="0"/>
+              <a:t> </a:t>
+            </a:r>
+            <a:r>
+              <a:rPr lang="en-GB" b="0" i="0" u="none" strike="noStrike" dirty="0" err="1">
+                <a:solidFill>
+                  <a:srgbClr val="E6EDF3"/>
+                </a:solidFill>
+                <a:effectLst/>
+                <a:latin typeface="-apple-system"/>
+              </a:rPr>
+              <a:t>jsonschema</a:t>
+            </a:r>
+            <a:r>
+              <a:rPr lang="en-GB" b="0" i="0" u="none" strike="noStrike" dirty="0">
+                <a:solidFill>
+                  <a:srgbClr val="E6EDF3"/>
+                </a:solidFill>
+                <a:effectLst/>
+                <a:latin typeface="-apple-system"/>
+              </a:rPr>
+              <a:t> library</a:t>
+            </a:r>
+            <a:r>
+              <a:rPr lang="tr-TR" dirty="0"/>
+              <a:t>. </a:t>
+            </a:r>
+          </a:p>
+          <a:p>
+            <a:pPr marL="0" marR="0" lvl="0" indent="0" algn="l" defTabSz="914400" rtl="0" eaLnBrk="1" fontAlgn="auto" latinLnBrk="0" hangingPunct="1">
+              <a:lnSpc>
+                <a:spcPct val="100000"/>
+              </a:lnSpc>
+              <a:spcBef>
+                <a:spcPts val="0"/>
+              </a:spcBef>
+              <a:spcAft>
+                <a:spcPts val="0"/>
+              </a:spcAft>
+              <a:buClrTx/>
+              <a:buSzTx/>
+              <a:buFontTx/>
+              <a:buNone/>
+              <a:tabLst/>
+              <a:defRPr/>
+            </a:pPr>
+            <a:r>
+              <a:rPr lang="tr-TR" dirty="0"/>
+              <a:t>Let's take a look at the code in detail.</a:t>
+            </a:r>
+            <a:endParaRPr lang="en-US" dirty="0"/>
           </a:p>
         </p:txBody>
       </p:sp>
@@ -2007,7 +2045,7 @@
     </p:spTree>
     <p:extLst>
       <p:ext uri="{BB962C8B-B14F-4D97-AF65-F5344CB8AC3E}">
-        <p14:creationId xmlns:p14="http://schemas.microsoft.com/office/powerpoint/2010/main" val="3772623120"/>
+        <p14:creationId xmlns:p14="http://schemas.microsoft.com/office/powerpoint/2010/main" val="82757698"/>
       </p:ext>
     </p:extLst>
   </p:cSld>
@@ -2061,119 +2099,10 @@
           <a:bodyPr/>
           <a:lstStyle/>
           <a:p>
-            <a:pPr marL="0" marR="0" lvl="0" indent="0" algn="l" defTabSz="914400" rtl="0" eaLnBrk="1" fontAlgn="auto" latinLnBrk="0" hangingPunct="1">
-              <a:lnSpc>
-                <a:spcPct val="100000"/>
-              </a:lnSpc>
-              <a:spcBef>
-                <a:spcPts val="0"/>
-              </a:spcBef>
-              <a:spcAft>
-                <a:spcPts val="0"/>
-              </a:spcAft>
-              <a:buClrTx/>
-              <a:buSzTx/>
-              <a:buFontTx/>
-              <a:buNone/>
-              <a:tabLst/>
-              <a:defRPr/>
-            </a:pPr>
             <a:r>
               <a:rPr lang="en-US" dirty="0"/>
-              <a:t>This is the same schema in the previous example.</a:t>
-            </a:r>
-          </a:p>
-          <a:p>
-            <a:pPr marL="0" marR="0" lvl="0" indent="0" algn="l" defTabSz="914400" rtl="0" eaLnBrk="1" fontAlgn="auto" latinLnBrk="0" hangingPunct="1">
-              <a:lnSpc>
-                <a:spcPct val="100000"/>
-              </a:lnSpc>
-              <a:spcBef>
-                <a:spcPts val="0"/>
-              </a:spcBef>
-              <a:spcAft>
-                <a:spcPts val="0"/>
-              </a:spcAft>
-              <a:buClrTx/>
-              <a:buSzTx/>
-              <a:buFontTx/>
-              <a:buNone/>
-              <a:tabLst/>
-              <a:defRPr/>
-            </a:pPr>
-            <a:endParaRPr lang="en-US" dirty="0">
-              <a:solidFill>
-                <a:srgbClr val="000000"/>
-              </a:solidFill>
-              <a:effectLst/>
-              <a:latin typeface="Helvetica Neue" panose="02000503000000020004" pitchFamily="2" charset="0"/>
-            </a:endParaRPr>
-          </a:p>
-          <a:p>
-            <a:pPr marL="0" marR="0" lvl="0" indent="0" algn="l" defTabSz="914400" rtl="0" eaLnBrk="1" fontAlgn="auto" latinLnBrk="0" hangingPunct="1">
-              <a:lnSpc>
-                <a:spcPct val="100000"/>
-              </a:lnSpc>
-              <a:spcBef>
-                <a:spcPts val="0"/>
-              </a:spcBef>
-              <a:spcAft>
-                <a:spcPts val="0"/>
-              </a:spcAft>
-              <a:buClrTx/>
-              <a:buSzTx/>
-              <a:buFontTx/>
-              <a:buNone/>
-              <a:tabLst/>
-              <a:defRPr/>
-            </a:pPr>
-            <a:r>
-              <a:rPr lang="en-GB" dirty="0">
-                <a:solidFill>
-                  <a:srgbClr val="000000"/>
-                </a:solidFill>
-                <a:effectLst/>
-                <a:latin typeface="Helvetica Neue" panose="02000503000000020004" pitchFamily="2" charset="0"/>
-              </a:rPr>
-              <a:t>Note that we are using the the </a:t>
-            </a:r>
-            <a:r>
-              <a:rPr lang="en-GB" dirty="0" err="1">
-                <a:solidFill>
-                  <a:srgbClr val="000000"/>
-                </a:solidFill>
-                <a:effectLst/>
-                <a:latin typeface="Helvetica Neue" panose="02000503000000020004" pitchFamily="2" charset="0"/>
-              </a:rPr>
-              <a:t>dict</a:t>
-            </a:r>
-            <a:r>
-              <a:rPr lang="en-GB" dirty="0">
-                <a:solidFill>
-                  <a:srgbClr val="000000"/>
-                </a:solidFill>
-                <a:effectLst/>
-                <a:latin typeface="Helvetica Neue" panose="02000503000000020004" pitchFamily="2" charset="0"/>
-              </a:rPr>
-              <a:t> structure of Python and variables according to Python language. You see that capital “False” is used instead of ”false” that is used for JavaScript</a:t>
-            </a:r>
-            <a:r>
-              <a:rPr lang="en-US" dirty="0">
-                <a:solidFill>
-                  <a:srgbClr val="000000"/>
-                </a:solidFill>
-                <a:effectLst/>
-                <a:latin typeface="Helvetica Neue" panose="02000503000000020004" pitchFamily="2" charset="0"/>
-              </a:rPr>
-              <a:t>.</a:t>
-            </a:r>
-            <a:endParaRPr lang="en-GB" dirty="0">
-              <a:solidFill>
-                <a:srgbClr val="000000"/>
-              </a:solidFill>
-              <a:effectLst/>
-              <a:latin typeface="Helvetica Neue" panose="02000503000000020004" pitchFamily="2" charset="0"/>
-            </a:endParaRPr>
+              <a:t>With this line of code, we are importing the function from the library.</a:t>
+            </a:r>
           </a:p>
         </p:txBody>
       </p:sp>
@@ -2203,7 +2132,7 @@
     </p:spTree>
     <p:extLst>
       <p:ext uri="{BB962C8B-B14F-4D97-AF65-F5344CB8AC3E}">
-        <p14:creationId xmlns:p14="http://schemas.microsoft.com/office/powerpoint/2010/main" val="3051117820"/>
+        <p14:creationId xmlns:p14="http://schemas.microsoft.com/office/powerpoint/2010/main" val="3772623120"/>
       </p:ext>
     </p:extLst>
   </p:cSld>
@@ -2257,11 +2186,119 @@
           <a:bodyPr/>
           <a:lstStyle/>
           <a:p>
-            <a:r>
-              <a:rPr lang="tr-TR" dirty="0"/>
-              <a:t>This is the data to be validated.</a:t>
-            </a:r>
-            <a:endParaRPr lang="en-US" dirty="0"/>
+            <a:pPr marL="0" marR="0" lvl="0" indent="0" algn="l" defTabSz="914400" rtl="0" eaLnBrk="1" fontAlgn="auto" latinLnBrk="0" hangingPunct="1">
+              <a:lnSpc>
+                <a:spcPct val="100000"/>
+              </a:lnSpc>
+              <a:spcBef>
+                <a:spcPts val="0"/>
+              </a:spcBef>
+              <a:spcAft>
+                <a:spcPts val="0"/>
+              </a:spcAft>
+              <a:buClrTx/>
+              <a:buSzTx/>
+              <a:buFontTx/>
+              <a:buNone/>
+              <a:tabLst/>
+              <a:defRPr/>
+            </a:pPr>
+            <a:r>
+              <a:rPr lang="en-US" dirty="0"/>
+              <a:t>This is the same schema in the previous example.</a:t>
+            </a:r>
+          </a:p>
+          <a:p>
+            <a:pPr marL="0" marR="0" lvl="0" indent="0" algn="l" defTabSz="914400" rtl="0" eaLnBrk="1" fontAlgn="auto" latinLnBrk="0" hangingPunct="1">
+              <a:lnSpc>
+                <a:spcPct val="100000"/>
+              </a:lnSpc>
+              <a:spcBef>
+                <a:spcPts val="0"/>
+              </a:spcBef>
+              <a:spcAft>
+                <a:spcPts val="0"/>
+              </a:spcAft>
+              <a:buClrTx/>
+              <a:buSzTx/>
+              <a:buFontTx/>
+              <a:buNone/>
+              <a:tabLst/>
+              <a:defRPr/>
+            </a:pPr>
+            <a:endParaRPr lang="en-US" dirty="0">
+              <a:solidFill>
+                <a:srgbClr val="000000"/>
+              </a:solidFill>
+              <a:effectLst/>
+              <a:latin typeface="Helvetica Neue" panose="02000503000000020004" pitchFamily="2" charset="0"/>
+            </a:endParaRPr>
+          </a:p>
+          <a:p>
+            <a:pPr marL="0" marR="0" lvl="0" indent="0" algn="l" defTabSz="914400" rtl="0" eaLnBrk="1" fontAlgn="auto" latinLnBrk="0" hangingPunct="1">
+              <a:lnSpc>
+                <a:spcPct val="100000"/>
+              </a:lnSpc>
+              <a:spcBef>
+                <a:spcPts val="0"/>
+              </a:spcBef>
+              <a:spcAft>
+                <a:spcPts val="0"/>
+              </a:spcAft>
+              <a:buClrTx/>
+              <a:buSzTx/>
+              <a:buFontTx/>
+              <a:buNone/>
+              <a:tabLst/>
+              <a:defRPr/>
+            </a:pPr>
+            <a:r>
+              <a:rPr lang="en-GB" dirty="0">
+                <a:solidFill>
+                  <a:srgbClr val="000000"/>
+                </a:solidFill>
+                <a:effectLst/>
+                <a:latin typeface="Helvetica Neue" panose="02000503000000020004" pitchFamily="2" charset="0"/>
+              </a:rPr>
+              <a:t>Note that we are using the the </a:t>
+            </a:r>
+            <a:r>
+              <a:rPr lang="en-GB" dirty="0" err="1">
+                <a:solidFill>
+                  <a:srgbClr val="000000"/>
+                </a:solidFill>
+                <a:effectLst/>
+                <a:latin typeface="Helvetica Neue" panose="02000503000000020004" pitchFamily="2" charset="0"/>
+              </a:rPr>
+              <a:t>dict</a:t>
+            </a:r>
+            <a:r>
+              <a:rPr lang="en-GB" dirty="0">
+                <a:solidFill>
+                  <a:srgbClr val="000000"/>
+                </a:solidFill>
+                <a:effectLst/>
+                <a:latin typeface="Helvetica Neue" panose="02000503000000020004" pitchFamily="2" charset="0"/>
+              </a:rPr>
+              <a:t> structure of Python and variables according to Python language. You see that capital “False” is used instead of ”false” that is used for JavaScript</a:t>
+            </a:r>
+            <a:r>
+              <a:rPr lang="en-US" dirty="0">
+                <a:solidFill>
+                  <a:srgbClr val="000000"/>
+                </a:solidFill>
+                <a:effectLst/>
+                <a:latin typeface="Helvetica Neue" panose="02000503000000020004" pitchFamily="2" charset="0"/>
+              </a:rPr>
+              <a:t>.</a:t>
+            </a:r>
+            <a:endParaRPr lang="en-GB" dirty="0">
+              <a:solidFill>
+                <a:srgbClr val="000000"/>
+              </a:solidFill>
+              <a:effectLst/>
+              <a:latin typeface="Helvetica Neue" panose="02000503000000020004" pitchFamily="2" charset="0"/>
+            </a:endParaRPr>
           </a:p>
         </p:txBody>
       </p:sp>
@@ -2291,7 +2328,7 @@
     </p:spTree>
     <p:extLst>
       <p:ext uri="{BB962C8B-B14F-4D97-AF65-F5344CB8AC3E}">
-        <p14:creationId xmlns:p14="http://schemas.microsoft.com/office/powerpoint/2010/main" val="3536561756"/>
+        <p14:creationId xmlns:p14="http://schemas.microsoft.com/office/powerpoint/2010/main" val="3051117820"/>
       </p:ext>
     </p:extLst>
   </p:cSld>
@@ -2347,55 +2384,7 @@
           <a:p>
             <a:r>
               <a:rPr lang="tr-TR" dirty="0"/>
-              <a:t>This validate function takes the data and </a:t>
-            </a:r>
-            <a:r>
-              <a:rPr lang="tr-TR" dirty="0" err="1"/>
-              <a:t>the</a:t>
-            </a:r>
-            <a:r>
-              <a:rPr lang="tr-TR" dirty="0"/>
-              <a:t> </a:t>
-            </a:r>
-            <a:r>
-              <a:rPr lang="tr-TR" dirty="0" err="1"/>
-              <a:t>schema</a:t>
-            </a:r>
-            <a:r>
-              <a:rPr lang="tr-TR" dirty="0"/>
-              <a:t>, validates it and prints the result. If the data is valid, it does not print anything. </a:t>
-            </a:r>
-            <a:r>
-              <a:rPr lang="tr-TR" dirty="0" err="1"/>
-              <a:t>Otherwise</a:t>
-            </a:r>
-            <a:r>
-              <a:rPr lang="tr-TR" dirty="0"/>
-              <a:t>, an </a:t>
-            </a:r>
-            <a:r>
-              <a:rPr lang="tr-TR" dirty="0" err="1"/>
-              <a:t>error</a:t>
-            </a:r>
-            <a:r>
-              <a:rPr lang="tr-TR" dirty="0"/>
-              <a:t> </a:t>
-            </a:r>
-            <a:r>
-              <a:rPr lang="tr-TR" dirty="0" err="1"/>
-              <a:t>message</a:t>
-            </a:r>
-            <a:r>
-              <a:rPr lang="tr-TR" dirty="0"/>
-              <a:t> is </a:t>
-            </a:r>
-            <a:r>
-              <a:rPr lang="tr-TR" dirty="0" err="1"/>
-              <a:t>thrown</a:t>
-            </a:r>
-            <a:r>
-              <a:rPr lang="tr-TR" dirty="0"/>
-              <a:t>.</a:t>
+              <a:t>This is the data to be validated.</a:t>
             </a:r>
             <a:endParaRPr lang="en-US" dirty="0"/>
           </a:p>
@@ -2427,7 +2416,7 @@
     </p:spTree>
     <p:extLst>
       <p:ext uri="{BB962C8B-B14F-4D97-AF65-F5344CB8AC3E}">
-        <p14:creationId xmlns:p14="http://schemas.microsoft.com/office/powerpoint/2010/main" val="1167159720"/>
+        <p14:creationId xmlns:p14="http://schemas.microsoft.com/office/powerpoint/2010/main" val="3536561756"/>
       </p:ext>
     </p:extLst>
   </p:cSld>
@@ -2481,26 +2470,9 @@
           <a:bodyPr/>
           <a:lstStyle/>
           <a:p>
-            <a:pPr marL="0" marR="0" lvl="0" indent="0" algn="l" defTabSz="914400" rtl="0" eaLnBrk="1" fontAlgn="auto" latinLnBrk="0" hangingPunct="1">
-              <a:lnSpc>
-                <a:spcPct val="100000"/>
-              </a:lnSpc>
-              <a:spcBef>
-                <a:spcPts val="0"/>
-              </a:spcBef>
-              <a:spcAft>
-                <a:spcPts val="0"/>
-              </a:spcAft>
-              <a:buClrTx/>
-              <a:buSzTx/>
-              <a:buFontTx/>
-              <a:buNone/>
-              <a:tabLst/>
-              <a:defRPr/>
-            </a:pPr>
             <a:r>
               <a:rPr lang="tr-TR" dirty="0"/>
-              <a:t>The code outputs that the data is not valid since </a:t>
+              <a:t>This validate function takes the data and </a:t>
             </a:r>
             <a:r>
               <a:rPr lang="tr-TR" dirty="0" err="1"/>
@@ -2512,79 +2484,43 @@
             </a:r>
             <a:r>
               <a:rPr lang="tr-TR" dirty="0" err="1"/>
-              <a:t>property</a:t>
+              <a:t>schema</a:t>
             </a:r>
             <a:r>
               <a:rPr lang="tr-TR" dirty="0"/>
-              <a:t>, </a:t>
-            </a:r>
-            <a:r>
-              <a:rPr lang="en-US" sz="1200" b="0" dirty="0">
-                <a:solidFill>
-                  <a:schemeClr val="accent2"/>
-                </a:solidFill>
-                <a:effectLst/>
-                <a:latin typeface="Consolas" panose="020B0609020204030204" pitchFamily="49" charset="0"/>
-              </a:rPr>
-              <a:t> </a:t>
-            </a:r>
-            <a:r>
-              <a:rPr lang="en-US" sz="1200" b="0" dirty="0">
-                <a:solidFill>
-                  <a:schemeClr val="accent2">
-                    <a:lumMod val="75000"/>
-                  </a:schemeClr>
-                </a:solidFill>
-                <a:effectLst/>
-                <a:latin typeface="Consolas" panose="020B0609020204030204" pitchFamily="49" charset="0"/>
-              </a:rPr>
-              <a:t>"</a:t>
+              <a:t>, validates it and prints the result. If the data is valid, it does not print anything. </a:t>
             </a:r>
             <a:r>
               <a:rPr lang="tr-TR" dirty="0" err="1"/>
-              <a:t>temperatureOf</a:t>
-            </a:r>
-            <a:r>
-              <a:rPr lang="en-US" sz="1200" b="0" dirty="0">
-                <a:solidFill>
-                  <a:schemeClr val="accent2"/>
-                </a:solidFill>
-                <a:effectLst/>
-                <a:latin typeface="Consolas" panose="020B0609020204030204" pitchFamily="49" charset="0"/>
-              </a:rPr>
-              <a:t> </a:t>
-            </a:r>
-            <a:r>
-              <a:rPr lang="en-US" sz="1200" b="0">
-                <a:solidFill>
-                  <a:schemeClr val="accent2">
-                    <a:lumMod val="75000"/>
-                  </a:schemeClr>
-                </a:solidFill>
-                <a:effectLst/>
-                <a:latin typeface="Consolas" panose="020B0609020204030204" pitchFamily="49" charset="0"/>
-              </a:rPr>
-              <a:t>” is</a:t>
-            </a:r>
-            <a:r>
-              <a:rPr lang="tr-TR"/>
+              <a:t>Otherwise</a:t>
+            </a:r>
+            <a:r>
+              <a:rPr lang="tr-TR" dirty="0"/>
+              <a:t>, an </a:t>
+            </a:r>
+            <a:r>
+              <a:rPr lang="tr-TR" dirty="0" err="1"/>
+              <a:t>error</a:t>
+            </a:r>
+            <a:r>
+              <a:rPr lang="tr-TR" dirty="0"/>
               <a:t> </a:t>
             </a:r>
             <a:r>
               <a:rPr lang="tr-TR" dirty="0" err="1"/>
-              <a:t>declared</a:t>
+              <a:t>message</a:t>
             </a:r>
             <a:r>
               <a:rPr lang="tr-TR" dirty="0"/>
-              <a:t> as </a:t>
+              <a:t> is </a:t>
             </a:r>
             <a:r>
               <a:rPr lang="tr-TR" dirty="0" err="1"/>
-              <a:t>string</a:t>
+              <a:t>thrown</a:t>
             </a:r>
             <a:r>
               <a:rPr lang="tr-TR" dirty="0"/>
-              <a:t>. However, in the given data it is an integer.</a:t>
+              <a:t>.</a:t>
             </a:r>
             <a:endParaRPr lang="en-US" dirty="0"/>
           </a:p>
@@ -2616,7 +2552,7 @@
     </p:spTree>
     <p:extLst>
       <p:ext uri="{BB962C8B-B14F-4D97-AF65-F5344CB8AC3E}">
-        <p14:creationId xmlns:p14="http://schemas.microsoft.com/office/powerpoint/2010/main" val="4166128889"/>
+        <p14:creationId xmlns:p14="http://schemas.microsoft.com/office/powerpoint/2010/main" val="1167159720"/>
       </p:ext>
     </p:extLst>
   </p:cSld>
@@ -2670,25 +2606,110 @@
           <a:bodyPr/>
           <a:lstStyle/>
           <a:p>
+            <a:pPr marL="0" marR="0" lvl="0" indent="0" algn="l" defTabSz="914400" rtl="0" eaLnBrk="1" fontAlgn="auto" latinLnBrk="0" hangingPunct="1">
+              <a:lnSpc>
+                <a:spcPct val="100000"/>
+              </a:lnSpc>
+              <a:spcBef>
+                <a:spcPts val="0"/>
+              </a:spcBef>
+              <a:spcAft>
+                <a:spcPts val="0"/>
+              </a:spcAft>
+              <a:buClrTx/>
+              <a:buSzTx/>
+              <a:buFontTx/>
+              <a:buNone/>
+              <a:tabLst/>
+              <a:defRPr/>
+            </a:pPr>
             <a:r>
               <a:rPr lang="tr-TR" dirty="0"/>
-              <a:t>In the next video, we will talk </a:t>
+              <a:t>The code outputs that the data is not valid since </a:t>
             </a:r>
             <a:r>
               <a:rPr lang="tr-TR" dirty="0" err="1"/>
-              <a:t>about</a:t>
+              <a:t>the</a:t>
             </a:r>
             <a:r>
               <a:rPr lang="tr-TR" dirty="0"/>
-              <a:t> OSI </a:t>
+              <a:t> </a:t>
             </a:r>
             <a:r>
               <a:rPr lang="tr-TR" dirty="0" err="1"/>
-              <a:t>Layers</a:t>
+              <a:t>property</a:t>
             </a:r>
             <a:r>
               <a:rPr lang="tr-TR" dirty="0"/>
-              <a:t>.</a:t>
+              <a:t>, </a:t>
+            </a:r>
+            <a:r>
+              <a:rPr lang="en-US" sz="1200" b="0" dirty="0">
+                <a:solidFill>
+                  <a:schemeClr val="accent2"/>
+                </a:solidFill>
+                <a:effectLst/>
+                <a:latin typeface="Consolas" panose="020B0609020204030204" pitchFamily="49" charset="0"/>
+              </a:rPr>
+              <a:t> </a:t>
+            </a:r>
+            <a:r>
+              <a:rPr lang="en-US" sz="1200" b="0" dirty="0">
+                <a:solidFill>
+                  <a:schemeClr val="accent2">
+                    <a:lumMod val="75000"/>
+                  </a:schemeClr>
+                </a:solidFill>
+                <a:effectLst/>
+                <a:latin typeface="Consolas" panose="020B0609020204030204" pitchFamily="49" charset="0"/>
+              </a:rPr>
+              <a:t>"</a:t>
+            </a:r>
+            <a:r>
+              <a:rPr lang="tr-TR" dirty="0" err="1"/>
+              <a:t>temperatureOf</a:t>
+            </a:r>
+            <a:r>
+              <a:rPr lang="en-US" sz="1200" b="0" dirty="0">
+                <a:solidFill>
+                  <a:schemeClr val="accent2"/>
+                </a:solidFill>
+                <a:effectLst/>
+                <a:latin typeface="Consolas" panose="020B0609020204030204" pitchFamily="49" charset="0"/>
+              </a:rPr>
+              <a:t> </a:t>
+            </a:r>
+            <a:r>
+              <a:rPr lang="en-US" sz="1200" b="0">
+                <a:solidFill>
+                  <a:schemeClr val="accent2">
+                    <a:lumMod val="75000"/>
+                  </a:schemeClr>
+                </a:solidFill>
+                <a:effectLst/>
+                <a:latin typeface="Consolas" panose="020B0609020204030204" pitchFamily="49" charset="0"/>
+              </a:rPr>
+              <a:t>” is</a:t>
+            </a:r>
+            <a:r>
+              <a:rPr lang="tr-TR"/>
+              <a:t> </a:t>
+            </a:r>
+            <a:r>
+              <a:rPr lang="tr-TR" dirty="0" err="1"/>
+              <a:t>declared</a:t>
+            </a:r>
+            <a:r>
+              <a:rPr lang="tr-TR" dirty="0"/>
+              <a:t> as </a:t>
+            </a:r>
+            <a:r>
+              <a:rPr lang="tr-TR" dirty="0" err="1"/>
+              <a:t>string</a:t>
+            </a:r>
+            <a:r>
+              <a:rPr lang="tr-TR" dirty="0"/>
+              <a:t>. However, in the given data it is an integer.</a:t>
             </a:r>
             <a:endParaRPr lang="en-US" dirty="0"/>
           </a:p>
@@ -2709,19 +2730,18 @@
           <a:bodyPr/>
           <a:lstStyle/>
           <a:p>
-            <a:fld id="{838D45EA-097A-449E-8E80-C10F8140ABDB}" type="slidenum">
+            <a:fld id="{F446A743-CA21-40A8-9FB4-540ED96D3242}" type="slidenum">
               <a:rPr lang="en-US" smtClean="0"/>
-              <a:pPr/>
               <a:t>26</a:t>
             </a:fld>
-            <a:endParaRPr lang="en-US" dirty="0"/>
+            <a:endParaRPr lang="en-US"/>
           </a:p>
         </p:txBody>
       </p:sp>
     </p:spTree>
     <p:extLst>
       <p:ext uri="{BB962C8B-B14F-4D97-AF65-F5344CB8AC3E}">
-        <p14:creationId xmlns:p14="http://schemas.microsoft.com/office/powerpoint/2010/main" val="3359729754"/>
+        <p14:creationId xmlns:p14="http://schemas.microsoft.com/office/powerpoint/2010/main" val="4166128889"/>
       </p:ext>
     </p:extLst>
   </p:cSld>
@@ -2826,7 +2846,215 @@
     </p:spTree>
     <p:extLst>
       <p:ext uri="{BB962C8B-B14F-4D97-AF65-F5344CB8AC3E}">
+        <p14:creationId xmlns:p14="http://schemas.microsoft.com/office/powerpoint/2010/main" val="3359729754"/>
+      </p:ext>
+    </p:extLst>
+  </p:cSld>
+  <p:clrMapOvr>
+    <a:masterClrMapping/>
+  </p:clrMapOvr>
+</p:notes>
+</file>
+
+<file path=ppt/notesSlides/notesSlide28.xml><?xml version="1.0" encoding="utf-8"?>
+<p:notes xmlns:a="http://schemas.openxmlformats.org/drawingml/2006/main" xmlns:r="http://schemas.openxmlformats.org/officeDocument/2006/relationships" xmlns:p="http://schemas.openxmlformats.org/presentationml/2006/main">
+  <p:cSld>
+    <p:spTree>
+      <p:nvGrpSpPr>
+        <p:cNvPr id="1" name=""/>
+        <p:cNvGrpSpPr/>
+        <p:nvPr/>
+      </p:nvGrpSpPr>
+      <p:grpSpPr>
+        <a:xfrm>
+          <a:off x="0" y="0"/>
+          <a:ext cx="0" cy="0"/>
+          <a:chOff x="0" y="0"/>
+          <a:chExt cx="0" cy="0"/>
+        </a:xfrm>
+      </p:grpSpPr>
+      <p:sp>
+        <p:nvSpPr>
+          <p:cNvPr id="2" name="Slide Image Placeholder 1"/>
+          <p:cNvSpPr>
+            <a:spLocks noGrp="1" noRot="1" noChangeAspect="1"/>
+          </p:cNvSpPr>
+          <p:nvPr>
+            <p:ph type="sldImg"/>
+          </p:nvPr>
+        </p:nvSpPr>
+        <p:spPr/>
+      </p:sp>
+      <p:sp>
+        <p:nvSpPr>
+          <p:cNvPr id="3" name="Notes Placeholder 2"/>
+          <p:cNvSpPr>
+            <a:spLocks noGrp="1"/>
+          </p:cNvSpPr>
+          <p:nvPr>
+            <p:ph type="body" idx="1"/>
+          </p:nvPr>
+        </p:nvSpPr>
+        <p:spPr/>
+        <p:txBody>
+          <a:bodyPr/>
+          <a:lstStyle/>
+          <a:p>
+            <a:r>
+              <a:rPr lang="tr-TR" dirty="0"/>
+              <a:t>In the next video, we will talk </a:t>
+            </a:r>
+            <a:r>
+              <a:rPr lang="tr-TR" dirty="0" err="1"/>
+              <a:t>about</a:t>
+            </a:r>
+            <a:r>
+              <a:rPr lang="tr-TR" dirty="0"/>
+              <a:t> OSI </a:t>
+            </a:r>
+            <a:r>
+              <a:rPr lang="tr-TR" dirty="0" err="1"/>
+              <a:t>Layers</a:t>
+            </a:r>
+            <a:r>
+              <a:rPr lang="tr-TR" dirty="0"/>
+              <a:t>.</a:t>
+            </a:r>
+            <a:endParaRPr lang="en-US" dirty="0"/>
+          </a:p>
+        </p:txBody>
+      </p:sp>
+      <p:sp>
+        <p:nvSpPr>
+          <p:cNvPr id="4" name="Slide Number Placeholder 3"/>
+          <p:cNvSpPr>
+            <a:spLocks noGrp="1"/>
+          </p:cNvSpPr>
+          <p:nvPr>
+            <p:ph type="sldNum" sz="quarter" idx="5"/>
+          </p:nvPr>
+        </p:nvSpPr>
+        <p:spPr/>
+        <p:txBody>
+          <a:bodyPr/>
+          <a:lstStyle/>
+          <a:p>
+            <a:fld id="{838D45EA-097A-449E-8E80-C10F8140ABDB}" type="slidenum">
+              <a:rPr lang="en-US" smtClean="0"/>
+              <a:pPr/>
+              <a:t>28</a:t>
+            </a:fld>
+            <a:endParaRPr lang="en-US" dirty="0"/>
+          </a:p>
+        </p:txBody>
+      </p:sp>
+    </p:spTree>
+    <p:extLst>
+      <p:ext uri="{BB962C8B-B14F-4D97-AF65-F5344CB8AC3E}">
         <p14:creationId xmlns:p14="http://schemas.microsoft.com/office/powerpoint/2010/main" val="3272610837"/>
+      </p:ext>
+    </p:extLst>
+  </p:cSld>
+  <p:clrMapOvr>
+    <a:masterClrMapping/>
+  </p:clrMapOvr>
+</p:notes>
+</file>
+
+<file path=ppt/notesSlides/notesSlide29.xml><?xml version="1.0" encoding="utf-8"?>
+<p:notes xmlns:a="http://schemas.openxmlformats.org/drawingml/2006/main" xmlns:r="http://schemas.openxmlformats.org/officeDocument/2006/relationships" xmlns:p="http://schemas.openxmlformats.org/presentationml/2006/main">
+  <p:cSld>
+    <p:spTree>
+      <p:nvGrpSpPr>
+        <p:cNvPr id="1" name=""/>
+        <p:cNvGrpSpPr/>
+        <p:nvPr/>
+      </p:nvGrpSpPr>
+      <p:grpSpPr>
+        <a:xfrm>
+          <a:off x="0" y="0"/>
+          <a:ext cx="0" cy="0"/>
+          <a:chOff x="0" y="0"/>
+          <a:chExt cx="0" cy="0"/>
+        </a:xfrm>
+      </p:grpSpPr>
+      <p:sp>
+        <p:nvSpPr>
+          <p:cNvPr id="2" name="Slide Image Placeholder 1"/>
+          <p:cNvSpPr>
+            <a:spLocks noGrp="1" noRot="1" noChangeAspect="1"/>
+          </p:cNvSpPr>
+          <p:nvPr>
+            <p:ph type="sldImg"/>
+          </p:nvPr>
+        </p:nvSpPr>
+        <p:spPr/>
+      </p:sp>
+      <p:sp>
+        <p:nvSpPr>
+          <p:cNvPr id="3" name="Notes Placeholder 2"/>
+          <p:cNvSpPr>
+            <a:spLocks noGrp="1"/>
+          </p:cNvSpPr>
+          <p:nvPr>
+            <p:ph type="body" idx="1"/>
+          </p:nvPr>
+        </p:nvSpPr>
+        <p:spPr/>
+        <p:txBody>
+          <a:bodyPr/>
+          <a:lstStyle/>
+          <a:p>
+            <a:pPr algn="l">
+              <a:buFont typeface="Arial" panose="020B0604020202020204" pitchFamily="34" charset="0"/>
+              <a:buChar char="•"/>
+            </a:pPr>
+            <a:r>
+              <a:rPr lang="en-US" b="0" i="0" dirty="0">
+                <a:solidFill>
+                  <a:srgbClr val="E6EDF3"/>
+                </a:solidFill>
+                <a:effectLst/>
+                <a:latin typeface="-apple-system"/>
+              </a:rPr>
+              <a:t>You can proceed to the next tutorial by clicking on the card or the video description.</a:t>
+            </a:r>
+          </a:p>
+          <a:p>
+            <a:br>
+              <a:rPr lang="en-US" dirty="0"/>
+            </a:br>
+            <a:endParaRPr lang="tr-TR" dirty="0"/>
+          </a:p>
+        </p:txBody>
+      </p:sp>
+      <p:sp>
+        <p:nvSpPr>
+          <p:cNvPr id="4" name="Slide Number Placeholder 3"/>
+          <p:cNvSpPr>
+            <a:spLocks noGrp="1"/>
+          </p:cNvSpPr>
+          <p:nvPr>
+            <p:ph type="sldNum" sz="quarter" idx="5"/>
+          </p:nvPr>
+        </p:nvSpPr>
+        <p:spPr/>
+        <p:txBody>
+          <a:bodyPr/>
+          <a:lstStyle/>
+          <a:p>
+            <a:fld id="{838D45EA-097A-449E-8E80-C10F8140ABDB}" type="slidenum">
+              <a:rPr lang="en-US" smtClean="0"/>
+              <a:t>30</a:t>
+            </a:fld>
+            <a:endParaRPr lang="en-US"/>
+          </a:p>
+        </p:txBody>
+      </p:sp>
+    </p:spTree>
+    <p:extLst>
+      <p:ext uri="{BB962C8B-B14F-4D97-AF65-F5344CB8AC3E}">
+        <p14:creationId xmlns:p14="http://schemas.microsoft.com/office/powerpoint/2010/main" val="1820635812"/>
       </p:ext>
     </p:extLst>
   </p:cSld>
@@ -3627,21 +3855,34 @@
           <a:bodyPr/>
           <a:lstStyle/>
           <a:p>
-            <a:r>
-              <a:rPr lang="tr-TR" dirty="0"/>
-              <a:t>This  is </a:t>
-            </a:r>
-            <a:r>
-              <a:rPr lang="en-US" dirty="0"/>
-              <a:t>the basic validation flow that all libraries follow.</a:t>
-            </a:r>
-          </a:p>
-          <a:p>
-            <a:r>
-              <a:rPr lang="en-US" dirty="0"/>
-              <a:t>The library takes a schema for your JSON data and validates your data according to the schema. Outputs the validation result as a Boolean, with additional output of validation such as errors.</a:t>
-            </a:r>
-            <a:endParaRPr lang="tr-TR" dirty="0"/>
+            <a:pPr marL="0" marR="0" lvl="0" indent="0" algn="l" defTabSz="914400" rtl="0" eaLnBrk="1" fontAlgn="auto" latinLnBrk="0" hangingPunct="1">
+              <a:lnSpc>
+                <a:spcPct val="100000"/>
+              </a:lnSpc>
+              <a:spcBef>
+                <a:spcPts val="0"/>
+              </a:spcBef>
+              <a:spcAft>
+                <a:spcPts val="0"/>
+              </a:spcAft>
+              <a:buClrTx/>
+              <a:buSzTx/>
+              <a:buFontTx/>
+              <a:buNone/>
+              <a:tabLst/>
+              <a:defRPr/>
+            </a:pPr>
+            <a:r>
+              <a:rPr lang="en-US" b="0" i="0" dirty="0">
+                <a:solidFill>
+                  <a:srgbClr val="E6EDF3"/>
+                </a:solidFill>
+                <a:effectLst/>
+                <a:latin typeface="ui-monospace"/>
+              </a:rPr>
+              <a:t>For further information, you can check the JSON Schema homepage.</a:t>
+            </a:r>
+            <a:endParaRPr lang="en-US" dirty="0"/>
           </a:p>
         </p:txBody>
       </p:sp>
@@ -3660,7 +3901,7 @@
           <a:bodyPr/>
           <a:lstStyle/>
           <a:p>
-            <a:fld id="{F446A743-CA21-40A8-9FB4-540ED96D3242}" type="slidenum">
+            <a:fld id="{F02165D8-144D-4958-A83E-0D86045592C5}" type="slidenum">
               <a:rPr lang="en-US" smtClean="0"/>
               <a:t>8</a:t>
             </a:fld>
@@ -3671,7 +3912,7 @@
     </p:spTree>
     <p:extLst>
       <p:ext uri="{BB962C8B-B14F-4D97-AF65-F5344CB8AC3E}">
-        <p14:creationId xmlns:p14="http://schemas.microsoft.com/office/powerpoint/2010/main" val="2031685984"/>
+        <p14:creationId xmlns:p14="http://schemas.microsoft.com/office/powerpoint/2010/main" val="1508465215"/>
       </p:ext>
     </p:extLst>
   </p:cSld>
@@ -3725,46 +3966,21 @@
           <a:bodyPr/>
           <a:lstStyle/>
           <a:p>
-            <a:pPr marL="0" marR="0" lvl="0" indent="0" algn="l" defTabSz="914400" rtl="0" eaLnBrk="1" fontAlgn="auto" latinLnBrk="0" hangingPunct="1">
-              <a:lnSpc>
-                <a:spcPct val="100000"/>
-              </a:lnSpc>
-              <a:spcBef>
-                <a:spcPts val="0"/>
-              </a:spcBef>
-              <a:spcAft>
-                <a:spcPts val="0"/>
-              </a:spcAft>
-              <a:buClrTx/>
-              <a:buSzTx/>
-              <a:buFontTx/>
-              <a:buNone/>
-              <a:tabLst/>
-              <a:defRPr/>
-            </a:pPr>
             <a:r>
               <a:rPr lang="tr-TR" dirty="0"/>
-              <a:t>So lets start with AJV! It is a </a:t>
-            </a:r>
-            <a:r>
-              <a:rPr lang="tr-TR" dirty="0" err="1"/>
-              <a:t>JavaScript</a:t>
-            </a:r>
-            <a:r>
-              <a:rPr lang="tr-TR" dirty="0"/>
-              <a:t> </a:t>
-            </a:r>
-            <a:r>
-              <a:rPr lang="tr-TR" dirty="0" err="1"/>
-              <a:t>library</a:t>
-            </a:r>
-            <a:r>
-              <a:rPr lang="tr-TR" dirty="0"/>
-              <a:t>.</a:t>
-            </a:r>
-          </a:p>
-          <a:p>
-            <a:endParaRPr lang="en-US" dirty="0"/>
+              <a:t>This  is </a:t>
+            </a:r>
+            <a:r>
+              <a:rPr lang="en-US" dirty="0"/>
+              <a:t>the basic validation flow that all libraries follow.</a:t>
+            </a:r>
+          </a:p>
+          <a:p>
+            <a:r>
+              <a:rPr lang="en-US" dirty="0"/>
+              <a:t>The library takes a schema for your JSON data and validates your data according to the schema. Outputs the validation result as a Boolean, with additional output of validation such as errors.</a:t>
+            </a:r>
+            <a:endParaRPr lang="tr-TR" dirty="0"/>
           </a:p>
         </p:txBody>
       </p:sp>
@@ -3794,7 +4010,7 @@
     </p:spTree>
     <p:extLst>
       <p:ext uri="{BB962C8B-B14F-4D97-AF65-F5344CB8AC3E}">
-        <p14:creationId xmlns:p14="http://schemas.microsoft.com/office/powerpoint/2010/main" val="2784879275"/>
+        <p14:creationId xmlns:p14="http://schemas.microsoft.com/office/powerpoint/2010/main" val="2031685984"/>
       </p:ext>
     </p:extLst>
   </p:cSld>
@@ -3935,7 +4151,7 @@
           <a:p>
             <a:fld id="{9ECE5CA0-46B4-49A7-9DD0-55B98DAE6B40}" type="datetimeFigureOut">
               <a:rPr lang="en-US" smtClean="0"/>
-              <a:t>9/4/23</a:t>
+              <a:t>11/21/23</a:t>
             </a:fld>
             <a:endParaRPr lang="en-US"/>
           </a:p>
@@ -4105,7 +4321,7 @@
           <a:p>
             <a:fld id="{9ECE5CA0-46B4-49A7-9DD0-55B98DAE6B40}" type="datetimeFigureOut">
               <a:rPr lang="en-US" smtClean="0"/>
-              <a:t>9/4/23</a:t>
+              <a:t>11/21/23</a:t>
             </a:fld>
             <a:endParaRPr lang="en-US"/>
           </a:p>
@@ -4285,7 +4501,7 @@
           <a:p>
             <a:fld id="{9ECE5CA0-46B4-49A7-9DD0-55B98DAE6B40}" type="datetimeFigureOut">
               <a:rPr lang="en-US" smtClean="0"/>
-              <a:t>9/4/23</a:t>
+              <a:t>11/21/23</a:t>
             </a:fld>
             <a:endParaRPr lang="en-US"/>
           </a:p>
@@ -4455,7 +4671,7 @@
           <a:p>
             <a:fld id="{9ECE5CA0-46B4-49A7-9DD0-55B98DAE6B40}" type="datetimeFigureOut">
               <a:rPr lang="en-US" smtClean="0"/>
-              <a:t>9/4/23</a:t>
+              <a:t>11/21/23</a:t>
             </a:fld>
             <a:endParaRPr lang="en-US"/>
           </a:p>
@@ -4701,7 +4917,7 @@
           <a:p>
             <a:fld id="{9ECE5CA0-46B4-49A7-9DD0-55B98DAE6B40}" type="datetimeFigureOut">
               <a:rPr lang="en-US" smtClean="0"/>
-              <a:t>9/4/23</a:t>
+              <a:t>11/21/23</a:t>
             </a:fld>
             <a:endParaRPr lang="en-US"/>
           </a:p>
@@ -4933,7 +5149,7 @@
           <a:p>
             <a:fld id="{9ECE5CA0-46B4-49A7-9DD0-55B98DAE6B40}" type="datetimeFigureOut">
               <a:rPr lang="en-US" smtClean="0"/>
-              <a:t>9/4/23</a:t>
+              <a:t>11/21/23</a:t>
             </a:fld>
             <a:endParaRPr lang="en-US"/>
           </a:p>
@@ -5300,7 +5516,7 @@
           <a:p>
             <a:fld id="{9ECE5CA0-46B4-49A7-9DD0-55B98DAE6B40}" type="datetimeFigureOut">
               <a:rPr lang="en-US" smtClean="0"/>
-              <a:t>9/4/23</a:t>
+              <a:t>11/21/23</a:t>
             </a:fld>
             <a:endParaRPr lang="en-US"/>
           </a:p>
@@ -5418,7 +5634,7 @@
           <a:p>
             <a:fld id="{9ECE5CA0-46B4-49A7-9DD0-55B98DAE6B40}" type="datetimeFigureOut">
               <a:rPr lang="en-US" smtClean="0"/>
-              <a:t>9/4/23</a:t>
+              <a:t>11/21/23</a:t>
             </a:fld>
             <a:endParaRPr lang="en-US"/>
           </a:p>
@@ -5513,7 +5729,7 @@
           <a:p>
             <a:fld id="{9ECE5CA0-46B4-49A7-9DD0-55B98DAE6B40}" type="datetimeFigureOut">
               <a:rPr lang="en-US" smtClean="0"/>
-              <a:t>9/4/23</a:t>
+              <a:t>11/21/23</a:t>
             </a:fld>
             <a:endParaRPr lang="en-US"/>
           </a:p>
@@ -5790,7 +6006,7 @@
           <a:p>
             <a:fld id="{9ECE5CA0-46B4-49A7-9DD0-55B98DAE6B40}" type="datetimeFigureOut">
               <a:rPr lang="en-US" smtClean="0"/>
-              <a:t>9/4/23</a:t>
+              <a:t>11/21/23</a:t>
             </a:fld>
             <a:endParaRPr lang="en-US"/>
           </a:p>
@@ -6047,7 +6263,7 @@
           <a:p>
             <a:fld id="{9ECE5CA0-46B4-49A7-9DD0-55B98DAE6B40}" type="datetimeFigureOut">
               <a:rPr lang="en-US" smtClean="0"/>
-              <a:t>9/4/23</a:t>
+              <a:t>11/21/23</a:t>
             </a:fld>
             <a:endParaRPr lang="en-US"/>
           </a:p>
@@ -6265,7 +6481,7 @@
           <a:p>
             <a:fld id="{9ECE5CA0-46B4-49A7-9DD0-55B98DAE6B40}" type="datetimeFigureOut">
               <a:rPr lang="en-US" smtClean="0"/>
-              <a:t>9/4/23</a:t>
+              <a:t>11/21/23</a:t>
             </a:fld>
             <a:endParaRPr lang="en-US"/>
           </a:p>
@@ -7916,12 +8132,12 @@
   </p:clrMapOvr>
   <mc:AlternateContent xmlns:mc="http://schemas.openxmlformats.org/markup-compatibility/2006" xmlns:p159="http://schemas.microsoft.com/office/powerpoint/2015/09/main">
     <mc:Choice Requires="p159">
-      <p:transition xmlns:p14="http://schemas.microsoft.com/office/powerpoint/2010/main" spd="slow" p14:dur="2000" advClick="0" advTm="13000">
+      <p:transition xmlns:p14="http://schemas.microsoft.com/office/powerpoint/2010/main" spd="slow" p14:dur="2000" advClick="0" advTm="12500">
         <p159:morph option="byObject"/>
       </p:transition>
     </mc:Choice>
     <mc:Fallback xmlns="">
-      <p:transition spd="slow" advClick="0" advTm="13000">
+      <p:transition spd="slow" advClick="0" advTm="12500">
         <p:fade/>
       </p:transition>
     </mc:Fallback>
@@ -8743,6 +8959,114 @@
       </p:grpSpPr>
       <p:sp>
         <p:nvSpPr>
+          <p:cNvPr id="3" name="Title 1">
+            <a:extLst>
+              <a:ext uri="{FF2B5EF4-FFF2-40B4-BE49-F238E27FC236}">
+                <a16:creationId xmlns:a16="http://schemas.microsoft.com/office/drawing/2014/main" id="{0A7124CD-FDB5-ADFF-218D-8E8A29F53C28}"/>
+              </a:ext>
+            </a:extLst>
+          </p:cNvPr>
+          <p:cNvSpPr txBox="1">
+            <a:spLocks/>
+          </p:cNvSpPr>
+          <p:nvPr/>
+        </p:nvSpPr>
+        <p:spPr>
+          <a:xfrm>
+            <a:off x="838200" y="2762477"/>
+            <a:ext cx="10515600" cy="1333046"/>
+          </a:xfrm>
+          <a:prstGeom prst="rect">
+            <a:avLst/>
+          </a:prstGeom>
+        </p:spPr>
+        <p:txBody>
+          <a:bodyPr vert="horz" lIns="91440" tIns="45720" rIns="91440" bIns="45720" rtlCol="0" anchor="ctr">
+            <a:normAutofit/>
+          </a:bodyPr>
+          <a:lstStyle>
+            <a:lvl1pPr algn="l" defTabSz="914400" rtl="0" eaLnBrk="1" latinLnBrk="0" hangingPunct="1">
+              <a:lnSpc>
+                <a:spcPct val="90000"/>
+              </a:lnSpc>
+              <a:spcBef>
+                <a:spcPct val="0"/>
+              </a:spcBef>
+              <a:buNone/>
+              <a:defRPr sz="4400" kern="1200">
+                <a:solidFill>
+                  <a:schemeClr val="tx1"/>
+                </a:solidFill>
+                <a:latin typeface="+mj-lt"/>
+                <a:ea typeface="+mj-ea"/>
+                <a:cs typeface="+mj-cs"/>
+              </a:defRPr>
+            </a:lvl1pPr>
+          </a:lstStyle>
+          <a:p>
+            <a:pPr algn="ctr"/>
+            <a:r>
+              <a:rPr lang="tr-TR" dirty="0">
+                <a:solidFill>
+                  <a:schemeClr val="accent5"/>
+                </a:solidFill>
+                <a:latin typeface="Century Gothic" panose="020B0502020202020204" pitchFamily="34" charset="0"/>
+              </a:rPr>
+              <a:t>JavaScript-AJV</a:t>
+            </a:r>
+            <a:endParaRPr lang="en-US" dirty="0">
+              <a:solidFill>
+                <a:schemeClr val="accent5"/>
+              </a:solidFill>
+              <a:latin typeface="Century Gothic" panose="020B0502020202020204" pitchFamily="34" charset="0"/>
+            </a:endParaRPr>
+          </a:p>
+        </p:txBody>
+      </p:sp>
+    </p:spTree>
+    <p:extLst>
+      <p:ext uri="{BB962C8B-B14F-4D97-AF65-F5344CB8AC3E}">
+        <p14:creationId xmlns:p14="http://schemas.microsoft.com/office/powerpoint/2010/main" val="3016645404"/>
+      </p:ext>
+    </p:extLst>
+  </p:cSld>
+  <p:clrMapOvr>
+    <a:masterClrMapping/>
+  </p:clrMapOvr>
+  <mc:AlternateContent xmlns:mc="http://schemas.openxmlformats.org/markup-compatibility/2006" xmlns:p159="http://schemas.microsoft.com/office/powerpoint/2015/09/main">
+    <mc:Choice Requires="p159">
+      <p:transition xmlns:p14="http://schemas.microsoft.com/office/powerpoint/2010/main" spd="slow" p14:dur="2000" advTm="3000">
+        <p159:morph option="byObject"/>
+      </p:transition>
+    </mc:Choice>
+    <mc:Fallback xmlns="">
+      <p:transition spd="slow" advTm="3000">
+        <p:fade/>
+      </p:transition>
+    </mc:Fallback>
+  </mc:AlternateContent>
+</p:sld>
+</file>
+
+<file path=ppt/slides/slide11.xml><?xml version="1.0" encoding="utf-8"?>
+<p:sld xmlns:a="http://schemas.openxmlformats.org/drawingml/2006/main" xmlns:r="http://schemas.openxmlformats.org/officeDocument/2006/relationships" xmlns:p="http://schemas.openxmlformats.org/presentationml/2006/main">
+  <p:cSld>
+    <p:spTree>
+      <p:nvGrpSpPr>
+        <p:cNvPr id="1" name=""/>
+        <p:cNvGrpSpPr/>
+        <p:nvPr/>
+      </p:nvGrpSpPr>
+      <p:grpSpPr>
+        <a:xfrm>
+          <a:off x="0" y="0"/>
+          <a:ext cx="0" cy="0"/>
+          <a:chOff x="0" y="0"/>
+          <a:chExt cx="0" cy="0"/>
+        </a:xfrm>
+      </p:grpSpPr>
+      <p:sp>
+        <p:nvSpPr>
           <p:cNvPr id="6" name="TextBox 5">
             <a:extLst>
               <a:ext uri="{FF2B5EF4-FFF2-40B4-BE49-F238E27FC236}">
@@ -10792,12 +11116,12 @@
   </p:clrMapOvr>
   <mc:AlternateContent xmlns:mc="http://schemas.openxmlformats.org/markup-compatibility/2006" xmlns:p159="http://schemas.microsoft.com/office/powerpoint/2015/09/main">
     <mc:Choice Requires="p159">
-      <p:transition xmlns:p14="http://schemas.microsoft.com/office/powerpoint/2010/main" spd="slow" p14:dur="2000" advTm="7000">
+      <p:transition xmlns:p14="http://schemas.microsoft.com/office/powerpoint/2010/main" spd="slow" p14:dur="2000" advTm="5500">
         <p159:morph option="byObject"/>
       </p:transition>
     </mc:Choice>
     <mc:Fallback xmlns="">
-      <p:transition spd="slow" advTm="7000">
+      <p:transition spd="slow" advTm="5500">
         <p:fade/>
       </p:transition>
     </mc:Fallback>
@@ -10889,7 +11213,7 @@
 </p:sld>
 </file>
 
-<file path=ppt/slides/slide11.xml><?xml version="1.0" encoding="utf-8"?>
+<file path=ppt/slides/slide12.xml><?xml version="1.0" encoding="utf-8"?>
 <p:sld xmlns:a="http://schemas.openxmlformats.org/drawingml/2006/main" xmlns:r="http://schemas.openxmlformats.org/officeDocument/2006/relationships" xmlns:p="http://schemas.openxmlformats.org/presentationml/2006/main">
   <p:cSld>
     <p:spTree>
@@ -11336,12 +11660,12 @@
   </p:clrMapOvr>
   <mc:AlternateContent xmlns:mc="http://schemas.openxmlformats.org/markup-compatibility/2006" xmlns:p159="http://schemas.microsoft.com/office/powerpoint/2015/09/main">
     <mc:Choice Requires="p159">
-      <p:transition xmlns:p14="http://schemas.microsoft.com/office/powerpoint/2010/main" spd="slow" p14:dur="2000" advTm="5000">
+      <p:transition spd="slow" advTm="4000">
         <p159:morph option="byObject"/>
       </p:transition>
     </mc:Choice>
     <mc:Fallback xmlns="">
-      <p:transition spd="slow" advTm="5000">
+      <p:transition spd="slow" advTm="4000">
         <p:fade/>
       </p:transition>
     </mc:Fallback>
@@ -11349,7 +11673,7 @@
 </p:sld>
 </file>
 
-<file path=ppt/slides/slide12.xml><?xml version="1.0" encoding="utf-8"?>
+<file path=ppt/slides/slide13.xml><?xml version="1.0" encoding="utf-8"?>
 <p:sld xmlns:a="http://schemas.openxmlformats.org/drawingml/2006/main" xmlns:r="http://schemas.openxmlformats.org/officeDocument/2006/relationships" xmlns:p="http://schemas.openxmlformats.org/presentationml/2006/main">
   <p:cSld>
     <p:spTree>
@@ -12072,7 +12396,7 @@
 </p:sld>
 </file>
 
-<file path=ppt/slides/slide13.xml><?xml version="1.0" encoding="utf-8"?>
+<file path=ppt/slides/slide14.xml><?xml version="1.0" encoding="utf-8"?>
 <p:sld xmlns:a="http://schemas.openxmlformats.org/drawingml/2006/main" xmlns:r="http://schemas.openxmlformats.org/officeDocument/2006/relationships" xmlns:p="http://schemas.openxmlformats.org/presentationml/2006/main">
   <p:cSld>
     <p:spTree>
@@ -12357,12 +12681,12 @@
   </p:clrMapOvr>
   <mc:AlternateContent xmlns:mc="http://schemas.openxmlformats.org/markup-compatibility/2006" xmlns:p159="http://schemas.microsoft.com/office/powerpoint/2015/09/main">
     <mc:Choice Requires="p159">
-      <p:transition xmlns:p14="http://schemas.microsoft.com/office/powerpoint/2010/main" spd="slow" p14:dur="2000" advTm="5000">
+      <p:transition xmlns:p14="http://schemas.microsoft.com/office/powerpoint/2010/main" spd="slow" p14:dur="2000" advTm="6000">
         <p159:morph option="byObject"/>
       </p:transition>
     </mc:Choice>
     <mc:Fallback xmlns="">
-      <p:transition spd="slow" advTm="5000">
+      <p:transition spd="slow" advTm="6000">
         <p:fade/>
       </p:transition>
     </mc:Fallback>
@@ -12370,7 +12694,7 @@
 </p:sld>
 </file>
 
-<file path=ppt/slides/slide14.xml><?xml version="1.0" encoding="utf-8"?>
+<file path=ppt/slides/slide15.xml><?xml version="1.0" encoding="utf-8"?>
 <p:sld xmlns:a="http://schemas.openxmlformats.org/drawingml/2006/main" xmlns:r="http://schemas.openxmlformats.org/officeDocument/2006/relationships" xmlns:p="http://schemas.openxmlformats.org/presentationml/2006/main">
   <p:cSld>
     <p:spTree>
@@ -12779,12 +13103,12 @@
   </p:clrMapOvr>
   <mc:AlternateContent xmlns:mc="http://schemas.openxmlformats.org/markup-compatibility/2006" xmlns:p159="http://schemas.microsoft.com/office/powerpoint/2015/09/main">
     <mc:Choice Requires="p159">
-      <p:transition xmlns:p14="http://schemas.microsoft.com/office/powerpoint/2010/main" spd="slow" p14:dur="2000" advTm="5000">
+      <p:transition xmlns:p14="http://schemas.microsoft.com/office/powerpoint/2010/main" spd="slow" p14:dur="2000" advTm="3000">
         <p159:morph option="byObject"/>
       </p:transition>
     </mc:Choice>
     <mc:Fallback xmlns="">
-      <p:transition spd="slow" advTm="5000">
+      <p:transition spd="slow" advTm="3000">
         <p:fade/>
       </p:transition>
     </mc:Fallback>
@@ -12792,7 +13116,7 @@
 </p:sld>
 </file>
 
-<file path=ppt/slides/slide15.xml><?xml version="1.0" encoding="utf-8"?>
+<file path=ppt/slides/slide16.xml><?xml version="1.0" encoding="utf-8"?>
 <p:sld xmlns:a="http://schemas.openxmlformats.org/drawingml/2006/main" xmlns:r="http://schemas.openxmlformats.org/officeDocument/2006/relationships" xmlns:p="http://schemas.openxmlformats.org/presentationml/2006/main">
   <p:cSld>
     <p:spTree>
@@ -13063,12 +13387,12 @@
   </p:clrMapOvr>
   <mc:AlternateContent xmlns:mc="http://schemas.openxmlformats.org/markup-compatibility/2006" xmlns:p159="http://schemas.microsoft.com/office/powerpoint/2015/09/main">
     <mc:Choice Requires="p159">
-      <p:transition xmlns:p14="http://schemas.microsoft.com/office/powerpoint/2010/main" spd="slow" p14:dur="2000" advTm="5000">
+      <p:transition xmlns:p14="http://schemas.microsoft.com/office/powerpoint/2010/main" spd="slow" p14:dur="2000" advTm="4000">
         <p159:morph option="byObject"/>
       </p:transition>
     </mc:Choice>
     <mc:Fallback xmlns="">
-      <p:transition spd="slow" advTm="5000">
+      <p:transition spd="slow" advTm="4000">
         <p:fade/>
       </p:transition>
     </mc:Fallback>
@@ -13076,7 +13400,7 @@
 </p:sld>
 </file>
 
-<file path=ppt/slides/slide16.xml><?xml version="1.0" encoding="utf-8"?>
+<file path=ppt/slides/slide17.xml><?xml version="1.0" encoding="utf-8"?>
 <p:sld xmlns:a="http://schemas.openxmlformats.org/drawingml/2006/main" xmlns:r="http://schemas.openxmlformats.org/officeDocument/2006/relationships" xmlns:p="http://schemas.openxmlformats.org/presentationml/2006/main">
   <p:cSld>
     <p:spTree>
@@ -13107,10 +13431,10 @@
         </p:nvGrpSpPr>
         <p:grpSpPr>
           <a:xfrm>
-            <a:off x="1137541" y="2240280"/>
-            <a:ext cx="10125926" cy="2377440"/>
-            <a:chOff x="1332410" y="2433320"/>
-            <a:chExt cx="10125926" cy="2377440"/>
+            <a:off x="1137541" y="2240279"/>
+            <a:ext cx="9561669" cy="2904927"/>
+            <a:chOff x="1332410" y="2433319"/>
+            <a:chExt cx="9561669" cy="2904927"/>
           </a:xfrm>
         </p:grpSpPr>
         <p:sp>
@@ -13175,7 +13499,7 @@
           <p:spPr>
             <a:xfrm>
               <a:off x="5451563" y="2652544"/>
-              <a:ext cx="6006773" cy="1938992"/>
+              <a:ext cx="5442516" cy="2554545"/>
             </a:xfrm>
             <a:prstGeom prst="rect">
               <a:avLst/>
@@ -13296,33 +13620,64 @@
                   <a:effectLst/>
                   <a:latin typeface="Consolas" panose="020B0609020204030204" pitchFamily="49" charset="0"/>
                 </a:rPr>
-                <a:t> is valid"</a:t>
-              </a:r>
-              <a:r>
-                <a:rPr lang="en-US" sz="2000" b="0" i="0" dirty="0">
-                  <a:solidFill>
-                    <a:schemeClr val="accent1"/>
-                  </a:solidFill>
-                  <a:effectLst/>
-                  <a:latin typeface="Consolas" panose="020B0609020204030204" pitchFamily="49" charset="0"/>
-                </a:rPr>
-                <a:t>) </a:t>
+                <a:t> is valid</a:t>
               </a:r>
             </a:p>
             <a:p>
               <a:r>
                 <a:rPr lang="en-US" sz="2000" b="0" i="0" dirty="0">
                   <a:solidFill>
+                    <a:schemeClr val="accent2"/>
+                  </a:solidFill>
+                  <a:effectLst/>
+                  <a:latin typeface="Consolas" panose="020B0609020204030204" pitchFamily="49" charset="0"/>
+                </a:rPr>
+                <a:t>	</a:t>
+              </a:r>
+              <a:r>
+                <a:rPr lang="en-US" sz="2000" dirty="0">
+                  <a:solidFill>
+                    <a:schemeClr val="accent2"/>
+                  </a:solidFill>
+                  <a:latin typeface="Consolas" panose="020B0609020204030204" pitchFamily="49" charset="0"/>
+                </a:rPr>
+                <a:t>according to Schema</a:t>
+              </a:r>
+              <a:r>
+                <a:rPr lang="en-US" sz="2000" b="0" i="0" dirty="0">
+                  <a:solidFill>
+                    <a:schemeClr val="accent2"/>
+                  </a:solidFill>
+                  <a:effectLst/>
+                  <a:latin typeface="Consolas" panose="020B0609020204030204" pitchFamily="49" charset="0"/>
+                </a:rPr>
+                <a:t>"</a:t>
+              </a:r>
+              <a:r>
+                <a:rPr lang="en-US" sz="2000" b="0" i="0" dirty="0">
+                  <a:solidFill>
                     <a:schemeClr val="accent1"/>
                   </a:solidFill>
                   <a:effectLst/>
                   <a:latin typeface="Consolas" panose="020B0609020204030204" pitchFamily="49" charset="0"/>
                 </a:rPr>
-                <a:t>} else{ </a:t>
+                <a:t>) </a:t>
               </a:r>
             </a:p>
             <a:p>
               <a:r>
+                <a:rPr lang="en-US" sz="2000" b="0" i="0" dirty="0">
+                  <a:solidFill>
+                    <a:schemeClr val="accent1"/>
+                  </a:solidFill>
+                  <a:effectLst/>
+                  <a:latin typeface="Consolas" panose="020B0609020204030204" pitchFamily="49" charset="0"/>
+                </a:rPr>
+                <a:t>} else{ </a:t>
+              </a:r>
+            </a:p>
+            <a:p>
+              <a:r>
                 <a:rPr lang="en-US" sz="2000" dirty="0">
                   <a:solidFill>
                     <a:schemeClr val="accent1"/>
@@ -13362,14 +13717,14 @@
                 <a:t>"JSON </a:t>
               </a:r>
               <a:r>
-                <a:rPr lang="tr-TR" sz="2000" b="0" i="0" dirty="0">
+                <a:rPr lang="tr-TR" sz="2000" b="0" i="0" dirty="0" err="1">
                   <a:solidFill>
                     <a:schemeClr val="accent2"/>
                   </a:solidFill>
                   <a:effectLst/>
                   <a:latin typeface="Consolas" panose="020B0609020204030204" pitchFamily="49" charset="0"/>
                 </a:rPr>
-                <a:t>Schema</a:t>
+                <a:t>input</a:t>
               </a:r>
               <a:r>
                 <a:rPr lang="en-US" sz="2000" b="0" i="0" dirty="0">
@@ -13379,7 +13734,28 @@
                   <a:effectLst/>
                   <a:latin typeface="Consolas" panose="020B0609020204030204" pitchFamily="49" charset="0"/>
                 </a:rPr>
-                <a:t> is invalid"</a:t>
+                <a:t> is invalid</a:t>
+              </a:r>
+            </a:p>
+            <a:p>
+              <a:r>
+                <a:rPr lang="en-US" sz="2000" dirty="0">
+                  <a:solidFill>
+                    <a:schemeClr val="accent2"/>
+                  </a:solidFill>
+                  <a:latin typeface="Consolas" panose="020B0609020204030204" pitchFamily="49" charset="0"/>
+                </a:rPr>
+                <a:t>	according to Schema</a:t>
+              </a:r>
+              <a:r>
+                <a:rPr lang="en-US" sz="2000" b="0" i="0" dirty="0">
+                  <a:solidFill>
+                    <a:schemeClr val="accent2"/>
+                  </a:solidFill>
+                  <a:effectLst/>
+                  <a:latin typeface="Consolas" panose="020B0609020204030204" pitchFamily="49" charset="0"/>
+                </a:rPr>
+                <a:t>"</a:t>
               </a:r>
               <a:r>
                 <a:rPr lang="en-US" sz="2000" b="0" i="0" dirty="0">
@@ -13487,8 +13863,8 @@
           </p:nvSpPr>
           <p:spPr>
             <a:xfrm>
-              <a:off x="5048793" y="2433320"/>
-              <a:ext cx="304800" cy="2377440"/>
+              <a:off x="4950824" y="2433319"/>
+              <a:ext cx="402769" cy="2904927"/>
             </a:xfrm>
             <a:prstGeom prst="leftBracket">
               <a:avLst>
@@ -13536,14 +13912,14 @@
   <p:clrMapOvr>
     <a:masterClrMapping/>
   </p:clrMapOvr>
-  <mc:AlternateContent xmlns:mc="http://schemas.openxmlformats.org/markup-compatibility/2006" xmlns:p159="http://schemas.microsoft.com/office/powerpoint/2015/09/main">
-    <mc:Choice Requires="p159">
-      <p:transition xmlns:p14="http://schemas.microsoft.com/office/powerpoint/2010/main" spd="slow" p14:dur="2000" advTm="5000">
+  <mc:AlternateContent xmlns:mc="http://schemas.openxmlformats.org/markup-compatibility/2006">
+    <mc:Choice xmlns:p159="http://schemas.microsoft.com/office/powerpoint/2015/09/main" Requires="p159">
+      <p:transition xmlns:p14="http://schemas.microsoft.com/office/powerpoint/2010/main" spd="slow" p14:dur="2000" advTm="15500">
         <p159:morph option="byObject"/>
       </p:transition>
     </mc:Choice>
-    <mc:Fallback xmlns="">
-      <p:transition spd="slow" advTm="5000">
+    <mc:Fallback>
+      <p:transition spd="slow" advTm="15500">
         <p:fade/>
       </p:transition>
     </mc:Fallback>
@@ -13551,7 +13927,7 @@
 </p:sld>
 </file>
 
-<file path=ppt/slides/slide17.xml><?xml version="1.0" encoding="utf-8"?>
+<file path=ppt/slides/slide18.xml><?xml version="1.0" encoding="utf-8"?>
 <p:sld xmlns:a="http://schemas.openxmlformats.org/drawingml/2006/main" xmlns:r="http://schemas.openxmlformats.org/officeDocument/2006/relationships" xmlns:p="http://schemas.openxmlformats.org/presentationml/2006/main" show="0">
   <p:cSld>
     <p:spTree>
@@ -16416,7 +16792,7 @@
 </p:sld>
 </file>
 
-<file path=ppt/slides/slide18.xml><?xml version="1.0" encoding="utf-8"?>
+<file path=ppt/slides/slide19.xml><?xml version="1.0" encoding="utf-8"?>
 <p:sld xmlns:a="http://schemas.openxmlformats.org/drawingml/2006/main" xmlns:r="http://schemas.openxmlformats.org/officeDocument/2006/relationships" xmlns:p="http://schemas.openxmlformats.org/presentationml/2006/main">
   <p:cSld>
     <p:spTree>
@@ -16447,8 +16823,8 @@
         </p:nvSpPr>
         <p:spPr>
           <a:xfrm>
-            <a:off x="1863574" y="904852"/>
-            <a:ext cx="5715057" cy="4455066"/>
+            <a:off x="1883306" y="823462"/>
+            <a:ext cx="5715057" cy="4401205"/>
           </a:xfrm>
           <a:prstGeom prst="rect">
             <a:avLst/>
@@ -16462,7 +16838,7 @@
           <a:lstStyle/>
           <a:p>
             <a:r>
-              <a:rPr lang="en-US" sz="1050" b="0" i="0" dirty="0">
+              <a:rPr lang="en-US" sz="1000" b="0" i="0" dirty="0">
                 <a:solidFill>
                   <a:schemeClr val="accent1">
                     <a:lumMod val="60000"/>
@@ -16475,7 +16851,7 @@
               <a:t>const</a:t>
             </a:r>
             <a:r>
-              <a:rPr lang="en-US" sz="1050" b="0" i="0" dirty="0">
+              <a:rPr lang="en-US" sz="1000" b="0" i="0" dirty="0">
                 <a:solidFill>
                   <a:srgbClr val="37352F"/>
                 </a:solidFill>
@@ -16485,7 +16861,7 @@
               <a:t> </a:t>
             </a:r>
             <a:r>
-              <a:rPr lang="en-US" sz="1050" b="0" i="0" dirty="0" err="1">
+              <a:rPr lang="en-US" sz="1000" b="0" i="0" dirty="0" err="1">
                 <a:solidFill>
                   <a:schemeClr val="tx2"/>
                 </a:solidFill>
@@ -16495,7 +16871,7 @@
               <a:t>Ajv</a:t>
             </a:r>
             <a:r>
-              <a:rPr lang="en-US" sz="1050" b="0" i="0" dirty="0">
+              <a:rPr lang="en-US" sz="1000" b="0" i="0" dirty="0">
                 <a:solidFill>
                   <a:srgbClr val="37352F"/>
                 </a:solidFill>
@@ -16505,7 +16881,7 @@
               <a:t> </a:t>
             </a:r>
             <a:r>
-              <a:rPr lang="en-US" sz="1050" b="0" i="0" dirty="0">
+              <a:rPr lang="en-US" sz="1000" b="0" i="0" dirty="0">
                 <a:solidFill>
                   <a:srgbClr val="9A6E3A"/>
                 </a:solidFill>
@@ -16515,7 +16891,7 @@
               <a:t>=</a:t>
             </a:r>
             <a:r>
-              <a:rPr lang="en-US" sz="1050" b="0" i="0" dirty="0">
+              <a:rPr lang="en-US" sz="1000" b="0" i="0" dirty="0">
                 <a:solidFill>
                   <a:srgbClr val="37352F"/>
                 </a:solidFill>
@@ -16525,7 +16901,7 @@
               <a:t> </a:t>
             </a:r>
             <a:r>
-              <a:rPr lang="en-US" sz="1050" b="0" i="0" dirty="0">
+              <a:rPr lang="en-US" sz="1000" b="0" i="0" dirty="0">
                 <a:solidFill>
                   <a:schemeClr val="accent5"/>
                 </a:solidFill>
@@ -16535,7 +16911,7 @@
               <a:t>require</a:t>
             </a:r>
             <a:r>
-              <a:rPr lang="en-US" sz="1050" b="0" i="0" dirty="0">
+              <a:rPr lang="en-US" sz="1000" b="0" i="0" dirty="0">
                 <a:solidFill>
                   <a:schemeClr val="accent1"/>
                 </a:solidFill>
@@ -16545,7 +16921,7 @@
               <a:t>(</a:t>
             </a:r>
             <a:r>
-              <a:rPr lang="en-US" sz="1050" b="0" i="0" dirty="0">
+              <a:rPr lang="en-US" sz="1000" b="0" i="0" dirty="0">
                 <a:solidFill>
                   <a:schemeClr val="accent2"/>
                 </a:solidFill>
@@ -16555,7 +16931,7 @@
               <a:t>"</a:t>
             </a:r>
             <a:r>
-              <a:rPr lang="en-US" sz="1050" b="0" i="0" dirty="0" err="1">
+              <a:rPr lang="en-US" sz="1000" b="0" i="0" dirty="0" err="1">
                 <a:solidFill>
                   <a:schemeClr val="accent2"/>
                 </a:solidFill>
@@ -16565,7 +16941,7 @@
               <a:t>ajv</a:t>
             </a:r>
             <a:r>
-              <a:rPr lang="en-US" sz="1050" b="0" i="0" dirty="0">
+              <a:rPr lang="en-US" sz="1000" b="0" i="0" dirty="0">
                 <a:solidFill>
                   <a:schemeClr val="accent2"/>
                 </a:solidFill>
@@ -16575,7 +16951,7 @@
               <a:t>"</a:t>
             </a:r>
             <a:r>
-              <a:rPr lang="en-US" sz="1050" b="0" i="0" dirty="0">
+              <a:rPr lang="en-US" sz="1000" b="0" i="0" dirty="0">
                 <a:solidFill>
                   <a:schemeClr val="accent1"/>
                 </a:solidFill>
@@ -16585,7 +16961,7 @@
               <a:t>)</a:t>
             </a:r>
             <a:r>
-              <a:rPr lang="en-US" sz="1050" b="0" i="0" dirty="0">
+              <a:rPr lang="en-US" sz="1000" b="0" i="0" dirty="0">
                 <a:solidFill>
                   <a:srgbClr val="37352F"/>
                 </a:solidFill>
@@ -16597,7 +16973,7 @@
           </a:p>
           <a:p>
             <a:r>
-              <a:rPr lang="en-US" sz="1050" b="0" i="0" dirty="0">
+              <a:rPr lang="en-US" sz="1000" b="0" i="0" dirty="0">
                 <a:solidFill>
                   <a:schemeClr val="accent1">
                     <a:lumMod val="60000"/>
@@ -16610,7 +16986,7 @@
               <a:t>const</a:t>
             </a:r>
             <a:r>
-              <a:rPr lang="en-US" sz="1050" b="0" i="0" dirty="0">
+              <a:rPr lang="en-US" sz="1000" b="0" i="0" dirty="0">
                 <a:solidFill>
                   <a:srgbClr val="37352F"/>
                 </a:solidFill>
@@ -16620,7 +16996,7 @@
               <a:t> </a:t>
             </a:r>
             <a:r>
-              <a:rPr lang="en-US" sz="1050" b="0" i="0" dirty="0" err="1">
+              <a:rPr lang="en-US" sz="1000" b="0" i="0" dirty="0" err="1">
                 <a:solidFill>
                   <a:schemeClr val="tx2"/>
                 </a:solidFill>
@@ -16630,7 +17006,7 @@
               <a:t>ajv</a:t>
             </a:r>
             <a:r>
-              <a:rPr lang="en-US" sz="1050" b="0" i="0" dirty="0">
+              <a:rPr lang="en-US" sz="1000" b="0" i="0" dirty="0">
                 <a:solidFill>
                   <a:srgbClr val="37352F"/>
                 </a:solidFill>
@@ -16640,7 +17016,7 @@
               <a:t> </a:t>
             </a:r>
             <a:r>
-              <a:rPr lang="en-US" sz="1050" b="0" i="0" dirty="0">
+              <a:rPr lang="en-US" sz="1000" b="0" i="0" dirty="0">
                 <a:solidFill>
                   <a:srgbClr val="9A6E3A"/>
                 </a:solidFill>
@@ -16650,7 +17026,7 @@
               <a:t>=</a:t>
             </a:r>
             <a:r>
-              <a:rPr lang="en-US" sz="1050" b="0" i="0" dirty="0">
+              <a:rPr lang="en-US" sz="1000" b="0" i="0" dirty="0">
                 <a:solidFill>
                   <a:srgbClr val="37352F"/>
                 </a:solidFill>
@@ -16660,7 +17036,7 @@
               <a:t> </a:t>
             </a:r>
             <a:r>
-              <a:rPr lang="en-US" sz="1050" b="0" i="0" dirty="0">
+              <a:rPr lang="en-US" sz="1000" b="0" i="0" dirty="0">
                 <a:solidFill>
                   <a:schemeClr val="accent1">
                     <a:lumMod val="60000"/>
@@ -16673,7 +17049,7 @@
               <a:t>new</a:t>
             </a:r>
             <a:r>
-              <a:rPr lang="en-US" sz="1050" b="0" i="0" dirty="0">
+              <a:rPr lang="en-US" sz="1000" b="0" i="0" dirty="0">
                 <a:solidFill>
                   <a:srgbClr val="37352F"/>
                 </a:solidFill>
@@ -16683,7 +17059,7 @@
               <a:t> </a:t>
             </a:r>
             <a:r>
-              <a:rPr lang="en-US" sz="1050" b="0" i="0" dirty="0" err="1">
+              <a:rPr lang="en-US" sz="1000" b="0" i="0" dirty="0" err="1">
                 <a:solidFill>
                   <a:schemeClr val="accent1"/>
                 </a:solidFill>
@@ -16693,7 +17069,7 @@
               <a:t>Ajv</a:t>
             </a:r>
             <a:r>
-              <a:rPr lang="en-US" sz="1050" b="0" i="0" dirty="0">
+              <a:rPr lang="en-US" sz="1000" b="0" i="0" dirty="0">
                 <a:solidFill>
                   <a:schemeClr val="accent1"/>
                 </a:solidFill>
@@ -16704,7 +17080,7 @@
             </a:r>
           </a:p>
           <a:p>
-            <a:endParaRPr lang="en-US" sz="1050" b="0" i="0" dirty="0">
+            <a:endParaRPr lang="en-US" sz="1000" b="0" i="0" dirty="0">
               <a:solidFill>
                 <a:srgbClr val="37352F"/>
               </a:solidFill>
@@ -16714,7 +17090,7 @@
           </a:p>
           <a:p>
             <a:r>
-              <a:rPr lang="en-US" sz="1050" b="0" i="0" dirty="0">
+              <a:rPr lang="en-US" sz="1000" b="0" i="0" dirty="0">
                 <a:solidFill>
                   <a:schemeClr val="accent1">
                     <a:lumMod val="60000"/>
@@ -16727,7 +17103,7 @@
               <a:t>const</a:t>
             </a:r>
             <a:r>
-              <a:rPr lang="en-US" sz="1050" b="0" i="0" dirty="0">
+              <a:rPr lang="en-US" sz="1000" b="0" i="0" dirty="0">
                 <a:solidFill>
                   <a:srgbClr val="37352F"/>
                 </a:solidFill>
@@ -16737,7 +17113,7 @@
               <a:t> </a:t>
             </a:r>
             <a:r>
-              <a:rPr lang="en-US" sz="1050" b="0" i="0" dirty="0">
+              <a:rPr lang="en-US" sz="1000" b="0" i="0" dirty="0">
                 <a:solidFill>
                   <a:schemeClr val="tx2"/>
                 </a:solidFill>
@@ -16747,7 +17123,7 @@
               <a:t>schema</a:t>
             </a:r>
             <a:r>
-              <a:rPr lang="en-US" sz="1050" b="0" i="0" dirty="0">
+              <a:rPr lang="en-US" sz="1000" b="0" i="0" dirty="0">
                 <a:solidFill>
                   <a:srgbClr val="37352F"/>
                 </a:solidFill>
@@ -16757,7 +17133,7 @@
               <a:t> </a:t>
             </a:r>
             <a:r>
-              <a:rPr lang="en-US" sz="1050" b="0" i="0" dirty="0">
+              <a:rPr lang="en-US" sz="1000" b="0" i="0" dirty="0">
                 <a:solidFill>
                   <a:srgbClr val="9A6E3A"/>
                 </a:solidFill>
@@ -16767,7 +17143,7 @@
               <a:t>=</a:t>
             </a:r>
             <a:r>
-              <a:rPr lang="en-US" sz="1050" b="0" i="0" dirty="0">
+              <a:rPr lang="en-US" sz="1000" b="0" i="0" dirty="0">
                 <a:solidFill>
                   <a:srgbClr val="37352F"/>
                 </a:solidFill>
@@ -16777,7 +17153,7 @@
               <a:t> </a:t>
             </a:r>
             <a:r>
-              <a:rPr lang="en-US" sz="1050" b="0" i="0" dirty="0">
+              <a:rPr lang="en-US" sz="1000" b="0" i="0" dirty="0">
                 <a:solidFill>
                   <a:schemeClr val="accent1"/>
                 </a:solidFill>
@@ -16789,7 +17165,7 @@
           </a:p>
           <a:p>
             <a:r>
-              <a:rPr lang="en-US" sz="1050" dirty="0">
+              <a:rPr lang="en-US" sz="1000" dirty="0">
                 <a:solidFill>
                   <a:schemeClr val="accent1"/>
                 </a:solidFill>
@@ -16798,7 +17174,7 @@
               <a:t>	</a:t>
             </a:r>
             <a:r>
-              <a:rPr lang="en-US" sz="1050" b="0" i="0" dirty="0">
+              <a:rPr lang="en-US" sz="1000" b="0" i="0" dirty="0">
                 <a:solidFill>
                   <a:schemeClr val="accent5"/>
                 </a:solidFill>
@@ -16808,7 +17184,7 @@
               <a:t>type</a:t>
             </a:r>
             <a:r>
-              <a:rPr lang="en-US" sz="1050" b="0" i="0" dirty="0">
+              <a:rPr lang="en-US" sz="1000" b="0" i="0" dirty="0">
                 <a:solidFill>
                   <a:schemeClr val="accent1"/>
                 </a:solidFill>
@@ -16818,7 +17194,7 @@
               <a:t>: </a:t>
             </a:r>
             <a:r>
-              <a:rPr lang="en-US" sz="1050" b="0" i="0" dirty="0">
+              <a:rPr lang="en-US" sz="1000" b="0" i="0" dirty="0">
                 <a:solidFill>
                   <a:schemeClr val="accent2"/>
                 </a:solidFill>
@@ -16828,7 +17204,7 @@
               <a:t>"object"</a:t>
             </a:r>
             <a:r>
-              <a:rPr lang="en-US" sz="1050" b="0" i="0" dirty="0">
+              <a:rPr lang="en-US" sz="1000" b="0" i="0" dirty="0">
                 <a:solidFill>
                   <a:schemeClr val="accent1"/>
                 </a:solidFill>
@@ -16840,7 +17216,7 @@
           </a:p>
           <a:p>
             <a:r>
-              <a:rPr lang="en-US" sz="1050" dirty="0">
+              <a:rPr lang="en-US" sz="1000" dirty="0">
                 <a:solidFill>
                   <a:schemeClr val="accent1"/>
                 </a:solidFill>
@@ -16849,7 +17225,7 @@
               <a:t>	</a:t>
             </a:r>
             <a:r>
-              <a:rPr lang="en-US" sz="1050" b="0" i="0" dirty="0">
+              <a:rPr lang="en-US" sz="1000" b="0" i="0" dirty="0">
                 <a:solidFill>
                   <a:schemeClr val="accent5"/>
                 </a:solidFill>
@@ -16859,7 +17235,7 @@
               <a:t>properties</a:t>
             </a:r>
             <a:r>
-              <a:rPr lang="en-US" sz="1050" b="0" i="0" dirty="0">
+              <a:rPr lang="en-US" sz="1000" b="0" i="0" dirty="0">
                 <a:solidFill>
                   <a:schemeClr val="accent1"/>
                 </a:solidFill>
@@ -16871,7 +17247,7 @@
           </a:p>
           <a:p>
             <a:r>
-              <a:rPr lang="en-US" sz="1050" dirty="0">
+              <a:rPr lang="en-US" sz="1000" dirty="0">
                 <a:solidFill>
                   <a:schemeClr val="accent1"/>
                 </a:solidFill>
@@ -16880,7 +17256,7 @@
               <a:t>		</a:t>
             </a:r>
             <a:r>
-              <a:rPr lang="en-US" sz="1050" b="0" i="0" dirty="0">
+              <a:rPr lang="en-US" sz="1000" b="0" i="0" dirty="0">
                 <a:solidFill>
                   <a:schemeClr val="accent2">
                     <a:lumMod val="75000"/>
@@ -16892,7 +17268,7 @@
               <a:t>temperature</a:t>
             </a:r>
             <a:r>
-              <a:rPr lang="en-US" sz="1050" b="0" i="0" dirty="0">
+              <a:rPr lang="en-US" sz="1000" b="0" i="0" dirty="0">
                 <a:solidFill>
                   <a:schemeClr val="accent1"/>
                 </a:solidFill>
@@ -16902,7 +17278,7 @@
               <a:t>: {</a:t>
             </a:r>
             <a:r>
-              <a:rPr lang="en-US" sz="1050" b="0" i="0" dirty="0">
+              <a:rPr lang="en-US" sz="1000" b="0" i="0" dirty="0">
                 <a:solidFill>
                   <a:schemeClr val="accent5"/>
                 </a:solidFill>
@@ -16912,7 +17288,7 @@
               <a:t>type</a:t>
             </a:r>
             <a:r>
-              <a:rPr lang="en-US" sz="1050" b="0" i="0" dirty="0">
+              <a:rPr lang="en-US" sz="1000" b="0" i="0" dirty="0">
                 <a:solidFill>
                   <a:schemeClr val="accent1"/>
                 </a:solidFill>
@@ -16922,7 +17298,7 @@
               <a:t>: </a:t>
             </a:r>
             <a:r>
-              <a:rPr lang="en-US" sz="1050" b="0" i="0" dirty="0">
+              <a:rPr lang="en-US" sz="1000" b="0" i="0" dirty="0">
                 <a:solidFill>
                   <a:schemeClr val="accent2"/>
                 </a:solidFill>
@@ -16932,7 +17308,7 @@
               <a:t>"number"</a:t>
             </a:r>
             <a:r>
-              <a:rPr lang="en-US" sz="1050" b="0" i="0" dirty="0">
+              <a:rPr lang="en-US" sz="1000" b="0" i="0" dirty="0">
                 <a:solidFill>
                   <a:schemeClr val="accent1"/>
                 </a:solidFill>
@@ -16944,7 +17320,7 @@
           </a:p>
           <a:p>
             <a:r>
-              <a:rPr lang="en-US" sz="1050" dirty="0">
+              <a:rPr lang="en-US" sz="1000" dirty="0">
                 <a:solidFill>
                   <a:schemeClr val="accent1"/>
                 </a:solidFill>
@@ -16953,7 +17329,7 @@
               <a:t>		</a:t>
             </a:r>
             <a:r>
-              <a:rPr lang="en-US" sz="1050" b="0" i="0" dirty="0">
+              <a:rPr lang="en-US" sz="1000" b="0" i="0" dirty="0">
                 <a:solidFill>
                   <a:schemeClr val="accent2">
                     <a:lumMod val="75000"/>
@@ -16965,7 +17341,7 @@
               <a:t>unit</a:t>
             </a:r>
             <a:r>
-              <a:rPr lang="en-US" sz="1050" b="0" i="0" dirty="0">
+              <a:rPr lang="en-US" sz="1000" b="0" i="0" dirty="0">
                 <a:solidFill>
                   <a:schemeClr val="accent1"/>
                 </a:solidFill>
@@ -16975,7 +17351,7 @@
               <a:t>: {</a:t>
             </a:r>
             <a:r>
-              <a:rPr lang="en-US" sz="1050" b="0" i="0" dirty="0">
+              <a:rPr lang="en-US" sz="1000" b="0" i="0" dirty="0">
                 <a:solidFill>
                   <a:schemeClr val="accent5"/>
                 </a:solidFill>
@@ -16985,7 +17361,7 @@
               <a:t>type</a:t>
             </a:r>
             <a:r>
-              <a:rPr lang="en-US" sz="1050" b="0" i="0" dirty="0">
+              <a:rPr lang="en-US" sz="1000" b="0" i="0" dirty="0">
                 <a:solidFill>
                   <a:schemeClr val="accent1"/>
                 </a:solidFill>
@@ -16995,7 +17371,7 @@
               <a:t>:</a:t>
             </a:r>
             <a:r>
-              <a:rPr lang="en-US" sz="1050" b="0" i="0" dirty="0">
+              <a:rPr lang="en-US" sz="1000" b="0" i="0" dirty="0">
                 <a:solidFill>
                   <a:schemeClr val="accent2"/>
                 </a:solidFill>
@@ -17005,7 +17381,7 @@
               <a:t> "string"</a:t>
             </a:r>
             <a:r>
-              <a:rPr lang="en-US" sz="1050" b="0" i="0" dirty="0">
+              <a:rPr lang="en-US" sz="1000" b="0" i="0" dirty="0">
                 <a:solidFill>
                   <a:schemeClr val="accent1"/>
                 </a:solidFill>
@@ -17017,7 +17393,7 @@
           </a:p>
           <a:p>
             <a:r>
-              <a:rPr lang="en-US" sz="1050" dirty="0">
+              <a:rPr lang="en-US" sz="1000" dirty="0">
                 <a:solidFill>
                   <a:schemeClr val="accent1"/>
                 </a:solidFill>
@@ -17026,7 +17402,7 @@
               <a:t>		</a:t>
             </a:r>
             <a:r>
-              <a:rPr lang="en-US" sz="1050" b="0" i="0" dirty="0">
+              <a:rPr lang="en-US" sz="1000" b="0" i="0" dirty="0">
                 <a:solidFill>
                   <a:schemeClr val="accent2">
                     <a:lumMod val="75000"/>
@@ -17038,7 +17414,7 @@
               <a:t>temp</a:t>
             </a:r>
             <a:r>
-              <a:rPr lang="tr-TR" sz="1050" b="0" i="0" dirty="0">
+              <a:rPr lang="tr-TR" sz="1000" b="0" i="0" dirty="0">
                 <a:solidFill>
                   <a:schemeClr val="accent2">
                     <a:lumMod val="75000"/>
@@ -17050,7 +17426,7 @@
               <a:t>e</a:t>
             </a:r>
             <a:r>
-              <a:rPr lang="en-US" sz="1050" b="0" i="0" dirty="0" err="1">
+              <a:rPr lang="en-US" sz="1000" b="0" i="0" dirty="0" err="1">
                 <a:solidFill>
                   <a:schemeClr val="accent2">
                     <a:lumMod val="75000"/>
@@ -17062,7 +17438,7 @@
               <a:t>ratureOf</a:t>
             </a:r>
             <a:r>
-              <a:rPr lang="en-US" sz="1050" b="0" i="0" dirty="0">
+              <a:rPr lang="en-US" sz="1000" b="0" i="0" dirty="0">
                 <a:solidFill>
                   <a:schemeClr val="accent1"/>
                 </a:solidFill>
@@ -17072,7 +17448,7 @@
               <a:t>: {</a:t>
             </a:r>
             <a:r>
-              <a:rPr lang="en-US" sz="1050" b="0" i="0" dirty="0">
+              <a:rPr lang="en-US" sz="1000" b="0" i="0" dirty="0">
                 <a:solidFill>
                   <a:schemeClr val="accent5"/>
                 </a:solidFill>
@@ -17082,7 +17458,7 @@
               <a:t>type</a:t>
             </a:r>
             <a:r>
-              <a:rPr lang="en-US" sz="1050" b="0" i="0" dirty="0">
+              <a:rPr lang="en-US" sz="1000" b="0" i="0" dirty="0">
                 <a:solidFill>
                   <a:schemeClr val="accent1"/>
                 </a:solidFill>
@@ -17092,7 +17468,7 @@
               <a:t>: </a:t>
             </a:r>
             <a:r>
-              <a:rPr lang="en-US" sz="1050" b="0" i="0" dirty="0">
+              <a:rPr lang="en-US" sz="1000" b="0" i="0" dirty="0">
                 <a:solidFill>
                   <a:schemeClr val="accent2"/>
                 </a:solidFill>
@@ -17102,7 +17478,7 @@
               <a:t>"string"</a:t>
             </a:r>
             <a:r>
-              <a:rPr lang="en-US" sz="1050" b="0" i="0" dirty="0">
+              <a:rPr lang="en-US" sz="1000" b="0" i="0" dirty="0">
                 <a:solidFill>
                   <a:schemeClr val="accent1"/>
                 </a:solidFill>
@@ -17114,7 +17490,7 @@
           </a:p>
           <a:p>
             <a:r>
-              <a:rPr lang="en-US" sz="1050" b="0" i="0" dirty="0">
+              <a:rPr lang="en-US" sz="1000" b="0" i="0" dirty="0">
                 <a:solidFill>
                   <a:schemeClr val="accent1"/>
                 </a:solidFill>
@@ -17126,7 +17502,7 @@
           </a:p>
           <a:p>
             <a:r>
-              <a:rPr lang="en-US" sz="1050" dirty="0">
+              <a:rPr lang="en-US" sz="1000" dirty="0">
                 <a:solidFill>
                   <a:schemeClr val="accent1"/>
                 </a:solidFill>
@@ -17135,7 +17511,7 @@
               <a:t>	</a:t>
             </a:r>
             <a:r>
-              <a:rPr lang="en-US" sz="1050" b="0" i="0" dirty="0">
+              <a:rPr lang="en-US" sz="1000" b="0" i="0" dirty="0">
                 <a:solidFill>
                   <a:schemeClr val="accent5"/>
                 </a:solidFill>
@@ -17145,7 +17521,7 @@
               <a:t>required</a:t>
             </a:r>
             <a:r>
-              <a:rPr lang="en-US" sz="1050" b="0" i="0" dirty="0">
+              <a:rPr lang="en-US" sz="1000" b="0" i="0" dirty="0">
                 <a:solidFill>
                   <a:schemeClr val="accent1"/>
                 </a:solidFill>
@@ -17155,7 +17531,7 @@
               <a:t>:  [</a:t>
             </a:r>
             <a:r>
-              <a:rPr lang="en-US" sz="1050" b="0" i="0" dirty="0">
+              <a:rPr lang="en-US" sz="1000" b="0" i="0" dirty="0">
                 <a:solidFill>
                   <a:schemeClr val="accent2"/>
                 </a:solidFill>
@@ -17165,7 +17541,7 @@
               <a:t>"temperature"</a:t>
             </a:r>
             <a:r>
-              <a:rPr lang="en-US" sz="1050" b="0" i="0" dirty="0">
+              <a:rPr lang="en-US" sz="1000" b="0" i="0" dirty="0">
                 <a:solidFill>
                   <a:schemeClr val="accent1"/>
                 </a:solidFill>
@@ -17175,7 +17551,7 @@
               <a:t>, </a:t>
             </a:r>
             <a:r>
-              <a:rPr lang="en-US" sz="1050" b="0" i="0" dirty="0">
+              <a:rPr lang="en-US" sz="1000" b="0" i="0" dirty="0">
                 <a:solidFill>
                   <a:schemeClr val="accent2"/>
                 </a:solidFill>
@@ -17185,7 +17561,7 @@
               <a:t>"unit"</a:t>
             </a:r>
             <a:r>
-              <a:rPr lang="en-US" sz="1050" b="0" i="0" dirty="0">
+              <a:rPr lang="en-US" sz="1000" b="0" i="0" dirty="0">
                 <a:solidFill>
                   <a:schemeClr val="accent1"/>
                 </a:solidFill>
@@ -17197,7 +17573,7 @@
           </a:p>
           <a:p>
             <a:r>
-              <a:rPr lang="en-US" sz="1050" dirty="0">
+              <a:rPr lang="en-US" sz="1000" dirty="0">
                 <a:solidFill>
                   <a:schemeClr val="accent1"/>
                 </a:solidFill>
@@ -17206,7 +17582,7 @@
               <a:t>	</a:t>
             </a:r>
             <a:r>
-              <a:rPr lang="en-US" sz="1050" b="0" i="0" dirty="0" err="1">
+              <a:rPr lang="en-US" sz="1000" b="0" i="0" dirty="0" err="1">
                 <a:solidFill>
                   <a:schemeClr val="accent5"/>
                 </a:solidFill>
@@ -17216,7 +17592,7 @@
               <a:t>additionalProperties</a:t>
             </a:r>
             <a:r>
-              <a:rPr lang="en-US" sz="1050" b="0" i="0" dirty="0">
+              <a:rPr lang="en-US" sz="1000" b="0" i="0" dirty="0">
                 <a:solidFill>
                   <a:schemeClr val="accent1"/>
                 </a:solidFill>
@@ -17228,7 +17604,7 @@
           </a:p>
           <a:p>
             <a:r>
-              <a:rPr lang="en-US" sz="1050" b="0" i="0" dirty="0">
+              <a:rPr lang="en-US" sz="1000" b="0" i="0" dirty="0">
                 <a:solidFill>
                   <a:schemeClr val="accent1"/>
                 </a:solidFill>
@@ -17237,7 +17613,7 @@
               </a:rPr>
               <a:t>}</a:t>
             </a:r>
-            <a:endParaRPr lang="en-US" sz="1050" dirty="0">
+            <a:endParaRPr lang="en-US" sz="1000" dirty="0">
               <a:solidFill>
                 <a:schemeClr val="accent1"/>
               </a:solidFill>
@@ -17246,7 +17622,7 @@
           </a:p>
           <a:p>
             <a:r>
-              <a:rPr lang="en-US" sz="1050" b="0" i="0" dirty="0">
+              <a:rPr lang="en-US" sz="1000" b="0" i="0" dirty="0">
                 <a:solidFill>
                   <a:schemeClr val="accent1">
                     <a:lumMod val="60000"/>
@@ -17259,7 +17635,7 @@
               <a:t>const</a:t>
             </a:r>
             <a:r>
-              <a:rPr lang="en-US" sz="1050" b="0" i="0" dirty="0">
+              <a:rPr lang="en-US" sz="1000" b="0" i="0" dirty="0">
                 <a:solidFill>
                   <a:schemeClr val="accent1"/>
                 </a:solidFill>
@@ -17269,7 +17645,7 @@
               <a:t> </a:t>
             </a:r>
             <a:r>
-              <a:rPr lang="en-US" sz="1050" b="0" i="0" dirty="0">
+              <a:rPr lang="en-US" sz="1000" b="0" i="0" dirty="0">
                 <a:solidFill>
                   <a:schemeClr val="tx2"/>
                 </a:solidFill>
@@ -17279,7 +17655,7 @@
               <a:t>validate</a:t>
             </a:r>
             <a:r>
-              <a:rPr lang="en-US" sz="1050" b="0" i="0" dirty="0">
+              <a:rPr lang="en-US" sz="1000" b="0" i="0" dirty="0">
                 <a:solidFill>
                   <a:schemeClr val="accent1"/>
                 </a:solidFill>
@@ -17289,7 +17665,7 @@
               <a:t> = </a:t>
             </a:r>
             <a:r>
-              <a:rPr lang="en-US" sz="1050" b="0" i="0" dirty="0" err="1">
+              <a:rPr lang="en-US" sz="1000" b="0" i="0" dirty="0" err="1">
                 <a:solidFill>
                   <a:schemeClr val="tx2"/>
                 </a:solidFill>
@@ -17299,7 +17675,7 @@
               <a:t>ajv</a:t>
             </a:r>
             <a:r>
-              <a:rPr lang="en-US" sz="1050" b="0" i="0" dirty="0" err="1">
+              <a:rPr lang="en-US" sz="1000" b="0" i="0" dirty="0" err="1">
                 <a:solidFill>
                   <a:schemeClr val="accent1"/>
                 </a:solidFill>
@@ -17309,7 +17685,7 @@
               <a:t>.compile</a:t>
             </a:r>
             <a:r>
-              <a:rPr lang="en-US" sz="1050" b="0" i="0" dirty="0">
+              <a:rPr lang="en-US" sz="1000" b="0" i="0" dirty="0">
                 <a:solidFill>
                   <a:schemeClr val="accent1"/>
                 </a:solidFill>
@@ -17319,7 +17695,7 @@
               <a:t>(</a:t>
             </a:r>
             <a:r>
-              <a:rPr lang="en-US" sz="1050" b="0" i="0" dirty="0">
+              <a:rPr lang="en-US" sz="1000" b="0" i="0" dirty="0">
                 <a:solidFill>
                   <a:schemeClr val="tx2"/>
                 </a:solidFill>
@@ -17329,7 +17705,7 @@
               <a:t>schema</a:t>
             </a:r>
             <a:r>
-              <a:rPr lang="en-US" sz="1050" b="0" i="0" dirty="0">
+              <a:rPr lang="en-US" sz="1000" b="0" i="0" dirty="0">
                 <a:solidFill>
                   <a:schemeClr val="accent1"/>
                 </a:solidFill>
@@ -17341,7 +17717,7 @@
           </a:p>
           <a:p>
             <a:r>
-              <a:rPr lang="en-US" sz="1050" b="0" i="0" dirty="0">
+              <a:rPr lang="en-US" sz="1000" b="0" i="0" dirty="0">
                 <a:solidFill>
                   <a:schemeClr val="accent1">
                     <a:lumMod val="60000"/>
@@ -17354,7 +17730,7 @@
               <a:t>const</a:t>
             </a:r>
             <a:r>
-              <a:rPr lang="en-US" sz="1050" b="0" i="0" dirty="0">
+              <a:rPr lang="en-US" sz="1000" b="0" i="0" dirty="0">
                 <a:solidFill>
                   <a:schemeClr val="accent1"/>
                 </a:solidFill>
@@ -17364,7 +17740,7 @@
               <a:t> </a:t>
             </a:r>
             <a:r>
-              <a:rPr lang="en-US" sz="1050" b="0" i="0" dirty="0">
+              <a:rPr lang="en-US" sz="1000" b="0" i="0" dirty="0">
                 <a:solidFill>
                   <a:schemeClr val="tx2"/>
                 </a:solidFill>
@@ -17374,7 +17750,7 @@
               <a:t>data</a:t>
             </a:r>
             <a:r>
-              <a:rPr lang="en-US" sz="1050" b="0" i="0" dirty="0">
+              <a:rPr lang="en-US" sz="1000" b="0" i="0" dirty="0">
                 <a:solidFill>
                   <a:schemeClr val="accent1"/>
                 </a:solidFill>
@@ -17386,7 +17762,7 @@
           </a:p>
           <a:p>
             <a:r>
-              <a:rPr lang="en-US" sz="1050" dirty="0">
+              <a:rPr lang="en-US" sz="1000" dirty="0">
                 <a:solidFill>
                   <a:schemeClr val="accent1"/>
                 </a:solidFill>
@@ -17395,7 +17771,7 @@
               <a:t>	</a:t>
             </a:r>
             <a:r>
-              <a:rPr lang="en-US" sz="1050" b="0" i="0" dirty="0">
+              <a:rPr lang="en-US" sz="1000" b="0" i="0" dirty="0">
                 <a:solidFill>
                   <a:schemeClr val="accent2">
                     <a:lumMod val="75000"/>
@@ -17407,7 +17783,7 @@
               <a:t>temperature</a:t>
             </a:r>
             <a:r>
-              <a:rPr lang="en-US" sz="1050" b="0" i="0" dirty="0">
+              <a:rPr lang="en-US" sz="1000" b="0" i="0" dirty="0">
                 <a:solidFill>
                   <a:schemeClr val="accent1"/>
                 </a:solidFill>
@@ -17417,7 +17793,7 @@
               <a:t>: </a:t>
             </a:r>
             <a:r>
-              <a:rPr lang="en-US" sz="1050" b="0" i="0" dirty="0">
+              <a:rPr lang="en-US" sz="1000" b="0" i="0" dirty="0">
                 <a:solidFill>
                   <a:schemeClr val="accent6"/>
                 </a:solidFill>
@@ -17427,7 +17803,7 @@
               <a:t>15.7</a:t>
             </a:r>
             <a:r>
-              <a:rPr lang="en-US" sz="1050" b="0" i="0" dirty="0">
+              <a:rPr lang="en-US" sz="1000" b="0" i="0" dirty="0">
                 <a:solidFill>
                   <a:schemeClr val="accent1"/>
                 </a:solidFill>
@@ -17439,7 +17815,7 @@
           </a:p>
           <a:p>
             <a:r>
-              <a:rPr lang="en-US" sz="1050" dirty="0">
+              <a:rPr lang="en-US" sz="1000" dirty="0">
                 <a:solidFill>
                   <a:schemeClr val="accent1"/>
                 </a:solidFill>
@@ -17448,7 +17824,7 @@
               <a:t>	</a:t>
             </a:r>
             <a:r>
-              <a:rPr lang="en-US" sz="1050" b="0" i="0" dirty="0">
+              <a:rPr lang="en-US" sz="1000" b="0" i="0" dirty="0">
                 <a:solidFill>
                   <a:schemeClr val="accent2">
                     <a:lumMod val="75000"/>
@@ -17460,7 +17836,7 @@
               <a:t>unit</a:t>
             </a:r>
             <a:r>
-              <a:rPr lang="en-US" sz="1050" b="0" i="0" dirty="0">
+              <a:rPr lang="en-US" sz="1000" b="0" i="0" dirty="0">
                 <a:solidFill>
                   <a:schemeClr val="accent1"/>
                 </a:solidFill>
@@ -17470,7 +17846,7 @@
               <a:t>: </a:t>
             </a:r>
             <a:r>
-              <a:rPr lang="en-US" sz="1050" b="0" i="0" dirty="0">
+              <a:rPr lang="en-US" sz="1000" b="0" i="0" dirty="0">
                 <a:solidFill>
                   <a:schemeClr val="accent2"/>
                 </a:solidFill>
@@ -17480,7 +17856,7 @@
               <a:t>"Celsius"</a:t>
             </a:r>
             <a:r>
-              <a:rPr lang="en-US" sz="1050" b="0" i="0" dirty="0">
+              <a:rPr lang="en-US" sz="1000" b="0" i="0" dirty="0">
                 <a:solidFill>
                   <a:schemeClr val="accent1"/>
                 </a:solidFill>
@@ -17492,7 +17868,7 @@
           </a:p>
           <a:p>
             <a:r>
-              <a:rPr lang="en-US" sz="1050" dirty="0">
+              <a:rPr lang="en-US" sz="1000" dirty="0">
                 <a:solidFill>
                   <a:schemeClr val="accent1"/>
                 </a:solidFill>
@@ -17501,7 +17877,7 @@
               <a:t>	</a:t>
             </a:r>
             <a:r>
-              <a:rPr lang="en-US" sz="1050" b="0" i="0" dirty="0">
+              <a:rPr lang="en-US" sz="1000" b="0" i="0" dirty="0">
                 <a:solidFill>
                   <a:schemeClr val="accent2">
                     <a:lumMod val="75000"/>
@@ -17513,7 +17889,7 @@
               <a:t>temp</a:t>
             </a:r>
             <a:r>
-              <a:rPr lang="tr-TR" sz="1050" b="0" i="0" dirty="0">
+              <a:rPr lang="tr-TR" sz="1000" b="0" i="0" dirty="0">
                 <a:solidFill>
                   <a:schemeClr val="accent2">
                     <a:lumMod val="75000"/>
@@ -17525,7 +17901,7 @@
               <a:t>e</a:t>
             </a:r>
             <a:r>
-              <a:rPr lang="en-US" sz="1050" b="0" i="0" dirty="0" err="1">
+              <a:rPr lang="en-US" sz="1000" b="0" i="0" dirty="0" err="1">
                 <a:solidFill>
                   <a:schemeClr val="accent2">
                     <a:lumMod val="75000"/>
@@ -17537,7 +17913,7 @@
               <a:t>ratureOf</a:t>
             </a:r>
             <a:r>
-              <a:rPr lang="en-US" sz="1050" b="0" i="0" dirty="0">
+              <a:rPr lang="en-US" sz="1000" b="0" i="0" dirty="0">
                 <a:solidFill>
                   <a:schemeClr val="accent1"/>
                 </a:solidFill>
@@ -17547,7 +17923,7 @@
               <a:t>: </a:t>
             </a:r>
             <a:r>
-              <a:rPr lang="en-US" sz="1050" b="0" i="0" dirty="0">
+              <a:rPr lang="en-US" sz="1000" b="0" i="0" dirty="0">
                 <a:solidFill>
                   <a:schemeClr val="accent2"/>
                 </a:solidFill>
@@ -17559,7 +17935,7 @@
           </a:p>
           <a:p>
             <a:r>
-              <a:rPr lang="en-US" sz="1050" b="0" i="0" dirty="0">
+              <a:rPr lang="en-US" sz="1000" b="0" i="0" dirty="0">
                 <a:solidFill>
                   <a:schemeClr val="accent1"/>
                 </a:solidFill>
@@ -17571,7 +17947,7 @@
           </a:p>
           <a:p>
             <a:r>
-              <a:rPr lang="en-US" sz="1050" b="0" i="0" dirty="0">
+              <a:rPr lang="en-US" sz="1000" b="0" i="0" dirty="0">
                 <a:solidFill>
                   <a:schemeClr val="accent1">
                     <a:lumMod val="60000"/>
@@ -17584,7 +17960,7 @@
               <a:t>const</a:t>
             </a:r>
             <a:r>
-              <a:rPr lang="en-US" sz="1050" b="0" i="0" dirty="0">
+              <a:rPr lang="en-US" sz="1000" b="0" i="0" dirty="0">
                 <a:solidFill>
                   <a:schemeClr val="accent1"/>
                 </a:solidFill>
@@ -17594,7 +17970,7 @@
               <a:t> </a:t>
             </a:r>
             <a:r>
-              <a:rPr lang="en-US" sz="1050" dirty="0" err="1">
+              <a:rPr lang="en-US" sz="1000" dirty="0" err="1">
                 <a:solidFill>
                   <a:schemeClr val="tx2"/>
                 </a:solidFill>
@@ -17603,7 +17979,7 @@
               <a:t>isV</a:t>
             </a:r>
             <a:r>
-              <a:rPr lang="en-US" sz="1050" b="0" i="0" dirty="0" err="1">
+              <a:rPr lang="en-US" sz="1000" b="0" i="0" dirty="0" err="1">
                 <a:solidFill>
                   <a:schemeClr val="tx2"/>
                 </a:solidFill>
@@ -17613,7 +17989,7 @@
               <a:t>alid</a:t>
             </a:r>
             <a:r>
-              <a:rPr lang="en-US" sz="1050" b="0" i="0" dirty="0">
+              <a:rPr lang="en-US" sz="1000" b="0" i="0" dirty="0">
                 <a:solidFill>
                   <a:schemeClr val="accent1"/>
                 </a:solidFill>
@@ -17623,7 +17999,7 @@
               <a:t> = </a:t>
             </a:r>
             <a:r>
-              <a:rPr lang="en-US" sz="1050" b="0" i="0" dirty="0">
+              <a:rPr lang="en-US" sz="1000" b="0" i="0" dirty="0">
                 <a:solidFill>
                   <a:schemeClr val="accent5"/>
                 </a:solidFill>
@@ -17633,7 +18009,7 @@
               <a:t>validate</a:t>
             </a:r>
             <a:r>
-              <a:rPr lang="en-US" sz="1050" b="0" i="0" dirty="0">
+              <a:rPr lang="en-US" sz="1000" b="0" i="0" dirty="0">
                 <a:solidFill>
                   <a:schemeClr val="accent1"/>
                 </a:solidFill>
@@ -17643,7 +18019,7 @@
               <a:t>(</a:t>
             </a:r>
             <a:r>
-              <a:rPr lang="en-US" sz="1050" b="0" i="0" dirty="0">
+              <a:rPr lang="en-US" sz="1000" b="0" i="0" dirty="0">
                 <a:solidFill>
                   <a:schemeClr val="tx2"/>
                 </a:solidFill>
@@ -17653,7 +18029,7 @@
               <a:t>data</a:t>
             </a:r>
             <a:r>
-              <a:rPr lang="en-US" sz="1050" b="0" i="0" dirty="0">
+              <a:rPr lang="en-US" sz="1000" b="0" i="0" dirty="0">
                 <a:solidFill>
                   <a:schemeClr val="accent1"/>
                 </a:solidFill>
@@ -17665,7 +18041,7 @@
           </a:p>
           <a:p>
             <a:r>
-              <a:rPr lang="en-US" sz="1050" b="0" i="0" dirty="0">
+              <a:rPr lang="en-US" sz="1000" b="0" i="0" dirty="0">
                 <a:solidFill>
                   <a:schemeClr val="accent1"/>
                 </a:solidFill>
@@ -17675,7 +18051,7 @@
               <a:t>if (</a:t>
             </a:r>
             <a:r>
-              <a:rPr lang="en-US" sz="1050" dirty="0" err="1">
+              <a:rPr lang="en-US" sz="1000" dirty="0" err="1">
                 <a:solidFill>
                   <a:schemeClr val="tx2"/>
                 </a:solidFill>
@@ -17684,7 +18060,7 @@
               <a:t>isV</a:t>
             </a:r>
             <a:r>
-              <a:rPr lang="en-US" sz="1050" b="0" i="0" dirty="0" err="1">
+              <a:rPr lang="en-US" sz="1000" b="0" i="0" dirty="0" err="1">
                 <a:solidFill>
                   <a:schemeClr val="tx2"/>
                 </a:solidFill>
@@ -17694,7 +18070,7 @@
               <a:t>alid</a:t>
             </a:r>
             <a:r>
-              <a:rPr lang="en-US" sz="1050" b="0" i="0" dirty="0">
+              <a:rPr lang="en-US" sz="1000" b="0" i="0" dirty="0">
                 <a:solidFill>
                   <a:schemeClr val="accent1"/>
                 </a:solidFill>
@@ -17706,7 +18082,7 @@
           </a:p>
           <a:p>
             <a:r>
-              <a:rPr lang="en-US" sz="1050" dirty="0">
+              <a:rPr lang="en-US" sz="1000" dirty="0">
                 <a:solidFill>
                   <a:schemeClr val="accent1"/>
                 </a:solidFill>
@@ -17715,7 +18091,7 @@
               <a:t>	</a:t>
             </a:r>
             <a:r>
-              <a:rPr lang="en-US" sz="1050" b="0" i="0" dirty="0">
+              <a:rPr lang="en-US" sz="1000" b="0" i="0" dirty="0" err="1">
                 <a:solidFill>
                   <a:schemeClr val="accent5"/>
                 </a:solidFill>
@@ -17725,172 +18101,284 @@
               <a:t>console</a:t>
             </a:r>
             <a:r>
-              <a:rPr lang="en-US" sz="1050" b="0" i="0" dirty="0">
+              <a:rPr lang="en-US" sz="1000" b="0" i="0" dirty="0" err="1">
                 <a:solidFill>
                   <a:schemeClr val="accent1"/>
                 </a:solidFill>
                 <a:effectLst/>
                 <a:latin typeface="Consolas" panose="020B0609020204030204" pitchFamily="49" charset="0"/>
               </a:rPr>
+              <a:t>.log</a:t>
+            </a:r>
+            <a:r>
+              <a:rPr lang="en-US" sz="1000" b="0" i="0" dirty="0">
+                <a:solidFill>
+                  <a:schemeClr val="accent1"/>
+                </a:solidFill>
+                <a:effectLst/>
+                <a:latin typeface="Consolas" panose="020B0609020204030204" pitchFamily="49" charset="0"/>
+              </a:rPr>
+              <a:t>(</a:t>
+            </a:r>
+            <a:r>
+              <a:rPr lang="en-US" sz="1000" b="0" i="0" dirty="0">
+                <a:solidFill>
+                  <a:schemeClr val="accent2"/>
+                </a:solidFill>
+                <a:effectLst/>
+                <a:latin typeface="Consolas" panose="020B0609020204030204" pitchFamily="49" charset="0"/>
+              </a:rPr>
+              <a:t>" JSON </a:t>
+            </a:r>
+            <a:r>
+              <a:rPr lang="tr-TR" sz="1000" b="0" i="0" dirty="0" err="1">
+                <a:solidFill>
+                  <a:schemeClr val="accent2"/>
+                </a:solidFill>
+                <a:effectLst/>
+                <a:latin typeface="Consolas" panose="020B0609020204030204" pitchFamily="49" charset="0"/>
+              </a:rPr>
+              <a:t>input</a:t>
+            </a:r>
+            <a:r>
+              <a:rPr lang="en-US" sz="1000" b="0" i="0" dirty="0">
+                <a:solidFill>
+                  <a:schemeClr val="accent2"/>
+                </a:solidFill>
+                <a:effectLst/>
+                <a:latin typeface="Consolas" panose="020B0609020204030204" pitchFamily="49" charset="0"/>
+              </a:rPr>
+              <a:t> is valid</a:t>
+            </a:r>
+          </a:p>
+          <a:p>
+            <a:r>
+              <a:rPr lang="en-US" sz="1000" b="0" i="0" dirty="0">
+                <a:solidFill>
+                  <a:schemeClr val="accent2"/>
+                </a:solidFill>
+                <a:effectLst/>
+                <a:latin typeface="Consolas" panose="020B0609020204030204" pitchFamily="49" charset="0"/>
+              </a:rPr>
+              <a:t>	</a:t>
+            </a:r>
+            <a:r>
+              <a:rPr lang="en-US" sz="1000" dirty="0">
+                <a:solidFill>
+                  <a:schemeClr val="accent2"/>
+                </a:solidFill>
+                <a:latin typeface="Consolas" panose="020B0609020204030204" pitchFamily="49" charset="0"/>
+              </a:rPr>
+              <a:t>according to Schema </a:t>
+            </a:r>
+            <a:r>
+              <a:rPr lang="en-US" sz="1000" b="0" i="0" dirty="0">
+                <a:solidFill>
+                  <a:schemeClr val="accent2"/>
+                </a:solidFill>
+                <a:effectLst/>
+                <a:latin typeface="Consolas" panose="020B0609020204030204" pitchFamily="49" charset="0"/>
+              </a:rPr>
+              <a:t>"</a:t>
+            </a:r>
+            <a:r>
+              <a:rPr lang="en-US" sz="1000" b="0" i="0" dirty="0">
+                <a:solidFill>
+                  <a:schemeClr val="accent1"/>
+                </a:solidFill>
+                <a:effectLst/>
+                <a:latin typeface="Consolas" panose="020B0609020204030204" pitchFamily="49" charset="0"/>
+              </a:rPr>
+              <a:t>) </a:t>
+            </a:r>
+          </a:p>
+          <a:p>
+            <a:r>
+              <a:rPr lang="en-US" sz="1000" b="0" i="0" dirty="0">
+                <a:solidFill>
+                  <a:schemeClr val="accent1"/>
+                </a:solidFill>
+                <a:effectLst/>
+                <a:latin typeface="Consolas" panose="020B0609020204030204" pitchFamily="49" charset="0"/>
+              </a:rPr>
+              <a:t>} else{ </a:t>
+            </a:r>
+          </a:p>
+          <a:p>
+            <a:r>
+              <a:rPr lang="en-US" sz="1000" dirty="0">
+                <a:solidFill>
+                  <a:schemeClr val="accent1"/>
+                </a:solidFill>
+                <a:latin typeface="Consolas" panose="020B0609020204030204" pitchFamily="49" charset="0"/>
+              </a:rPr>
+              <a:t>	</a:t>
+            </a:r>
+            <a:r>
+              <a:rPr lang="en-US" sz="1000" b="0" i="0" dirty="0" err="1">
+                <a:solidFill>
+                  <a:schemeClr val="accent5"/>
+                </a:solidFill>
+                <a:effectLst/>
+                <a:latin typeface="Consolas" panose="020B0609020204030204" pitchFamily="49" charset="0"/>
+              </a:rPr>
+              <a:t>console</a:t>
+            </a:r>
+            <a:r>
+              <a:rPr lang="en-US" sz="1000" b="0" i="0" dirty="0" err="1">
+                <a:solidFill>
+                  <a:schemeClr val="accent1"/>
+                </a:solidFill>
+                <a:effectLst/>
+                <a:latin typeface="Consolas" panose="020B0609020204030204" pitchFamily="49" charset="0"/>
+              </a:rPr>
+              <a:t>.log</a:t>
+            </a:r>
+            <a:r>
+              <a:rPr lang="en-US" sz="1000" b="0" i="0" dirty="0">
+                <a:solidFill>
+                  <a:schemeClr val="accent1"/>
+                </a:solidFill>
+                <a:effectLst/>
+                <a:latin typeface="Consolas" panose="020B0609020204030204" pitchFamily="49" charset="0"/>
+              </a:rPr>
+              <a:t>(</a:t>
+            </a:r>
+            <a:r>
+              <a:rPr lang="en-US" sz="1000" b="0" i="0" dirty="0">
+                <a:solidFill>
+                  <a:schemeClr val="accent2"/>
+                </a:solidFill>
+                <a:effectLst/>
+                <a:latin typeface="Consolas" panose="020B0609020204030204" pitchFamily="49" charset="0"/>
+              </a:rPr>
+              <a:t>" JSON </a:t>
+            </a:r>
+            <a:r>
+              <a:rPr lang="tr-TR" sz="1000" b="0" i="0" dirty="0" err="1">
+                <a:solidFill>
+                  <a:schemeClr val="accent2"/>
+                </a:solidFill>
+                <a:effectLst/>
+                <a:latin typeface="Consolas" panose="020B0609020204030204" pitchFamily="49" charset="0"/>
+              </a:rPr>
+              <a:t>input</a:t>
+            </a:r>
+            <a:r>
+              <a:rPr lang="en-US" sz="1000" b="0" i="0" dirty="0">
+                <a:solidFill>
+                  <a:schemeClr val="accent2"/>
+                </a:solidFill>
+                <a:effectLst/>
+                <a:latin typeface="Consolas" panose="020B0609020204030204" pitchFamily="49" charset="0"/>
+              </a:rPr>
+              <a:t> is invalid</a:t>
+            </a:r>
+          </a:p>
+          <a:p>
+            <a:r>
+              <a:rPr lang="en-US" sz="1000" dirty="0">
+                <a:solidFill>
+                  <a:schemeClr val="accent2"/>
+                </a:solidFill>
+                <a:latin typeface="Consolas" panose="020B0609020204030204" pitchFamily="49" charset="0"/>
+              </a:rPr>
+              <a:t>	according to Schema </a:t>
+            </a:r>
+            <a:r>
+              <a:rPr lang="en-US" sz="1000" b="0" i="0" dirty="0">
+                <a:solidFill>
+                  <a:schemeClr val="accent2"/>
+                </a:solidFill>
+                <a:effectLst/>
+                <a:latin typeface="Consolas" panose="020B0609020204030204" pitchFamily="49" charset="0"/>
+              </a:rPr>
+              <a:t>"</a:t>
+            </a:r>
+            <a:r>
+              <a:rPr lang="en-US" sz="1000" b="0" i="0" dirty="0">
+                <a:solidFill>
+                  <a:schemeClr val="accent1"/>
+                </a:solidFill>
+                <a:effectLst/>
+                <a:latin typeface="Consolas" panose="020B0609020204030204" pitchFamily="49" charset="0"/>
+              </a:rPr>
+              <a:t>) </a:t>
+            </a:r>
+          </a:p>
+          <a:p>
+            <a:r>
+              <a:rPr lang="en-US" sz="1000" dirty="0">
+                <a:solidFill>
+                  <a:schemeClr val="accent1"/>
+                </a:solidFill>
+                <a:latin typeface="Consolas" panose="020B0609020204030204" pitchFamily="49" charset="0"/>
+              </a:rPr>
+              <a:t>	</a:t>
+            </a:r>
+            <a:r>
+              <a:rPr lang="en-US" sz="1000" b="0" i="0" dirty="0">
+                <a:solidFill>
+                  <a:schemeClr val="accent5"/>
+                </a:solidFill>
+                <a:effectLst/>
+                <a:latin typeface="Consolas" panose="020B0609020204030204" pitchFamily="49" charset="0"/>
+              </a:rPr>
+              <a:t>console</a:t>
+            </a:r>
+            <a:r>
+              <a:rPr lang="en-US" sz="1000" b="0" i="0" dirty="0">
+                <a:solidFill>
+                  <a:schemeClr val="accent1"/>
+                </a:solidFill>
+                <a:effectLst/>
+                <a:latin typeface="Consolas" panose="020B0609020204030204" pitchFamily="49" charset="0"/>
+              </a:rPr>
               <a:t>.log(</a:t>
             </a:r>
             <a:r>
-              <a:rPr lang="en-US" sz="1050" b="0" i="0" dirty="0">
-                <a:solidFill>
-                  <a:schemeClr val="accent2"/>
-                </a:solidFill>
-                <a:effectLst/>
-                <a:latin typeface="Consolas" panose="020B0609020204030204" pitchFamily="49" charset="0"/>
-              </a:rPr>
-              <a:t>"JSON SCHEMA is valid"</a:t>
-            </a:r>
-            <a:r>
-              <a:rPr lang="en-US" sz="1050" b="0" i="0" dirty="0">
+              <a:rPr lang="en-US" sz="1000" b="0" i="0" dirty="0" err="1">
+                <a:solidFill>
+                  <a:schemeClr val="accent5"/>
+                </a:solidFill>
+                <a:effectLst/>
+                <a:latin typeface="Consolas" panose="020B0609020204030204" pitchFamily="49" charset="0"/>
+              </a:rPr>
+              <a:t>validate</a:t>
+            </a:r>
+            <a:r>
+              <a:rPr lang="en-US" sz="1000" b="0" i="0" dirty="0" err="1">
                 <a:solidFill>
                   <a:schemeClr val="accent1"/>
                 </a:solidFill>
                 <a:effectLst/>
                 <a:latin typeface="Consolas" panose="020B0609020204030204" pitchFamily="49" charset="0"/>
               </a:rPr>
+              <a:t>.errors</a:t>
+            </a:r>
+            <a:r>
+              <a:rPr lang="en-US" sz="1000" b="0" i="0" dirty="0">
+                <a:solidFill>
+                  <a:schemeClr val="accent1"/>
+                </a:solidFill>
+                <a:effectLst/>
+                <a:latin typeface="Consolas" panose="020B0609020204030204" pitchFamily="49" charset="0"/>
+              </a:rPr>
               <a:t>) </a:t>
             </a:r>
           </a:p>
           <a:p>
             <a:r>
-              <a:rPr lang="en-US" sz="1050" b="0" i="0" dirty="0">
+              <a:rPr lang="en-US" sz="1000" b="0" i="0" dirty="0">
                 <a:solidFill>
                   <a:schemeClr val="accent1"/>
                 </a:solidFill>
                 <a:effectLst/>
                 <a:latin typeface="Consolas" panose="020B0609020204030204" pitchFamily="49" charset="0"/>
               </a:rPr>
-              <a:t>} else{ </a:t>
-            </a:r>
-          </a:p>
-          <a:p>
-            <a:r>
-              <a:rPr lang="en-US" sz="1050" dirty="0">
-                <a:solidFill>
-                  <a:schemeClr val="accent1"/>
-                </a:solidFill>
-                <a:latin typeface="Consolas" panose="020B0609020204030204" pitchFamily="49" charset="0"/>
-              </a:rPr>
-              <a:t>	</a:t>
-            </a:r>
-            <a:r>
-              <a:rPr lang="en-US" sz="1050" b="0" i="0" dirty="0">
-                <a:solidFill>
-                  <a:schemeClr val="accent5"/>
-                </a:solidFill>
-                <a:effectLst/>
-                <a:latin typeface="Consolas" panose="020B0609020204030204" pitchFamily="49" charset="0"/>
-              </a:rPr>
-              <a:t>console</a:t>
-            </a:r>
-            <a:r>
-              <a:rPr lang="en-US" sz="1050" b="0" i="0" dirty="0">
-                <a:solidFill>
-                  <a:schemeClr val="accent1"/>
-                </a:solidFill>
-                <a:effectLst/>
-                <a:latin typeface="Consolas" panose="020B0609020204030204" pitchFamily="49" charset="0"/>
-              </a:rPr>
-              <a:t>.log(</a:t>
-            </a:r>
-            <a:r>
-              <a:rPr lang="en-US" sz="1050" b="0" i="0" dirty="0">
-                <a:solidFill>
-                  <a:schemeClr val="accent2"/>
-                </a:solidFill>
-                <a:effectLst/>
-                <a:latin typeface="Consolas" panose="020B0609020204030204" pitchFamily="49" charset="0"/>
-              </a:rPr>
-              <a:t>"JSON SCHEMA is invalid"</a:t>
-            </a:r>
-            <a:r>
-              <a:rPr lang="en-US" sz="1050" b="0" i="0" dirty="0">
-                <a:solidFill>
-                  <a:schemeClr val="accent1"/>
-                </a:solidFill>
-                <a:effectLst/>
-                <a:latin typeface="Consolas" panose="020B0609020204030204" pitchFamily="49" charset="0"/>
-              </a:rPr>
-              <a:t>) </a:t>
-            </a:r>
-          </a:p>
-          <a:p>
-            <a:r>
-              <a:rPr lang="en-US" sz="1050" dirty="0">
-                <a:solidFill>
-                  <a:schemeClr val="accent1"/>
-                </a:solidFill>
-                <a:latin typeface="Consolas" panose="020B0609020204030204" pitchFamily="49" charset="0"/>
-              </a:rPr>
-              <a:t>	</a:t>
-            </a:r>
-            <a:r>
-              <a:rPr lang="en-US" sz="1050" b="0" i="0" dirty="0">
-                <a:solidFill>
-                  <a:schemeClr val="accent5"/>
-                </a:solidFill>
-                <a:effectLst/>
-                <a:latin typeface="Consolas" panose="020B0609020204030204" pitchFamily="49" charset="0"/>
-              </a:rPr>
-              <a:t>console</a:t>
-            </a:r>
-            <a:r>
-              <a:rPr lang="en-US" sz="1050" b="0" i="0" dirty="0">
-                <a:solidFill>
-                  <a:schemeClr val="accent1"/>
-                </a:solidFill>
-                <a:effectLst/>
-                <a:latin typeface="Consolas" panose="020B0609020204030204" pitchFamily="49" charset="0"/>
-              </a:rPr>
-              <a:t>.log(</a:t>
-            </a:r>
-            <a:r>
-              <a:rPr lang="en-US" sz="1050" b="0" i="0" dirty="0" err="1">
-                <a:solidFill>
-                  <a:schemeClr val="accent5"/>
-                </a:solidFill>
-                <a:effectLst/>
-                <a:latin typeface="Consolas" panose="020B0609020204030204" pitchFamily="49" charset="0"/>
-              </a:rPr>
-              <a:t>validate</a:t>
-            </a:r>
-            <a:r>
-              <a:rPr lang="en-US" sz="1050" b="0" i="0" dirty="0" err="1">
-                <a:solidFill>
-                  <a:schemeClr val="accent1"/>
-                </a:solidFill>
-                <a:effectLst/>
-                <a:latin typeface="Consolas" panose="020B0609020204030204" pitchFamily="49" charset="0"/>
-              </a:rPr>
-              <a:t>.errors</a:t>
-            </a:r>
-            <a:r>
-              <a:rPr lang="en-US" sz="1050" b="0" i="0" dirty="0">
-                <a:solidFill>
-                  <a:schemeClr val="accent1"/>
-                </a:solidFill>
-                <a:effectLst/>
-                <a:latin typeface="Consolas" panose="020B0609020204030204" pitchFamily="49" charset="0"/>
-              </a:rPr>
-              <a:t>) </a:t>
-            </a:r>
-          </a:p>
-          <a:p>
-            <a:r>
-              <a:rPr lang="en-US" sz="1050" b="0" i="0" dirty="0">
-                <a:solidFill>
-                  <a:schemeClr val="accent1"/>
-                </a:solidFill>
-                <a:effectLst/>
-                <a:latin typeface="Consolas" panose="020B0609020204030204" pitchFamily="49" charset="0"/>
-              </a:rPr>
               <a:t>}</a:t>
             </a:r>
-            <a:endParaRPr lang="en-US" sz="1050" dirty="0">
+            <a:endParaRPr lang="en-US" sz="1000" dirty="0">
               <a:solidFill>
                 <a:schemeClr val="accent1"/>
               </a:solidFill>
@@ -18357,7 +18845,7 @@
         <p:spPr>
           <a:xfrm>
             <a:off x="6730330" y="3967514"/>
-            <a:ext cx="2653290" cy="338554"/>
+            <a:ext cx="2765501" cy="584775"/>
           </a:xfrm>
           <a:prstGeom prst="rect">
             <a:avLst/>
@@ -18378,27 +18866,64 @@
                 <a:effectLst/>
                 <a:latin typeface="Consolas" panose="020B0609020204030204" pitchFamily="49" charset="0"/>
               </a:rPr>
-              <a:t>"JSON S</a:t>
-            </a:r>
-            <a:r>
-              <a:rPr lang="tr-TR" sz="1600" b="0" i="0" dirty="0">
+              <a:t>"</a:t>
+            </a:r>
+            <a:r>
+              <a:rPr lang="en-US" sz="1600" dirty="0">
+                <a:solidFill>
+                  <a:schemeClr val="accent2"/>
+                </a:solidFill>
+                <a:latin typeface="Consolas" panose="020B0609020204030204" pitchFamily="49" charset="0"/>
+              </a:rPr>
+              <a:t> </a:t>
+            </a:r>
+            <a:r>
+              <a:rPr lang="en-US" sz="1600" dirty="0">
+                <a:solidFill>
+                  <a:schemeClr val="accent6"/>
+                </a:solidFill>
+                <a:latin typeface="Consolas" panose="020B0609020204030204" pitchFamily="49" charset="0"/>
+              </a:rPr>
+              <a:t>JSON </a:t>
+            </a:r>
+            <a:r>
+              <a:rPr lang="tr-TR" sz="1600" dirty="0" err="1">
+                <a:solidFill>
+                  <a:schemeClr val="accent6"/>
+                </a:solidFill>
+                <a:latin typeface="Consolas" panose="020B0609020204030204" pitchFamily="49" charset="0"/>
+              </a:rPr>
+              <a:t>input</a:t>
+            </a:r>
+            <a:r>
+              <a:rPr lang="en-US" sz="1600" dirty="0">
+                <a:solidFill>
+                  <a:schemeClr val="accent6"/>
+                </a:solidFill>
+                <a:latin typeface="Consolas" panose="020B0609020204030204" pitchFamily="49" charset="0"/>
+              </a:rPr>
+              <a:t> is valid</a:t>
+            </a:r>
+          </a:p>
+          <a:p>
+            <a:r>
+              <a:rPr lang="en-US" sz="1600" dirty="0">
+                <a:solidFill>
+                  <a:schemeClr val="accent6"/>
+                </a:solidFill>
+                <a:latin typeface="Consolas" panose="020B0609020204030204" pitchFamily="49" charset="0"/>
+              </a:rPr>
+              <a:t>  according to Schema </a:t>
+            </a:r>
+            <a:r>
+              <a:rPr lang="en-US" sz="1600" b="0" i="0" dirty="0">
                 <a:solidFill>
                   <a:srgbClr val="669900"/>
                 </a:solidFill>
                 <a:effectLst/>
                 <a:latin typeface="Consolas" panose="020B0609020204030204" pitchFamily="49" charset="0"/>
               </a:rPr>
-              <a:t>chema</a:t>
-            </a:r>
-            <a:r>
-              <a:rPr lang="en-US" sz="1600" b="0" i="0" dirty="0">
-                <a:solidFill>
-                  <a:srgbClr val="669900"/>
-                </a:solidFill>
-                <a:effectLst/>
-                <a:latin typeface="Consolas" panose="020B0609020204030204" pitchFamily="49" charset="0"/>
-              </a:rPr>
-              <a:t> is valid"</a:t>
+              <a:t>"</a:t>
             </a:r>
             <a:endParaRPr lang="en-US" sz="1600" dirty="0"/>
           </a:p>
@@ -18668,7 +19193,90 @@
 </p:sld>
 </file>
 
-<file path=ppt/slides/slide19.xml><?xml version="1.0" encoding="utf-8"?>
+<file path=ppt/slides/slide2.xml><?xml version="1.0" encoding="utf-8"?>
+<p:sld xmlns:a="http://schemas.openxmlformats.org/drawingml/2006/main" xmlns:r="http://schemas.openxmlformats.org/officeDocument/2006/relationships" xmlns:p="http://schemas.openxmlformats.org/presentationml/2006/main">
+  <p:cSld>
+    <p:spTree>
+      <p:nvGrpSpPr>
+        <p:cNvPr id="1" name=""/>
+        <p:cNvGrpSpPr/>
+        <p:nvPr/>
+      </p:nvGrpSpPr>
+      <p:grpSpPr>
+        <a:xfrm>
+          <a:off x="0" y="0"/>
+          <a:ext cx="0" cy="0"/>
+          <a:chOff x="0" y="0"/>
+          <a:chExt cx="0" cy="0"/>
+        </a:xfrm>
+      </p:grpSpPr>
+      <p:sp>
+        <p:nvSpPr>
+          <p:cNvPr id="4" name="Content Placeholder 2">
+            <a:extLst>
+              <a:ext uri="{FF2B5EF4-FFF2-40B4-BE49-F238E27FC236}">
+                <a16:creationId xmlns:a16="http://schemas.microsoft.com/office/drawing/2014/main" id="{29168B48-85A2-29FE-A547-A1A47651FEF7}"/>
+              </a:ext>
+            </a:extLst>
+          </p:cNvPr>
+          <p:cNvSpPr>
+            <a:spLocks noGrp="1"/>
+          </p:cNvSpPr>
+          <p:nvPr>
+            <p:ph idx="1"/>
+          </p:nvPr>
+        </p:nvSpPr>
+        <p:spPr>
+          <a:xfrm>
+            <a:off x="684741" y="2685231"/>
+            <a:ext cx="10822517" cy="1487538"/>
+          </a:xfrm>
+        </p:spPr>
+        <p:txBody>
+          <a:bodyPr>
+            <a:noAutofit/>
+          </a:bodyPr>
+          <a:lstStyle/>
+          <a:p>
+            <a:pPr marL="0" indent="0" algn="ctr">
+              <a:buNone/>
+            </a:pPr>
+            <a:r>
+              <a:rPr lang="tr-TR" sz="7000" dirty="0">
+                <a:solidFill>
+                  <a:schemeClr val="accent5"/>
+                </a:solidFill>
+                <a:latin typeface="Century Gothic" panose="020B0502020202020204" pitchFamily="34" charset="0"/>
+              </a:rPr>
+              <a:t>Validatio</a:t>
+            </a:r>
+            <a:r>
+              <a:rPr lang="en-US" sz="7000" dirty="0">
+                <a:solidFill>
+                  <a:schemeClr val="accent5"/>
+                </a:solidFill>
+                <a:latin typeface="Century Gothic" panose="020B0502020202020204" pitchFamily="34" charset="0"/>
+              </a:rPr>
+              <a:t>n</a:t>
+            </a:r>
+          </a:p>
+        </p:txBody>
+      </p:sp>
+    </p:spTree>
+    <p:extLst>
+      <p:ext uri="{BB962C8B-B14F-4D97-AF65-F5344CB8AC3E}">
+        <p14:creationId xmlns:p14="http://schemas.microsoft.com/office/powerpoint/2010/main" val="1632156770"/>
+      </p:ext>
+    </p:extLst>
+  </p:cSld>
+  <p:clrMapOvr>
+    <a:masterClrMapping/>
+  </p:clrMapOvr>
+  <p:transition spd="slow" advClick="0" advTm="2000"/>
+</p:sld>
+</file>
+
+<file path=ppt/slides/slide20.xml><?xml version="1.0" encoding="utf-8"?>
 <p:sld xmlns:a="http://schemas.openxmlformats.org/drawingml/2006/main" xmlns:r="http://schemas.openxmlformats.org/officeDocument/2006/relationships" xmlns:p="http://schemas.openxmlformats.org/presentationml/2006/main">
   <p:cSld>
     <p:spTree>
@@ -18763,12 +19371,12 @@
   </p:clrMapOvr>
   <mc:AlternateContent xmlns:mc="http://schemas.openxmlformats.org/markup-compatibility/2006" xmlns:p159="http://schemas.microsoft.com/office/powerpoint/2015/09/main">
     <mc:Choice Requires="p159">
-      <p:transition xmlns:p14="http://schemas.microsoft.com/office/powerpoint/2010/main" spd="slow" p14:dur="2000" advTm="3000">
+      <p:transition xmlns:p14="http://schemas.microsoft.com/office/powerpoint/2010/main" spd="slow" p14:dur="2000" advTm="9000">
         <p159:morph option="byObject"/>
       </p:transition>
     </mc:Choice>
     <mc:Fallback xmlns="">
-      <p:transition spd="slow" advTm="3000">
+      <p:transition spd="slow" advTm="9000">
         <p:fade/>
       </p:transition>
     </mc:Fallback>
@@ -18776,97 +19384,7 @@
 </p:sld>
 </file>
 
-<file path=ppt/slides/slide2.xml><?xml version="1.0" encoding="utf-8"?>
-<p:sld xmlns:a="http://schemas.openxmlformats.org/drawingml/2006/main" xmlns:r="http://schemas.openxmlformats.org/officeDocument/2006/relationships" xmlns:p="http://schemas.openxmlformats.org/presentationml/2006/main">
-  <p:cSld>
-    <p:spTree>
-      <p:nvGrpSpPr>
-        <p:cNvPr id="1" name=""/>
-        <p:cNvGrpSpPr/>
-        <p:nvPr/>
-      </p:nvGrpSpPr>
-      <p:grpSpPr>
-        <a:xfrm>
-          <a:off x="0" y="0"/>
-          <a:ext cx="0" cy="0"/>
-          <a:chOff x="0" y="0"/>
-          <a:chExt cx="0" cy="0"/>
-        </a:xfrm>
-      </p:grpSpPr>
-      <p:sp>
-        <p:nvSpPr>
-          <p:cNvPr id="4" name="Content Placeholder 2">
-            <a:extLst>
-              <a:ext uri="{FF2B5EF4-FFF2-40B4-BE49-F238E27FC236}">
-                <a16:creationId xmlns:a16="http://schemas.microsoft.com/office/drawing/2014/main" id="{29168B48-85A2-29FE-A547-A1A47651FEF7}"/>
-              </a:ext>
-            </a:extLst>
-          </p:cNvPr>
-          <p:cNvSpPr>
-            <a:spLocks noGrp="1"/>
-          </p:cNvSpPr>
-          <p:nvPr>
-            <p:ph idx="1"/>
-          </p:nvPr>
-        </p:nvSpPr>
-        <p:spPr>
-          <a:xfrm>
-            <a:off x="684741" y="2685231"/>
-            <a:ext cx="10822517" cy="1487538"/>
-          </a:xfrm>
-        </p:spPr>
-        <p:txBody>
-          <a:bodyPr>
-            <a:noAutofit/>
-          </a:bodyPr>
-          <a:lstStyle/>
-          <a:p>
-            <a:pPr marL="0" indent="0" algn="ctr">
-              <a:buNone/>
-            </a:pPr>
-            <a:r>
-              <a:rPr lang="tr-TR" sz="7000" dirty="0">
-                <a:solidFill>
-                  <a:schemeClr val="accent5"/>
-                </a:solidFill>
-                <a:latin typeface="Century Gothic" panose="020B0502020202020204" pitchFamily="34" charset="0"/>
-              </a:rPr>
-              <a:t>Validatio</a:t>
-            </a:r>
-            <a:r>
-              <a:rPr lang="en-US" sz="7000" dirty="0">
-                <a:solidFill>
-                  <a:schemeClr val="accent5"/>
-                </a:solidFill>
-                <a:latin typeface="Century Gothic" panose="020B0502020202020204" pitchFamily="34" charset="0"/>
-              </a:rPr>
-              <a:t>n</a:t>
-            </a:r>
-          </a:p>
-        </p:txBody>
-      </p:sp>
-    </p:spTree>
-    <p:extLst>
-      <p:ext uri="{BB962C8B-B14F-4D97-AF65-F5344CB8AC3E}">
-        <p14:creationId xmlns:p14="http://schemas.microsoft.com/office/powerpoint/2010/main" val="1632156770"/>
-      </p:ext>
-    </p:extLst>
-  </p:cSld>
-  <p:clrMapOvr>
-    <a:masterClrMapping/>
-  </p:clrMapOvr>
-  <mc:AlternateContent xmlns:mc="http://schemas.openxmlformats.org/markup-compatibility/2006" xmlns:p14="http://schemas.microsoft.com/office/powerpoint/2010/main">
-    <mc:Choice Requires="p14">
-      <p:transition spd="slow" p14:dur="2000" advClick="0" advTm="3000"/>
-    </mc:Choice>
-    <mc:Fallback xmlns="">
-      <p:transition spd="slow" advClick="0" advTm="3000"/>
-    </mc:Fallback>
-  </mc:AlternateContent>
-</p:sld>
-</file>
-
-<file path=ppt/slides/slide20.xml><?xml version="1.0" encoding="utf-8"?>
+<file path=ppt/slides/slide21.xml><?xml version="1.0" encoding="utf-8"?>
 <p:sld xmlns:a="http://schemas.openxmlformats.org/drawingml/2006/main" xmlns:r="http://schemas.openxmlformats.org/officeDocument/2006/relationships" xmlns:p="http://schemas.openxmlformats.org/presentationml/2006/main">
   <p:cSld>
     <p:spTree>
@@ -20618,7 +21136,7 @@
 </p:sld>
 </file>
 
-<file path=ppt/slides/slide21.xml><?xml version="1.0" encoding="utf-8"?>
+<file path=ppt/slides/slide22.xml><?xml version="1.0" encoding="utf-8"?>
 <p:sld xmlns:a="http://schemas.openxmlformats.org/drawingml/2006/main" xmlns:r="http://schemas.openxmlformats.org/officeDocument/2006/relationships" xmlns:p="http://schemas.openxmlformats.org/presentationml/2006/main">
   <p:cSld>
     <p:spTree>
@@ -20908,7 +21426,7 @@
 </p:sld>
 </file>
 
-<file path=ppt/slides/slide22.xml><?xml version="1.0" encoding="utf-8"?>
+<file path=ppt/slides/slide23.xml><?xml version="1.0" encoding="utf-8"?>
 <p:sld xmlns:a="http://schemas.openxmlformats.org/drawingml/2006/main" xmlns:r="http://schemas.openxmlformats.org/officeDocument/2006/relationships" xmlns:p="http://schemas.openxmlformats.org/presentationml/2006/main">
   <p:cSld>
     <p:spTree>
@@ -21658,12 +22176,12 @@
   </p:clrMapOvr>
   <mc:AlternateContent xmlns:mc="http://schemas.openxmlformats.org/markup-compatibility/2006" xmlns:p159="http://schemas.microsoft.com/office/powerpoint/2015/09/main">
     <mc:Choice Requires="p159">
-      <p:transition xmlns:p14="http://schemas.microsoft.com/office/powerpoint/2010/main" spd="slow" p14:dur="2000" advTm="5000">
+      <p:transition xmlns:p14="http://schemas.microsoft.com/office/powerpoint/2010/main" spd="slow" p14:dur="2000" advTm="4000">
         <p159:morph option="byObject"/>
       </p:transition>
     </mc:Choice>
     <mc:Fallback xmlns="">
-      <p:transition spd="slow" advTm="5000">
+      <p:transition spd="slow" advTm="4000">
         <p:fade/>
       </p:transition>
     </mc:Fallback>
@@ -21671,7 +22189,7 @@
 </p:sld>
 </file>
 
-<file path=ppt/slides/slide23.xml><?xml version="1.0" encoding="utf-8"?>
+<file path=ppt/slides/slide24.xml><?xml version="1.0" encoding="utf-8"?>
 <p:sld xmlns:a="http://schemas.openxmlformats.org/drawingml/2006/main" xmlns:r="http://schemas.openxmlformats.org/officeDocument/2006/relationships" xmlns:p="http://schemas.openxmlformats.org/presentationml/2006/main">
   <p:cSld>
     <p:spTree>
@@ -22086,12 +22604,12 @@
   </p:clrMapOvr>
   <mc:AlternateContent xmlns:mc="http://schemas.openxmlformats.org/markup-compatibility/2006" xmlns:p159="http://schemas.microsoft.com/office/powerpoint/2015/09/main">
     <mc:Choice Requires="p159">
-      <p:transition xmlns:p14="http://schemas.microsoft.com/office/powerpoint/2010/main" spd="slow" p14:dur="2000" advTm="5000">
+      <p:transition xmlns:p14="http://schemas.microsoft.com/office/powerpoint/2010/main" spd="slow" p14:dur="2000" advTm="4000">
         <p159:morph option="byObject"/>
       </p:transition>
     </mc:Choice>
     <mc:Fallback xmlns="">
-      <p:transition spd="slow" advTm="5000">
+      <p:transition spd="slow" advTm="4000">
         <p:fade/>
       </p:transition>
     </mc:Fallback>
@@ -22099,7 +22617,7 @@
 </p:sld>
 </file>
 
-<file path=ppt/slides/slide24.xml><?xml version="1.0" encoding="utf-8"?>
+<file path=ppt/slides/slide25.xml><?xml version="1.0" encoding="utf-8"?>
 <p:sld xmlns:a="http://schemas.openxmlformats.org/drawingml/2006/main" xmlns:r="http://schemas.openxmlformats.org/officeDocument/2006/relationships" xmlns:p="http://schemas.openxmlformats.org/presentationml/2006/main">
   <p:cSld>
     <p:spTree>
@@ -22131,9 +22649,9 @@
         <p:grpSpPr>
           <a:xfrm>
             <a:off x="663242" y="2939144"/>
-            <a:ext cx="10865516" cy="979712"/>
+            <a:ext cx="11035434" cy="979712"/>
             <a:chOff x="1058092" y="2939146"/>
-            <a:chExt cx="10865516" cy="979712"/>
+            <a:chExt cx="11035434" cy="979712"/>
           </a:xfrm>
         </p:grpSpPr>
         <p:sp>
@@ -22197,7 +22715,7 @@
           <p:spPr>
             <a:xfrm>
               <a:off x="4772291" y="3198170"/>
-              <a:ext cx="7151317" cy="461665"/>
+              <a:ext cx="7321235" cy="461665"/>
             </a:xfrm>
             <a:prstGeom prst="rect">
               <a:avLst/>
@@ -22294,7 +22812,7 @@
                   <a:effectLst/>
                   <a:latin typeface="Consolas" panose="020B0609020204030204" pitchFamily="49" charset="0"/>
                 </a:rPr>
-                <a:t>=schema) </a:t>
+                <a:t>=schema ) </a:t>
               </a:r>
             </a:p>
           </p:txBody>
@@ -22364,12 +22882,12 @@
   </p:clrMapOvr>
   <mc:AlternateContent xmlns:mc="http://schemas.openxmlformats.org/markup-compatibility/2006" xmlns:p159="http://schemas.microsoft.com/office/powerpoint/2015/09/main">
     <mc:Choice Requires="p159">
-      <p:transition xmlns:p14="http://schemas.microsoft.com/office/powerpoint/2010/main" spd="slow" p14:dur="2000" advTm="5000">
+      <p:transition xmlns:p14="http://schemas.microsoft.com/office/powerpoint/2010/main" spd="slow" p14:dur="2000" advTm="11000">
         <p159:morph option="byObject"/>
       </p:transition>
     </mc:Choice>
     <mc:Fallback xmlns="">
-      <p:transition spd="slow" advTm="5000">
+      <p:transition spd="slow" advTm="11000">
         <p:fade/>
       </p:transition>
     </mc:Fallback>
@@ -22377,7 +22895,7 @@
 </p:sld>
 </file>
 
-<file path=ppt/slides/slide25.xml><?xml version="1.0" encoding="utf-8"?>
+<file path=ppt/slides/slide26.xml><?xml version="1.0" encoding="utf-8"?>
 <p:sld xmlns:a="http://schemas.openxmlformats.org/drawingml/2006/main" xmlns:r="http://schemas.openxmlformats.org/officeDocument/2006/relationships" xmlns:p="http://schemas.openxmlformats.org/presentationml/2006/main">
   <p:cSld>
     <p:spTree>
@@ -24228,12 +24746,12 @@
   </p:clrMapOvr>
   <mc:AlternateContent xmlns:mc="http://schemas.openxmlformats.org/markup-compatibility/2006" xmlns:p159="http://schemas.microsoft.com/office/powerpoint/2015/09/main">
     <mc:Choice Requires="p159">
-      <p:transition xmlns:p14="http://schemas.microsoft.com/office/powerpoint/2010/main" spd="slow" p14:dur="2000" advTm="13000">
+      <p:transition xmlns:p14="http://schemas.microsoft.com/office/powerpoint/2010/main" spd="slow" p14:dur="2000" advTm="9000">
         <p159:morph option="byObject"/>
       </p:transition>
     </mc:Choice>
     <mc:Fallback xmlns="">
-      <p:transition spd="slow" advTm="13000">
+      <p:transition spd="slow" advTm="9000">
         <p:fade/>
       </p:transition>
     </mc:Fallback>
@@ -24241,8 +24759,8 @@
 </p:sld>
 </file>
 
-<file path=ppt/slides/slide26.xml><?xml version="1.0" encoding="utf-8"?>
-<p:sld xmlns:a="http://schemas.openxmlformats.org/drawingml/2006/main" xmlns:r="http://schemas.openxmlformats.org/officeDocument/2006/relationships" xmlns:p="http://schemas.openxmlformats.org/presentationml/2006/main">
+<file path=ppt/slides/slide27.xml><?xml version="1.0" encoding="utf-8"?>
+<p:sld xmlns:a="http://schemas.openxmlformats.org/drawingml/2006/main" xmlns:r="http://schemas.openxmlformats.org/officeDocument/2006/relationships" xmlns:p="http://schemas.openxmlformats.org/presentationml/2006/main" show="0">
   <p:cSld>
     <p:spTree>
       <p:nvGrpSpPr>
@@ -24945,11 +25463,11 @@
   <p:clrMapOvr>
     <a:masterClrMapping/>
   </p:clrMapOvr>
-  <mc:AlternateContent xmlns:mc="http://schemas.openxmlformats.org/markup-compatibility/2006" xmlns:p14="http://schemas.microsoft.com/office/powerpoint/2010/main">
-    <mc:Choice Requires="p14">
+  <mc:AlternateContent xmlns:mc="http://schemas.openxmlformats.org/markup-compatibility/2006">
+    <mc:Choice xmlns:p14="http://schemas.microsoft.com/office/powerpoint/2010/main" Requires="p14">
       <p:transition spd="slow" p14:dur="2000" advClick="0" advTm="500"/>
     </mc:Choice>
-    <mc:Fallback xmlns="">
+    <mc:Fallback>
       <p:transition spd="slow" advClick="0" advTm="500"/>
     </mc:Fallback>
   </mc:AlternateContent>
@@ -25116,8 +25634,8 @@
 </p:sld>
 </file>
 
-<file path=ppt/slides/slide27.xml><?xml version="1.0" encoding="utf-8"?>
-<p:sld xmlns:a="http://schemas.openxmlformats.org/drawingml/2006/main" xmlns:r="http://schemas.openxmlformats.org/officeDocument/2006/relationships" xmlns:p="http://schemas.openxmlformats.org/presentationml/2006/main">
+<file path=ppt/slides/slide28.xml><?xml version="1.0" encoding="utf-8"?>
+<p:sld xmlns:a="http://schemas.openxmlformats.org/drawingml/2006/main" xmlns:r="http://schemas.openxmlformats.org/officeDocument/2006/relationships" xmlns:p="http://schemas.openxmlformats.org/presentationml/2006/main" show="0">
   <p:cSld>
     <p:spTree>
       <p:nvGrpSpPr>
@@ -25820,14 +26338,14 @@
   <p:clrMapOvr>
     <a:masterClrMapping/>
   </p:clrMapOvr>
-  <mc:AlternateContent xmlns:mc="http://schemas.openxmlformats.org/markup-compatibility/2006" xmlns:p159="http://schemas.microsoft.com/office/powerpoint/2015/09/main">
-    <mc:Choice Requires="p159">
-      <p:transition xmlns:p14="http://schemas.microsoft.com/office/powerpoint/2010/main" spd="slow" p14:dur="2000" advClick="0" advTm="4000">
+  <mc:AlternateContent xmlns:mc="http://schemas.openxmlformats.org/markup-compatibility/2006">
+    <mc:Choice xmlns:p159="http://schemas.microsoft.com/office/powerpoint/2015/09/main" Requires="p159">
+      <p:transition xmlns:p14="http://schemas.microsoft.com/office/powerpoint/2010/main" spd="slow" p14:dur="2000" advClick="0" advTm="500">
         <p159:morph option="byObject"/>
       </p:transition>
     </mc:Choice>
-    <mc:Fallback xmlns="">
-      <p:transition spd="slow" advClick="0" advTm="4000">
+    <mc:Fallback>
+      <p:transition spd="slow" advClick="0" advTm="500">
         <p:fade/>
       </p:transition>
     </mc:Fallback>
@@ -25835,8 +26353,8 @@
 </p:sld>
 </file>
 
-<file path=ppt/slides/slide28.xml><?xml version="1.0" encoding="utf-8"?>
-<p:sld xmlns:a="http://schemas.openxmlformats.org/drawingml/2006/main" xmlns:r="http://schemas.openxmlformats.org/officeDocument/2006/relationships" xmlns:p="http://schemas.openxmlformats.org/presentationml/2006/main">
+<file path=ppt/slides/slide29.xml><?xml version="1.0" encoding="utf-8"?>
+<p:sld xmlns:a="http://schemas.openxmlformats.org/drawingml/2006/main" xmlns:r="http://schemas.openxmlformats.org/officeDocument/2006/relationships" xmlns:p="http://schemas.openxmlformats.org/presentationml/2006/main" show="0">
   <p:cSld>
     <p:spTree>
       <p:nvGrpSpPr>
@@ -25898,14 +26416,14 @@
   <p:clrMapOvr>
     <a:masterClrMapping/>
   </p:clrMapOvr>
-  <mc:AlternateContent xmlns:mc="http://schemas.openxmlformats.org/markup-compatibility/2006" xmlns:p159="http://schemas.microsoft.com/office/powerpoint/2015/09/main">
-    <mc:Choice Requires="p159">
-      <p:transition xmlns:p14="http://schemas.microsoft.com/office/powerpoint/2010/main" spd="slow" p14:dur="2000">
+  <mc:AlternateContent xmlns:mc="http://schemas.openxmlformats.org/markup-compatibility/2006">
+    <mc:Choice xmlns:p159="http://schemas.microsoft.com/office/powerpoint/2015/09/main" Requires="p159">
+      <p:transition xmlns:p14="http://schemas.microsoft.com/office/powerpoint/2010/main" spd="slow" p14:dur="2000" advTm="5000">
         <p159:morph option="byObject"/>
       </p:transition>
     </mc:Choice>
-    <mc:Fallback xmlns="">
-      <p:transition spd="slow">
+    <mc:Fallback>
+      <p:transition spd="slow" advTm="5000">
         <p:fade/>
       </p:transition>
     </mc:Fallback>
@@ -26275,12 +26793,382 @@
   </p:clrMapOvr>
   <mc:AlternateContent xmlns:mc="http://schemas.openxmlformats.org/markup-compatibility/2006" xmlns:p159="http://schemas.microsoft.com/office/powerpoint/2015/09/main">
     <mc:Choice Requires="p159">
-      <p:transition xmlns:p14="http://schemas.microsoft.com/office/powerpoint/2010/main" spd="slow" p14:dur="2000" advTm="11000">
+      <p:transition xmlns:p14="http://schemas.microsoft.com/office/powerpoint/2010/main" spd="slow" p14:dur="2000" advTm="2000">
         <p159:morph option="byObject"/>
       </p:transition>
     </mc:Choice>
     <mc:Fallback xmlns="">
-      <p:transition spd="slow" advTm="11000">
+      <p:transition spd="slow" advTm="2000">
+        <p:fade/>
+      </p:transition>
+    </mc:Fallback>
+  </mc:AlternateContent>
+</p:sld>
+</file>
+
+<file path=ppt/slides/slide30.xml><?xml version="1.0" encoding="utf-8"?>
+<p:sld xmlns:a="http://schemas.openxmlformats.org/drawingml/2006/main" xmlns:r="http://schemas.openxmlformats.org/officeDocument/2006/relationships" xmlns:p="http://schemas.openxmlformats.org/presentationml/2006/main">
+  <p:cSld>
+    <p:spTree>
+      <p:nvGrpSpPr>
+        <p:cNvPr id="1" name=""/>
+        <p:cNvGrpSpPr/>
+        <p:nvPr/>
+      </p:nvGrpSpPr>
+      <p:grpSpPr>
+        <a:xfrm>
+          <a:off x="0" y="0"/>
+          <a:ext cx="0" cy="0"/>
+          <a:chOff x="0" y="0"/>
+          <a:chExt cx="0" cy="0"/>
+        </a:xfrm>
+      </p:grpSpPr>
+      <p:sp>
+        <p:nvSpPr>
+          <p:cNvPr id="6" name="Rounded Rectangle 5">
+            <a:extLst>
+              <a:ext uri="{FF2B5EF4-FFF2-40B4-BE49-F238E27FC236}">
+                <a16:creationId xmlns:a16="http://schemas.microsoft.com/office/drawing/2014/main" id="{079D50C5-FAF9-69C9-E581-B5318807CD15}"/>
+              </a:ext>
+            </a:extLst>
+          </p:cNvPr>
+          <p:cNvSpPr/>
+          <p:nvPr/>
+        </p:nvSpPr>
+        <p:spPr>
+          <a:xfrm>
+            <a:off x="1032256" y="3291829"/>
+            <a:ext cx="4547616" cy="2818177"/>
+          </a:xfrm>
+          <a:prstGeom prst="roundRect">
+            <a:avLst>
+              <a:gd name="adj" fmla="val 8522"/>
+            </a:avLst>
+          </a:prstGeom>
+          <a:noFill/>
+          <a:ln w="57150">
+            <a:solidFill>
+              <a:schemeClr val="accent2"/>
+            </a:solidFill>
+          </a:ln>
+        </p:spPr>
+        <p:style>
+          <a:lnRef idx="2">
+            <a:schemeClr val="accent1">
+              <a:shade val="15000"/>
+            </a:schemeClr>
+          </a:lnRef>
+          <a:fillRef idx="1">
+            <a:schemeClr val="accent1"/>
+          </a:fillRef>
+          <a:effectRef idx="0">
+            <a:schemeClr val="accent1"/>
+          </a:effectRef>
+          <a:fontRef idx="minor">
+            <a:schemeClr val="lt1"/>
+          </a:fontRef>
+        </p:style>
+        <p:txBody>
+          <a:bodyPr rtlCol="0" anchor="ctr"/>
+          <a:lstStyle/>
+          <a:p>
+            <a:pPr algn="ctr"/>
+            <a:endParaRPr lang="en-US"/>
+          </a:p>
+        </p:txBody>
+      </p:sp>
+      <p:sp>
+        <p:nvSpPr>
+          <p:cNvPr id="8" name="TextBox 7">
+            <a:extLst>
+              <a:ext uri="{FF2B5EF4-FFF2-40B4-BE49-F238E27FC236}">
+                <a16:creationId xmlns:a16="http://schemas.microsoft.com/office/drawing/2014/main" id="{17B2EE81-90D0-AEF5-195E-CD3BBEC1AAC8}"/>
+              </a:ext>
+            </a:extLst>
+          </p:cNvPr>
+          <p:cNvSpPr txBox="1"/>
+          <p:nvPr/>
+        </p:nvSpPr>
+        <p:spPr>
+          <a:xfrm>
+            <a:off x="2731008" y="585216"/>
+            <a:ext cx="184731" cy="369332"/>
+          </a:xfrm>
+          <a:prstGeom prst="rect">
+            <a:avLst/>
+          </a:prstGeom>
+          <a:noFill/>
+        </p:spPr>
+        <p:txBody>
+          <a:bodyPr wrap="none" rtlCol="0">
+            <a:spAutoFit/>
+          </a:bodyPr>
+          <a:lstStyle/>
+          <a:p>
+            <a:endParaRPr lang="en-US" dirty="0"/>
+          </a:p>
+        </p:txBody>
+      </p:sp>
+      <p:sp>
+        <p:nvSpPr>
+          <p:cNvPr id="13" name="TextBox 12">
+            <a:extLst>
+              <a:ext uri="{FF2B5EF4-FFF2-40B4-BE49-F238E27FC236}">
+                <a16:creationId xmlns:a16="http://schemas.microsoft.com/office/drawing/2014/main" id="{194EC36A-72C0-5D97-08B6-18C18A96A95D}"/>
+              </a:ext>
+            </a:extLst>
+          </p:cNvPr>
+          <p:cNvSpPr txBox="1"/>
+          <p:nvPr/>
+        </p:nvSpPr>
+        <p:spPr>
+          <a:xfrm>
+            <a:off x="8769346" y="2544227"/>
+            <a:ext cx="2390398" cy="584775"/>
+          </a:xfrm>
+          <a:prstGeom prst="rect">
+            <a:avLst/>
+          </a:prstGeom>
+          <a:noFill/>
+        </p:spPr>
+        <p:txBody>
+          <a:bodyPr wrap="none" rtlCol="0">
+            <a:spAutoFit/>
+          </a:bodyPr>
+          <a:lstStyle/>
+          <a:p>
+            <a:r>
+              <a:rPr lang="en-US" sz="3200" dirty="0">
+                <a:solidFill>
+                  <a:schemeClr val="accent2"/>
+                </a:solidFill>
+                <a:latin typeface="Century Gothic" panose="020B0502020202020204" pitchFamily="34" charset="0"/>
+              </a:rPr>
+              <a:t>Next Video</a:t>
+            </a:r>
+          </a:p>
+        </p:txBody>
+      </p:sp>
+      <p:sp>
+        <p:nvSpPr>
+          <p:cNvPr id="14" name="Rectangle 13">
+            <a:extLst>
+              <a:ext uri="{FF2B5EF4-FFF2-40B4-BE49-F238E27FC236}">
+                <a16:creationId xmlns:a16="http://schemas.microsoft.com/office/drawing/2014/main" id="{30610344-5073-9351-D254-6D8408C00B10}"/>
+              </a:ext>
+            </a:extLst>
+          </p:cNvPr>
+          <p:cNvSpPr>
+            <a:spLocks/>
+          </p:cNvSpPr>
+          <p:nvPr/>
+        </p:nvSpPr>
+        <p:spPr>
+          <a:xfrm>
+            <a:off x="4507675" y="432606"/>
+            <a:ext cx="3176651" cy="3696485"/>
+          </a:xfrm>
+          <a:prstGeom prst="rect">
+            <a:avLst/>
+          </a:prstGeom>
+          <a:noFill/>
+        </p:spPr>
+        <p:txBody>
+          <a:bodyPr wrap="none" lIns="91440" tIns="45720" rIns="91440" bIns="45720">
+            <a:prstTxWarp prst="textArchUp">
+              <a:avLst>
+                <a:gd name="adj" fmla="val 11740300"/>
+              </a:avLst>
+            </a:prstTxWarp>
+            <a:spAutoFit/>
+          </a:bodyPr>
+          <a:lstStyle/>
+          <a:p>
+            <a:r>
+              <a:rPr lang="en-US" sz="3600" dirty="0">
+                <a:solidFill>
+                  <a:schemeClr val="accent1"/>
+                </a:solidFill>
+                <a:latin typeface="Century Gothic" panose="020B0502020202020204" pitchFamily="34" charset="0"/>
+              </a:rPr>
+              <a:t>Subscribe to our Channel</a:t>
+            </a:r>
+          </a:p>
+        </p:txBody>
+      </p:sp>
+      <p:sp>
+        <p:nvSpPr>
+          <p:cNvPr id="2" name="TextBox 1">
+            <a:extLst>
+              <a:ext uri="{FF2B5EF4-FFF2-40B4-BE49-F238E27FC236}">
+                <a16:creationId xmlns:a16="http://schemas.microsoft.com/office/drawing/2014/main" id="{DB648E07-0ADA-3213-F04B-B618F86FE55A}"/>
+              </a:ext>
+            </a:extLst>
+          </p:cNvPr>
+          <p:cNvSpPr txBox="1"/>
+          <p:nvPr/>
+        </p:nvSpPr>
+        <p:spPr>
+          <a:xfrm>
+            <a:off x="1032256" y="2544228"/>
+            <a:ext cx="1556836" cy="584775"/>
+          </a:xfrm>
+          <a:prstGeom prst="rect">
+            <a:avLst/>
+          </a:prstGeom>
+          <a:noFill/>
+        </p:spPr>
+        <p:txBody>
+          <a:bodyPr wrap="none" rtlCol="0">
+            <a:spAutoFit/>
+          </a:bodyPr>
+          <a:lstStyle/>
+          <a:p>
+            <a:r>
+              <a:rPr lang="en-US" sz="3200" dirty="0">
+                <a:solidFill>
+                  <a:schemeClr val="accent2"/>
+                </a:solidFill>
+                <a:latin typeface="Century Gothic" panose="020B0502020202020204" pitchFamily="34" charset="0"/>
+              </a:rPr>
+              <a:t>Playlist</a:t>
+            </a:r>
+            <a:r>
+              <a:rPr lang="en-US" sz="2400" dirty="0">
+                <a:solidFill>
+                  <a:schemeClr val="accent2"/>
+                </a:solidFill>
+                <a:latin typeface="Century Gothic" panose="020B0502020202020204" pitchFamily="34" charset="0"/>
+              </a:rPr>
+              <a:t> </a:t>
+            </a:r>
+          </a:p>
+        </p:txBody>
+      </p:sp>
+      <p:sp>
+        <p:nvSpPr>
+          <p:cNvPr id="4" name="Oval 3">
+            <a:extLst>
+              <a:ext uri="{FF2B5EF4-FFF2-40B4-BE49-F238E27FC236}">
+                <a16:creationId xmlns:a16="http://schemas.microsoft.com/office/drawing/2014/main" id="{B0419334-D010-AABC-F69E-4CE3A439194D}"/>
+              </a:ext>
+            </a:extLst>
+          </p:cNvPr>
+          <p:cNvSpPr/>
+          <p:nvPr/>
+        </p:nvSpPr>
+        <p:spPr>
+          <a:xfrm>
+            <a:off x="4899713" y="736429"/>
+            <a:ext cx="2392574" cy="2392574"/>
+          </a:xfrm>
+          <a:prstGeom prst="ellipse">
+            <a:avLst/>
+          </a:prstGeom>
+          <a:noFill/>
+          <a:ln w="57150">
+            <a:solidFill>
+              <a:schemeClr val="accent1"/>
+            </a:solidFill>
+          </a:ln>
+        </p:spPr>
+        <p:style>
+          <a:lnRef idx="2">
+            <a:schemeClr val="accent1">
+              <a:shade val="15000"/>
+            </a:schemeClr>
+          </a:lnRef>
+          <a:fillRef idx="1">
+            <a:schemeClr val="accent1"/>
+          </a:fillRef>
+          <a:effectRef idx="0">
+            <a:schemeClr val="accent1"/>
+          </a:effectRef>
+          <a:fontRef idx="minor">
+            <a:schemeClr val="lt1"/>
+          </a:fontRef>
+        </p:style>
+        <p:txBody>
+          <a:bodyPr rtlCol="0" anchor="ctr"/>
+          <a:lstStyle/>
+          <a:p>
+            <a:pPr algn="ctr"/>
+            <a:endParaRPr lang="en-US"/>
+          </a:p>
+        </p:txBody>
+      </p:sp>
+      <p:sp>
+        <p:nvSpPr>
+          <p:cNvPr id="7" name="Rounded Rectangle 6">
+            <a:extLst>
+              <a:ext uri="{FF2B5EF4-FFF2-40B4-BE49-F238E27FC236}">
+                <a16:creationId xmlns:a16="http://schemas.microsoft.com/office/drawing/2014/main" id="{17CFD8EC-DAD6-2D70-BC4C-CA8D499F942E}"/>
+              </a:ext>
+            </a:extLst>
+          </p:cNvPr>
+          <p:cNvSpPr/>
+          <p:nvPr/>
+        </p:nvSpPr>
+        <p:spPr>
+          <a:xfrm>
+            <a:off x="6612128" y="3291829"/>
+            <a:ext cx="4547616" cy="2818177"/>
+          </a:xfrm>
+          <a:prstGeom prst="roundRect">
+            <a:avLst>
+              <a:gd name="adj" fmla="val 8522"/>
+            </a:avLst>
+          </a:prstGeom>
+          <a:noFill/>
+          <a:ln w="57150">
+            <a:solidFill>
+              <a:schemeClr val="accent2"/>
+            </a:solidFill>
+          </a:ln>
+        </p:spPr>
+        <p:style>
+          <a:lnRef idx="2">
+            <a:schemeClr val="accent1">
+              <a:shade val="15000"/>
+            </a:schemeClr>
+          </a:lnRef>
+          <a:fillRef idx="1">
+            <a:schemeClr val="accent1"/>
+          </a:fillRef>
+          <a:effectRef idx="0">
+            <a:schemeClr val="accent1"/>
+          </a:effectRef>
+          <a:fontRef idx="minor">
+            <a:schemeClr val="lt1"/>
+          </a:fontRef>
+        </p:style>
+        <p:txBody>
+          <a:bodyPr rtlCol="0" anchor="ctr"/>
+          <a:lstStyle/>
+          <a:p>
+            <a:pPr algn="ctr"/>
+            <a:endParaRPr lang="en-US"/>
+          </a:p>
+        </p:txBody>
+      </p:sp>
+    </p:spTree>
+    <p:extLst>
+      <p:ext uri="{BB962C8B-B14F-4D97-AF65-F5344CB8AC3E}">
+        <p14:creationId xmlns:p14="http://schemas.microsoft.com/office/powerpoint/2010/main" val="891335981"/>
+      </p:ext>
+    </p:extLst>
+  </p:cSld>
+  <p:clrMapOvr>
+    <a:masterClrMapping/>
+  </p:clrMapOvr>
+  <mc:AlternateContent xmlns:mc="http://schemas.openxmlformats.org/markup-compatibility/2006">
+    <mc:Choice xmlns:p159="http://schemas.microsoft.com/office/powerpoint/2015/09/main" Requires="p159">
+      <p:transition xmlns:p14="http://schemas.microsoft.com/office/powerpoint/2010/main" spd="slow" p14:dur="2000" advTm="10000">
+        <p159:morph option="byObject"/>
+      </p:transition>
+    </mc:Choice>
+    <mc:Fallback>
+      <p:transition spd="slow" advTm="10000">
         <p:fade/>
       </p:transition>
     </mc:Fallback>
@@ -26716,12 +27604,12 @@
   </p:clrMapOvr>
   <mc:AlternateContent xmlns:mc="http://schemas.openxmlformats.org/markup-compatibility/2006" xmlns:p159="http://schemas.microsoft.com/office/powerpoint/2015/09/main">
     <mc:Choice Requires="p159">
-      <p:transition xmlns:p14="http://schemas.microsoft.com/office/powerpoint/2010/main" spd="slow" p14:dur="2000" advTm="11000">
+      <p:transition xmlns:p14="http://schemas.microsoft.com/office/powerpoint/2010/main" spd="slow" p14:dur="2000" advTm="2000">
         <p159:morph option="byObject"/>
       </p:transition>
     </mc:Choice>
     <mc:Fallback xmlns="">
-      <p:transition spd="slow" advTm="11000">
+      <p:transition spd="slow" advTm="2000">
         <p:fade/>
       </p:transition>
     </mc:Fallback>
@@ -27079,12 +27967,12 @@
   </p:clrMapOvr>
   <mc:AlternateContent xmlns:mc="http://schemas.openxmlformats.org/markup-compatibility/2006" xmlns:p159="http://schemas.microsoft.com/office/powerpoint/2015/09/main">
     <mc:Choice Requires="p159">
-      <p:transition xmlns:p14="http://schemas.microsoft.com/office/powerpoint/2010/main" spd="slow" p14:dur="2000" advTm="11000">
+      <p:transition xmlns:p14="http://schemas.microsoft.com/office/powerpoint/2010/main" spd="slow" p14:dur="2000" advTm="1000">
         <p159:morph option="byObject"/>
       </p:transition>
     </mc:Choice>
     <mc:Fallback xmlns="">
-      <p:transition spd="slow" advTm="11000">
+      <p:transition spd="slow" advTm="1000">
         <p:fade/>
       </p:transition>
     </mc:Fallback>
@@ -28244,14 +29132,14 @@
   <p:clrMapOvr>
     <a:masterClrMapping/>
   </p:clrMapOvr>
-  <mc:AlternateContent xmlns:mc="http://schemas.openxmlformats.org/markup-compatibility/2006" xmlns:p159="http://schemas.microsoft.com/office/powerpoint/2015/09/main">
-    <mc:Choice Requires="p159">
-      <p:transition xmlns:p14="http://schemas.microsoft.com/office/powerpoint/2010/main" spd="slow" p14:dur="2000" advTm="7000">
+  <mc:AlternateContent xmlns:mc="http://schemas.openxmlformats.org/markup-compatibility/2006">
+    <mc:Choice xmlns:p159="http://schemas.microsoft.com/office/powerpoint/2015/09/main" Requires="p159">
+      <p:transition xmlns:p14="http://schemas.microsoft.com/office/powerpoint/2010/main" spd="slow" p14:dur="2000" advTm="6200">
         <p159:morph option="byObject"/>
       </p:transition>
     </mc:Choice>
-    <mc:Fallback xmlns="">
-      <p:transition spd="slow" advTm="7000">
+    <mc:Fallback>
+      <p:transition spd="slow" advTm="6200">
         <p:fade/>
       </p:transition>
     </mc:Fallback>
@@ -28758,6 +29646,319 @@
           <a:chExt cx="0" cy="0"/>
         </a:xfrm>
       </p:grpSpPr>
+      <p:pic>
+        <p:nvPicPr>
+          <p:cNvPr id="2" name="Graphic 1" descr="Laptop with solid fill">
+            <a:extLst>
+              <a:ext uri="{FF2B5EF4-FFF2-40B4-BE49-F238E27FC236}">
+                <a16:creationId xmlns:a16="http://schemas.microsoft.com/office/drawing/2014/main" id="{5E770A0A-5799-B8DB-40CF-E252556FC22E}"/>
+              </a:ext>
+            </a:extLst>
+          </p:cNvPr>
+          <p:cNvPicPr>
+            <a:picLocks noChangeAspect="1"/>
+          </p:cNvPicPr>
+          <p:nvPr/>
+        </p:nvPicPr>
+        <p:blipFill>
+          <a:blip r:embed="rId3">
+            <a:extLst>
+              <a:ext uri="{28A0092B-C50C-407E-A947-70E740481C1C}">
+                <a14:useLocalDpi xmlns:a14="http://schemas.microsoft.com/office/drawing/2010/main" val="0"/>
+              </a:ext>
+              <a:ext uri="{96DAC541-7B7A-43D3-8B79-37D633B846F1}">
+                <asvg:svgBlip xmlns:asvg="http://schemas.microsoft.com/office/drawing/2016/SVG/main" r:embed="rId4"/>
+              </a:ext>
+            </a:extLst>
+          </a:blip>
+          <a:stretch>
+            <a:fillRect/>
+          </a:stretch>
+        </p:blipFill>
+        <p:spPr>
+          <a:xfrm>
+            <a:off x="1669571" y="-441588"/>
+            <a:ext cx="8852859" cy="8852857"/>
+          </a:xfrm>
+          <a:prstGeom prst="rect">
+            <a:avLst/>
+          </a:prstGeom>
+        </p:spPr>
+      </p:pic>
+      <p:sp>
+        <p:nvSpPr>
+          <p:cNvPr id="5" name="Rectangle: Rounded Corners 4">
+            <a:extLst>
+              <a:ext uri="{FF2B5EF4-FFF2-40B4-BE49-F238E27FC236}">
+                <a16:creationId xmlns:a16="http://schemas.microsoft.com/office/drawing/2014/main" id="{1117F384-9F2B-71F6-FA37-F53FC3D91B93}"/>
+              </a:ext>
+            </a:extLst>
+          </p:cNvPr>
+          <p:cNvSpPr/>
+          <p:nvPr/>
+        </p:nvSpPr>
+        <p:spPr>
+          <a:xfrm>
+            <a:off x="3794155" y="2843787"/>
+            <a:ext cx="4603085" cy="585213"/>
+          </a:xfrm>
+          <a:prstGeom prst="roundRect">
+            <a:avLst>
+              <a:gd name="adj" fmla="val 50000"/>
+            </a:avLst>
+          </a:prstGeom>
+          <a:solidFill>
+            <a:schemeClr val="accent3">
+              <a:lumMod val="85000"/>
+            </a:schemeClr>
+          </a:solidFill>
+          <a:ln>
+            <a:noFill/>
+          </a:ln>
+        </p:spPr>
+        <p:style>
+          <a:lnRef idx="2">
+            <a:schemeClr val="accent1">
+              <a:shade val="50000"/>
+            </a:schemeClr>
+          </a:lnRef>
+          <a:fillRef idx="1">
+            <a:schemeClr val="accent1"/>
+          </a:fillRef>
+          <a:effectRef idx="0">
+            <a:schemeClr val="accent1"/>
+          </a:effectRef>
+          <a:fontRef idx="minor">
+            <a:schemeClr val="lt1"/>
+          </a:fontRef>
+        </p:style>
+        <p:txBody>
+          <a:bodyPr rtlCol="0" anchor="ctr"/>
+          <a:lstStyle/>
+          <a:p>
+            <a:pPr algn="ctr"/>
+            <a:r>
+              <a:rPr lang="en-US" sz="1600" dirty="0">
+                <a:solidFill>
+                  <a:schemeClr val="accent1"/>
+                </a:solidFill>
+                <a:latin typeface="Century Gothic" panose="020B0502020202020204" pitchFamily="34" charset="0"/>
+              </a:rPr>
+              <a:t>https://</a:t>
+            </a:r>
+            <a:r>
+              <a:rPr lang="en-US" sz="1600" dirty="0" err="1">
+                <a:solidFill>
+                  <a:schemeClr val="accent1"/>
+                </a:solidFill>
+                <a:latin typeface="Century Gothic" panose="020B0502020202020204" pitchFamily="34" charset="0"/>
+              </a:rPr>
+              <a:t>json-schema.org</a:t>
+            </a:r>
+            <a:r>
+              <a:rPr lang="en-US" sz="1600" dirty="0">
+                <a:solidFill>
+                  <a:schemeClr val="accent1"/>
+                </a:solidFill>
+                <a:latin typeface="Century Gothic" panose="020B0502020202020204" pitchFamily="34" charset="0"/>
+              </a:rPr>
+              <a:t>/</a:t>
+            </a:r>
+          </a:p>
+        </p:txBody>
+      </p:sp>
+      <p:pic>
+        <p:nvPicPr>
+          <p:cNvPr id="9" name="Graphic 8" descr="Cursor with solid fill">
+            <a:extLst>
+              <a:ext uri="{FF2B5EF4-FFF2-40B4-BE49-F238E27FC236}">
+                <a16:creationId xmlns:a16="http://schemas.microsoft.com/office/drawing/2014/main" id="{72B463BE-470D-D781-C832-37C6B4F15E68}"/>
+              </a:ext>
+            </a:extLst>
+          </p:cNvPr>
+          <p:cNvPicPr>
+            <a:picLocks noChangeAspect="1"/>
+          </p:cNvPicPr>
+          <p:nvPr/>
+        </p:nvPicPr>
+        <p:blipFill>
+          <a:blip r:embed="rId5">
+            <a:extLst>
+              <a:ext uri="{28A0092B-C50C-407E-A947-70E740481C1C}">
+                <a14:useLocalDpi xmlns:a14="http://schemas.microsoft.com/office/drawing/2010/main" val="0"/>
+              </a:ext>
+              <a:ext uri="{96DAC541-7B7A-43D3-8B79-37D633B846F1}">
+                <asvg:svgBlip xmlns:asvg="http://schemas.microsoft.com/office/drawing/2016/SVG/main" r:embed="rId6"/>
+              </a:ext>
+            </a:extLst>
+          </a:blip>
+          <a:stretch>
+            <a:fillRect/>
+          </a:stretch>
+        </p:blipFill>
+        <p:spPr>
+          <a:xfrm>
+            <a:off x="7626829" y="4073590"/>
+            <a:ext cx="770411" cy="770411"/>
+          </a:xfrm>
+          <a:prstGeom prst="rect">
+            <a:avLst/>
+          </a:prstGeom>
+        </p:spPr>
+      </p:pic>
+    </p:spTree>
+    <p:extLst>
+      <p:ext uri="{BB962C8B-B14F-4D97-AF65-F5344CB8AC3E}">
+        <p14:creationId xmlns:p14="http://schemas.microsoft.com/office/powerpoint/2010/main" val="1639696032"/>
+      </p:ext>
+    </p:extLst>
+  </p:cSld>
+  <p:clrMapOvr>
+    <a:masterClrMapping/>
+  </p:clrMapOvr>
+  <mc:AlternateContent xmlns:mc="http://schemas.openxmlformats.org/markup-compatibility/2006">
+    <mc:Choice xmlns:p159="http://schemas.microsoft.com/office/powerpoint/2015/09/main" Requires="p159">
+      <p:transition xmlns:p14="http://schemas.microsoft.com/office/powerpoint/2010/main" spd="slow" p14:dur="2000" advTm="5000">
+        <p159:morph option="byObject"/>
+      </p:transition>
+    </mc:Choice>
+    <mc:Fallback>
+      <p:transition spd="slow" advTm="5000">
+        <p:fade/>
+      </p:transition>
+    </mc:Fallback>
+  </mc:AlternateContent>
+  <p:timing>
+    <p:tnLst>
+      <p:par>
+        <p:cTn id="1" dur="indefinite" restart="never" nodeType="tmRoot">
+          <p:childTnLst>
+            <p:seq concurrent="1" nextAc="seek">
+              <p:cTn id="2" dur="indefinite" nodeType="mainSeq">
+                <p:childTnLst>
+                  <p:par>
+                    <p:cTn id="3" fill="hold">
+                      <p:stCondLst>
+                        <p:cond delay="indefinite"/>
+                        <p:cond evt="onBegin" delay="0">
+                          <p:tn val="2"/>
+                        </p:cond>
+                      </p:stCondLst>
+                      <p:childTnLst>
+                        <p:par>
+                          <p:cTn id="4" fill="hold">
+                            <p:stCondLst>
+                              <p:cond delay="0"/>
+                            </p:stCondLst>
+                            <p:childTnLst>
+                              <p:par>
+                                <p:cTn id="5" presetID="64" presetClass="path" presetSubtype="0" accel="50000" decel="50000" fill="hold" nodeType="withEffect">
+                                  <p:stCondLst>
+                                    <p:cond delay="0"/>
+                                  </p:stCondLst>
+                                  <p:childTnLst>
+                                    <p:animMotion origin="layout" path="M -0.0138 -0.0088 L -0.1362 -0.15 " pathEditMode="relative" rAng="0" ptsTypes="AA">
+                                      <p:cBhvr>
+                                        <p:cTn id="6" dur="2000" fill="hold"/>
+                                        <p:tgtEl>
+                                          <p:spTgt spid="9"/>
+                                        </p:tgtEl>
+                                        <p:attrNameLst>
+                                          <p:attrName>ppt_x</p:attrName>
+                                          <p:attrName>ppt_y</p:attrName>
+                                        </p:attrNameLst>
+                                      </p:cBhvr>
+                                      <p:rCtr x="-6120" y="-7060"/>
+                                    </p:animMotion>
+                                  </p:childTnLst>
+                                </p:cTn>
+                              </p:par>
+                            </p:childTnLst>
+                          </p:cTn>
+                        </p:par>
+                        <p:par>
+                          <p:cTn id="7" fill="hold">
+                            <p:stCondLst>
+                              <p:cond delay="2000"/>
+                            </p:stCondLst>
+                            <p:childTnLst>
+                              <p:par>
+                                <p:cTn id="8" presetID="26" presetClass="emph" presetSubtype="0" fill="hold" grpId="0" nodeType="afterEffect">
+                                  <p:stCondLst>
+                                    <p:cond delay="0"/>
+                                  </p:stCondLst>
+                                  <p:childTnLst>
+                                    <p:animEffect transition="out" filter="fade">
+                                      <p:cBhvr>
+                                        <p:cTn id="9" dur="500" tmFilter="0, 0; .2, .5; .8, .5; 1, 0"/>
+                                        <p:tgtEl>
+                                          <p:spTgt spid="5"/>
+                                        </p:tgtEl>
+                                      </p:cBhvr>
+                                    </p:animEffect>
+                                    <p:animScale>
+                                      <p:cBhvr>
+                                        <p:cTn id="10" dur="250" autoRev="1" fill="hold"/>
+                                        <p:tgtEl>
+                                          <p:spTgt spid="5"/>
+                                        </p:tgtEl>
+                                      </p:cBhvr>
+                                      <p:by x="105000" y="105000"/>
+                                    </p:animScale>
+                                  </p:childTnLst>
+                                </p:cTn>
+                              </p:par>
+                            </p:childTnLst>
+                          </p:cTn>
+                        </p:par>
+                      </p:childTnLst>
+                    </p:cTn>
+                  </p:par>
+                </p:childTnLst>
+              </p:cTn>
+              <p:prevCondLst>
+                <p:cond evt="onPrev" delay="0">
+                  <p:tgtEl>
+                    <p:sldTgt/>
+                  </p:tgtEl>
+                </p:cond>
+              </p:prevCondLst>
+              <p:nextCondLst>
+                <p:cond evt="onNext" delay="0">
+                  <p:tgtEl>
+                    <p:sldTgt/>
+                  </p:tgtEl>
+                </p:cond>
+              </p:nextCondLst>
+            </p:seq>
+          </p:childTnLst>
+        </p:cTn>
+      </p:par>
+    </p:tnLst>
+    <p:bldLst>
+      <p:bldP spid="5" grpId="0" animBg="1"/>
+    </p:bldLst>
+  </p:timing>
+</p:sld>
+</file>
+
+<file path=ppt/slides/slide9.xml><?xml version="1.0" encoding="utf-8"?>
+<p:sld xmlns:a="http://schemas.openxmlformats.org/drawingml/2006/main" xmlns:r="http://schemas.openxmlformats.org/officeDocument/2006/relationships" xmlns:p="http://schemas.openxmlformats.org/presentationml/2006/main">
+  <p:cSld>
+    <p:spTree>
+      <p:nvGrpSpPr>
+        <p:cNvPr id="1" name=""/>
+        <p:cNvGrpSpPr/>
+        <p:nvPr/>
+      </p:nvGrpSpPr>
+      <p:grpSpPr>
+        <a:xfrm>
+          <a:off x="0" y="0"/>
+          <a:ext cx="0" cy="0"/>
+          <a:chOff x="0" y="0"/>
+          <a:chExt cx="0" cy="0"/>
+        </a:xfrm>
+      </p:grpSpPr>
       <p:sp>
         <p:nvSpPr>
           <p:cNvPr id="2" name="Title 1">
@@ -29649,12 +30850,12 @@
   </p:clrMapOvr>
   <mc:AlternateContent xmlns:mc="http://schemas.openxmlformats.org/markup-compatibility/2006" xmlns:p159="http://schemas.microsoft.com/office/powerpoint/2015/09/main">
     <mc:Choice Requires="p159">
-      <p:transition xmlns:p14="http://schemas.microsoft.com/office/powerpoint/2010/main" spd="slow" p14:dur="2000" advTm="15000">
+      <p:transition xmlns:p14="http://schemas.microsoft.com/office/powerpoint/2010/main" spd="slow" p14:dur="2000" advTm="11700">
         <p159:morph option="byObject"/>
       </p:transition>
     </mc:Choice>
     <mc:Fallback xmlns="">
-      <p:transition spd="slow" advTm="15000">
+      <p:transition spd="slow" advTm="11700">
         <p:fade/>
       </p:transition>
     </mc:Fallback>
@@ -30285,114 +31486,6 @@
 </p:sld>
 </file>
 
-<file path=ppt/slides/slide9.xml><?xml version="1.0" encoding="utf-8"?>
-<p:sld xmlns:a="http://schemas.openxmlformats.org/drawingml/2006/main" xmlns:r="http://schemas.openxmlformats.org/officeDocument/2006/relationships" xmlns:p="http://schemas.openxmlformats.org/presentationml/2006/main">
-  <p:cSld>
-    <p:spTree>
-      <p:nvGrpSpPr>
-        <p:cNvPr id="1" name=""/>
-        <p:cNvGrpSpPr/>
-        <p:nvPr/>
-      </p:nvGrpSpPr>
-      <p:grpSpPr>
-        <a:xfrm>
-          <a:off x="0" y="0"/>
-          <a:ext cx="0" cy="0"/>
-          <a:chOff x="0" y="0"/>
-          <a:chExt cx="0" cy="0"/>
-        </a:xfrm>
-      </p:grpSpPr>
-      <p:sp>
-        <p:nvSpPr>
-          <p:cNvPr id="3" name="Title 1">
-            <a:extLst>
-              <a:ext uri="{FF2B5EF4-FFF2-40B4-BE49-F238E27FC236}">
-                <a16:creationId xmlns:a16="http://schemas.microsoft.com/office/drawing/2014/main" id="{0A7124CD-FDB5-ADFF-218D-8E8A29F53C28}"/>
-              </a:ext>
-            </a:extLst>
-          </p:cNvPr>
-          <p:cNvSpPr txBox="1">
-            <a:spLocks/>
-          </p:cNvSpPr>
-          <p:nvPr/>
-        </p:nvSpPr>
-        <p:spPr>
-          <a:xfrm>
-            <a:off x="838200" y="2762477"/>
-            <a:ext cx="10515600" cy="1333046"/>
-          </a:xfrm>
-          <a:prstGeom prst="rect">
-            <a:avLst/>
-          </a:prstGeom>
-        </p:spPr>
-        <p:txBody>
-          <a:bodyPr vert="horz" lIns="91440" tIns="45720" rIns="91440" bIns="45720" rtlCol="0" anchor="ctr">
-            <a:normAutofit/>
-          </a:bodyPr>
-          <a:lstStyle>
-            <a:lvl1pPr algn="l" defTabSz="914400" rtl="0" eaLnBrk="1" latinLnBrk="0" hangingPunct="1">
-              <a:lnSpc>
-                <a:spcPct val="90000"/>
-              </a:lnSpc>
-              <a:spcBef>
-                <a:spcPct val="0"/>
-              </a:spcBef>
-              <a:buNone/>
-              <a:defRPr sz="4400" kern="1200">
-                <a:solidFill>
-                  <a:schemeClr val="tx1"/>
-                </a:solidFill>
-                <a:latin typeface="+mj-lt"/>
-                <a:ea typeface="+mj-ea"/>
-                <a:cs typeface="+mj-cs"/>
-              </a:defRPr>
-            </a:lvl1pPr>
-          </a:lstStyle>
-          <a:p>
-            <a:pPr algn="ctr"/>
-            <a:r>
-              <a:rPr lang="tr-TR" dirty="0">
-                <a:solidFill>
-                  <a:schemeClr val="accent5"/>
-                </a:solidFill>
-                <a:latin typeface="Century Gothic" panose="020B0502020202020204" pitchFamily="34" charset="0"/>
-              </a:rPr>
-              <a:t>JavaScript-AJV</a:t>
-            </a:r>
-            <a:endParaRPr lang="en-US" dirty="0">
-              <a:solidFill>
-                <a:schemeClr val="accent5"/>
-              </a:solidFill>
-              <a:latin typeface="Century Gothic" panose="020B0502020202020204" pitchFamily="34" charset="0"/>
-            </a:endParaRPr>
-          </a:p>
-        </p:txBody>
-      </p:sp>
-    </p:spTree>
-    <p:extLst>
-      <p:ext uri="{BB962C8B-B14F-4D97-AF65-F5344CB8AC3E}">
-        <p14:creationId xmlns:p14="http://schemas.microsoft.com/office/powerpoint/2010/main" val="3016645404"/>
-      </p:ext>
-    </p:extLst>
-  </p:cSld>
-  <p:clrMapOvr>
-    <a:masterClrMapping/>
-  </p:clrMapOvr>
-  <mc:AlternateContent xmlns:mc="http://schemas.openxmlformats.org/markup-compatibility/2006" xmlns:p159="http://schemas.microsoft.com/office/powerpoint/2015/09/main">
-    <mc:Choice Requires="p159">
-      <p:transition xmlns:p14="http://schemas.microsoft.com/office/powerpoint/2010/main" spd="slow" p14:dur="2000" advTm="3000">
-        <p159:morph option="byObject"/>
-      </p:transition>
-    </mc:Choice>
-    <mc:Fallback xmlns="">
-      <p:transition spd="slow" advTm="3000">
-        <p:fade/>
-      </p:transition>
-    </mc:Fallback>
-  </mc:AlternateContent>
-</p:sld>
-</file>
-
 <file path=ppt/theme/theme1.xml><?xml version="1.0" encoding="utf-8"?>
 <a:theme xmlns:a="http://schemas.openxmlformats.org/drawingml/2006/main" name="Office Theme">
   <a:themeElements>

--- a/Tutorials/whatiswot/8-JSON_Schema_in_Practice_3/8-JSON_Schema_in_Practice_3.pptx
+++ b/Tutorials/whatiswot/8-JSON_Schema_in_Practice_3/8-JSON_Schema_in_Practice_3.pptx
@@ -237,7 +237,7 @@
           <a:p>
             <a:fld id="{C8D30DF2-F19E-4B38-83C3-5749846EC033}" type="datetimeFigureOut">
               <a:rPr lang="en-US" smtClean="0"/>
-              <a:t>11/21/23</a:t>
+              <a:t>5/21/2024</a:t>
             </a:fld>
             <a:endParaRPr lang="en-US"/>
           </a:p>
@@ -3021,6 +3021,10 @@
             </a:r>
           </a:p>
           <a:p>
+            <a:r>
+              <a:rPr lang="en-US" dirty="0"/>
+              <a:t/>
+            </a:r>
             <a:br>
               <a:rPr lang="en-US" dirty="0"/>
             </a:br>
@@ -3580,6 +3584,10 @@
             <a:endParaRPr lang="tr-TR" dirty="0"/>
           </a:p>
           <a:p>
+            <a:r>
+              <a:rPr lang="en-US" dirty="0"/>
+              <a:t/>
+            </a:r>
             <a:br>
               <a:rPr lang="en-US" dirty="0"/>
             </a:br>
@@ -3615,6 +3623,10 @@
             </a:r>
           </a:p>
           <a:p>
+            <a:r>
+              <a:rPr lang="en-US" dirty="0"/>
+              <a:t/>
+            </a:r>
             <a:br>
               <a:rPr lang="en-US" dirty="0"/>
             </a:br>
@@ -3667,6 +3679,17 @@
             </a:r>
           </a:p>
           <a:p>
+            <a:r>
+              <a:rPr lang="en-US" b="1" i="0" u="sng" dirty="0">
+                <a:solidFill>
+                  <a:srgbClr val="C9D1D9"/>
+                </a:solidFill>
+                <a:effectLst/>
+                <a:latin typeface="-apple-system"/>
+                <a:hlinkClick r:id="rId4"/>
+              </a:rPr>
+              <a:t/>
+            </a:r>
             <a:br>
               <a:rPr lang="en-US" b="1" i="0" u="sng" dirty="0">
                 <a:solidFill>
@@ -3700,6 +3723,10 @@
             </a:r>
           </a:p>
           <a:p>
+            <a:r>
+              <a:rPr lang="en-US" dirty="0"/>
+              <a:t/>
+            </a:r>
             <a:br>
               <a:rPr lang="en-US" dirty="0"/>
             </a:br>
@@ -3752,6 +3779,10 @@
                 <a:latin typeface="-apple-system"/>
               </a:rPr>
               <a:t> -&gt; https://github.com/pwall567/json-kotlin-schema</a:t>
+            </a:r>
+            <a:r>
+              <a:rPr lang="en-US" dirty="0"/>
+              <a:t/>
             </a:r>
             <a:br>
               <a:rPr lang="en-US" dirty="0"/>
@@ -4151,7 +4182,7 @@
           <a:p>
             <a:fld id="{9ECE5CA0-46B4-49A7-9DD0-55B98DAE6B40}" type="datetimeFigureOut">
               <a:rPr lang="en-US" smtClean="0"/>
-              <a:t>11/21/23</a:t>
+              <a:t>5/21/2024</a:t>
             </a:fld>
             <a:endParaRPr lang="en-US"/>
           </a:p>
@@ -4321,7 +4352,7 @@
           <a:p>
             <a:fld id="{9ECE5CA0-46B4-49A7-9DD0-55B98DAE6B40}" type="datetimeFigureOut">
               <a:rPr lang="en-US" smtClean="0"/>
-              <a:t>11/21/23</a:t>
+              <a:t>5/21/2024</a:t>
             </a:fld>
             <a:endParaRPr lang="en-US"/>
           </a:p>
@@ -4501,7 +4532,7 @@
           <a:p>
             <a:fld id="{9ECE5CA0-46B4-49A7-9DD0-55B98DAE6B40}" type="datetimeFigureOut">
               <a:rPr lang="en-US" smtClean="0"/>
-              <a:t>11/21/23</a:t>
+              <a:t>5/21/2024</a:t>
             </a:fld>
             <a:endParaRPr lang="en-US"/>
           </a:p>
@@ -4671,7 +4702,7 @@
           <a:p>
             <a:fld id="{9ECE5CA0-46B4-49A7-9DD0-55B98DAE6B40}" type="datetimeFigureOut">
               <a:rPr lang="en-US" smtClean="0"/>
-              <a:t>11/21/23</a:t>
+              <a:t>5/21/2024</a:t>
             </a:fld>
             <a:endParaRPr lang="en-US"/>
           </a:p>
@@ -4917,7 +4948,7 @@
           <a:p>
             <a:fld id="{9ECE5CA0-46B4-49A7-9DD0-55B98DAE6B40}" type="datetimeFigureOut">
               <a:rPr lang="en-US" smtClean="0"/>
-              <a:t>11/21/23</a:t>
+              <a:t>5/21/2024</a:t>
             </a:fld>
             <a:endParaRPr lang="en-US"/>
           </a:p>
@@ -5149,7 +5180,7 @@
           <a:p>
             <a:fld id="{9ECE5CA0-46B4-49A7-9DD0-55B98DAE6B40}" type="datetimeFigureOut">
               <a:rPr lang="en-US" smtClean="0"/>
-              <a:t>11/21/23</a:t>
+              <a:t>5/21/2024</a:t>
             </a:fld>
             <a:endParaRPr lang="en-US"/>
           </a:p>
@@ -5516,7 +5547,7 @@
           <a:p>
             <a:fld id="{9ECE5CA0-46B4-49A7-9DD0-55B98DAE6B40}" type="datetimeFigureOut">
               <a:rPr lang="en-US" smtClean="0"/>
-              <a:t>11/21/23</a:t>
+              <a:t>5/21/2024</a:t>
             </a:fld>
             <a:endParaRPr lang="en-US"/>
           </a:p>
@@ -5634,7 +5665,7 @@
           <a:p>
             <a:fld id="{9ECE5CA0-46B4-49A7-9DD0-55B98DAE6B40}" type="datetimeFigureOut">
               <a:rPr lang="en-US" smtClean="0"/>
-              <a:t>11/21/23</a:t>
+              <a:t>5/21/2024</a:t>
             </a:fld>
             <a:endParaRPr lang="en-US"/>
           </a:p>
@@ -5729,7 +5760,7 @@
           <a:p>
             <a:fld id="{9ECE5CA0-46B4-49A7-9DD0-55B98DAE6B40}" type="datetimeFigureOut">
               <a:rPr lang="en-US" smtClean="0"/>
-              <a:t>11/21/23</a:t>
+              <a:t>5/21/2024</a:t>
             </a:fld>
             <a:endParaRPr lang="en-US"/>
           </a:p>
@@ -6006,7 +6037,7 @@
           <a:p>
             <a:fld id="{9ECE5CA0-46B4-49A7-9DD0-55B98DAE6B40}" type="datetimeFigureOut">
               <a:rPr lang="en-US" smtClean="0"/>
-              <a:t>11/21/23</a:t>
+              <a:t>5/21/2024</a:t>
             </a:fld>
             <a:endParaRPr lang="en-US"/>
           </a:p>
@@ -6263,7 +6294,7 @@
           <a:p>
             <a:fld id="{9ECE5CA0-46B4-49A7-9DD0-55B98DAE6B40}" type="datetimeFigureOut">
               <a:rPr lang="en-US" smtClean="0"/>
-              <a:t>11/21/23</a:t>
+              <a:t>5/21/2024</a:t>
             </a:fld>
             <a:endParaRPr lang="en-US"/>
           </a:p>
@@ -6481,7 +6512,7 @@
           <a:p>
             <a:fld id="{9ECE5CA0-46B4-49A7-9DD0-55B98DAE6B40}" type="datetimeFigureOut">
               <a:rPr lang="en-US" smtClean="0"/>
-              <a:t>11/21/23</a:t>
+              <a:t>5/21/2024</a:t>
             </a:fld>
             <a:endParaRPr lang="en-US"/>
           </a:p>
@@ -6891,7 +6922,7 @@
           <p:cNvPr id="2" name="Title 1">
             <a:extLst>
               <a:ext uri="{FF2B5EF4-FFF2-40B4-BE49-F238E27FC236}">
-                <a16:creationId xmlns:a16="http://schemas.microsoft.com/office/drawing/2014/main" id="{8251C8BE-85DF-EBB0-FA2B-D0147BEEA8ED}"/>
+                <a16:creationId xmlns:a16="http://schemas.microsoft.com/office/drawing/2014/main" xmlns="" id="{8251C8BE-85DF-EBB0-FA2B-D0147BEEA8ED}"/>
               </a:ext>
             </a:extLst>
           </p:cNvPr>
@@ -6998,7 +7029,7 @@
           <p:cNvPr id="3" name="Oval 2">
             <a:extLst>
               <a:ext uri="{FF2B5EF4-FFF2-40B4-BE49-F238E27FC236}">
-                <a16:creationId xmlns:a16="http://schemas.microsoft.com/office/drawing/2014/main" id="{8A136DC5-CC20-0EAD-EE84-8044E9F0DD29}"/>
+                <a16:creationId xmlns:a16="http://schemas.microsoft.com/office/drawing/2014/main" xmlns="" id="{8A136DC5-CC20-0EAD-EE84-8044E9F0DD29}"/>
               </a:ext>
             </a:extLst>
           </p:cNvPr>
@@ -7057,7 +7088,7 @@
           <p:cNvPr id="4" name="Title 1">
             <a:extLst>
               <a:ext uri="{FF2B5EF4-FFF2-40B4-BE49-F238E27FC236}">
-                <a16:creationId xmlns:a16="http://schemas.microsoft.com/office/drawing/2014/main" id="{6D0897CA-9174-3AF6-6BD7-67F3E8AF4DBC}"/>
+                <a16:creationId xmlns:a16="http://schemas.microsoft.com/office/drawing/2014/main" xmlns="" id="{6D0897CA-9174-3AF6-6BD7-67F3E8AF4DBC}"/>
               </a:ext>
             </a:extLst>
           </p:cNvPr>
@@ -7121,7 +7152,7 @@
           <p:cNvPr id="28" name="Left Brace 27">
             <a:extLst>
               <a:ext uri="{FF2B5EF4-FFF2-40B4-BE49-F238E27FC236}">
-                <a16:creationId xmlns:a16="http://schemas.microsoft.com/office/drawing/2014/main" id="{24EDC0CB-AA0F-8045-A15B-DA428E10BE7A}"/>
+                <a16:creationId xmlns:a16="http://schemas.microsoft.com/office/drawing/2014/main" xmlns="" id="{24EDC0CB-AA0F-8045-A15B-DA428E10BE7A}"/>
               </a:ext>
             </a:extLst>
           </p:cNvPr>
@@ -7173,7 +7204,7 @@
           <p:cNvPr id="29" name="Title 1">
             <a:extLst>
               <a:ext uri="{FF2B5EF4-FFF2-40B4-BE49-F238E27FC236}">
-                <a16:creationId xmlns:a16="http://schemas.microsoft.com/office/drawing/2014/main" id="{D7A510A1-EA96-68F4-7FDD-99B8CD781847}"/>
+                <a16:creationId xmlns:a16="http://schemas.microsoft.com/office/drawing/2014/main" xmlns="" id="{D7A510A1-EA96-68F4-7FDD-99B8CD781847}"/>
               </a:ext>
             </a:extLst>
           </p:cNvPr>
@@ -7237,7 +7268,7 @@
           <p:cNvPr id="30" name="Left Brace 29">
             <a:extLst>
               <a:ext uri="{FF2B5EF4-FFF2-40B4-BE49-F238E27FC236}">
-                <a16:creationId xmlns:a16="http://schemas.microsoft.com/office/drawing/2014/main" id="{DC5D62D9-7924-4C2F-E31D-DC3CA1F62BEB}"/>
+                <a16:creationId xmlns:a16="http://schemas.microsoft.com/office/drawing/2014/main" xmlns="" id="{DC5D62D9-7924-4C2F-E31D-DC3CA1F62BEB}"/>
               </a:ext>
             </a:extLst>
           </p:cNvPr>
@@ -7285,7 +7316,7 @@
           <p:cNvPr id="31" name="Title 1">
             <a:extLst>
               <a:ext uri="{FF2B5EF4-FFF2-40B4-BE49-F238E27FC236}">
-                <a16:creationId xmlns:a16="http://schemas.microsoft.com/office/drawing/2014/main" id="{9FB40750-7B8D-6B6D-EBE9-0F5EFB529CA2}"/>
+                <a16:creationId xmlns:a16="http://schemas.microsoft.com/office/drawing/2014/main" xmlns="" id="{9FB40750-7B8D-6B6D-EBE9-0F5EFB529CA2}"/>
               </a:ext>
             </a:extLst>
           </p:cNvPr>
@@ -7349,7 +7380,7 @@
           <p:cNvPr id="32" name="Straight Connector 31">
             <a:extLst>
               <a:ext uri="{FF2B5EF4-FFF2-40B4-BE49-F238E27FC236}">
-                <a16:creationId xmlns:a16="http://schemas.microsoft.com/office/drawing/2014/main" id="{ED4DC31B-2C66-E8B7-679A-02E4AE4E781B}"/>
+                <a16:creationId xmlns:a16="http://schemas.microsoft.com/office/drawing/2014/main" xmlns="" id="{ED4DC31B-2C66-E8B7-679A-02E4AE4E781B}"/>
               </a:ext>
             </a:extLst>
           </p:cNvPr>
@@ -7392,7 +7423,7 @@
           <p:cNvPr id="33" name="Straight Connector 32">
             <a:extLst>
               <a:ext uri="{FF2B5EF4-FFF2-40B4-BE49-F238E27FC236}">
-                <a16:creationId xmlns:a16="http://schemas.microsoft.com/office/drawing/2014/main" id="{913894CE-DB3E-DCCE-0A9E-61301E0EE02B}"/>
+                <a16:creationId xmlns:a16="http://schemas.microsoft.com/office/drawing/2014/main" xmlns="" id="{913894CE-DB3E-DCCE-0A9E-61301E0EE02B}"/>
               </a:ext>
             </a:extLst>
           </p:cNvPr>
@@ -7435,7 +7466,7 @@
           <p:cNvPr id="34" name="Oval 33">
             <a:extLst>
               <a:ext uri="{FF2B5EF4-FFF2-40B4-BE49-F238E27FC236}">
-                <a16:creationId xmlns:a16="http://schemas.microsoft.com/office/drawing/2014/main" id="{E4B64DB2-9CF3-64F8-03EE-1398A3502522}"/>
+                <a16:creationId xmlns:a16="http://schemas.microsoft.com/office/drawing/2014/main" xmlns="" id="{E4B64DB2-9CF3-64F8-03EE-1398A3502522}"/>
               </a:ext>
             </a:extLst>
           </p:cNvPr>
@@ -7484,7 +7515,7 @@
           <p:cNvPr id="35" name="Oval 34">
             <a:extLst>
               <a:ext uri="{FF2B5EF4-FFF2-40B4-BE49-F238E27FC236}">
-                <a16:creationId xmlns:a16="http://schemas.microsoft.com/office/drawing/2014/main" id="{D20394D0-0B34-BC08-6F54-D736E6938524}"/>
+                <a16:creationId xmlns:a16="http://schemas.microsoft.com/office/drawing/2014/main" xmlns="" id="{D20394D0-0B34-BC08-6F54-D736E6938524}"/>
               </a:ext>
             </a:extLst>
           </p:cNvPr>
@@ -7533,7 +7564,7 @@
           <p:cNvPr id="36" name="Straight Connector 35">
             <a:extLst>
               <a:ext uri="{FF2B5EF4-FFF2-40B4-BE49-F238E27FC236}">
-                <a16:creationId xmlns:a16="http://schemas.microsoft.com/office/drawing/2014/main" id="{1A27D6AD-A0BC-96F7-1C6F-99B01DCC425F}"/>
+                <a16:creationId xmlns:a16="http://schemas.microsoft.com/office/drawing/2014/main" xmlns="" id="{1A27D6AD-A0BC-96F7-1C6F-99B01DCC425F}"/>
               </a:ext>
             </a:extLst>
           </p:cNvPr>
@@ -7576,7 +7607,7 @@
           <p:cNvPr id="37" name="Oval 36">
             <a:extLst>
               <a:ext uri="{FF2B5EF4-FFF2-40B4-BE49-F238E27FC236}">
-                <a16:creationId xmlns:a16="http://schemas.microsoft.com/office/drawing/2014/main" id="{AB7F8FF4-A9C2-7BE7-BCD6-888FB96FCFBD}"/>
+                <a16:creationId xmlns:a16="http://schemas.microsoft.com/office/drawing/2014/main" xmlns="" id="{AB7F8FF4-A9C2-7BE7-BCD6-888FB96FCFBD}"/>
               </a:ext>
             </a:extLst>
           </p:cNvPr>
@@ -7625,7 +7656,7 @@
           <p:cNvPr id="38" name="Straight Connector 37">
             <a:extLst>
               <a:ext uri="{FF2B5EF4-FFF2-40B4-BE49-F238E27FC236}">
-                <a16:creationId xmlns:a16="http://schemas.microsoft.com/office/drawing/2014/main" id="{4A15B829-C84C-F963-C2A9-A6AC18782E1E}"/>
+                <a16:creationId xmlns:a16="http://schemas.microsoft.com/office/drawing/2014/main" xmlns="" id="{4A15B829-C84C-F963-C2A9-A6AC18782E1E}"/>
               </a:ext>
             </a:extLst>
           </p:cNvPr>
@@ -7668,7 +7699,7 @@
           <p:cNvPr id="39" name="Oval 38">
             <a:extLst>
               <a:ext uri="{FF2B5EF4-FFF2-40B4-BE49-F238E27FC236}">
-                <a16:creationId xmlns:a16="http://schemas.microsoft.com/office/drawing/2014/main" id="{28CC01BA-443C-E460-A16E-E164BDD6E7A0}"/>
+                <a16:creationId xmlns:a16="http://schemas.microsoft.com/office/drawing/2014/main" xmlns="" id="{28CC01BA-443C-E460-A16E-E164BDD6E7A0}"/>
               </a:ext>
             </a:extLst>
           </p:cNvPr>
@@ -7717,7 +7748,7 @@
           <p:cNvPr id="40" name="Straight Connector 39">
             <a:extLst>
               <a:ext uri="{FF2B5EF4-FFF2-40B4-BE49-F238E27FC236}">
-                <a16:creationId xmlns:a16="http://schemas.microsoft.com/office/drawing/2014/main" id="{056D5EF4-902F-220E-6DEC-DAE463FCA655}"/>
+                <a16:creationId xmlns:a16="http://schemas.microsoft.com/office/drawing/2014/main" xmlns="" id="{056D5EF4-902F-220E-6DEC-DAE463FCA655}"/>
               </a:ext>
             </a:extLst>
           </p:cNvPr>
@@ -7760,7 +7791,7 @@
           <p:cNvPr id="41" name="Oval 40">
             <a:extLst>
               <a:ext uri="{FF2B5EF4-FFF2-40B4-BE49-F238E27FC236}">
-                <a16:creationId xmlns:a16="http://schemas.microsoft.com/office/drawing/2014/main" id="{FAB08BF4-DDDF-6C15-1836-0C5208CBD368}"/>
+                <a16:creationId xmlns:a16="http://schemas.microsoft.com/office/drawing/2014/main" xmlns="" id="{FAB08BF4-DDDF-6C15-1836-0C5208CBD368}"/>
               </a:ext>
             </a:extLst>
           </p:cNvPr>
@@ -7809,7 +7840,7 @@
           <p:cNvPr id="42" name="Title 1">
             <a:extLst>
               <a:ext uri="{FF2B5EF4-FFF2-40B4-BE49-F238E27FC236}">
-                <a16:creationId xmlns:a16="http://schemas.microsoft.com/office/drawing/2014/main" id="{5E419CA8-933C-9665-94E6-C5D76F011891}"/>
+                <a16:creationId xmlns:a16="http://schemas.microsoft.com/office/drawing/2014/main" xmlns="" id="{5E419CA8-933C-9665-94E6-C5D76F011891}"/>
               </a:ext>
             </a:extLst>
           </p:cNvPr>
@@ -7873,7 +7904,7 @@
           <p:cNvPr id="43" name="Title 1">
             <a:extLst>
               <a:ext uri="{FF2B5EF4-FFF2-40B4-BE49-F238E27FC236}">
-                <a16:creationId xmlns:a16="http://schemas.microsoft.com/office/drawing/2014/main" id="{6DAD3C44-2CFE-8D72-44E6-3F6FB1A161F5}"/>
+                <a16:creationId xmlns:a16="http://schemas.microsoft.com/office/drawing/2014/main" xmlns="" id="{6DAD3C44-2CFE-8D72-44E6-3F6FB1A161F5}"/>
               </a:ext>
             </a:extLst>
           </p:cNvPr>
@@ -7937,7 +7968,7 @@
           <p:cNvPr id="44" name="Straight Connector 43">
             <a:extLst>
               <a:ext uri="{FF2B5EF4-FFF2-40B4-BE49-F238E27FC236}">
-                <a16:creationId xmlns:a16="http://schemas.microsoft.com/office/drawing/2014/main" id="{A180947C-DDAA-B182-1BFA-D17D46D02F07}"/>
+                <a16:creationId xmlns:a16="http://schemas.microsoft.com/office/drawing/2014/main" xmlns="" id="{A180947C-DDAA-B182-1BFA-D17D46D02F07}"/>
               </a:ext>
             </a:extLst>
           </p:cNvPr>
@@ -7980,7 +8011,7 @@
           <p:cNvPr id="45" name="Left Brace 44">
             <a:extLst>
               <a:ext uri="{FF2B5EF4-FFF2-40B4-BE49-F238E27FC236}">
-                <a16:creationId xmlns:a16="http://schemas.microsoft.com/office/drawing/2014/main" id="{AE3F22A1-7CC1-0A2C-9EE9-1596B85267F6}"/>
+                <a16:creationId xmlns:a16="http://schemas.microsoft.com/office/drawing/2014/main" xmlns="" id="{AE3F22A1-7CC1-0A2C-9EE9-1596B85267F6}"/>
               </a:ext>
             </a:extLst>
           </p:cNvPr>
@@ -8028,7 +8059,7 @@
           <p:cNvPr id="46" name="Left Brace 45">
             <a:extLst>
               <a:ext uri="{FF2B5EF4-FFF2-40B4-BE49-F238E27FC236}">
-                <a16:creationId xmlns:a16="http://schemas.microsoft.com/office/drawing/2014/main" id="{B630A884-17C7-82A1-D979-CAD7870350A7}"/>
+                <a16:creationId xmlns:a16="http://schemas.microsoft.com/office/drawing/2014/main" xmlns="" id="{B630A884-17C7-82A1-D979-CAD7870350A7}"/>
               </a:ext>
             </a:extLst>
           </p:cNvPr>
@@ -8076,7 +8107,7 @@
           <p:cNvPr id="47" name="Oval 46">
             <a:extLst>
               <a:ext uri="{FF2B5EF4-FFF2-40B4-BE49-F238E27FC236}">
-                <a16:creationId xmlns:a16="http://schemas.microsoft.com/office/drawing/2014/main" id="{F3AC5B81-D978-ABEC-BB89-2043F3385B35}"/>
+                <a16:creationId xmlns:a16="http://schemas.microsoft.com/office/drawing/2014/main" xmlns="" id="{F3AC5B81-D978-ABEC-BB89-2043F3385B35}"/>
               </a:ext>
             </a:extLst>
           </p:cNvPr>
@@ -8130,13 +8161,13 @@
   <p:clrMapOvr>
     <a:masterClrMapping/>
   </p:clrMapOvr>
-  <mc:AlternateContent xmlns:mc="http://schemas.openxmlformats.org/markup-compatibility/2006" xmlns:p159="http://schemas.microsoft.com/office/powerpoint/2015/09/main">
-    <mc:Choice Requires="p159">
+  <mc:AlternateContent xmlns:mc="http://schemas.openxmlformats.org/markup-compatibility/2006">
+    <mc:Choice xmlns:p159="http://schemas.microsoft.com/office/powerpoint/2015/09/main" xmlns="" Requires="p159">
       <p:transition xmlns:p14="http://schemas.microsoft.com/office/powerpoint/2010/main" spd="slow" p14:dur="2000" advClick="0" advTm="12500">
         <p159:morph option="byObject"/>
       </p:transition>
     </mc:Choice>
-    <mc:Fallback xmlns="">
+    <mc:Fallback>
       <p:transition spd="slow" advClick="0" advTm="12500">
         <p:fade/>
       </p:transition>
@@ -8962,7 +8993,7 @@
           <p:cNvPr id="3" name="Title 1">
             <a:extLst>
               <a:ext uri="{FF2B5EF4-FFF2-40B4-BE49-F238E27FC236}">
-                <a16:creationId xmlns:a16="http://schemas.microsoft.com/office/drawing/2014/main" id="{0A7124CD-FDB5-ADFF-218D-8E8A29F53C28}"/>
+                <a16:creationId xmlns:a16="http://schemas.microsoft.com/office/drawing/2014/main" xmlns="" id="{0A7124CD-FDB5-ADFF-218D-8E8A29F53C28}"/>
               </a:ext>
             </a:extLst>
           </p:cNvPr>
@@ -9033,13 +9064,13 @@
   <p:clrMapOvr>
     <a:masterClrMapping/>
   </p:clrMapOvr>
-  <mc:AlternateContent xmlns:mc="http://schemas.openxmlformats.org/markup-compatibility/2006" xmlns:p159="http://schemas.microsoft.com/office/powerpoint/2015/09/main">
-    <mc:Choice Requires="p159">
+  <mc:AlternateContent xmlns:mc="http://schemas.openxmlformats.org/markup-compatibility/2006">
+    <mc:Choice xmlns:p159="http://schemas.microsoft.com/office/powerpoint/2015/09/main" xmlns="" Requires="p159">
       <p:transition xmlns:p14="http://schemas.microsoft.com/office/powerpoint/2010/main" spd="slow" p14:dur="2000" advTm="3000">
         <p159:morph option="byObject"/>
       </p:transition>
     </mc:Choice>
-    <mc:Fallback xmlns="">
+    <mc:Fallback>
       <p:transition spd="slow" advTm="3000">
         <p:fade/>
       </p:transition>
@@ -9070,7 +9101,7 @@
           <p:cNvPr id="6" name="TextBox 5">
             <a:extLst>
               <a:ext uri="{FF2B5EF4-FFF2-40B4-BE49-F238E27FC236}">
-                <a16:creationId xmlns:a16="http://schemas.microsoft.com/office/drawing/2014/main" id="{26AF1BF9-93E8-5205-40B1-4E7FE344C30E}"/>
+                <a16:creationId xmlns:a16="http://schemas.microsoft.com/office/drawing/2014/main" xmlns="" id="{26AF1BF9-93E8-5205-40B1-4E7FE344C30E}"/>
               </a:ext>
             </a:extLst>
           </p:cNvPr>
@@ -10516,7 +10547,7 @@
           <p:cNvPr id="29" name="Group 28">
             <a:extLst>
               <a:ext uri="{FF2B5EF4-FFF2-40B4-BE49-F238E27FC236}">
-                <a16:creationId xmlns:a16="http://schemas.microsoft.com/office/drawing/2014/main" id="{1E182C0C-1CEA-5E7E-15D5-DD1F0AFA5BB1}"/>
+                <a16:creationId xmlns:a16="http://schemas.microsoft.com/office/drawing/2014/main" xmlns="" id="{1E182C0C-1CEA-5E7E-15D5-DD1F0AFA5BB1}"/>
               </a:ext>
             </a:extLst>
           </p:cNvPr>
@@ -10542,7 +10573,7 @@
             <p:cNvPr id="14" name="Rectangle: Rounded Corners 13">
               <a:extLst>
                 <a:ext uri="{FF2B5EF4-FFF2-40B4-BE49-F238E27FC236}">
-                  <a16:creationId xmlns:a16="http://schemas.microsoft.com/office/drawing/2014/main" id="{C5575B4F-915C-C60D-D8E2-3749621DE2B2}"/>
+                  <a16:creationId xmlns:a16="http://schemas.microsoft.com/office/drawing/2014/main" xmlns="" id="{C5575B4F-915C-C60D-D8E2-3749621DE2B2}"/>
                 </a:ext>
               </a:extLst>
             </p:cNvPr>
@@ -10592,7 +10623,7 @@
             <p:cNvPr id="15" name="Rectangle: Rounded Corners 14">
               <a:extLst>
                 <a:ext uri="{FF2B5EF4-FFF2-40B4-BE49-F238E27FC236}">
-                  <a16:creationId xmlns:a16="http://schemas.microsoft.com/office/drawing/2014/main" id="{0F4CABC1-02DC-C734-D7A7-2889E5A120CE}"/>
+                  <a16:creationId xmlns:a16="http://schemas.microsoft.com/office/drawing/2014/main" xmlns="" id="{0F4CABC1-02DC-C734-D7A7-2889E5A120CE}"/>
                 </a:ext>
               </a:extLst>
             </p:cNvPr>
@@ -10642,7 +10673,7 @@
             <p:cNvPr id="20" name="Rectangle: Rounded Corners 19">
               <a:extLst>
                 <a:ext uri="{FF2B5EF4-FFF2-40B4-BE49-F238E27FC236}">
-                  <a16:creationId xmlns:a16="http://schemas.microsoft.com/office/drawing/2014/main" id="{DC26ED1A-5C1B-6AF4-A1D1-128E3B6D2B1F}"/>
+                  <a16:creationId xmlns:a16="http://schemas.microsoft.com/office/drawing/2014/main" xmlns="" id="{DC26ED1A-5C1B-6AF4-A1D1-128E3B6D2B1F}"/>
                 </a:ext>
               </a:extLst>
             </p:cNvPr>
@@ -10692,7 +10723,7 @@
             <p:cNvPr id="23" name="Rectangle: Rounded Corners 22">
               <a:extLst>
                 <a:ext uri="{FF2B5EF4-FFF2-40B4-BE49-F238E27FC236}">
-                  <a16:creationId xmlns:a16="http://schemas.microsoft.com/office/drawing/2014/main" id="{BE7C8EF7-EBF8-9001-059C-5C1C519D09FE}"/>
+                  <a16:creationId xmlns:a16="http://schemas.microsoft.com/office/drawing/2014/main" xmlns="" id="{BE7C8EF7-EBF8-9001-059C-5C1C519D09FE}"/>
                 </a:ext>
               </a:extLst>
             </p:cNvPr>
@@ -10742,7 +10773,7 @@
             <p:cNvPr id="27" name="Freeform: Shape 26">
               <a:extLst>
                 <a:ext uri="{FF2B5EF4-FFF2-40B4-BE49-F238E27FC236}">
-                  <a16:creationId xmlns:a16="http://schemas.microsoft.com/office/drawing/2014/main" id="{5FBC94A6-DDEF-72F9-FFAC-16CC50FB42C3}"/>
+                  <a16:creationId xmlns:a16="http://schemas.microsoft.com/office/drawing/2014/main" xmlns="" id="{5FBC94A6-DDEF-72F9-FFAC-16CC50FB42C3}"/>
                 </a:ext>
               </a:extLst>
             </p:cNvPr>
@@ -10959,7 +10990,7 @@
           <p:cNvPr id="2" name="Rectangle 1">
             <a:extLst>
               <a:ext uri="{FF2B5EF4-FFF2-40B4-BE49-F238E27FC236}">
-                <a16:creationId xmlns:a16="http://schemas.microsoft.com/office/drawing/2014/main" id="{F773A31B-8198-BB38-53B7-3DD1AD78FEAB}"/>
+                <a16:creationId xmlns:a16="http://schemas.microsoft.com/office/drawing/2014/main" xmlns="" id="{F773A31B-8198-BB38-53B7-3DD1AD78FEAB}"/>
               </a:ext>
             </a:extLst>
           </p:cNvPr>
@@ -11011,7 +11042,7 @@
           <p:cNvPr id="3" name="Rectangle 2">
             <a:extLst>
               <a:ext uri="{FF2B5EF4-FFF2-40B4-BE49-F238E27FC236}">
-                <a16:creationId xmlns:a16="http://schemas.microsoft.com/office/drawing/2014/main" id="{548F3377-E6AD-78E5-93CD-1AEFDB3D6560}"/>
+                <a16:creationId xmlns:a16="http://schemas.microsoft.com/office/drawing/2014/main" xmlns="" id="{548F3377-E6AD-78E5-93CD-1AEFDB3D6560}"/>
               </a:ext>
             </a:extLst>
           </p:cNvPr>
@@ -11063,7 +11094,7 @@
           <p:cNvPr id="8" name="TextBox 7">
             <a:extLst>
               <a:ext uri="{FF2B5EF4-FFF2-40B4-BE49-F238E27FC236}">
-                <a16:creationId xmlns:a16="http://schemas.microsoft.com/office/drawing/2014/main" id="{C0E0F777-02F5-9C6E-1A62-3546CBE26233}"/>
+                <a16:creationId xmlns:a16="http://schemas.microsoft.com/office/drawing/2014/main" xmlns="" id="{C0E0F777-02F5-9C6E-1A62-3546CBE26233}"/>
               </a:ext>
             </a:extLst>
           </p:cNvPr>
@@ -11114,13 +11145,13 @@
   <p:clrMapOvr>
     <a:masterClrMapping/>
   </p:clrMapOvr>
-  <mc:AlternateContent xmlns:mc="http://schemas.openxmlformats.org/markup-compatibility/2006" xmlns:p159="http://schemas.microsoft.com/office/powerpoint/2015/09/main">
-    <mc:Choice Requires="p159">
+  <mc:AlternateContent xmlns:mc="http://schemas.openxmlformats.org/markup-compatibility/2006">
+    <mc:Choice xmlns:p159="http://schemas.microsoft.com/office/powerpoint/2015/09/main" xmlns="" Requires="p159">
       <p:transition xmlns:p14="http://schemas.microsoft.com/office/powerpoint/2010/main" spd="slow" p14:dur="2000" advTm="5500">
         <p159:morph option="byObject"/>
       </p:transition>
     </mc:Choice>
-    <mc:Fallback xmlns="">
+    <mc:Fallback>
       <p:transition spd="slow" advTm="5500">
         <p:fade/>
       </p:transition>
@@ -11235,7 +11266,7 @@
           <p:cNvPr id="2" name="Group 1">
             <a:extLst>
               <a:ext uri="{FF2B5EF4-FFF2-40B4-BE49-F238E27FC236}">
-                <a16:creationId xmlns:a16="http://schemas.microsoft.com/office/drawing/2014/main" id="{2CF8BD4B-7A1C-87BE-E351-30B426167383}"/>
+                <a16:creationId xmlns:a16="http://schemas.microsoft.com/office/drawing/2014/main" xmlns="" id="{2CF8BD4B-7A1C-87BE-E351-30B426167383}"/>
               </a:ext>
             </a:extLst>
           </p:cNvPr>
@@ -11255,7 +11286,7 @@
             <p:cNvPr id="6" name="Left Bracket 5">
               <a:extLst>
                 <a:ext uri="{FF2B5EF4-FFF2-40B4-BE49-F238E27FC236}">
-                  <a16:creationId xmlns:a16="http://schemas.microsoft.com/office/drawing/2014/main" id="{F3AB4B92-28C7-4F3C-8D22-E665F5875419}"/>
+                  <a16:creationId xmlns:a16="http://schemas.microsoft.com/office/drawing/2014/main" xmlns="" id="{F3AB4B92-28C7-4F3C-8D22-E665F5875419}"/>
                 </a:ext>
               </a:extLst>
             </p:cNvPr>
@@ -11307,7 +11338,7 @@
             <p:cNvPr id="8" name="TextBox 7">
               <a:extLst>
                 <a:ext uri="{FF2B5EF4-FFF2-40B4-BE49-F238E27FC236}">
-                  <a16:creationId xmlns:a16="http://schemas.microsoft.com/office/drawing/2014/main" id="{870B483E-E4B0-78FC-97F8-4592FE3A72A1}"/>
+                  <a16:creationId xmlns:a16="http://schemas.microsoft.com/office/drawing/2014/main" xmlns="" id="{870B483E-E4B0-78FC-97F8-4592FE3A72A1}"/>
                 </a:ext>
               </a:extLst>
             </p:cNvPr>
@@ -11380,7 +11411,7 @@
             <p:cNvPr id="9" name="TextBox 8">
               <a:extLst>
                 <a:ext uri="{FF2B5EF4-FFF2-40B4-BE49-F238E27FC236}">
-                  <a16:creationId xmlns:a16="http://schemas.microsoft.com/office/drawing/2014/main" id="{56C14C5D-E97E-0625-EF9F-05E37C1503DB}"/>
+                  <a16:creationId xmlns:a16="http://schemas.microsoft.com/office/drawing/2014/main" xmlns="" id="{56C14C5D-E97E-0625-EF9F-05E37C1503DB}"/>
                 </a:ext>
               </a:extLst>
             </p:cNvPr>
@@ -11658,13 +11689,13 @@
   <p:clrMapOvr>
     <a:masterClrMapping/>
   </p:clrMapOvr>
-  <mc:AlternateContent xmlns:mc="http://schemas.openxmlformats.org/markup-compatibility/2006" xmlns:p159="http://schemas.microsoft.com/office/powerpoint/2015/09/main">
-    <mc:Choice Requires="p159">
+  <mc:AlternateContent xmlns:mc="http://schemas.openxmlformats.org/markup-compatibility/2006">
+    <mc:Choice xmlns:p159="http://schemas.microsoft.com/office/powerpoint/2015/09/main" xmlns="" Requires="p159">
       <p:transition spd="slow" advTm="4000">
         <p159:morph option="byObject"/>
       </p:transition>
     </mc:Choice>
-    <mc:Fallback xmlns="">
+    <mc:Fallback>
       <p:transition spd="slow" advTm="4000">
         <p:fade/>
       </p:transition>
@@ -11695,7 +11726,7 @@
           <p:cNvPr id="3" name="Group 2">
             <a:extLst>
               <a:ext uri="{FF2B5EF4-FFF2-40B4-BE49-F238E27FC236}">
-                <a16:creationId xmlns:a16="http://schemas.microsoft.com/office/drawing/2014/main" id="{7BA9DB92-24EF-89AD-C4CA-106F6B076D16}"/>
+                <a16:creationId xmlns:a16="http://schemas.microsoft.com/office/drawing/2014/main" xmlns="" id="{7BA9DB92-24EF-89AD-C4CA-106F6B076D16}"/>
               </a:ext>
             </a:extLst>
           </p:cNvPr>
@@ -11715,7 +11746,7 @@
             <p:cNvPr id="6" name="Left Bracket 5">
               <a:extLst>
                 <a:ext uri="{FF2B5EF4-FFF2-40B4-BE49-F238E27FC236}">
-                  <a16:creationId xmlns:a16="http://schemas.microsoft.com/office/drawing/2014/main" id="{F3AB4B92-28C7-4F3C-8D22-E665F5875419}"/>
+                  <a16:creationId xmlns:a16="http://schemas.microsoft.com/office/drawing/2014/main" xmlns="" id="{F3AB4B92-28C7-4F3C-8D22-E665F5875419}"/>
                 </a:ext>
               </a:extLst>
             </p:cNvPr>
@@ -11767,7 +11798,7 @@
             <p:cNvPr id="8" name="TextBox 7">
               <a:extLst>
                 <a:ext uri="{FF2B5EF4-FFF2-40B4-BE49-F238E27FC236}">
-                  <a16:creationId xmlns:a16="http://schemas.microsoft.com/office/drawing/2014/main" id="{870B483E-E4B0-78FC-97F8-4592FE3A72A1}"/>
+                  <a16:creationId xmlns:a16="http://schemas.microsoft.com/office/drawing/2014/main" xmlns="" id="{870B483E-E4B0-78FC-97F8-4592FE3A72A1}"/>
                 </a:ext>
               </a:extLst>
             </p:cNvPr>
@@ -11814,7 +11845,7 @@
             <p:cNvPr id="9" name="TextBox 8">
               <a:extLst>
                 <a:ext uri="{FF2B5EF4-FFF2-40B4-BE49-F238E27FC236}">
-                  <a16:creationId xmlns:a16="http://schemas.microsoft.com/office/drawing/2014/main" id="{56C14C5D-E97E-0625-EF9F-05E37C1503DB}"/>
+                  <a16:creationId xmlns:a16="http://schemas.microsoft.com/office/drawing/2014/main" xmlns="" id="{56C14C5D-E97E-0625-EF9F-05E37C1503DB}"/>
                 </a:ext>
               </a:extLst>
             </p:cNvPr>
@@ -12381,13 +12412,13 @@
   <p:clrMapOvr>
     <a:masterClrMapping/>
   </p:clrMapOvr>
-  <mc:AlternateContent xmlns:mc="http://schemas.openxmlformats.org/markup-compatibility/2006" xmlns:p159="http://schemas.microsoft.com/office/powerpoint/2015/09/main">
-    <mc:Choice Requires="p159">
+  <mc:AlternateContent xmlns:mc="http://schemas.openxmlformats.org/markup-compatibility/2006">
+    <mc:Choice xmlns:p159="http://schemas.microsoft.com/office/powerpoint/2015/09/main" xmlns="" Requires="p159">
       <p:transition xmlns:p14="http://schemas.microsoft.com/office/powerpoint/2010/main" spd="slow" p14:dur="2000" advTm="5000">
         <p159:morph option="byObject"/>
       </p:transition>
     </mc:Choice>
-    <mc:Fallback xmlns="">
+    <mc:Fallback>
       <p:transition spd="slow" advTm="5000">
         <p:fade/>
       </p:transition>
@@ -12418,7 +12449,7 @@
           <p:cNvPr id="2" name="Group 1">
             <a:extLst>
               <a:ext uri="{FF2B5EF4-FFF2-40B4-BE49-F238E27FC236}">
-                <a16:creationId xmlns:a16="http://schemas.microsoft.com/office/drawing/2014/main" id="{C80DB679-2ECB-C300-07ED-510AC2F293D8}"/>
+                <a16:creationId xmlns:a16="http://schemas.microsoft.com/office/drawing/2014/main" xmlns="" id="{C80DB679-2ECB-C300-07ED-510AC2F293D8}"/>
               </a:ext>
             </a:extLst>
           </p:cNvPr>
@@ -12438,7 +12469,7 @@
             <p:cNvPr id="6" name="Left Bracket 5">
               <a:extLst>
                 <a:ext uri="{FF2B5EF4-FFF2-40B4-BE49-F238E27FC236}">
-                  <a16:creationId xmlns:a16="http://schemas.microsoft.com/office/drawing/2014/main" id="{F3AB4B92-28C7-4F3C-8D22-E665F5875419}"/>
+                  <a16:creationId xmlns:a16="http://schemas.microsoft.com/office/drawing/2014/main" xmlns="" id="{F3AB4B92-28C7-4F3C-8D22-E665F5875419}"/>
                 </a:ext>
               </a:extLst>
             </p:cNvPr>
@@ -12490,7 +12521,7 @@
             <p:cNvPr id="8" name="TextBox 7">
               <a:extLst>
                 <a:ext uri="{FF2B5EF4-FFF2-40B4-BE49-F238E27FC236}">
-                  <a16:creationId xmlns:a16="http://schemas.microsoft.com/office/drawing/2014/main" id="{870B483E-E4B0-78FC-97F8-4592FE3A72A1}"/>
+                  <a16:creationId xmlns:a16="http://schemas.microsoft.com/office/drawing/2014/main" xmlns="" id="{870B483E-E4B0-78FC-97F8-4592FE3A72A1}"/>
                 </a:ext>
               </a:extLst>
             </p:cNvPr>
@@ -12549,7 +12580,7 @@
             <p:cNvPr id="9" name="TextBox 8">
               <a:extLst>
                 <a:ext uri="{FF2B5EF4-FFF2-40B4-BE49-F238E27FC236}">
-                  <a16:creationId xmlns:a16="http://schemas.microsoft.com/office/drawing/2014/main" id="{56C14C5D-E97E-0625-EF9F-05E37C1503DB}"/>
+                  <a16:creationId xmlns:a16="http://schemas.microsoft.com/office/drawing/2014/main" xmlns="" id="{56C14C5D-E97E-0625-EF9F-05E37C1503DB}"/>
                 </a:ext>
               </a:extLst>
             </p:cNvPr>
@@ -12679,13 +12710,13 @@
   <p:clrMapOvr>
     <a:masterClrMapping/>
   </p:clrMapOvr>
-  <mc:AlternateContent xmlns:mc="http://schemas.openxmlformats.org/markup-compatibility/2006" xmlns:p159="http://schemas.microsoft.com/office/powerpoint/2015/09/main">
-    <mc:Choice Requires="p159">
+  <mc:AlternateContent xmlns:mc="http://schemas.openxmlformats.org/markup-compatibility/2006">
+    <mc:Choice xmlns:p159="http://schemas.microsoft.com/office/powerpoint/2015/09/main" xmlns="" Requires="p159">
       <p:transition xmlns:p14="http://schemas.microsoft.com/office/powerpoint/2010/main" spd="slow" p14:dur="2000" advTm="6000">
         <p159:morph option="byObject"/>
       </p:transition>
     </mc:Choice>
-    <mc:Fallback xmlns="">
+    <mc:Fallback>
       <p:transition spd="slow" advTm="6000">
         <p:fade/>
       </p:transition>
@@ -12716,7 +12747,7 @@
           <p:cNvPr id="2" name="Group 1">
             <a:extLst>
               <a:ext uri="{FF2B5EF4-FFF2-40B4-BE49-F238E27FC236}">
-                <a16:creationId xmlns:a16="http://schemas.microsoft.com/office/drawing/2014/main" id="{78E4FAE7-A0A2-45B0-E167-38C5C73BA94F}"/>
+                <a16:creationId xmlns:a16="http://schemas.microsoft.com/office/drawing/2014/main" xmlns="" id="{78E4FAE7-A0A2-45B0-E167-38C5C73BA94F}"/>
               </a:ext>
             </a:extLst>
           </p:cNvPr>
@@ -12736,7 +12767,7 @@
             <p:cNvPr id="6" name="Left Bracket 5">
               <a:extLst>
                 <a:ext uri="{FF2B5EF4-FFF2-40B4-BE49-F238E27FC236}">
-                  <a16:creationId xmlns:a16="http://schemas.microsoft.com/office/drawing/2014/main" id="{F3AB4B92-28C7-4F3C-8D22-E665F5875419}"/>
+                  <a16:creationId xmlns:a16="http://schemas.microsoft.com/office/drawing/2014/main" xmlns="" id="{F3AB4B92-28C7-4F3C-8D22-E665F5875419}"/>
                 </a:ext>
               </a:extLst>
             </p:cNvPr>
@@ -12788,7 +12819,7 @@
             <p:cNvPr id="8" name="TextBox 7">
               <a:extLst>
                 <a:ext uri="{FF2B5EF4-FFF2-40B4-BE49-F238E27FC236}">
-                  <a16:creationId xmlns:a16="http://schemas.microsoft.com/office/drawing/2014/main" id="{870B483E-E4B0-78FC-97F8-4592FE3A72A1}"/>
+                  <a16:creationId xmlns:a16="http://schemas.microsoft.com/office/drawing/2014/main" xmlns="" id="{870B483E-E4B0-78FC-97F8-4592FE3A72A1}"/>
                 </a:ext>
               </a:extLst>
             </p:cNvPr>
@@ -12834,7 +12865,7 @@
             <p:cNvPr id="9" name="TextBox 8">
               <a:extLst>
                 <a:ext uri="{FF2B5EF4-FFF2-40B4-BE49-F238E27FC236}">
-                  <a16:creationId xmlns:a16="http://schemas.microsoft.com/office/drawing/2014/main" id="{56C14C5D-E97E-0625-EF9F-05E37C1503DB}"/>
+                  <a16:creationId xmlns:a16="http://schemas.microsoft.com/office/drawing/2014/main" xmlns="" id="{56C14C5D-E97E-0625-EF9F-05E37C1503DB}"/>
                 </a:ext>
               </a:extLst>
             </p:cNvPr>
@@ -13101,13 +13132,13 @@
   <p:clrMapOvr>
     <a:masterClrMapping/>
   </p:clrMapOvr>
-  <mc:AlternateContent xmlns:mc="http://schemas.openxmlformats.org/markup-compatibility/2006" xmlns:p159="http://schemas.microsoft.com/office/powerpoint/2015/09/main">
-    <mc:Choice Requires="p159">
+  <mc:AlternateContent xmlns:mc="http://schemas.openxmlformats.org/markup-compatibility/2006">
+    <mc:Choice xmlns:p159="http://schemas.microsoft.com/office/powerpoint/2015/09/main" xmlns="" Requires="p159">
       <p:transition xmlns:p14="http://schemas.microsoft.com/office/powerpoint/2010/main" spd="slow" p14:dur="2000" advTm="3000">
         <p159:morph option="byObject"/>
       </p:transition>
     </mc:Choice>
-    <mc:Fallback xmlns="">
+    <mc:Fallback>
       <p:transition spd="slow" advTm="3000">
         <p:fade/>
       </p:transition>
@@ -13138,7 +13169,7 @@
           <p:cNvPr id="3" name="Group 2">
             <a:extLst>
               <a:ext uri="{FF2B5EF4-FFF2-40B4-BE49-F238E27FC236}">
-                <a16:creationId xmlns:a16="http://schemas.microsoft.com/office/drawing/2014/main" id="{DAD318E1-D9F1-12A9-38DB-A14AA88CF879}"/>
+                <a16:creationId xmlns:a16="http://schemas.microsoft.com/office/drawing/2014/main" xmlns="" id="{DAD318E1-D9F1-12A9-38DB-A14AA88CF879}"/>
               </a:ext>
             </a:extLst>
           </p:cNvPr>
@@ -13158,7 +13189,7 @@
             <p:cNvPr id="8" name="TextBox 7">
               <a:extLst>
                 <a:ext uri="{FF2B5EF4-FFF2-40B4-BE49-F238E27FC236}">
-                  <a16:creationId xmlns:a16="http://schemas.microsoft.com/office/drawing/2014/main" id="{870B483E-E4B0-78FC-97F8-4592FE3A72A1}"/>
+                  <a16:creationId xmlns:a16="http://schemas.microsoft.com/office/drawing/2014/main" xmlns="" id="{870B483E-E4B0-78FC-97F8-4592FE3A72A1}"/>
                 </a:ext>
               </a:extLst>
             </p:cNvPr>
@@ -13204,7 +13235,7 @@
             <p:cNvPr id="9" name="TextBox 8">
               <a:extLst>
                 <a:ext uri="{FF2B5EF4-FFF2-40B4-BE49-F238E27FC236}">
-                  <a16:creationId xmlns:a16="http://schemas.microsoft.com/office/drawing/2014/main" id="{56C14C5D-E97E-0625-EF9F-05E37C1503DB}"/>
+                  <a16:creationId xmlns:a16="http://schemas.microsoft.com/office/drawing/2014/main" xmlns="" id="{56C14C5D-E97E-0625-EF9F-05E37C1503DB}"/>
                 </a:ext>
               </a:extLst>
             </p:cNvPr>
@@ -13327,7 +13358,7 @@
             <p:cNvPr id="2" name="Left Bracket 1">
               <a:extLst>
                 <a:ext uri="{FF2B5EF4-FFF2-40B4-BE49-F238E27FC236}">
-                  <a16:creationId xmlns:a16="http://schemas.microsoft.com/office/drawing/2014/main" id="{AC859015-3065-668A-5054-3ABA5121C338}"/>
+                  <a16:creationId xmlns:a16="http://schemas.microsoft.com/office/drawing/2014/main" xmlns="" id="{AC859015-3065-668A-5054-3ABA5121C338}"/>
                 </a:ext>
               </a:extLst>
             </p:cNvPr>
@@ -13385,13 +13416,13 @@
   <p:clrMapOvr>
     <a:masterClrMapping/>
   </p:clrMapOvr>
-  <mc:AlternateContent xmlns:mc="http://schemas.openxmlformats.org/markup-compatibility/2006" xmlns:p159="http://schemas.microsoft.com/office/powerpoint/2015/09/main">
-    <mc:Choice Requires="p159">
+  <mc:AlternateContent xmlns:mc="http://schemas.openxmlformats.org/markup-compatibility/2006">
+    <mc:Choice xmlns:p159="http://schemas.microsoft.com/office/powerpoint/2015/09/main" xmlns="" Requires="p159">
       <p:transition xmlns:p14="http://schemas.microsoft.com/office/powerpoint/2010/main" spd="slow" p14:dur="2000" advTm="4000">
         <p159:morph option="byObject"/>
       </p:transition>
     </mc:Choice>
-    <mc:Fallback xmlns="">
+    <mc:Fallback>
       <p:transition spd="slow" advTm="4000">
         <p:fade/>
       </p:transition>
@@ -13422,7 +13453,7 @@
           <p:cNvPr id="3" name="Group 2">
             <a:extLst>
               <a:ext uri="{FF2B5EF4-FFF2-40B4-BE49-F238E27FC236}">
-                <a16:creationId xmlns:a16="http://schemas.microsoft.com/office/drawing/2014/main" id="{AC78B69C-941C-E5F8-F694-08508F8664F4}"/>
+                <a16:creationId xmlns:a16="http://schemas.microsoft.com/office/drawing/2014/main" xmlns="" id="{AC78B69C-941C-E5F8-F694-08508F8664F4}"/>
               </a:ext>
             </a:extLst>
           </p:cNvPr>
@@ -13442,7 +13473,7 @@
             <p:cNvPr id="8" name="TextBox 7">
               <a:extLst>
                 <a:ext uri="{FF2B5EF4-FFF2-40B4-BE49-F238E27FC236}">
-                  <a16:creationId xmlns:a16="http://schemas.microsoft.com/office/drawing/2014/main" id="{870B483E-E4B0-78FC-97F8-4592FE3A72A1}"/>
+                  <a16:creationId xmlns:a16="http://schemas.microsoft.com/office/drawing/2014/main" xmlns="" id="{870B483E-E4B0-78FC-97F8-4592FE3A72A1}"/>
                 </a:ext>
               </a:extLst>
             </p:cNvPr>
@@ -13489,7 +13520,7 @@
             <p:cNvPr id="9" name="TextBox 8">
               <a:extLst>
                 <a:ext uri="{FF2B5EF4-FFF2-40B4-BE49-F238E27FC236}">
-                  <a16:creationId xmlns:a16="http://schemas.microsoft.com/office/drawing/2014/main" id="{56C14C5D-E97E-0625-EF9F-05E37C1503DB}"/>
+                  <a16:creationId xmlns:a16="http://schemas.microsoft.com/office/drawing/2014/main" xmlns="" id="{56C14C5D-E97E-0625-EF9F-05E37C1503DB}"/>
                 </a:ext>
               </a:extLst>
             </p:cNvPr>
@@ -13854,7 +13885,7 @@
             <p:cNvPr id="2" name="Left Bracket 1">
               <a:extLst>
                 <a:ext uri="{FF2B5EF4-FFF2-40B4-BE49-F238E27FC236}">
-                  <a16:creationId xmlns:a16="http://schemas.microsoft.com/office/drawing/2014/main" id="{AC859015-3065-668A-5054-3ABA5121C338}"/>
+                  <a16:creationId xmlns:a16="http://schemas.microsoft.com/office/drawing/2014/main" xmlns="" id="{AC859015-3065-668A-5054-3ABA5121C338}"/>
                 </a:ext>
               </a:extLst>
             </p:cNvPr>
@@ -13913,7 +13944,7 @@
     <a:masterClrMapping/>
   </p:clrMapOvr>
   <mc:AlternateContent xmlns:mc="http://schemas.openxmlformats.org/markup-compatibility/2006">
-    <mc:Choice xmlns:p159="http://schemas.microsoft.com/office/powerpoint/2015/09/main" Requires="p159">
+    <mc:Choice xmlns:p159="http://schemas.microsoft.com/office/powerpoint/2015/09/main" xmlns="" Requires="p159">
       <p:transition xmlns:p14="http://schemas.microsoft.com/office/powerpoint/2010/main" spd="slow" p14:dur="2000" advTm="15500">
         <p159:morph option="byObject"/>
       </p:transition>
@@ -13949,7 +13980,7 @@
           <p:cNvPr id="6" name="TextBox 5">
             <a:extLst>
               <a:ext uri="{FF2B5EF4-FFF2-40B4-BE49-F238E27FC236}">
-                <a16:creationId xmlns:a16="http://schemas.microsoft.com/office/drawing/2014/main" id="{26BBBAE0-C470-1EED-8F24-BE2F5FB10B46}"/>
+                <a16:creationId xmlns:a16="http://schemas.microsoft.com/office/drawing/2014/main" xmlns="" id="{26BBBAE0-C470-1EED-8F24-BE2F5FB10B46}"/>
               </a:ext>
             </a:extLst>
           </p:cNvPr>
@@ -13981,7 +14012,7 @@
           <p:cNvPr id="2" name="TextBox 1">
             <a:extLst>
               <a:ext uri="{FF2B5EF4-FFF2-40B4-BE49-F238E27FC236}">
-                <a16:creationId xmlns:a16="http://schemas.microsoft.com/office/drawing/2014/main" id="{2B7F22BD-1262-AE22-0664-737D78B34D01}"/>
+                <a16:creationId xmlns:a16="http://schemas.microsoft.com/office/drawing/2014/main" xmlns="" id="{2B7F22BD-1262-AE22-0664-737D78B34D01}"/>
               </a:ext>
             </a:extLst>
           </p:cNvPr>
@@ -13991,7 +14022,7 @@
         <p:spPr>
           <a:xfrm>
             <a:off x="5486398" y="59739"/>
-            <a:ext cx="4666662" cy="6786473"/>
+            <a:ext cx="4416594" cy="6786473"/>
           </a:xfrm>
           <a:prstGeom prst="rect">
             <a:avLst/>
@@ -14314,6 +14345,84 @@
               </a:rPr>
               <a:t> </a:t>
             </a:r>
+            <a:endParaRPr lang="en-US" sz="1500" dirty="0">
+              <a:solidFill>
+                <a:srgbClr val="37352F"/>
+              </a:solidFill>
+              <a:latin typeface="Consolas" panose="020B0609020204030204" pitchFamily="49" charset="0"/>
+            </a:endParaRPr>
+          </a:p>
+          <a:p>
+            <a:r>
+              <a:rPr lang="en-US" sz="1500" b="0" i="0" dirty="0" smtClean="0">
+                <a:solidFill>
+                  <a:srgbClr val="37352F"/>
+                </a:solidFill>
+                <a:effectLst/>
+                <a:latin typeface="Consolas" panose="020B0609020204030204" pitchFamily="49" charset="0"/>
+              </a:rPr>
+              <a:t>  </a:t>
+            </a:r>
+            <a:r>
+              <a:rPr lang="en-US" sz="1500" b="0" i="0" dirty="0" smtClean="0">
+                <a:solidFill>
+                  <a:srgbClr val="990055"/>
+                </a:solidFill>
+                <a:effectLst/>
+                <a:latin typeface="Consolas" panose="020B0609020204030204" pitchFamily="49" charset="0"/>
+              </a:rPr>
+              <a:t>type</a:t>
+            </a:r>
+            <a:r>
+              <a:rPr lang="en-US" sz="1500" b="0" i="0" dirty="0" smtClean="0">
+                <a:solidFill>
+                  <a:srgbClr val="9A6E3A"/>
+                </a:solidFill>
+                <a:effectLst/>
+                <a:latin typeface="Consolas" panose="020B0609020204030204" pitchFamily="49" charset="0"/>
+              </a:rPr>
+              <a:t>:</a:t>
+            </a:r>
+            <a:r>
+              <a:rPr lang="en-US" sz="1500" b="0" i="0" dirty="0" smtClean="0">
+                <a:solidFill>
+                  <a:srgbClr val="37352F"/>
+                </a:solidFill>
+                <a:effectLst/>
+                <a:latin typeface="Consolas" panose="020B0609020204030204" pitchFamily="49" charset="0"/>
+              </a:rPr>
+              <a:t> </a:t>
+            </a:r>
+            <a:r>
+              <a:rPr lang="en-US" sz="1500" b="0" i="0" dirty="0" smtClean="0">
+                <a:solidFill>
+                  <a:srgbClr val="669900"/>
+                </a:solidFill>
+                <a:effectLst/>
+                <a:latin typeface="Consolas" panose="020B0609020204030204" pitchFamily="49" charset="0"/>
+              </a:rPr>
+              <a:t>"object"</a:t>
+            </a:r>
+            <a:r>
+              <a:rPr lang="en-US" sz="1500" b="0" i="0" dirty="0" smtClean="0">
+                <a:solidFill>
+                  <a:srgbClr val="999999"/>
+                </a:solidFill>
+                <a:effectLst/>
+                <a:latin typeface="Consolas" panose="020B0609020204030204" pitchFamily="49" charset="0"/>
+              </a:rPr>
+              <a:t>,</a:t>
+            </a:r>
+            <a:r>
+              <a:rPr lang="en-US" sz="1500" b="0" i="0" dirty="0" smtClean="0">
+                <a:solidFill>
+                  <a:srgbClr val="37352F"/>
+                </a:solidFill>
+                <a:effectLst/>
+                <a:latin typeface="Consolas" panose="020B0609020204030204" pitchFamily="49" charset="0"/>
+              </a:rPr>
+              <a:t> </a:t>
+            </a:r>
           </a:p>
           <a:p>
             <a:r>
@@ -14323,11 +14432,130 @@
                 </a:solidFill>
                 <a:latin typeface="Consolas" panose="020B0609020204030204" pitchFamily="49" charset="0"/>
               </a:rPr>
-              <a:t>	</a:t>
+              <a:t> </a:t>
+            </a:r>
+            <a:r>
+              <a:rPr lang="en-US" sz="1500" dirty="0" smtClean="0">
+                <a:solidFill>
+                  <a:srgbClr val="37352F"/>
+                </a:solidFill>
+                <a:latin typeface="Consolas" panose="020B0609020204030204" pitchFamily="49" charset="0"/>
+              </a:rPr>
+              <a:t> </a:t>
+            </a:r>
+            <a:r>
+              <a:rPr lang="en-US" sz="1500" b="0" i="0" dirty="0" smtClean="0">
+                <a:solidFill>
+                  <a:srgbClr val="990055"/>
+                </a:solidFill>
+                <a:effectLst/>
+                <a:latin typeface="Consolas" panose="020B0609020204030204" pitchFamily="49" charset="0"/>
+              </a:rPr>
+              <a:t>properties</a:t>
+            </a:r>
+            <a:r>
+              <a:rPr lang="en-US" sz="1500" b="0" i="0" dirty="0" smtClean="0">
+                <a:solidFill>
+                  <a:srgbClr val="9A6E3A"/>
+                </a:solidFill>
+                <a:effectLst/>
+                <a:latin typeface="Consolas" panose="020B0609020204030204" pitchFamily="49" charset="0"/>
+              </a:rPr>
+              <a:t>:</a:t>
+            </a:r>
+            <a:r>
+              <a:rPr lang="en-US" sz="1500" b="0" i="0" dirty="0" smtClean="0">
+                <a:solidFill>
+                  <a:srgbClr val="37352F"/>
+                </a:solidFill>
+                <a:effectLst/>
+                <a:latin typeface="Consolas" panose="020B0609020204030204" pitchFamily="49" charset="0"/>
+              </a:rPr>
+              <a:t>    </a:t>
+            </a:r>
+            <a:r>
+              <a:rPr lang="en-US" sz="1500" b="0" i="0" dirty="0" smtClean="0">
+                <a:solidFill>
+                  <a:srgbClr val="999999"/>
+                </a:solidFill>
+                <a:effectLst/>
+                <a:latin typeface="Consolas" panose="020B0609020204030204" pitchFamily="49" charset="0"/>
+              </a:rPr>
+              <a:t>{</a:t>
+            </a:r>
+            <a:r>
+              <a:rPr lang="en-US" sz="1500" b="0" i="0" dirty="0" smtClean="0">
+                <a:solidFill>
+                  <a:srgbClr val="37352F"/>
+                </a:solidFill>
+                <a:effectLst/>
+                <a:latin typeface="Consolas" panose="020B0609020204030204" pitchFamily="49" charset="0"/>
+              </a:rPr>
+              <a:t> </a:t>
+            </a:r>
+          </a:p>
+          <a:p>
+            <a:r>
+              <a:rPr lang="en-US" sz="1500" dirty="0">
+                <a:solidFill>
+                  <a:srgbClr val="37352F"/>
+                </a:solidFill>
+                <a:latin typeface="Consolas" panose="020B0609020204030204" pitchFamily="49" charset="0"/>
+              </a:rPr>
+              <a:t> </a:t>
+            </a:r>
+            <a:r>
+              <a:rPr lang="en-US" sz="1500" dirty="0" smtClean="0">
+                <a:solidFill>
+                  <a:srgbClr val="37352F"/>
+                </a:solidFill>
+                <a:latin typeface="Consolas" panose="020B0609020204030204" pitchFamily="49" charset="0"/>
+              </a:rPr>
+              <a:t>   </a:t>
+            </a:r>
+            <a:r>
+              <a:rPr lang="en-US" sz="1500" b="0" i="0" dirty="0" smtClean="0">
+                <a:solidFill>
+                  <a:srgbClr val="990055"/>
+                </a:solidFill>
+                <a:effectLst/>
+                <a:latin typeface="Consolas" panose="020B0609020204030204" pitchFamily="49" charset="0"/>
+              </a:rPr>
+              <a:t>temperature</a:t>
             </a:r>
             <a:r>
               <a:rPr lang="en-US" sz="1500" b="0" i="0" dirty="0">
                 <a:solidFill>
+                  <a:srgbClr val="9A6E3A"/>
+                </a:solidFill>
+                <a:effectLst/>
+                <a:latin typeface="Consolas" panose="020B0609020204030204" pitchFamily="49" charset="0"/>
+              </a:rPr>
+              <a:t>:</a:t>
+            </a:r>
+            <a:r>
+              <a:rPr lang="en-US" sz="1500" b="0" i="0" dirty="0">
+                <a:solidFill>
+                  <a:srgbClr val="37352F"/>
+                </a:solidFill>
+                <a:effectLst/>
+                <a:latin typeface="Consolas" panose="020B0609020204030204" pitchFamily="49" charset="0"/>
+              </a:rPr>
+              <a:t> </a:t>
+            </a:r>
+            <a:r>
+              <a:rPr lang="en-US" sz="1500" b="0" i="0" dirty="0">
+                <a:solidFill>
+                  <a:srgbClr val="999999"/>
+                </a:solidFill>
+                <a:effectLst/>
+                <a:latin typeface="Consolas" panose="020B0609020204030204" pitchFamily="49" charset="0"/>
+              </a:rPr>
+              <a:t>{</a:t>
+            </a:r>
+            <a:r>
+              <a:rPr lang="en-US" sz="1500" b="0" i="0" dirty="0">
+                <a:solidFill>
                   <a:srgbClr val="990055"/>
                 </a:solidFill>
                 <a:effectLst/>
@@ -14363,7 +14591,7 @@
                 <a:effectLst/>
                 <a:latin typeface="Consolas" panose="020B0609020204030204" pitchFamily="49" charset="0"/>
               </a:rPr>
-              <a:t>"object"</a:t>
+              <a:t>"number"</a:t>
             </a:r>
             <a:r>
               <a:rPr lang="en-US" sz="1500" b="0" i="0" dirty="0">
@@ -14373,6 +14601,380 @@
                 <a:effectLst/>
                 <a:latin typeface="Consolas" panose="020B0609020204030204" pitchFamily="49" charset="0"/>
               </a:rPr>
+              <a:t>},</a:t>
+            </a:r>
+            <a:r>
+              <a:rPr lang="en-US" sz="1500" b="0" i="0" dirty="0">
+                <a:solidFill>
+                  <a:srgbClr val="37352F"/>
+                </a:solidFill>
+                <a:effectLst/>
+                <a:latin typeface="Consolas" panose="020B0609020204030204" pitchFamily="49" charset="0"/>
+              </a:rPr>
+              <a:t> </a:t>
+            </a:r>
+          </a:p>
+          <a:p>
+            <a:r>
+              <a:rPr lang="en-US" sz="1500" dirty="0">
+                <a:solidFill>
+                  <a:srgbClr val="37352F"/>
+                </a:solidFill>
+                <a:latin typeface="Consolas" panose="020B0609020204030204" pitchFamily="49" charset="0"/>
+              </a:rPr>
+              <a:t> </a:t>
+            </a:r>
+            <a:r>
+              <a:rPr lang="en-US" sz="1500" dirty="0" smtClean="0">
+                <a:solidFill>
+                  <a:srgbClr val="37352F"/>
+                </a:solidFill>
+                <a:latin typeface="Consolas" panose="020B0609020204030204" pitchFamily="49" charset="0"/>
+              </a:rPr>
+              <a:t>   </a:t>
+            </a:r>
+            <a:r>
+              <a:rPr lang="en-US" sz="1500" b="0" i="0" dirty="0" smtClean="0">
+                <a:solidFill>
+                  <a:srgbClr val="990055"/>
+                </a:solidFill>
+                <a:effectLst/>
+                <a:latin typeface="Consolas" panose="020B0609020204030204" pitchFamily="49" charset="0"/>
+              </a:rPr>
+              <a:t>unit</a:t>
+            </a:r>
+            <a:r>
+              <a:rPr lang="en-US" sz="1500" b="0" i="0" dirty="0">
+                <a:solidFill>
+                  <a:srgbClr val="9A6E3A"/>
+                </a:solidFill>
+                <a:effectLst/>
+                <a:latin typeface="Consolas" panose="020B0609020204030204" pitchFamily="49" charset="0"/>
+              </a:rPr>
+              <a:t>:</a:t>
+            </a:r>
+            <a:r>
+              <a:rPr lang="en-US" sz="1500" b="0" i="0" dirty="0">
+                <a:solidFill>
+                  <a:srgbClr val="37352F"/>
+                </a:solidFill>
+                <a:effectLst/>
+                <a:latin typeface="Consolas" panose="020B0609020204030204" pitchFamily="49" charset="0"/>
+              </a:rPr>
+              <a:t> </a:t>
+            </a:r>
+            <a:r>
+              <a:rPr lang="en-US" sz="1500" b="0" i="0" dirty="0">
+                <a:solidFill>
+                  <a:srgbClr val="999999"/>
+                </a:solidFill>
+                <a:effectLst/>
+                <a:latin typeface="Consolas" panose="020B0609020204030204" pitchFamily="49" charset="0"/>
+              </a:rPr>
+              <a:t>{</a:t>
+            </a:r>
+            <a:r>
+              <a:rPr lang="en-US" sz="1500" b="0" i="0" dirty="0">
+                <a:solidFill>
+                  <a:srgbClr val="990055"/>
+                </a:solidFill>
+                <a:effectLst/>
+                <a:latin typeface="Consolas" panose="020B0609020204030204" pitchFamily="49" charset="0"/>
+              </a:rPr>
+              <a:t>type</a:t>
+            </a:r>
+            <a:r>
+              <a:rPr lang="en-US" sz="1500" b="0" i="0" dirty="0">
+                <a:solidFill>
+                  <a:srgbClr val="9A6E3A"/>
+                </a:solidFill>
+                <a:effectLst/>
+                <a:latin typeface="Consolas" panose="020B0609020204030204" pitchFamily="49" charset="0"/>
+              </a:rPr>
+              <a:t>:</a:t>
+            </a:r>
+            <a:r>
+              <a:rPr lang="en-US" sz="1500" b="0" i="0" dirty="0">
+                <a:solidFill>
+                  <a:srgbClr val="37352F"/>
+                </a:solidFill>
+                <a:effectLst/>
+                <a:latin typeface="Consolas" panose="020B0609020204030204" pitchFamily="49" charset="0"/>
+              </a:rPr>
+              <a:t> </a:t>
+            </a:r>
+            <a:r>
+              <a:rPr lang="en-US" sz="1500" b="0" i="0" dirty="0">
+                <a:solidFill>
+                  <a:srgbClr val="669900"/>
+                </a:solidFill>
+                <a:effectLst/>
+                <a:latin typeface="Consolas" panose="020B0609020204030204" pitchFamily="49" charset="0"/>
+              </a:rPr>
+              <a:t>"string"</a:t>
+            </a:r>
+            <a:r>
+              <a:rPr lang="en-US" sz="1500" b="0" i="0" dirty="0">
+                <a:solidFill>
+                  <a:srgbClr val="999999"/>
+                </a:solidFill>
+                <a:effectLst/>
+                <a:latin typeface="Consolas" panose="020B0609020204030204" pitchFamily="49" charset="0"/>
+              </a:rPr>
+              <a:t>},</a:t>
+            </a:r>
+            <a:r>
+              <a:rPr lang="en-US" sz="1500" b="0" i="0" dirty="0">
+                <a:solidFill>
+                  <a:srgbClr val="37352F"/>
+                </a:solidFill>
+                <a:effectLst/>
+                <a:latin typeface="Consolas" panose="020B0609020204030204" pitchFamily="49" charset="0"/>
+              </a:rPr>
+              <a:t> </a:t>
+            </a:r>
+            <a:endParaRPr lang="en-US" sz="1500" b="0" i="0" dirty="0" smtClean="0">
+              <a:solidFill>
+                <a:srgbClr val="37352F"/>
+              </a:solidFill>
+              <a:effectLst/>
+              <a:latin typeface="Consolas" panose="020B0609020204030204" pitchFamily="49" charset="0"/>
+            </a:endParaRPr>
+          </a:p>
+          <a:p>
+            <a:r>
+              <a:rPr lang="en-US" sz="1500" dirty="0">
+                <a:solidFill>
+                  <a:srgbClr val="37352F"/>
+                </a:solidFill>
+                <a:latin typeface="Consolas" panose="020B0609020204030204" pitchFamily="49" charset="0"/>
+              </a:rPr>
+              <a:t> </a:t>
+            </a:r>
+            <a:r>
+              <a:rPr lang="en-US" sz="1500" dirty="0" smtClean="0">
+                <a:solidFill>
+                  <a:srgbClr val="37352F"/>
+                </a:solidFill>
+                <a:latin typeface="Consolas" panose="020B0609020204030204" pitchFamily="49" charset="0"/>
+              </a:rPr>
+              <a:t>   </a:t>
+            </a:r>
+            <a:r>
+              <a:rPr lang="en-US" sz="1500" b="0" i="0" dirty="0" err="1" smtClean="0">
+                <a:solidFill>
+                  <a:srgbClr val="990055"/>
+                </a:solidFill>
+                <a:effectLst/>
+                <a:latin typeface="Consolas" panose="020B0609020204030204" pitchFamily="49" charset="0"/>
+              </a:rPr>
+              <a:t>temperatureOf</a:t>
+            </a:r>
+            <a:r>
+              <a:rPr lang="en-US" sz="1500" b="0" i="0" dirty="0">
+                <a:solidFill>
+                  <a:srgbClr val="9A6E3A"/>
+                </a:solidFill>
+                <a:effectLst/>
+                <a:latin typeface="Consolas" panose="020B0609020204030204" pitchFamily="49" charset="0"/>
+              </a:rPr>
+              <a:t>:</a:t>
+            </a:r>
+            <a:r>
+              <a:rPr lang="en-US" sz="1500" b="0" i="0" dirty="0">
+                <a:solidFill>
+                  <a:srgbClr val="37352F"/>
+                </a:solidFill>
+                <a:effectLst/>
+                <a:latin typeface="Consolas" panose="020B0609020204030204" pitchFamily="49" charset="0"/>
+              </a:rPr>
+              <a:t> </a:t>
+            </a:r>
+            <a:r>
+              <a:rPr lang="en-US" sz="1500" b="0" i="0" dirty="0">
+                <a:solidFill>
+                  <a:srgbClr val="999999"/>
+                </a:solidFill>
+                <a:effectLst/>
+                <a:latin typeface="Consolas" panose="020B0609020204030204" pitchFamily="49" charset="0"/>
+              </a:rPr>
+              <a:t>{</a:t>
+            </a:r>
+            <a:r>
+              <a:rPr lang="en-US" sz="1500" b="0" i="0" dirty="0">
+                <a:solidFill>
+                  <a:srgbClr val="990055"/>
+                </a:solidFill>
+                <a:effectLst/>
+                <a:latin typeface="Consolas" panose="020B0609020204030204" pitchFamily="49" charset="0"/>
+              </a:rPr>
+              <a:t>type</a:t>
+            </a:r>
+            <a:r>
+              <a:rPr lang="en-US" sz="1500" b="0" i="0" dirty="0">
+                <a:solidFill>
+                  <a:srgbClr val="9A6E3A"/>
+                </a:solidFill>
+                <a:effectLst/>
+                <a:latin typeface="Consolas" panose="020B0609020204030204" pitchFamily="49" charset="0"/>
+              </a:rPr>
+              <a:t>:</a:t>
+            </a:r>
+            <a:r>
+              <a:rPr lang="en-US" sz="1500" b="0" i="0" dirty="0">
+                <a:solidFill>
+                  <a:srgbClr val="37352F"/>
+                </a:solidFill>
+                <a:effectLst/>
+                <a:latin typeface="Consolas" panose="020B0609020204030204" pitchFamily="49" charset="0"/>
+              </a:rPr>
+              <a:t> </a:t>
+            </a:r>
+            <a:r>
+              <a:rPr lang="en-US" sz="1500" b="0" i="0" dirty="0">
+                <a:solidFill>
+                  <a:srgbClr val="669900"/>
+                </a:solidFill>
+                <a:effectLst/>
+                <a:latin typeface="Consolas" panose="020B0609020204030204" pitchFamily="49" charset="0"/>
+              </a:rPr>
+              <a:t>"string"</a:t>
+            </a:r>
+            <a:r>
+              <a:rPr lang="en-US" sz="1500" b="0" i="0" dirty="0">
+                <a:solidFill>
+                  <a:srgbClr val="999999"/>
+                </a:solidFill>
+                <a:effectLst/>
+                <a:latin typeface="Consolas" panose="020B0609020204030204" pitchFamily="49" charset="0"/>
+              </a:rPr>
+              <a:t>}</a:t>
+            </a:r>
+            <a:r>
+              <a:rPr lang="en-US" sz="1500" b="0" i="0" dirty="0">
+                <a:solidFill>
+                  <a:srgbClr val="37352F"/>
+                </a:solidFill>
+                <a:effectLst/>
+                <a:latin typeface="Consolas" panose="020B0609020204030204" pitchFamily="49" charset="0"/>
+              </a:rPr>
+              <a:t> </a:t>
+            </a:r>
+          </a:p>
+          <a:p>
+            <a:r>
+              <a:rPr lang="en-US" sz="1500" dirty="0">
+                <a:solidFill>
+                  <a:srgbClr val="999999"/>
+                </a:solidFill>
+                <a:latin typeface="Consolas" panose="020B0609020204030204" pitchFamily="49" charset="0"/>
+              </a:rPr>
+              <a:t> </a:t>
+            </a:r>
+            <a:r>
+              <a:rPr lang="en-US" sz="1500" dirty="0" smtClean="0">
+                <a:solidFill>
+                  <a:srgbClr val="999999"/>
+                </a:solidFill>
+                <a:latin typeface="Consolas" panose="020B0609020204030204" pitchFamily="49" charset="0"/>
+              </a:rPr>
+              <a:t> </a:t>
+            </a:r>
+            <a:r>
+              <a:rPr lang="en-US" sz="1500" b="0" i="0" dirty="0" smtClean="0">
+                <a:solidFill>
+                  <a:srgbClr val="999999"/>
+                </a:solidFill>
+                <a:effectLst/>
+                <a:latin typeface="Consolas" panose="020B0609020204030204" pitchFamily="49" charset="0"/>
+              </a:rPr>
+              <a:t>},</a:t>
+            </a:r>
+            <a:endParaRPr lang="en-US" sz="1500" b="0" i="0" dirty="0">
+              <a:solidFill>
+                <a:srgbClr val="999999"/>
+              </a:solidFill>
+              <a:effectLst/>
+              <a:latin typeface="Consolas" panose="020B0609020204030204" pitchFamily="49" charset="0"/>
+            </a:endParaRPr>
+          </a:p>
+          <a:p>
+            <a:r>
+              <a:rPr lang="en-US" sz="1500" dirty="0">
+                <a:solidFill>
+                  <a:srgbClr val="999999"/>
+                </a:solidFill>
+                <a:latin typeface="Consolas" panose="020B0609020204030204" pitchFamily="49" charset="0"/>
+              </a:rPr>
+              <a:t> </a:t>
+            </a:r>
+            <a:r>
+              <a:rPr lang="en-US" sz="1500" dirty="0" smtClean="0">
+                <a:solidFill>
+                  <a:srgbClr val="999999"/>
+                </a:solidFill>
+                <a:latin typeface="Consolas" panose="020B0609020204030204" pitchFamily="49" charset="0"/>
+              </a:rPr>
+              <a:t> </a:t>
+            </a:r>
+            <a:r>
+              <a:rPr lang="en-US" sz="1500" b="0" i="0" dirty="0" smtClean="0">
+                <a:solidFill>
+                  <a:srgbClr val="990055"/>
+                </a:solidFill>
+                <a:effectLst/>
+                <a:latin typeface="Consolas" panose="020B0609020204030204" pitchFamily="49" charset="0"/>
+              </a:rPr>
+              <a:t>required</a:t>
+            </a:r>
+            <a:r>
+              <a:rPr lang="en-US" sz="1500" b="0" i="0" dirty="0">
+                <a:solidFill>
+                  <a:srgbClr val="9A6E3A"/>
+                </a:solidFill>
+                <a:effectLst/>
+                <a:latin typeface="Consolas" panose="020B0609020204030204" pitchFamily="49" charset="0"/>
+              </a:rPr>
+              <a:t>: </a:t>
+            </a:r>
+            <a:r>
+              <a:rPr lang="en-US" sz="1500" b="0" i="0" dirty="0">
+                <a:solidFill>
+                  <a:srgbClr val="37352F"/>
+                </a:solidFill>
+                <a:effectLst/>
+                <a:latin typeface="Consolas" panose="020B0609020204030204" pitchFamily="49" charset="0"/>
+              </a:rPr>
+              <a:t> </a:t>
+            </a:r>
+            <a:r>
+              <a:rPr lang="en-US" sz="1500" b="0" i="0" dirty="0">
+                <a:solidFill>
+                  <a:srgbClr val="999999"/>
+                </a:solidFill>
+                <a:effectLst/>
+                <a:latin typeface="Consolas" panose="020B0609020204030204" pitchFamily="49" charset="0"/>
+              </a:rPr>
+              <a:t>[</a:t>
+            </a:r>
+            <a:r>
+              <a:rPr lang="en-US" sz="1500" b="0" i="0" dirty="0">
+                <a:solidFill>
+                  <a:srgbClr val="669900"/>
+                </a:solidFill>
+                <a:effectLst/>
+                <a:latin typeface="Consolas" panose="020B0609020204030204" pitchFamily="49" charset="0"/>
+              </a:rPr>
+              <a:t>"temperature"</a:t>
+            </a:r>
+            <a:r>
+              <a:rPr lang="en-US" sz="1500" b="0" i="0" dirty="0">
+                <a:solidFill>
+                  <a:srgbClr val="999999"/>
+                </a:solidFill>
+                <a:effectLst/>
+                <a:latin typeface="Consolas" panose="020B0609020204030204" pitchFamily="49" charset="0"/>
+              </a:rPr>
               <a:t>,</a:t>
             </a:r>
             <a:r>
@@ -14385,536 +14987,48 @@
               </a:rPr>
               <a:t> </a:t>
             </a:r>
+            <a:r>
+              <a:rPr lang="en-US" sz="1500" b="0" i="0" dirty="0">
+                <a:solidFill>
+                  <a:srgbClr val="669900"/>
+                </a:solidFill>
+                <a:effectLst/>
+                <a:latin typeface="Consolas" panose="020B0609020204030204" pitchFamily="49" charset="0"/>
+              </a:rPr>
+              <a:t>"unit"</a:t>
+            </a:r>
+            <a:r>
+              <a:rPr lang="en-US" sz="1500" b="0" i="0" dirty="0">
+                <a:solidFill>
+                  <a:srgbClr val="999999"/>
+                </a:solidFill>
+                <a:effectLst/>
+                <a:latin typeface="Consolas" panose="020B0609020204030204" pitchFamily="49" charset="0"/>
+              </a:rPr>
+              <a:t>],</a:t>
+            </a:r>
           </a:p>
           <a:p>
             <a:r>
               <a:rPr lang="en-US" sz="1500" dirty="0">
                 <a:solidFill>
-                  <a:srgbClr val="37352F"/>
-                </a:solidFill>
-                <a:latin typeface="Consolas" panose="020B0609020204030204" pitchFamily="49" charset="0"/>
-              </a:rPr>
-              <a:t>	</a:t>
-            </a:r>
-            <a:r>
-              <a:rPr lang="en-US" sz="1500" b="0" i="0" dirty="0">
-                <a:solidFill>
-                  <a:srgbClr val="990055"/>
-                </a:solidFill>
-                <a:effectLst/>
-                <a:latin typeface="Consolas" panose="020B0609020204030204" pitchFamily="49" charset="0"/>
-              </a:rPr>
-              <a:t>properties</a:t>
-            </a:r>
-            <a:r>
-              <a:rPr lang="en-US" sz="1500" b="0" i="0" dirty="0">
-                <a:solidFill>
-                  <a:srgbClr val="9A6E3A"/>
-                </a:solidFill>
-                <a:effectLst/>
-                <a:latin typeface="Consolas" panose="020B0609020204030204" pitchFamily="49" charset="0"/>
-              </a:rPr>
-              <a:t>:</a:t>
-            </a:r>
-            <a:r>
-              <a:rPr lang="en-US" sz="1500" b="0" i="0" dirty="0">
-                <a:solidFill>
-                  <a:srgbClr val="37352F"/>
-                </a:solidFill>
-                <a:effectLst/>
-                <a:latin typeface="Consolas" panose="020B0609020204030204" pitchFamily="49" charset="0"/>
-              </a:rPr>
-              <a:t>    </a:t>
-            </a:r>
-            <a:r>
-              <a:rPr lang="en-US" sz="1500" b="0" i="0" dirty="0">
-                <a:solidFill>
                   <a:srgbClr val="999999"/>
                 </a:solidFill>
-                <a:effectLst/>
-                <a:latin typeface="Consolas" panose="020B0609020204030204" pitchFamily="49" charset="0"/>
-              </a:rPr>
-              <a:t>{</a:t>
-            </a:r>
-            <a:r>
-              <a:rPr lang="en-US" sz="1500" b="0" i="0" dirty="0">
-                <a:solidFill>
-                  <a:srgbClr val="37352F"/>
-                </a:solidFill>
-                <a:effectLst/>
                 <a:latin typeface="Consolas" panose="020B0609020204030204" pitchFamily="49" charset="0"/>
               </a:rPr>
               <a:t> </a:t>
             </a:r>
-          </a:p>
-          <a:p>
-            <a:r>
-              <a:rPr lang="en-US" sz="1500" dirty="0">
-                <a:solidFill>
-                  <a:srgbClr val="37352F"/>
-                </a:solidFill>
-                <a:latin typeface="Consolas" panose="020B0609020204030204" pitchFamily="49" charset="0"/>
-              </a:rPr>
-              <a:t>		</a:t>
-            </a:r>
-            <a:r>
-              <a:rPr lang="en-US" sz="1500" b="0" i="0" dirty="0">
-                <a:solidFill>
-                  <a:srgbClr val="990055"/>
-                </a:solidFill>
-                <a:effectLst/>
-                <a:latin typeface="Consolas" panose="020B0609020204030204" pitchFamily="49" charset="0"/>
-              </a:rPr>
-              <a:t>temperature</a:t>
-            </a:r>
-            <a:r>
-              <a:rPr lang="en-US" sz="1500" b="0" i="0" dirty="0">
-                <a:solidFill>
-                  <a:srgbClr val="9A6E3A"/>
-                </a:solidFill>
-                <a:effectLst/>
-                <a:latin typeface="Consolas" panose="020B0609020204030204" pitchFamily="49" charset="0"/>
-              </a:rPr>
-              <a:t>:</a:t>
-            </a:r>
-            <a:r>
-              <a:rPr lang="en-US" sz="1500" b="0" i="0" dirty="0">
-                <a:solidFill>
-                  <a:srgbClr val="37352F"/>
-                </a:solidFill>
-                <a:effectLst/>
+            <a:r>
+              <a:rPr lang="en-US" sz="1500" dirty="0" smtClean="0">
+                <a:solidFill>
+                  <a:srgbClr val="999999"/>
+                </a:solidFill>
                 <a:latin typeface="Consolas" panose="020B0609020204030204" pitchFamily="49" charset="0"/>
               </a:rPr>
               <a:t> </a:t>
             </a:r>
             <a:r>
-              <a:rPr lang="en-US" sz="1500" b="0" i="0" dirty="0">
-                <a:solidFill>
-                  <a:srgbClr val="999999"/>
-                </a:solidFill>
-                <a:effectLst/>
-                <a:latin typeface="Consolas" panose="020B0609020204030204" pitchFamily="49" charset="0"/>
-              </a:rPr>
-              <a:t>{</a:t>
-            </a:r>
-            <a:r>
-              <a:rPr lang="en-US" sz="1500" b="0" i="0" dirty="0">
-                <a:solidFill>
-                  <a:srgbClr val="990055"/>
-                </a:solidFill>
-                <a:effectLst/>
-                <a:latin typeface="Consolas" panose="020B0609020204030204" pitchFamily="49" charset="0"/>
-              </a:rPr>
-              <a:t>type</a:t>
-            </a:r>
-            <a:r>
-              <a:rPr lang="en-US" sz="1500" b="0" i="0" dirty="0">
-                <a:solidFill>
-                  <a:srgbClr val="9A6E3A"/>
-                </a:solidFill>
-                <a:effectLst/>
-                <a:latin typeface="Consolas" panose="020B0609020204030204" pitchFamily="49" charset="0"/>
-              </a:rPr>
-              <a:t>:</a:t>
-            </a:r>
-            <a:r>
-              <a:rPr lang="en-US" sz="1500" b="0" i="0" dirty="0">
-                <a:solidFill>
-                  <a:srgbClr val="37352F"/>
-                </a:solidFill>
-                <a:effectLst/>
-                <a:latin typeface="Consolas" panose="020B0609020204030204" pitchFamily="49" charset="0"/>
-              </a:rPr>
-              <a:t> </a:t>
-            </a:r>
-            <a:r>
-              <a:rPr lang="en-US" sz="1500" b="0" i="0" dirty="0">
-                <a:solidFill>
-                  <a:srgbClr val="669900"/>
-                </a:solidFill>
-                <a:effectLst/>
-                <a:latin typeface="Consolas" panose="020B0609020204030204" pitchFamily="49" charset="0"/>
-              </a:rPr>
-              <a:t>"number"</a:t>
-            </a:r>
-            <a:r>
-              <a:rPr lang="en-US" sz="1500" b="0" i="0" dirty="0">
-                <a:solidFill>
-                  <a:srgbClr val="999999"/>
-                </a:solidFill>
-                <a:effectLst/>
-                <a:latin typeface="Consolas" panose="020B0609020204030204" pitchFamily="49" charset="0"/>
-              </a:rPr>
-              <a:t>},</a:t>
-            </a:r>
-            <a:r>
-              <a:rPr lang="en-US" sz="1500" b="0" i="0" dirty="0">
-                <a:solidFill>
-                  <a:srgbClr val="37352F"/>
-                </a:solidFill>
-                <a:effectLst/>
-                <a:latin typeface="Consolas" panose="020B0609020204030204" pitchFamily="49" charset="0"/>
-              </a:rPr>
-              <a:t> </a:t>
-            </a:r>
-          </a:p>
-          <a:p>
-            <a:r>
-              <a:rPr lang="en-US" sz="1500" dirty="0">
-                <a:solidFill>
-                  <a:srgbClr val="37352F"/>
-                </a:solidFill>
-                <a:latin typeface="Consolas" panose="020B0609020204030204" pitchFamily="49" charset="0"/>
-              </a:rPr>
-              <a:t>		</a:t>
-            </a:r>
-            <a:r>
-              <a:rPr lang="en-US" sz="1500" b="0" i="0" dirty="0">
-                <a:solidFill>
-                  <a:srgbClr val="990055"/>
-                </a:solidFill>
-                <a:effectLst/>
-                <a:latin typeface="Consolas" panose="020B0609020204030204" pitchFamily="49" charset="0"/>
-              </a:rPr>
-              <a:t>unit</a:t>
-            </a:r>
-            <a:r>
-              <a:rPr lang="en-US" sz="1500" b="0" i="0" dirty="0">
-                <a:solidFill>
-                  <a:srgbClr val="9A6E3A"/>
-                </a:solidFill>
-                <a:effectLst/>
-                <a:latin typeface="Consolas" panose="020B0609020204030204" pitchFamily="49" charset="0"/>
-              </a:rPr>
-              <a:t>:</a:t>
-            </a:r>
-            <a:r>
-              <a:rPr lang="en-US" sz="1500" b="0" i="0" dirty="0">
-                <a:solidFill>
-                  <a:srgbClr val="37352F"/>
-                </a:solidFill>
-                <a:effectLst/>
-                <a:latin typeface="Consolas" panose="020B0609020204030204" pitchFamily="49" charset="0"/>
-              </a:rPr>
-              <a:t> </a:t>
-            </a:r>
-            <a:r>
-              <a:rPr lang="en-US" sz="1500" b="0" i="0" dirty="0">
-                <a:solidFill>
-                  <a:srgbClr val="999999"/>
-                </a:solidFill>
-                <a:effectLst/>
-                <a:latin typeface="Consolas" panose="020B0609020204030204" pitchFamily="49" charset="0"/>
-              </a:rPr>
-              <a:t>{</a:t>
-            </a:r>
-            <a:r>
-              <a:rPr lang="en-US" sz="1500" b="0" i="0" dirty="0">
-                <a:solidFill>
-                  <a:srgbClr val="990055"/>
-                </a:solidFill>
-                <a:effectLst/>
-                <a:latin typeface="Consolas" panose="020B0609020204030204" pitchFamily="49" charset="0"/>
-              </a:rPr>
-              <a:t>type</a:t>
-            </a:r>
-            <a:r>
-              <a:rPr lang="en-US" sz="1500" b="0" i="0" dirty="0">
-                <a:solidFill>
-                  <a:srgbClr val="9A6E3A"/>
-                </a:solidFill>
-                <a:effectLst/>
-                <a:latin typeface="Consolas" panose="020B0609020204030204" pitchFamily="49" charset="0"/>
-              </a:rPr>
-              <a:t>:</a:t>
-            </a:r>
-            <a:r>
-              <a:rPr lang="en-US" sz="1500" b="0" i="0" dirty="0">
-                <a:solidFill>
-                  <a:srgbClr val="37352F"/>
-                </a:solidFill>
-                <a:effectLst/>
-                <a:latin typeface="Consolas" panose="020B0609020204030204" pitchFamily="49" charset="0"/>
-              </a:rPr>
-              <a:t> </a:t>
-            </a:r>
-            <a:r>
-              <a:rPr lang="en-US" sz="1500" b="0" i="0" dirty="0">
-                <a:solidFill>
-                  <a:srgbClr val="669900"/>
-                </a:solidFill>
-                <a:effectLst/>
-                <a:latin typeface="Consolas" panose="020B0609020204030204" pitchFamily="49" charset="0"/>
-              </a:rPr>
-              <a:t>"string"</a:t>
-            </a:r>
-            <a:r>
-              <a:rPr lang="en-US" sz="1500" b="0" i="0" dirty="0">
-                <a:solidFill>
-                  <a:srgbClr val="999999"/>
-                </a:solidFill>
-                <a:effectLst/>
-                <a:latin typeface="Consolas" panose="020B0609020204030204" pitchFamily="49" charset="0"/>
-              </a:rPr>
-              <a:t>},</a:t>
-            </a:r>
-            <a:r>
-              <a:rPr lang="en-US" sz="1500" b="0" i="0" dirty="0">
-                <a:solidFill>
-                  <a:srgbClr val="37352F"/>
-                </a:solidFill>
-                <a:effectLst/>
-                <a:latin typeface="Consolas" panose="020B0609020204030204" pitchFamily="49" charset="0"/>
-              </a:rPr>
-              <a:t> </a:t>
-            </a:r>
-          </a:p>
-          <a:p>
-            <a:r>
-              <a:rPr lang="en-US" sz="1500" dirty="0">
-                <a:solidFill>
-                  <a:srgbClr val="37352F"/>
-                </a:solidFill>
-                <a:latin typeface="Consolas" panose="020B0609020204030204" pitchFamily="49" charset="0"/>
-              </a:rPr>
-              <a:t>		</a:t>
-            </a:r>
-            <a:r>
-              <a:rPr lang="en-US" sz="1500" b="0" i="0" dirty="0" err="1">
-                <a:solidFill>
-                  <a:srgbClr val="990055"/>
-                </a:solidFill>
-                <a:effectLst/>
-                <a:latin typeface="Consolas" panose="020B0609020204030204" pitchFamily="49" charset="0"/>
-              </a:rPr>
-              <a:t>tempratureOf</a:t>
-            </a:r>
-            <a:r>
-              <a:rPr lang="en-US" sz="1500" b="0" i="0" dirty="0">
-                <a:solidFill>
-                  <a:srgbClr val="9A6E3A"/>
-                </a:solidFill>
-                <a:effectLst/>
-                <a:latin typeface="Consolas" panose="020B0609020204030204" pitchFamily="49" charset="0"/>
-              </a:rPr>
-              <a:t>:</a:t>
-            </a:r>
-            <a:r>
-              <a:rPr lang="en-US" sz="1500" b="0" i="0" dirty="0">
-                <a:solidFill>
-                  <a:srgbClr val="37352F"/>
-                </a:solidFill>
-                <a:effectLst/>
-                <a:latin typeface="Consolas" panose="020B0609020204030204" pitchFamily="49" charset="0"/>
-              </a:rPr>
-              <a:t> </a:t>
-            </a:r>
-            <a:r>
-              <a:rPr lang="en-US" sz="1500" b="0" i="0" dirty="0">
-                <a:solidFill>
-                  <a:srgbClr val="999999"/>
-                </a:solidFill>
-                <a:effectLst/>
-                <a:latin typeface="Consolas" panose="020B0609020204030204" pitchFamily="49" charset="0"/>
-              </a:rPr>
-              <a:t>{</a:t>
-            </a:r>
-            <a:r>
-              <a:rPr lang="en-US" sz="1500" b="0" i="0" dirty="0">
-                <a:solidFill>
-                  <a:srgbClr val="990055"/>
-                </a:solidFill>
-                <a:effectLst/>
-                <a:latin typeface="Consolas" panose="020B0609020204030204" pitchFamily="49" charset="0"/>
-              </a:rPr>
-              <a:t>type</a:t>
-            </a:r>
-            <a:r>
-              <a:rPr lang="en-US" sz="1500" b="0" i="0" dirty="0">
-                <a:solidFill>
-                  <a:srgbClr val="9A6E3A"/>
-                </a:solidFill>
-                <a:effectLst/>
-                <a:latin typeface="Consolas" panose="020B0609020204030204" pitchFamily="49" charset="0"/>
-              </a:rPr>
-              <a:t>:</a:t>
-            </a:r>
-            <a:r>
-              <a:rPr lang="en-US" sz="1500" b="0" i="0" dirty="0">
-                <a:solidFill>
-                  <a:srgbClr val="37352F"/>
-                </a:solidFill>
-                <a:effectLst/>
-                <a:latin typeface="Consolas" panose="020B0609020204030204" pitchFamily="49" charset="0"/>
-              </a:rPr>
-              <a:t> </a:t>
-            </a:r>
-            <a:r>
-              <a:rPr lang="en-US" sz="1500" b="0" i="0" dirty="0">
-                <a:solidFill>
-                  <a:srgbClr val="669900"/>
-                </a:solidFill>
-                <a:effectLst/>
-                <a:latin typeface="Consolas" panose="020B0609020204030204" pitchFamily="49" charset="0"/>
-              </a:rPr>
-              <a:t>"string"</a:t>
-            </a:r>
-            <a:r>
-              <a:rPr lang="en-US" sz="1500" b="0" i="0" dirty="0">
-                <a:solidFill>
-                  <a:srgbClr val="999999"/>
-                </a:solidFill>
-                <a:effectLst/>
-                <a:latin typeface="Consolas" panose="020B0609020204030204" pitchFamily="49" charset="0"/>
-              </a:rPr>
-              <a:t>}</a:t>
-            </a:r>
-            <a:r>
-              <a:rPr lang="en-US" sz="1500" b="0" i="0" dirty="0">
-                <a:solidFill>
-                  <a:srgbClr val="37352F"/>
-                </a:solidFill>
-                <a:effectLst/>
-                <a:latin typeface="Consolas" panose="020B0609020204030204" pitchFamily="49" charset="0"/>
-              </a:rPr>
-              <a:t> </a:t>
-            </a:r>
-          </a:p>
-          <a:p>
-            <a:r>
-              <a:rPr lang="tr-TR" sz="1500" b="0" i="0" dirty="0">
-                <a:solidFill>
-                  <a:srgbClr val="999999"/>
-                </a:solidFill>
-                <a:effectLst/>
-                <a:latin typeface="Consolas" panose="020B0609020204030204" pitchFamily="49" charset="0"/>
-              </a:rPr>
-              <a:t>	</a:t>
-            </a:r>
-            <a:r>
-              <a:rPr lang="en-US" sz="1500" b="0" i="0" dirty="0">
-                <a:solidFill>
-                  <a:srgbClr val="999999"/>
-                </a:solidFill>
-                <a:effectLst/>
-                <a:latin typeface="Consolas" panose="020B0609020204030204" pitchFamily="49" charset="0"/>
-              </a:rPr>
-              <a:t>},</a:t>
-            </a:r>
-          </a:p>
-          <a:p>
-            <a:r>
-              <a:rPr lang="en-US" sz="1500" dirty="0">
-                <a:solidFill>
-                  <a:srgbClr val="999999"/>
-                </a:solidFill>
-                <a:latin typeface="Consolas" panose="020B0609020204030204" pitchFamily="49" charset="0"/>
-              </a:rPr>
-              <a:t>	</a:t>
-            </a:r>
-            <a:r>
-              <a:rPr lang="en-US" sz="1500" b="0" i="0" dirty="0">
-                <a:solidFill>
-                  <a:srgbClr val="990055"/>
-                </a:solidFill>
-                <a:effectLst/>
-                <a:latin typeface="Consolas" panose="020B0609020204030204" pitchFamily="49" charset="0"/>
-              </a:rPr>
-              <a:t>required</a:t>
-            </a:r>
-            <a:r>
-              <a:rPr lang="en-US" sz="1500" b="0" i="0" dirty="0">
-                <a:solidFill>
-                  <a:srgbClr val="9A6E3A"/>
-                </a:solidFill>
-                <a:effectLst/>
-                <a:latin typeface="Consolas" panose="020B0609020204030204" pitchFamily="49" charset="0"/>
-              </a:rPr>
-              <a:t>: </a:t>
-            </a:r>
-            <a:r>
-              <a:rPr lang="en-US" sz="1500" b="0" i="0" dirty="0">
-                <a:solidFill>
-                  <a:srgbClr val="37352F"/>
-                </a:solidFill>
-                <a:effectLst/>
-                <a:latin typeface="Consolas" panose="020B0609020204030204" pitchFamily="49" charset="0"/>
-              </a:rPr>
-              <a:t> </a:t>
-            </a:r>
-            <a:r>
-              <a:rPr lang="en-US" sz="1500" b="0" i="0" dirty="0">
-                <a:solidFill>
-                  <a:srgbClr val="999999"/>
-                </a:solidFill>
-                <a:effectLst/>
-                <a:latin typeface="Consolas" panose="020B0609020204030204" pitchFamily="49" charset="0"/>
-              </a:rPr>
-              <a:t>[</a:t>
-            </a:r>
-            <a:r>
-              <a:rPr lang="en-US" sz="1500" b="0" i="0" dirty="0">
-                <a:solidFill>
-                  <a:srgbClr val="669900"/>
-                </a:solidFill>
-                <a:effectLst/>
-                <a:latin typeface="Consolas" panose="020B0609020204030204" pitchFamily="49" charset="0"/>
-              </a:rPr>
-              <a:t>"temperature"</a:t>
-            </a:r>
-            <a:r>
-              <a:rPr lang="en-US" sz="1500" b="0" i="0" dirty="0">
-                <a:solidFill>
-                  <a:srgbClr val="999999"/>
-                </a:solidFill>
-                <a:effectLst/>
-                <a:latin typeface="Consolas" panose="020B0609020204030204" pitchFamily="49" charset="0"/>
-              </a:rPr>
-              <a:t>,</a:t>
-            </a:r>
-            <a:r>
-              <a:rPr lang="en-US" sz="1500" b="0" i="0" dirty="0">
-                <a:solidFill>
-                  <a:srgbClr val="37352F"/>
-                </a:solidFill>
-                <a:effectLst/>
-                <a:latin typeface="Consolas" panose="020B0609020204030204" pitchFamily="49" charset="0"/>
-              </a:rPr>
-              <a:t> </a:t>
-            </a:r>
-            <a:r>
-              <a:rPr lang="en-US" sz="1500" b="0" i="0" dirty="0">
-                <a:solidFill>
-                  <a:srgbClr val="669900"/>
-                </a:solidFill>
-                <a:effectLst/>
-                <a:latin typeface="Consolas" panose="020B0609020204030204" pitchFamily="49" charset="0"/>
-              </a:rPr>
-              <a:t>"unit"</a:t>
-            </a:r>
-            <a:r>
-              <a:rPr lang="en-US" sz="1500" b="0" i="0" dirty="0">
-                <a:solidFill>
-                  <a:srgbClr val="999999"/>
-                </a:solidFill>
-                <a:effectLst/>
-                <a:latin typeface="Consolas" panose="020B0609020204030204" pitchFamily="49" charset="0"/>
-              </a:rPr>
-              <a:t>],</a:t>
-            </a:r>
-          </a:p>
-          <a:p>
-            <a:r>
-              <a:rPr lang="en-US" sz="1500" dirty="0">
-                <a:solidFill>
-                  <a:srgbClr val="999999"/>
-                </a:solidFill>
-                <a:latin typeface="Consolas" panose="020B0609020204030204" pitchFamily="49" charset="0"/>
-              </a:rPr>
-              <a:t>	</a:t>
-            </a:r>
-            <a:r>
-              <a:rPr lang="en-US" sz="1500" b="0" i="0" dirty="0" err="1">
+              <a:rPr lang="en-US" sz="1500" b="0" i="0" dirty="0" err="1" smtClean="0">
                 <a:solidFill>
                   <a:srgbClr val="990055"/>
                 </a:solidFill>
@@ -15175,21 +15289,110 @@
                 </a:solidFill>
                 <a:latin typeface="Consolas" panose="020B0609020204030204" pitchFamily="49" charset="0"/>
               </a:rPr>
-              <a:t>	</a:t>
+              <a:t> </a:t>
+            </a:r>
+            <a:r>
+              <a:rPr lang="en-US" sz="1500" dirty="0" smtClean="0">
+                <a:solidFill>
+                  <a:srgbClr val="37352F"/>
+                </a:solidFill>
+                <a:latin typeface="Consolas" panose="020B0609020204030204" pitchFamily="49" charset="0"/>
+              </a:rPr>
+              <a:t> </a:t>
+            </a:r>
+            <a:r>
+              <a:rPr lang="en-US" sz="1500" b="0" i="0" dirty="0" smtClean="0">
+                <a:solidFill>
+                  <a:srgbClr val="990055"/>
+                </a:solidFill>
+                <a:effectLst/>
+                <a:latin typeface="Consolas" panose="020B0609020204030204" pitchFamily="49" charset="0"/>
+              </a:rPr>
+              <a:t>temperature</a:t>
             </a:r>
             <a:r>
               <a:rPr lang="en-US" sz="1500" b="0" i="0" dirty="0">
                 <a:solidFill>
+                  <a:srgbClr val="9A6E3A"/>
+                </a:solidFill>
+                <a:effectLst/>
+                <a:latin typeface="Consolas" panose="020B0609020204030204" pitchFamily="49" charset="0"/>
+              </a:rPr>
+              <a:t>:</a:t>
+            </a:r>
+            <a:r>
+              <a:rPr lang="en-US" sz="1500" b="0" i="0" dirty="0">
+                <a:solidFill>
+                  <a:srgbClr val="37352F"/>
+                </a:solidFill>
+                <a:effectLst/>
+                <a:latin typeface="Consolas" panose="020B0609020204030204" pitchFamily="49" charset="0"/>
+              </a:rPr>
+              <a:t> </a:t>
+            </a:r>
+            <a:r>
+              <a:rPr lang="en-US" sz="1500" b="0" i="0" dirty="0">
+                <a:solidFill>
                   <a:srgbClr val="990055"/>
                 </a:solidFill>
                 <a:effectLst/>
                 <a:latin typeface="Consolas" panose="020B0609020204030204" pitchFamily="49" charset="0"/>
               </a:rPr>
-              <a:t>temperature</a:t>
+              <a:t>15.7</a:t>
             </a:r>
             <a:r>
               <a:rPr lang="en-US" sz="1500" b="0" i="0" dirty="0">
                 <a:solidFill>
+                  <a:srgbClr val="999999"/>
+                </a:solidFill>
+                <a:effectLst/>
+                <a:latin typeface="Consolas" panose="020B0609020204030204" pitchFamily="49" charset="0"/>
+              </a:rPr>
+              <a:t>,</a:t>
+            </a:r>
+            <a:r>
+              <a:rPr lang="en-US" sz="1500" b="0" i="0" dirty="0">
+                <a:solidFill>
+                  <a:srgbClr val="37352F"/>
+                </a:solidFill>
+                <a:effectLst/>
+                <a:latin typeface="Consolas" panose="020B0609020204030204" pitchFamily="49" charset="0"/>
+              </a:rPr>
+              <a:t> 	</a:t>
+            </a:r>
+          </a:p>
+          <a:p>
+            <a:r>
+              <a:rPr lang="en-US" sz="1500" dirty="0">
+                <a:solidFill>
+                  <a:srgbClr val="37352F"/>
+                </a:solidFill>
+                <a:latin typeface="Consolas" panose="020B0609020204030204" pitchFamily="49" charset="0"/>
+              </a:rPr>
+              <a:t> </a:t>
+            </a:r>
+            <a:r>
+              <a:rPr lang="en-US" sz="1500" dirty="0" smtClean="0">
+                <a:solidFill>
+                  <a:srgbClr val="37352F"/>
+                </a:solidFill>
+                <a:latin typeface="Consolas" panose="020B0609020204030204" pitchFamily="49" charset="0"/>
+              </a:rPr>
+              <a:t> </a:t>
+            </a:r>
+            <a:r>
+              <a:rPr lang="en-US" sz="1500" b="0" i="0" dirty="0" smtClean="0">
+                <a:solidFill>
+                  <a:srgbClr val="990055"/>
+                </a:solidFill>
+                <a:effectLst/>
+                <a:latin typeface="Consolas" panose="020B0609020204030204" pitchFamily="49" charset="0"/>
+              </a:rPr>
+              <a:t>unit</a:t>
+            </a:r>
+            <a:r>
+              <a:rPr lang="en-US" sz="1500" b="0" i="0" dirty="0">
+                <a:solidFill>
                   <a:srgbClr val="9A6E3A"/>
                 </a:solidFill>
                 <a:effectLst/>
@@ -15210,124 +15413,62 @@
             <a:r>
               <a:rPr lang="en-US" sz="1500" b="0" i="0" dirty="0">
                 <a:solidFill>
+                  <a:srgbClr val="669900"/>
+                </a:solidFill>
+                <a:effectLst/>
+                <a:latin typeface="Consolas" panose="020B0609020204030204" pitchFamily="49" charset="0"/>
+              </a:rPr>
+              <a:t>"Celsius"</a:t>
+            </a:r>
+            <a:r>
+              <a:rPr lang="en-US" sz="1500" b="0" i="0" dirty="0">
+                <a:solidFill>
+                  <a:srgbClr val="999999"/>
+                </a:solidFill>
+                <a:effectLst/>
+                <a:latin typeface="Consolas" panose="020B0609020204030204" pitchFamily="49" charset="0"/>
+              </a:rPr>
+              <a:t>,</a:t>
+            </a:r>
+            <a:r>
+              <a:rPr lang="en-US" sz="1500" b="0" i="0" dirty="0">
+                <a:solidFill>
+                  <a:srgbClr val="37352F"/>
+                </a:solidFill>
+                <a:effectLst/>
+                <a:latin typeface="Consolas" panose="020B0609020204030204" pitchFamily="49" charset="0"/>
+              </a:rPr>
+              <a:t> </a:t>
+            </a:r>
+          </a:p>
+          <a:p>
+            <a:r>
+              <a:rPr lang="en-US" sz="1500" dirty="0">
+                <a:solidFill>
+                  <a:srgbClr val="37352F"/>
+                </a:solidFill>
+                <a:latin typeface="Consolas" panose="020B0609020204030204" pitchFamily="49" charset="0"/>
+              </a:rPr>
+              <a:t> </a:t>
+            </a:r>
+            <a:r>
+              <a:rPr lang="en-US" sz="1500" dirty="0" smtClean="0">
+                <a:solidFill>
+                  <a:srgbClr val="37352F"/>
+                </a:solidFill>
+                <a:latin typeface="Consolas" panose="020B0609020204030204" pitchFamily="49" charset="0"/>
+              </a:rPr>
+              <a:t> </a:t>
+            </a:r>
+            <a:r>
+              <a:rPr lang="en-US" sz="1500" b="0" i="0" dirty="0" err="1" smtClean="0">
+                <a:solidFill>
                   <a:srgbClr val="990055"/>
                 </a:solidFill>
                 <a:effectLst/>
                 <a:latin typeface="Consolas" panose="020B0609020204030204" pitchFamily="49" charset="0"/>
               </a:rPr>
-              <a:t>15.7</a:t>
-            </a:r>
-            <a:r>
-              <a:rPr lang="en-US" sz="1500" b="0" i="0" dirty="0">
-                <a:solidFill>
-                  <a:srgbClr val="999999"/>
-                </a:solidFill>
-                <a:effectLst/>
-                <a:latin typeface="Consolas" panose="020B0609020204030204" pitchFamily="49" charset="0"/>
-              </a:rPr>
-              <a:t>,</a:t>
-            </a:r>
-            <a:r>
-              <a:rPr lang="en-US" sz="1500" b="0" i="0" dirty="0">
-                <a:solidFill>
-                  <a:srgbClr val="37352F"/>
-                </a:solidFill>
-                <a:effectLst/>
-                <a:latin typeface="Consolas" panose="020B0609020204030204" pitchFamily="49" charset="0"/>
-              </a:rPr>
-              <a:t> 	</a:t>
-            </a:r>
-          </a:p>
-          <a:p>
-            <a:r>
-              <a:rPr lang="en-US" sz="1500" dirty="0">
-                <a:solidFill>
-                  <a:srgbClr val="37352F"/>
-                </a:solidFill>
-                <a:latin typeface="Consolas" panose="020B0609020204030204" pitchFamily="49" charset="0"/>
-              </a:rPr>
-              <a:t>	</a:t>
-            </a:r>
-            <a:r>
-              <a:rPr lang="en-US" sz="1500" b="0" i="0" dirty="0">
-                <a:solidFill>
-                  <a:srgbClr val="990055"/>
-                </a:solidFill>
-                <a:effectLst/>
-                <a:latin typeface="Consolas" panose="020B0609020204030204" pitchFamily="49" charset="0"/>
-              </a:rPr>
-              <a:t>unit</a:t>
-            </a:r>
-            <a:r>
-              <a:rPr lang="en-US" sz="1500" b="0" i="0" dirty="0">
-                <a:solidFill>
-                  <a:srgbClr val="9A6E3A"/>
-                </a:solidFill>
-                <a:effectLst/>
-                <a:latin typeface="Consolas" panose="020B0609020204030204" pitchFamily="49" charset="0"/>
-              </a:rPr>
-              <a:t>:</a:t>
-            </a:r>
-            <a:r>
-              <a:rPr lang="en-US" sz="1500" b="0" i="0" dirty="0">
-                <a:solidFill>
-                  <a:srgbClr val="37352F"/>
-                </a:solidFill>
-                <a:effectLst/>
-                <a:latin typeface="Consolas" panose="020B0609020204030204" pitchFamily="49" charset="0"/>
-              </a:rPr>
-              <a:t> </a:t>
-            </a:r>
-            <a:r>
-              <a:rPr lang="en-US" sz="1500" b="0" i="0" dirty="0">
-                <a:solidFill>
-                  <a:srgbClr val="669900"/>
-                </a:solidFill>
-                <a:effectLst/>
-                <a:latin typeface="Consolas" panose="020B0609020204030204" pitchFamily="49" charset="0"/>
-              </a:rPr>
-              <a:t>"Celsius"</a:t>
-            </a:r>
-            <a:r>
-              <a:rPr lang="en-US" sz="1500" b="0" i="0" dirty="0">
-                <a:solidFill>
-                  <a:srgbClr val="999999"/>
-                </a:solidFill>
-                <a:effectLst/>
-                <a:latin typeface="Consolas" panose="020B0609020204030204" pitchFamily="49" charset="0"/>
-              </a:rPr>
-              <a:t>,</a:t>
-            </a:r>
-            <a:r>
-              <a:rPr lang="en-US" sz="1500" b="0" i="0" dirty="0">
-                <a:solidFill>
-                  <a:srgbClr val="37352F"/>
-                </a:solidFill>
-                <a:effectLst/>
-                <a:latin typeface="Consolas" panose="020B0609020204030204" pitchFamily="49" charset="0"/>
-              </a:rPr>
-              <a:t> </a:t>
-            </a:r>
-          </a:p>
-          <a:p>
-            <a:r>
-              <a:rPr lang="en-US" sz="1500" dirty="0">
-                <a:solidFill>
-                  <a:srgbClr val="37352F"/>
-                </a:solidFill>
-                <a:latin typeface="Consolas" panose="020B0609020204030204" pitchFamily="49" charset="0"/>
-              </a:rPr>
-              <a:t>	</a:t>
-            </a:r>
-            <a:r>
-              <a:rPr lang="en-US" sz="1500" b="0" i="0" dirty="0" err="1">
-                <a:solidFill>
-                  <a:srgbClr val="990055"/>
-                </a:solidFill>
-                <a:effectLst/>
-                <a:latin typeface="Consolas" panose="020B0609020204030204" pitchFamily="49" charset="0"/>
-              </a:rPr>
-              <a:t>tempratureOf</a:t>
+              <a:t>temperatureOf</a:t>
             </a:r>
             <a:r>
               <a:rPr lang="en-US" sz="1500" b="0" i="0" dirty="0">
@@ -15541,6 +15682,83 @@
               <a:t>valid</a:t>
             </a:r>
             <a:r>
+              <a:rPr lang="en-US" sz="1500" b="0" i="0" dirty="0" smtClean="0">
+                <a:solidFill>
+                  <a:srgbClr val="999999"/>
+                </a:solidFill>
+                <a:effectLst/>
+                <a:latin typeface="Consolas" panose="020B0609020204030204" pitchFamily="49" charset="0"/>
+              </a:rPr>
+              <a:t>) {</a:t>
+            </a:r>
+            <a:r>
+              <a:rPr lang="en-US" sz="1500" b="0" i="0" dirty="0" smtClean="0">
+                <a:solidFill>
+                  <a:srgbClr val="37352F"/>
+                </a:solidFill>
+                <a:effectLst/>
+                <a:latin typeface="Consolas" panose="020B0609020204030204" pitchFamily="49" charset="0"/>
+              </a:rPr>
+              <a:t> </a:t>
+            </a:r>
+            <a:endParaRPr lang="en-US" sz="1500" b="0" i="0" dirty="0">
+              <a:solidFill>
+                <a:srgbClr val="37352F"/>
+              </a:solidFill>
+              <a:effectLst/>
+              <a:latin typeface="Consolas" panose="020B0609020204030204" pitchFamily="49" charset="0"/>
+            </a:endParaRPr>
+          </a:p>
+          <a:p>
+            <a:r>
+              <a:rPr lang="en-US" sz="1500" dirty="0">
+                <a:solidFill>
+                  <a:srgbClr val="37352F"/>
+                </a:solidFill>
+                <a:latin typeface="Consolas" panose="020B0609020204030204" pitchFamily="49" charset="0"/>
+              </a:rPr>
+              <a:t> </a:t>
+            </a:r>
+            <a:r>
+              <a:rPr lang="en-US" sz="1500" dirty="0" smtClean="0">
+                <a:solidFill>
+                  <a:srgbClr val="37352F"/>
+                </a:solidFill>
+                <a:latin typeface="Consolas" panose="020B0609020204030204" pitchFamily="49" charset="0"/>
+              </a:rPr>
+              <a:t> </a:t>
+            </a:r>
+            <a:r>
+              <a:rPr lang="en-US" sz="1500" b="0" i="0" dirty="0" smtClean="0">
+                <a:solidFill>
+                  <a:srgbClr val="37352F"/>
+                </a:solidFill>
+                <a:effectLst/>
+                <a:latin typeface="Consolas" panose="020B0609020204030204" pitchFamily="49" charset="0"/>
+              </a:rPr>
+              <a:t>console</a:t>
+            </a:r>
+            <a:r>
+              <a:rPr lang="en-US" sz="1500" b="0" i="0" dirty="0" smtClean="0">
+                <a:solidFill>
+                  <a:srgbClr val="999999"/>
+                </a:solidFill>
+                <a:effectLst/>
+                <a:latin typeface="Consolas" panose="020B0609020204030204" pitchFamily="49" charset="0"/>
+              </a:rPr>
+              <a:t>.</a:t>
+            </a:r>
+            <a:r>
+              <a:rPr lang="en-US" sz="1500" b="0" i="0" dirty="0" smtClean="0">
+                <a:solidFill>
+                  <a:srgbClr val="DD4A68"/>
+                </a:solidFill>
+                <a:effectLst/>
+                <a:latin typeface="Consolas" panose="020B0609020204030204" pitchFamily="49" charset="0"/>
+              </a:rPr>
+              <a:t>log</a:t>
+            </a:r>
+            <a:r>
               <a:rPr lang="en-US" sz="1500" b="0" i="0" dirty="0">
                 <a:solidFill>
                   <a:srgbClr val="999999"/>
@@ -15548,11 +15766,31 @@
                 <a:effectLst/>
                 <a:latin typeface="Consolas" panose="020B0609020204030204" pitchFamily="49" charset="0"/>
               </a:rPr>
-              <a:t>){</a:t>
+              <a:t>(</a:t>
             </a:r>
             <a:r>
               <a:rPr lang="en-US" sz="1500" b="0" i="0" dirty="0">
                 <a:solidFill>
+                  <a:srgbClr val="669900"/>
+                </a:solidFill>
+                <a:effectLst/>
+                <a:latin typeface="Consolas" panose="020B0609020204030204" pitchFamily="49" charset="0"/>
+              </a:rPr>
+              <a:t>"JSON SCHEMA is valid"</a:t>
+            </a:r>
+            <a:r>
+              <a:rPr lang="en-US" sz="1500" b="0" i="0" dirty="0">
+                <a:solidFill>
+                  <a:srgbClr val="999999"/>
+                </a:solidFill>
+                <a:effectLst/>
+                <a:latin typeface="Consolas" panose="020B0609020204030204" pitchFamily="49" charset="0"/>
+              </a:rPr>
+              <a:t>)</a:t>
+            </a:r>
+            <a:r>
+              <a:rPr lang="en-US" sz="1500" b="0" i="0" dirty="0">
+                <a:solidFill>
                   <a:srgbClr val="37352F"/>
                 </a:solidFill>
                 <a:effectLst/>
@@ -15563,26 +15801,184 @@
           </a:p>
           <a:p>
             <a:r>
+              <a:rPr lang="en-US" sz="1500" b="0" i="0" dirty="0">
+                <a:solidFill>
+                  <a:srgbClr val="999999"/>
+                </a:solidFill>
+                <a:effectLst/>
+                <a:latin typeface="Consolas" panose="020B0609020204030204" pitchFamily="49" charset="0"/>
+              </a:rPr>
+              <a:t>}</a:t>
+            </a:r>
+            <a:r>
+              <a:rPr lang="en-US" sz="1500" b="0" i="0" dirty="0">
+                <a:solidFill>
+                  <a:srgbClr val="37352F"/>
+                </a:solidFill>
+                <a:effectLst/>
+                <a:latin typeface="Consolas" panose="020B0609020204030204" pitchFamily="49" charset="0"/>
+              </a:rPr>
+              <a:t> </a:t>
+            </a:r>
+            <a:r>
+              <a:rPr lang="en-US" sz="1500" b="0" i="0" dirty="0" smtClean="0">
+                <a:solidFill>
+                  <a:srgbClr val="0077AA"/>
+                </a:solidFill>
+                <a:effectLst/>
+                <a:latin typeface="Consolas" panose="020B0609020204030204" pitchFamily="49" charset="0"/>
+              </a:rPr>
+              <a:t>else </a:t>
+            </a:r>
+            <a:r>
+              <a:rPr lang="en-US" sz="1500" b="0" i="0" dirty="0" smtClean="0">
+                <a:solidFill>
+                  <a:srgbClr val="999999"/>
+                </a:solidFill>
+                <a:effectLst/>
+                <a:latin typeface="Consolas" panose="020B0609020204030204" pitchFamily="49" charset="0"/>
+              </a:rPr>
+              <a:t>{</a:t>
+            </a:r>
+            <a:r>
+              <a:rPr lang="en-US" sz="1500" b="0" i="0" dirty="0" smtClean="0">
+                <a:solidFill>
+                  <a:srgbClr val="37352F"/>
+                </a:solidFill>
+                <a:effectLst/>
+                <a:latin typeface="Consolas" panose="020B0609020204030204" pitchFamily="49" charset="0"/>
+              </a:rPr>
+              <a:t> </a:t>
+            </a:r>
+            <a:endParaRPr lang="en-US" sz="1500" b="0" i="0" dirty="0">
+              <a:solidFill>
+                <a:srgbClr val="37352F"/>
+              </a:solidFill>
+              <a:effectLst/>
+              <a:latin typeface="Consolas" panose="020B0609020204030204" pitchFamily="49" charset="0"/>
+            </a:endParaRPr>
+          </a:p>
+          <a:p>
+            <a:r>
               <a:rPr lang="en-US" sz="1500" dirty="0">
                 <a:solidFill>
                   <a:srgbClr val="37352F"/>
                 </a:solidFill>
                 <a:latin typeface="Consolas" panose="020B0609020204030204" pitchFamily="49" charset="0"/>
               </a:rPr>
-              <a:t>	</a:t>
+              <a:t> </a:t>
+            </a:r>
+            <a:r>
+              <a:rPr lang="en-US" sz="1500" dirty="0" smtClean="0">
+                <a:solidFill>
+                  <a:srgbClr val="37352F"/>
+                </a:solidFill>
+                <a:latin typeface="Consolas" panose="020B0609020204030204" pitchFamily="49" charset="0"/>
+              </a:rPr>
+              <a:t> </a:t>
+            </a:r>
+            <a:r>
+              <a:rPr lang="en-US" sz="1500" b="0" i="0" dirty="0" smtClean="0">
+                <a:solidFill>
+                  <a:srgbClr val="37352F"/>
+                </a:solidFill>
+                <a:effectLst/>
+                <a:latin typeface="Consolas" panose="020B0609020204030204" pitchFamily="49" charset="0"/>
+              </a:rPr>
+              <a:t>console</a:t>
+            </a:r>
+            <a:r>
+              <a:rPr lang="en-US" sz="1500" b="0" i="0" dirty="0" smtClean="0">
+                <a:solidFill>
+                  <a:srgbClr val="999999"/>
+                </a:solidFill>
+                <a:effectLst/>
+                <a:latin typeface="Consolas" panose="020B0609020204030204" pitchFamily="49" charset="0"/>
+              </a:rPr>
+              <a:t>.</a:t>
+            </a:r>
+            <a:r>
+              <a:rPr lang="en-US" sz="1500" b="0" i="0" dirty="0" smtClean="0">
+                <a:solidFill>
+                  <a:srgbClr val="DD4A68"/>
+                </a:solidFill>
+                <a:effectLst/>
+                <a:latin typeface="Consolas" panose="020B0609020204030204" pitchFamily="49" charset="0"/>
+              </a:rPr>
+              <a:t>log</a:t>
             </a:r>
             <a:r>
               <a:rPr lang="en-US" sz="1500" b="0" i="0" dirty="0">
                 <a:solidFill>
+                  <a:srgbClr val="999999"/>
+                </a:solidFill>
+                <a:effectLst/>
+                <a:latin typeface="Consolas" panose="020B0609020204030204" pitchFamily="49" charset="0"/>
+              </a:rPr>
+              <a:t>(</a:t>
+            </a:r>
+            <a:r>
+              <a:rPr lang="en-US" sz="1500" b="0" i="0" dirty="0">
+                <a:solidFill>
+                  <a:srgbClr val="669900"/>
+                </a:solidFill>
+                <a:effectLst/>
+                <a:latin typeface="Consolas" panose="020B0609020204030204" pitchFamily="49" charset="0"/>
+              </a:rPr>
+              <a:t>"JSON SCHEMA is invalid"</a:t>
+            </a:r>
+            <a:r>
+              <a:rPr lang="en-US" sz="1500" b="0" i="0" dirty="0">
+                <a:solidFill>
+                  <a:srgbClr val="999999"/>
+                </a:solidFill>
+                <a:effectLst/>
+                <a:latin typeface="Consolas" panose="020B0609020204030204" pitchFamily="49" charset="0"/>
+              </a:rPr>
+              <a:t>)</a:t>
+            </a:r>
+            <a:r>
+              <a:rPr lang="en-US" sz="1500" b="0" i="0" dirty="0">
+                <a:solidFill>
                   <a:srgbClr val="37352F"/>
                 </a:solidFill>
                 <a:effectLst/>
                 <a:latin typeface="Consolas" panose="020B0609020204030204" pitchFamily="49" charset="0"/>
               </a:rPr>
+              <a:t> </a:t>
+            </a:r>
+          </a:p>
+          <a:p>
+            <a:r>
+              <a:rPr lang="en-US" sz="1500" dirty="0">
+                <a:solidFill>
+                  <a:srgbClr val="37352F"/>
+                </a:solidFill>
+                <a:latin typeface="Consolas" panose="020B0609020204030204" pitchFamily="49" charset="0"/>
+              </a:rPr>
+              <a:t> </a:t>
+            </a:r>
+            <a:r>
+              <a:rPr lang="en-US" sz="1500" dirty="0" smtClean="0">
+                <a:solidFill>
+                  <a:srgbClr val="37352F"/>
+                </a:solidFill>
+                <a:latin typeface="Consolas" panose="020B0609020204030204" pitchFamily="49" charset="0"/>
+              </a:rPr>
+              <a:t> </a:t>
+            </a:r>
+            <a:r>
+              <a:rPr lang="en-US" sz="1500" b="0" i="0" dirty="0" smtClean="0">
+                <a:solidFill>
+                  <a:srgbClr val="37352F"/>
+                </a:solidFill>
+                <a:effectLst/>
+                <a:latin typeface="Consolas" panose="020B0609020204030204" pitchFamily="49" charset="0"/>
+              </a:rPr>
               <a:t>console</a:t>
             </a:r>
             <a:r>
-              <a:rPr lang="en-US" sz="1500" b="0" i="0" dirty="0">
+              <a:rPr lang="en-US" sz="1500" b="0" i="0" dirty="0" smtClean="0">
                 <a:solidFill>
                   <a:srgbClr val="999999"/>
                 </a:solidFill>
@@ -15592,7 +15988,7 @@
               <a:t>.</a:t>
             </a:r>
             <a:r>
-              <a:rPr lang="en-US" sz="1500" b="0" i="0" dirty="0">
+              <a:rPr lang="en-US" sz="1500" b="0" i="0" dirty="0" smtClean="0">
                 <a:solidFill>
                   <a:srgbClr val="DD4A68"/>
                 </a:solidFill>
@@ -15602,7 +15998,7 @@
               <a:t>log</a:t>
             </a:r>
             <a:r>
-              <a:rPr lang="en-US" sz="1500" b="0" i="0" dirty="0">
+              <a:rPr lang="en-US" sz="1500" b="0" i="0" dirty="0" smtClean="0">
                 <a:solidFill>
                   <a:srgbClr val="999999"/>
                 </a:solidFill>
@@ -15612,241 +16008,27 @@
               <a:t>(</a:t>
             </a:r>
             <a:r>
-              <a:rPr lang="en-US" sz="1500" b="0" i="0" dirty="0">
-                <a:solidFill>
-                  <a:srgbClr val="669900"/>
-                </a:solidFill>
-                <a:effectLst/>
-                <a:latin typeface="Consolas" panose="020B0609020204030204" pitchFamily="49" charset="0"/>
-              </a:rPr>
-              <a:t>"JSON SCHEMA is valid"</a:t>
-            </a:r>
-            <a:r>
-              <a:rPr lang="en-US" sz="1500" b="0" i="0" dirty="0">
+              <a:rPr lang="en-US" sz="1500" b="0" i="0" dirty="0" err="1" smtClean="0">
+                <a:solidFill>
+                  <a:srgbClr val="37352F"/>
+                </a:solidFill>
+                <a:effectLst/>
+                <a:latin typeface="Consolas" panose="020B0609020204030204" pitchFamily="49" charset="0"/>
+              </a:rPr>
+              <a:t>validate</a:t>
+            </a:r>
+            <a:r>
+              <a:rPr lang="en-US" sz="1500" b="0" i="0" dirty="0" err="1" smtClean="0">
                 <a:solidFill>
                   <a:srgbClr val="999999"/>
                 </a:solidFill>
                 <a:effectLst/>
                 <a:latin typeface="Consolas" panose="020B0609020204030204" pitchFamily="49" charset="0"/>
               </a:rPr>
-              <a:t>)</a:t>
-            </a:r>
-            <a:r>
-              <a:rPr lang="en-US" sz="1500" b="0" i="0" dirty="0">
-                <a:solidFill>
-                  <a:srgbClr val="37352F"/>
-                </a:solidFill>
-                <a:effectLst/>
-                <a:latin typeface="Consolas" panose="020B0609020204030204" pitchFamily="49" charset="0"/>
-              </a:rPr>
-              <a:t> </a:t>
-            </a:r>
-          </a:p>
-          <a:p>
-            <a:r>
-              <a:rPr lang="en-US" sz="1500" b="0" i="0" dirty="0">
-                <a:solidFill>
-                  <a:srgbClr val="999999"/>
-                </a:solidFill>
-                <a:effectLst/>
-                <a:latin typeface="Consolas" panose="020B0609020204030204" pitchFamily="49" charset="0"/>
-              </a:rPr>
-              <a:t>}</a:t>
-            </a:r>
-            <a:r>
-              <a:rPr lang="en-US" sz="1500" b="0" i="0" dirty="0">
-                <a:solidFill>
-                  <a:srgbClr val="37352F"/>
-                </a:solidFill>
-                <a:effectLst/>
-                <a:latin typeface="Consolas" panose="020B0609020204030204" pitchFamily="49" charset="0"/>
-              </a:rPr>
-              <a:t> </a:t>
-            </a:r>
-            <a:r>
-              <a:rPr lang="en-US" sz="1500" b="0" i="0" dirty="0">
-                <a:solidFill>
-                  <a:srgbClr val="0077AA"/>
-                </a:solidFill>
-                <a:effectLst/>
-                <a:latin typeface="Consolas" panose="020B0609020204030204" pitchFamily="49" charset="0"/>
-              </a:rPr>
-              <a:t>else</a:t>
-            </a:r>
-            <a:r>
-              <a:rPr lang="en-US" sz="1500" b="0" i="0" dirty="0">
-                <a:solidFill>
-                  <a:srgbClr val="999999"/>
-                </a:solidFill>
-                <a:effectLst/>
-                <a:latin typeface="Consolas" panose="020B0609020204030204" pitchFamily="49" charset="0"/>
-              </a:rPr>
-              <a:t>{</a:t>
-            </a:r>
-            <a:r>
-              <a:rPr lang="en-US" sz="1500" b="0" i="0" dirty="0">
-                <a:solidFill>
-                  <a:srgbClr val="37352F"/>
-                </a:solidFill>
-                <a:effectLst/>
-                <a:latin typeface="Consolas" panose="020B0609020204030204" pitchFamily="49" charset="0"/>
-              </a:rPr>
-              <a:t> </a:t>
-            </a:r>
-          </a:p>
-          <a:p>
-            <a:r>
-              <a:rPr lang="en-US" sz="1500" dirty="0">
-                <a:solidFill>
-                  <a:srgbClr val="37352F"/>
-                </a:solidFill>
-                <a:latin typeface="Consolas" panose="020B0609020204030204" pitchFamily="49" charset="0"/>
-              </a:rPr>
-              <a:t>	</a:t>
-            </a:r>
-            <a:r>
-              <a:rPr lang="en-US" sz="1500" b="0" i="0" dirty="0">
-                <a:solidFill>
-                  <a:srgbClr val="37352F"/>
-                </a:solidFill>
-                <a:effectLst/>
-                <a:latin typeface="Consolas" panose="020B0609020204030204" pitchFamily="49" charset="0"/>
-              </a:rPr>
-              <a:t>console</a:t>
-            </a:r>
-            <a:r>
-              <a:rPr lang="en-US" sz="1500" b="0" i="0" dirty="0">
-                <a:solidFill>
-                  <a:srgbClr val="999999"/>
-                </a:solidFill>
-                <a:effectLst/>
-                <a:latin typeface="Consolas" panose="020B0609020204030204" pitchFamily="49" charset="0"/>
-              </a:rPr>
               <a:t>.</a:t>
             </a:r>
             <a:r>
-              <a:rPr lang="en-US" sz="1500" b="0" i="0" dirty="0">
-                <a:solidFill>
-                  <a:srgbClr val="DD4A68"/>
-                </a:solidFill>
-                <a:effectLst/>
-                <a:latin typeface="Consolas" panose="020B0609020204030204" pitchFamily="49" charset="0"/>
-              </a:rPr>
-              <a:t>log</a:t>
-            </a:r>
-            <a:r>
-              <a:rPr lang="en-US" sz="1500" b="0" i="0" dirty="0">
-                <a:solidFill>
-                  <a:srgbClr val="999999"/>
-                </a:solidFill>
-                <a:effectLst/>
-                <a:latin typeface="Consolas" panose="020B0609020204030204" pitchFamily="49" charset="0"/>
-              </a:rPr>
-              <a:t>(</a:t>
-            </a:r>
-            <a:r>
-              <a:rPr lang="en-US" sz="1500" b="0" i="0" dirty="0">
-                <a:solidFill>
-                  <a:srgbClr val="669900"/>
-                </a:solidFill>
-                <a:effectLst/>
-                <a:latin typeface="Consolas" panose="020B0609020204030204" pitchFamily="49" charset="0"/>
-              </a:rPr>
-              <a:t>"JSON SCHEMA is invalid"</a:t>
-            </a:r>
-            <a:r>
-              <a:rPr lang="en-US" sz="1500" b="0" i="0" dirty="0">
-                <a:solidFill>
-                  <a:srgbClr val="999999"/>
-                </a:solidFill>
-                <a:effectLst/>
-                <a:latin typeface="Consolas" panose="020B0609020204030204" pitchFamily="49" charset="0"/>
-              </a:rPr>
-              <a:t>)</a:t>
-            </a:r>
-            <a:r>
-              <a:rPr lang="en-US" sz="1500" b="0" i="0" dirty="0">
-                <a:solidFill>
-                  <a:srgbClr val="37352F"/>
-                </a:solidFill>
-                <a:effectLst/>
-                <a:latin typeface="Consolas" panose="020B0609020204030204" pitchFamily="49" charset="0"/>
-              </a:rPr>
-              <a:t> </a:t>
-            </a:r>
-          </a:p>
-          <a:p>
-            <a:r>
-              <a:rPr lang="en-US" sz="1500" dirty="0">
-                <a:solidFill>
-                  <a:srgbClr val="37352F"/>
-                </a:solidFill>
-                <a:latin typeface="Consolas" panose="020B0609020204030204" pitchFamily="49" charset="0"/>
-              </a:rPr>
-              <a:t>	</a:t>
-            </a:r>
-            <a:r>
-              <a:rPr lang="en-US" sz="1500" b="0" i="0" dirty="0">
-                <a:solidFill>
-                  <a:srgbClr val="37352F"/>
-                </a:solidFill>
-                <a:effectLst/>
-                <a:latin typeface="Consolas" panose="020B0609020204030204" pitchFamily="49" charset="0"/>
-              </a:rPr>
-              <a:t>console</a:t>
-            </a:r>
-            <a:r>
-              <a:rPr lang="en-US" sz="1500" b="0" i="0" dirty="0">
-                <a:solidFill>
-                  <a:srgbClr val="999999"/>
-                </a:solidFill>
-                <a:effectLst/>
-                <a:latin typeface="Consolas" panose="020B0609020204030204" pitchFamily="49" charset="0"/>
-              </a:rPr>
-              <a:t>.</a:t>
-            </a:r>
-            <a:r>
-              <a:rPr lang="en-US" sz="1500" b="0" i="0" dirty="0">
-                <a:solidFill>
-                  <a:srgbClr val="DD4A68"/>
-                </a:solidFill>
-                <a:effectLst/>
-                <a:latin typeface="Consolas" panose="020B0609020204030204" pitchFamily="49" charset="0"/>
-              </a:rPr>
-              <a:t>log</a:t>
-            </a:r>
-            <a:r>
-              <a:rPr lang="en-US" sz="1500" b="0" i="0" dirty="0">
-                <a:solidFill>
-                  <a:srgbClr val="999999"/>
-                </a:solidFill>
-                <a:effectLst/>
-                <a:latin typeface="Consolas" panose="020B0609020204030204" pitchFamily="49" charset="0"/>
-              </a:rPr>
-              <a:t>(</a:t>
-            </a:r>
-            <a:r>
-              <a:rPr lang="en-US" sz="1500" b="0" i="0" dirty="0" err="1">
-                <a:solidFill>
-                  <a:srgbClr val="37352F"/>
-                </a:solidFill>
-                <a:effectLst/>
-                <a:latin typeface="Consolas" panose="020B0609020204030204" pitchFamily="49" charset="0"/>
-              </a:rPr>
-              <a:t>validate</a:t>
-            </a:r>
-            <a:r>
-              <a:rPr lang="en-US" sz="1500" b="0" i="0" dirty="0" err="1">
-                <a:solidFill>
-                  <a:srgbClr val="999999"/>
-                </a:solidFill>
-                <a:effectLst/>
-                <a:latin typeface="Consolas" panose="020B0609020204030204" pitchFamily="49" charset="0"/>
-              </a:rPr>
-              <a:t>.</a:t>
-            </a:r>
-            <a:r>
-              <a:rPr lang="en-US" sz="1500" b="0" i="0" dirty="0" err="1">
+              <a:rPr lang="en-US" sz="1500" b="0" i="0" dirty="0" err="1" smtClean="0">
                 <a:solidFill>
                   <a:srgbClr val="37352F"/>
                 </a:solidFill>
@@ -15898,7 +16080,7 @@
           <p:cNvPr id="5" name="Left Bracket 4">
             <a:extLst>
               <a:ext uri="{FF2B5EF4-FFF2-40B4-BE49-F238E27FC236}">
-                <a16:creationId xmlns:a16="http://schemas.microsoft.com/office/drawing/2014/main" id="{FBAFC565-35DF-A76A-F13D-694D49C66C80}"/>
+                <a16:creationId xmlns:a16="http://schemas.microsoft.com/office/drawing/2014/main" xmlns="" id="{FBAFC565-35DF-A76A-F13D-694D49C66C80}"/>
               </a:ext>
             </a:extLst>
           </p:cNvPr>
@@ -15950,7 +16132,7 @@
           <p:cNvPr id="8" name="Straight Arrow Connector 7">
             <a:extLst>
               <a:ext uri="{FF2B5EF4-FFF2-40B4-BE49-F238E27FC236}">
-                <a16:creationId xmlns:a16="http://schemas.microsoft.com/office/drawing/2014/main" id="{E4BBF135-1D0F-C14F-A927-045979BF0112}"/>
+                <a16:creationId xmlns:a16="http://schemas.microsoft.com/office/drawing/2014/main" xmlns="" id="{E4BBF135-1D0F-C14F-A927-045979BF0112}"/>
               </a:ext>
             </a:extLst>
           </p:cNvPr>
@@ -15995,7 +16177,7 @@
           <p:cNvPr id="10" name="TextBox 9">
             <a:extLst>
               <a:ext uri="{FF2B5EF4-FFF2-40B4-BE49-F238E27FC236}">
-                <a16:creationId xmlns:a16="http://schemas.microsoft.com/office/drawing/2014/main" id="{3943B0C2-D512-FE6B-D840-DBA0418CA42B}"/>
+                <a16:creationId xmlns:a16="http://schemas.microsoft.com/office/drawing/2014/main" xmlns="" id="{3943B0C2-D512-FE6B-D840-DBA0418CA42B}"/>
               </a:ext>
             </a:extLst>
           </p:cNvPr>
@@ -16063,70 +16245,17 @@
           </a:p>
         </p:txBody>
       </p:sp>
-      <p:sp>
-        <p:nvSpPr>
-          <p:cNvPr id="11" name="Left Bracket 10">
-            <a:extLst>
-              <a:ext uri="{FF2B5EF4-FFF2-40B4-BE49-F238E27FC236}">
-                <a16:creationId xmlns:a16="http://schemas.microsoft.com/office/drawing/2014/main" id="{FAD448E2-AB03-59FE-CF75-F9B069FB6443}"/>
-              </a:ext>
-            </a:extLst>
-          </p:cNvPr>
-          <p:cNvSpPr/>
-          <p:nvPr/>
-        </p:nvSpPr>
-        <p:spPr>
-          <a:xfrm>
-            <a:off x="5413248" y="788995"/>
-            <a:ext cx="124641" cy="2328671"/>
-          </a:xfrm>
-          <a:prstGeom prst="leftBracket">
-            <a:avLst>
-              <a:gd name="adj" fmla="val 0"/>
-            </a:avLst>
-          </a:prstGeom>
-          <a:noFill/>
-          <a:ln w="28575">
-            <a:solidFill>
-              <a:schemeClr val="accent2"/>
-            </a:solidFill>
-          </a:ln>
-        </p:spPr>
-        <p:style>
-          <a:lnRef idx="1">
-            <a:schemeClr val="accent1"/>
-          </a:lnRef>
-          <a:fillRef idx="0">
-            <a:schemeClr val="accent1"/>
-          </a:fillRef>
-          <a:effectRef idx="0">
-            <a:schemeClr val="accent1"/>
-          </a:effectRef>
-          <a:fontRef idx="minor">
-            <a:schemeClr val="tx1"/>
-          </a:fontRef>
-        </p:style>
-        <p:txBody>
-          <a:bodyPr rtlCol="0" anchor="ctr"/>
-          <a:lstStyle/>
-          <a:p>
-            <a:pPr algn="ctr"/>
-            <a:endParaRPr lang="en-US"/>
-          </a:p>
-        </p:txBody>
-      </p:sp>
       <p:cxnSp>
         <p:nvCxnSpPr>
           <p:cNvPr id="12" name="Straight Arrow Connector 11">
             <a:extLst>
               <a:ext uri="{FF2B5EF4-FFF2-40B4-BE49-F238E27FC236}">
-                <a16:creationId xmlns:a16="http://schemas.microsoft.com/office/drawing/2014/main" id="{EFEE284B-9CE5-2945-6A5F-D55812237966}"/>
+                <a16:creationId xmlns:a16="http://schemas.microsoft.com/office/drawing/2014/main" xmlns="" id="{EFEE284B-9CE5-2945-6A5F-D55812237966}"/>
               </a:ext>
             </a:extLst>
           </p:cNvPr>
           <p:cNvCxnSpPr>
             <a:cxnSpLocks/>
-            <a:stCxn id="11" idx="1"/>
           </p:cNvCxnSpPr>
           <p:nvPr/>
         </p:nvCxnSpPr>
@@ -16165,7 +16294,7 @@
           <p:cNvPr id="13" name="TextBox 12">
             <a:extLst>
               <a:ext uri="{FF2B5EF4-FFF2-40B4-BE49-F238E27FC236}">
-                <a16:creationId xmlns:a16="http://schemas.microsoft.com/office/drawing/2014/main" id="{A6007310-3528-7052-8C75-5AF337582102}"/>
+                <a16:creationId xmlns:a16="http://schemas.microsoft.com/office/drawing/2014/main" xmlns="" id="{A6007310-3528-7052-8C75-5AF337582102}"/>
               </a:ext>
             </a:extLst>
           </p:cNvPr>
@@ -16211,7 +16340,7 @@
           <p:cNvPr id="16" name="Left Bracket 15">
             <a:extLst>
               <a:ext uri="{FF2B5EF4-FFF2-40B4-BE49-F238E27FC236}">
-                <a16:creationId xmlns:a16="http://schemas.microsoft.com/office/drawing/2014/main" id="{19BB23B4-9444-6A8A-91FF-72279F408A3D}"/>
+                <a16:creationId xmlns:a16="http://schemas.microsoft.com/office/drawing/2014/main" xmlns="" id="{19BB23B4-9444-6A8A-91FF-72279F408A3D}"/>
               </a:ext>
             </a:extLst>
           </p:cNvPr>
@@ -16263,7 +16392,7 @@
           <p:cNvPr id="17" name="Straight Arrow Connector 16">
             <a:extLst>
               <a:ext uri="{FF2B5EF4-FFF2-40B4-BE49-F238E27FC236}">
-                <a16:creationId xmlns:a16="http://schemas.microsoft.com/office/drawing/2014/main" id="{39AE4161-DCA0-13D5-D97C-93FD06808FC1}"/>
+                <a16:creationId xmlns:a16="http://schemas.microsoft.com/office/drawing/2014/main" xmlns="" id="{39AE4161-DCA0-13D5-D97C-93FD06808FC1}"/>
               </a:ext>
             </a:extLst>
           </p:cNvPr>
@@ -16308,7 +16437,7 @@
           <p:cNvPr id="18" name="TextBox 17">
             <a:extLst>
               <a:ext uri="{FF2B5EF4-FFF2-40B4-BE49-F238E27FC236}">
-                <a16:creationId xmlns:a16="http://schemas.microsoft.com/office/drawing/2014/main" id="{8DBA1DEA-2B23-A482-4D43-9164BDE2D099}"/>
+                <a16:creationId xmlns:a16="http://schemas.microsoft.com/office/drawing/2014/main" xmlns="" id="{8DBA1DEA-2B23-A482-4D43-9164BDE2D099}"/>
               </a:ext>
             </a:extLst>
           </p:cNvPr>
@@ -16357,7 +16486,7 @@
           <p:cNvPr id="20" name="Left Bracket 19">
             <a:extLst>
               <a:ext uri="{FF2B5EF4-FFF2-40B4-BE49-F238E27FC236}">
-                <a16:creationId xmlns:a16="http://schemas.microsoft.com/office/drawing/2014/main" id="{C36EA08D-7514-9B23-18AE-5BDB65C1FD5E}"/>
+                <a16:creationId xmlns:a16="http://schemas.microsoft.com/office/drawing/2014/main" xmlns="" id="{C36EA08D-7514-9B23-18AE-5BDB65C1FD5E}"/>
               </a:ext>
             </a:extLst>
           </p:cNvPr>
@@ -16409,7 +16538,7 @@
           <p:cNvPr id="21" name="Straight Arrow Connector 20">
             <a:extLst>
               <a:ext uri="{FF2B5EF4-FFF2-40B4-BE49-F238E27FC236}">
-                <a16:creationId xmlns:a16="http://schemas.microsoft.com/office/drawing/2014/main" id="{2824C001-CAB5-7E3A-2560-2C0656744D74}"/>
+                <a16:creationId xmlns:a16="http://schemas.microsoft.com/office/drawing/2014/main" xmlns="" id="{2824C001-CAB5-7E3A-2560-2C0656744D74}"/>
               </a:ext>
             </a:extLst>
           </p:cNvPr>
@@ -16454,7 +16583,7 @@
           <p:cNvPr id="22" name="TextBox 21">
             <a:extLst>
               <a:ext uri="{FF2B5EF4-FFF2-40B4-BE49-F238E27FC236}">
-                <a16:creationId xmlns:a16="http://schemas.microsoft.com/office/drawing/2014/main" id="{B5E115BD-1E36-4374-17D7-41F3A0D9E508}"/>
+                <a16:creationId xmlns:a16="http://schemas.microsoft.com/office/drawing/2014/main" xmlns="" id="{B5E115BD-1E36-4374-17D7-41F3A0D9E508}"/>
               </a:ext>
             </a:extLst>
           </p:cNvPr>
@@ -16500,7 +16629,7 @@
           <p:cNvPr id="27" name="Left Bracket 26">
             <a:extLst>
               <a:ext uri="{FF2B5EF4-FFF2-40B4-BE49-F238E27FC236}">
-                <a16:creationId xmlns:a16="http://schemas.microsoft.com/office/drawing/2014/main" id="{CDE70C72-5D31-EEDF-031A-D7E8A13D7FDC}"/>
+                <a16:creationId xmlns:a16="http://schemas.microsoft.com/office/drawing/2014/main" xmlns="" id="{CDE70C72-5D31-EEDF-031A-D7E8A13D7FDC}"/>
               </a:ext>
             </a:extLst>
           </p:cNvPr>
@@ -16552,7 +16681,7 @@
           <p:cNvPr id="28" name="Straight Arrow Connector 27">
             <a:extLst>
               <a:ext uri="{FF2B5EF4-FFF2-40B4-BE49-F238E27FC236}">
-                <a16:creationId xmlns:a16="http://schemas.microsoft.com/office/drawing/2014/main" id="{781A0836-5499-718A-C4B3-EEBBE7862910}"/>
+                <a16:creationId xmlns:a16="http://schemas.microsoft.com/office/drawing/2014/main" xmlns="" id="{781A0836-5499-718A-C4B3-EEBBE7862910}"/>
               </a:ext>
             </a:extLst>
           </p:cNvPr>
@@ -16596,7 +16725,7 @@
           <p:cNvPr id="29" name="TextBox 28">
             <a:extLst>
               <a:ext uri="{FF2B5EF4-FFF2-40B4-BE49-F238E27FC236}">
-                <a16:creationId xmlns:a16="http://schemas.microsoft.com/office/drawing/2014/main" id="{5389A3D4-E939-9EE0-8E06-96FF1EDC76D5}"/>
+                <a16:creationId xmlns:a16="http://schemas.microsoft.com/office/drawing/2014/main" xmlns="" id="{5389A3D4-E939-9EE0-8E06-96FF1EDC76D5}"/>
               </a:ext>
             </a:extLst>
           </p:cNvPr>
@@ -16642,7 +16771,7 @@
           <p:cNvPr id="38" name="TextBox 37">
             <a:extLst>
               <a:ext uri="{FF2B5EF4-FFF2-40B4-BE49-F238E27FC236}">
-                <a16:creationId xmlns:a16="http://schemas.microsoft.com/office/drawing/2014/main" id="{43D278DD-3361-B4AF-848E-49B2C0CB0D4D}"/>
+                <a16:creationId xmlns:a16="http://schemas.microsoft.com/office/drawing/2014/main" xmlns="" id="{43D278DD-3361-B4AF-848E-49B2C0CB0D4D}"/>
               </a:ext>
             </a:extLst>
           </p:cNvPr>
@@ -16688,7 +16817,7 @@
           <p:cNvPr id="44" name="Left Bracket 43">
             <a:extLst>
               <a:ext uri="{FF2B5EF4-FFF2-40B4-BE49-F238E27FC236}">
-                <a16:creationId xmlns:a16="http://schemas.microsoft.com/office/drawing/2014/main" id="{A5CB142D-A3DD-96B9-CDB1-12B94C4A2A52}"/>
+                <a16:creationId xmlns:a16="http://schemas.microsoft.com/office/drawing/2014/main" xmlns="" id="{A5CB142D-A3DD-96B9-CDB1-12B94C4A2A52}"/>
               </a:ext>
             </a:extLst>
           </p:cNvPr>
@@ -16740,7 +16869,7 @@
           <p:cNvPr id="48" name="Straight Arrow Connector 47">
             <a:extLst>
               <a:ext uri="{FF2B5EF4-FFF2-40B4-BE49-F238E27FC236}">
-                <a16:creationId xmlns:a16="http://schemas.microsoft.com/office/drawing/2014/main" id="{37A75804-0523-22A9-23DE-E776EF91A261}"/>
+                <a16:creationId xmlns:a16="http://schemas.microsoft.com/office/drawing/2014/main" xmlns="" id="{37A75804-0523-22A9-23DE-E776EF91A261}"/>
               </a:ext>
             </a:extLst>
           </p:cNvPr>
@@ -16779,6 +16908,58 @@
           </a:fontRef>
         </p:style>
       </p:cxnSp>
+      <p:sp>
+        <p:nvSpPr>
+          <p:cNvPr id="23" name="Left Bracket 22">
+            <a:extLst>
+              <a:ext uri="{FF2B5EF4-FFF2-40B4-BE49-F238E27FC236}">
+                <a16:creationId xmlns:a16="http://schemas.microsoft.com/office/drawing/2014/main" xmlns="" id="{C36EA08D-7514-9B23-18AE-5BDB65C1FD5E}"/>
+              </a:ext>
+            </a:extLst>
+          </p:cNvPr>
+          <p:cNvSpPr/>
+          <p:nvPr/>
+        </p:nvSpPr>
+        <p:spPr>
+          <a:xfrm>
+            <a:off x="5406821" y="881066"/>
+            <a:ext cx="131067" cy="2197441"/>
+          </a:xfrm>
+          <a:prstGeom prst="leftBracket">
+            <a:avLst>
+              <a:gd name="adj" fmla="val 0"/>
+            </a:avLst>
+          </a:prstGeom>
+          <a:noFill/>
+          <a:ln w="28575">
+            <a:solidFill>
+              <a:schemeClr val="accent2"/>
+            </a:solidFill>
+          </a:ln>
+        </p:spPr>
+        <p:style>
+          <a:lnRef idx="1">
+            <a:schemeClr val="accent1"/>
+          </a:lnRef>
+          <a:fillRef idx="0">
+            <a:schemeClr val="accent1"/>
+          </a:fillRef>
+          <a:effectRef idx="0">
+            <a:schemeClr val="accent1"/>
+          </a:effectRef>
+          <a:fontRef idx="minor">
+            <a:schemeClr val="tx1"/>
+          </a:fontRef>
+        </p:style>
+        <p:txBody>
+          <a:bodyPr rtlCol="0" anchor="ctr"/>
+          <a:lstStyle/>
+          <a:p>
+            <a:pPr algn="ctr"/>
+            <a:endParaRPr lang="en-US"/>
+          </a:p>
+        </p:txBody>
+      </p:sp>
     </p:spTree>
     <p:extLst>
       <p:ext uri="{BB962C8B-B14F-4D97-AF65-F5344CB8AC3E}">
@@ -16789,6 +16970,14 @@
   <p:clrMapOvr>
     <a:masterClrMapping/>
   </p:clrMapOvr>
+  <mc:AlternateContent xmlns:mc="http://schemas.openxmlformats.org/markup-compatibility/2006">
+    <mc:Choice xmlns:p14="http://schemas.microsoft.com/office/powerpoint/2010/main" Requires="p14">
+      <p:transition spd="slow" p14:dur="2000"/>
+    </mc:Choice>
+    <mc:Fallback>
+      <p:transition spd="slow"/>
+    </mc:Fallback>
+  </mc:AlternateContent>
 </p:sld>
 </file>
 
@@ -16814,7 +17003,7 @@
           <p:cNvPr id="6" name="TextBox 5">
             <a:extLst>
               <a:ext uri="{FF2B5EF4-FFF2-40B4-BE49-F238E27FC236}">
-                <a16:creationId xmlns:a16="http://schemas.microsoft.com/office/drawing/2014/main" id="{26AF1BF9-93E8-5205-40B1-4E7FE344C30E}"/>
+                <a16:creationId xmlns:a16="http://schemas.microsoft.com/office/drawing/2014/main" xmlns="" id="{26AF1BF9-93E8-5205-40B1-4E7FE344C30E}"/>
               </a:ext>
             </a:extLst>
           </p:cNvPr>
@@ -18392,7 +18581,7 @@
           <p:cNvPr id="29" name="Group 28">
             <a:extLst>
               <a:ext uri="{FF2B5EF4-FFF2-40B4-BE49-F238E27FC236}">
-                <a16:creationId xmlns:a16="http://schemas.microsoft.com/office/drawing/2014/main" id="{1E182C0C-1CEA-5E7E-15D5-DD1F0AFA5BB1}"/>
+                <a16:creationId xmlns:a16="http://schemas.microsoft.com/office/drawing/2014/main" xmlns="" id="{1E182C0C-1CEA-5E7E-15D5-DD1F0AFA5BB1}"/>
               </a:ext>
             </a:extLst>
           </p:cNvPr>
@@ -18418,7 +18607,7 @@
             <p:cNvPr id="14" name="Rectangle: Rounded Corners 13">
               <a:extLst>
                 <a:ext uri="{FF2B5EF4-FFF2-40B4-BE49-F238E27FC236}">
-                  <a16:creationId xmlns:a16="http://schemas.microsoft.com/office/drawing/2014/main" id="{C5575B4F-915C-C60D-D8E2-3749621DE2B2}"/>
+                  <a16:creationId xmlns:a16="http://schemas.microsoft.com/office/drawing/2014/main" xmlns="" id="{C5575B4F-915C-C60D-D8E2-3749621DE2B2}"/>
                 </a:ext>
               </a:extLst>
             </p:cNvPr>
@@ -18468,7 +18657,7 @@
             <p:cNvPr id="15" name="Rectangle: Rounded Corners 14">
               <a:extLst>
                 <a:ext uri="{FF2B5EF4-FFF2-40B4-BE49-F238E27FC236}">
-                  <a16:creationId xmlns:a16="http://schemas.microsoft.com/office/drawing/2014/main" id="{0F4CABC1-02DC-C734-D7A7-2889E5A120CE}"/>
+                  <a16:creationId xmlns:a16="http://schemas.microsoft.com/office/drawing/2014/main" xmlns="" id="{0F4CABC1-02DC-C734-D7A7-2889E5A120CE}"/>
                 </a:ext>
               </a:extLst>
             </p:cNvPr>
@@ -18518,7 +18707,7 @@
             <p:cNvPr id="20" name="Rectangle: Rounded Corners 19">
               <a:extLst>
                 <a:ext uri="{FF2B5EF4-FFF2-40B4-BE49-F238E27FC236}">
-                  <a16:creationId xmlns:a16="http://schemas.microsoft.com/office/drawing/2014/main" id="{DC26ED1A-5C1B-6AF4-A1D1-128E3B6D2B1F}"/>
+                  <a16:creationId xmlns:a16="http://schemas.microsoft.com/office/drawing/2014/main" xmlns="" id="{DC26ED1A-5C1B-6AF4-A1D1-128E3B6D2B1F}"/>
                 </a:ext>
               </a:extLst>
             </p:cNvPr>
@@ -18568,7 +18757,7 @@
             <p:cNvPr id="23" name="Rectangle: Rounded Corners 22">
               <a:extLst>
                 <a:ext uri="{FF2B5EF4-FFF2-40B4-BE49-F238E27FC236}">
-                  <a16:creationId xmlns:a16="http://schemas.microsoft.com/office/drawing/2014/main" id="{BE7C8EF7-EBF8-9001-059C-5C1C519D09FE}"/>
+                  <a16:creationId xmlns:a16="http://schemas.microsoft.com/office/drawing/2014/main" xmlns="" id="{BE7C8EF7-EBF8-9001-059C-5C1C519D09FE}"/>
                 </a:ext>
               </a:extLst>
             </p:cNvPr>
@@ -18618,7 +18807,7 @@
             <p:cNvPr id="27" name="Freeform: Shape 26">
               <a:extLst>
                 <a:ext uri="{FF2B5EF4-FFF2-40B4-BE49-F238E27FC236}">
-                  <a16:creationId xmlns:a16="http://schemas.microsoft.com/office/drawing/2014/main" id="{5FBC94A6-DDEF-72F9-FFAC-16CC50FB42C3}"/>
+                  <a16:creationId xmlns:a16="http://schemas.microsoft.com/office/drawing/2014/main" xmlns="" id="{5FBC94A6-DDEF-72F9-FFAC-16CC50FB42C3}"/>
                 </a:ext>
               </a:extLst>
             </p:cNvPr>
@@ -18835,7 +19024,7 @@
           <p:cNvPr id="2" name="TextBox 1">
             <a:extLst>
               <a:ext uri="{FF2B5EF4-FFF2-40B4-BE49-F238E27FC236}">
-                <a16:creationId xmlns:a16="http://schemas.microsoft.com/office/drawing/2014/main" id="{D0FAABCD-2AD8-DC51-4555-3B7F2D799B44}"/>
+                <a16:creationId xmlns:a16="http://schemas.microsoft.com/office/drawing/2014/main" xmlns="" id="{D0FAABCD-2AD8-DC51-4555-3B7F2D799B44}"/>
               </a:ext>
             </a:extLst>
           </p:cNvPr>
@@ -18934,7 +19123,7 @@
           <p:cNvPr id="3" name="Rectangle 2">
             <a:extLst>
               <a:ext uri="{FF2B5EF4-FFF2-40B4-BE49-F238E27FC236}">
-                <a16:creationId xmlns:a16="http://schemas.microsoft.com/office/drawing/2014/main" id="{A8B05427-7938-7CC2-0E48-7CC752281957}"/>
+                <a16:creationId xmlns:a16="http://schemas.microsoft.com/office/drawing/2014/main" xmlns="" id="{A8B05427-7938-7CC2-0E48-7CC752281957}"/>
               </a:ext>
             </a:extLst>
           </p:cNvPr>
@@ -18986,7 +19175,7 @@
           <p:cNvPr id="8" name="Rectangle 7">
             <a:extLst>
               <a:ext uri="{FF2B5EF4-FFF2-40B4-BE49-F238E27FC236}">
-                <a16:creationId xmlns:a16="http://schemas.microsoft.com/office/drawing/2014/main" id="{66C7366A-A8F6-F6A5-2837-286FD9529E47}"/>
+                <a16:creationId xmlns:a16="http://schemas.microsoft.com/office/drawing/2014/main" xmlns="" id="{66C7366A-A8F6-F6A5-2837-286FD9529E47}"/>
               </a:ext>
             </a:extLst>
           </p:cNvPr>
@@ -19038,7 +19227,7 @@
           <p:cNvPr id="9" name="TextBox 8">
             <a:extLst>
               <a:ext uri="{FF2B5EF4-FFF2-40B4-BE49-F238E27FC236}">
-                <a16:creationId xmlns:a16="http://schemas.microsoft.com/office/drawing/2014/main" id="{98E5289F-51F9-3B7A-7BB5-252B7280C6C5}"/>
+                <a16:creationId xmlns:a16="http://schemas.microsoft.com/office/drawing/2014/main" xmlns="" id="{98E5289F-51F9-3B7A-7BB5-252B7280C6C5}"/>
               </a:ext>
             </a:extLst>
           </p:cNvPr>
@@ -19089,13 +19278,13 @@
   <p:clrMapOvr>
     <a:masterClrMapping/>
   </p:clrMapOvr>
-  <mc:AlternateContent xmlns:mc="http://schemas.openxmlformats.org/markup-compatibility/2006" xmlns:p159="http://schemas.microsoft.com/office/powerpoint/2015/09/main">
-    <mc:Choice Requires="p159">
+  <mc:AlternateContent xmlns:mc="http://schemas.openxmlformats.org/markup-compatibility/2006">
+    <mc:Choice xmlns:p159="http://schemas.microsoft.com/office/powerpoint/2015/09/main" xmlns="" Requires="p159">
       <p:transition xmlns:p14="http://schemas.microsoft.com/office/powerpoint/2010/main" spd="slow" p14:dur="2000" advTm="7000">
         <p159:morph option="byObject"/>
       </p:transition>
     </mc:Choice>
-    <mc:Fallback xmlns="">
+    <mc:Fallback>
       <p:transition spd="slow" advTm="7000">
         <p:fade/>
       </p:transition>
@@ -19215,7 +19404,7 @@
           <p:cNvPr id="4" name="Content Placeholder 2">
             <a:extLst>
               <a:ext uri="{FF2B5EF4-FFF2-40B4-BE49-F238E27FC236}">
-                <a16:creationId xmlns:a16="http://schemas.microsoft.com/office/drawing/2014/main" id="{29168B48-85A2-29FE-A547-A1A47651FEF7}"/>
+                <a16:creationId xmlns:a16="http://schemas.microsoft.com/office/drawing/2014/main" xmlns="" id="{29168B48-85A2-29FE-A547-A1A47651FEF7}"/>
               </a:ext>
             </a:extLst>
           </p:cNvPr>
@@ -19298,7 +19487,7 @@
           <p:cNvPr id="3" name="Title 1">
             <a:extLst>
               <a:ext uri="{FF2B5EF4-FFF2-40B4-BE49-F238E27FC236}">
-                <a16:creationId xmlns:a16="http://schemas.microsoft.com/office/drawing/2014/main" id="{97A98C48-3503-FC1B-A5E9-99C66A1F1127}"/>
+                <a16:creationId xmlns:a16="http://schemas.microsoft.com/office/drawing/2014/main" xmlns="" id="{97A98C48-3503-FC1B-A5E9-99C66A1F1127}"/>
               </a:ext>
             </a:extLst>
           </p:cNvPr>
@@ -19369,13 +19558,13 @@
   <p:clrMapOvr>
     <a:masterClrMapping/>
   </p:clrMapOvr>
-  <mc:AlternateContent xmlns:mc="http://schemas.openxmlformats.org/markup-compatibility/2006" xmlns:p159="http://schemas.microsoft.com/office/powerpoint/2015/09/main">
-    <mc:Choice Requires="p159">
+  <mc:AlternateContent xmlns:mc="http://schemas.openxmlformats.org/markup-compatibility/2006">
+    <mc:Choice xmlns:p159="http://schemas.microsoft.com/office/powerpoint/2015/09/main" xmlns="" Requires="p159">
       <p:transition xmlns:p14="http://schemas.microsoft.com/office/powerpoint/2010/main" spd="slow" p14:dur="2000" advTm="9000">
         <p159:morph option="byObject"/>
       </p:transition>
     </mc:Choice>
-    <mc:Fallback xmlns="">
+    <mc:Fallback>
       <p:transition spd="slow" advTm="9000">
         <p:fade/>
       </p:transition>
@@ -19406,7 +19595,7 @@
           <p:cNvPr id="6" name="TextBox 5">
             <a:extLst>
               <a:ext uri="{FF2B5EF4-FFF2-40B4-BE49-F238E27FC236}">
-                <a16:creationId xmlns:a16="http://schemas.microsoft.com/office/drawing/2014/main" id="{26AF1BF9-93E8-5205-40B1-4E7FE344C30E}"/>
+                <a16:creationId xmlns:a16="http://schemas.microsoft.com/office/drawing/2014/main" xmlns="" id="{26AF1BF9-93E8-5205-40B1-4E7FE344C30E}"/>
               </a:ext>
             </a:extLst>
           </p:cNvPr>
@@ -19429,6 +19618,16 @@
           </a:bodyPr>
           <a:lstStyle/>
           <a:p>
+            <a:r>
+              <a:rPr lang="en-US" sz="1300" b="0" dirty="0">
+                <a:solidFill>
+                  <a:srgbClr val="D4D4D4"/>
+                </a:solidFill>
+                <a:effectLst/>
+                <a:latin typeface="Consolas" panose="020B0609020204030204" pitchFamily="49" charset="0"/>
+              </a:rPr>
+              <a:t/>
+            </a:r>
             <a:br>
               <a:rPr lang="en-US" sz="1300" b="0" dirty="0">
                 <a:solidFill>
@@ -19545,101 +19744,147 @@
           </a:p>
           <a:p>
             <a:r>
+              <a:rPr lang="en-US" sz="1300" dirty="0">
+                <a:solidFill>
+                  <a:schemeClr val="accent1"/>
+                </a:solidFill>
+                <a:latin typeface="Consolas" panose="020B0609020204030204" pitchFamily="49" charset="0"/>
+              </a:rPr>
+              <a:t> </a:t>
+            </a:r>
+            <a:r>
+              <a:rPr lang="en-US" sz="1300" dirty="0" smtClean="0">
+                <a:solidFill>
+                  <a:schemeClr val="accent1"/>
+                </a:solidFill>
+                <a:latin typeface="Consolas" panose="020B0609020204030204" pitchFamily="49" charset="0"/>
+              </a:rPr>
+              <a:t> </a:t>
+            </a:r>
+            <a:r>
+              <a:rPr lang="en-US" sz="1300" b="0" dirty="0" smtClean="0">
+                <a:solidFill>
+                  <a:schemeClr val="accent5"/>
+                </a:solidFill>
+                <a:effectLst/>
+                <a:latin typeface="Consolas" panose="020B0609020204030204" pitchFamily="49" charset="0"/>
+              </a:rPr>
+              <a:t>"</a:t>
+            </a:r>
+            <a:r>
               <a:rPr lang="en-US" sz="1300" b="0" dirty="0">
                 <a:solidFill>
+                  <a:schemeClr val="accent5"/>
+                </a:solidFill>
+                <a:effectLst/>
+                <a:latin typeface="Consolas" panose="020B0609020204030204" pitchFamily="49" charset="0"/>
+              </a:rPr>
+              <a:t>type"</a:t>
+            </a:r>
+            <a:r>
+              <a:rPr lang="en-US" sz="1300" b="0" dirty="0">
+                <a:solidFill>
                   <a:schemeClr val="accent1"/>
                 </a:solidFill>
                 <a:effectLst/>
                 <a:latin typeface="Consolas" panose="020B0609020204030204" pitchFamily="49" charset="0"/>
               </a:rPr>
-              <a:t>    </a:t>
+              <a:t>: </a:t>
             </a:r>
             <a:r>
               <a:rPr lang="en-US" sz="1300" b="0" dirty="0">
                 <a:solidFill>
+                  <a:schemeClr val="accent2"/>
+                </a:solidFill>
+                <a:effectLst/>
+                <a:latin typeface="Consolas" panose="020B0609020204030204" pitchFamily="49" charset="0"/>
+              </a:rPr>
+              <a:t>"object"</a:t>
+            </a:r>
+            <a:r>
+              <a:rPr lang="en-US" sz="1300" b="0" dirty="0">
+                <a:solidFill>
+                  <a:schemeClr val="accent1"/>
+                </a:solidFill>
+                <a:effectLst/>
+                <a:latin typeface="Consolas" panose="020B0609020204030204" pitchFamily="49" charset="0"/>
+              </a:rPr>
+              <a:t>, </a:t>
+            </a:r>
+          </a:p>
+          <a:p>
+            <a:r>
+              <a:rPr lang="en-US" sz="1300" b="0" dirty="0">
+                <a:solidFill>
+                  <a:schemeClr val="accent1"/>
+                </a:solidFill>
+                <a:effectLst/>
+                <a:latin typeface="Consolas" panose="020B0609020204030204" pitchFamily="49" charset="0"/>
+              </a:rPr>
+              <a:t>  </a:t>
+            </a:r>
+            <a:r>
+              <a:rPr lang="en-US" sz="1300" b="0" dirty="0" smtClean="0">
+                <a:solidFill>
                   <a:schemeClr val="accent5"/>
                 </a:solidFill>
                 <a:effectLst/>
                 <a:latin typeface="Consolas" panose="020B0609020204030204" pitchFamily="49" charset="0"/>
               </a:rPr>
-              <a:t>"type"</a:t>
+              <a:t>"</a:t>
             </a:r>
             <a:r>
               <a:rPr lang="en-US" sz="1300" b="0" dirty="0">
                 <a:solidFill>
+                  <a:schemeClr val="accent5"/>
+                </a:solidFill>
+                <a:effectLst/>
+                <a:latin typeface="Consolas" panose="020B0609020204030204" pitchFamily="49" charset="0"/>
+              </a:rPr>
+              <a:t>properties"</a:t>
+            </a:r>
+            <a:r>
+              <a:rPr lang="en-US" sz="1300" b="0" dirty="0">
+                <a:solidFill>
                   <a:schemeClr val="accent1"/>
                 </a:solidFill>
                 <a:effectLst/>
                 <a:latin typeface="Consolas" panose="020B0609020204030204" pitchFamily="49" charset="0"/>
               </a:rPr>
-              <a:t>: </a:t>
-            </a:r>
+              <a:t>:    { </a:t>
+            </a:r>
+          </a:p>
+          <a:p>
             <a:r>
               <a:rPr lang="en-US" sz="1300" b="0" dirty="0">
                 <a:solidFill>
-                  <a:schemeClr val="accent2"/>
-                </a:solidFill>
-                <a:effectLst/>
-                <a:latin typeface="Consolas" panose="020B0609020204030204" pitchFamily="49" charset="0"/>
-              </a:rPr>
-              <a:t>"object"</a:t>
-            </a:r>
-            <a:r>
-              <a:rPr lang="en-US" sz="1300" b="0" dirty="0">
-                <a:solidFill>
                   <a:schemeClr val="accent1"/>
                 </a:solidFill>
                 <a:effectLst/>
                 <a:latin typeface="Consolas" panose="020B0609020204030204" pitchFamily="49" charset="0"/>
               </a:rPr>
-              <a:t>, </a:t>
-            </a:r>
-          </a:p>
-          <a:p>
-            <a:r>
-              <a:rPr lang="en-US" sz="1300" b="0" dirty="0">
+              <a:t>  </a:t>
+            </a:r>
+            <a:r>
+              <a:rPr lang="en-US" sz="1300" dirty="0">
                 <a:solidFill>
                   <a:schemeClr val="accent1"/>
                 </a:solidFill>
-                <a:effectLst/>
-                <a:latin typeface="Consolas" panose="020B0609020204030204" pitchFamily="49" charset="0"/>
-              </a:rPr>
-              <a:t>    </a:t>
-            </a:r>
-            <a:r>
-              <a:rPr lang="en-US" sz="1300" b="0" dirty="0">
-                <a:solidFill>
-                  <a:schemeClr val="accent5"/>
-                </a:solidFill>
-                <a:effectLst/>
-                <a:latin typeface="Consolas" panose="020B0609020204030204" pitchFamily="49" charset="0"/>
-              </a:rPr>
-              <a:t>"properties"</a:t>
-            </a:r>
-            <a:r>
-              <a:rPr lang="en-US" sz="1300" b="0" dirty="0">
+                <a:latin typeface="Consolas" panose="020B0609020204030204" pitchFamily="49" charset="0"/>
+              </a:rPr>
+              <a:t> </a:t>
+            </a:r>
+            <a:r>
+              <a:rPr lang="en-US" sz="1300" dirty="0" smtClean="0">
                 <a:solidFill>
                   <a:schemeClr val="accent1"/>
                 </a:solidFill>
-                <a:effectLst/>
-                <a:latin typeface="Consolas" panose="020B0609020204030204" pitchFamily="49" charset="0"/>
-              </a:rPr>
-              <a:t>:    { </a:t>
-            </a:r>
-          </a:p>
-          <a:p>
-            <a:r>
-              <a:rPr lang="en-US" sz="1300" b="0" dirty="0">
-                <a:solidFill>
-                  <a:schemeClr val="accent1"/>
-                </a:solidFill>
-                <a:effectLst/>
-                <a:latin typeface="Consolas" panose="020B0609020204030204" pitchFamily="49" charset="0"/>
-              </a:rPr>
-              <a:t>        </a:t>
-            </a:r>
-            <a:r>
-              <a:rPr lang="en-US" sz="1300" b="0" dirty="0">
+                <a:latin typeface="Consolas" panose="020B0609020204030204" pitchFamily="49" charset="0"/>
+              </a:rPr>
+              <a:t> </a:t>
+            </a:r>
+            <a:r>
+              <a:rPr lang="en-US" sz="1300" b="0" dirty="0" smtClean="0">
                 <a:solidFill>
                   <a:schemeClr val="accent2">
                     <a:lumMod val="75000"/>
@@ -19648,89 +19893,7 @@
                 <a:effectLst/>
                 <a:latin typeface="Consolas" panose="020B0609020204030204" pitchFamily="49" charset="0"/>
               </a:rPr>
-              <a:t>"temperature"</a:t>
-            </a:r>
-            <a:r>
-              <a:rPr lang="en-US" sz="1300" b="0" dirty="0">
-                <a:solidFill>
-                  <a:schemeClr val="accent1"/>
-                </a:solidFill>
-                <a:effectLst/>
-                <a:latin typeface="Consolas" panose="020B0609020204030204" pitchFamily="49" charset="0"/>
-              </a:rPr>
-              <a:t>: {</a:t>
-            </a:r>
-            <a:r>
-              <a:rPr lang="en-US" sz="1300" b="0" dirty="0">
-                <a:solidFill>
-                  <a:schemeClr val="accent5"/>
-                </a:solidFill>
-                <a:effectLst/>
-                <a:latin typeface="Consolas" panose="020B0609020204030204" pitchFamily="49" charset="0"/>
-              </a:rPr>
               <a:t>"</a:t>
-            </a:r>
-            <a:r>
-              <a:rPr lang="en-US" sz="1300" b="0" dirty="0" err="1">
-                <a:solidFill>
-                  <a:schemeClr val="accent5"/>
-                </a:solidFill>
-                <a:effectLst/>
-                <a:latin typeface="Consolas" panose="020B0609020204030204" pitchFamily="49" charset="0"/>
-              </a:rPr>
-              <a:t>type"</a:t>
-            </a:r>
-            <a:r>
-              <a:rPr lang="en-US" sz="1300" b="0" dirty="0" err="1">
-                <a:solidFill>
-                  <a:schemeClr val="accent1"/>
-                </a:solidFill>
-                <a:effectLst/>
-                <a:latin typeface="Consolas" panose="020B0609020204030204" pitchFamily="49" charset="0"/>
-              </a:rPr>
-              <a:t>:</a:t>
-            </a:r>
-            <a:r>
-              <a:rPr lang="en-US" sz="1300" b="0" dirty="0" err="1">
-                <a:solidFill>
-                  <a:schemeClr val="accent2"/>
-                </a:solidFill>
-                <a:effectLst/>
-                <a:latin typeface="Consolas" panose="020B0609020204030204" pitchFamily="49" charset="0"/>
-              </a:rPr>
-              <a:t>"number</a:t>
-            </a:r>
-            <a:r>
-              <a:rPr lang="en-US" sz="1300" b="0" dirty="0">
-                <a:solidFill>
-                  <a:schemeClr val="accent2"/>
-                </a:solidFill>
-                <a:effectLst/>
-                <a:latin typeface="Consolas" panose="020B0609020204030204" pitchFamily="49" charset="0"/>
-              </a:rPr>
-              <a:t>"</a:t>
-            </a:r>
-            <a:r>
-              <a:rPr lang="en-US" sz="1300" b="0" dirty="0">
-                <a:solidFill>
-                  <a:schemeClr val="accent1"/>
-                </a:solidFill>
-                <a:effectLst/>
-                <a:latin typeface="Consolas" panose="020B0609020204030204" pitchFamily="49" charset="0"/>
-              </a:rPr>
-              <a:t>},</a:t>
-            </a:r>
-          </a:p>
-          <a:p>
-            <a:r>
-              <a:rPr lang="en-US" sz="1300" b="0" dirty="0">
-                <a:solidFill>
-                  <a:schemeClr val="accent1"/>
-                </a:solidFill>
-                <a:effectLst/>
-                <a:latin typeface="Consolas" panose="020B0609020204030204" pitchFamily="49" charset="0"/>
-              </a:rPr>
-              <a:t>        </a:t>
             </a:r>
             <a:r>
               <a:rPr lang="en-US" sz="1300" b="0" dirty="0">
@@ -19742,7 +19905,7 @@
                 <a:effectLst/>
                 <a:latin typeface="Consolas" panose="020B0609020204030204" pitchFamily="49" charset="0"/>
               </a:rPr>
-              <a:t>"unit"</a:t>
+              <a:t>temperature"</a:t>
             </a:r>
             <a:r>
               <a:rPr lang="en-US" sz="1300" b="0" dirty="0">
@@ -19762,52 +19925,72 @@
                 <a:effectLst/>
                 <a:latin typeface="Consolas" panose="020B0609020204030204" pitchFamily="49" charset="0"/>
               </a:rPr>
-              <a:t>"type"</a:t>
+              <a:t>"type</a:t>
+            </a:r>
+            <a:r>
+              <a:rPr lang="en-US" sz="1300" b="0" dirty="0" smtClean="0">
+                <a:solidFill>
+                  <a:schemeClr val="accent5"/>
+                </a:solidFill>
+                <a:effectLst/>
+                <a:latin typeface="Consolas" panose="020B0609020204030204" pitchFamily="49" charset="0"/>
+              </a:rPr>
+              <a:t>"</a:t>
+            </a:r>
+            <a:r>
+              <a:rPr lang="en-US" sz="1300" b="0" dirty="0" smtClean="0">
+                <a:solidFill>
+                  <a:schemeClr val="accent1"/>
+                </a:solidFill>
+                <a:effectLst/>
+                <a:latin typeface="Consolas" panose="020B0609020204030204" pitchFamily="49" charset="0"/>
+              </a:rPr>
+              <a:t>: </a:t>
+            </a:r>
+            <a:r>
+              <a:rPr lang="en-US" sz="1300" b="0" dirty="0" smtClean="0">
+                <a:solidFill>
+                  <a:schemeClr val="accent2"/>
+                </a:solidFill>
+                <a:effectLst/>
+                <a:latin typeface="Consolas" panose="020B0609020204030204" pitchFamily="49" charset="0"/>
+              </a:rPr>
+              <a:t>"</a:t>
             </a:r>
             <a:r>
               <a:rPr lang="en-US" sz="1300" b="0" dirty="0">
                 <a:solidFill>
+                  <a:schemeClr val="accent2"/>
+                </a:solidFill>
+                <a:effectLst/>
+                <a:latin typeface="Consolas" panose="020B0609020204030204" pitchFamily="49" charset="0"/>
+              </a:rPr>
+              <a:t>number"</a:t>
+            </a:r>
+            <a:r>
+              <a:rPr lang="en-US" sz="1300" b="0" dirty="0">
+                <a:solidFill>
                   <a:schemeClr val="accent1"/>
                 </a:solidFill>
                 <a:effectLst/>
                 <a:latin typeface="Consolas" panose="020B0609020204030204" pitchFamily="49" charset="0"/>
               </a:rPr>
-              <a:t>: </a:t>
-            </a:r>
+              <a:t>},</a:t>
+            </a:r>
+          </a:p>
+          <a:p>
             <a:r>
               <a:rPr lang="en-US" sz="1300" b="0" dirty="0">
                 <a:solidFill>
-                  <a:schemeClr val="accent2"/>
-                </a:solidFill>
-                <a:effectLst/>
-                <a:latin typeface="Consolas" panose="020B0609020204030204" pitchFamily="49" charset="0"/>
-              </a:rPr>
-              <a:t>"string"</a:t>
-            </a:r>
-            <a:r>
-              <a:rPr lang="en-US" sz="1300" b="0" dirty="0">
-                <a:solidFill>
                   <a:schemeClr val="accent1"/>
                 </a:solidFill>
                 <a:effectLst/>
                 <a:latin typeface="Consolas" panose="020B0609020204030204" pitchFamily="49" charset="0"/>
               </a:rPr>
-              <a:t>}, </a:t>
-            </a:r>
-          </a:p>
-          <a:p>
-            <a:r>
-              <a:rPr lang="en-US" sz="1300" b="0" dirty="0">
-                <a:solidFill>
-                  <a:schemeClr val="accent1"/>
-                </a:solidFill>
-                <a:effectLst/>
-                <a:latin typeface="Consolas" panose="020B0609020204030204" pitchFamily="49" charset="0"/>
-              </a:rPr>
-              <a:t>        </a:t>
-            </a:r>
-            <a:r>
-              <a:rPr lang="en-US" sz="1300" b="0" dirty="0">
+              <a:t>    </a:t>
+            </a:r>
+            <a:r>
+              <a:rPr lang="en-US" sz="1300" b="0" dirty="0" smtClean="0">
                 <a:solidFill>
                   <a:schemeClr val="accent2">
                     <a:lumMod val="75000"/>
@@ -19816,10 +19999,10 @@
                 <a:effectLst/>
                 <a:latin typeface="Consolas" panose="020B0609020204030204" pitchFamily="49" charset="0"/>
               </a:rPr>
-              <a:t>"temp</a:t>
-            </a:r>
-            <a:r>
-              <a:rPr lang="tr-TR" sz="1300" b="0" dirty="0">
+              <a:t>"</a:t>
+            </a:r>
+            <a:r>
+              <a:rPr lang="en-US" sz="1300" b="0" dirty="0">
                 <a:solidFill>
                   <a:schemeClr val="accent2">
                     <a:lumMod val="75000"/>
@@ -19828,10 +20011,72 @@
                 <a:effectLst/>
                 <a:latin typeface="Consolas" panose="020B0609020204030204" pitchFamily="49" charset="0"/>
               </a:rPr>
-              <a:t>e</a:t>
-            </a:r>
-            <a:r>
-              <a:rPr lang="en-US" sz="1300" b="0" dirty="0" err="1">
+              <a:t>unit"</a:t>
+            </a:r>
+            <a:r>
+              <a:rPr lang="en-US" sz="1300" b="0" dirty="0">
+                <a:solidFill>
+                  <a:schemeClr val="accent1"/>
+                </a:solidFill>
+                <a:effectLst/>
+                <a:latin typeface="Consolas" panose="020B0609020204030204" pitchFamily="49" charset="0"/>
+              </a:rPr>
+              <a:t>: {</a:t>
+            </a:r>
+            <a:r>
+              <a:rPr lang="en-US" sz="1300" b="0" dirty="0">
+                <a:solidFill>
+                  <a:schemeClr val="accent5"/>
+                </a:solidFill>
+                <a:effectLst/>
+                <a:latin typeface="Consolas" panose="020B0609020204030204" pitchFamily="49" charset="0"/>
+              </a:rPr>
+              <a:t>"type"</a:t>
+            </a:r>
+            <a:r>
+              <a:rPr lang="en-US" sz="1300" b="0" dirty="0">
+                <a:solidFill>
+                  <a:schemeClr val="accent1"/>
+                </a:solidFill>
+                <a:effectLst/>
+                <a:latin typeface="Consolas" panose="020B0609020204030204" pitchFamily="49" charset="0"/>
+              </a:rPr>
+              <a:t>: </a:t>
+            </a:r>
+            <a:r>
+              <a:rPr lang="en-US" sz="1300" b="0" dirty="0">
+                <a:solidFill>
+                  <a:schemeClr val="accent2"/>
+                </a:solidFill>
+                <a:effectLst/>
+                <a:latin typeface="Consolas" panose="020B0609020204030204" pitchFamily="49" charset="0"/>
+              </a:rPr>
+              <a:t>"string"</a:t>
+            </a:r>
+            <a:r>
+              <a:rPr lang="en-US" sz="1300" b="0" dirty="0">
+                <a:solidFill>
+                  <a:schemeClr val="accent1"/>
+                </a:solidFill>
+                <a:effectLst/>
+                <a:latin typeface="Consolas" panose="020B0609020204030204" pitchFamily="49" charset="0"/>
+              </a:rPr>
+              <a:t>}, </a:t>
+            </a:r>
+          </a:p>
+          <a:p>
+            <a:r>
+              <a:rPr lang="en-US" sz="1300" b="0" dirty="0">
+                <a:solidFill>
+                  <a:schemeClr val="accent1"/>
+                </a:solidFill>
+                <a:effectLst/>
+                <a:latin typeface="Consolas" panose="020B0609020204030204" pitchFamily="49" charset="0"/>
+              </a:rPr>
+              <a:t>    </a:t>
+            </a:r>
+            <a:r>
+              <a:rPr lang="en-US" sz="1300" b="0" dirty="0" smtClean="0">
                 <a:solidFill>
                   <a:schemeClr val="accent2">
                     <a:lumMod val="75000"/>
@@ -19840,7 +20085,7 @@
                 <a:effectLst/>
                 <a:latin typeface="Consolas" panose="020B0609020204030204" pitchFamily="49" charset="0"/>
               </a:rPr>
-              <a:t>ratureOf</a:t>
+              <a:t>"</a:t>
             </a:r>
             <a:r>
               <a:rPr lang="en-US" sz="1300" b="0" dirty="0">
@@ -19852,301 +20097,10 @@
                 <a:effectLst/>
                 <a:latin typeface="Consolas" panose="020B0609020204030204" pitchFamily="49" charset="0"/>
               </a:rPr>
-              <a:t>"</a:t>
-            </a:r>
-            <a:r>
-              <a:rPr lang="en-US" sz="1300" b="0" dirty="0">
-                <a:solidFill>
-                  <a:schemeClr val="accent1"/>
-                </a:solidFill>
-                <a:effectLst/>
-                <a:latin typeface="Consolas" panose="020B0609020204030204" pitchFamily="49" charset="0"/>
-              </a:rPr>
-              <a:t>:{</a:t>
-            </a:r>
-            <a:r>
-              <a:rPr lang="en-US" sz="1300" b="0" dirty="0">
-                <a:solidFill>
-                  <a:schemeClr val="accent5"/>
-                </a:solidFill>
-                <a:effectLst/>
-                <a:latin typeface="Consolas" panose="020B0609020204030204" pitchFamily="49" charset="0"/>
-              </a:rPr>
-              <a:t>"type"</a:t>
-            </a:r>
-            <a:r>
-              <a:rPr lang="en-US" sz="1300" b="0" dirty="0">
-                <a:solidFill>
-                  <a:schemeClr val="accent1"/>
-                </a:solidFill>
-                <a:effectLst/>
-                <a:latin typeface="Consolas" panose="020B0609020204030204" pitchFamily="49" charset="0"/>
-              </a:rPr>
-              <a:t>: </a:t>
-            </a:r>
-            <a:r>
-              <a:rPr lang="en-US" sz="1300" b="0" dirty="0">
-                <a:solidFill>
-                  <a:schemeClr val="accent2"/>
-                </a:solidFill>
-                <a:effectLst/>
-                <a:latin typeface="Consolas" panose="020B0609020204030204" pitchFamily="49" charset="0"/>
-              </a:rPr>
-              <a:t>"string"</a:t>
-            </a:r>
-            <a:r>
-              <a:rPr lang="en-US" sz="1300" b="0" dirty="0">
-                <a:solidFill>
-                  <a:schemeClr val="accent1"/>
-                </a:solidFill>
-                <a:effectLst/>
-                <a:latin typeface="Consolas" panose="020B0609020204030204" pitchFamily="49" charset="0"/>
-              </a:rPr>
-              <a:t>} </a:t>
-            </a:r>
-          </a:p>
-          <a:p>
-            <a:r>
-              <a:rPr lang="en-US" sz="1300" b="0" dirty="0">
-                <a:solidFill>
-                  <a:schemeClr val="accent1"/>
-                </a:solidFill>
-                <a:effectLst/>
-                <a:latin typeface="Consolas" panose="020B0609020204030204" pitchFamily="49" charset="0"/>
-              </a:rPr>
-              <a:t>    },</a:t>
-            </a:r>
-          </a:p>
-          <a:p>
-            <a:r>
-              <a:rPr lang="en-US" sz="1300" b="0" dirty="0">
-                <a:solidFill>
-                  <a:schemeClr val="accent1"/>
-                </a:solidFill>
-                <a:effectLst/>
-                <a:latin typeface="Consolas" panose="020B0609020204030204" pitchFamily="49" charset="0"/>
-              </a:rPr>
-              <a:t>   </a:t>
-            </a:r>
-            <a:r>
-              <a:rPr lang="en-US" sz="1300" b="0" dirty="0">
-                <a:solidFill>
-                  <a:schemeClr val="accent2"/>
-                </a:solidFill>
-                <a:effectLst/>
-                <a:latin typeface="Consolas" panose="020B0609020204030204" pitchFamily="49" charset="0"/>
-              </a:rPr>
-              <a:t> </a:t>
-            </a:r>
-            <a:r>
-              <a:rPr lang="en-US" sz="1300" b="0" dirty="0">
-                <a:solidFill>
-                  <a:schemeClr val="accent5"/>
-                </a:solidFill>
-                <a:effectLst/>
-                <a:latin typeface="Consolas" panose="020B0609020204030204" pitchFamily="49" charset="0"/>
-              </a:rPr>
-              <a:t>"required"</a:t>
-            </a:r>
-            <a:r>
-              <a:rPr lang="en-US" sz="1300" b="0" dirty="0">
-                <a:solidFill>
-                  <a:schemeClr val="accent1"/>
-                </a:solidFill>
-                <a:effectLst/>
-                <a:latin typeface="Consolas" panose="020B0609020204030204" pitchFamily="49" charset="0"/>
-              </a:rPr>
-              <a:t>:  [</a:t>
-            </a:r>
-            <a:r>
-              <a:rPr lang="en-US" sz="1300" b="0" dirty="0">
-                <a:solidFill>
-                  <a:schemeClr val="accent2"/>
-                </a:solidFill>
-                <a:effectLst/>
-                <a:latin typeface="Consolas" panose="020B0609020204030204" pitchFamily="49" charset="0"/>
-              </a:rPr>
-              <a:t>"temperature"</a:t>
-            </a:r>
-            <a:r>
-              <a:rPr lang="en-US" sz="1300" b="0" dirty="0">
-                <a:solidFill>
-                  <a:schemeClr val="accent1"/>
-                </a:solidFill>
-                <a:effectLst/>
-                <a:latin typeface="Consolas" panose="020B0609020204030204" pitchFamily="49" charset="0"/>
-              </a:rPr>
-              <a:t>, </a:t>
-            </a:r>
-            <a:r>
-              <a:rPr lang="en-US" sz="1300" b="0" dirty="0">
-                <a:solidFill>
-                  <a:schemeClr val="accent2"/>
-                </a:solidFill>
-                <a:effectLst/>
-                <a:latin typeface="Consolas" panose="020B0609020204030204" pitchFamily="49" charset="0"/>
-              </a:rPr>
-              <a:t>"unit"</a:t>
-            </a:r>
-            <a:r>
-              <a:rPr lang="en-US" sz="1300" b="0" dirty="0">
-                <a:solidFill>
-                  <a:schemeClr val="accent1"/>
-                </a:solidFill>
-                <a:effectLst/>
-                <a:latin typeface="Consolas" panose="020B0609020204030204" pitchFamily="49" charset="0"/>
-              </a:rPr>
-              <a:t>],</a:t>
-            </a:r>
-          </a:p>
-          <a:p>
-            <a:r>
-              <a:rPr lang="en-US" sz="1300" b="0" dirty="0">
-                <a:solidFill>
-                  <a:schemeClr val="accent1"/>
-                </a:solidFill>
-                <a:effectLst/>
-                <a:latin typeface="Consolas" panose="020B0609020204030204" pitchFamily="49" charset="0"/>
-              </a:rPr>
-              <a:t>    </a:t>
-            </a:r>
-            <a:r>
-              <a:rPr lang="en-US" sz="1300" b="0" dirty="0">
-                <a:solidFill>
-                  <a:schemeClr val="accent5"/>
-                </a:solidFill>
-                <a:effectLst/>
-                <a:latin typeface="Consolas" panose="020B0609020204030204" pitchFamily="49" charset="0"/>
-              </a:rPr>
-              <a:t>"</a:t>
-            </a:r>
-            <a:r>
-              <a:rPr lang="en-US" sz="1300" b="0" dirty="0" err="1">
-                <a:solidFill>
-                  <a:schemeClr val="accent5"/>
-                </a:solidFill>
-                <a:effectLst/>
-                <a:latin typeface="Consolas" panose="020B0609020204030204" pitchFamily="49" charset="0"/>
-              </a:rPr>
-              <a:t>additionalProperties</a:t>
-            </a:r>
-            <a:r>
-              <a:rPr lang="en-US" sz="1300" b="0" dirty="0">
-                <a:solidFill>
-                  <a:schemeClr val="accent5"/>
-                </a:solidFill>
-                <a:effectLst/>
-                <a:latin typeface="Consolas" panose="020B0609020204030204" pitchFamily="49" charset="0"/>
-              </a:rPr>
-              <a:t>"</a:t>
-            </a:r>
-            <a:r>
-              <a:rPr lang="en-US" sz="1300" b="0" dirty="0">
-                <a:solidFill>
-                  <a:schemeClr val="accent1"/>
-                </a:solidFill>
-                <a:effectLst/>
-                <a:latin typeface="Consolas" panose="020B0609020204030204" pitchFamily="49" charset="0"/>
-              </a:rPr>
-              <a:t>: </a:t>
+              <a:t>temp</a:t>
             </a:r>
             <a:r>
               <a:rPr lang="tr-TR" sz="1300" b="0" dirty="0">
-                <a:solidFill>
-                  <a:schemeClr val="accent1"/>
-                </a:solidFill>
-                <a:effectLst/>
-                <a:latin typeface="Consolas" panose="020B0609020204030204" pitchFamily="49" charset="0"/>
-              </a:rPr>
-              <a:t>F</a:t>
-            </a:r>
-            <a:r>
-              <a:rPr lang="en-US" sz="1300" b="0" dirty="0" err="1">
-                <a:solidFill>
-                  <a:schemeClr val="accent1"/>
-                </a:solidFill>
-                <a:effectLst/>
-                <a:latin typeface="Consolas" panose="020B0609020204030204" pitchFamily="49" charset="0"/>
-              </a:rPr>
-              <a:t>alse</a:t>
-            </a:r>
-            <a:r>
-              <a:rPr lang="en-US" sz="1300" b="0" dirty="0">
-                <a:solidFill>
-                  <a:schemeClr val="accent1"/>
-                </a:solidFill>
-                <a:effectLst/>
-                <a:latin typeface="Consolas" panose="020B0609020204030204" pitchFamily="49" charset="0"/>
-              </a:rPr>
-              <a:t> </a:t>
-            </a:r>
-          </a:p>
-          <a:p>
-            <a:r>
-              <a:rPr lang="en-US" sz="1300" b="0" dirty="0">
-                <a:solidFill>
-                  <a:schemeClr val="accent1"/>
-                </a:solidFill>
-                <a:effectLst/>
-                <a:latin typeface="Consolas" panose="020B0609020204030204" pitchFamily="49" charset="0"/>
-              </a:rPr>
-              <a:t>}</a:t>
-            </a:r>
-          </a:p>
-          <a:p>
-            <a:br>
-              <a:rPr lang="en-US" sz="1300" b="0" dirty="0">
-                <a:solidFill>
-                  <a:schemeClr val="accent1"/>
-                </a:solidFill>
-                <a:effectLst/>
-                <a:latin typeface="Consolas" panose="020B0609020204030204" pitchFamily="49" charset="0"/>
-              </a:rPr>
-            </a:br>
-            <a:r>
-              <a:rPr lang="en-US" sz="1300" b="0" dirty="0">
-                <a:solidFill>
-                  <a:schemeClr val="accent5"/>
-                </a:solidFill>
-                <a:effectLst/>
-                <a:latin typeface="Consolas" panose="020B0609020204030204" pitchFamily="49" charset="0"/>
-              </a:rPr>
-              <a:t>data</a:t>
-            </a:r>
-            <a:r>
-              <a:rPr lang="en-US" sz="1300" b="0" dirty="0">
-                <a:solidFill>
-                  <a:schemeClr val="accent1"/>
-                </a:solidFill>
-                <a:effectLst/>
-                <a:latin typeface="Consolas" panose="020B0609020204030204" pitchFamily="49" charset="0"/>
-              </a:rPr>
-              <a:t> = { </a:t>
-            </a:r>
-          </a:p>
-          <a:p>
-            <a:r>
-              <a:rPr lang="en-US" sz="1300" b="0" dirty="0">
-                <a:solidFill>
-                  <a:schemeClr val="accent1"/>
-                </a:solidFill>
-                <a:effectLst/>
-                <a:latin typeface="Consolas" panose="020B0609020204030204" pitchFamily="49" charset="0"/>
-              </a:rPr>
-              <a:t>   </a:t>
-            </a:r>
-            <a:r>
-              <a:rPr lang="en-US" sz="1300" b="0" dirty="0">
-                <a:solidFill>
-                  <a:schemeClr val="accent2"/>
-                </a:solidFill>
-                <a:effectLst/>
-                <a:latin typeface="Consolas" panose="020B0609020204030204" pitchFamily="49" charset="0"/>
-              </a:rPr>
-              <a:t> </a:t>
-            </a:r>
-            <a:r>
-              <a:rPr lang="en-US" sz="1300" b="0" dirty="0">
                 <a:solidFill>
                   <a:schemeClr val="accent2">
                     <a:lumMod val="75000"/>
@@ -20155,52 +20109,10 @@
                 <a:effectLst/>
                 <a:latin typeface="Consolas" panose="020B0609020204030204" pitchFamily="49" charset="0"/>
               </a:rPr>
-              <a:t>"temperature"</a:t>
-            </a:r>
-            <a:r>
-              <a:rPr lang="en-US" sz="1300" b="0" dirty="0">
-                <a:solidFill>
-                  <a:schemeClr val="accent1"/>
-                </a:solidFill>
-                <a:effectLst/>
-                <a:latin typeface="Consolas" panose="020B0609020204030204" pitchFamily="49" charset="0"/>
-              </a:rPr>
-              <a:t>: </a:t>
-            </a:r>
-            <a:r>
-              <a:rPr lang="en-US" sz="1300" b="0" dirty="0">
-                <a:solidFill>
-                  <a:schemeClr val="accent6"/>
-                </a:solidFill>
-                <a:effectLst/>
-                <a:latin typeface="Consolas" panose="020B0609020204030204" pitchFamily="49" charset="0"/>
-              </a:rPr>
-              <a:t>15.7</a:t>
-            </a:r>
-            <a:r>
-              <a:rPr lang="en-US" sz="1300" b="0" dirty="0">
-                <a:solidFill>
-                  <a:schemeClr val="accent1"/>
-                </a:solidFill>
-                <a:effectLst/>
-                <a:latin typeface="Consolas" panose="020B0609020204030204" pitchFamily="49" charset="0"/>
-              </a:rPr>
-              <a:t>,    </a:t>
-            </a:r>
-          </a:p>
-          <a:p>
-            <a:r>
-              <a:rPr lang="en-US" sz="1300" b="0" dirty="0">
-                <a:solidFill>
-                  <a:schemeClr val="accent1"/>
-                </a:solidFill>
-                <a:effectLst/>
-                <a:latin typeface="Consolas" panose="020B0609020204030204" pitchFamily="49" charset="0"/>
-              </a:rPr>
-              <a:t>    </a:t>
-            </a:r>
-            <a:r>
-              <a:rPr lang="en-US" sz="1300" b="0" dirty="0">
+              <a:t>e</a:t>
+            </a:r>
+            <a:r>
+              <a:rPr lang="en-US" sz="1300" b="0" dirty="0" err="1">
                 <a:solidFill>
                   <a:schemeClr val="accent2">
                     <a:lumMod val="75000"/>
@@ -20209,52 +20121,10 @@
                 <a:effectLst/>
                 <a:latin typeface="Consolas" panose="020B0609020204030204" pitchFamily="49" charset="0"/>
               </a:rPr>
-              <a:t>"unit"</a:t>
-            </a:r>
-            <a:r>
-              <a:rPr lang="en-US" sz="1300" b="0" dirty="0">
-                <a:solidFill>
-                  <a:schemeClr val="accent1"/>
-                </a:solidFill>
-                <a:effectLst/>
-                <a:latin typeface="Consolas" panose="020B0609020204030204" pitchFamily="49" charset="0"/>
-              </a:rPr>
-              <a:t>: </a:t>
-            </a:r>
-            <a:r>
-              <a:rPr lang="en-US" sz="1300" b="0" dirty="0">
-                <a:solidFill>
-                  <a:schemeClr val="accent2"/>
-                </a:solidFill>
-                <a:effectLst/>
-                <a:latin typeface="Consolas" panose="020B0609020204030204" pitchFamily="49" charset="0"/>
-              </a:rPr>
-              <a:t>"Celsius"</a:t>
-            </a:r>
-            <a:r>
-              <a:rPr lang="en-US" sz="1300" b="0" dirty="0">
-                <a:solidFill>
-                  <a:schemeClr val="accent1"/>
-                </a:solidFill>
-                <a:effectLst/>
-                <a:latin typeface="Consolas" panose="020B0609020204030204" pitchFamily="49" charset="0"/>
-              </a:rPr>
-              <a:t>, </a:t>
-            </a:r>
-          </a:p>
-          <a:p>
-            <a:r>
-              <a:rPr lang="en-US" sz="1300" b="0" dirty="0">
-                <a:solidFill>
-                  <a:schemeClr val="accent1"/>
-                </a:solidFill>
-                <a:effectLst/>
-                <a:latin typeface="Consolas" panose="020B0609020204030204" pitchFamily="49" charset="0"/>
-              </a:rPr>
-              <a:t>    </a:t>
-            </a:r>
-            <a:r>
-              <a:rPr lang="en-US" sz="1300" b="0" dirty="0">
+              <a:t>ratureOf</a:t>
+            </a:r>
+            <a:r>
+              <a:rPr lang="en-US" sz="1300" b="0" dirty="0" smtClean="0">
                 <a:solidFill>
                   <a:schemeClr val="accent2">
                     <a:lumMod val="75000"/>
@@ -20263,7 +20133,520 @@
                 <a:effectLst/>
                 <a:latin typeface="Consolas" panose="020B0609020204030204" pitchFamily="49" charset="0"/>
               </a:rPr>
-              <a:t>"temp</a:t>
+              <a:t>"</a:t>
+            </a:r>
+            <a:r>
+              <a:rPr lang="en-US" sz="1300" b="0" dirty="0" smtClean="0">
+                <a:solidFill>
+                  <a:schemeClr val="accent1"/>
+                </a:solidFill>
+                <a:effectLst/>
+                <a:latin typeface="Consolas" panose="020B0609020204030204" pitchFamily="49" charset="0"/>
+              </a:rPr>
+              <a:t>: {</a:t>
+            </a:r>
+            <a:r>
+              <a:rPr lang="en-US" sz="1300" b="0" dirty="0" smtClean="0">
+                <a:solidFill>
+                  <a:schemeClr val="accent5"/>
+                </a:solidFill>
+                <a:effectLst/>
+                <a:latin typeface="Consolas" panose="020B0609020204030204" pitchFamily="49" charset="0"/>
+              </a:rPr>
+              <a:t>"</a:t>
+            </a:r>
+            <a:r>
+              <a:rPr lang="en-US" sz="1300" b="0" dirty="0">
+                <a:solidFill>
+                  <a:schemeClr val="accent5"/>
+                </a:solidFill>
+                <a:effectLst/>
+                <a:latin typeface="Consolas" panose="020B0609020204030204" pitchFamily="49" charset="0"/>
+              </a:rPr>
+              <a:t>type"</a:t>
+            </a:r>
+            <a:r>
+              <a:rPr lang="en-US" sz="1300" b="0" dirty="0">
+                <a:solidFill>
+                  <a:schemeClr val="accent1"/>
+                </a:solidFill>
+                <a:effectLst/>
+                <a:latin typeface="Consolas" panose="020B0609020204030204" pitchFamily="49" charset="0"/>
+              </a:rPr>
+              <a:t>: </a:t>
+            </a:r>
+            <a:r>
+              <a:rPr lang="en-US" sz="1300" b="0" dirty="0">
+                <a:solidFill>
+                  <a:schemeClr val="accent2"/>
+                </a:solidFill>
+                <a:effectLst/>
+                <a:latin typeface="Consolas" panose="020B0609020204030204" pitchFamily="49" charset="0"/>
+              </a:rPr>
+              <a:t>"string"</a:t>
+            </a:r>
+            <a:r>
+              <a:rPr lang="en-US" sz="1300" b="0" dirty="0">
+                <a:solidFill>
+                  <a:schemeClr val="accent1"/>
+                </a:solidFill>
+                <a:effectLst/>
+                <a:latin typeface="Consolas" panose="020B0609020204030204" pitchFamily="49" charset="0"/>
+              </a:rPr>
+              <a:t>} </a:t>
+            </a:r>
+          </a:p>
+          <a:p>
+            <a:r>
+              <a:rPr lang="en-US" sz="1300" b="0" dirty="0">
+                <a:solidFill>
+                  <a:schemeClr val="accent1"/>
+                </a:solidFill>
+                <a:effectLst/>
+                <a:latin typeface="Consolas" panose="020B0609020204030204" pitchFamily="49" charset="0"/>
+              </a:rPr>
+              <a:t>    },</a:t>
+            </a:r>
+          </a:p>
+          <a:p>
+            <a:r>
+              <a:rPr lang="en-US" sz="1300" b="0" dirty="0">
+                <a:solidFill>
+                  <a:schemeClr val="accent1"/>
+                </a:solidFill>
+                <a:effectLst/>
+                <a:latin typeface="Consolas" panose="020B0609020204030204" pitchFamily="49" charset="0"/>
+              </a:rPr>
+              <a:t>  </a:t>
+            </a:r>
+            <a:r>
+              <a:rPr lang="en-US" sz="1300" b="0" dirty="0" smtClean="0">
+                <a:solidFill>
+                  <a:schemeClr val="accent5"/>
+                </a:solidFill>
+                <a:effectLst/>
+                <a:latin typeface="Consolas" panose="020B0609020204030204" pitchFamily="49" charset="0"/>
+              </a:rPr>
+              <a:t>"</a:t>
+            </a:r>
+            <a:r>
+              <a:rPr lang="en-US" sz="1300" b="0" dirty="0">
+                <a:solidFill>
+                  <a:schemeClr val="accent5"/>
+                </a:solidFill>
+                <a:effectLst/>
+                <a:latin typeface="Consolas" panose="020B0609020204030204" pitchFamily="49" charset="0"/>
+              </a:rPr>
+              <a:t>required</a:t>
+            </a:r>
+            <a:r>
+              <a:rPr lang="en-US" sz="1300" b="0" dirty="0" smtClean="0">
+                <a:solidFill>
+                  <a:schemeClr val="accent5"/>
+                </a:solidFill>
+                <a:effectLst/>
+                <a:latin typeface="Consolas" panose="020B0609020204030204" pitchFamily="49" charset="0"/>
+              </a:rPr>
+              <a:t>"</a:t>
+            </a:r>
+            <a:r>
+              <a:rPr lang="en-US" sz="1300" b="0" dirty="0" smtClean="0">
+                <a:solidFill>
+                  <a:schemeClr val="accent1"/>
+                </a:solidFill>
+                <a:effectLst/>
+                <a:latin typeface="Consolas" panose="020B0609020204030204" pitchFamily="49" charset="0"/>
+              </a:rPr>
+              <a:t>:</a:t>
+            </a:r>
+            <a:r>
+              <a:rPr lang="en-US" sz="1300" dirty="0">
+                <a:solidFill>
+                  <a:schemeClr val="accent1"/>
+                </a:solidFill>
+                <a:latin typeface="Consolas" panose="020B0609020204030204" pitchFamily="49" charset="0"/>
+              </a:rPr>
+              <a:t> </a:t>
+            </a:r>
+            <a:r>
+              <a:rPr lang="en-US" sz="1300" b="0" dirty="0" smtClean="0">
+                <a:solidFill>
+                  <a:schemeClr val="accent1"/>
+                </a:solidFill>
+                <a:effectLst/>
+                <a:latin typeface="Consolas" panose="020B0609020204030204" pitchFamily="49" charset="0"/>
+              </a:rPr>
+              <a:t>[</a:t>
+            </a:r>
+            <a:r>
+              <a:rPr lang="en-US" sz="1300" b="0" dirty="0" smtClean="0">
+                <a:solidFill>
+                  <a:schemeClr val="accent2"/>
+                </a:solidFill>
+                <a:effectLst/>
+                <a:latin typeface="Consolas" panose="020B0609020204030204" pitchFamily="49" charset="0"/>
+              </a:rPr>
+              <a:t>"</a:t>
+            </a:r>
+            <a:r>
+              <a:rPr lang="en-US" sz="1300" b="0" dirty="0">
+                <a:solidFill>
+                  <a:schemeClr val="accent2"/>
+                </a:solidFill>
+                <a:effectLst/>
+                <a:latin typeface="Consolas" panose="020B0609020204030204" pitchFamily="49" charset="0"/>
+              </a:rPr>
+              <a:t>temperature"</a:t>
+            </a:r>
+            <a:r>
+              <a:rPr lang="en-US" sz="1300" b="0" dirty="0">
+                <a:solidFill>
+                  <a:schemeClr val="accent1"/>
+                </a:solidFill>
+                <a:effectLst/>
+                <a:latin typeface="Consolas" panose="020B0609020204030204" pitchFamily="49" charset="0"/>
+              </a:rPr>
+              <a:t>, </a:t>
+            </a:r>
+            <a:r>
+              <a:rPr lang="en-US" sz="1300" b="0" dirty="0">
+                <a:solidFill>
+                  <a:schemeClr val="accent2"/>
+                </a:solidFill>
+                <a:effectLst/>
+                <a:latin typeface="Consolas" panose="020B0609020204030204" pitchFamily="49" charset="0"/>
+              </a:rPr>
+              <a:t>"unit"</a:t>
+            </a:r>
+            <a:r>
+              <a:rPr lang="en-US" sz="1300" b="0" dirty="0">
+                <a:solidFill>
+                  <a:schemeClr val="accent1"/>
+                </a:solidFill>
+                <a:effectLst/>
+                <a:latin typeface="Consolas" panose="020B0609020204030204" pitchFamily="49" charset="0"/>
+              </a:rPr>
+              <a:t>],</a:t>
+            </a:r>
+          </a:p>
+          <a:p>
+            <a:r>
+              <a:rPr lang="en-US" sz="1300" b="0" dirty="0">
+                <a:solidFill>
+                  <a:schemeClr val="accent1"/>
+                </a:solidFill>
+                <a:effectLst/>
+                <a:latin typeface="Consolas" panose="020B0609020204030204" pitchFamily="49" charset="0"/>
+              </a:rPr>
+              <a:t>  </a:t>
+            </a:r>
+            <a:r>
+              <a:rPr lang="en-US" sz="1300" b="0" dirty="0" smtClean="0">
+                <a:solidFill>
+                  <a:schemeClr val="accent5"/>
+                </a:solidFill>
+                <a:effectLst/>
+                <a:latin typeface="Consolas" panose="020B0609020204030204" pitchFamily="49" charset="0"/>
+              </a:rPr>
+              <a:t>"</a:t>
+            </a:r>
+            <a:r>
+              <a:rPr lang="en-US" sz="1300" b="0" dirty="0" err="1">
+                <a:solidFill>
+                  <a:schemeClr val="accent5"/>
+                </a:solidFill>
+                <a:effectLst/>
+                <a:latin typeface="Consolas" panose="020B0609020204030204" pitchFamily="49" charset="0"/>
+              </a:rPr>
+              <a:t>additionalProperties</a:t>
+            </a:r>
+            <a:r>
+              <a:rPr lang="en-US" sz="1300" b="0" dirty="0">
+                <a:solidFill>
+                  <a:schemeClr val="accent5"/>
+                </a:solidFill>
+                <a:effectLst/>
+                <a:latin typeface="Consolas" panose="020B0609020204030204" pitchFamily="49" charset="0"/>
+              </a:rPr>
+              <a:t>"</a:t>
+            </a:r>
+            <a:r>
+              <a:rPr lang="en-US" sz="1300" b="0" dirty="0">
+                <a:solidFill>
+                  <a:schemeClr val="accent1"/>
+                </a:solidFill>
+                <a:effectLst/>
+                <a:latin typeface="Consolas" panose="020B0609020204030204" pitchFamily="49" charset="0"/>
+              </a:rPr>
+              <a:t>: </a:t>
+            </a:r>
+            <a:r>
+              <a:rPr lang="tr-TR" sz="1300" b="0" dirty="0">
+                <a:solidFill>
+                  <a:schemeClr val="accent1"/>
+                </a:solidFill>
+                <a:effectLst/>
+                <a:latin typeface="Consolas" panose="020B0609020204030204" pitchFamily="49" charset="0"/>
+              </a:rPr>
+              <a:t>F</a:t>
+            </a:r>
+            <a:r>
+              <a:rPr lang="en-US" sz="1300" b="0" dirty="0" err="1">
+                <a:solidFill>
+                  <a:schemeClr val="accent1"/>
+                </a:solidFill>
+                <a:effectLst/>
+                <a:latin typeface="Consolas" panose="020B0609020204030204" pitchFamily="49" charset="0"/>
+              </a:rPr>
+              <a:t>alse</a:t>
+            </a:r>
+            <a:r>
+              <a:rPr lang="en-US" sz="1300" b="0" dirty="0">
+                <a:solidFill>
+                  <a:schemeClr val="accent1"/>
+                </a:solidFill>
+                <a:effectLst/>
+                <a:latin typeface="Consolas" panose="020B0609020204030204" pitchFamily="49" charset="0"/>
+              </a:rPr>
+              <a:t> </a:t>
+            </a:r>
+          </a:p>
+          <a:p>
+            <a:r>
+              <a:rPr lang="en-US" sz="1300" b="0" dirty="0">
+                <a:solidFill>
+                  <a:schemeClr val="accent1"/>
+                </a:solidFill>
+                <a:effectLst/>
+                <a:latin typeface="Consolas" panose="020B0609020204030204" pitchFamily="49" charset="0"/>
+              </a:rPr>
+              <a:t>}</a:t>
+            </a:r>
+          </a:p>
+          <a:p>
+            <a:r>
+              <a:rPr lang="en-US" sz="1300" b="0" dirty="0">
+                <a:solidFill>
+                  <a:schemeClr val="accent1"/>
+                </a:solidFill>
+                <a:effectLst/>
+                <a:latin typeface="Consolas" panose="020B0609020204030204" pitchFamily="49" charset="0"/>
+              </a:rPr>
+              <a:t/>
+            </a:r>
+            <a:br>
+              <a:rPr lang="en-US" sz="1300" b="0" dirty="0">
+                <a:solidFill>
+                  <a:schemeClr val="accent1"/>
+                </a:solidFill>
+                <a:effectLst/>
+                <a:latin typeface="Consolas" panose="020B0609020204030204" pitchFamily="49" charset="0"/>
+              </a:rPr>
+            </a:br>
+            <a:r>
+              <a:rPr lang="en-US" sz="1300" b="0" dirty="0">
+                <a:solidFill>
+                  <a:schemeClr val="accent5"/>
+                </a:solidFill>
+                <a:effectLst/>
+                <a:latin typeface="Consolas" panose="020B0609020204030204" pitchFamily="49" charset="0"/>
+              </a:rPr>
+              <a:t>data</a:t>
+            </a:r>
+            <a:r>
+              <a:rPr lang="en-US" sz="1300" b="0" dirty="0">
+                <a:solidFill>
+                  <a:schemeClr val="accent1"/>
+                </a:solidFill>
+                <a:effectLst/>
+                <a:latin typeface="Consolas" panose="020B0609020204030204" pitchFamily="49" charset="0"/>
+              </a:rPr>
+              <a:t> = { </a:t>
+            </a:r>
+          </a:p>
+          <a:p>
+            <a:r>
+              <a:rPr lang="en-US" sz="1300" dirty="0">
+                <a:solidFill>
+                  <a:schemeClr val="accent1"/>
+                </a:solidFill>
+                <a:latin typeface="Consolas" panose="020B0609020204030204" pitchFamily="49" charset="0"/>
+              </a:rPr>
+              <a:t> </a:t>
+            </a:r>
+            <a:r>
+              <a:rPr lang="en-US" sz="1300" dirty="0" smtClean="0">
+                <a:solidFill>
+                  <a:schemeClr val="accent1"/>
+                </a:solidFill>
+                <a:latin typeface="Consolas" panose="020B0609020204030204" pitchFamily="49" charset="0"/>
+              </a:rPr>
+              <a:t> </a:t>
+            </a:r>
+            <a:r>
+              <a:rPr lang="en-US" sz="1300" b="0" dirty="0" smtClean="0">
+                <a:solidFill>
+                  <a:schemeClr val="accent2">
+                    <a:lumMod val="75000"/>
+                  </a:schemeClr>
+                </a:solidFill>
+                <a:effectLst/>
+                <a:latin typeface="Consolas" panose="020B0609020204030204" pitchFamily="49" charset="0"/>
+              </a:rPr>
+              <a:t>"</a:t>
+            </a:r>
+            <a:r>
+              <a:rPr lang="en-US" sz="1300" b="0" dirty="0">
+                <a:solidFill>
+                  <a:schemeClr val="accent2">
+                    <a:lumMod val="75000"/>
+                  </a:schemeClr>
+                </a:solidFill>
+                <a:effectLst/>
+                <a:latin typeface="Consolas" panose="020B0609020204030204" pitchFamily="49" charset="0"/>
+              </a:rPr>
+              <a:t>temperature"</a:t>
+            </a:r>
+            <a:r>
+              <a:rPr lang="en-US" sz="1300" b="0" dirty="0">
+                <a:solidFill>
+                  <a:schemeClr val="accent1"/>
+                </a:solidFill>
+                <a:effectLst/>
+                <a:latin typeface="Consolas" panose="020B0609020204030204" pitchFamily="49" charset="0"/>
+              </a:rPr>
+              <a:t>: </a:t>
+            </a:r>
+            <a:r>
+              <a:rPr lang="en-US" sz="1300" b="0" dirty="0">
+                <a:solidFill>
+                  <a:schemeClr val="accent6"/>
+                </a:solidFill>
+                <a:effectLst/>
+                <a:latin typeface="Consolas" panose="020B0609020204030204" pitchFamily="49" charset="0"/>
+              </a:rPr>
+              <a:t>15.7</a:t>
+            </a:r>
+            <a:r>
+              <a:rPr lang="en-US" sz="1300" b="0" dirty="0">
+                <a:solidFill>
+                  <a:schemeClr val="accent1"/>
+                </a:solidFill>
+                <a:effectLst/>
+                <a:latin typeface="Consolas" panose="020B0609020204030204" pitchFamily="49" charset="0"/>
+              </a:rPr>
+              <a:t>,    </a:t>
+            </a:r>
+          </a:p>
+          <a:p>
+            <a:r>
+              <a:rPr lang="en-US" sz="1300" b="0" dirty="0">
+                <a:solidFill>
+                  <a:schemeClr val="accent1"/>
+                </a:solidFill>
+                <a:effectLst/>
+                <a:latin typeface="Consolas" panose="020B0609020204030204" pitchFamily="49" charset="0"/>
+              </a:rPr>
+              <a:t> </a:t>
+            </a:r>
+            <a:r>
+              <a:rPr lang="en-US" sz="1300" dirty="0">
+                <a:solidFill>
+                  <a:schemeClr val="accent1"/>
+                </a:solidFill>
+                <a:latin typeface="Consolas" panose="020B0609020204030204" pitchFamily="49" charset="0"/>
+              </a:rPr>
+              <a:t> </a:t>
+            </a:r>
+            <a:r>
+              <a:rPr lang="en-US" sz="1300" b="0" dirty="0" smtClean="0">
+                <a:solidFill>
+                  <a:schemeClr val="accent2">
+                    <a:lumMod val="75000"/>
+                  </a:schemeClr>
+                </a:solidFill>
+                <a:effectLst/>
+                <a:latin typeface="Consolas" panose="020B0609020204030204" pitchFamily="49" charset="0"/>
+              </a:rPr>
+              <a:t>"</a:t>
+            </a:r>
+            <a:r>
+              <a:rPr lang="en-US" sz="1300" b="0" dirty="0">
+                <a:solidFill>
+                  <a:schemeClr val="accent2">
+                    <a:lumMod val="75000"/>
+                  </a:schemeClr>
+                </a:solidFill>
+                <a:effectLst/>
+                <a:latin typeface="Consolas" panose="020B0609020204030204" pitchFamily="49" charset="0"/>
+              </a:rPr>
+              <a:t>unit"</a:t>
+            </a:r>
+            <a:r>
+              <a:rPr lang="en-US" sz="1300" b="0" dirty="0">
+                <a:solidFill>
+                  <a:schemeClr val="accent1"/>
+                </a:solidFill>
+                <a:effectLst/>
+                <a:latin typeface="Consolas" panose="020B0609020204030204" pitchFamily="49" charset="0"/>
+              </a:rPr>
+              <a:t>: </a:t>
+            </a:r>
+            <a:r>
+              <a:rPr lang="en-US" sz="1300" b="0" dirty="0">
+                <a:solidFill>
+                  <a:schemeClr val="accent2"/>
+                </a:solidFill>
+                <a:effectLst/>
+                <a:latin typeface="Consolas" panose="020B0609020204030204" pitchFamily="49" charset="0"/>
+              </a:rPr>
+              <a:t>"Celsius"</a:t>
+            </a:r>
+            <a:r>
+              <a:rPr lang="en-US" sz="1300" b="0" dirty="0">
+                <a:solidFill>
+                  <a:schemeClr val="accent1"/>
+                </a:solidFill>
+                <a:effectLst/>
+                <a:latin typeface="Consolas" panose="020B0609020204030204" pitchFamily="49" charset="0"/>
+              </a:rPr>
+              <a:t>, </a:t>
+            </a:r>
+          </a:p>
+          <a:p>
+            <a:r>
+              <a:rPr lang="en-US" sz="1300" b="0" dirty="0">
+                <a:solidFill>
+                  <a:schemeClr val="accent1"/>
+                </a:solidFill>
+                <a:effectLst/>
+                <a:latin typeface="Consolas" panose="020B0609020204030204" pitchFamily="49" charset="0"/>
+              </a:rPr>
+              <a:t>  </a:t>
+            </a:r>
+            <a:r>
+              <a:rPr lang="en-US" sz="1300" b="0" dirty="0" smtClean="0">
+                <a:solidFill>
+                  <a:schemeClr val="accent2">
+                    <a:lumMod val="75000"/>
+                  </a:schemeClr>
+                </a:solidFill>
+                <a:effectLst/>
+                <a:latin typeface="Consolas" panose="020B0609020204030204" pitchFamily="49" charset="0"/>
+              </a:rPr>
+              <a:t>"</a:t>
+            </a:r>
+            <a:r>
+              <a:rPr lang="en-US" sz="1300" b="0" dirty="0">
+                <a:solidFill>
+                  <a:schemeClr val="accent2">
+                    <a:lumMod val="75000"/>
+                  </a:schemeClr>
+                </a:solidFill>
+                <a:effectLst/>
+                <a:latin typeface="Consolas" panose="020B0609020204030204" pitchFamily="49" charset="0"/>
+              </a:rPr>
+              <a:t>temp</a:t>
             </a:r>
             <a:r>
               <a:rPr lang="tr-TR" sz="1300" b="0" dirty="0">
@@ -20342,7 +20725,7 @@
           </a:p>
           <a:p>
             <a:r>
-              <a:rPr lang="en-US" sz="1300" b="0" dirty="0">
+              <a:rPr lang="en-US" sz="1300" b="0" dirty="0" smtClean="0">
                 <a:solidFill>
                   <a:schemeClr val="accent5"/>
                 </a:solidFill>
@@ -20352,17 +20735,17 @@
               <a:t>validate</a:t>
             </a:r>
             <a:r>
-              <a:rPr lang="en-US" sz="1300" b="0" dirty="0">
+              <a:rPr lang="en-US" sz="1300" b="0" dirty="0" smtClean="0">
                 <a:solidFill>
                   <a:schemeClr val="accent1"/>
                 </a:solidFill>
                 <a:effectLst/>
                 <a:latin typeface="Consolas" panose="020B0609020204030204" pitchFamily="49" charset="0"/>
               </a:rPr>
-              <a:t>( </a:t>
-            </a:r>
-            <a:r>
-              <a:rPr lang="en-US" sz="1300" b="0" dirty="0">
+              <a:t>(</a:t>
+            </a:r>
+            <a:r>
+              <a:rPr lang="en-US" sz="1300" b="0" dirty="0" smtClean="0">
                 <a:solidFill>
                   <a:schemeClr val="accent1">
                     <a:lumMod val="60000"/>
@@ -20375,17 +20758,17 @@
               <a:t>instance</a:t>
             </a:r>
             <a:r>
-              <a:rPr lang="en-US" sz="1300" b="0" dirty="0">
+              <a:rPr lang="en-US" sz="1300" b="0" dirty="0" smtClean="0">
                 <a:solidFill>
                   <a:schemeClr val="accent1"/>
                 </a:solidFill>
                 <a:effectLst/>
                 <a:latin typeface="Consolas" panose="020B0609020204030204" pitchFamily="49" charset="0"/>
               </a:rPr>
-              <a:t>= </a:t>
-            </a:r>
-            <a:r>
-              <a:rPr lang="en-US" sz="1300" b="0" dirty="0">
+              <a:t>=</a:t>
+            </a:r>
+            <a:r>
+              <a:rPr lang="en-US" sz="1300" b="0" dirty="0" smtClean="0">
                 <a:solidFill>
                   <a:schemeClr val="accent5"/>
                 </a:solidFill>
@@ -20435,7 +20818,7 @@
           <p:cNvPr id="29" name="Group 28">
             <a:extLst>
               <a:ext uri="{FF2B5EF4-FFF2-40B4-BE49-F238E27FC236}">
-                <a16:creationId xmlns:a16="http://schemas.microsoft.com/office/drawing/2014/main" id="{1E182C0C-1CEA-5E7E-15D5-DD1F0AFA5BB1}"/>
+                <a16:creationId xmlns:a16="http://schemas.microsoft.com/office/drawing/2014/main" xmlns="" id="{1E182C0C-1CEA-5E7E-15D5-DD1F0AFA5BB1}"/>
               </a:ext>
             </a:extLst>
           </p:cNvPr>
@@ -20455,7 +20838,7 @@
             <p:cNvPr id="14" name="Rectangle: Rounded Corners 13">
               <a:extLst>
                 <a:ext uri="{FF2B5EF4-FFF2-40B4-BE49-F238E27FC236}">
-                  <a16:creationId xmlns:a16="http://schemas.microsoft.com/office/drawing/2014/main" id="{C5575B4F-915C-C60D-D8E2-3749621DE2B2}"/>
+                  <a16:creationId xmlns:a16="http://schemas.microsoft.com/office/drawing/2014/main" xmlns="" id="{C5575B4F-915C-C60D-D8E2-3749621DE2B2}"/>
                 </a:ext>
               </a:extLst>
             </p:cNvPr>
@@ -20507,7 +20890,7 @@
             <p:cNvPr id="15" name="Rectangle: Rounded Corners 14">
               <a:extLst>
                 <a:ext uri="{FF2B5EF4-FFF2-40B4-BE49-F238E27FC236}">
-                  <a16:creationId xmlns:a16="http://schemas.microsoft.com/office/drawing/2014/main" id="{0F4CABC1-02DC-C734-D7A7-2889E5A120CE}"/>
+                  <a16:creationId xmlns:a16="http://schemas.microsoft.com/office/drawing/2014/main" xmlns="" id="{0F4CABC1-02DC-C734-D7A7-2889E5A120CE}"/>
                 </a:ext>
               </a:extLst>
             </p:cNvPr>
@@ -20559,7 +20942,7 @@
             <p:cNvPr id="20" name="Rectangle: Rounded Corners 19">
               <a:extLst>
                 <a:ext uri="{FF2B5EF4-FFF2-40B4-BE49-F238E27FC236}">
-                  <a16:creationId xmlns:a16="http://schemas.microsoft.com/office/drawing/2014/main" id="{DC26ED1A-5C1B-6AF4-A1D1-128E3B6D2B1F}"/>
+                  <a16:creationId xmlns:a16="http://schemas.microsoft.com/office/drawing/2014/main" xmlns="" id="{DC26ED1A-5C1B-6AF4-A1D1-128E3B6D2B1F}"/>
                 </a:ext>
               </a:extLst>
             </p:cNvPr>
@@ -20611,7 +20994,7 @@
             <p:cNvPr id="23" name="Rectangle: Rounded Corners 22">
               <a:extLst>
                 <a:ext uri="{FF2B5EF4-FFF2-40B4-BE49-F238E27FC236}">
-                  <a16:creationId xmlns:a16="http://schemas.microsoft.com/office/drawing/2014/main" id="{BE7C8EF7-EBF8-9001-059C-5C1C519D09FE}"/>
+                  <a16:creationId xmlns:a16="http://schemas.microsoft.com/office/drawing/2014/main" xmlns="" id="{BE7C8EF7-EBF8-9001-059C-5C1C519D09FE}"/>
                 </a:ext>
               </a:extLst>
             </p:cNvPr>
@@ -20663,7 +21046,7 @@
             <p:cNvPr id="27" name="Freeform: Shape 26">
               <a:extLst>
                 <a:ext uri="{FF2B5EF4-FFF2-40B4-BE49-F238E27FC236}">
-                  <a16:creationId xmlns:a16="http://schemas.microsoft.com/office/drawing/2014/main" id="{5FBC94A6-DDEF-72F9-FFAC-16CC50FB42C3}"/>
+                  <a16:creationId xmlns:a16="http://schemas.microsoft.com/office/drawing/2014/main" xmlns="" id="{5FBC94A6-DDEF-72F9-FFAC-16CC50FB42C3}"/>
                 </a:ext>
               </a:extLst>
             </p:cNvPr>
@@ -20882,7 +21265,7 @@
           <p:cNvPr id="2" name="Rectangle 1">
             <a:extLst>
               <a:ext uri="{FF2B5EF4-FFF2-40B4-BE49-F238E27FC236}">
-                <a16:creationId xmlns:a16="http://schemas.microsoft.com/office/drawing/2014/main" id="{99FBA49E-7B67-942B-654E-1A5D0E711FA1}"/>
+                <a16:creationId xmlns:a16="http://schemas.microsoft.com/office/drawing/2014/main" xmlns="" id="{99FBA49E-7B67-942B-654E-1A5D0E711FA1}"/>
               </a:ext>
             </a:extLst>
           </p:cNvPr>
@@ -20934,7 +21317,7 @@
           <p:cNvPr id="3" name="Rectangle 2">
             <a:extLst>
               <a:ext uri="{FF2B5EF4-FFF2-40B4-BE49-F238E27FC236}">
-                <a16:creationId xmlns:a16="http://schemas.microsoft.com/office/drawing/2014/main" id="{8FE04986-E731-9D66-817C-8D76A973B3A1}"/>
+                <a16:creationId xmlns:a16="http://schemas.microsoft.com/office/drawing/2014/main" xmlns="" id="{8FE04986-E731-9D66-817C-8D76A973B3A1}"/>
               </a:ext>
             </a:extLst>
           </p:cNvPr>
@@ -20986,7 +21369,7 @@
           <p:cNvPr id="8" name="TextBox 7">
             <a:extLst>
               <a:ext uri="{FF2B5EF4-FFF2-40B4-BE49-F238E27FC236}">
-                <a16:creationId xmlns:a16="http://schemas.microsoft.com/office/drawing/2014/main" id="{05580908-6FA0-DCF1-BD6B-7221A9CBD176}"/>
+                <a16:creationId xmlns:a16="http://schemas.microsoft.com/office/drawing/2014/main" xmlns="" id="{05580908-6FA0-DCF1-BD6B-7221A9CBD176}"/>
               </a:ext>
             </a:extLst>
           </p:cNvPr>
@@ -21037,13 +21420,13 @@
   <p:clrMapOvr>
     <a:masterClrMapping/>
   </p:clrMapOvr>
-  <mc:AlternateContent xmlns:mc="http://schemas.openxmlformats.org/markup-compatibility/2006" xmlns:p159="http://schemas.microsoft.com/office/powerpoint/2015/09/main">
-    <mc:Choice Requires="p159">
+  <mc:AlternateContent xmlns:mc="http://schemas.openxmlformats.org/markup-compatibility/2006">
+    <mc:Choice xmlns:p159="http://schemas.microsoft.com/office/powerpoint/2015/09/main" xmlns="" Requires="p159">
       <p:transition xmlns:p14="http://schemas.microsoft.com/office/powerpoint/2010/main" spd="slow" p14:dur="2000" advTm="8000">
         <p159:morph option="byObject"/>
       </p:transition>
     </mc:Choice>
-    <mc:Fallback xmlns="">
+    <mc:Fallback>
       <p:transition spd="slow" advTm="8000">
         <p:fade/>
       </p:transition>
@@ -21158,7 +21541,7 @@
           <p:cNvPr id="2" name="Group 1">
             <a:extLst>
               <a:ext uri="{FF2B5EF4-FFF2-40B4-BE49-F238E27FC236}">
-                <a16:creationId xmlns:a16="http://schemas.microsoft.com/office/drawing/2014/main" id="{9CA3B707-695E-BD89-CCEF-2E8A97A20544}"/>
+                <a16:creationId xmlns:a16="http://schemas.microsoft.com/office/drawing/2014/main" xmlns="" id="{9CA3B707-695E-BD89-CCEF-2E8A97A20544}"/>
               </a:ext>
             </a:extLst>
           </p:cNvPr>
@@ -21178,7 +21561,7 @@
             <p:cNvPr id="6" name="Left Bracket 5">
               <a:extLst>
                 <a:ext uri="{FF2B5EF4-FFF2-40B4-BE49-F238E27FC236}">
-                  <a16:creationId xmlns:a16="http://schemas.microsoft.com/office/drawing/2014/main" id="{F3AB4B92-28C7-4F3C-8D22-E665F5875419}"/>
+                  <a16:creationId xmlns:a16="http://schemas.microsoft.com/office/drawing/2014/main" xmlns="" id="{F3AB4B92-28C7-4F3C-8D22-E665F5875419}"/>
                 </a:ext>
               </a:extLst>
             </p:cNvPr>
@@ -21230,7 +21613,7 @@
             <p:cNvPr id="8" name="TextBox 7">
               <a:extLst>
                 <a:ext uri="{FF2B5EF4-FFF2-40B4-BE49-F238E27FC236}">
-                  <a16:creationId xmlns:a16="http://schemas.microsoft.com/office/drawing/2014/main" id="{870B483E-E4B0-78FC-97F8-4592FE3A72A1}"/>
+                  <a16:creationId xmlns:a16="http://schemas.microsoft.com/office/drawing/2014/main" xmlns="" id="{870B483E-E4B0-78FC-97F8-4592FE3A72A1}"/>
                 </a:ext>
               </a:extLst>
             </p:cNvPr>
@@ -21304,7 +21687,7 @@
             <p:cNvPr id="9" name="TextBox 8">
               <a:extLst>
                 <a:ext uri="{FF2B5EF4-FFF2-40B4-BE49-F238E27FC236}">
-                  <a16:creationId xmlns:a16="http://schemas.microsoft.com/office/drawing/2014/main" id="{56C14C5D-E97E-0625-EF9F-05E37C1503DB}"/>
+                  <a16:creationId xmlns:a16="http://schemas.microsoft.com/office/drawing/2014/main" xmlns="" id="{56C14C5D-E97E-0625-EF9F-05E37C1503DB}"/>
                 </a:ext>
               </a:extLst>
             </p:cNvPr>
@@ -21411,13 +21794,13 @@
   <p:clrMapOvr>
     <a:masterClrMapping/>
   </p:clrMapOvr>
-  <mc:AlternateContent xmlns:mc="http://schemas.openxmlformats.org/markup-compatibility/2006" xmlns:p159="http://schemas.microsoft.com/office/powerpoint/2015/09/main">
-    <mc:Choice Requires="p159">
+  <mc:AlternateContent xmlns:mc="http://schemas.openxmlformats.org/markup-compatibility/2006">
+    <mc:Choice xmlns:p159="http://schemas.microsoft.com/office/powerpoint/2015/09/main" xmlns="" Requires="p159">
       <p:transition xmlns:p14="http://schemas.microsoft.com/office/powerpoint/2010/main" spd="slow" p14:dur="2000" advTm="5000">
         <p159:morph option="byObject"/>
       </p:transition>
     </mc:Choice>
-    <mc:Fallback xmlns="">
+    <mc:Fallback>
       <p:transition spd="slow" advTm="5000">
         <p:fade/>
       </p:transition>
@@ -21448,7 +21831,7 @@
           <p:cNvPr id="2" name="Group 1">
             <a:extLst>
               <a:ext uri="{FF2B5EF4-FFF2-40B4-BE49-F238E27FC236}">
-                <a16:creationId xmlns:a16="http://schemas.microsoft.com/office/drawing/2014/main" id="{D3CAC3EB-5057-B6D3-CC96-86BF29A6BE42}"/>
+                <a16:creationId xmlns:a16="http://schemas.microsoft.com/office/drawing/2014/main" xmlns="" id="{D3CAC3EB-5057-B6D3-CC96-86BF29A6BE42}"/>
               </a:ext>
             </a:extLst>
           </p:cNvPr>
@@ -21457,10 +21840,10 @@
         </p:nvGrpSpPr>
         <p:grpSpPr>
           <a:xfrm>
-            <a:off x="1831510" y="1717777"/>
-            <a:ext cx="8528981" cy="3422447"/>
+            <a:off x="2113638" y="1717777"/>
+            <a:ext cx="8105788" cy="3422447"/>
             <a:chOff x="3251388" y="1717776"/>
-            <a:chExt cx="8528981" cy="3422447"/>
+            <a:chExt cx="8105788" cy="3422447"/>
           </a:xfrm>
         </p:grpSpPr>
         <p:sp>
@@ -21468,7 +21851,7 @@
             <p:cNvPr id="6" name="Left Bracket 5">
               <a:extLst>
                 <a:ext uri="{FF2B5EF4-FFF2-40B4-BE49-F238E27FC236}">
-                  <a16:creationId xmlns:a16="http://schemas.microsoft.com/office/drawing/2014/main" id="{F3AB4B92-28C7-4F3C-8D22-E665F5875419}"/>
+                  <a16:creationId xmlns:a16="http://schemas.microsoft.com/office/drawing/2014/main" xmlns="" id="{F3AB4B92-28C7-4F3C-8D22-E665F5875419}"/>
                 </a:ext>
               </a:extLst>
             </p:cNvPr>
@@ -21520,7 +21903,7 @@
             <p:cNvPr id="8" name="TextBox 7">
               <a:extLst>
                 <a:ext uri="{FF2B5EF4-FFF2-40B4-BE49-F238E27FC236}">
-                  <a16:creationId xmlns:a16="http://schemas.microsoft.com/office/drawing/2014/main" id="{870B483E-E4B0-78FC-97F8-4592FE3A72A1}"/>
+                  <a16:creationId xmlns:a16="http://schemas.microsoft.com/office/drawing/2014/main" xmlns="" id="{870B483E-E4B0-78FC-97F8-4592FE3A72A1}"/>
                 </a:ext>
               </a:extLst>
             </p:cNvPr>
@@ -21567,7 +21950,7 @@
             <p:cNvPr id="9" name="TextBox 8">
               <a:extLst>
                 <a:ext uri="{FF2B5EF4-FFF2-40B4-BE49-F238E27FC236}">
-                  <a16:creationId xmlns:a16="http://schemas.microsoft.com/office/drawing/2014/main" id="{56C14C5D-E97E-0625-EF9F-05E37C1503DB}"/>
+                  <a16:creationId xmlns:a16="http://schemas.microsoft.com/office/drawing/2014/main" xmlns="" id="{56C14C5D-E97E-0625-EF9F-05E37C1503DB}"/>
                 </a:ext>
               </a:extLst>
             </p:cNvPr>
@@ -21577,7 +21960,7 @@
           <p:spPr>
             <a:xfrm>
               <a:off x="5529940" y="1843950"/>
-              <a:ext cx="6250429" cy="3170099"/>
+              <a:ext cx="5827236" cy="3170099"/>
             </a:xfrm>
             <a:prstGeom prst="rect">
               <a:avLst/>
@@ -21613,24 +21996,42 @@
             </a:p>
             <a:p>
               <a:r>
+                <a:rPr lang="en-US" sz="2000" dirty="0">
+                  <a:solidFill>
+                    <a:schemeClr val="accent1"/>
+                  </a:solidFill>
+                  <a:latin typeface="Consolas" panose="020B0609020204030204" pitchFamily="49" charset="0"/>
+                </a:rPr>
+                <a:t> </a:t>
+              </a:r>
+              <a:r>
+                <a:rPr lang="en-US" sz="2000" dirty="0" smtClean="0">
+                  <a:solidFill>
+                    <a:schemeClr val="accent1"/>
+                  </a:solidFill>
+                  <a:latin typeface="Consolas" panose="020B0609020204030204" pitchFamily="49" charset="0"/>
+                </a:rPr>
+                <a:t> </a:t>
+              </a:r>
+              <a:r>
+                <a:rPr lang="en-US" sz="2000" b="0" dirty="0" smtClean="0">
+                  <a:solidFill>
+                    <a:schemeClr val="accent5"/>
+                  </a:solidFill>
+                  <a:effectLst/>
+                  <a:latin typeface="Consolas" panose="020B0609020204030204" pitchFamily="49" charset="0"/>
+                </a:rPr>
+                <a:t>"</a:t>
+              </a:r>
+              <a:r>
                 <a:rPr lang="en-US" sz="2000" b="0" dirty="0">
                   <a:solidFill>
-                    <a:schemeClr val="accent1"/>
-                  </a:solidFill>
-                  <a:effectLst/>
-                  <a:latin typeface="Consolas" panose="020B0609020204030204" pitchFamily="49" charset="0"/>
-                </a:rPr>
-                <a:t>    </a:t>
-              </a:r>
-              <a:r>
-                <a:rPr lang="en-US" sz="2000" b="0" dirty="0">
-                  <a:solidFill>
                     <a:schemeClr val="accent5"/>
                   </a:solidFill>
                   <a:effectLst/>
                   <a:latin typeface="Consolas" panose="020B0609020204030204" pitchFamily="49" charset="0"/>
                 </a:rPr>
-                <a:t>"type"</a:t>
+                <a:t>type"</a:t>
               </a:r>
               <a:r>
                 <a:rPr lang="en-US" sz="2000" b="0" dirty="0">
@@ -21672,7 +22073,17 @@
                   <a:effectLst/>
                   <a:latin typeface="Consolas" panose="020B0609020204030204" pitchFamily="49" charset="0"/>
                 </a:rPr>
-                <a:t>    </a:t>
+                <a:t>  </a:t>
+              </a:r>
+              <a:r>
+                <a:rPr lang="en-US" sz="2000" b="0" dirty="0" smtClean="0">
+                  <a:solidFill>
+                    <a:schemeClr val="accent5"/>
+                  </a:solidFill>
+                  <a:effectLst/>
+                  <a:latin typeface="Consolas" panose="020B0609020204030204" pitchFamily="49" charset="0"/>
+                </a:rPr>
+                <a:t>"</a:t>
               </a:r>
               <a:r>
                 <a:rPr lang="en-US" sz="2000" b="0" dirty="0">
@@ -21682,7 +22093,46 @@
                   <a:effectLst/>
                   <a:latin typeface="Consolas" panose="020B0609020204030204" pitchFamily="49" charset="0"/>
                 </a:rPr>
-                <a:t>"properties"</a:t>
+                <a:t>properties</a:t>
+              </a:r>
+              <a:r>
+                <a:rPr lang="en-US" sz="2000" b="0" dirty="0" smtClean="0">
+                  <a:solidFill>
+                    <a:schemeClr val="accent5"/>
+                  </a:solidFill>
+                  <a:effectLst/>
+                  <a:latin typeface="Consolas" panose="020B0609020204030204" pitchFamily="49" charset="0"/>
+                </a:rPr>
+                <a:t>"</a:t>
+              </a:r>
+              <a:r>
+                <a:rPr lang="en-US" sz="2000" b="0" dirty="0" smtClean="0">
+                  <a:solidFill>
+                    <a:schemeClr val="accent1"/>
+                  </a:solidFill>
+                  <a:effectLst/>
+                  <a:latin typeface="Consolas" panose="020B0609020204030204" pitchFamily="49" charset="0"/>
+                </a:rPr>
+                <a:t>:</a:t>
+              </a:r>
+              <a:r>
+                <a:rPr lang="en-US" sz="2000" dirty="0">
+                  <a:solidFill>
+                    <a:schemeClr val="accent1"/>
+                  </a:solidFill>
+                  <a:latin typeface="Consolas" panose="020B0609020204030204" pitchFamily="49" charset="0"/>
+                </a:rPr>
+                <a:t> </a:t>
+              </a:r>
+              <a:r>
+                <a:rPr lang="en-US" sz="2000" b="0" dirty="0" smtClean="0">
+                  <a:solidFill>
+                    <a:schemeClr val="accent1"/>
+                  </a:solidFill>
+                  <a:effectLst/>
+                  <a:latin typeface="Consolas" panose="020B0609020204030204" pitchFamily="49" charset="0"/>
+                </a:rPr>
+                <a:t>{</a:t>
               </a:r>
               <a:r>
                 <a:rPr lang="en-US" sz="2000" b="0" dirty="0">
@@ -21692,7 +22142,7 @@
                   <a:effectLst/>
                   <a:latin typeface="Consolas" panose="020B0609020204030204" pitchFamily="49" charset="0"/>
                 </a:rPr>
-                <a:t>:    { </a:t>
+                <a:t> </a:t>
               </a:r>
             </a:p>
             <a:p>
@@ -21704,10 +22154,28 @@
                   <a:effectLst/>
                   <a:latin typeface="Consolas" panose="020B0609020204030204" pitchFamily="49" charset="0"/>
                 </a:rPr>
-                <a:t>        </a:t>
-              </a:r>
-              <a:r>
-                <a:rPr lang="en-US" sz="2000" b="0" dirty="0">
+                <a:t>  </a:t>
+              </a:r>
+              <a:r>
+                <a:rPr lang="en-US" sz="2000" dirty="0">
+                  <a:solidFill>
+                    <a:schemeClr val="accent1"/>
+                  </a:solidFill>
+                  <a:latin typeface="Consolas" panose="020B0609020204030204" pitchFamily="49" charset="0"/>
+                </a:rPr>
+                <a:t> </a:t>
+              </a:r>
+              <a:r>
+                <a:rPr lang="en-US" sz="2000" dirty="0" smtClean="0">
+                  <a:solidFill>
+                    <a:schemeClr val="accent1"/>
+                  </a:solidFill>
+                  <a:latin typeface="Consolas" panose="020B0609020204030204" pitchFamily="49" charset="0"/>
+                </a:rPr>
+                <a:t> </a:t>
+              </a:r>
+              <a:r>
+                <a:rPr lang="en-US" sz="2000" b="0" dirty="0" smtClean="0">
                   <a:solidFill>
                     <a:schemeClr val="accent2">
                       <a:lumMod val="75000"/>
@@ -21716,89 +22184,7 @@
                   <a:effectLst/>
                   <a:latin typeface="Consolas" panose="020B0609020204030204" pitchFamily="49" charset="0"/>
                 </a:rPr>
-                <a:t>"temperature"</a:t>
-              </a:r>
-              <a:r>
-                <a:rPr lang="en-US" sz="2000" b="0" dirty="0">
-                  <a:solidFill>
-                    <a:schemeClr val="accent1"/>
-                  </a:solidFill>
-                  <a:effectLst/>
-                  <a:latin typeface="Consolas" panose="020B0609020204030204" pitchFamily="49" charset="0"/>
-                </a:rPr>
-                <a:t>: {</a:t>
-              </a:r>
-              <a:r>
-                <a:rPr lang="en-US" sz="2000" b="0" dirty="0">
-                  <a:solidFill>
-                    <a:schemeClr val="accent5"/>
-                  </a:solidFill>
-                  <a:effectLst/>
-                  <a:latin typeface="Consolas" panose="020B0609020204030204" pitchFamily="49" charset="0"/>
-                </a:rPr>
                 <a:t>"</a:t>
-              </a:r>
-              <a:r>
-                <a:rPr lang="en-US" sz="2000" b="0" dirty="0" err="1">
-                  <a:solidFill>
-                    <a:schemeClr val="accent5"/>
-                  </a:solidFill>
-                  <a:effectLst/>
-                  <a:latin typeface="Consolas" panose="020B0609020204030204" pitchFamily="49" charset="0"/>
-                </a:rPr>
-                <a:t>type"</a:t>
-              </a:r>
-              <a:r>
-                <a:rPr lang="en-US" sz="2000" b="0" dirty="0" err="1">
-                  <a:solidFill>
-                    <a:schemeClr val="accent1"/>
-                  </a:solidFill>
-                  <a:effectLst/>
-                  <a:latin typeface="Consolas" panose="020B0609020204030204" pitchFamily="49" charset="0"/>
-                </a:rPr>
-                <a:t>:</a:t>
-              </a:r>
-              <a:r>
-                <a:rPr lang="en-US" sz="2000" b="0" dirty="0" err="1">
-                  <a:solidFill>
-                    <a:schemeClr val="accent2"/>
-                  </a:solidFill>
-                  <a:effectLst/>
-                  <a:latin typeface="Consolas" panose="020B0609020204030204" pitchFamily="49" charset="0"/>
-                </a:rPr>
-                <a:t>"number</a:t>
-              </a:r>
-              <a:r>
-                <a:rPr lang="en-US" sz="2000" b="0" dirty="0">
-                  <a:solidFill>
-                    <a:schemeClr val="accent2"/>
-                  </a:solidFill>
-                  <a:effectLst/>
-                  <a:latin typeface="Consolas" panose="020B0609020204030204" pitchFamily="49" charset="0"/>
-                </a:rPr>
-                <a:t>"</a:t>
-              </a:r>
-              <a:r>
-                <a:rPr lang="en-US" sz="2000" b="0" dirty="0">
-                  <a:solidFill>
-                    <a:schemeClr val="accent1"/>
-                  </a:solidFill>
-                  <a:effectLst/>
-                  <a:latin typeface="Consolas" panose="020B0609020204030204" pitchFamily="49" charset="0"/>
-                </a:rPr>
-                <a:t>},</a:t>
-              </a:r>
-            </a:p>
-            <a:p>
-              <a:r>
-                <a:rPr lang="en-US" sz="2000" b="0" dirty="0">
-                  <a:solidFill>
-                    <a:schemeClr val="accent1"/>
-                  </a:solidFill>
-                  <a:effectLst/>
-                  <a:latin typeface="Consolas" panose="020B0609020204030204" pitchFamily="49" charset="0"/>
-                </a:rPr>
-                <a:t>        </a:t>
               </a:r>
               <a:r>
                 <a:rPr lang="en-US" sz="2000" b="0" dirty="0">
@@ -21810,7 +22196,7 @@
                   <a:effectLst/>
                   <a:latin typeface="Consolas" panose="020B0609020204030204" pitchFamily="49" charset="0"/>
                 </a:rPr>
-                <a:t>"unit"</a:t>
+                <a:t>temperature"</a:t>
               </a:r>
               <a:r>
                 <a:rPr lang="en-US" sz="2000" b="0" dirty="0">
@@ -21830,37 +22216,57 @@
                   <a:effectLst/>
                   <a:latin typeface="Consolas" panose="020B0609020204030204" pitchFamily="49" charset="0"/>
                 </a:rPr>
-                <a:t>"type"</a:t>
+                <a:t>"</a:t>
+              </a:r>
+              <a:r>
+                <a:rPr lang="en-US" sz="2000" b="0" dirty="0" err="1">
+                  <a:solidFill>
+                    <a:schemeClr val="accent5"/>
+                  </a:solidFill>
+                  <a:effectLst/>
+                  <a:latin typeface="Consolas" panose="020B0609020204030204" pitchFamily="49" charset="0"/>
+                </a:rPr>
+                <a:t>type"</a:t>
+              </a:r>
+              <a:r>
+                <a:rPr lang="en-US" sz="2000" b="0" dirty="0" err="1">
+                  <a:solidFill>
+                    <a:schemeClr val="accent1"/>
+                  </a:solidFill>
+                  <a:effectLst/>
+                  <a:latin typeface="Consolas" panose="020B0609020204030204" pitchFamily="49" charset="0"/>
+                </a:rPr>
+                <a:t>:</a:t>
+              </a:r>
+              <a:r>
+                <a:rPr lang="en-US" sz="2000" b="0" dirty="0" err="1">
+                  <a:solidFill>
+                    <a:schemeClr val="accent2"/>
+                  </a:solidFill>
+                  <a:effectLst/>
+                  <a:latin typeface="Consolas" panose="020B0609020204030204" pitchFamily="49" charset="0"/>
+                </a:rPr>
+                <a:t>"number</a:t>
               </a:r>
               <a:r>
                 <a:rPr lang="en-US" sz="2000" b="0" dirty="0">
                   <a:solidFill>
+                    <a:schemeClr val="accent2"/>
+                  </a:solidFill>
+                  <a:effectLst/>
+                  <a:latin typeface="Consolas" panose="020B0609020204030204" pitchFamily="49" charset="0"/>
+                </a:rPr>
+                <a:t>"</a:t>
+              </a:r>
+              <a:r>
+                <a:rPr lang="en-US" sz="2000" b="0" dirty="0">
+                  <a:solidFill>
                     <a:schemeClr val="accent1"/>
                   </a:solidFill>
                   <a:effectLst/>
                   <a:latin typeface="Consolas" panose="020B0609020204030204" pitchFamily="49" charset="0"/>
                 </a:rPr>
-                <a:t>: </a:t>
-              </a:r>
-              <a:r>
-                <a:rPr lang="en-US" sz="2000" b="0" dirty="0">
-                  <a:solidFill>
-                    <a:schemeClr val="accent2"/>
-                  </a:solidFill>
-                  <a:effectLst/>
-                  <a:latin typeface="Consolas" panose="020B0609020204030204" pitchFamily="49" charset="0"/>
-                </a:rPr>
-                <a:t>"string"</a:t>
-              </a:r>
-              <a:r>
-                <a:rPr lang="en-US" sz="2000" b="0" dirty="0">
-                  <a:solidFill>
-                    <a:schemeClr val="accent1"/>
-                  </a:solidFill>
-                  <a:effectLst/>
-                  <a:latin typeface="Consolas" panose="020B0609020204030204" pitchFamily="49" charset="0"/>
-                </a:rPr>
-                <a:t>}, </a:t>
+                <a:t>},</a:t>
               </a:r>
             </a:p>
             <a:p>
@@ -21872,10 +22278,10 @@
                   <a:effectLst/>
                   <a:latin typeface="Consolas" panose="020B0609020204030204" pitchFamily="49" charset="0"/>
                 </a:rPr>
-                <a:t>        </a:t>
-              </a:r>
-              <a:r>
-                <a:rPr lang="en-US" sz="2000" b="0" dirty="0">
+                <a:t>    </a:t>
+              </a:r>
+              <a:r>
+                <a:rPr lang="en-US" sz="2000" b="0" dirty="0" smtClean="0">
                   <a:solidFill>
                     <a:schemeClr val="accent2">
                       <a:lumMod val="75000"/>
@@ -21884,10 +22290,10 @@
                   <a:effectLst/>
                   <a:latin typeface="Consolas" panose="020B0609020204030204" pitchFamily="49" charset="0"/>
                 </a:rPr>
-                <a:t>"temp</a:t>
-              </a:r>
-              <a:r>
-                <a:rPr lang="tr-TR" sz="2000" b="0" dirty="0">
+                <a:t>"</a:t>
+              </a:r>
+              <a:r>
+                <a:rPr lang="en-US" sz="2000" b="0" dirty="0">
                   <a:solidFill>
                     <a:schemeClr val="accent2">
                       <a:lumMod val="75000"/>
@@ -21896,10 +22302,72 @@
                   <a:effectLst/>
                   <a:latin typeface="Consolas" panose="020B0609020204030204" pitchFamily="49" charset="0"/>
                 </a:rPr>
-                <a:t>e</a:t>
-              </a:r>
-              <a:r>
-                <a:rPr lang="en-US" sz="2000" b="0" dirty="0" err="1">
+                <a:t>unit"</a:t>
+              </a:r>
+              <a:r>
+                <a:rPr lang="en-US" sz="2000" b="0" dirty="0">
+                  <a:solidFill>
+                    <a:schemeClr val="accent1"/>
+                  </a:solidFill>
+                  <a:effectLst/>
+                  <a:latin typeface="Consolas" panose="020B0609020204030204" pitchFamily="49" charset="0"/>
+                </a:rPr>
+                <a:t>: {</a:t>
+              </a:r>
+              <a:r>
+                <a:rPr lang="en-US" sz="2000" b="0" dirty="0">
+                  <a:solidFill>
+                    <a:schemeClr val="accent5"/>
+                  </a:solidFill>
+                  <a:effectLst/>
+                  <a:latin typeface="Consolas" panose="020B0609020204030204" pitchFamily="49" charset="0"/>
+                </a:rPr>
+                <a:t>"type"</a:t>
+              </a:r>
+              <a:r>
+                <a:rPr lang="en-US" sz="2000" b="0" dirty="0">
+                  <a:solidFill>
+                    <a:schemeClr val="accent1"/>
+                  </a:solidFill>
+                  <a:effectLst/>
+                  <a:latin typeface="Consolas" panose="020B0609020204030204" pitchFamily="49" charset="0"/>
+                </a:rPr>
+                <a:t>: </a:t>
+              </a:r>
+              <a:r>
+                <a:rPr lang="en-US" sz="2000" b="0" dirty="0">
+                  <a:solidFill>
+                    <a:schemeClr val="accent2"/>
+                  </a:solidFill>
+                  <a:effectLst/>
+                  <a:latin typeface="Consolas" panose="020B0609020204030204" pitchFamily="49" charset="0"/>
+                </a:rPr>
+                <a:t>"string"</a:t>
+              </a:r>
+              <a:r>
+                <a:rPr lang="en-US" sz="2000" b="0" dirty="0">
+                  <a:solidFill>
+                    <a:schemeClr val="accent1"/>
+                  </a:solidFill>
+                  <a:effectLst/>
+                  <a:latin typeface="Consolas" panose="020B0609020204030204" pitchFamily="49" charset="0"/>
+                </a:rPr>
+                <a:t>}, </a:t>
+              </a:r>
+            </a:p>
+            <a:p>
+              <a:r>
+                <a:rPr lang="en-US" sz="2000" b="0" dirty="0">
+                  <a:solidFill>
+                    <a:schemeClr val="accent1"/>
+                  </a:solidFill>
+                  <a:effectLst/>
+                  <a:latin typeface="Consolas" panose="020B0609020204030204" pitchFamily="49" charset="0"/>
+                </a:rPr>
+                <a:t>    </a:t>
+              </a:r>
+              <a:r>
+                <a:rPr lang="en-US" sz="2000" b="0" dirty="0" smtClean="0">
                   <a:solidFill>
                     <a:schemeClr val="accent2">
                       <a:lumMod val="75000"/>
@@ -21908,7 +22376,7 @@
                   <a:effectLst/>
                   <a:latin typeface="Consolas" panose="020B0609020204030204" pitchFamily="49" charset="0"/>
                 </a:rPr>
-                <a:t>ratureOf</a:t>
+                <a:t>"</a:t>
               </a:r>
               <a:r>
                 <a:rPr lang="en-US" sz="2000" b="0" dirty="0">
@@ -21920,27 +22388,73 @@
                   <a:effectLst/>
                   <a:latin typeface="Consolas" panose="020B0609020204030204" pitchFamily="49" charset="0"/>
                 </a:rPr>
+                <a:t>temp</a:t>
+              </a:r>
+              <a:r>
+                <a:rPr lang="tr-TR" sz="2000" b="0" dirty="0">
+                  <a:solidFill>
+                    <a:schemeClr val="accent2">
+                      <a:lumMod val="75000"/>
+                    </a:schemeClr>
+                  </a:solidFill>
+                  <a:effectLst/>
+                  <a:latin typeface="Consolas" panose="020B0609020204030204" pitchFamily="49" charset="0"/>
+                </a:rPr>
+                <a:t>e</a:t>
+              </a:r>
+              <a:r>
+                <a:rPr lang="en-US" sz="2000" b="0" dirty="0" err="1">
+                  <a:solidFill>
+                    <a:schemeClr val="accent2">
+                      <a:lumMod val="75000"/>
+                    </a:schemeClr>
+                  </a:solidFill>
+                  <a:effectLst/>
+                  <a:latin typeface="Consolas" panose="020B0609020204030204" pitchFamily="49" charset="0"/>
+                </a:rPr>
+                <a:t>ratureOf</a:t>
+              </a:r>
+              <a:r>
+                <a:rPr lang="en-US" sz="2000" b="0" dirty="0" smtClean="0">
+                  <a:solidFill>
+                    <a:schemeClr val="accent2">
+                      <a:lumMod val="75000"/>
+                    </a:schemeClr>
+                  </a:solidFill>
+                  <a:effectLst/>
+                  <a:latin typeface="Consolas" panose="020B0609020204030204" pitchFamily="49" charset="0"/>
+                </a:rPr>
                 <a:t>"</a:t>
               </a:r>
               <a:r>
+                <a:rPr lang="en-US" sz="2000" b="0" dirty="0" smtClean="0">
+                  <a:solidFill>
+                    <a:schemeClr val="accent1"/>
+                  </a:solidFill>
+                  <a:effectLst/>
+                  <a:latin typeface="Consolas" panose="020B0609020204030204" pitchFamily="49" charset="0"/>
+                </a:rPr>
+                <a:t>: {</a:t>
+              </a:r>
+              <a:r>
+                <a:rPr lang="en-US" sz="2000" b="0" dirty="0" smtClean="0">
+                  <a:solidFill>
+                    <a:schemeClr val="accent5"/>
+                  </a:solidFill>
+                  <a:effectLst/>
+                  <a:latin typeface="Consolas" panose="020B0609020204030204" pitchFamily="49" charset="0"/>
+                </a:rPr>
+                <a:t>"</a:t>
+              </a:r>
+              <a:r>
                 <a:rPr lang="en-US" sz="2000" b="0" dirty="0">
                   <a:solidFill>
-                    <a:schemeClr val="accent1"/>
-                  </a:solidFill>
-                  <a:effectLst/>
-                  <a:latin typeface="Consolas" panose="020B0609020204030204" pitchFamily="49" charset="0"/>
-                </a:rPr>
-                <a:t>:{</a:t>
-              </a:r>
-              <a:r>
-                <a:rPr lang="en-US" sz="2000" b="0" dirty="0">
-                  <a:solidFill>
                     <a:schemeClr val="accent5"/>
                   </a:solidFill>
                   <a:effectLst/>
                   <a:latin typeface="Consolas" panose="020B0609020204030204" pitchFamily="49" charset="0"/>
                 </a:rPr>
-                <a:t>"type"</a:t>
+                <a:t>type"</a:t>
               </a:r>
               <a:r>
                 <a:rPr lang="en-US" sz="2000" b="0" dirty="0">
@@ -21994,47 +22508,86 @@
                   <a:effectLst/>
                   <a:latin typeface="Consolas" panose="020B0609020204030204" pitchFamily="49" charset="0"/>
                 </a:rPr>
-                <a:t>   </a:t>
+                <a:t>  </a:t>
+              </a:r>
+              <a:r>
+                <a:rPr lang="en-US" sz="2000" b="0" dirty="0" smtClean="0">
+                  <a:solidFill>
+                    <a:schemeClr val="accent5"/>
+                  </a:solidFill>
+                  <a:effectLst/>
+                  <a:latin typeface="Consolas" panose="020B0609020204030204" pitchFamily="49" charset="0"/>
+                </a:rPr>
+                <a:t>"</a:t>
               </a:r>
               <a:r>
                 <a:rPr lang="en-US" sz="2000" b="0" dirty="0">
                   <a:solidFill>
+                    <a:schemeClr val="accent5"/>
+                  </a:solidFill>
+                  <a:effectLst/>
+                  <a:latin typeface="Consolas" panose="020B0609020204030204" pitchFamily="49" charset="0"/>
+                </a:rPr>
+                <a:t>required</a:t>
+              </a:r>
+              <a:r>
+                <a:rPr lang="en-US" sz="2000" b="0" dirty="0" smtClean="0">
+                  <a:solidFill>
+                    <a:schemeClr val="accent5"/>
+                  </a:solidFill>
+                  <a:effectLst/>
+                  <a:latin typeface="Consolas" panose="020B0609020204030204" pitchFamily="49" charset="0"/>
+                </a:rPr>
+                <a:t>"</a:t>
+              </a:r>
+              <a:r>
+                <a:rPr lang="en-US" sz="2000" b="0" dirty="0" smtClean="0">
+                  <a:solidFill>
+                    <a:schemeClr val="accent1"/>
+                  </a:solidFill>
+                  <a:effectLst/>
+                  <a:latin typeface="Consolas" panose="020B0609020204030204" pitchFamily="49" charset="0"/>
+                </a:rPr>
+                <a:t>:</a:t>
+              </a:r>
+              <a:r>
+                <a:rPr lang="en-US" sz="2000" dirty="0">
+                  <a:solidFill>
+                    <a:schemeClr val="accent1"/>
+                  </a:solidFill>
+                  <a:latin typeface="Consolas" panose="020B0609020204030204" pitchFamily="49" charset="0"/>
+                </a:rPr>
+                <a:t> </a:t>
+              </a:r>
+              <a:r>
+                <a:rPr lang="en-US" sz="2000" b="0" dirty="0" smtClean="0">
+                  <a:solidFill>
+                    <a:schemeClr val="accent1"/>
+                  </a:solidFill>
+                  <a:effectLst/>
+                  <a:latin typeface="Consolas" panose="020B0609020204030204" pitchFamily="49" charset="0"/>
+                </a:rPr>
+                <a:t>[</a:t>
+              </a:r>
+              <a:r>
+                <a:rPr lang="en-US" sz="2000" b="0" dirty="0" smtClean="0">
+                  <a:solidFill>
                     <a:schemeClr val="accent2"/>
                   </a:solidFill>
                   <a:effectLst/>
                   <a:latin typeface="Consolas" panose="020B0609020204030204" pitchFamily="49" charset="0"/>
                 </a:rPr>
-                <a:t> </a:t>
+                <a:t>"</a:t>
               </a:r>
               <a:r>
                 <a:rPr lang="en-US" sz="2000" b="0" dirty="0">
                   <a:solidFill>
-                    <a:schemeClr val="accent5"/>
-                  </a:solidFill>
-                  <a:effectLst/>
-                  <a:latin typeface="Consolas" panose="020B0609020204030204" pitchFamily="49" charset="0"/>
-                </a:rPr>
-                <a:t>"required"</a:t>
-              </a:r>
-              <a:r>
-                <a:rPr lang="en-US" sz="2000" b="0" dirty="0">
-                  <a:solidFill>
-                    <a:schemeClr val="accent1"/>
-                  </a:solidFill>
-                  <a:effectLst/>
-                  <a:latin typeface="Consolas" panose="020B0609020204030204" pitchFamily="49" charset="0"/>
-                </a:rPr>
-                <a:t>:  [</a:t>
-              </a:r>
-              <a:r>
-                <a:rPr lang="en-US" sz="2000" b="0" dirty="0">
-                  <a:solidFill>
                     <a:schemeClr val="accent2"/>
                   </a:solidFill>
                   <a:effectLst/>
                   <a:latin typeface="Consolas" panose="020B0609020204030204" pitchFamily="49" charset="0"/>
                 </a:rPr>
-                <a:t>"temperature"</a:t>
+                <a:t>temperature"</a:t>
               </a:r>
               <a:r>
                 <a:rPr lang="en-US" sz="2000" b="0" dirty="0">
@@ -22076,10 +22629,10 @@
                   <a:effectLst/>
                   <a:latin typeface="Consolas" panose="020B0609020204030204" pitchFamily="49" charset="0"/>
                 </a:rPr>
-                <a:t>    </a:t>
-              </a:r>
-              <a:r>
-                <a:rPr lang="en-US" sz="2000" b="0" dirty="0">
+                <a:t>  </a:t>
+              </a:r>
+              <a:r>
+                <a:rPr lang="en-US" sz="2000" b="0" dirty="0" smtClean="0">
                   <a:solidFill>
                     <a:schemeClr val="accent5"/>
                   </a:solidFill>
@@ -22174,13 +22727,13 @@
   <p:clrMapOvr>
     <a:masterClrMapping/>
   </p:clrMapOvr>
-  <mc:AlternateContent xmlns:mc="http://schemas.openxmlformats.org/markup-compatibility/2006" xmlns:p159="http://schemas.microsoft.com/office/powerpoint/2015/09/main">
-    <mc:Choice Requires="p159">
+  <mc:AlternateContent xmlns:mc="http://schemas.openxmlformats.org/markup-compatibility/2006">
+    <mc:Choice xmlns:p159="http://schemas.microsoft.com/office/powerpoint/2015/09/main" xmlns="" Requires="p159">
       <p:transition xmlns:p14="http://schemas.microsoft.com/office/powerpoint/2010/main" spd="slow" p14:dur="2000" advTm="4000">
         <p159:morph option="byObject"/>
       </p:transition>
     </mc:Choice>
-    <mc:Fallback xmlns="">
+    <mc:Fallback>
       <p:transition spd="slow" advTm="4000">
         <p:fade/>
       </p:transition>
@@ -22211,7 +22764,7 @@
           <p:cNvPr id="2" name="Group 1">
             <a:extLst>
               <a:ext uri="{FF2B5EF4-FFF2-40B4-BE49-F238E27FC236}">
-                <a16:creationId xmlns:a16="http://schemas.microsoft.com/office/drawing/2014/main" id="{DC54BBD0-A07A-65D9-039B-BA93D6687FB0}"/>
+                <a16:creationId xmlns:a16="http://schemas.microsoft.com/office/drawing/2014/main" xmlns="" id="{DC54BBD0-A07A-65D9-039B-BA93D6687FB0}"/>
               </a:ext>
             </a:extLst>
           </p:cNvPr>
@@ -22221,9 +22774,9 @@
         <p:grpSpPr>
           <a:xfrm>
             <a:off x="2179191" y="2155372"/>
-            <a:ext cx="8904779" cy="2547256"/>
+            <a:ext cx="8564942" cy="2547256"/>
             <a:chOff x="1711234" y="2207622"/>
-            <a:chExt cx="8904779" cy="2547256"/>
+            <a:chExt cx="8564942" cy="2547256"/>
           </a:xfrm>
         </p:grpSpPr>
         <p:sp>
@@ -22231,7 +22784,7 @@
             <p:cNvPr id="6" name="Left Bracket 5">
               <a:extLst>
                 <a:ext uri="{FF2B5EF4-FFF2-40B4-BE49-F238E27FC236}">
-                  <a16:creationId xmlns:a16="http://schemas.microsoft.com/office/drawing/2014/main" id="{F3AB4B92-28C7-4F3C-8D22-E665F5875419}"/>
+                  <a16:creationId xmlns:a16="http://schemas.microsoft.com/office/drawing/2014/main" xmlns="" id="{F3AB4B92-28C7-4F3C-8D22-E665F5875419}"/>
                 </a:ext>
               </a:extLst>
             </p:cNvPr>
@@ -22283,7 +22836,7 @@
             <p:cNvPr id="8" name="TextBox 7">
               <a:extLst>
                 <a:ext uri="{FF2B5EF4-FFF2-40B4-BE49-F238E27FC236}">
-                  <a16:creationId xmlns:a16="http://schemas.microsoft.com/office/drawing/2014/main" id="{870B483E-E4B0-78FC-97F8-4592FE3A72A1}"/>
+                  <a16:creationId xmlns:a16="http://schemas.microsoft.com/office/drawing/2014/main" xmlns="" id="{870B483E-E4B0-78FC-97F8-4592FE3A72A1}"/>
                 </a:ext>
               </a:extLst>
             </p:cNvPr>
@@ -22329,7 +22882,7 @@
             <p:cNvPr id="9" name="TextBox 8">
               <a:extLst>
                 <a:ext uri="{FF2B5EF4-FFF2-40B4-BE49-F238E27FC236}">
-                  <a16:creationId xmlns:a16="http://schemas.microsoft.com/office/drawing/2014/main" id="{56C14C5D-E97E-0625-EF9F-05E37C1503DB}"/>
+                  <a16:creationId xmlns:a16="http://schemas.microsoft.com/office/drawing/2014/main" xmlns="" id="{56C14C5D-E97E-0625-EF9F-05E37C1503DB}"/>
                 </a:ext>
               </a:extLst>
             </p:cNvPr>
@@ -22339,7 +22892,7 @@
           <p:spPr>
             <a:xfrm>
               <a:off x="5673634" y="2511754"/>
-              <a:ext cx="4942379" cy="1938992"/>
+              <a:ext cx="4602542" cy="1938992"/>
             </a:xfrm>
             <a:prstGeom prst="rect">
               <a:avLst/>
@@ -22375,27 +22928,25 @@
             </a:p>
             <a:p>
               <a:r>
-                <a:rPr lang="en-US" sz="2400" b="0" dirty="0">
+                <a:rPr lang="en-US" sz="2400" dirty="0">
                   <a:solidFill>
                     <a:schemeClr val="accent1"/>
                   </a:solidFill>
-                  <a:effectLst/>
-                  <a:latin typeface="Consolas" panose="020B0609020204030204" pitchFamily="49" charset="0"/>
-                </a:rPr>
-                <a:t>   </a:t>
-              </a:r>
-              <a:r>
-                <a:rPr lang="en-US" sz="2400" b="0" dirty="0">
-                  <a:solidFill>
-                    <a:schemeClr val="accent2"/>
-                  </a:solidFill>
-                  <a:effectLst/>
-                  <a:latin typeface="Consolas" panose="020B0609020204030204" pitchFamily="49" charset="0"/>
-                </a:rPr>
-                <a:t> </a:t>
-              </a:r>
-              <a:r>
-                <a:rPr lang="en-US" sz="2400" b="0" dirty="0">
+                  <a:latin typeface="Consolas" panose="020B0609020204030204" pitchFamily="49" charset="0"/>
+                </a:rPr>
+                <a:t> </a:t>
+              </a:r>
+              <a:r>
+                <a:rPr lang="en-US" sz="2400" dirty="0" smtClean="0">
+                  <a:solidFill>
+                    <a:schemeClr val="accent1"/>
+                  </a:solidFill>
+                  <a:latin typeface="Consolas" panose="020B0609020204030204" pitchFamily="49" charset="0"/>
+                </a:rPr>
+                <a:t> </a:t>
+              </a:r>
+              <a:r>
+                <a:rPr lang="en-US" sz="2400" b="0" dirty="0" smtClean="0">
                   <a:solidFill>
                     <a:schemeClr val="accent2">
                       <a:lumMod val="75000"/>
@@ -22404,49 +22955,7 @@
                   <a:effectLst/>
                   <a:latin typeface="Consolas" panose="020B0609020204030204" pitchFamily="49" charset="0"/>
                 </a:rPr>
-                <a:t>"temperature"</a:t>
-              </a:r>
-              <a:r>
-                <a:rPr lang="en-US" sz="2400" b="0" dirty="0">
-                  <a:solidFill>
-                    <a:schemeClr val="accent1"/>
-                  </a:solidFill>
-                  <a:effectLst/>
-                  <a:latin typeface="Consolas" panose="020B0609020204030204" pitchFamily="49" charset="0"/>
-                </a:rPr>
-                <a:t>: </a:t>
-              </a:r>
-              <a:r>
-                <a:rPr lang="en-US" sz="2400" b="0" dirty="0">
-                  <a:solidFill>
-                    <a:schemeClr val="accent6"/>
-                  </a:solidFill>
-                  <a:effectLst/>
-                  <a:latin typeface="Consolas" panose="020B0609020204030204" pitchFamily="49" charset="0"/>
-                </a:rPr>
-                <a:t>15.7</a:t>
-              </a:r>
-              <a:r>
-                <a:rPr lang="en-US" sz="2400" b="0" dirty="0">
-                  <a:solidFill>
-                    <a:schemeClr val="accent1"/>
-                  </a:solidFill>
-                  <a:effectLst/>
-                  <a:latin typeface="Consolas" panose="020B0609020204030204" pitchFamily="49" charset="0"/>
-                </a:rPr>
-                <a:t>,    </a:t>
-              </a:r>
-            </a:p>
-            <a:p>
-              <a:r>
-                <a:rPr lang="en-US" sz="2400" b="0" dirty="0">
-                  <a:solidFill>
-                    <a:schemeClr val="accent1"/>
-                  </a:solidFill>
-                  <a:effectLst/>
-                  <a:latin typeface="Consolas" panose="020B0609020204030204" pitchFamily="49" charset="0"/>
-                </a:rPr>
-                <a:t>    </a:t>
+                <a:t>"</a:t>
               </a:r>
               <a:r>
                 <a:rPr lang="en-US" sz="2400" b="0" dirty="0">
@@ -22458,7 +22967,7 @@
                   <a:effectLst/>
                   <a:latin typeface="Consolas" panose="020B0609020204030204" pitchFamily="49" charset="0"/>
                 </a:rPr>
-                <a:t>"unit"</a:t>
+                <a:t>temperature"</a:t>
               </a:r>
               <a:r>
                 <a:rPr lang="en-US" sz="2400" b="0" dirty="0">
@@ -22473,12 +22982,12 @@
               <a:r>
                 <a:rPr lang="en-US" sz="2400" b="0" dirty="0">
                   <a:solidFill>
-                    <a:schemeClr val="accent2"/>
-                  </a:solidFill>
-                  <a:effectLst/>
-                  <a:latin typeface="Consolas" panose="020B0609020204030204" pitchFamily="49" charset="0"/>
-                </a:rPr>
-                <a:t>"Celsius"</a:t>
+                    <a:schemeClr val="accent6"/>
+                  </a:solidFill>
+                  <a:effectLst/>
+                  <a:latin typeface="Consolas" panose="020B0609020204030204" pitchFamily="49" charset="0"/>
+                </a:rPr>
+                <a:t>15.7</a:t>
               </a:r>
               <a:r>
                 <a:rPr lang="en-US" sz="2400" b="0" dirty="0">
@@ -22488,7 +22997,7 @@
                   <a:effectLst/>
                   <a:latin typeface="Consolas" panose="020B0609020204030204" pitchFamily="49" charset="0"/>
                 </a:rPr>
-                <a:t>, </a:t>
+                <a:t>,    </a:t>
               </a:r>
             </a:p>
             <a:p>
@@ -22500,10 +23009,10 @@
                   <a:effectLst/>
                   <a:latin typeface="Consolas" panose="020B0609020204030204" pitchFamily="49" charset="0"/>
                 </a:rPr>
-                <a:t>    </a:t>
-              </a:r>
-              <a:r>
-                <a:rPr lang="en-US" sz="2400" b="0" dirty="0">
+                <a:t>  </a:t>
+              </a:r>
+              <a:r>
+                <a:rPr lang="en-US" sz="2400" b="0" dirty="0" smtClean="0">
                   <a:solidFill>
                     <a:schemeClr val="accent2">
                       <a:lumMod val="75000"/>
@@ -22512,7 +23021,85 @@
                   <a:effectLst/>
                   <a:latin typeface="Consolas" panose="020B0609020204030204" pitchFamily="49" charset="0"/>
                 </a:rPr>
-                <a:t>"temp</a:t>
+                <a:t>"</a:t>
+              </a:r>
+              <a:r>
+                <a:rPr lang="en-US" sz="2400" b="0" dirty="0">
+                  <a:solidFill>
+                    <a:schemeClr val="accent2">
+                      <a:lumMod val="75000"/>
+                    </a:schemeClr>
+                  </a:solidFill>
+                  <a:effectLst/>
+                  <a:latin typeface="Consolas" panose="020B0609020204030204" pitchFamily="49" charset="0"/>
+                </a:rPr>
+                <a:t>unit"</a:t>
+              </a:r>
+              <a:r>
+                <a:rPr lang="en-US" sz="2400" b="0" dirty="0">
+                  <a:solidFill>
+                    <a:schemeClr val="accent1"/>
+                  </a:solidFill>
+                  <a:effectLst/>
+                  <a:latin typeface="Consolas" panose="020B0609020204030204" pitchFamily="49" charset="0"/>
+                </a:rPr>
+                <a:t>: </a:t>
+              </a:r>
+              <a:r>
+                <a:rPr lang="en-US" sz="2400" b="0" dirty="0">
+                  <a:solidFill>
+                    <a:schemeClr val="accent2"/>
+                  </a:solidFill>
+                  <a:effectLst/>
+                  <a:latin typeface="Consolas" panose="020B0609020204030204" pitchFamily="49" charset="0"/>
+                </a:rPr>
+                <a:t>"Celsius"</a:t>
+              </a:r>
+              <a:r>
+                <a:rPr lang="en-US" sz="2400" b="0" dirty="0">
+                  <a:solidFill>
+                    <a:schemeClr val="accent1"/>
+                  </a:solidFill>
+                  <a:effectLst/>
+                  <a:latin typeface="Consolas" panose="020B0609020204030204" pitchFamily="49" charset="0"/>
+                </a:rPr>
+                <a:t>, </a:t>
+              </a:r>
+            </a:p>
+            <a:p>
+              <a:r>
+                <a:rPr lang="en-US" sz="2400" b="0" dirty="0">
+                  <a:solidFill>
+                    <a:schemeClr val="accent1"/>
+                  </a:solidFill>
+                  <a:effectLst/>
+                  <a:latin typeface="Consolas" panose="020B0609020204030204" pitchFamily="49" charset="0"/>
+                </a:rPr>
+                <a:t>  </a:t>
+              </a:r>
+              <a:r>
+                <a:rPr lang="en-US" sz="2400" b="0" dirty="0" smtClean="0">
+                  <a:solidFill>
+                    <a:schemeClr val="accent2">
+                      <a:lumMod val="75000"/>
+                    </a:schemeClr>
+                  </a:solidFill>
+                  <a:effectLst/>
+                  <a:latin typeface="Consolas" panose="020B0609020204030204" pitchFamily="49" charset="0"/>
+                </a:rPr>
+                <a:t>"</a:t>
+              </a:r>
+              <a:r>
+                <a:rPr lang="en-US" sz="2400" b="0" dirty="0">
+                  <a:solidFill>
+                    <a:schemeClr val="accent2">
+                      <a:lumMod val="75000"/>
+                    </a:schemeClr>
+                  </a:solidFill>
+                  <a:effectLst/>
+                  <a:latin typeface="Consolas" panose="020B0609020204030204" pitchFamily="49" charset="0"/>
+                </a:rPr>
+                <a:t>temp</a:t>
               </a:r>
               <a:r>
                 <a:rPr lang="tr-TR" sz="2400" b="0" dirty="0">
@@ -22602,13 +23189,13 @@
   <p:clrMapOvr>
     <a:masterClrMapping/>
   </p:clrMapOvr>
-  <mc:AlternateContent xmlns:mc="http://schemas.openxmlformats.org/markup-compatibility/2006" xmlns:p159="http://schemas.microsoft.com/office/powerpoint/2015/09/main">
-    <mc:Choice Requires="p159">
+  <mc:AlternateContent xmlns:mc="http://schemas.openxmlformats.org/markup-compatibility/2006">
+    <mc:Choice xmlns:p159="http://schemas.microsoft.com/office/powerpoint/2015/09/main" xmlns="" Requires="p159">
       <p:transition xmlns:p14="http://schemas.microsoft.com/office/powerpoint/2010/main" spd="slow" p14:dur="2000" advTm="4000">
         <p159:morph option="byObject"/>
       </p:transition>
     </mc:Choice>
-    <mc:Fallback xmlns="">
+    <mc:Fallback>
       <p:transition spd="slow" advTm="4000">
         <p:fade/>
       </p:transition>
@@ -22639,7 +23226,7 @@
           <p:cNvPr id="3" name="Group 2">
             <a:extLst>
               <a:ext uri="{FF2B5EF4-FFF2-40B4-BE49-F238E27FC236}">
-                <a16:creationId xmlns:a16="http://schemas.microsoft.com/office/drawing/2014/main" id="{AE31F8D2-F78A-1701-289B-2B62C0D7214A}"/>
+                <a16:creationId xmlns:a16="http://schemas.microsoft.com/office/drawing/2014/main" xmlns="" id="{AE31F8D2-F78A-1701-289B-2B62C0D7214A}"/>
               </a:ext>
             </a:extLst>
           </p:cNvPr>
@@ -22649,9 +23236,9 @@
         <p:grpSpPr>
           <a:xfrm>
             <a:off x="663242" y="2939144"/>
-            <a:ext cx="11035434" cy="979712"/>
+            <a:ext cx="10695597" cy="979712"/>
             <a:chOff x="1058092" y="2939146"/>
-            <a:chExt cx="11035434" cy="979712"/>
+            <a:chExt cx="10695597" cy="979712"/>
           </a:xfrm>
         </p:grpSpPr>
         <p:sp>
@@ -22659,7 +23246,7 @@
             <p:cNvPr id="8" name="TextBox 7">
               <a:extLst>
                 <a:ext uri="{FF2B5EF4-FFF2-40B4-BE49-F238E27FC236}">
-                  <a16:creationId xmlns:a16="http://schemas.microsoft.com/office/drawing/2014/main" id="{870B483E-E4B0-78FC-97F8-4592FE3A72A1}"/>
+                  <a16:creationId xmlns:a16="http://schemas.microsoft.com/office/drawing/2014/main" xmlns="" id="{870B483E-E4B0-78FC-97F8-4592FE3A72A1}"/>
                 </a:ext>
               </a:extLst>
             </p:cNvPr>
@@ -22705,7 +23292,7 @@
             <p:cNvPr id="9" name="TextBox 8">
               <a:extLst>
                 <a:ext uri="{FF2B5EF4-FFF2-40B4-BE49-F238E27FC236}">
-                  <a16:creationId xmlns:a16="http://schemas.microsoft.com/office/drawing/2014/main" id="{56C14C5D-E97E-0625-EF9F-05E37C1503DB}"/>
+                  <a16:creationId xmlns:a16="http://schemas.microsoft.com/office/drawing/2014/main" xmlns="" id="{56C14C5D-E97E-0625-EF9F-05E37C1503DB}"/>
                 </a:ext>
               </a:extLst>
             </p:cNvPr>
@@ -22715,7 +23302,7 @@
           <p:spPr>
             <a:xfrm>
               <a:off x="4772291" y="3198170"/>
-              <a:ext cx="7321235" cy="461665"/>
+              <a:ext cx="6981398" cy="461665"/>
             </a:xfrm>
             <a:prstGeom prst="rect">
               <a:avLst/>
@@ -22729,7 +23316,7 @@
             <a:lstStyle/>
             <a:p>
               <a:r>
-                <a:rPr lang="en-US" sz="2400" b="0" dirty="0">
+                <a:rPr lang="en-US" sz="2400" b="0" dirty="0" smtClean="0">
                   <a:solidFill>
                     <a:schemeClr val="accent5"/>
                   </a:solidFill>
@@ -22739,17 +23326,17 @@
                 <a:t>validate</a:t>
               </a:r>
               <a:r>
-                <a:rPr lang="en-US" sz="2400" b="0" dirty="0">
+                <a:rPr lang="en-US" sz="2400" b="0" dirty="0" smtClean="0">
                   <a:solidFill>
                     <a:schemeClr val="accent1"/>
                   </a:solidFill>
                   <a:effectLst/>
                   <a:latin typeface="Consolas" panose="020B0609020204030204" pitchFamily="49" charset="0"/>
                 </a:rPr>
-                <a:t>( </a:t>
-              </a:r>
-              <a:r>
-                <a:rPr lang="en-US" sz="2400" b="0" dirty="0">
+                <a:t>(</a:t>
+              </a:r>
+              <a:r>
+                <a:rPr lang="en-US" sz="2400" b="0" dirty="0" smtClean="0">
                   <a:solidFill>
                     <a:schemeClr val="accent1">
                       <a:lumMod val="60000"/>
@@ -22762,6 +23349,26 @@
                 <a:t>instance</a:t>
               </a:r>
               <a:r>
+                <a:rPr lang="en-US" sz="2400" b="0" dirty="0" smtClean="0">
+                  <a:solidFill>
+                    <a:schemeClr val="accent1"/>
+                  </a:solidFill>
+                  <a:effectLst/>
+                  <a:latin typeface="Consolas" panose="020B0609020204030204" pitchFamily="49" charset="0"/>
+                </a:rPr>
+                <a:t>=</a:t>
+              </a:r>
+              <a:r>
+                <a:rPr lang="en-US" sz="2400" b="0" dirty="0" smtClean="0">
+                  <a:solidFill>
+                    <a:schemeClr val="accent5"/>
+                  </a:solidFill>
+                  <a:effectLst/>
+                  <a:latin typeface="Consolas" panose="020B0609020204030204" pitchFamily="49" charset="0"/>
+                </a:rPr>
+                <a:t>data</a:t>
+              </a:r>
+              <a:r>
                 <a:rPr lang="en-US" sz="2400" b="0" dirty="0">
                   <a:solidFill>
                     <a:schemeClr val="accent1"/>
@@ -22769,30 +23376,10 @@
                   <a:effectLst/>
                   <a:latin typeface="Consolas" panose="020B0609020204030204" pitchFamily="49" charset="0"/>
                 </a:rPr>
-                <a:t>= </a:t>
-              </a:r>
-              <a:r>
-                <a:rPr lang="en-US" sz="2400" b="0" dirty="0">
-                  <a:solidFill>
-                    <a:schemeClr val="accent5"/>
-                  </a:solidFill>
-                  <a:effectLst/>
-                  <a:latin typeface="Consolas" panose="020B0609020204030204" pitchFamily="49" charset="0"/>
-                </a:rPr>
-                <a:t>data</a:t>
-              </a:r>
-              <a:r>
-                <a:rPr lang="en-US" sz="2400" b="0" dirty="0">
-                  <a:solidFill>
-                    <a:schemeClr val="accent1"/>
-                  </a:solidFill>
-                  <a:effectLst/>
-                  <a:latin typeface="Consolas" panose="020B0609020204030204" pitchFamily="49" charset="0"/>
-                </a:rPr>
                 <a:t>, </a:t>
               </a:r>
               <a:r>
-                <a:rPr lang="en-US" sz="2400" b="0" dirty="0">
+                <a:rPr lang="en-US" sz="2400" b="0" dirty="0" smtClean="0">
                   <a:solidFill>
                     <a:schemeClr val="accent1">
                       <a:lumMod val="60000"/>
@@ -22805,6 +23392,16 @@
                 <a:t>schema</a:t>
               </a:r>
               <a:r>
+                <a:rPr lang="en-US" sz="2400" b="0" dirty="0" smtClean="0">
+                  <a:solidFill>
+                    <a:schemeClr val="accent1"/>
+                  </a:solidFill>
+                  <a:effectLst/>
+                  <a:latin typeface="Consolas" panose="020B0609020204030204" pitchFamily="49" charset="0"/>
+                </a:rPr>
+                <a:t>=schema)</a:t>
+              </a:r>
+              <a:r>
                 <a:rPr lang="en-US" sz="2400" b="0" dirty="0">
                   <a:solidFill>
                     <a:schemeClr val="accent1"/>
@@ -22812,7 +23409,7 @@
                   <a:effectLst/>
                   <a:latin typeface="Consolas" panose="020B0609020204030204" pitchFamily="49" charset="0"/>
                 </a:rPr>
-                <a:t>=schema ) </a:t>
+                <a:t> </a:t>
               </a:r>
             </a:p>
           </p:txBody>
@@ -22822,7 +23419,7 @@
             <p:cNvPr id="2" name="Left Bracket 1">
               <a:extLst>
                 <a:ext uri="{FF2B5EF4-FFF2-40B4-BE49-F238E27FC236}">
-                  <a16:creationId xmlns:a16="http://schemas.microsoft.com/office/drawing/2014/main" id="{AC859015-3065-668A-5054-3ABA5121C338}"/>
+                  <a16:creationId xmlns:a16="http://schemas.microsoft.com/office/drawing/2014/main" xmlns="" id="{AC859015-3065-668A-5054-3ABA5121C338}"/>
                 </a:ext>
               </a:extLst>
             </p:cNvPr>
@@ -22880,13 +23477,13 @@
   <p:clrMapOvr>
     <a:masterClrMapping/>
   </p:clrMapOvr>
-  <mc:AlternateContent xmlns:mc="http://schemas.openxmlformats.org/markup-compatibility/2006" xmlns:p159="http://schemas.microsoft.com/office/powerpoint/2015/09/main">
-    <mc:Choice Requires="p159">
+  <mc:AlternateContent xmlns:mc="http://schemas.openxmlformats.org/markup-compatibility/2006">
+    <mc:Choice xmlns:p159="http://schemas.microsoft.com/office/powerpoint/2015/09/main" xmlns="" Requires="p159">
       <p:transition xmlns:p14="http://schemas.microsoft.com/office/powerpoint/2010/main" spd="slow" p14:dur="2000" advTm="11000">
         <p159:morph option="byObject"/>
       </p:transition>
     </mc:Choice>
-    <mc:Fallback xmlns="">
+    <mc:Fallback>
       <p:transition spd="slow" advTm="11000">
         <p:fade/>
       </p:transition>
@@ -22917,7 +23514,7 @@
           <p:cNvPr id="3" name="Group 2">
             <a:extLst>
               <a:ext uri="{FF2B5EF4-FFF2-40B4-BE49-F238E27FC236}">
-                <a16:creationId xmlns:a16="http://schemas.microsoft.com/office/drawing/2014/main" id="{9AD25F81-494A-E7C4-9C1B-A63083F0688C}"/>
+                <a16:creationId xmlns:a16="http://schemas.microsoft.com/office/drawing/2014/main" xmlns="" id="{9AD25F81-494A-E7C4-9C1B-A63083F0688C}"/>
               </a:ext>
             </a:extLst>
           </p:cNvPr>
@@ -22937,7 +23534,7 @@
             <p:cNvPr id="4" name="Rectangle 3">
               <a:extLst>
                 <a:ext uri="{FF2B5EF4-FFF2-40B4-BE49-F238E27FC236}">
-                  <a16:creationId xmlns:a16="http://schemas.microsoft.com/office/drawing/2014/main" id="{85B7F292-D231-A12A-F0C2-86B9EB8B9D29}"/>
+                  <a16:creationId xmlns:a16="http://schemas.microsoft.com/office/drawing/2014/main" xmlns="" id="{85B7F292-D231-A12A-F0C2-86B9EB8B9D29}"/>
                 </a:ext>
               </a:extLst>
             </p:cNvPr>
@@ -22989,7 +23586,7 @@
             <p:cNvPr id="5" name="Rectangle 4">
               <a:extLst>
                 <a:ext uri="{FF2B5EF4-FFF2-40B4-BE49-F238E27FC236}">
-                  <a16:creationId xmlns:a16="http://schemas.microsoft.com/office/drawing/2014/main" id="{265EF0E9-AB61-7EBE-6397-774AFF47632B}"/>
+                  <a16:creationId xmlns:a16="http://schemas.microsoft.com/office/drawing/2014/main" xmlns="" id="{265EF0E9-AB61-7EBE-6397-774AFF47632B}"/>
                 </a:ext>
               </a:extLst>
             </p:cNvPr>
@@ -23041,7 +23638,7 @@
             <p:cNvPr id="6" name="TextBox 5">
               <a:extLst>
                 <a:ext uri="{FF2B5EF4-FFF2-40B4-BE49-F238E27FC236}">
-                  <a16:creationId xmlns:a16="http://schemas.microsoft.com/office/drawing/2014/main" id="{26AF1BF9-93E8-5205-40B1-4E7FE344C30E}"/>
+                  <a16:creationId xmlns:a16="http://schemas.microsoft.com/office/drawing/2014/main" xmlns="" id="{26AF1BF9-93E8-5205-40B1-4E7FE344C30E}"/>
                 </a:ext>
               </a:extLst>
             </p:cNvPr>
@@ -23064,6 +23661,16 @@
             </a:bodyPr>
             <a:lstStyle/>
             <a:p>
+              <a:r>
+                <a:rPr lang="en-US" sz="1300" b="0" dirty="0">
+                  <a:solidFill>
+                    <a:srgbClr val="D4D4D4"/>
+                  </a:solidFill>
+                  <a:effectLst/>
+                  <a:latin typeface="Consolas" panose="020B0609020204030204" pitchFamily="49" charset="0"/>
+                </a:rPr>
+                <a:t/>
+              </a:r>
               <a:br>
                 <a:rPr lang="en-US" sz="1300" b="0" dirty="0">
                   <a:solidFill>
@@ -23180,24 +23787,24 @@
             </a:p>
             <a:p>
               <a:r>
+                <a:rPr lang="en-US" sz="1300" b="0" dirty="0" smtClean="0">
+                  <a:solidFill>
+                    <a:schemeClr val="accent5"/>
+                  </a:solidFill>
+                  <a:effectLst/>
+                  <a:latin typeface="Consolas" panose="020B0609020204030204" pitchFamily="49" charset="0"/>
+                </a:rPr>
+                <a:t>  "</a:t>
+              </a:r>
+              <a:r>
                 <a:rPr lang="en-US" sz="1300" b="0" dirty="0">
                   <a:solidFill>
-                    <a:schemeClr val="accent1"/>
-                  </a:solidFill>
-                  <a:effectLst/>
-                  <a:latin typeface="Consolas" panose="020B0609020204030204" pitchFamily="49" charset="0"/>
-                </a:rPr>
-                <a:t>    </a:t>
-              </a:r>
-              <a:r>
-                <a:rPr lang="en-US" sz="1300" b="0" dirty="0">
-                  <a:solidFill>
                     <a:schemeClr val="accent5"/>
                   </a:solidFill>
                   <a:effectLst/>
                   <a:latin typeface="Consolas" panose="020B0609020204030204" pitchFamily="49" charset="0"/>
                 </a:rPr>
-                <a:t>"type"</a:t>
+                <a:t>type"</a:t>
               </a:r>
               <a:r>
                 <a:rPr lang="en-US" sz="1300" b="0" dirty="0">
@@ -23239,7 +23846,17 @@
                   <a:effectLst/>
                   <a:latin typeface="Consolas" panose="020B0609020204030204" pitchFamily="49" charset="0"/>
                 </a:rPr>
-                <a:t>    </a:t>
+                <a:t>  </a:t>
+              </a:r>
+              <a:r>
+                <a:rPr lang="en-US" sz="1300" b="0" dirty="0" smtClean="0">
+                  <a:solidFill>
+                    <a:schemeClr val="accent5"/>
+                  </a:solidFill>
+                  <a:effectLst/>
+                  <a:latin typeface="Consolas" panose="020B0609020204030204" pitchFamily="49" charset="0"/>
+                </a:rPr>
+                <a:t>"</a:t>
               </a:r>
               <a:r>
                 <a:rPr lang="en-US" sz="1300" b="0" dirty="0">
@@ -23249,7 +23866,46 @@
                   <a:effectLst/>
                   <a:latin typeface="Consolas" panose="020B0609020204030204" pitchFamily="49" charset="0"/>
                 </a:rPr>
-                <a:t>"properties"</a:t>
+                <a:t>properties</a:t>
+              </a:r>
+              <a:r>
+                <a:rPr lang="en-US" sz="1300" b="0" dirty="0" smtClean="0">
+                  <a:solidFill>
+                    <a:schemeClr val="accent5"/>
+                  </a:solidFill>
+                  <a:effectLst/>
+                  <a:latin typeface="Consolas" panose="020B0609020204030204" pitchFamily="49" charset="0"/>
+                </a:rPr>
+                <a:t>"</a:t>
+              </a:r>
+              <a:r>
+                <a:rPr lang="en-US" sz="1300" b="0" dirty="0" smtClean="0">
+                  <a:solidFill>
+                    <a:schemeClr val="accent1"/>
+                  </a:solidFill>
+                  <a:effectLst/>
+                  <a:latin typeface="Consolas" panose="020B0609020204030204" pitchFamily="49" charset="0"/>
+                </a:rPr>
+                <a:t>:</a:t>
+              </a:r>
+              <a:r>
+                <a:rPr lang="en-US" sz="1300" dirty="0">
+                  <a:solidFill>
+                    <a:schemeClr val="accent1"/>
+                  </a:solidFill>
+                  <a:latin typeface="Consolas" panose="020B0609020204030204" pitchFamily="49" charset="0"/>
+                </a:rPr>
+                <a:t> </a:t>
+              </a:r>
+              <a:r>
+                <a:rPr lang="en-US" sz="1300" b="0" dirty="0" smtClean="0">
+                  <a:solidFill>
+                    <a:schemeClr val="accent1"/>
+                  </a:solidFill>
+                  <a:effectLst/>
+                  <a:latin typeface="Consolas" panose="020B0609020204030204" pitchFamily="49" charset="0"/>
+                </a:rPr>
+                <a:t>{</a:t>
               </a:r>
               <a:r>
                 <a:rPr lang="en-US" sz="1300" b="0" dirty="0">
@@ -23259,7 +23915,7 @@
                   <a:effectLst/>
                   <a:latin typeface="Consolas" panose="020B0609020204030204" pitchFamily="49" charset="0"/>
                 </a:rPr>
-                <a:t>:    { </a:t>
+                <a:t> </a:t>
               </a:r>
             </a:p>
             <a:p>
@@ -23271,10 +23927,28 @@
                   <a:effectLst/>
                   <a:latin typeface="Consolas" panose="020B0609020204030204" pitchFamily="49" charset="0"/>
                 </a:rPr>
-                <a:t>        </a:t>
-              </a:r>
-              <a:r>
-                <a:rPr lang="en-US" sz="1300" b="0" dirty="0">
+                <a:t>  </a:t>
+              </a:r>
+              <a:r>
+                <a:rPr lang="en-US" sz="1300" dirty="0">
+                  <a:solidFill>
+                    <a:schemeClr val="accent1"/>
+                  </a:solidFill>
+                  <a:latin typeface="Consolas" panose="020B0609020204030204" pitchFamily="49" charset="0"/>
+                </a:rPr>
+                <a:t> </a:t>
+              </a:r>
+              <a:r>
+                <a:rPr lang="en-US" sz="1300" dirty="0" smtClean="0">
+                  <a:solidFill>
+                    <a:schemeClr val="accent1"/>
+                  </a:solidFill>
+                  <a:latin typeface="Consolas" panose="020B0609020204030204" pitchFamily="49" charset="0"/>
+                </a:rPr>
+                <a:t> </a:t>
+              </a:r>
+              <a:r>
+                <a:rPr lang="en-US" sz="1300" b="0" dirty="0" smtClean="0">
                   <a:solidFill>
                     <a:schemeClr val="accent2">
                       <a:lumMod val="75000"/>
@@ -23283,89 +23957,7 @@
                   <a:effectLst/>
                   <a:latin typeface="Consolas" panose="020B0609020204030204" pitchFamily="49" charset="0"/>
                 </a:rPr>
-                <a:t>"temperature"</a:t>
-              </a:r>
-              <a:r>
-                <a:rPr lang="en-US" sz="1300" b="0" dirty="0">
-                  <a:solidFill>
-                    <a:schemeClr val="accent1"/>
-                  </a:solidFill>
-                  <a:effectLst/>
-                  <a:latin typeface="Consolas" panose="020B0609020204030204" pitchFamily="49" charset="0"/>
-                </a:rPr>
-                <a:t>: {</a:t>
-              </a:r>
-              <a:r>
-                <a:rPr lang="en-US" sz="1300" b="0" dirty="0">
-                  <a:solidFill>
-                    <a:schemeClr val="accent5"/>
-                  </a:solidFill>
-                  <a:effectLst/>
-                  <a:latin typeface="Consolas" panose="020B0609020204030204" pitchFamily="49" charset="0"/>
-                </a:rPr>
                 <a:t>"</a:t>
-              </a:r>
-              <a:r>
-                <a:rPr lang="en-US" sz="1300" b="0" dirty="0" err="1">
-                  <a:solidFill>
-                    <a:schemeClr val="accent5"/>
-                  </a:solidFill>
-                  <a:effectLst/>
-                  <a:latin typeface="Consolas" panose="020B0609020204030204" pitchFamily="49" charset="0"/>
-                </a:rPr>
-                <a:t>type"</a:t>
-              </a:r>
-              <a:r>
-                <a:rPr lang="en-US" sz="1300" b="0" dirty="0" err="1">
-                  <a:solidFill>
-                    <a:schemeClr val="accent1"/>
-                  </a:solidFill>
-                  <a:effectLst/>
-                  <a:latin typeface="Consolas" panose="020B0609020204030204" pitchFamily="49" charset="0"/>
-                </a:rPr>
-                <a:t>:</a:t>
-              </a:r>
-              <a:r>
-                <a:rPr lang="en-US" sz="1300" b="0" dirty="0" err="1">
-                  <a:solidFill>
-                    <a:schemeClr val="accent2"/>
-                  </a:solidFill>
-                  <a:effectLst/>
-                  <a:latin typeface="Consolas" panose="020B0609020204030204" pitchFamily="49" charset="0"/>
-                </a:rPr>
-                <a:t>"number</a:t>
-              </a:r>
-              <a:r>
-                <a:rPr lang="en-US" sz="1300" b="0" dirty="0">
-                  <a:solidFill>
-                    <a:schemeClr val="accent2"/>
-                  </a:solidFill>
-                  <a:effectLst/>
-                  <a:latin typeface="Consolas" panose="020B0609020204030204" pitchFamily="49" charset="0"/>
-                </a:rPr>
-                <a:t>"</a:t>
-              </a:r>
-              <a:r>
-                <a:rPr lang="en-US" sz="1300" b="0" dirty="0">
-                  <a:solidFill>
-                    <a:schemeClr val="accent1"/>
-                  </a:solidFill>
-                  <a:effectLst/>
-                  <a:latin typeface="Consolas" panose="020B0609020204030204" pitchFamily="49" charset="0"/>
-                </a:rPr>
-                <a:t>},</a:t>
-              </a:r>
-            </a:p>
-            <a:p>
-              <a:r>
-                <a:rPr lang="en-US" sz="1300" b="0" dirty="0">
-                  <a:solidFill>
-                    <a:schemeClr val="accent1"/>
-                  </a:solidFill>
-                  <a:effectLst/>
-                  <a:latin typeface="Consolas" panose="020B0609020204030204" pitchFamily="49" charset="0"/>
-                </a:rPr>
-                <a:t>        </a:t>
               </a:r>
               <a:r>
                 <a:rPr lang="en-US" sz="1300" b="0" dirty="0">
@@ -23377,7 +23969,7 @@
                   <a:effectLst/>
                   <a:latin typeface="Consolas" panose="020B0609020204030204" pitchFamily="49" charset="0"/>
                 </a:rPr>
-                <a:t>"unit"</a:t>
+                <a:t>temperature"</a:t>
               </a:r>
               <a:r>
                 <a:rPr lang="en-US" sz="1300" b="0" dirty="0">
@@ -23397,37 +23989,57 @@
                   <a:effectLst/>
                   <a:latin typeface="Consolas" panose="020B0609020204030204" pitchFamily="49" charset="0"/>
                 </a:rPr>
-                <a:t>"type"</a:t>
+                <a:t>"type</a:t>
+              </a:r>
+              <a:r>
+                <a:rPr lang="en-US" sz="1300" b="0" dirty="0" smtClean="0">
+                  <a:solidFill>
+                    <a:schemeClr val="accent5"/>
+                  </a:solidFill>
+                  <a:effectLst/>
+                  <a:latin typeface="Consolas" panose="020B0609020204030204" pitchFamily="49" charset="0"/>
+                </a:rPr>
+                <a:t>"</a:t>
+              </a:r>
+              <a:r>
+                <a:rPr lang="en-US" sz="1300" b="0" dirty="0" smtClean="0">
+                  <a:solidFill>
+                    <a:schemeClr val="accent1"/>
+                  </a:solidFill>
+                  <a:effectLst/>
+                  <a:latin typeface="Consolas" panose="020B0609020204030204" pitchFamily="49" charset="0"/>
+                </a:rPr>
+                <a:t>: </a:t>
+              </a:r>
+              <a:r>
+                <a:rPr lang="en-US" sz="1300" b="0" dirty="0" smtClean="0">
+                  <a:solidFill>
+                    <a:schemeClr val="accent2"/>
+                  </a:solidFill>
+                  <a:effectLst/>
+                  <a:latin typeface="Consolas" panose="020B0609020204030204" pitchFamily="49" charset="0"/>
+                </a:rPr>
+                <a:t>"</a:t>
               </a:r>
               <a:r>
                 <a:rPr lang="en-US" sz="1300" b="0" dirty="0">
                   <a:solidFill>
+                    <a:schemeClr val="accent2"/>
+                  </a:solidFill>
+                  <a:effectLst/>
+                  <a:latin typeface="Consolas" panose="020B0609020204030204" pitchFamily="49" charset="0"/>
+                </a:rPr>
+                <a:t>number"</a:t>
+              </a:r>
+              <a:r>
+                <a:rPr lang="en-US" sz="1300" b="0" dirty="0">
+                  <a:solidFill>
                     <a:schemeClr val="accent1"/>
                   </a:solidFill>
                   <a:effectLst/>
                   <a:latin typeface="Consolas" panose="020B0609020204030204" pitchFamily="49" charset="0"/>
                 </a:rPr>
-                <a:t>: </a:t>
-              </a:r>
-              <a:r>
-                <a:rPr lang="en-US" sz="1300" b="0" dirty="0">
-                  <a:solidFill>
-                    <a:schemeClr val="accent2"/>
-                  </a:solidFill>
-                  <a:effectLst/>
-                  <a:latin typeface="Consolas" panose="020B0609020204030204" pitchFamily="49" charset="0"/>
-                </a:rPr>
-                <a:t>"string"</a:t>
-              </a:r>
-              <a:r>
-                <a:rPr lang="en-US" sz="1300" b="0" dirty="0">
-                  <a:solidFill>
-                    <a:schemeClr val="accent1"/>
-                  </a:solidFill>
-                  <a:effectLst/>
-                  <a:latin typeface="Consolas" panose="020B0609020204030204" pitchFamily="49" charset="0"/>
-                </a:rPr>
-                <a:t>}, </a:t>
+                <a:t>},</a:t>
               </a:r>
             </a:p>
             <a:p>
@@ -23439,10 +24051,10 @@
                   <a:effectLst/>
                   <a:latin typeface="Consolas" panose="020B0609020204030204" pitchFamily="49" charset="0"/>
                 </a:rPr>
-                <a:t>        </a:t>
-              </a:r>
-              <a:r>
-                <a:rPr lang="en-US" sz="1300" b="0" dirty="0">
+                <a:t>    </a:t>
+              </a:r>
+              <a:r>
+                <a:rPr lang="en-US" sz="1300" b="0" dirty="0" smtClean="0">
                   <a:solidFill>
                     <a:schemeClr val="accent2">
                       <a:lumMod val="75000"/>
@@ -23451,10 +24063,10 @@
                   <a:effectLst/>
                   <a:latin typeface="Consolas" panose="020B0609020204030204" pitchFamily="49" charset="0"/>
                 </a:rPr>
-                <a:t>"temp</a:t>
-              </a:r>
-              <a:r>
-                <a:rPr lang="tr-TR" sz="1300" b="0" dirty="0">
+                <a:t>"</a:t>
+              </a:r>
+              <a:r>
+                <a:rPr lang="en-US" sz="1300" b="0" dirty="0">
                   <a:solidFill>
                     <a:schemeClr val="accent2">
                       <a:lumMod val="75000"/>
@@ -23463,10 +24075,72 @@
                   <a:effectLst/>
                   <a:latin typeface="Consolas" panose="020B0609020204030204" pitchFamily="49" charset="0"/>
                 </a:rPr>
-                <a:t>e</a:t>
-              </a:r>
-              <a:r>
-                <a:rPr lang="en-US" sz="1300" b="0" dirty="0" err="1">
+                <a:t>unit"</a:t>
+              </a:r>
+              <a:r>
+                <a:rPr lang="en-US" sz="1300" b="0" dirty="0">
+                  <a:solidFill>
+                    <a:schemeClr val="accent1"/>
+                  </a:solidFill>
+                  <a:effectLst/>
+                  <a:latin typeface="Consolas" panose="020B0609020204030204" pitchFamily="49" charset="0"/>
+                </a:rPr>
+                <a:t>: {</a:t>
+              </a:r>
+              <a:r>
+                <a:rPr lang="en-US" sz="1300" b="0" dirty="0">
+                  <a:solidFill>
+                    <a:schemeClr val="accent5"/>
+                  </a:solidFill>
+                  <a:effectLst/>
+                  <a:latin typeface="Consolas" panose="020B0609020204030204" pitchFamily="49" charset="0"/>
+                </a:rPr>
+                <a:t>"type"</a:t>
+              </a:r>
+              <a:r>
+                <a:rPr lang="en-US" sz="1300" b="0" dirty="0">
+                  <a:solidFill>
+                    <a:schemeClr val="accent1"/>
+                  </a:solidFill>
+                  <a:effectLst/>
+                  <a:latin typeface="Consolas" panose="020B0609020204030204" pitchFamily="49" charset="0"/>
+                </a:rPr>
+                <a:t>: </a:t>
+              </a:r>
+              <a:r>
+                <a:rPr lang="en-US" sz="1300" b="0" dirty="0">
+                  <a:solidFill>
+                    <a:schemeClr val="accent2"/>
+                  </a:solidFill>
+                  <a:effectLst/>
+                  <a:latin typeface="Consolas" panose="020B0609020204030204" pitchFamily="49" charset="0"/>
+                </a:rPr>
+                <a:t>"string"</a:t>
+              </a:r>
+              <a:r>
+                <a:rPr lang="en-US" sz="1300" b="0" dirty="0">
+                  <a:solidFill>
+                    <a:schemeClr val="accent1"/>
+                  </a:solidFill>
+                  <a:effectLst/>
+                  <a:latin typeface="Consolas" panose="020B0609020204030204" pitchFamily="49" charset="0"/>
+                </a:rPr>
+                <a:t>}, </a:t>
+              </a:r>
+            </a:p>
+            <a:p>
+              <a:r>
+                <a:rPr lang="en-US" sz="1300" b="0" dirty="0">
+                  <a:solidFill>
+                    <a:schemeClr val="accent1"/>
+                  </a:solidFill>
+                  <a:effectLst/>
+                  <a:latin typeface="Consolas" panose="020B0609020204030204" pitchFamily="49" charset="0"/>
+                </a:rPr>
+                <a:t>    </a:t>
+              </a:r>
+              <a:r>
+                <a:rPr lang="en-US" sz="1300" b="0" dirty="0" smtClean="0">
                   <a:solidFill>
                     <a:schemeClr val="accent2">
                       <a:lumMod val="75000"/>
@@ -23475,7 +24149,7 @@
                   <a:effectLst/>
                   <a:latin typeface="Consolas" panose="020B0609020204030204" pitchFamily="49" charset="0"/>
                 </a:rPr>
-                <a:t>ratureOf</a:t>
+                <a:t>"</a:t>
               </a:r>
               <a:r>
                 <a:rPr lang="en-US" sz="1300" b="0" dirty="0">
@@ -23487,301 +24161,10 @@
                   <a:effectLst/>
                   <a:latin typeface="Consolas" panose="020B0609020204030204" pitchFamily="49" charset="0"/>
                 </a:rPr>
-                <a:t>"</a:t>
-              </a:r>
-              <a:r>
-                <a:rPr lang="en-US" sz="1300" b="0" dirty="0">
-                  <a:solidFill>
-                    <a:schemeClr val="accent1"/>
-                  </a:solidFill>
-                  <a:effectLst/>
-                  <a:latin typeface="Consolas" panose="020B0609020204030204" pitchFamily="49" charset="0"/>
-                </a:rPr>
-                <a:t>:{</a:t>
-              </a:r>
-              <a:r>
-                <a:rPr lang="en-US" sz="1300" b="0" dirty="0">
-                  <a:solidFill>
-                    <a:schemeClr val="accent5"/>
-                  </a:solidFill>
-                  <a:effectLst/>
-                  <a:latin typeface="Consolas" panose="020B0609020204030204" pitchFamily="49" charset="0"/>
-                </a:rPr>
-                <a:t>"type"</a:t>
-              </a:r>
-              <a:r>
-                <a:rPr lang="en-US" sz="1300" b="0" dirty="0">
-                  <a:solidFill>
-                    <a:schemeClr val="accent1"/>
-                  </a:solidFill>
-                  <a:effectLst/>
-                  <a:latin typeface="Consolas" panose="020B0609020204030204" pitchFamily="49" charset="0"/>
-                </a:rPr>
-                <a:t>: </a:t>
-              </a:r>
-              <a:r>
-                <a:rPr lang="en-US" sz="1300" b="0" dirty="0">
-                  <a:solidFill>
-                    <a:schemeClr val="accent2"/>
-                  </a:solidFill>
-                  <a:effectLst/>
-                  <a:latin typeface="Consolas" panose="020B0609020204030204" pitchFamily="49" charset="0"/>
-                </a:rPr>
-                <a:t>"string"</a:t>
-              </a:r>
-              <a:r>
-                <a:rPr lang="en-US" sz="1300" b="0" dirty="0">
-                  <a:solidFill>
-                    <a:schemeClr val="accent1"/>
-                  </a:solidFill>
-                  <a:effectLst/>
-                  <a:latin typeface="Consolas" panose="020B0609020204030204" pitchFamily="49" charset="0"/>
-                </a:rPr>
-                <a:t>} </a:t>
-              </a:r>
-            </a:p>
-            <a:p>
-              <a:r>
-                <a:rPr lang="en-US" sz="1300" b="0" dirty="0">
-                  <a:solidFill>
-                    <a:schemeClr val="accent1"/>
-                  </a:solidFill>
-                  <a:effectLst/>
-                  <a:latin typeface="Consolas" panose="020B0609020204030204" pitchFamily="49" charset="0"/>
-                </a:rPr>
-                <a:t>    },</a:t>
-              </a:r>
-            </a:p>
-            <a:p>
-              <a:r>
-                <a:rPr lang="en-US" sz="1300" b="0" dirty="0">
-                  <a:solidFill>
-                    <a:schemeClr val="accent1"/>
-                  </a:solidFill>
-                  <a:effectLst/>
-                  <a:latin typeface="Consolas" panose="020B0609020204030204" pitchFamily="49" charset="0"/>
-                </a:rPr>
-                <a:t>   </a:t>
-              </a:r>
-              <a:r>
-                <a:rPr lang="en-US" sz="1300" b="0" dirty="0">
-                  <a:solidFill>
-                    <a:schemeClr val="accent2"/>
-                  </a:solidFill>
-                  <a:effectLst/>
-                  <a:latin typeface="Consolas" panose="020B0609020204030204" pitchFamily="49" charset="0"/>
-                </a:rPr>
-                <a:t> </a:t>
-              </a:r>
-              <a:r>
-                <a:rPr lang="en-US" sz="1300" b="0" dirty="0">
-                  <a:solidFill>
-                    <a:schemeClr val="accent5"/>
-                  </a:solidFill>
-                  <a:effectLst/>
-                  <a:latin typeface="Consolas" panose="020B0609020204030204" pitchFamily="49" charset="0"/>
-                </a:rPr>
-                <a:t>"required"</a:t>
-              </a:r>
-              <a:r>
-                <a:rPr lang="en-US" sz="1300" b="0" dirty="0">
-                  <a:solidFill>
-                    <a:schemeClr val="accent1"/>
-                  </a:solidFill>
-                  <a:effectLst/>
-                  <a:latin typeface="Consolas" panose="020B0609020204030204" pitchFamily="49" charset="0"/>
-                </a:rPr>
-                <a:t>:  [</a:t>
-              </a:r>
-              <a:r>
-                <a:rPr lang="en-US" sz="1300" b="0" dirty="0">
-                  <a:solidFill>
-                    <a:schemeClr val="accent2"/>
-                  </a:solidFill>
-                  <a:effectLst/>
-                  <a:latin typeface="Consolas" panose="020B0609020204030204" pitchFamily="49" charset="0"/>
-                </a:rPr>
-                <a:t>"temperature"</a:t>
-              </a:r>
-              <a:r>
-                <a:rPr lang="en-US" sz="1300" b="0" dirty="0">
-                  <a:solidFill>
-                    <a:schemeClr val="accent1"/>
-                  </a:solidFill>
-                  <a:effectLst/>
-                  <a:latin typeface="Consolas" panose="020B0609020204030204" pitchFamily="49" charset="0"/>
-                </a:rPr>
-                <a:t>, </a:t>
-              </a:r>
-              <a:r>
-                <a:rPr lang="en-US" sz="1300" b="0" dirty="0">
-                  <a:solidFill>
-                    <a:schemeClr val="accent2"/>
-                  </a:solidFill>
-                  <a:effectLst/>
-                  <a:latin typeface="Consolas" panose="020B0609020204030204" pitchFamily="49" charset="0"/>
-                </a:rPr>
-                <a:t>"unit"</a:t>
-              </a:r>
-              <a:r>
-                <a:rPr lang="en-US" sz="1300" b="0" dirty="0">
-                  <a:solidFill>
-                    <a:schemeClr val="accent1"/>
-                  </a:solidFill>
-                  <a:effectLst/>
-                  <a:latin typeface="Consolas" panose="020B0609020204030204" pitchFamily="49" charset="0"/>
-                </a:rPr>
-                <a:t>],</a:t>
-              </a:r>
-            </a:p>
-            <a:p>
-              <a:r>
-                <a:rPr lang="en-US" sz="1300" b="0" dirty="0">
-                  <a:solidFill>
-                    <a:schemeClr val="accent1"/>
-                  </a:solidFill>
-                  <a:effectLst/>
-                  <a:latin typeface="Consolas" panose="020B0609020204030204" pitchFamily="49" charset="0"/>
-                </a:rPr>
-                <a:t>    </a:t>
-              </a:r>
-              <a:r>
-                <a:rPr lang="en-US" sz="1300" b="0" dirty="0">
-                  <a:solidFill>
-                    <a:schemeClr val="accent5"/>
-                  </a:solidFill>
-                  <a:effectLst/>
-                  <a:latin typeface="Consolas" panose="020B0609020204030204" pitchFamily="49" charset="0"/>
-                </a:rPr>
-                <a:t>"</a:t>
-              </a:r>
-              <a:r>
-                <a:rPr lang="en-US" sz="1300" b="0" dirty="0" err="1">
-                  <a:solidFill>
-                    <a:schemeClr val="accent5"/>
-                  </a:solidFill>
-                  <a:effectLst/>
-                  <a:latin typeface="Consolas" panose="020B0609020204030204" pitchFamily="49" charset="0"/>
-                </a:rPr>
-                <a:t>additionalProperties</a:t>
-              </a:r>
-              <a:r>
-                <a:rPr lang="en-US" sz="1300" b="0" dirty="0">
-                  <a:solidFill>
-                    <a:schemeClr val="accent5"/>
-                  </a:solidFill>
-                  <a:effectLst/>
-                  <a:latin typeface="Consolas" panose="020B0609020204030204" pitchFamily="49" charset="0"/>
-                </a:rPr>
-                <a:t>"</a:t>
-              </a:r>
-              <a:r>
-                <a:rPr lang="en-US" sz="1300" b="0" dirty="0">
-                  <a:solidFill>
-                    <a:schemeClr val="accent1"/>
-                  </a:solidFill>
-                  <a:effectLst/>
-                  <a:latin typeface="Consolas" panose="020B0609020204030204" pitchFamily="49" charset="0"/>
-                </a:rPr>
-                <a:t>: </a:t>
+                <a:t>temp</a:t>
               </a:r>
               <a:r>
                 <a:rPr lang="tr-TR" sz="1300" b="0" dirty="0">
-                  <a:solidFill>
-                    <a:schemeClr val="accent1"/>
-                  </a:solidFill>
-                  <a:effectLst/>
-                  <a:latin typeface="Consolas" panose="020B0609020204030204" pitchFamily="49" charset="0"/>
-                </a:rPr>
-                <a:t>F</a:t>
-              </a:r>
-              <a:r>
-                <a:rPr lang="en-US" sz="1300" b="0" dirty="0" err="1">
-                  <a:solidFill>
-                    <a:schemeClr val="accent1"/>
-                  </a:solidFill>
-                  <a:effectLst/>
-                  <a:latin typeface="Consolas" panose="020B0609020204030204" pitchFamily="49" charset="0"/>
-                </a:rPr>
-                <a:t>alse</a:t>
-              </a:r>
-              <a:r>
-                <a:rPr lang="en-US" sz="1300" b="0" dirty="0">
-                  <a:solidFill>
-                    <a:schemeClr val="accent1"/>
-                  </a:solidFill>
-                  <a:effectLst/>
-                  <a:latin typeface="Consolas" panose="020B0609020204030204" pitchFamily="49" charset="0"/>
-                </a:rPr>
-                <a:t> </a:t>
-              </a:r>
-            </a:p>
-            <a:p>
-              <a:r>
-                <a:rPr lang="en-US" sz="1300" b="0" dirty="0">
-                  <a:solidFill>
-                    <a:schemeClr val="accent1"/>
-                  </a:solidFill>
-                  <a:effectLst/>
-                  <a:latin typeface="Consolas" panose="020B0609020204030204" pitchFamily="49" charset="0"/>
-                </a:rPr>
-                <a:t>}</a:t>
-              </a:r>
-            </a:p>
-            <a:p>
-              <a:br>
-                <a:rPr lang="en-US" sz="1300" b="0" dirty="0">
-                  <a:solidFill>
-                    <a:schemeClr val="accent1"/>
-                  </a:solidFill>
-                  <a:effectLst/>
-                  <a:latin typeface="Consolas" panose="020B0609020204030204" pitchFamily="49" charset="0"/>
-                </a:rPr>
-              </a:br>
-              <a:r>
-                <a:rPr lang="en-US" sz="1300" b="0" dirty="0">
-                  <a:solidFill>
-                    <a:schemeClr val="accent5"/>
-                  </a:solidFill>
-                  <a:effectLst/>
-                  <a:latin typeface="Consolas" panose="020B0609020204030204" pitchFamily="49" charset="0"/>
-                </a:rPr>
-                <a:t>data</a:t>
-              </a:r>
-              <a:r>
-                <a:rPr lang="en-US" sz="1300" b="0" dirty="0">
-                  <a:solidFill>
-                    <a:schemeClr val="accent1"/>
-                  </a:solidFill>
-                  <a:effectLst/>
-                  <a:latin typeface="Consolas" panose="020B0609020204030204" pitchFamily="49" charset="0"/>
-                </a:rPr>
-                <a:t> = { </a:t>
-              </a:r>
-            </a:p>
-            <a:p>
-              <a:r>
-                <a:rPr lang="en-US" sz="1300" b="0" dirty="0">
-                  <a:solidFill>
-                    <a:schemeClr val="accent1"/>
-                  </a:solidFill>
-                  <a:effectLst/>
-                  <a:latin typeface="Consolas" panose="020B0609020204030204" pitchFamily="49" charset="0"/>
-                </a:rPr>
-                <a:t>   </a:t>
-              </a:r>
-              <a:r>
-                <a:rPr lang="en-US" sz="1300" b="0" dirty="0">
-                  <a:solidFill>
-                    <a:schemeClr val="accent2"/>
-                  </a:solidFill>
-                  <a:effectLst/>
-                  <a:latin typeface="Consolas" panose="020B0609020204030204" pitchFamily="49" charset="0"/>
-                </a:rPr>
-                <a:t> </a:t>
-              </a:r>
-              <a:r>
-                <a:rPr lang="en-US" sz="1300" b="0" dirty="0">
                   <a:solidFill>
                     <a:schemeClr val="accent2">
                       <a:lumMod val="75000"/>
@@ -23790,52 +24173,10 @@
                   <a:effectLst/>
                   <a:latin typeface="Consolas" panose="020B0609020204030204" pitchFamily="49" charset="0"/>
                 </a:rPr>
-                <a:t>"temperature"</a:t>
-              </a:r>
-              <a:r>
-                <a:rPr lang="en-US" sz="1300" b="0" dirty="0">
-                  <a:solidFill>
-                    <a:schemeClr val="accent1"/>
-                  </a:solidFill>
-                  <a:effectLst/>
-                  <a:latin typeface="Consolas" panose="020B0609020204030204" pitchFamily="49" charset="0"/>
-                </a:rPr>
-                <a:t>: </a:t>
-              </a:r>
-              <a:r>
-                <a:rPr lang="en-US" sz="1300" b="0" dirty="0">
-                  <a:solidFill>
-                    <a:schemeClr val="accent6"/>
-                  </a:solidFill>
-                  <a:effectLst/>
-                  <a:latin typeface="Consolas" panose="020B0609020204030204" pitchFamily="49" charset="0"/>
-                </a:rPr>
-                <a:t>15.7</a:t>
-              </a:r>
-              <a:r>
-                <a:rPr lang="en-US" sz="1300" b="0" dirty="0">
-                  <a:solidFill>
-                    <a:schemeClr val="accent1"/>
-                  </a:solidFill>
-                  <a:effectLst/>
-                  <a:latin typeface="Consolas" panose="020B0609020204030204" pitchFamily="49" charset="0"/>
-                </a:rPr>
-                <a:t>,    </a:t>
-              </a:r>
-            </a:p>
-            <a:p>
-              <a:r>
-                <a:rPr lang="en-US" sz="1300" b="0" dirty="0">
-                  <a:solidFill>
-                    <a:schemeClr val="accent1"/>
-                  </a:solidFill>
-                  <a:effectLst/>
-                  <a:latin typeface="Consolas" panose="020B0609020204030204" pitchFamily="49" charset="0"/>
-                </a:rPr>
-                <a:t>    </a:t>
-              </a:r>
-              <a:r>
-                <a:rPr lang="en-US" sz="1300" b="0" dirty="0">
+                <a:t>e</a:t>
+              </a:r>
+              <a:r>
+                <a:rPr lang="en-US" sz="1300" b="0" dirty="0" err="1">
                   <a:solidFill>
                     <a:schemeClr val="accent2">
                       <a:lumMod val="75000"/>
@@ -23844,52 +24185,10 @@
                   <a:effectLst/>
                   <a:latin typeface="Consolas" panose="020B0609020204030204" pitchFamily="49" charset="0"/>
                 </a:rPr>
-                <a:t>"unit"</a:t>
-              </a:r>
-              <a:r>
-                <a:rPr lang="en-US" sz="1300" b="0" dirty="0">
-                  <a:solidFill>
-                    <a:schemeClr val="accent1"/>
-                  </a:solidFill>
-                  <a:effectLst/>
-                  <a:latin typeface="Consolas" panose="020B0609020204030204" pitchFamily="49" charset="0"/>
-                </a:rPr>
-                <a:t>: </a:t>
-              </a:r>
-              <a:r>
-                <a:rPr lang="en-US" sz="1300" b="0" dirty="0">
-                  <a:solidFill>
-                    <a:schemeClr val="accent2"/>
-                  </a:solidFill>
-                  <a:effectLst/>
-                  <a:latin typeface="Consolas" panose="020B0609020204030204" pitchFamily="49" charset="0"/>
-                </a:rPr>
-                <a:t>"Celsius"</a:t>
-              </a:r>
-              <a:r>
-                <a:rPr lang="en-US" sz="1300" b="0" dirty="0">
-                  <a:solidFill>
-                    <a:schemeClr val="accent1"/>
-                  </a:solidFill>
-                  <a:effectLst/>
-                  <a:latin typeface="Consolas" panose="020B0609020204030204" pitchFamily="49" charset="0"/>
-                </a:rPr>
-                <a:t>, </a:t>
-              </a:r>
-            </a:p>
-            <a:p>
-              <a:r>
-                <a:rPr lang="en-US" sz="1300" b="0" dirty="0">
-                  <a:solidFill>
-                    <a:schemeClr val="accent1"/>
-                  </a:solidFill>
-                  <a:effectLst/>
-                  <a:latin typeface="Consolas" panose="020B0609020204030204" pitchFamily="49" charset="0"/>
-                </a:rPr>
-                <a:t>   </a:t>
-              </a:r>
-              <a:r>
-                <a:rPr lang="en-US" sz="1300" b="0" dirty="0">
+                <a:t>ratureOf</a:t>
+              </a:r>
+              <a:r>
+                <a:rPr lang="en-US" sz="1300" b="0" dirty="0" smtClean="0">
                   <a:solidFill>
                     <a:schemeClr val="accent2">
                       <a:lumMod val="75000"/>
@@ -23898,10 +24197,319 @@
                   <a:effectLst/>
                   <a:latin typeface="Consolas" panose="020B0609020204030204" pitchFamily="49" charset="0"/>
                 </a:rPr>
-                <a:t> "temp</a:t>
+                <a:t>"</a:t>
+              </a:r>
+              <a:r>
+                <a:rPr lang="en-US" sz="1300" b="0" dirty="0" smtClean="0">
+                  <a:solidFill>
+                    <a:schemeClr val="accent1"/>
+                  </a:solidFill>
+                  <a:effectLst/>
+                  <a:latin typeface="Consolas" panose="020B0609020204030204" pitchFamily="49" charset="0"/>
+                </a:rPr>
+                <a:t>: {</a:t>
+              </a:r>
+              <a:r>
+                <a:rPr lang="en-US" sz="1300" b="0" dirty="0" smtClean="0">
+                  <a:solidFill>
+                    <a:schemeClr val="accent5"/>
+                  </a:solidFill>
+                  <a:effectLst/>
+                  <a:latin typeface="Consolas" panose="020B0609020204030204" pitchFamily="49" charset="0"/>
+                </a:rPr>
+                <a:t>"</a:t>
+              </a:r>
+              <a:r>
+                <a:rPr lang="en-US" sz="1300" b="0" dirty="0">
+                  <a:solidFill>
+                    <a:schemeClr val="accent5"/>
+                  </a:solidFill>
+                  <a:effectLst/>
+                  <a:latin typeface="Consolas" panose="020B0609020204030204" pitchFamily="49" charset="0"/>
+                </a:rPr>
+                <a:t>type"</a:t>
+              </a:r>
+              <a:r>
+                <a:rPr lang="en-US" sz="1300" b="0" dirty="0">
+                  <a:solidFill>
+                    <a:schemeClr val="accent1"/>
+                  </a:solidFill>
+                  <a:effectLst/>
+                  <a:latin typeface="Consolas" panose="020B0609020204030204" pitchFamily="49" charset="0"/>
+                </a:rPr>
+                <a:t>: </a:t>
+              </a:r>
+              <a:r>
+                <a:rPr lang="en-US" sz="1300" b="0" dirty="0">
+                  <a:solidFill>
+                    <a:schemeClr val="accent2"/>
+                  </a:solidFill>
+                  <a:effectLst/>
+                  <a:latin typeface="Consolas" panose="020B0609020204030204" pitchFamily="49" charset="0"/>
+                </a:rPr>
+                <a:t>"string"</a:t>
+              </a:r>
+              <a:r>
+                <a:rPr lang="en-US" sz="1300" b="0" dirty="0">
+                  <a:solidFill>
+                    <a:schemeClr val="accent1"/>
+                  </a:solidFill>
+                  <a:effectLst/>
+                  <a:latin typeface="Consolas" panose="020B0609020204030204" pitchFamily="49" charset="0"/>
+                </a:rPr>
+                <a:t>} </a:t>
+              </a:r>
+            </a:p>
+            <a:p>
+              <a:r>
+                <a:rPr lang="en-US" sz="1300" b="0" dirty="0">
+                  <a:solidFill>
+                    <a:schemeClr val="accent1"/>
+                  </a:solidFill>
+                  <a:effectLst/>
+                  <a:latin typeface="Consolas" panose="020B0609020204030204" pitchFamily="49" charset="0"/>
+                </a:rPr>
+                <a:t>    },</a:t>
+              </a:r>
+            </a:p>
+            <a:p>
+              <a:r>
+                <a:rPr lang="en-US" sz="1300" b="0" dirty="0">
+                  <a:solidFill>
+                    <a:schemeClr val="accent1"/>
+                  </a:solidFill>
+                  <a:effectLst/>
+                  <a:latin typeface="Consolas" panose="020B0609020204030204" pitchFamily="49" charset="0"/>
+                </a:rPr>
+                <a:t>  </a:t>
+              </a:r>
+              <a:r>
+                <a:rPr lang="en-US" sz="1300" b="0" dirty="0" smtClean="0">
+                  <a:solidFill>
+                    <a:schemeClr val="accent5"/>
+                  </a:solidFill>
+                  <a:effectLst/>
+                  <a:latin typeface="Consolas" panose="020B0609020204030204" pitchFamily="49" charset="0"/>
+                </a:rPr>
+                <a:t>"</a:t>
+              </a:r>
+              <a:r>
+                <a:rPr lang="en-US" sz="1300" b="0" dirty="0">
+                  <a:solidFill>
+                    <a:schemeClr val="accent5"/>
+                  </a:solidFill>
+                  <a:effectLst/>
+                  <a:latin typeface="Consolas" panose="020B0609020204030204" pitchFamily="49" charset="0"/>
+                </a:rPr>
+                <a:t>required"</a:t>
+              </a:r>
+              <a:r>
+                <a:rPr lang="en-US" sz="1300" b="0" dirty="0">
+                  <a:solidFill>
+                    <a:schemeClr val="accent1"/>
+                  </a:solidFill>
+                  <a:effectLst/>
+                  <a:latin typeface="Consolas" panose="020B0609020204030204" pitchFamily="49" charset="0"/>
+                </a:rPr>
+                <a:t>:  [</a:t>
+              </a:r>
+              <a:r>
+                <a:rPr lang="en-US" sz="1300" b="0" dirty="0">
+                  <a:solidFill>
+                    <a:schemeClr val="accent2"/>
+                  </a:solidFill>
+                  <a:effectLst/>
+                  <a:latin typeface="Consolas" panose="020B0609020204030204" pitchFamily="49" charset="0"/>
+                </a:rPr>
+                <a:t>"temperature"</a:t>
+              </a:r>
+              <a:r>
+                <a:rPr lang="en-US" sz="1300" b="0" dirty="0">
+                  <a:solidFill>
+                    <a:schemeClr val="accent1"/>
+                  </a:solidFill>
+                  <a:effectLst/>
+                  <a:latin typeface="Consolas" panose="020B0609020204030204" pitchFamily="49" charset="0"/>
+                </a:rPr>
+                <a:t>, </a:t>
+              </a:r>
+              <a:r>
+                <a:rPr lang="en-US" sz="1300" b="0" dirty="0">
+                  <a:solidFill>
+                    <a:schemeClr val="accent2"/>
+                  </a:solidFill>
+                  <a:effectLst/>
+                  <a:latin typeface="Consolas" panose="020B0609020204030204" pitchFamily="49" charset="0"/>
+                </a:rPr>
+                <a:t>"unit"</a:t>
+              </a:r>
+              <a:r>
+                <a:rPr lang="en-US" sz="1300" b="0" dirty="0">
+                  <a:solidFill>
+                    <a:schemeClr val="accent1"/>
+                  </a:solidFill>
+                  <a:effectLst/>
+                  <a:latin typeface="Consolas" panose="020B0609020204030204" pitchFamily="49" charset="0"/>
+                </a:rPr>
+                <a:t>],</a:t>
+              </a:r>
+            </a:p>
+            <a:p>
+              <a:r>
+                <a:rPr lang="en-US" sz="1300" b="0" dirty="0">
+                  <a:solidFill>
+                    <a:schemeClr val="accent1"/>
+                  </a:solidFill>
+                  <a:effectLst/>
+                  <a:latin typeface="Consolas" panose="020B0609020204030204" pitchFamily="49" charset="0"/>
+                </a:rPr>
+                <a:t>  </a:t>
+              </a:r>
+              <a:r>
+                <a:rPr lang="en-US" sz="1300" b="0" dirty="0" smtClean="0">
+                  <a:solidFill>
+                    <a:schemeClr val="accent5"/>
+                  </a:solidFill>
+                  <a:effectLst/>
+                  <a:latin typeface="Consolas" panose="020B0609020204030204" pitchFamily="49" charset="0"/>
+                </a:rPr>
+                <a:t>"</a:t>
+              </a:r>
+              <a:r>
+                <a:rPr lang="en-US" sz="1300" b="0" dirty="0" err="1">
+                  <a:solidFill>
+                    <a:schemeClr val="accent5"/>
+                  </a:solidFill>
+                  <a:effectLst/>
+                  <a:latin typeface="Consolas" panose="020B0609020204030204" pitchFamily="49" charset="0"/>
+                </a:rPr>
+                <a:t>additionalProperties</a:t>
+              </a:r>
+              <a:r>
+                <a:rPr lang="en-US" sz="1300" b="0" dirty="0">
+                  <a:solidFill>
+                    <a:schemeClr val="accent5"/>
+                  </a:solidFill>
+                  <a:effectLst/>
+                  <a:latin typeface="Consolas" panose="020B0609020204030204" pitchFamily="49" charset="0"/>
+                </a:rPr>
+                <a:t>"</a:t>
+              </a:r>
+              <a:r>
+                <a:rPr lang="en-US" sz="1300" b="0" dirty="0">
+                  <a:solidFill>
+                    <a:schemeClr val="accent1"/>
+                  </a:solidFill>
+                  <a:effectLst/>
+                  <a:latin typeface="Consolas" panose="020B0609020204030204" pitchFamily="49" charset="0"/>
+                </a:rPr>
+                <a:t>: </a:t>
               </a:r>
               <a:r>
                 <a:rPr lang="tr-TR" sz="1300" b="0" dirty="0">
+                  <a:solidFill>
+                    <a:schemeClr val="accent1"/>
+                  </a:solidFill>
+                  <a:effectLst/>
+                  <a:latin typeface="Consolas" panose="020B0609020204030204" pitchFamily="49" charset="0"/>
+                </a:rPr>
+                <a:t>F</a:t>
+              </a:r>
+              <a:r>
+                <a:rPr lang="en-US" sz="1300" b="0" dirty="0" err="1">
+                  <a:solidFill>
+                    <a:schemeClr val="accent1"/>
+                  </a:solidFill>
+                  <a:effectLst/>
+                  <a:latin typeface="Consolas" panose="020B0609020204030204" pitchFamily="49" charset="0"/>
+                </a:rPr>
+                <a:t>alse</a:t>
+              </a:r>
+              <a:r>
+                <a:rPr lang="en-US" sz="1300" b="0" dirty="0">
+                  <a:solidFill>
+                    <a:schemeClr val="accent1"/>
+                  </a:solidFill>
+                  <a:effectLst/>
+                  <a:latin typeface="Consolas" panose="020B0609020204030204" pitchFamily="49" charset="0"/>
+                </a:rPr>
+                <a:t> </a:t>
+              </a:r>
+            </a:p>
+            <a:p>
+              <a:r>
+                <a:rPr lang="en-US" sz="1300" b="0" dirty="0">
+                  <a:solidFill>
+                    <a:schemeClr val="accent1"/>
+                  </a:solidFill>
+                  <a:effectLst/>
+                  <a:latin typeface="Consolas" panose="020B0609020204030204" pitchFamily="49" charset="0"/>
+                </a:rPr>
+                <a:t>}</a:t>
+              </a:r>
+            </a:p>
+            <a:p>
+              <a:r>
+                <a:rPr lang="en-US" sz="1300" b="0" dirty="0">
+                  <a:solidFill>
+                    <a:schemeClr val="accent1"/>
+                  </a:solidFill>
+                  <a:effectLst/>
+                  <a:latin typeface="Consolas" panose="020B0609020204030204" pitchFamily="49" charset="0"/>
+                </a:rPr>
+                <a:t/>
+              </a:r>
+              <a:br>
+                <a:rPr lang="en-US" sz="1300" b="0" dirty="0">
+                  <a:solidFill>
+                    <a:schemeClr val="accent1"/>
+                  </a:solidFill>
+                  <a:effectLst/>
+                  <a:latin typeface="Consolas" panose="020B0609020204030204" pitchFamily="49" charset="0"/>
+                </a:rPr>
+              </a:br>
+              <a:r>
+                <a:rPr lang="en-US" sz="1300" b="0" dirty="0">
+                  <a:solidFill>
+                    <a:schemeClr val="accent5"/>
+                  </a:solidFill>
+                  <a:effectLst/>
+                  <a:latin typeface="Consolas" panose="020B0609020204030204" pitchFamily="49" charset="0"/>
+                </a:rPr>
+                <a:t>data</a:t>
+              </a:r>
+              <a:r>
+                <a:rPr lang="en-US" sz="1300" b="0" dirty="0">
+                  <a:solidFill>
+                    <a:schemeClr val="accent1"/>
+                  </a:solidFill>
+                  <a:effectLst/>
+                  <a:latin typeface="Consolas" panose="020B0609020204030204" pitchFamily="49" charset="0"/>
+                </a:rPr>
+                <a:t> = { </a:t>
+              </a:r>
+            </a:p>
+            <a:p>
+              <a:r>
+                <a:rPr lang="en-US" sz="1300" dirty="0">
+                  <a:solidFill>
+                    <a:schemeClr val="accent1"/>
+                  </a:solidFill>
+                  <a:latin typeface="Consolas" panose="020B0609020204030204" pitchFamily="49" charset="0"/>
+                </a:rPr>
+                <a:t> </a:t>
+              </a:r>
+              <a:r>
+                <a:rPr lang="en-US" sz="1300" dirty="0" smtClean="0">
+                  <a:solidFill>
+                    <a:schemeClr val="accent1"/>
+                  </a:solidFill>
+                  <a:latin typeface="Consolas" panose="020B0609020204030204" pitchFamily="49" charset="0"/>
+                </a:rPr>
+                <a:t> </a:t>
+              </a:r>
+              <a:r>
+                <a:rPr lang="en-US" sz="1300" b="0" dirty="0" smtClean="0">
                   <a:solidFill>
                     <a:schemeClr val="accent2">
                       <a:lumMod val="75000"/>
@@ -23910,10 +24518,10 @@
                   <a:effectLst/>
                   <a:latin typeface="Consolas" panose="020B0609020204030204" pitchFamily="49" charset="0"/>
                 </a:rPr>
-                <a:t>e</a:t>
-              </a:r>
-              <a:r>
-                <a:rPr lang="en-US" sz="1300" b="0" dirty="0" err="1">
+                <a:t>"</a:t>
+              </a:r>
+              <a:r>
+                <a:rPr lang="en-US" sz="1300" b="0" dirty="0">
                   <a:solidFill>
                     <a:schemeClr val="accent2">
                       <a:lumMod val="75000"/>
@@ -23922,10 +24530,52 @@
                   <a:effectLst/>
                   <a:latin typeface="Consolas" panose="020B0609020204030204" pitchFamily="49" charset="0"/>
                 </a:rPr>
-                <a:t>ratureOf</a:t>
+                <a:t>temperature"</a:t>
               </a:r>
               <a:r>
                 <a:rPr lang="en-US" sz="1300" b="0" dirty="0">
+                  <a:solidFill>
+                    <a:schemeClr val="accent1"/>
+                  </a:solidFill>
+                  <a:effectLst/>
+                  <a:latin typeface="Consolas" panose="020B0609020204030204" pitchFamily="49" charset="0"/>
+                </a:rPr>
+                <a:t>: </a:t>
+              </a:r>
+              <a:r>
+                <a:rPr lang="en-US" sz="1300" b="0" dirty="0">
+                  <a:solidFill>
+                    <a:schemeClr val="accent6"/>
+                  </a:solidFill>
+                  <a:effectLst/>
+                  <a:latin typeface="Consolas" panose="020B0609020204030204" pitchFamily="49" charset="0"/>
+                </a:rPr>
+                <a:t>15.7</a:t>
+              </a:r>
+              <a:r>
+                <a:rPr lang="en-US" sz="1300" b="0" dirty="0">
+                  <a:solidFill>
+                    <a:schemeClr val="accent1"/>
+                  </a:solidFill>
+                  <a:effectLst/>
+                  <a:latin typeface="Consolas" panose="020B0609020204030204" pitchFamily="49" charset="0"/>
+                </a:rPr>
+                <a:t>,    </a:t>
+              </a:r>
+            </a:p>
+            <a:p>
+              <a:r>
+                <a:rPr lang="en-US" sz="1300" b="0" dirty="0">
+                  <a:solidFill>
+                    <a:schemeClr val="accent1"/>
+                  </a:solidFill>
+                  <a:effectLst/>
+                  <a:latin typeface="Consolas" panose="020B0609020204030204" pitchFamily="49" charset="0"/>
+                </a:rPr>
+                <a:t>  </a:t>
+              </a:r>
+              <a:r>
+                <a:rPr lang="en-US" sz="1300" b="0" dirty="0" smtClean="0">
                   <a:solidFill>
                     <a:schemeClr val="accent2">
                       <a:lumMod val="75000"/>
@@ -23939,6 +24589,120 @@
               <a:r>
                 <a:rPr lang="en-US" sz="1300" b="0" dirty="0">
                   <a:solidFill>
+                    <a:schemeClr val="accent2">
+                      <a:lumMod val="75000"/>
+                    </a:schemeClr>
+                  </a:solidFill>
+                  <a:effectLst/>
+                  <a:latin typeface="Consolas" panose="020B0609020204030204" pitchFamily="49" charset="0"/>
+                </a:rPr>
+                <a:t>unit"</a:t>
+              </a:r>
+              <a:r>
+                <a:rPr lang="en-US" sz="1300" b="0" dirty="0">
+                  <a:solidFill>
+                    <a:schemeClr val="accent1"/>
+                  </a:solidFill>
+                  <a:effectLst/>
+                  <a:latin typeface="Consolas" panose="020B0609020204030204" pitchFamily="49" charset="0"/>
+                </a:rPr>
+                <a:t>: </a:t>
+              </a:r>
+              <a:r>
+                <a:rPr lang="en-US" sz="1300" b="0" dirty="0">
+                  <a:solidFill>
+                    <a:schemeClr val="accent2"/>
+                  </a:solidFill>
+                  <a:effectLst/>
+                  <a:latin typeface="Consolas" panose="020B0609020204030204" pitchFamily="49" charset="0"/>
+                </a:rPr>
+                <a:t>"Celsius"</a:t>
+              </a:r>
+              <a:r>
+                <a:rPr lang="en-US" sz="1300" b="0" dirty="0">
+                  <a:solidFill>
+                    <a:schemeClr val="accent1"/>
+                  </a:solidFill>
+                  <a:effectLst/>
+                  <a:latin typeface="Consolas" panose="020B0609020204030204" pitchFamily="49" charset="0"/>
+                </a:rPr>
+                <a:t>, </a:t>
+              </a:r>
+            </a:p>
+            <a:p>
+              <a:r>
+                <a:rPr lang="en-US" sz="1300" b="0" dirty="0">
+                  <a:solidFill>
+                    <a:schemeClr val="accent1"/>
+                  </a:solidFill>
+                  <a:effectLst/>
+                  <a:latin typeface="Consolas" panose="020B0609020204030204" pitchFamily="49" charset="0"/>
+                </a:rPr>
+                <a:t>  </a:t>
+              </a:r>
+              <a:r>
+                <a:rPr lang="en-US" sz="1300" b="0" dirty="0" smtClean="0">
+                  <a:solidFill>
+                    <a:schemeClr val="accent2">
+                      <a:lumMod val="75000"/>
+                    </a:schemeClr>
+                  </a:solidFill>
+                  <a:effectLst/>
+                  <a:latin typeface="Consolas" panose="020B0609020204030204" pitchFamily="49" charset="0"/>
+                </a:rPr>
+                <a:t>"</a:t>
+              </a:r>
+              <a:r>
+                <a:rPr lang="en-US" sz="1300" b="0" dirty="0">
+                  <a:solidFill>
+                    <a:schemeClr val="accent2">
+                      <a:lumMod val="75000"/>
+                    </a:schemeClr>
+                  </a:solidFill>
+                  <a:effectLst/>
+                  <a:latin typeface="Consolas" panose="020B0609020204030204" pitchFamily="49" charset="0"/>
+                </a:rPr>
+                <a:t>temp</a:t>
+              </a:r>
+              <a:r>
+                <a:rPr lang="tr-TR" sz="1300" b="0" dirty="0">
+                  <a:solidFill>
+                    <a:schemeClr val="accent2">
+                      <a:lumMod val="75000"/>
+                    </a:schemeClr>
+                  </a:solidFill>
+                  <a:effectLst/>
+                  <a:latin typeface="Consolas" panose="020B0609020204030204" pitchFamily="49" charset="0"/>
+                </a:rPr>
+                <a:t>e</a:t>
+              </a:r>
+              <a:r>
+                <a:rPr lang="en-US" sz="1300" b="0" dirty="0" err="1">
+                  <a:solidFill>
+                    <a:schemeClr val="accent2">
+                      <a:lumMod val="75000"/>
+                    </a:schemeClr>
+                  </a:solidFill>
+                  <a:effectLst/>
+                  <a:latin typeface="Consolas" panose="020B0609020204030204" pitchFamily="49" charset="0"/>
+                </a:rPr>
+                <a:t>ratureOf</a:t>
+              </a:r>
+              <a:r>
+                <a:rPr lang="en-US" sz="1300" b="0" dirty="0">
+                  <a:solidFill>
+                    <a:schemeClr val="accent2">
+                      <a:lumMod val="75000"/>
+                    </a:schemeClr>
+                  </a:solidFill>
+                  <a:effectLst/>
+                  <a:latin typeface="Consolas" panose="020B0609020204030204" pitchFamily="49" charset="0"/>
+                </a:rPr>
+                <a:t>"</a:t>
+              </a:r>
+              <a:r>
+                <a:rPr lang="en-US" sz="1300" b="0" dirty="0">
+                  <a:solidFill>
                     <a:schemeClr val="accent1"/>
                   </a:solidFill>
                   <a:effectLst/>
@@ -23977,7 +24741,7 @@
             </a:p>
             <a:p>
               <a:r>
-                <a:rPr lang="en-US" sz="1300" b="0" dirty="0">
+                <a:rPr lang="en-US" sz="1300" b="0" dirty="0" smtClean="0">
                   <a:solidFill>
                     <a:schemeClr val="accent5"/>
                   </a:solidFill>
@@ -23987,17 +24751,17 @@
                 <a:t>validate</a:t>
               </a:r>
               <a:r>
-                <a:rPr lang="en-US" sz="1300" b="0" dirty="0">
+                <a:rPr lang="en-US" sz="1300" b="0" dirty="0" smtClean="0">
                   <a:solidFill>
                     <a:schemeClr val="accent1"/>
                   </a:solidFill>
                   <a:effectLst/>
                   <a:latin typeface="Consolas" panose="020B0609020204030204" pitchFamily="49" charset="0"/>
                 </a:rPr>
-                <a:t>( </a:t>
-              </a:r>
-              <a:r>
-                <a:rPr lang="en-US" sz="1300" b="0" dirty="0">
+                <a:t>(</a:t>
+              </a:r>
+              <a:r>
+                <a:rPr lang="en-US" sz="1300" b="0" dirty="0" smtClean="0">
                   <a:solidFill>
                     <a:schemeClr val="accent1">
                       <a:lumMod val="60000"/>
@@ -24010,17 +24774,17 @@
                 <a:t>instance</a:t>
               </a:r>
               <a:r>
-                <a:rPr lang="en-US" sz="1300" b="0" dirty="0">
+                <a:rPr lang="en-US" sz="1300" b="0" dirty="0" smtClean="0">
                   <a:solidFill>
                     <a:schemeClr val="accent1"/>
                   </a:solidFill>
                   <a:effectLst/>
                   <a:latin typeface="Consolas" panose="020B0609020204030204" pitchFamily="49" charset="0"/>
                 </a:rPr>
-                <a:t>= </a:t>
-              </a:r>
-              <a:r>
-                <a:rPr lang="en-US" sz="1300" b="0" dirty="0">
+                <a:t>=</a:t>
+              </a:r>
+              <a:r>
+                <a:rPr lang="en-US" sz="1300" b="0" dirty="0" smtClean="0">
                   <a:solidFill>
                     <a:schemeClr val="accent5"/>
                   </a:solidFill>
@@ -24070,7 +24834,7 @@
             <p:cNvPr id="7" name="TextBox 6">
               <a:extLst>
                 <a:ext uri="{FF2B5EF4-FFF2-40B4-BE49-F238E27FC236}">
-                  <a16:creationId xmlns:a16="http://schemas.microsoft.com/office/drawing/2014/main" id="{FBE16CCC-ED02-3750-373E-9B551D3101B9}"/>
+                  <a16:creationId xmlns:a16="http://schemas.microsoft.com/office/drawing/2014/main" xmlns="" id="{FBE16CCC-ED02-3750-373E-9B551D3101B9}"/>
                 </a:ext>
               </a:extLst>
             </p:cNvPr>
@@ -24116,7 +24880,7 @@
             <p:cNvPr id="29" name="Group 28">
               <a:extLst>
                 <a:ext uri="{FF2B5EF4-FFF2-40B4-BE49-F238E27FC236}">
-                  <a16:creationId xmlns:a16="http://schemas.microsoft.com/office/drawing/2014/main" id="{1E182C0C-1CEA-5E7E-15D5-DD1F0AFA5BB1}"/>
+                  <a16:creationId xmlns:a16="http://schemas.microsoft.com/office/drawing/2014/main" xmlns="" id="{1E182C0C-1CEA-5E7E-15D5-DD1F0AFA5BB1}"/>
                 </a:ext>
               </a:extLst>
             </p:cNvPr>
@@ -24136,7 +24900,7 @@
               <p:cNvPr id="14" name="Rectangle: Rounded Corners 13">
                 <a:extLst>
                   <a:ext uri="{FF2B5EF4-FFF2-40B4-BE49-F238E27FC236}">
-                    <a16:creationId xmlns:a16="http://schemas.microsoft.com/office/drawing/2014/main" id="{C5575B4F-915C-C60D-D8E2-3749621DE2B2}"/>
+                    <a16:creationId xmlns:a16="http://schemas.microsoft.com/office/drawing/2014/main" xmlns="" id="{C5575B4F-915C-C60D-D8E2-3749621DE2B2}"/>
                   </a:ext>
                 </a:extLst>
               </p:cNvPr>
@@ -24188,7 +24952,7 @@
               <p:cNvPr id="15" name="Rectangle: Rounded Corners 14">
                 <a:extLst>
                   <a:ext uri="{FF2B5EF4-FFF2-40B4-BE49-F238E27FC236}">
-                    <a16:creationId xmlns:a16="http://schemas.microsoft.com/office/drawing/2014/main" id="{0F4CABC1-02DC-C734-D7A7-2889E5A120CE}"/>
+                    <a16:creationId xmlns:a16="http://schemas.microsoft.com/office/drawing/2014/main" xmlns="" id="{0F4CABC1-02DC-C734-D7A7-2889E5A120CE}"/>
                   </a:ext>
                 </a:extLst>
               </p:cNvPr>
@@ -24240,7 +25004,7 @@
               <p:cNvPr id="20" name="Rectangle: Rounded Corners 19">
                 <a:extLst>
                   <a:ext uri="{FF2B5EF4-FFF2-40B4-BE49-F238E27FC236}">
-                    <a16:creationId xmlns:a16="http://schemas.microsoft.com/office/drawing/2014/main" id="{DC26ED1A-5C1B-6AF4-A1D1-128E3B6D2B1F}"/>
+                    <a16:creationId xmlns:a16="http://schemas.microsoft.com/office/drawing/2014/main" xmlns="" id="{DC26ED1A-5C1B-6AF4-A1D1-128E3B6D2B1F}"/>
                   </a:ext>
                 </a:extLst>
               </p:cNvPr>
@@ -24292,7 +25056,7 @@
               <p:cNvPr id="23" name="Rectangle: Rounded Corners 22">
                 <a:extLst>
                   <a:ext uri="{FF2B5EF4-FFF2-40B4-BE49-F238E27FC236}">
-                    <a16:creationId xmlns:a16="http://schemas.microsoft.com/office/drawing/2014/main" id="{BE7C8EF7-EBF8-9001-059C-5C1C519D09FE}"/>
+                    <a16:creationId xmlns:a16="http://schemas.microsoft.com/office/drawing/2014/main" xmlns="" id="{BE7C8EF7-EBF8-9001-059C-5C1C519D09FE}"/>
                   </a:ext>
                 </a:extLst>
               </p:cNvPr>
@@ -24344,7 +25108,7 @@
               <p:cNvPr id="27" name="Freeform: Shape 26">
                 <a:extLst>
                   <a:ext uri="{FF2B5EF4-FFF2-40B4-BE49-F238E27FC236}">
-                    <a16:creationId xmlns:a16="http://schemas.microsoft.com/office/drawing/2014/main" id="{5FBC94A6-DDEF-72F9-FFAC-16CC50FB42C3}"/>
+                    <a16:creationId xmlns:a16="http://schemas.microsoft.com/office/drawing/2014/main" xmlns="" id="{5FBC94A6-DDEF-72F9-FFAC-16CC50FB42C3}"/>
                   </a:ext>
                 </a:extLst>
               </p:cNvPr>
@@ -24563,7 +25327,7 @@
             <p:cNvPr id="2" name="TextBox 1">
               <a:extLst>
                 <a:ext uri="{FF2B5EF4-FFF2-40B4-BE49-F238E27FC236}">
-                  <a16:creationId xmlns:a16="http://schemas.microsoft.com/office/drawing/2014/main" id="{C55CB177-F107-755F-5879-1FEA793BCFE0}"/>
+                  <a16:creationId xmlns:a16="http://schemas.microsoft.com/office/drawing/2014/main" xmlns="" id="{C55CB177-F107-755F-5879-1FEA793BCFE0}"/>
                 </a:ext>
               </a:extLst>
             </p:cNvPr>
@@ -24744,13 +25508,13 @@
   <p:clrMapOvr>
     <a:masterClrMapping/>
   </p:clrMapOvr>
-  <mc:AlternateContent xmlns:mc="http://schemas.openxmlformats.org/markup-compatibility/2006" xmlns:p159="http://schemas.microsoft.com/office/powerpoint/2015/09/main">
-    <mc:Choice Requires="p159">
+  <mc:AlternateContent xmlns:mc="http://schemas.openxmlformats.org/markup-compatibility/2006">
+    <mc:Choice xmlns:p159="http://schemas.microsoft.com/office/powerpoint/2015/09/main" xmlns="" Requires="p159">
       <p:transition xmlns:p14="http://schemas.microsoft.com/office/powerpoint/2010/main" spd="slow" p14:dur="2000" advTm="9000">
         <p159:morph option="byObject"/>
       </p:transition>
     </mc:Choice>
-    <mc:Fallback xmlns="">
+    <mc:Fallback>
       <p:transition spd="slow" advTm="9000">
         <p:fade/>
       </p:transition>
@@ -24781,7 +25545,7 @@
           <p:cNvPr id="15" name="Arrow: Right 14">
             <a:extLst>
               <a:ext uri="{FF2B5EF4-FFF2-40B4-BE49-F238E27FC236}">
-                <a16:creationId xmlns:a16="http://schemas.microsoft.com/office/drawing/2014/main" id="{E66A1F1C-0542-3E81-7D41-636ECA0E8017}"/>
+                <a16:creationId xmlns:a16="http://schemas.microsoft.com/office/drawing/2014/main" xmlns="" id="{E66A1F1C-0542-3E81-7D41-636ECA0E8017}"/>
               </a:ext>
             </a:extLst>
           </p:cNvPr>
@@ -24836,7 +25600,7 @@
           <p:cNvPr id="4" name="TextBox 3">
             <a:extLst>
               <a:ext uri="{FF2B5EF4-FFF2-40B4-BE49-F238E27FC236}">
-                <a16:creationId xmlns:a16="http://schemas.microsoft.com/office/drawing/2014/main" id="{A19D0219-1CA3-1BE8-9A7C-5E6B9CD20031}"/>
+                <a16:creationId xmlns:a16="http://schemas.microsoft.com/office/drawing/2014/main" xmlns="" id="{A19D0219-1CA3-1BE8-9A7C-5E6B9CD20031}"/>
               </a:ext>
             </a:extLst>
           </p:cNvPr>
@@ -24882,7 +25646,7 @@
           <p:cNvPr id="6" name="Graphic 5" descr="Clapper board with solid fill">
             <a:extLst>
               <a:ext uri="{FF2B5EF4-FFF2-40B4-BE49-F238E27FC236}">
-                <a16:creationId xmlns:a16="http://schemas.microsoft.com/office/drawing/2014/main" id="{5612DC79-CCB3-FEC3-52C7-3EDFEC3C2915}"/>
+                <a16:creationId xmlns:a16="http://schemas.microsoft.com/office/drawing/2014/main" xmlns="" id="{5612DC79-CCB3-FEC3-52C7-3EDFEC3C2915}"/>
               </a:ext>
             </a:extLst>
           </p:cNvPr>
@@ -24898,7 +25662,7 @@
                 <a14:useLocalDpi xmlns:a14="http://schemas.microsoft.com/office/drawing/2010/main" val="0"/>
               </a:ext>
               <a:ext uri="{96DAC541-7B7A-43D3-8B79-37D633B846F1}">
-                <asvg:svgBlip xmlns:asvg="http://schemas.microsoft.com/office/drawing/2016/SVG/main" r:embed="rId4"/>
+                <asvg:svgBlip xmlns:asvg="http://schemas.microsoft.com/office/drawing/2016/SVG/main" xmlns="" r:embed="rId4"/>
               </a:ext>
             </a:extLst>
           </a:blip>
@@ -24921,7 +25685,7 @@
           <p:cNvPr id="26" name="Group 25">
             <a:extLst>
               <a:ext uri="{FF2B5EF4-FFF2-40B4-BE49-F238E27FC236}">
-                <a16:creationId xmlns:a16="http://schemas.microsoft.com/office/drawing/2014/main" id="{DAD30D62-7DED-174E-BA7A-8C64B79F37B5}"/>
+                <a16:creationId xmlns:a16="http://schemas.microsoft.com/office/drawing/2014/main" xmlns="" id="{DAD30D62-7DED-174E-BA7A-8C64B79F37B5}"/>
               </a:ext>
             </a:extLst>
           </p:cNvPr>
@@ -24941,7 +25705,7 @@
             <p:cNvPr id="3" name="Group 2">
               <a:extLst>
                 <a:ext uri="{FF2B5EF4-FFF2-40B4-BE49-F238E27FC236}">
-                  <a16:creationId xmlns:a16="http://schemas.microsoft.com/office/drawing/2014/main" id="{7E15482E-DD65-D37B-D363-818D916DF563}"/>
+                  <a16:creationId xmlns:a16="http://schemas.microsoft.com/office/drawing/2014/main" xmlns="" id="{7E15482E-DD65-D37B-D363-818D916DF563}"/>
                 </a:ext>
               </a:extLst>
             </p:cNvPr>
@@ -24961,7 +25725,7 @@
               <p:cNvPr id="5" name="Group 4">
                 <a:extLst>
                   <a:ext uri="{FF2B5EF4-FFF2-40B4-BE49-F238E27FC236}">
-                    <a16:creationId xmlns:a16="http://schemas.microsoft.com/office/drawing/2014/main" id="{72A5228A-3044-3522-ED31-678BEE3A5789}"/>
+                    <a16:creationId xmlns:a16="http://schemas.microsoft.com/office/drawing/2014/main" xmlns="" id="{72A5228A-3044-3522-ED31-678BEE3A5789}"/>
                   </a:ext>
                 </a:extLst>
               </p:cNvPr>
@@ -24981,7 +25745,7 @@
                 <p:cNvPr id="11" name="Group 10">
                   <a:extLst>
                     <a:ext uri="{FF2B5EF4-FFF2-40B4-BE49-F238E27FC236}">
-                      <a16:creationId xmlns:a16="http://schemas.microsoft.com/office/drawing/2014/main" id="{9C7252AB-092E-928E-0105-B006EE6E4E7B}"/>
+                      <a16:creationId xmlns:a16="http://schemas.microsoft.com/office/drawing/2014/main" xmlns="" id="{9C7252AB-092E-928E-0105-B006EE6E4E7B}"/>
                     </a:ext>
                   </a:extLst>
                 </p:cNvPr>
@@ -25001,7 +25765,7 @@
                   <p:cNvPr id="21" name="Graphic 20" descr="Film strip outline">
                     <a:extLst>
                       <a:ext uri="{FF2B5EF4-FFF2-40B4-BE49-F238E27FC236}">
-                        <a16:creationId xmlns:a16="http://schemas.microsoft.com/office/drawing/2014/main" id="{4D4A669D-145F-3EB4-E090-109C95E04F79}"/>
+                        <a16:creationId xmlns:a16="http://schemas.microsoft.com/office/drawing/2014/main" xmlns="" id="{4D4A669D-145F-3EB4-E090-109C95E04F79}"/>
                       </a:ext>
                     </a:extLst>
                   </p:cNvPr>
@@ -25017,7 +25781,7 @@
                         <a14:useLocalDpi xmlns:a14="http://schemas.microsoft.com/office/drawing/2010/main" val="0"/>
                       </a:ext>
                       <a:ext uri="{96DAC541-7B7A-43D3-8B79-37D633B846F1}">
-                        <asvg:svgBlip xmlns:asvg="http://schemas.microsoft.com/office/drawing/2016/SVG/main" r:embed="rId6"/>
+                        <asvg:svgBlip xmlns:asvg="http://schemas.microsoft.com/office/drawing/2016/SVG/main" xmlns="" r:embed="rId6"/>
                       </a:ext>
                     </a:extLst>
                   </a:blip>
@@ -25039,7 +25803,7 @@
                   <p:cNvPr id="22" name="Graphic 21" descr="Film strip outline">
                     <a:extLst>
                       <a:ext uri="{FF2B5EF4-FFF2-40B4-BE49-F238E27FC236}">
-                        <a16:creationId xmlns:a16="http://schemas.microsoft.com/office/drawing/2014/main" id="{CC169DFF-883A-6A8B-0CE8-5AA3EFB85120}"/>
+                        <a16:creationId xmlns:a16="http://schemas.microsoft.com/office/drawing/2014/main" xmlns="" id="{CC169DFF-883A-6A8B-0CE8-5AA3EFB85120}"/>
                       </a:ext>
                     </a:extLst>
                   </p:cNvPr>
@@ -25055,7 +25819,7 @@
                         <a14:useLocalDpi xmlns:a14="http://schemas.microsoft.com/office/drawing/2010/main" val="0"/>
                       </a:ext>
                       <a:ext uri="{96DAC541-7B7A-43D3-8B79-37D633B846F1}">
-                        <asvg:svgBlip xmlns:asvg="http://schemas.microsoft.com/office/drawing/2016/SVG/main" r:embed="rId6"/>
+                        <asvg:svgBlip xmlns:asvg="http://schemas.microsoft.com/office/drawing/2016/SVG/main" xmlns="" r:embed="rId6"/>
                       </a:ext>
                     </a:extLst>
                   </a:blip>
@@ -25077,7 +25841,7 @@
                   <p:cNvPr id="23" name="Graphic 22" descr="Film strip outline">
                     <a:extLst>
                       <a:ext uri="{FF2B5EF4-FFF2-40B4-BE49-F238E27FC236}">
-                        <a16:creationId xmlns:a16="http://schemas.microsoft.com/office/drawing/2014/main" id="{CDE44452-7BBD-F4F3-4289-9EB1BE70D13D}"/>
+                        <a16:creationId xmlns:a16="http://schemas.microsoft.com/office/drawing/2014/main" xmlns="" id="{CDE44452-7BBD-F4F3-4289-9EB1BE70D13D}"/>
                       </a:ext>
                     </a:extLst>
                   </p:cNvPr>
@@ -25093,7 +25857,7 @@
                         <a14:useLocalDpi xmlns:a14="http://schemas.microsoft.com/office/drawing/2010/main" val="0"/>
                       </a:ext>
                       <a:ext uri="{96DAC541-7B7A-43D3-8B79-37D633B846F1}">
-                        <asvg:svgBlip xmlns:asvg="http://schemas.microsoft.com/office/drawing/2016/SVG/main" r:embed="rId6"/>
+                        <asvg:svgBlip xmlns:asvg="http://schemas.microsoft.com/office/drawing/2016/SVG/main" xmlns="" r:embed="rId6"/>
                       </a:ext>
                     </a:extLst>
                   </a:blip>
@@ -25115,7 +25879,7 @@
                   <p:cNvPr id="24" name="Graphic 23" descr="Film strip outline">
                     <a:extLst>
                       <a:ext uri="{FF2B5EF4-FFF2-40B4-BE49-F238E27FC236}">
-                        <a16:creationId xmlns:a16="http://schemas.microsoft.com/office/drawing/2014/main" id="{4BB84B3F-C4AC-A5B3-33BB-2414338BDDA1}"/>
+                        <a16:creationId xmlns:a16="http://schemas.microsoft.com/office/drawing/2014/main" xmlns="" id="{4BB84B3F-C4AC-A5B3-33BB-2414338BDDA1}"/>
                       </a:ext>
                     </a:extLst>
                   </p:cNvPr>
@@ -25131,7 +25895,7 @@
                         <a14:useLocalDpi xmlns:a14="http://schemas.microsoft.com/office/drawing/2010/main" val="0"/>
                       </a:ext>
                       <a:ext uri="{96DAC541-7B7A-43D3-8B79-37D633B846F1}">
-                        <asvg:svgBlip xmlns:asvg="http://schemas.microsoft.com/office/drawing/2016/SVG/main" r:embed="rId6"/>
+                        <asvg:svgBlip xmlns:asvg="http://schemas.microsoft.com/office/drawing/2016/SVG/main" xmlns="" r:embed="rId6"/>
                       </a:ext>
                     </a:extLst>
                   </a:blip>
@@ -25154,7 +25918,7 @@
                 <p:cNvPr id="14" name="TextBox 13">
                   <a:extLst>
                     <a:ext uri="{FF2B5EF4-FFF2-40B4-BE49-F238E27FC236}">
-                      <a16:creationId xmlns:a16="http://schemas.microsoft.com/office/drawing/2014/main" id="{01C400A0-9690-ED89-5213-08AD7271CAF5}"/>
+                      <a16:creationId xmlns:a16="http://schemas.microsoft.com/office/drawing/2014/main" xmlns="" id="{01C400A0-9690-ED89-5213-08AD7271CAF5}"/>
                     </a:ext>
                   </a:extLst>
                 </p:cNvPr>
@@ -25192,7 +25956,7 @@
                 <p:cNvPr id="18" name="TextBox 17">
                   <a:extLst>
                     <a:ext uri="{FF2B5EF4-FFF2-40B4-BE49-F238E27FC236}">
-                      <a16:creationId xmlns:a16="http://schemas.microsoft.com/office/drawing/2014/main" id="{F9440296-511C-E1C4-EA9E-2B6AB9A1E944}"/>
+                      <a16:creationId xmlns:a16="http://schemas.microsoft.com/office/drawing/2014/main" xmlns="" id="{F9440296-511C-E1C4-EA9E-2B6AB9A1E944}"/>
                     </a:ext>
                   </a:extLst>
                 </p:cNvPr>
@@ -25263,7 +26027,7 @@
                 <p:cNvPr id="19" name="TextBox 18">
                   <a:extLst>
                     <a:ext uri="{FF2B5EF4-FFF2-40B4-BE49-F238E27FC236}">
-                      <a16:creationId xmlns:a16="http://schemas.microsoft.com/office/drawing/2014/main" id="{B97D72DD-F22C-02EE-6721-E92305D2D28B}"/>
+                      <a16:creationId xmlns:a16="http://schemas.microsoft.com/office/drawing/2014/main" xmlns="" id="{B97D72DD-F22C-02EE-6721-E92305D2D28B}"/>
                     </a:ext>
                   </a:extLst>
                 </p:cNvPr>
@@ -25335,7 +26099,7 @@
               <p:cNvPr id="10" name="TextBox 9">
                 <a:extLst>
                   <a:ext uri="{FF2B5EF4-FFF2-40B4-BE49-F238E27FC236}">
-                    <a16:creationId xmlns:a16="http://schemas.microsoft.com/office/drawing/2014/main" id="{0EAD64C9-CDC2-AF2F-B341-2823A9851085}"/>
+                    <a16:creationId xmlns:a16="http://schemas.microsoft.com/office/drawing/2014/main" xmlns="" id="{0EAD64C9-CDC2-AF2F-B341-2823A9851085}"/>
                   </a:ext>
                 </a:extLst>
               </p:cNvPr>
@@ -25392,7 +26156,7 @@
             <p:cNvPr id="25" name="TextBox 24">
               <a:extLst>
                 <a:ext uri="{FF2B5EF4-FFF2-40B4-BE49-F238E27FC236}">
-                  <a16:creationId xmlns:a16="http://schemas.microsoft.com/office/drawing/2014/main" id="{B023BE36-4C98-0672-6E5E-F194EB9C6C99}"/>
+                  <a16:creationId xmlns:a16="http://schemas.microsoft.com/office/drawing/2014/main" xmlns="" id="{B023BE36-4C98-0672-6E5E-F194EB9C6C99}"/>
                 </a:ext>
               </a:extLst>
             </p:cNvPr>
@@ -25463,11 +26227,11 @@
   <p:clrMapOvr>
     <a:masterClrMapping/>
   </p:clrMapOvr>
-  <mc:AlternateContent xmlns:mc="http://schemas.openxmlformats.org/markup-compatibility/2006">
-    <mc:Choice xmlns:p14="http://schemas.microsoft.com/office/powerpoint/2010/main" Requires="p14">
+  <mc:AlternateContent xmlns:mc="http://schemas.openxmlformats.org/markup-compatibility/2006" xmlns:p14="http://schemas.microsoft.com/office/powerpoint/2010/main">
+    <mc:Choice Requires="p14">
       <p:transition spd="slow" p14:dur="2000" advClick="0" advTm="500"/>
     </mc:Choice>
-    <mc:Fallback>
+    <mc:Fallback xmlns="">
       <p:transition spd="slow" advClick="0" advTm="500"/>
     </mc:Fallback>
   </mc:AlternateContent>
@@ -25656,7 +26420,7 @@
           <p:cNvPr id="15" name="Arrow: Right 14">
             <a:extLst>
               <a:ext uri="{FF2B5EF4-FFF2-40B4-BE49-F238E27FC236}">
-                <a16:creationId xmlns:a16="http://schemas.microsoft.com/office/drawing/2014/main" id="{E66A1F1C-0542-3E81-7D41-636ECA0E8017}"/>
+                <a16:creationId xmlns:a16="http://schemas.microsoft.com/office/drawing/2014/main" xmlns="" id="{E66A1F1C-0542-3E81-7D41-636ECA0E8017}"/>
               </a:ext>
             </a:extLst>
           </p:cNvPr>
@@ -25711,7 +26475,7 @@
           <p:cNvPr id="4" name="TextBox 3">
             <a:extLst>
               <a:ext uri="{FF2B5EF4-FFF2-40B4-BE49-F238E27FC236}">
-                <a16:creationId xmlns:a16="http://schemas.microsoft.com/office/drawing/2014/main" id="{A19D0219-1CA3-1BE8-9A7C-5E6B9CD20031}"/>
+                <a16:creationId xmlns:a16="http://schemas.microsoft.com/office/drawing/2014/main" xmlns="" id="{A19D0219-1CA3-1BE8-9A7C-5E6B9CD20031}"/>
               </a:ext>
             </a:extLst>
           </p:cNvPr>
@@ -25757,7 +26521,7 @@
           <p:cNvPr id="6" name="Graphic 5" descr="Clapper board with solid fill">
             <a:extLst>
               <a:ext uri="{FF2B5EF4-FFF2-40B4-BE49-F238E27FC236}">
-                <a16:creationId xmlns:a16="http://schemas.microsoft.com/office/drawing/2014/main" id="{5612DC79-CCB3-FEC3-52C7-3EDFEC3C2915}"/>
+                <a16:creationId xmlns:a16="http://schemas.microsoft.com/office/drawing/2014/main" xmlns="" id="{5612DC79-CCB3-FEC3-52C7-3EDFEC3C2915}"/>
               </a:ext>
             </a:extLst>
           </p:cNvPr>
@@ -25773,7 +26537,7 @@
                 <a14:useLocalDpi xmlns:a14="http://schemas.microsoft.com/office/drawing/2010/main" val="0"/>
               </a:ext>
               <a:ext uri="{96DAC541-7B7A-43D3-8B79-37D633B846F1}">
-                <asvg:svgBlip xmlns:asvg="http://schemas.microsoft.com/office/drawing/2016/SVG/main" r:embed="rId4"/>
+                <asvg:svgBlip xmlns:asvg="http://schemas.microsoft.com/office/drawing/2016/SVG/main" xmlns="" r:embed="rId4"/>
               </a:ext>
             </a:extLst>
           </a:blip>
@@ -25796,7 +26560,7 @@
           <p:cNvPr id="26" name="Group 25">
             <a:extLst>
               <a:ext uri="{FF2B5EF4-FFF2-40B4-BE49-F238E27FC236}">
-                <a16:creationId xmlns:a16="http://schemas.microsoft.com/office/drawing/2014/main" id="{DAD30D62-7DED-174E-BA7A-8C64B79F37B5}"/>
+                <a16:creationId xmlns:a16="http://schemas.microsoft.com/office/drawing/2014/main" xmlns="" id="{DAD30D62-7DED-174E-BA7A-8C64B79F37B5}"/>
               </a:ext>
             </a:extLst>
           </p:cNvPr>
@@ -25816,7 +26580,7 @@
             <p:cNvPr id="3" name="Group 2">
               <a:extLst>
                 <a:ext uri="{FF2B5EF4-FFF2-40B4-BE49-F238E27FC236}">
-                  <a16:creationId xmlns:a16="http://schemas.microsoft.com/office/drawing/2014/main" id="{7E15482E-DD65-D37B-D363-818D916DF563}"/>
+                  <a16:creationId xmlns:a16="http://schemas.microsoft.com/office/drawing/2014/main" xmlns="" id="{7E15482E-DD65-D37B-D363-818D916DF563}"/>
                 </a:ext>
               </a:extLst>
             </p:cNvPr>
@@ -25836,7 +26600,7 @@
               <p:cNvPr id="5" name="Group 4">
                 <a:extLst>
                   <a:ext uri="{FF2B5EF4-FFF2-40B4-BE49-F238E27FC236}">
-                    <a16:creationId xmlns:a16="http://schemas.microsoft.com/office/drawing/2014/main" id="{72A5228A-3044-3522-ED31-678BEE3A5789}"/>
+                    <a16:creationId xmlns:a16="http://schemas.microsoft.com/office/drawing/2014/main" xmlns="" id="{72A5228A-3044-3522-ED31-678BEE3A5789}"/>
                   </a:ext>
                 </a:extLst>
               </p:cNvPr>
@@ -25856,7 +26620,7 @@
                 <p:cNvPr id="11" name="Group 10">
                   <a:extLst>
                     <a:ext uri="{FF2B5EF4-FFF2-40B4-BE49-F238E27FC236}">
-                      <a16:creationId xmlns:a16="http://schemas.microsoft.com/office/drawing/2014/main" id="{9C7252AB-092E-928E-0105-B006EE6E4E7B}"/>
+                      <a16:creationId xmlns:a16="http://schemas.microsoft.com/office/drawing/2014/main" xmlns="" id="{9C7252AB-092E-928E-0105-B006EE6E4E7B}"/>
                     </a:ext>
                   </a:extLst>
                 </p:cNvPr>
@@ -25876,7 +26640,7 @@
                   <p:cNvPr id="21" name="Graphic 20" descr="Film strip outline">
                     <a:extLst>
                       <a:ext uri="{FF2B5EF4-FFF2-40B4-BE49-F238E27FC236}">
-                        <a16:creationId xmlns:a16="http://schemas.microsoft.com/office/drawing/2014/main" id="{4D4A669D-145F-3EB4-E090-109C95E04F79}"/>
+                        <a16:creationId xmlns:a16="http://schemas.microsoft.com/office/drawing/2014/main" xmlns="" id="{4D4A669D-145F-3EB4-E090-109C95E04F79}"/>
                       </a:ext>
                     </a:extLst>
                   </p:cNvPr>
@@ -25892,7 +26656,7 @@
                         <a14:useLocalDpi xmlns:a14="http://schemas.microsoft.com/office/drawing/2010/main" val="0"/>
                       </a:ext>
                       <a:ext uri="{96DAC541-7B7A-43D3-8B79-37D633B846F1}">
-                        <asvg:svgBlip xmlns:asvg="http://schemas.microsoft.com/office/drawing/2016/SVG/main" r:embed="rId6"/>
+                        <asvg:svgBlip xmlns:asvg="http://schemas.microsoft.com/office/drawing/2016/SVG/main" xmlns="" r:embed="rId6"/>
                       </a:ext>
                     </a:extLst>
                   </a:blip>
@@ -25914,7 +26678,7 @@
                   <p:cNvPr id="22" name="Graphic 21" descr="Film strip outline">
                     <a:extLst>
                       <a:ext uri="{FF2B5EF4-FFF2-40B4-BE49-F238E27FC236}">
-                        <a16:creationId xmlns:a16="http://schemas.microsoft.com/office/drawing/2014/main" id="{CC169DFF-883A-6A8B-0CE8-5AA3EFB85120}"/>
+                        <a16:creationId xmlns:a16="http://schemas.microsoft.com/office/drawing/2014/main" xmlns="" id="{CC169DFF-883A-6A8B-0CE8-5AA3EFB85120}"/>
                       </a:ext>
                     </a:extLst>
                   </p:cNvPr>
@@ -25930,7 +26694,7 @@
                         <a14:useLocalDpi xmlns:a14="http://schemas.microsoft.com/office/drawing/2010/main" val="0"/>
                       </a:ext>
                       <a:ext uri="{96DAC541-7B7A-43D3-8B79-37D633B846F1}">
-                        <asvg:svgBlip xmlns:asvg="http://schemas.microsoft.com/office/drawing/2016/SVG/main" r:embed="rId6"/>
+                        <asvg:svgBlip xmlns:asvg="http://schemas.microsoft.com/office/drawing/2016/SVG/main" xmlns="" r:embed="rId6"/>
                       </a:ext>
                     </a:extLst>
                   </a:blip>
@@ -25952,7 +26716,7 @@
                   <p:cNvPr id="23" name="Graphic 22" descr="Film strip outline">
                     <a:extLst>
                       <a:ext uri="{FF2B5EF4-FFF2-40B4-BE49-F238E27FC236}">
-                        <a16:creationId xmlns:a16="http://schemas.microsoft.com/office/drawing/2014/main" id="{CDE44452-7BBD-F4F3-4289-9EB1BE70D13D}"/>
+                        <a16:creationId xmlns:a16="http://schemas.microsoft.com/office/drawing/2014/main" xmlns="" id="{CDE44452-7BBD-F4F3-4289-9EB1BE70D13D}"/>
                       </a:ext>
                     </a:extLst>
                   </p:cNvPr>
@@ -25968,7 +26732,7 @@
                         <a14:useLocalDpi xmlns:a14="http://schemas.microsoft.com/office/drawing/2010/main" val="0"/>
                       </a:ext>
                       <a:ext uri="{96DAC541-7B7A-43D3-8B79-37D633B846F1}">
-                        <asvg:svgBlip xmlns:asvg="http://schemas.microsoft.com/office/drawing/2016/SVG/main" r:embed="rId6"/>
+                        <asvg:svgBlip xmlns:asvg="http://schemas.microsoft.com/office/drawing/2016/SVG/main" xmlns="" r:embed="rId6"/>
                       </a:ext>
                     </a:extLst>
                   </a:blip>
@@ -25990,7 +26754,7 @@
                   <p:cNvPr id="24" name="Graphic 23" descr="Film strip outline">
                     <a:extLst>
                       <a:ext uri="{FF2B5EF4-FFF2-40B4-BE49-F238E27FC236}">
-                        <a16:creationId xmlns:a16="http://schemas.microsoft.com/office/drawing/2014/main" id="{4BB84B3F-C4AC-A5B3-33BB-2414338BDDA1}"/>
+                        <a16:creationId xmlns:a16="http://schemas.microsoft.com/office/drawing/2014/main" xmlns="" id="{4BB84B3F-C4AC-A5B3-33BB-2414338BDDA1}"/>
                       </a:ext>
                     </a:extLst>
                   </p:cNvPr>
@@ -26006,7 +26770,7 @@
                         <a14:useLocalDpi xmlns:a14="http://schemas.microsoft.com/office/drawing/2010/main" val="0"/>
                       </a:ext>
                       <a:ext uri="{96DAC541-7B7A-43D3-8B79-37D633B846F1}">
-                        <asvg:svgBlip xmlns:asvg="http://schemas.microsoft.com/office/drawing/2016/SVG/main" r:embed="rId6"/>
+                        <asvg:svgBlip xmlns:asvg="http://schemas.microsoft.com/office/drawing/2016/SVG/main" xmlns="" r:embed="rId6"/>
                       </a:ext>
                     </a:extLst>
                   </a:blip>
@@ -26029,7 +26793,7 @@
                 <p:cNvPr id="14" name="TextBox 13">
                   <a:extLst>
                     <a:ext uri="{FF2B5EF4-FFF2-40B4-BE49-F238E27FC236}">
-                      <a16:creationId xmlns:a16="http://schemas.microsoft.com/office/drawing/2014/main" id="{01C400A0-9690-ED89-5213-08AD7271CAF5}"/>
+                      <a16:creationId xmlns:a16="http://schemas.microsoft.com/office/drawing/2014/main" xmlns="" id="{01C400A0-9690-ED89-5213-08AD7271CAF5}"/>
                     </a:ext>
                   </a:extLst>
                 </p:cNvPr>
@@ -26067,7 +26831,7 @@
                 <p:cNvPr id="18" name="TextBox 17">
                   <a:extLst>
                     <a:ext uri="{FF2B5EF4-FFF2-40B4-BE49-F238E27FC236}">
-                      <a16:creationId xmlns:a16="http://schemas.microsoft.com/office/drawing/2014/main" id="{F9440296-511C-E1C4-EA9E-2B6AB9A1E944}"/>
+                      <a16:creationId xmlns:a16="http://schemas.microsoft.com/office/drawing/2014/main" xmlns="" id="{F9440296-511C-E1C4-EA9E-2B6AB9A1E944}"/>
                     </a:ext>
                   </a:extLst>
                 </p:cNvPr>
@@ -26138,7 +26902,7 @@
                 <p:cNvPr id="19" name="TextBox 18">
                   <a:extLst>
                     <a:ext uri="{FF2B5EF4-FFF2-40B4-BE49-F238E27FC236}">
-                      <a16:creationId xmlns:a16="http://schemas.microsoft.com/office/drawing/2014/main" id="{B97D72DD-F22C-02EE-6721-E92305D2D28B}"/>
+                      <a16:creationId xmlns:a16="http://schemas.microsoft.com/office/drawing/2014/main" xmlns="" id="{B97D72DD-F22C-02EE-6721-E92305D2D28B}"/>
                     </a:ext>
                   </a:extLst>
                 </p:cNvPr>
@@ -26210,7 +26974,7 @@
               <p:cNvPr id="10" name="TextBox 9">
                 <a:extLst>
                   <a:ext uri="{FF2B5EF4-FFF2-40B4-BE49-F238E27FC236}">
-                    <a16:creationId xmlns:a16="http://schemas.microsoft.com/office/drawing/2014/main" id="{0EAD64C9-CDC2-AF2F-B341-2823A9851085}"/>
+                    <a16:creationId xmlns:a16="http://schemas.microsoft.com/office/drawing/2014/main" xmlns="" id="{0EAD64C9-CDC2-AF2F-B341-2823A9851085}"/>
                   </a:ext>
                 </a:extLst>
               </p:cNvPr>
@@ -26267,7 +27031,7 @@
             <p:cNvPr id="25" name="TextBox 24">
               <a:extLst>
                 <a:ext uri="{FF2B5EF4-FFF2-40B4-BE49-F238E27FC236}">
-                  <a16:creationId xmlns:a16="http://schemas.microsoft.com/office/drawing/2014/main" id="{B023BE36-4C98-0672-6E5E-F194EB9C6C99}"/>
+                  <a16:creationId xmlns:a16="http://schemas.microsoft.com/office/drawing/2014/main" xmlns="" id="{B023BE36-4C98-0672-6E5E-F194EB9C6C99}"/>
                 </a:ext>
               </a:extLst>
             </p:cNvPr>
@@ -26339,7 +27103,7 @@
     <a:masterClrMapping/>
   </p:clrMapOvr>
   <mc:AlternateContent xmlns:mc="http://schemas.openxmlformats.org/markup-compatibility/2006">
-    <mc:Choice xmlns:p159="http://schemas.microsoft.com/office/powerpoint/2015/09/main" Requires="p159">
+    <mc:Choice xmlns:p159="http://schemas.microsoft.com/office/powerpoint/2015/09/main" xmlns="" Requires="p159">
       <p:transition xmlns:p14="http://schemas.microsoft.com/office/powerpoint/2010/main" spd="slow" p14:dur="2000" advClick="0" advTm="500">
         <p159:morph option="byObject"/>
       </p:transition>
@@ -26375,7 +27139,7 @@
           <p:cNvPr id="5" name="Picture 4" descr="A picture containing logo&#10;&#10;Description automatically generated">
             <a:extLst>
               <a:ext uri="{FF2B5EF4-FFF2-40B4-BE49-F238E27FC236}">
-                <a16:creationId xmlns:a16="http://schemas.microsoft.com/office/drawing/2014/main" id="{082DF003-EF0A-0B45-42B9-239F5970FB4A}"/>
+                <a16:creationId xmlns:a16="http://schemas.microsoft.com/office/drawing/2014/main" xmlns="" id="{082DF003-EF0A-0B45-42B9-239F5970FB4A}"/>
               </a:ext>
             </a:extLst>
           </p:cNvPr>
@@ -26417,7 +27181,7 @@
     <a:masterClrMapping/>
   </p:clrMapOvr>
   <mc:AlternateContent xmlns:mc="http://schemas.openxmlformats.org/markup-compatibility/2006">
-    <mc:Choice xmlns:p159="http://schemas.microsoft.com/office/powerpoint/2015/09/main" Requires="p159">
+    <mc:Choice xmlns:p159="http://schemas.microsoft.com/office/powerpoint/2015/09/main" xmlns="" Requires="p159">
       <p:transition xmlns:p14="http://schemas.microsoft.com/office/powerpoint/2010/main" spd="slow" p14:dur="2000" advTm="5000">
         <p159:morph option="byObject"/>
       </p:transition>
@@ -26453,7 +27217,7 @@
           <p:cNvPr id="2" name="Title 1">
             <a:extLst>
               <a:ext uri="{FF2B5EF4-FFF2-40B4-BE49-F238E27FC236}">
-                <a16:creationId xmlns:a16="http://schemas.microsoft.com/office/drawing/2014/main" id="{19833CA6-EE67-8657-0208-D676452D68C6}"/>
+                <a16:creationId xmlns:a16="http://schemas.microsoft.com/office/drawing/2014/main" xmlns="" id="{19833CA6-EE67-8657-0208-D676452D68C6}"/>
               </a:ext>
             </a:extLst>
           </p:cNvPr>
@@ -26498,7 +27262,7 @@
           <p:cNvPr id="3" name="Group 2">
             <a:extLst>
               <a:ext uri="{FF2B5EF4-FFF2-40B4-BE49-F238E27FC236}">
-                <a16:creationId xmlns:a16="http://schemas.microsoft.com/office/drawing/2014/main" id="{5E8426B0-850C-74A6-E746-9A2CCE228C72}"/>
+                <a16:creationId xmlns:a16="http://schemas.microsoft.com/office/drawing/2014/main" xmlns="" id="{5E8426B0-850C-74A6-E746-9A2CCE228C72}"/>
               </a:ext>
             </a:extLst>
           </p:cNvPr>
@@ -26518,7 +27282,7 @@
             <p:cNvPr id="7" name="Picture 6" descr="Icon&#10;&#10;Description automatically generated">
               <a:extLst>
                 <a:ext uri="{FF2B5EF4-FFF2-40B4-BE49-F238E27FC236}">
-                  <a16:creationId xmlns:a16="http://schemas.microsoft.com/office/drawing/2014/main" id="{31621293-258E-C867-F00D-FCB6788635CD}"/>
+                  <a16:creationId xmlns:a16="http://schemas.microsoft.com/office/drawing/2014/main" xmlns="" id="{31621293-258E-C867-F00D-FCB6788635CD}"/>
                 </a:ext>
               </a:extLst>
             </p:cNvPr>
@@ -26528,7 +27292,7 @@
             <p:nvPr/>
           </p:nvPicPr>
           <p:blipFill>
-            <a:blip r:embed="rId3">
+            <a:blip r:embed="rId3" cstate="print">
               <a:extLst>
                 <a:ext uri="{28A0092B-C50C-407E-A947-70E740481C1C}">
                   <a14:useLocalDpi xmlns:a14="http://schemas.microsoft.com/office/drawing/2010/main" val="0"/>
@@ -26554,7 +27318,7 @@
             <p:cNvPr id="10" name="TextBox 9">
               <a:extLst>
                 <a:ext uri="{FF2B5EF4-FFF2-40B4-BE49-F238E27FC236}">
-                  <a16:creationId xmlns:a16="http://schemas.microsoft.com/office/drawing/2014/main" id="{70B9EB3B-2A0E-6A22-9C50-89CBB3926991}"/>
+                  <a16:creationId xmlns:a16="http://schemas.microsoft.com/office/drawing/2014/main" xmlns="" id="{70B9EB3B-2A0E-6A22-9C50-89CBB3926991}"/>
                 </a:ext>
               </a:extLst>
             </p:cNvPr>
@@ -26600,7 +27364,7 @@
             <p:cNvPr id="12" name="Straight Arrow Connector 11">
               <a:extLst>
                 <a:ext uri="{FF2B5EF4-FFF2-40B4-BE49-F238E27FC236}">
-                  <a16:creationId xmlns:a16="http://schemas.microsoft.com/office/drawing/2014/main" id="{3E7E5DBB-3544-6DFD-A880-979CE70D22C3}"/>
+                  <a16:creationId xmlns:a16="http://schemas.microsoft.com/office/drawing/2014/main" xmlns="" id="{3E7E5DBB-3544-6DFD-A880-979CE70D22C3}"/>
                 </a:ext>
               </a:extLst>
             </p:cNvPr>
@@ -26642,7 +27406,7 @@
           <p:cNvPr id="19" name="Group 18">
             <a:extLst>
               <a:ext uri="{FF2B5EF4-FFF2-40B4-BE49-F238E27FC236}">
-                <a16:creationId xmlns:a16="http://schemas.microsoft.com/office/drawing/2014/main" id="{1CDC6B22-2CFA-EE8F-6954-A084183D0E8B}"/>
+                <a16:creationId xmlns:a16="http://schemas.microsoft.com/office/drawing/2014/main" xmlns="" id="{1CDC6B22-2CFA-EE8F-6954-A084183D0E8B}"/>
               </a:ext>
             </a:extLst>
           </p:cNvPr>
@@ -26662,7 +27426,7 @@
             <p:cNvPr id="20" name="Picture 19" descr="Logo&#10;&#10;Description automatically generated">
               <a:extLst>
                 <a:ext uri="{FF2B5EF4-FFF2-40B4-BE49-F238E27FC236}">
-                  <a16:creationId xmlns:a16="http://schemas.microsoft.com/office/drawing/2014/main" id="{A126A024-1A2F-A24D-4B7E-B4B42767968F}"/>
+                  <a16:creationId xmlns:a16="http://schemas.microsoft.com/office/drawing/2014/main" xmlns="" id="{A126A024-1A2F-A24D-4B7E-B4B42767968F}"/>
                 </a:ext>
               </a:extLst>
             </p:cNvPr>
@@ -26672,7 +27436,7 @@
             <p:nvPr/>
           </p:nvPicPr>
           <p:blipFill>
-            <a:blip r:embed="rId4">
+            <a:blip r:embed="rId4" cstate="print">
               <a:extLst>
                 <a:ext uri="{28A0092B-C50C-407E-A947-70E740481C1C}">
                   <a14:useLocalDpi xmlns:a14="http://schemas.microsoft.com/office/drawing/2010/main" val="0"/>
@@ -26698,7 +27462,7 @@
             <p:cNvPr id="21" name="Straight Arrow Connector 20">
               <a:extLst>
                 <a:ext uri="{FF2B5EF4-FFF2-40B4-BE49-F238E27FC236}">
-                  <a16:creationId xmlns:a16="http://schemas.microsoft.com/office/drawing/2014/main" id="{D5921AE7-335D-E0CD-A8E3-8D2480D81C83}"/>
+                  <a16:creationId xmlns:a16="http://schemas.microsoft.com/office/drawing/2014/main" xmlns="" id="{D5921AE7-335D-E0CD-A8E3-8D2480D81C83}"/>
                 </a:ext>
               </a:extLst>
             </p:cNvPr>
@@ -26739,7 +27503,7 @@
             <p:cNvPr id="22" name="TextBox 21">
               <a:extLst>
                 <a:ext uri="{FF2B5EF4-FFF2-40B4-BE49-F238E27FC236}">
-                  <a16:creationId xmlns:a16="http://schemas.microsoft.com/office/drawing/2014/main" id="{BAE5CF89-18FF-762E-331B-F53BFD8DCD6B}"/>
+                  <a16:creationId xmlns:a16="http://schemas.microsoft.com/office/drawing/2014/main" xmlns="" id="{BAE5CF89-18FF-762E-331B-F53BFD8DCD6B}"/>
                 </a:ext>
               </a:extLst>
             </p:cNvPr>
@@ -26791,13 +27555,13 @@
   <p:clrMapOvr>
     <a:masterClrMapping/>
   </p:clrMapOvr>
-  <mc:AlternateContent xmlns:mc="http://schemas.openxmlformats.org/markup-compatibility/2006" xmlns:p159="http://schemas.microsoft.com/office/powerpoint/2015/09/main">
-    <mc:Choice Requires="p159">
+  <mc:AlternateContent xmlns:mc="http://schemas.openxmlformats.org/markup-compatibility/2006">
+    <mc:Choice xmlns:p159="http://schemas.microsoft.com/office/powerpoint/2015/09/main" xmlns="" Requires="p159">
       <p:transition xmlns:p14="http://schemas.microsoft.com/office/powerpoint/2010/main" spd="slow" p14:dur="2000" advTm="2000">
         <p159:morph option="byObject"/>
       </p:transition>
     </mc:Choice>
-    <mc:Fallback xmlns="">
+    <mc:Fallback>
       <p:transition spd="slow" advTm="2000">
         <p:fade/>
       </p:transition>
@@ -26828,7 +27592,7 @@
           <p:cNvPr id="6" name="Rounded Rectangle 5">
             <a:extLst>
               <a:ext uri="{FF2B5EF4-FFF2-40B4-BE49-F238E27FC236}">
-                <a16:creationId xmlns:a16="http://schemas.microsoft.com/office/drawing/2014/main" id="{079D50C5-FAF9-69C9-E581-B5318807CD15}"/>
+                <a16:creationId xmlns:a16="http://schemas.microsoft.com/office/drawing/2014/main" xmlns="" id="{079D50C5-FAF9-69C9-E581-B5318807CD15}"/>
               </a:ext>
             </a:extLst>
           </p:cNvPr>
@@ -26882,7 +27646,7 @@
           <p:cNvPr id="8" name="TextBox 7">
             <a:extLst>
               <a:ext uri="{FF2B5EF4-FFF2-40B4-BE49-F238E27FC236}">
-                <a16:creationId xmlns:a16="http://schemas.microsoft.com/office/drawing/2014/main" id="{17B2EE81-90D0-AEF5-195E-CD3BBEC1AAC8}"/>
+                <a16:creationId xmlns:a16="http://schemas.microsoft.com/office/drawing/2014/main" xmlns="" id="{17B2EE81-90D0-AEF5-195E-CD3BBEC1AAC8}"/>
               </a:ext>
             </a:extLst>
           </p:cNvPr>
@@ -26914,7 +27678,7 @@
           <p:cNvPr id="13" name="TextBox 12">
             <a:extLst>
               <a:ext uri="{FF2B5EF4-FFF2-40B4-BE49-F238E27FC236}">
-                <a16:creationId xmlns:a16="http://schemas.microsoft.com/office/drawing/2014/main" id="{194EC36A-72C0-5D97-08B6-18C18A96A95D}"/>
+                <a16:creationId xmlns:a16="http://schemas.microsoft.com/office/drawing/2014/main" xmlns="" id="{194EC36A-72C0-5D97-08B6-18C18A96A95D}"/>
               </a:ext>
             </a:extLst>
           </p:cNvPr>
@@ -26954,7 +27718,7 @@
           <p:cNvPr id="14" name="Rectangle 13">
             <a:extLst>
               <a:ext uri="{FF2B5EF4-FFF2-40B4-BE49-F238E27FC236}">
-                <a16:creationId xmlns:a16="http://schemas.microsoft.com/office/drawing/2014/main" id="{30610344-5073-9351-D254-6D8408C00B10}"/>
+                <a16:creationId xmlns:a16="http://schemas.microsoft.com/office/drawing/2014/main" xmlns="" id="{30610344-5073-9351-D254-6D8408C00B10}"/>
               </a:ext>
             </a:extLst>
           </p:cNvPr>
@@ -27001,7 +27765,7 @@
           <p:cNvPr id="2" name="TextBox 1">
             <a:extLst>
               <a:ext uri="{FF2B5EF4-FFF2-40B4-BE49-F238E27FC236}">
-                <a16:creationId xmlns:a16="http://schemas.microsoft.com/office/drawing/2014/main" id="{DB648E07-0ADA-3213-F04B-B618F86FE55A}"/>
+                <a16:creationId xmlns:a16="http://schemas.microsoft.com/office/drawing/2014/main" xmlns="" id="{DB648E07-0ADA-3213-F04B-B618F86FE55A}"/>
               </a:ext>
             </a:extLst>
           </p:cNvPr>
@@ -27050,7 +27814,7 @@
           <p:cNvPr id="4" name="Oval 3">
             <a:extLst>
               <a:ext uri="{FF2B5EF4-FFF2-40B4-BE49-F238E27FC236}">
-                <a16:creationId xmlns:a16="http://schemas.microsoft.com/office/drawing/2014/main" id="{B0419334-D010-AABC-F69E-4CE3A439194D}"/>
+                <a16:creationId xmlns:a16="http://schemas.microsoft.com/office/drawing/2014/main" xmlns="" id="{B0419334-D010-AABC-F69E-4CE3A439194D}"/>
               </a:ext>
             </a:extLst>
           </p:cNvPr>
@@ -27102,7 +27866,7 @@
           <p:cNvPr id="7" name="Rounded Rectangle 6">
             <a:extLst>
               <a:ext uri="{FF2B5EF4-FFF2-40B4-BE49-F238E27FC236}">
-                <a16:creationId xmlns:a16="http://schemas.microsoft.com/office/drawing/2014/main" id="{17CFD8EC-DAD6-2D70-BC4C-CA8D499F942E}"/>
+                <a16:creationId xmlns:a16="http://schemas.microsoft.com/office/drawing/2014/main" xmlns="" id="{17CFD8EC-DAD6-2D70-BC4C-CA8D499F942E}"/>
               </a:ext>
             </a:extLst>
           </p:cNvPr>
@@ -27161,18 +27925,9 @@
   <p:clrMapOvr>
     <a:masterClrMapping/>
   </p:clrMapOvr>
-  <mc:AlternateContent xmlns:mc="http://schemas.openxmlformats.org/markup-compatibility/2006">
-    <mc:Choice xmlns:p159="http://schemas.microsoft.com/office/powerpoint/2015/09/main" Requires="p159">
-      <p:transition xmlns:p14="http://schemas.microsoft.com/office/powerpoint/2010/main" spd="slow" p14:dur="2000" advTm="10000">
-        <p159:morph option="byObject"/>
-      </p:transition>
-    </mc:Choice>
-    <mc:Fallback>
-      <p:transition spd="slow" advTm="10000">
-        <p:fade/>
-      </p:transition>
-    </mc:Fallback>
-  </mc:AlternateContent>
+  <p:transition spd="slow" advTm="12000">
+    <p:fade/>
+  </p:transition>
 </p:sld>
 </file>
 
@@ -27198,7 +27953,7 @@
           <p:cNvPr id="2" name="Title 1">
             <a:extLst>
               <a:ext uri="{FF2B5EF4-FFF2-40B4-BE49-F238E27FC236}">
-                <a16:creationId xmlns:a16="http://schemas.microsoft.com/office/drawing/2014/main" id="{19833CA6-EE67-8657-0208-D676452D68C6}"/>
+                <a16:creationId xmlns:a16="http://schemas.microsoft.com/office/drawing/2014/main" xmlns="" id="{19833CA6-EE67-8657-0208-D676452D68C6}"/>
               </a:ext>
             </a:extLst>
           </p:cNvPr>
@@ -27243,7 +27998,7 @@
           <p:cNvPr id="3" name="Group 2">
             <a:extLst>
               <a:ext uri="{FF2B5EF4-FFF2-40B4-BE49-F238E27FC236}">
-                <a16:creationId xmlns:a16="http://schemas.microsoft.com/office/drawing/2014/main" id="{5E8426B0-850C-74A6-E746-9A2CCE228C72}"/>
+                <a16:creationId xmlns:a16="http://schemas.microsoft.com/office/drawing/2014/main" xmlns="" id="{5E8426B0-850C-74A6-E746-9A2CCE228C72}"/>
               </a:ext>
             </a:extLst>
           </p:cNvPr>
@@ -27263,7 +28018,7 @@
             <p:cNvPr id="7" name="Picture 6" descr="Icon&#10;&#10;Description automatically generated">
               <a:extLst>
                 <a:ext uri="{FF2B5EF4-FFF2-40B4-BE49-F238E27FC236}">
-                  <a16:creationId xmlns:a16="http://schemas.microsoft.com/office/drawing/2014/main" id="{31621293-258E-C867-F00D-FCB6788635CD}"/>
+                  <a16:creationId xmlns:a16="http://schemas.microsoft.com/office/drawing/2014/main" xmlns="" id="{31621293-258E-C867-F00D-FCB6788635CD}"/>
                 </a:ext>
               </a:extLst>
             </p:cNvPr>
@@ -27273,7 +28028,7 @@
             <p:nvPr/>
           </p:nvPicPr>
           <p:blipFill>
-            <a:blip r:embed="rId3">
+            <a:blip r:embed="rId3" cstate="print">
               <a:extLst>
                 <a:ext uri="{28A0092B-C50C-407E-A947-70E740481C1C}">
                   <a14:useLocalDpi xmlns:a14="http://schemas.microsoft.com/office/drawing/2010/main" val="0"/>
@@ -27299,7 +28054,7 @@
             <p:cNvPr id="10" name="TextBox 9">
               <a:extLst>
                 <a:ext uri="{FF2B5EF4-FFF2-40B4-BE49-F238E27FC236}">
-                  <a16:creationId xmlns:a16="http://schemas.microsoft.com/office/drawing/2014/main" id="{70B9EB3B-2A0E-6A22-9C50-89CBB3926991}"/>
+                  <a16:creationId xmlns:a16="http://schemas.microsoft.com/office/drawing/2014/main" xmlns="" id="{70B9EB3B-2A0E-6A22-9C50-89CBB3926991}"/>
                 </a:ext>
               </a:extLst>
             </p:cNvPr>
@@ -27345,7 +28100,7 @@
             <p:cNvPr id="12" name="Straight Arrow Connector 11">
               <a:extLst>
                 <a:ext uri="{FF2B5EF4-FFF2-40B4-BE49-F238E27FC236}">
-                  <a16:creationId xmlns:a16="http://schemas.microsoft.com/office/drawing/2014/main" id="{3E7E5DBB-3544-6DFD-A880-979CE70D22C3}"/>
+                  <a16:creationId xmlns:a16="http://schemas.microsoft.com/office/drawing/2014/main" xmlns="" id="{3E7E5DBB-3544-6DFD-A880-979CE70D22C3}"/>
                 </a:ext>
               </a:extLst>
             </p:cNvPr>
@@ -27387,7 +28142,7 @@
           <p:cNvPr id="19" name="Group 18">
             <a:extLst>
               <a:ext uri="{FF2B5EF4-FFF2-40B4-BE49-F238E27FC236}">
-                <a16:creationId xmlns:a16="http://schemas.microsoft.com/office/drawing/2014/main" id="{1CDC6B22-2CFA-EE8F-6954-A084183D0E8B}"/>
+                <a16:creationId xmlns:a16="http://schemas.microsoft.com/office/drawing/2014/main" xmlns="" id="{1CDC6B22-2CFA-EE8F-6954-A084183D0E8B}"/>
               </a:ext>
             </a:extLst>
           </p:cNvPr>
@@ -27407,7 +28162,7 @@
             <p:cNvPr id="20" name="Picture 19" descr="Logo&#10;&#10;Description automatically generated">
               <a:extLst>
                 <a:ext uri="{FF2B5EF4-FFF2-40B4-BE49-F238E27FC236}">
-                  <a16:creationId xmlns:a16="http://schemas.microsoft.com/office/drawing/2014/main" id="{A126A024-1A2F-A24D-4B7E-B4B42767968F}"/>
+                  <a16:creationId xmlns:a16="http://schemas.microsoft.com/office/drawing/2014/main" xmlns="" id="{A126A024-1A2F-A24D-4B7E-B4B42767968F}"/>
                 </a:ext>
               </a:extLst>
             </p:cNvPr>
@@ -27417,7 +28172,7 @@
             <p:nvPr/>
           </p:nvPicPr>
           <p:blipFill>
-            <a:blip r:embed="rId4">
+            <a:blip r:embed="rId4" cstate="print">
               <a:extLst>
                 <a:ext uri="{28A0092B-C50C-407E-A947-70E740481C1C}">
                   <a14:useLocalDpi xmlns:a14="http://schemas.microsoft.com/office/drawing/2010/main" val="0"/>
@@ -27443,7 +28198,7 @@
             <p:cNvPr id="21" name="Straight Arrow Connector 20">
               <a:extLst>
                 <a:ext uri="{FF2B5EF4-FFF2-40B4-BE49-F238E27FC236}">
-                  <a16:creationId xmlns:a16="http://schemas.microsoft.com/office/drawing/2014/main" id="{D5921AE7-335D-E0CD-A8E3-8D2480D81C83}"/>
+                  <a16:creationId xmlns:a16="http://schemas.microsoft.com/office/drawing/2014/main" xmlns="" id="{D5921AE7-335D-E0CD-A8E3-8D2480D81C83}"/>
                 </a:ext>
               </a:extLst>
             </p:cNvPr>
@@ -27484,7 +28239,7 @@
             <p:cNvPr id="22" name="TextBox 21">
               <a:extLst>
                 <a:ext uri="{FF2B5EF4-FFF2-40B4-BE49-F238E27FC236}">
-                  <a16:creationId xmlns:a16="http://schemas.microsoft.com/office/drawing/2014/main" id="{BAE5CF89-18FF-762E-331B-F53BFD8DCD6B}"/>
+                  <a16:creationId xmlns:a16="http://schemas.microsoft.com/office/drawing/2014/main" xmlns="" id="{BAE5CF89-18FF-762E-331B-F53BFD8DCD6B}"/>
                 </a:ext>
               </a:extLst>
             </p:cNvPr>
@@ -27531,7 +28286,7 @@
           <p:cNvPr id="4" name="Title 1">
             <a:extLst>
               <a:ext uri="{FF2B5EF4-FFF2-40B4-BE49-F238E27FC236}">
-                <a16:creationId xmlns:a16="http://schemas.microsoft.com/office/drawing/2014/main" id="{3CC585C7-2D0C-66A1-8EEA-8636559AD858}"/>
+                <a16:creationId xmlns:a16="http://schemas.microsoft.com/office/drawing/2014/main" xmlns="" id="{3CC585C7-2D0C-66A1-8EEA-8636559AD858}"/>
               </a:ext>
             </a:extLst>
           </p:cNvPr>
@@ -27602,13 +28357,13 @@
   <p:clrMapOvr>
     <a:masterClrMapping/>
   </p:clrMapOvr>
-  <mc:AlternateContent xmlns:mc="http://schemas.openxmlformats.org/markup-compatibility/2006" xmlns:p159="http://schemas.microsoft.com/office/powerpoint/2015/09/main">
-    <mc:Choice Requires="p159">
+  <mc:AlternateContent xmlns:mc="http://schemas.openxmlformats.org/markup-compatibility/2006">
+    <mc:Choice xmlns:p159="http://schemas.microsoft.com/office/powerpoint/2015/09/main" xmlns="" Requires="p159">
       <p:transition xmlns:p14="http://schemas.microsoft.com/office/powerpoint/2010/main" spd="slow" p14:dur="2000" advTm="2000">
         <p159:morph option="byObject"/>
       </p:transition>
     </mc:Choice>
-    <mc:Fallback xmlns="">
+    <mc:Fallback>
       <p:transition spd="slow" advTm="2000">
         <p:fade/>
       </p:transition>
@@ -27639,7 +28394,7 @@
           <p:cNvPr id="2" name="Title 1">
             <a:extLst>
               <a:ext uri="{FF2B5EF4-FFF2-40B4-BE49-F238E27FC236}">
-                <a16:creationId xmlns:a16="http://schemas.microsoft.com/office/drawing/2014/main" id="{19833CA6-EE67-8657-0208-D676452D68C6}"/>
+                <a16:creationId xmlns:a16="http://schemas.microsoft.com/office/drawing/2014/main" xmlns="" id="{19833CA6-EE67-8657-0208-D676452D68C6}"/>
               </a:ext>
             </a:extLst>
           </p:cNvPr>
@@ -27684,7 +28439,7 @@
           <p:cNvPr id="19" name="Group 18">
             <a:extLst>
               <a:ext uri="{FF2B5EF4-FFF2-40B4-BE49-F238E27FC236}">
-                <a16:creationId xmlns:a16="http://schemas.microsoft.com/office/drawing/2014/main" id="{1CDC6B22-2CFA-EE8F-6954-A084183D0E8B}"/>
+                <a16:creationId xmlns:a16="http://schemas.microsoft.com/office/drawing/2014/main" xmlns="" id="{1CDC6B22-2CFA-EE8F-6954-A084183D0E8B}"/>
               </a:ext>
             </a:extLst>
           </p:cNvPr>
@@ -27704,7 +28459,7 @@
             <p:cNvPr id="20" name="Picture 19" descr="Logo&#10;&#10;Description automatically generated">
               <a:extLst>
                 <a:ext uri="{FF2B5EF4-FFF2-40B4-BE49-F238E27FC236}">
-                  <a16:creationId xmlns:a16="http://schemas.microsoft.com/office/drawing/2014/main" id="{A126A024-1A2F-A24D-4B7E-B4B42767968F}"/>
+                  <a16:creationId xmlns:a16="http://schemas.microsoft.com/office/drawing/2014/main" xmlns="" id="{A126A024-1A2F-A24D-4B7E-B4B42767968F}"/>
                 </a:ext>
               </a:extLst>
             </p:cNvPr>
@@ -27714,7 +28469,7 @@
             <p:nvPr/>
           </p:nvPicPr>
           <p:blipFill>
-            <a:blip r:embed="rId3">
+            <a:blip r:embed="rId3" cstate="print">
               <a:extLst>
                 <a:ext uri="{28A0092B-C50C-407E-A947-70E740481C1C}">
                   <a14:useLocalDpi xmlns:a14="http://schemas.microsoft.com/office/drawing/2010/main" val="0"/>
@@ -27740,7 +28495,7 @@
             <p:cNvPr id="21" name="Straight Arrow Connector 20">
               <a:extLst>
                 <a:ext uri="{FF2B5EF4-FFF2-40B4-BE49-F238E27FC236}">
-                  <a16:creationId xmlns:a16="http://schemas.microsoft.com/office/drawing/2014/main" id="{D5921AE7-335D-E0CD-A8E3-8D2480D81C83}"/>
+                  <a16:creationId xmlns:a16="http://schemas.microsoft.com/office/drawing/2014/main" xmlns="" id="{D5921AE7-335D-E0CD-A8E3-8D2480D81C83}"/>
                 </a:ext>
               </a:extLst>
             </p:cNvPr>
@@ -27781,7 +28536,7 @@
             <p:cNvPr id="22" name="TextBox 21">
               <a:extLst>
                 <a:ext uri="{FF2B5EF4-FFF2-40B4-BE49-F238E27FC236}">
-                  <a16:creationId xmlns:a16="http://schemas.microsoft.com/office/drawing/2014/main" id="{BAE5CF89-18FF-762E-331B-F53BFD8DCD6B}"/>
+                  <a16:creationId xmlns:a16="http://schemas.microsoft.com/office/drawing/2014/main" xmlns="" id="{BAE5CF89-18FF-762E-331B-F53BFD8DCD6B}"/>
                 </a:ext>
               </a:extLst>
             </p:cNvPr>
@@ -27828,7 +28583,7 @@
           <p:cNvPr id="4" name="Title 1">
             <a:extLst>
               <a:ext uri="{FF2B5EF4-FFF2-40B4-BE49-F238E27FC236}">
-                <a16:creationId xmlns:a16="http://schemas.microsoft.com/office/drawing/2014/main" id="{3CC585C7-2D0C-66A1-8EEA-8636559AD858}"/>
+                <a16:creationId xmlns:a16="http://schemas.microsoft.com/office/drawing/2014/main" xmlns="" id="{3CC585C7-2D0C-66A1-8EEA-8636559AD858}"/>
               </a:ext>
             </a:extLst>
           </p:cNvPr>
@@ -27894,7 +28649,7 @@
           <p:cNvPr id="5" name="Title 1">
             <a:extLst>
               <a:ext uri="{FF2B5EF4-FFF2-40B4-BE49-F238E27FC236}">
-                <a16:creationId xmlns:a16="http://schemas.microsoft.com/office/drawing/2014/main" id="{45798F5C-C826-5004-683F-1D8D55BAC81A}"/>
+                <a16:creationId xmlns:a16="http://schemas.microsoft.com/office/drawing/2014/main" xmlns="" id="{45798F5C-C826-5004-683F-1D8D55BAC81A}"/>
               </a:ext>
             </a:extLst>
           </p:cNvPr>
@@ -27965,13 +28720,13 @@
   <p:clrMapOvr>
     <a:masterClrMapping/>
   </p:clrMapOvr>
-  <mc:AlternateContent xmlns:mc="http://schemas.openxmlformats.org/markup-compatibility/2006" xmlns:p159="http://schemas.microsoft.com/office/powerpoint/2015/09/main">
-    <mc:Choice Requires="p159">
+  <mc:AlternateContent xmlns:mc="http://schemas.openxmlformats.org/markup-compatibility/2006">
+    <mc:Choice xmlns:p159="http://schemas.microsoft.com/office/powerpoint/2015/09/main" xmlns="" Requires="p159">
       <p:transition xmlns:p14="http://schemas.microsoft.com/office/powerpoint/2010/main" spd="slow" p14:dur="2000" advTm="1000">
         <p159:morph option="byObject"/>
       </p:transition>
     </mc:Choice>
-    <mc:Fallback xmlns="">
+    <mc:Fallback>
       <p:transition spd="slow" advTm="1000">
         <p:fade/>
       </p:transition>
@@ -28002,7 +28757,7 @@
           <p:cNvPr id="2" name="Title 1">
             <a:extLst>
               <a:ext uri="{FF2B5EF4-FFF2-40B4-BE49-F238E27FC236}">
-                <a16:creationId xmlns:a16="http://schemas.microsoft.com/office/drawing/2014/main" id="{19833CA6-EE67-8657-0208-D676452D68C6}"/>
+                <a16:creationId xmlns:a16="http://schemas.microsoft.com/office/drawing/2014/main" xmlns="" id="{19833CA6-EE67-8657-0208-D676452D68C6}"/>
               </a:ext>
             </a:extLst>
           </p:cNvPr>
@@ -28047,7 +28802,7 @@
           <p:cNvPr id="3" name="Group 2">
             <a:extLst>
               <a:ext uri="{FF2B5EF4-FFF2-40B4-BE49-F238E27FC236}">
-                <a16:creationId xmlns:a16="http://schemas.microsoft.com/office/drawing/2014/main" id="{5E8426B0-850C-74A6-E746-9A2CCE228C72}"/>
+                <a16:creationId xmlns:a16="http://schemas.microsoft.com/office/drawing/2014/main" xmlns="" id="{5E8426B0-850C-74A6-E746-9A2CCE228C72}"/>
               </a:ext>
             </a:extLst>
           </p:cNvPr>
@@ -28067,7 +28822,7 @@
             <p:cNvPr id="7" name="Picture 6" descr="Icon&#10;&#10;Description automatically generated">
               <a:extLst>
                 <a:ext uri="{FF2B5EF4-FFF2-40B4-BE49-F238E27FC236}">
-                  <a16:creationId xmlns:a16="http://schemas.microsoft.com/office/drawing/2014/main" id="{31621293-258E-C867-F00D-FCB6788635CD}"/>
+                  <a16:creationId xmlns:a16="http://schemas.microsoft.com/office/drawing/2014/main" xmlns="" id="{31621293-258E-C867-F00D-FCB6788635CD}"/>
                 </a:ext>
               </a:extLst>
             </p:cNvPr>
@@ -28077,7 +28832,7 @@
             <p:nvPr/>
           </p:nvPicPr>
           <p:blipFill>
-            <a:blip r:embed="rId3">
+            <a:blip r:embed="rId3" cstate="print">
               <a:extLst>
                 <a:ext uri="{28A0092B-C50C-407E-A947-70E740481C1C}">
                   <a14:useLocalDpi xmlns:a14="http://schemas.microsoft.com/office/drawing/2010/main" val="0"/>
@@ -28103,7 +28858,7 @@
             <p:cNvPr id="10" name="TextBox 9">
               <a:extLst>
                 <a:ext uri="{FF2B5EF4-FFF2-40B4-BE49-F238E27FC236}">
-                  <a16:creationId xmlns:a16="http://schemas.microsoft.com/office/drawing/2014/main" id="{70B9EB3B-2A0E-6A22-9C50-89CBB3926991}"/>
+                  <a16:creationId xmlns:a16="http://schemas.microsoft.com/office/drawing/2014/main" xmlns="" id="{70B9EB3B-2A0E-6A22-9C50-89CBB3926991}"/>
                 </a:ext>
               </a:extLst>
             </p:cNvPr>
@@ -28149,7 +28904,7 @@
             <p:cNvPr id="12" name="Straight Arrow Connector 11">
               <a:extLst>
                 <a:ext uri="{FF2B5EF4-FFF2-40B4-BE49-F238E27FC236}">
-                  <a16:creationId xmlns:a16="http://schemas.microsoft.com/office/drawing/2014/main" id="{3E7E5DBB-3544-6DFD-A880-979CE70D22C3}"/>
+                  <a16:creationId xmlns:a16="http://schemas.microsoft.com/office/drawing/2014/main" xmlns="" id="{3E7E5DBB-3544-6DFD-A880-979CE70D22C3}"/>
                 </a:ext>
               </a:extLst>
             </p:cNvPr>
@@ -28191,7 +28946,7 @@
           <p:cNvPr id="4" name="Group 3">
             <a:extLst>
               <a:ext uri="{FF2B5EF4-FFF2-40B4-BE49-F238E27FC236}">
-                <a16:creationId xmlns:a16="http://schemas.microsoft.com/office/drawing/2014/main" id="{263FB01E-A57C-37E7-03EF-B60C39BECA1A}"/>
+                <a16:creationId xmlns:a16="http://schemas.microsoft.com/office/drawing/2014/main" xmlns="" id="{263FB01E-A57C-37E7-03EF-B60C39BECA1A}"/>
               </a:ext>
             </a:extLst>
           </p:cNvPr>
@@ -28211,7 +28966,7 @@
             <p:cNvPr id="9" name="Picture 8" descr="Logo&#10;&#10;Description automatically generated">
               <a:extLst>
                 <a:ext uri="{FF2B5EF4-FFF2-40B4-BE49-F238E27FC236}">
-                  <a16:creationId xmlns:a16="http://schemas.microsoft.com/office/drawing/2014/main" id="{F75AF33A-CA05-C09F-9BCA-1EA24C1C83C7}"/>
+                  <a16:creationId xmlns:a16="http://schemas.microsoft.com/office/drawing/2014/main" xmlns="" id="{F75AF33A-CA05-C09F-9BCA-1EA24C1C83C7}"/>
                 </a:ext>
               </a:extLst>
             </p:cNvPr>
@@ -28221,7 +28976,7 @@
             <p:nvPr/>
           </p:nvPicPr>
           <p:blipFill>
-            <a:blip r:embed="rId4">
+            <a:blip r:embed="rId4" cstate="print">
               <a:extLst>
                 <a:ext uri="{28A0092B-C50C-407E-A947-70E740481C1C}">
                   <a14:useLocalDpi xmlns:a14="http://schemas.microsoft.com/office/drawing/2010/main" val="0"/>
@@ -28247,7 +29002,7 @@
             <p:cNvPr id="16" name="Straight Arrow Connector 15">
               <a:extLst>
                 <a:ext uri="{FF2B5EF4-FFF2-40B4-BE49-F238E27FC236}">
-                  <a16:creationId xmlns:a16="http://schemas.microsoft.com/office/drawing/2014/main" id="{67A6AE23-3125-C463-7D75-C01286F6EE88}"/>
+                  <a16:creationId xmlns:a16="http://schemas.microsoft.com/office/drawing/2014/main" xmlns="" id="{67A6AE23-3125-C463-7D75-C01286F6EE88}"/>
                 </a:ext>
               </a:extLst>
             </p:cNvPr>
@@ -28288,7 +29043,7 @@
             <p:cNvPr id="17" name="TextBox 16">
               <a:extLst>
                 <a:ext uri="{FF2B5EF4-FFF2-40B4-BE49-F238E27FC236}">
-                  <a16:creationId xmlns:a16="http://schemas.microsoft.com/office/drawing/2014/main" id="{29DADF9C-CB6D-033F-77CE-B155A509D7FF}"/>
+                  <a16:creationId xmlns:a16="http://schemas.microsoft.com/office/drawing/2014/main" xmlns="" id="{29DADF9C-CB6D-033F-77CE-B155A509D7FF}"/>
                 </a:ext>
               </a:extLst>
             </p:cNvPr>
@@ -28340,13 +29095,13 @@
   <p:clrMapOvr>
     <a:masterClrMapping/>
   </p:clrMapOvr>
-  <mc:AlternateContent xmlns:mc="http://schemas.openxmlformats.org/markup-compatibility/2006" xmlns:p159="http://schemas.microsoft.com/office/powerpoint/2015/09/main">
-    <mc:Choice Requires="p159">
+  <mc:AlternateContent xmlns:mc="http://schemas.openxmlformats.org/markup-compatibility/2006">
+    <mc:Choice xmlns:p159="http://schemas.microsoft.com/office/powerpoint/2015/09/main" xmlns="" Requires="p159">
       <p:transition xmlns:p14="http://schemas.microsoft.com/office/powerpoint/2010/main" spd="slow" p14:dur="2000" advTm="11000">
         <p159:morph option="byObject"/>
       </p:transition>
     </mc:Choice>
-    <mc:Fallback xmlns="">
+    <mc:Fallback>
       <p:transition spd="slow" advTm="11000">
         <p:fade/>
       </p:transition>
@@ -28377,7 +29132,7 @@
           <p:cNvPr id="4" name="Title 1">
             <a:extLst>
               <a:ext uri="{FF2B5EF4-FFF2-40B4-BE49-F238E27FC236}">
-                <a16:creationId xmlns:a16="http://schemas.microsoft.com/office/drawing/2014/main" id="{F574B43A-7C76-6541-637D-E846FE24E5A0}"/>
+                <a16:creationId xmlns:a16="http://schemas.microsoft.com/office/drawing/2014/main" xmlns="" id="{F574B43A-7C76-6541-637D-E846FE24E5A0}"/>
               </a:ext>
             </a:extLst>
           </p:cNvPr>
@@ -28422,7 +29177,7 @@
           <p:cNvPr id="2" name="Group 1">
             <a:extLst>
               <a:ext uri="{FF2B5EF4-FFF2-40B4-BE49-F238E27FC236}">
-                <a16:creationId xmlns:a16="http://schemas.microsoft.com/office/drawing/2014/main" id="{F050C03A-2851-067E-066B-29FC815F589A}"/>
+                <a16:creationId xmlns:a16="http://schemas.microsoft.com/office/drawing/2014/main" xmlns="" id="{F050C03A-2851-067E-066B-29FC815F589A}"/>
               </a:ext>
             </a:extLst>
           </p:cNvPr>
@@ -28442,7 +29197,7 @@
             <p:cNvPr id="6" name="Graphic 5">
               <a:extLst>
                 <a:ext uri="{FF2B5EF4-FFF2-40B4-BE49-F238E27FC236}">
-                  <a16:creationId xmlns:a16="http://schemas.microsoft.com/office/drawing/2014/main" id="{AFF250F9-529D-24A3-E9CC-EEFAF2270B0E}"/>
+                  <a16:creationId xmlns:a16="http://schemas.microsoft.com/office/drawing/2014/main" xmlns="" id="{AFF250F9-529D-24A3-E9CC-EEFAF2270B0E}"/>
                 </a:ext>
               </a:extLst>
             </p:cNvPr>
@@ -28452,13 +29207,13 @@
             <p:nvPr/>
           </p:nvPicPr>
           <p:blipFill>
-            <a:blip r:embed="rId3">
+            <a:blip r:embed="rId3" cstate="print">
               <a:extLst>
                 <a:ext uri="{28A0092B-C50C-407E-A947-70E740481C1C}">
                   <a14:useLocalDpi xmlns:a14="http://schemas.microsoft.com/office/drawing/2010/main" val="0"/>
                 </a:ext>
                 <a:ext uri="{96DAC541-7B7A-43D3-8B79-37D633B846F1}">
-                  <asvg:svgBlip xmlns:asvg="http://schemas.microsoft.com/office/drawing/2016/SVG/main" r:embed="rId4"/>
+                  <asvg:svgBlip xmlns:asvg="http://schemas.microsoft.com/office/drawing/2016/SVG/main" xmlns="" r:embed="rId4"/>
                 </a:ext>
               </a:extLst>
             </a:blip>
@@ -28481,7 +29236,7 @@
             <p:cNvPr id="7" name="TextBox 6">
               <a:extLst>
                 <a:ext uri="{FF2B5EF4-FFF2-40B4-BE49-F238E27FC236}">
-                  <a16:creationId xmlns:a16="http://schemas.microsoft.com/office/drawing/2014/main" id="{F62AA38C-7FC6-8ABB-F2BC-8493B3CD7F36}"/>
+                  <a16:creationId xmlns:a16="http://schemas.microsoft.com/office/drawing/2014/main" xmlns="" id="{F62AA38C-7FC6-8ABB-F2BC-8493B3CD7F36}"/>
                 </a:ext>
               </a:extLst>
             </p:cNvPr>
@@ -28527,7 +29282,7 @@
             <p:cNvPr id="8" name="Straight Arrow Connector 7">
               <a:extLst>
                 <a:ext uri="{FF2B5EF4-FFF2-40B4-BE49-F238E27FC236}">
-                  <a16:creationId xmlns:a16="http://schemas.microsoft.com/office/drawing/2014/main" id="{0F43F329-8FEE-D863-B533-E5982A4C2D4B}"/>
+                  <a16:creationId xmlns:a16="http://schemas.microsoft.com/office/drawing/2014/main" xmlns="" id="{0F43F329-8FEE-D863-B533-E5982A4C2D4B}"/>
                 </a:ext>
               </a:extLst>
             </p:cNvPr>
@@ -28569,7 +29324,7 @@
           <p:cNvPr id="3" name="Group 2">
             <a:extLst>
               <a:ext uri="{FF2B5EF4-FFF2-40B4-BE49-F238E27FC236}">
-                <a16:creationId xmlns:a16="http://schemas.microsoft.com/office/drawing/2014/main" id="{8219894B-0AC1-AC6E-9D79-2821FFAB69AA}"/>
+                <a16:creationId xmlns:a16="http://schemas.microsoft.com/office/drawing/2014/main" xmlns="" id="{8219894B-0AC1-AC6E-9D79-2821FFAB69AA}"/>
               </a:ext>
             </a:extLst>
           </p:cNvPr>
@@ -28589,7 +29344,7 @@
             <p:cNvPr id="10" name="Picture 9" descr="Icon&#10;&#10;Description automatically generated">
               <a:extLst>
                 <a:ext uri="{FF2B5EF4-FFF2-40B4-BE49-F238E27FC236}">
-                  <a16:creationId xmlns:a16="http://schemas.microsoft.com/office/drawing/2014/main" id="{EFC91669-744B-6621-8BE7-D4B8D0FCD7BD}"/>
+                  <a16:creationId xmlns:a16="http://schemas.microsoft.com/office/drawing/2014/main" xmlns="" id="{EFC91669-744B-6621-8BE7-D4B8D0FCD7BD}"/>
                 </a:ext>
               </a:extLst>
             </p:cNvPr>
@@ -28599,7 +29354,7 @@
             <p:nvPr/>
           </p:nvPicPr>
           <p:blipFill>
-            <a:blip r:embed="rId5">
+            <a:blip r:embed="rId5" cstate="print">
               <a:extLst>
                 <a:ext uri="{28A0092B-C50C-407E-A947-70E740481C1C}">
                   <a14:useLocalDpi xmlns:a14="http://schemas.microsoft.com/office/drawing/2010/main" val="0"/>
@@ -28625,7 +29380,7 @@
             <p:cNvPr id="11" name="TextBox 10">
               <a:extLst>
                 <a:ext uri="{FF2B5EF4-FFF2-40B4-BE49-F238E27FC236}">
-                  <a16:creationId xmlns:a16="http://schemas.microsoft.com/office/drawing/2014/main" id="{EE59F57E-F69F-CA7D-9A2A-97319D2B6705}"/>
+                  <a16:creationId xmlns:a16="http://schemas.microsoft.com/office/drawing/2014/main" xmlns="" id="{EE59F57E-F69F-CA7D-9A2A-97319D2B6705}"/>
                 </a:ext>
               </a:extLst>
             </p:cNvPr>
@@ -28671,7 +29426,7 @@
             <p:cNvPr id="12" name="Straight Arrow Connector 11">
               <a:extLst>
                 <a:ext uri="{FF2B5EF4-FFF2-40B4-BE49-F238E27FC236}">
-                  <a16:creationId xmlns:a16="http://schemas.microsoft.com/office/drawing/2014/main" id="{DA6ED82F-2243-6860-AF71-C0ECD372A390}"/>
+                  <a16:creationId xmlns:a16="http://schemas.microsoft.com/office/drawing/2014/main" xmlns="" id="{DA6ED82F-2243-6860-AF71-C0ECD372A390}"/>
                 </a:ext>
               </a:extLst>
             </p:cNvPr>
@@ -28713,7 +29468,7 @@
           <p:cNvPr id="5" name="Group 4">
             <a:extLst>
               <a:ext uri="{FF2B5EF4-FFF2-40B4-BE49-F238E27FC236}">
-                <a16:creationId xmlns:a16="http://schemas.microsoft.com/office/drawing/2014/main" id="{A15DAA81-9A0A-A9FD-F5C0-6EED15B02613}"/>
+                <a16:creationId xmlns:a16="http://schemas.microsoft.com/office/drawing/2014/main" xmlns="" id="{A15DAA81-9A0A-A9FD-F5C0-6EED15B02613}"/>
               </a:ext>
             </a:extLst>
           </p:cNvPr>
@@ -28733,7 +29488,7 @@
             <p:cNvPr id="14" name="Picture 13" descr="A picture containing icon&#10;&#10;Description automatically generated">
               <a:extLst>
                 <a:ext uri="{FF2B5EF4-FFF2-40B4-BE49-F238E27FC236}">
-                  <a16:creationId xmlns:a16="http://schemas.microsoft.com/office/drawing/2014/main" id="{1BBD7E7E-06BB-A7A7-3521-E38F27CEDF5A}"/>
+                  <a16:creationId xmlns:a16="http://schemas.microsoft.com/office/drawing/2014/main" xmlns="" id="{1BBD7E7E-06BB-A7A7-3521-E38F27CEDF5A}"/>
                 </a:ext>
               </a:extLst>
             </p:cNvPr>
@@ -28743,7 +29498,7 @@
             <p:nvPr/>
           </p:nvPicPr>
           <p:blipFill>
-            <a:blip r:embed="rId6">
+            <a:blip r:embed="rId6" cstate="print">
               <a:extLst>
                 <a:ext uri="{28A0092B-C50C-407E-A947-70E740481C1C}">
                   <a14:useLocalDpi xmlns:a14="http://schemas.microsoft.com/office/drawing/2010/main" val="0"/>
@@ -28769,7 +29524,7 @@
             <p:cNvPr id="15" name="TextBox 14">
               <a:extLst>
                 <a:ext uri="{FF2B5EF4-FFF2-40B4-BE49-F238E27FC236}">
-                  <a16:creationId xmlns:a16="http://schemas.microsoft.com/office/drawing/2014/main" id="{1D9BD0A5-8A40-E6CD-384E-8B24A1F0602C}"/>
+                  <a16:creationId xmlns:a16="http://schemas.microsoft.com/office/drawing/2014/main" xmlns="" id="{1D9BD0A5-8A40-E6CD-384E-8B24A1F0602C}"/>
                 </a:ext>
               </a:extLst>
             </p:cNvPr>
@@ -28815,7 +29570,7 @@
             <p:cNvPr id="16" name="Straight Arrow Connector 15">
               <a:extLst>
                 <a:ext uri="{FF2B5EF4-FFF2-40B4-BE49-F238E27FC236}">
-                  <a16:creationId xmlns:a16="http://schemas.microsoft.com/office/drawing/2014/main" id="{179F42E3-C679-D8D5-2524-9673460207DE}"/>
+                  <a16:creationId xmlns:a16="http://schemas.microsoft.com/office/drawing/2014/main" xmlns="" id="{179F42E3-C679-D8D5-2524-9673460207DE}"/>
                 </a:ext>
               </a:extLst>
             </p:cNvPr>
@@ -28857,7 +29612,7 @@
           <p:cNvPr id="9" name="Group 8">
             <a:extLst>
               <a:ext uri="{FF2B5EF4-FFF2-40B4-BE49-F238E27FC236}">
-                <a16:creationId xmlns:a16="http://schemas.microsoft.com/office/drawing/2014/main" id="{9FF51EDE-764C-F775-8868-2C86082F7D43}"/>
+                <a16:creationId xmlns:a16="http://schemas.microsoft.com/office/drawing/2014/main" xmlns="" id="{9FF51EDE-764C-F775-8868-2C86082F7D43}"/>
               </a:ext>
             </a:extLst>
           </p:cNvPr>
@@ -28877,7 +29632,7 @@
             <p:cNvPr id="18" name="Picture 17" descr="Shape&#10;&#10;Description automatically generated with low confidence">
               <a:extLst>
                 <a:ext uri="{FF2B5EF4-FFF2-40B4-BE49-F238E27FC236}">
-                  <a16:creationId xmlns:a16="http://schemas.microsoft.com/office/drawing/2014/main" id="{8EA8C6E4-D7D9-821C-11B2-F9290ACB7A1C}"/>
+                  <a16:creationId xmlns:a16="http://schemas.microsoft.com/office/drawing/2014/main" xmlns="" id="{8EA8C6E4-D7D9-821C-11B2-F9290ACB7A1C}"/>
                 </a:ext>
               </a:extLst>
             </p:cNvPr>
@@ -28887,7 +29642,7 @@
             <p:nvPr/>
           </p:nvPicPr>
           <p:blipFill>
-            <a:blip r:embed="rId7">
+            <a:blip r:embed="rId7" cstate="print">
               <a:extLst>
                 <a:ext uri="{28A0092B-C50C-407E-A947-70E740481C1C}">
                   <a14:useLocalDpi xmlns:a14="http://schemas.microsoft.com/office/drawing/2010/main" val="0"/>
@@ -28913,7 +29668,7 @@
             <p:cNvPr id="19" name="TextBox 18">
               <a:extLst>
                 <a:ext uri="{FF2B5EF4-FFF2-40B4-BE49-F238E27FC236}">
-                  <a16:creationId xmlns:a16="http://schemas.microsoft.com/office/drawing/2014/main" id="{392721C4-0AE0-65ED-1A1A-270A339A3A7F}"/>
+                  <a16:creationId xmlns:a16="http://schemas.microsoft.com/office/drawing/2014/main" xmlns="" id="{392721C4-0AE0-65ED-1A1A-270A339A3A7F}"/>
                 </a:ext>
               </a:extLst>
             </p:cNvPr>
@@ -28953,7 +29708,7 @@
             <p:cNvPr id="20" name="Straight Arrow Connector 19">
               <a:extLst>
                 <a:ext uri="{FF2B5EF4-FFF2-40B4-BE49-F238E27FC236}">
-                  <a16:creationId xmlns:a16="http://schemas.microsoft.com/office/drawing/2014/main" id="{46069B02-1F84-ED8E-1104-00E97C16E9A5}"/>
+                  <a16:creationId xmlns:a16="http://schemas.microsoft.com/office/drawing/2014/main" xmlns="" id="{46069B02-1F84-ED8E-1104-00E97C16E9A5}"/>
                 </a:ext>
               </a:extLst>
             </p:cNvPr>
@@ -28995,7 +29750,7 @@
           <p:cNvPr id="13" name="Group 12">
             <a:extLst>
               <a:ext uri="{FF2B5EF4-FFF2-40B4-BE49-F238E27FC236}">
-                <a16:creationId xmlns:a16="http://schemas.microsoft.com/office/drawing/2014/main" id="{2A5E8863-8E41-7CE8-540D-3D4860C51E62}"/>
+                <a16:creationId xmlns:a16="http://schemas.microsoft.com/office/drawing/2014/main" xmlns="" id="{2A5E8863-8E41-7CE8-540D-3D4860C51E62}"/>
               </a:ext>
             </a:extLst>
           </p:cNvPr>
@@ -29015,7 +29770,7 @@
             <p:cNvPr id="21" name="Picture 20">
               <a:extLst>
                 <a:ext uri="{FF2B5EF4-FFF2-40B4-BE49-F238E27FC236}">
-                  <a16:creationId xmlns:a16="http://schemas.microsoft.com/office/drawing/2014/main" id="{186273F6-7698-3079-7005-2B4D7346CFF1}"/>
+                  <a16:creationId xmlns:a16="http://schemas.microsoft.com/office/drawing/2014/main" xmlns="" id="{186273F6-7698-3079-7005-2B4D7346CFF1}"/>
                 </a:ext>
               </a:extLst>
             </p:cNvPr>
@@ -29045,7 +29800,7 @@
             <p:cNvPr id="22" name="TextBox 21">
               <a:extLst>
                 <a:ext uri="{FF2B5EF4-FFF2-40B4-BE49-F238E27FC236}">
-                  <a16:creationId xmlns:a16="http://schemas.microsoft.com/office/drawing/2014/main" id="{BEC99C1F-38FD-D616-75D8-F59C0BAA5004}"/>
+                  <a16:creationId xmlns:a16="http://schemas.microsoft.com/office/drawing/2014/main" xmlns="" id="{BEC99C1F-38FD-D616-75D8-F59C0BAA5004}"/>
                 </a:ext>
               </a:extLst>
             </p:cNvPr>
@@ -29085,7 +29840,7 @@
             <p:cNvPr id="23" name="Straight Arrow Connector 22">
               <a:extLst>
                 <a:ext uri="{FF2B5EF4-FFF2-40B4-BE49-F238E27FC236}">
-                  <a16:creationId xmlns:a16="http://schemas.microsoft.com/office/drawing/2014/main" id="{4888852B-2FF6-3177-F1BF-44BF8BAD4456}"/>
+                  <a16:creationId xmlns:a16="http://schemas.microsoft.com/office/drawing/2014/main" xmlns="" id="{4888852B-2FF6-3177-F1BF-44BF8BAD4456}"/>
                 </a:ext>
               </a:extLst>
             </p:cNvPr>
@@ -29133,7 +29888,7 @@
     <a:masterClrMapping/>
   </p:clrMapOvr>
   <mc:AlternateContent xmlns:mc="http://schemas.openxmlformats.org/markup-compatibility/2006">
-    <mc:Choice xmlns:p159="http://schemas.microsoft.com/office/powerpoint/2015/09/main" Requires="p159">
+    <mc:Choice xmlns:p159="http://schemas.microsoft.com/office/powerpoint/2015/09/main" xmlns="" Requires="p159">
       <p:transition xmlns:p14="http://schemas.microsoft.com/office/powerpoint/2010/main" spd="slow" p14:dur="2000" advTm="6200">
         <p159:morph option="byObject"/>
       </p:transition>
@@ -29651,7 +30406,7 @@
           <p:cNvPr id="2" name="Graphic 1" descr="Laptop with solid fill">
             <a:extLst>
               <a:ext uri="{FF2B5EF4-FFF2-40B4-BE49-F238E27FC236}">
-                <a16:creationId xmlns:a16="http://schemas.microsoft.com/office/drawing/2014/main" id="{5E770A0A-5799-B8DB-40CF-E252556FC22E}"/>
+                <a16:creationId xmlns:a16="http://schemas.microsoft.com/office/drawing/2014/main" xmlns="" id="{5E770A0A-5799-B8DB-40CF-E252556FC22E}"/>
               </a:ext>
             </a:extLst>
           </p:cNvPr>
@@ -29667,7 +30422,7 @@
                 <a14:useLocalDpi xmlns:a14="http://schemas.microsoft.com/office/drawing/2010/main" val="0"/>
               </a:ext>
               <a:ext uri="{96DAC541-7B7A-43D3-8B79-37D633B846F1}">
-                <asvg:svgBlip xmlns:asvg="http://schemas.microsoft.com/office/drawing/2016/SVG/main" r:embed="rId4"/>
+                <asvg:svgBlip xmlns:asvg="http://schemas.microsoft.com/office/drawing/2016/SVG/main" xmlns="" r:embed="rId4"/>
               </a:ext>
             </a:extLst>
           </a:blip>
@@ -29690,7 +30445,7 @@
           <p:cNvPr id="5" name="Rectangle: Rounded Corners 4">
             <a:extLst>
               <a:ext uri="{FF2B5EF4-FFF2-40B4-BE49-F238E27FC236}">
-                <a16:creationId xmlns:a16="http://schemas.microsoft.com/office/drawing/2014/main" id="{1117F384-9F2B-71F6-FA37-F53FC3D91B93}"/>
+                <a16:creationId xmlns:a16="http://schemas.microsoft.com/office/drawing/2014/main" xmlns="" id="{1117F384-9F2B-71F6-FA37-F53FC3D91B93}"/>
               </a:ext>
             </a:extLst>
           </p:cNvPr>
@@ -29772,7 +30527,7 @@
           <p:cNvPr id="9" name="Graphic 8" descr="Cursor with solid fill">
             <a:extLst>
               <a:ext uri="{FF2B5EF4-FFF2-40B4-BE49-F238E27FC236}">
-                <a16:creationId xmlns:a16="http://schemas.microsoft.com/office/drawing/2014/main" id="{72B463BE-470D-D781-C832-37C6B4F15E68}"/>
+                <a16:creationId xmlns:a16="http://schemas.microsoft.com/office/drawing/2014/main" xmlns="" id="{72B463BE-470D-D781-C832-37C6B4F15E68}"/>
               </a:ext>
             </a:extLst>
           </p:cNvPr>
@@ -29782,13 +30537,13 @@
           <p:nvPr/>
         </p:nvPicPr>
         <p:blipFill>
-          <a:blip r:embed="rId5">
+          <a:blip r:embed="rId5" cstate="print">
             <a:extLst>
               <a:ext uri="{28A0092B-C50C-407E-A947-70E740481C1C}">
                 <a14:useLocalDpi xmlns:a14="http://schemas.microsoft.com/office/drawing/2010/main" val="0"/>
               </a:ext>
               <a:ext uri="{96DAC541-7B7A-43D3-8B79-37D633B846F1}">
-                <asvg:svgBlip xmlns:asvg="http://schemas.microsoft.com/office/drawing/2016/SVG/main" r:embed="rId6"/>
+                <asvg:svgBlip xmlns:asvg="http://schemas.microsoft.com/office/drawing/2016/SVG/main" xmlns="" r:embed="rId6"/>
               </a:ext>
             </a:extLst>
           </a:blip>
@@ -29817,7 +30572,7 @@
     <a:masterClrMapping/>
   </p:clrMapOvr>
   <mc:AlternateContent xmlns:mc="http://schemas.openxmlformats.org/markup-compatibility/2006">
-    <mc:Choice xmlns:p159="http://schemas.microsoft.com/office/powerpoint/2015/09/main" Requires="p159">
+    <mc:Choice xmlns:p159="http://schemas.microsoft.com/office/powerpoint/2015/09/main" xmlns="" Requires="p159">
       <p:transition xmlns:p14="http://schemas.microsoft.com/office/powerpoint/2010/main" spd="slow" p14:dur="2000" advTm="5000">
         <p159:morph option="byObject"/>
       </p:transition>
@@ -29964,7 +30719,7 @@
           <p:cNvPr id="2" name="Title 1">
             <a:extLst>
               <a:ext uri="{FF2B5EF4-FFF2-40B4-BE49-F238E27FC236}">
-                <a16:creationId xmlns:a16="http://schemas.microsoft.com/office/drawing/2014/main" id="{6795C364-D8B0-6C5F-5CB2-C8DC90554ABF}"/>
+                <a16:creationId xmlns:a16="http://schemas.microsoft.com/office/drawing/2014/main" xmlns="" id="{6795C364-D8B0-6C5F-5CB2-C8DC90554ABF}"/>
               </a:ext>
             </a:extLst>
           </p:cNvPr>
@@ -30011,7 +30766,7 @@
           <p:cNvPr id="10" name="Title 1">
             <a:extLst>
               <a:ext uri="{FF2B5EF4-FFF2-40B4-BE49-F238E27FC236}">
-                <a16:creationId xmlns:a16="http://schemas.microsoft.com/office/drawing/2014/main" id="{8CCE61E3-6D5D-7761-D0AC-A06123A35ECF}"/>
+                <a16:creationId xmlns:a16="http://schemas.microsoft.com/office/drawing/2014/main" xmlns="" id="{8CCE61E3-6D5D-7761-D0AC-A06123A35ECF}"/>
               </a:ext>
             </a:extLst>
           </p:cNvPr>
@@ -30082,7 +30837,7 @@
           <p:cNvPr id="13" name="Title 1">
             <a:extLst>
               <a:ext uri="{FF2B5EF4-FFF2-40B4-BE49-F238E27FC236}">
-                <a16:creationId xmlns:a16="http://schemas.microsoft.com/office/drawing/2014/main" id="{079D241A-3B3D-57AD-38C7-DFE6AF62C9F6}"/>
+                <a16:creationId xmlns:a16="http://schemas.microsoft.com/office/drawing/2014/main" xmlns="" id="{079D241A-3B3D-57AD-38C7-DFE6AF62C9F6}"/>
               </a:ext>
             </a:extLst>
           </p:cNvPr>
@@ -30148,7 +30903,7 @@
           <p:cNvPr id="14" name="Rectangle: Rounded Corners 13">
             <a:extLst>
               <a:ext uri="{FF2B5EF4-FFF2-40B4-BE49-F238E27FC236}">
-                <a16:creationId xmlns:a16="http://schemas.microsoft.com/office/drawing/2014/main" id="{1A628809-AABB-864E-DCBA-77D6320108D0}"/>
+                <a16:creationId xmlns:a16="http://schemas.microsoft.com/office/drawing/2014/main" xmlns="" id="{1A628809-AABB-864E-DCBA-77D6320108D0}"/>
               </a:ext>
             </a:extLst>
           </p:cNvPr>
@@ -30200,7 +30955,7 @@
           <p:cNvPr id="15" name="Title 1">
             <a:extLst>
               <a:ext uri="{FF2B5EF4-FFF2-40B4-BE49-F238E27FC236}">
-                <a16:creationId xmlns:a16="http://schemas.microsoft.com/office/drawing/2014/main" id="{67BF3732-7C68-8B47-5D6A-D9C9EE20C685}"/>
+                <a16:creationId xmlns:a16="http://schemas.microsoft.com/office/drawing/2014/main" xmlns="" id="{67BF3732-7C68-8B47-5D6A-D9C9EE20C685}"/>
               </a:ext>
             </a:extLst>
           </p:cNvPr>
@@ -30266,7 +31021,7 @@
           <p:cNvPr id="6" name="Rectangle: Rounded Corners 5">
             <a:extLst>
               <a:ext uri="{FF2B5EF4-FFF2-40B4-BE49-F238E27FC236}">
-                <a16:creationId xmlns:a16="http://schemas.microsoft.com/office/drawing/2014/main" id="{FB37E5ED-0961-C822-A513-61FD3CED49E6}"/>
+                <a16:creationId xmlns:a16="http://schemas.microsoft.com/office/drawing/2014/main" xmlns="" id="{FB37E5ED-0961-C822-A513-61FD3CED49E6}"/>
               </a:ext>
             </a:extLst>
           </p:cNvPr>
@@ -30318,7 +31073,7 @@
           <p:cNvPr id="5" name="Title 1">
             <a:extLst>
               <a:ext uri="{FF2B5EF4-FFF2-40B4-BE49-F238E27FC236}">
-                <a16:creationId xmlns:a16="http://schemas.microsoft.com/office/drawing/2014/main" id="{9200EF24-F0EC-FB38-0953-4B30629285AF}"/>
+                <a16:creationId xmlns:a16="http://schemas.microsoft.com/office/drawing/2014/main" xmlns="" id="{9200EF24-F0EC-FB38-0953-4B30629285AF}"/>
               </a:ext>
             </a:extLst>
           </p:cNvPr>
@@ -30402,7 +31157,7 @@
           <p:cNvPr id="12" name="Title 1">
             <a:extLst>
               <a:ext uri="{FF2B5EF4-FFF2-40B4-BE49-F238E27FC236}">
-                <a16:creationId xmlns:a16="http://schemas.microsoft.com/office/drawing/2014/main" id="{775351E5-3717-9934-5860-F48BD6873926}"/>
+                <a16:creationId xmlns:a16="http://schemas.microsoft.com/office/drawing/2014/main" xmlns="" id="{775351E5-3717-9934-5860-F48BD6873926}"/>
               </a:ext>
             </a:extLst>
           </p:cNvPr>
@@ -30516,7 +31271,7 @@
           <p:cNvPr id="18" name="Straight Connector 17">
             <a:extLst>
               <a:ext uri="{FF2B5EF4-FFF2-40B4-BE49-F238E27FC236}">
-                <a16:creationId xmlns:a16="http://schemas.microsoft.com/office/drawing/2014/main" id="{095D0A00-4000-0A20-6AD1-0C530D2BF359}"/>
+                <a16:creationId xmlns:a16="http://schemas.microsoft.com/office/drawing/2014/main" xmlns="" id="{095D0A00-4000-0A20-6AD1-0C530D2BF359}"/>
               </a:ext>
             </a:extLst>
           </p:cNvPr>
@@ -30561,7 +31316,7 @@
           <p:cNvPr id="19" name="Straight Connector 18">
             <a:extLst>
               <a:ext uri="{FF2B5EF4-FFF2-40B4-BE49-F238E27FC236}">
-                <a16:creationId xmlns:a16="http://schemas.microsoft.com/office/drawing/2014/main" id="{D204048A-22F3-B483-CCF4-D45739ADF4BD}"/>
+                <a16:creationId xmlns:a16="http://schemas.microsoft.com/office/drawing/2014/main" xmlns="" id="{D204048A-22F3-B483-CCF4-D45739ADF4BD}"/>
               </a:ext>
             </a:extLst>
           </p:cNvPr>
@@ -30606,7 +31361,7 @@
           <p:cNvPr id="21" name="Straight Connector 20">
             <a:extLst>
               <a:ext uri="{FF2B5EF4-FFF2-40B4-BE49-F238E27FC236}">
-                <a16:creationId xmlns:a16="http://schemas.microsoft.com/office/drawing/2014/main" id="{03519298-0E42-7FE6-E611-38A8D5D7EBA5}"/>
+                <a16:creationId xmlns:a16="http://schemas.microsoft.com/office/drawing/2014/main" xmlns="" id="{03519298-0E42-7FE6-E611-38A8D5D7EBA5}"/>
               </a:ext>
             </a:extLst>
           </p:cNvPr>
@@ -30650,7 +31405,7 @@
           <p:cNvPr id="28" name="Straight Connector 27">
             <a:extLst>
               <a:ext uri="{FF2B5EF4-FFF2-40B4-BE49-F238E27FC236}">
-                <a16:creationId xmlns:a16="http://schemas.microsoft.com/office/drawing/2014/main" id="{CE511D8B-0D77-2278-125F-D63FD8FA99E7}"/>
+                <a16:creationId xmlns:a16="http://schemas.microsoft.com/office/drawing/2014/main" xmlns="" id="{CE511D8B-0D77-2278-125F-D63FD8FA99E7}"/>
               </a:ext>
             </a:extLst>
           </p:cNvPr>
@@ -30694,7 +31449,7 @@
           <p:cNvPr id="29" name="Straight Connector 28">
             <a:extLst>
               <a:ext uri="{FF2B5EF4-FFF2-40B4-BE49-F238E27FC236}">
-                <a16:creationId xmlns:a16="http://schemas.microsoft.com/office/drawing/2014/main" id="{D5C5D253-6847-D4E3-7D89-6AAA7D5FB91C}"/>
+                <a16:creationId xmlns:a16="http://schemas.microsoft.com/office/drawing/2014/main" xmlns="" id="{D5C5D253-6847-D4E3-7D89-6AAA7D5FB91C}"/>
               </a:ext>
             </a:extLst>
           </p:cNvPr>
@@ -30738,7 +31493,7 @@
           <p:cNvPr id="34" name="Rectangle: Rounded Corners 33">
             <a:extLst>
               <a:ext uri="{FF2B5EF4-FFF2-40B4-BE49-F238E27FC236}">
-                <a16:creationId xmlns:a16="http://schemas.microsoft.com/office/drawing/2014/main" id="{B7FE1E26-9081-5F1D-8810-2CA45DE8B2DD}"/>
+                <a16:creationId xmlns:a16="http://schemas.microsoft.com/office/drawing/2014/main" xmlns="" id="{B7FE1E26-9081-5F1D-8810-2CA45DE8B2DD}"/>
               </a:ext>
             </a:extLst>
           </p:cNvPr>
@@ -30797,7 +31552,7 @@
           <p:cNvPr id="35" name="Straight Connector 34">
             <a:extLst>
               <a:ext uri="{FF2B5EF4-FFF2-40B4-BE49-F238E27FC236}">
-                <a16:creationId xmlns:a16="http://schemas.microsoft.com/office/drawing/2014/main" id="{4CCCBDF4-11B7-9398-3C45-897D79EEDCA8}"/>
+                <a16:creationId xmlns:a16="http://schemas.microsoft.com/office/drawing/2014/main" xmlns="" id="{4CCCBDF4-11B7-9398-3C45-897D79EEDCA8}"/>
               </a:ext>
             </a:extLst>
           </p:cNvPr>
@@ -30848,13 +31603,13 @@
   <p:clrMapOvr>
     <a:masterClrMapping/>
   </p:clrMapOvr>
-  <mc:AlternateContent xmlns:mc="http://schemas.openxmlformats.org/markup-compatibility/2006" xmlns:p159="http://schemas.microsoft.com/office/powerpoint/2015/09/main">
-    <mc:Choice Requires="p159">
+  <mc:AlternateContent xmlns:mc="http://schemas.openxmlformats.org/markup-compatibility/2006">
+    <mc:Choice xmlns:p159="http://schemas.microsoft.com/office/powerpoint/2015/09/main" xmlns="" Requires="p159">
       <p:transition xmlns:p14="http://schemas.microsoft.com/office/powerpoint/2010/main" spd="slow" p14:dur="2000" advTm="11700">
         <p159:morph option="byObject"/>
       </p:transition>
     </mc:Choice>
-    <mc:Fallback xmlns="">
+    <mc:Fallback>
       <p:transition spd="slow" advTm="11700">
         <p:fade/>
       </p:transition>
